--- a/Julia,_good_back_ugly.pptx
+++ b/Julia,_good_back_ugly.pptx
@@ -7,11 +7,17 @@
   <p:sldIdLst>
     <p:sldId id="256" r:id="rId2"/>
     <p:sldId id="257" r:id="rId3"/>
-    <p:sldId id="259" r:id="rId4"/>
-    <p:sldId id="258" r:id="rId5"/>
-    <p:sldId id="260" r:id="rId6"/>
-    <p:sldId id="261" r:id="rId7"/>
-    <p:sldId id="262" r:id="rId8"/>
+    <p:sldId id="263" r:id="rId4"/>
+    <p:sldId id="259" r:id="rId5"/>
+    <p:sldId id="258" r:id="rId6"/>
+    <p:sldId id="260" r:id="rId7"/>
+    <p:sldId id="261" r:id="rId8"/>
+    <p:sldId id="262" r:id="rId9"/>
+    <p:sldId id="264" r:id="rId10"/>
+    <p:sldId id="266" r:id="rId11"/>
+    <p:sldId id="267" r:id="rId12"/>
+    <p:sldId id="268" r:id="rId13"/>
+    <p:sldId id="265" r:id="rId14"/>
   </p:sldIdLst>
   <p:sldSz cx="12192000" cy="6858000"/>
   <p:notesSz cx="6858000" cy="9144000"/>
@@ -3415,6 +3421,1436 @@
 </p:sld>
 </file>
 
+<file path=ppt/slides/slide10.xml><?xml version="1.0" encoding="utf-8"?>
+<p:sld xmlns:a="http://schemas.openxmlformats.org/drawingml/2006/main" xmlns:r="http://schemas.openxmlformats.org/officeDocument/2006/relationships" xmlns:p="http://schemas.openxmlformats.org/presentationml/2006/main">
+  <p:cSld>
+    <p:spTree>
+      <p:nvGrpSpPr>
+        <p:cNvPr id="1" name=""/>
+        <p:cNvGrpSpPr/>
+        <p:nvPr/>
+      </p:nvGrpSpPr>
+      <p:grpSpPr>
+        <a:xfrm>
+          <a:off x="0" y="0"/>
+          <a:ext cx="0" cy="0"/>
+          <a:chOff x="0" y="0"/>
+          <a:chExt cx="0" cy="0"/>
+        </a:xfrm>
+      </p:grpSpPr>
+      <p:sp>
+        <p:nvSpPr>
+          <p:cNvPr id="2" name="Title 1">
+            <a:extLst>
+              <a:ext uri="{FF2B5EF4-FFF2-40B4-BE49-F238E27FC236}">
+                <a16:creationId xmlns:a16="http://schemas.microsoft.com/office/drawing/2014/main" id="{DE8AF62F-AC75-4212-9AE7-C283CD4CDC59}"/>
+              </a:ext>
+            </a:extLst>
+          </p:cNvPr>
+          <p:cNvSpPr>
+            <a:spLocks noGrp="1"/>
+          </p:cNvSpPr>
+          <p:nvPr>
+            <p:ph type="title"/>
+          </p:nvPr>
+        </p:nvSpPr>
+        <p:spPr/>
+        <p:txBody>
+          <a:bodyPr/>
+          <a:lstStyle/>
+          <a:p>
+            <a:r>
+              <a:rPr lang="en-US" dirty="0"/>
+              <a:t>Basic data types</a:t>
+            </a:r>
+          </a:p>
+        </p:txBody>
+      </p:sp>
+      <p:sp>
+        <p:nvSpPr>
+          <p:cNvPr id="3" name="Content Placeholder 2">
+            <a:extLst>
+              <a:ext uri="{FF2B5EF4-FFF2-40B4-BE49-F238E27FC236}">
+                <a16:creationId xmlns:a16="http://schemas.microsoft.com/office/drawing/2014/main" id="{239263D6-7F67-4595-9168-D847FCA4F41E}"/>
+              </a:ext>
+            </a:extLst>
+          </p:cNvPr>
+          <p:cNvSpPr>
+            <a:spLocks noGrp="1"/>
+          </p:cNvSpPr>
+          <p:nvPr>
+            <p:ph idx="1"/>
+          </p:nvPr>
+        </p:nvSpPr>
+        <p:spPr/>
+        <p:txBody>
+          <a:bodyPr>
+            <a:normAutofit fontScale="70000" lnSpcReduction="20000"/>
+          </a:bodyPr>
+          <a:lstStyle/>
+          <a:p>
+            <a:r>
+              <a:rPr lang="en-US" dirty="0"/>
+              <a:t>Integers:</a:t>
+            </a:r>
+          </a:p>
+          <a:p>
+            <a:pPr lvl="1"/>
+            <a:r>
+              <a:rPr lang="en-US" dirty="0">
+                <a:latin typeface="Consolas" panose="020B0609020204030204" pitchFamily="49" charset="0"/>
+              </a:rPr>
+              <a:t>Int8</a:t>
+            </a:r>
+            <a:r>
+              <a:rPr lang="en-US" dirty="0"/>
+              <a:t>, </a:t>
+            </a:r>
+            <a:r>
+              <a:rPr lang="en-US" dirty="0">
+                <a:latin typeface="Consolas" panose="020B0609020204030204" pitchFamily="49" charset="0"/>
+              </a:rPr>
+              <a:t>Int16</a:t>
+            </a:r>
+            <a:r>
+              <a:rPr lang="en-US" dirty="0"/>
+              <a:t>, </a:t>
+            </a:r>
+            <a:r>
+              <a:rPr lang="en-US" dirty="0">
+                <a:latin typeface="Consolas" panose="020B0609020204030204" pitchFamily="49" charset="0"/>
+              </a:rPr>
+              <a:t>Int32</a:t>
+            </a:r>
+            <a:r>
+              <a:rPr lang="en-US" dirty="0"/>
+              <a:t>, </a:t>
+            </a:r>
+            <a:r>
+              <a:rPr lang="en-US" dirty="0">
+                <a:latin typeface="Consolas" panose="020B0609020204030204" pitchFamily="49" charset="0"/>
+              </a:rPr>
+              <a:t>Int64</a:t>
+            </a:r>
+            <a:r>
+              <a:rPr lang="en-US" dirty="0"/>
+              <a:t>, </a:t>
+            </a:r>
+            <a:r>
+              <a:rPr lang="en-US" dirty="0">
+                <a:latin typeface="Consolas" panose="020B0609020204030204" pitchFamily="49" charset="0"/>
+              </a:rPr>
+              <a:t>Int128</a:t>
+            </a:r>
+            <a:endParaRPr lang="en-US" dirty="0"/>
+          </a:p>
+          <a:p>
+            <a:pPr lvl="1"/>
+            <a:r>
+              <a:rPr lang="en-US" dirty="0">
+                <a:latin typeface="Consolas" panose="020B0609020204030204" pitchFamily="49" charset="0"/>
+              </a:rPr>
+              <a:t>UInt8</a:t>
+            </a:r>
+            <a:r>
+              <a:rPr lang="en-US" dirty="0"/>
+              <a:t>, </a:t>
+            </a:r>
+            <a:r>
+              <a:rPr lang="en-US" dirty="0">
+                <a:latin typeface="Consolas" panose="020B0609020204030204" pitchFamily="49" charset="0"/>
+              </a:rPr>
+              <a:t>UInt16</a:t>
+            </a:r>
+            <a:r>
+              <a:rPr lang="en-US" dirty="0"/>
+              <a:t>, </a:t>
+            </a:r>
+            <a:r>
+              <a:rPr lang="en-US" dirty="0">
+                <a:latin typeface="Consolas" panose="020B0609020204030204" pitchFamily="49" charset="0"/>
+              </a:rPr>
+              <a:t>UInt32</a:t>
+            </a:r>
+            <a:r>
+              <a:rPr lang="en-US" dirty="0"/>
+              <a:t>, </a:t>
+            </a:r>
+            <a:r>
+              <a:rPr lang="en-US" dirty="0">
+                <a:latin typeface="Consolas" panose="020B0609020204030204" pitchFamily="49" charset="0"/>
+              </a:rPr>
+              <a:t>UInt64</a:t>
+            </a:r>
+            <a:r>
+              <a:rPr lang="en-US" dirty="0"/>
+              <a:t>, </a:t>
+            </a:r>
+            <a:r>
+              <a:rPr lang="en-US" dirty="0">
+                <a:latin typeface="Consolas" panose="020B0609020204030204" pitchFamily="49" charset="0"/>
+              </a:rPr>
+              <a:t>UInt128</a:t>
+            </a:r>
+          </a:p>
+          <a:p>
+            <a:r>
+              <a:rPr lang="en-US" dirty="0"/>
+              <a:t>Rational numbers: </a:t>
+            </a:r>
+            <a:r>
+              <a:rPr lang="en-US" dirty="0">
+                <a:latin typeface="Consolas" panose="020B0609020204030204" pitchFamily="49" charset="0"/>
+              </a:rPr>
+              <a:t>Rational{</a:t>
+            </a:r>
+            <a:r>
+              <a:rPr lang="en-US" dirty="0" err="1">
+                <a:latin typeface="Consolas" panose="020B0609020204030204" pitchFamily="49" charset="0"/>
+              </a:rPr>
+              <a:t>int_type</a:t>
+            </a:r>
+            <a:r>
+              <a:rPr lang="en-US" dirty="0">
+                <a:latin typeface="Consolas" panose="020B0609020204030204" pitchFamily="49" charset="0"/>
+              </a:rPr>
+              <a:t>}</a:t>
+            </a:r>
+          </a:p>
+          <a:p>
+            <a:pPr lvl="1"/>
+            <a:r>
+              <a:rPr lang="en-US" dirty="0"/>
+              <a:t>E.g., </a:t>
+            </a:r>
+            <a:r>
+              <a:rPr lang="en-US" dirty="0">
+                <a:latin typeface="Consolas" panose="020B0609020204030204" pitchFamily="49" charset="0"/>
+              </a:rPr>
+              <a:t>1//3</a:t>
+            </a:r>
+            <a:r>
+              <a:rPr lang="en-US" dirty="0"/>
+              <a:t>, </a:t>
+            </a:r>
+            <a:r>
+              <a:rPr lang="en-US" dirty="0">
+                <a:latin typeface="Consolas" panose="020B0609020204030204" pitchFamily="49" charset="0"/>
+              </a:rPr>
+              <a:t>5//4</a:t>
+            </a:r>
+          </a:p>
+          <a:p>
+            <a:r>
+              <a:rPr lang="en-US" dirty="0"/>
+              <a:t>Floating point numbers: </a:t>
+            </a:r>
+            <a:r>
+              <a:rPr lang="en-US" dirty="0">
+                <a:latin typeface="Consolas" panose="020B0609020204030204" pitchFamily="49" charset="0"/>
+              </a:rPr>
+              <a:t>Float16</a:t>
+            </a:r>
+            <a:r>
+              <a:rPr lang="en-US" dirty="0"/>
+              <a:t>, </a:t>
+            </a:r>
+            <a:r>
+              <a:rPr lang="en-US" dirty="0">
+                <a:latin typeface="Consolas" panose="020B0609020204030204" pitchFamily="49" charset="0"/>
+              </a:rPr>
+              <a:t>Float32</a:t>
+            </a:r>
+            <a:r>
+              <a:rPr lang="en-US" dirty="0"/>
+              <a:t>, </a:t>
+            </a:r>
+            <a:r>
+              <a:rPr lang="en-US" dirty="0">
+                <a:latin typeface="Consolas" panose="020B0609020204030204" pitchFamily="49" charset="0"/>
+              </a:rPr>
+              <a:t>Float64</a:t>
+            </a:r>
+            <a:endParaRPr lang="en-US" dirty="0"/>
+          </a:p>
+          <a:p>
+            <a:r>
+              <a:rPr lang="en-US" dirty="0"/>
+              <a:t>Complex numbers: </a:t>
+            </a:r>
+            <a:r>
+              <a:rPr lang="en-US" dirty="0">
+                <a:latin typeface="Consolas" panose="020B0609020204030204" pitchFamily="49" charset="0"/>
+              </a:rPr>
+              <a:t>ComplexF16</a:t>
+            </a:r>
+            <a:r>
+              <a:rPr lang="en-US" dirty="0"/>
+              <a:t>, </a:t>
+            </a:r>
+            <a:r>
+              <a:rPr lang="en-US" dirty="0">
+                <a:latin typeface="Consolas" panose="020B0609020204030204" pitchFamily="49" charset="0"/>
+              </a:rPr>
+              <a:t>ComplexF32</a:t>
+            </a:r>
+            <a:r>
+              <a:rPr lang="en-US" dirty="0"/>
+              <a:t>, </a:t>
+            </a:r>
+            <a:r>
+              <a:rPr lang="en-US" dirty="0">
+                <a:latin typeface="Consolas" panose="020B0609020204030204" pitchFamily="49" charset="0"/>
+              </a:rPr>
+              <a:t>ComplexF64</a:t>
+            </a:r>
+            <a:endParaRPr lang="en-US" dirty="0"/>
+          </a:p>
+          <a:p>
+            <a:pPr lvl="1"/>
+            <a:r>
+              <a:rPr lang="en-US" dirty="0"/>
+              <a:t>E.g., </a:t>
+            </a:r>
+            <a:r>
+              <a:rPr lang="en-US" dirty="0">
+                <a:latin typeface="Consolas" panose="020B0609020204030204" pitchFamily="49" charset="0"/>
+              </a:rPr>
+              <a:t>3.1 – 0.3im</a:t>
+            </a:r>
+          </a:p>
+          <a:p>
+            <a:r>
+              <a:rPr lang="en-US" dirty="0"/>
+              <a:t>Boolean type: </a:t>
+            </a:r>
+            <a:r>
+              <a:rPr lang="en-US" dirty="0">
+                <a:latin typeface="Consolas" panose="020B0609020204030204" pitchFamily="49" charset="0"/>
+              </a:rPr>
+              <a:t>Bool</a:t>
+            </a:r>
+            <a:r>
+              <a:rPr lang="en-US" dirty="0"/>
+              <a:t> (8-bit)</a:t>
+            </a:r>
+          </a:p>
+          <a:p>
+            <a:pPr lvl="1"/>
+            <a:r>
+              <a:rPr lang="en-US" dirty="0">
+                <a:latin typeface="Consolas" panose="020B0609020204030204" pitchFamily="49" charset="0"/>
+              </a:rPr>
+              <a:t>true</a:t>
+            </a:r>
+            <a:r>
+              <a:rPr lang="en-US" dirty="0"/>
+              <a:t>/</a:t>
+            </a:r>
+            <a:r>
+              <a:rPr lang="en-US" dirty="0">
+                <a:latin typeface="Consolas" panose="020B0609020204030204" pitchFamily="49" charset="0"/>
+              </a:rPr>
+              <a:t>false</a:t>
+            </a:r>
+          </a:p>
+          <a:p>
+            <a:r>
+              <a:rPr lang="en-US" dirty="0"/>
+              <a:t>Character type: </a:t>
+            </a:r>
+            <a:r>
+              <a:rPr lang="en-US" dirty="0">
+                <a:latin typeface="Consolas" panose="020B0609020204030204" pitchFamily="49" charset="0"/>
+              </a:rPr>
+              <a:t>Char</a:t>
+            </a:r>
+            <a:r>
+              <a:rPr lang="en-US" dirty="0"/>
+              <a:t> (32-bit Unicode)</a:t>
+            </a:r>
+          </a:p>
+          <a:p>
+            <a:pPr lvl="1"/>
+            <a:r>
+              <a:rPr lang="en-US" dirty="0"/>
+              <a:t>E.g., </a:t>
+            </a:r>
+            <a:r>
+              <a:rPr lang="en-US" dirty="0">
+                <a:latin typeface="Consolas" panose="020B0609020204030204" pitchFamily="49" charset="0"/>
+              </a:rPr>
+              <a:t>'a'</a:t>
+            </a:r>
+            <a:r>
+              <a:rPr lang="en-US" dirty="0"/>
+              <a:t>, </a:t>
+            </a:r>
+            <a:r>
+              <a:rPr lang="en-US" dirty="0">
+                <a:latin typeface="Consolas" panose="020B0609020204030204" pitchFamily="49" charset="0"/>
+              </a:rPr>
+              <a:t>'\t'</a:t>
+            </a:r>
+          </a:p>
+          <a:p>
+            <a:r>
+              <a:rPr lang="en-US" dirty="0"/>
+              <a:t>Strings: </a:t>
+            </a:r>
+            <a:r>
+              <a:rPr lang="en-US" dirty="0">
+                <a:latin typeface="Consolas" panose="020B0609020204030204" pitchFamily="49" charset="0"/>
+              </a:rPr>
+              <a:t>String</a:t>
+            </a:r>
+          </a:p>
+          <a:p>
+            <a:pPr lvl="1"/>
+            <a:r>
+              <a:rPr lang="en-US" dirty="0"/>
+              <a:t>E.g., </a:t>
+            </a:r>
+            <a:r>
+              <a:rPr lang="en-US" dirty="0">
+                <a:latin typeface="Consolas" panose="020B0609020204030204" pitchFamily="49" charset="0"/>
+              </a:rPr>
+              <a:t>"</a:t>
+            </a:r>
+            <a:r>
+              <a:rPr lang="en-US" dirty="0" err="1">
+                <a:latin typeface="Consolas" panose="020B0609020204030204" pitchFamily="49" charset="0"/>
+              </a:rPr>
+              <a:t>abc</a:t>
+            </a:r>
+            <a:r>
+              <a:rPr lang="en-US" dirty="0">
+                <a:latin typeface="Consolas" panose="020B0609020204030204" pitchFamily="49" charset="0"/>
+              </a:rPr>
+              <a:t>"</a:t>
+            </a:r>
+          </a:p>
+        </p:txBody>
+      </p:sp>
+    </p:spTree>
+    <p:extLst>
+      <p:ext uri="{BB962C8B-B14F-4D97-AF65-F5344CB8AC3E}">
+        <p14:creationId xmlns:p14="http://schemas.microsoft.com/office/powerpoint/2010/main" val="1672226632"/>
+      </p:ext>
+    </p:extLst>
+  </p:cSld>
+  <p:clrMapOvr>
+    <a:masterClrMapping/>
+  </p:clrMapOvr>
+</p:sld>
+</file>
+
+<file path=ppt/slides/slide11.xml><?xml version="1.0" encoding="utf-8"?>
+<p:sld xmlns:a="http://schemas.openxmlformats.org/drawingml/2006/main" xmlns:r="http://schemas.openxmlformats.org/officeDocument/2006/relationships" xmlns:p="http://schemas.openxmlformats.org/presentationml/2006/main">
+  <p:cSld>
+    <p:spTree>
+      <p:nvGrpSpPr>
+        <p:cNvPr id="1" name=""/>
+        <p:cNvGrpSpPr/>
+        <p:nvPr/>
+      </p:nvGrpSpPr>
+      <p:grpSpPr>
+        <a:xfrm>
+          <a:off x="0" y="0"/>
+          <a:ext cx="0" cy="0"/>
+          <a:chOff x="0" y="0"/>
+          <a:chExt cx="0" cy="0"/>
+        </a:xfrm>
+      </p:grpSpPr>
+      <p:sp>
+        <p:nvSpPr>
+          <p:cNvPr id="2" name="Title 1">
+            <a:extLst>
+              <a:ext uri="{FF2B5EF4-FFF2-40B4-BE49-F238E27FC236}">
+                <a16:creationId xmlns:a16="http://schemas.microsoft.com/office/drawing/2014/main" id="{C601246C-1472-42AD-B64D-5A38240DD9CA}"/>
+              </a:ext>
+            </a:extLst>
+          </p:cNvPr>
+          <p:cNvSpPr>
+            <a:spLocks noGrp="1"/>
+          </p:cNvSpPr>
+          <p:nvPr>
+            <p:ph type="title"/>
+          </p:nvPr>
+        </p:nvSpPr>
+        <p:spPr/>
+        <p:txBody>
+          <a:bodyPr/>
+          <a:lstStyle/>
+          <a:p>
+            <a:r>
+              <a:rPr lang="en-US" dirty="0"/>
+              <a:t>Structures: mutable versus immutable</a:t>
+            </a:r>
+          </a:p>
+        </p:txBody>
+      </p:sp>
+      <p:sp>
+        <p:nvSpPr>
+          <p:cNvPr id="4" name="TextBox 3">
+            <a:extLst>
+              <a:ext uri="{FF2B5EF4-FFF2-40B4-BE49-F238E27FC236}">
+                <a16:creationId xmlns:a16="http://schemas.microsoft.com/office/drawing/2014/main" id="{DD3C4166-BFE6-4D41-B557-12E7B38FF60B}"/>
+              </a:ext>
+            </a:extLst>
+          </p:cNvPr>
+          <p:cNvSpPr txBox="1"/>
+          <p:nvPr/>
+        </p:nvSpPr>
+        <p:spPr>
+          <a:xfrm>
+            <a:off x="724930" y="1867639"/>
+            <a:ext cx="4716166" cy="1477328"/>
+          </a:xfrm>
+          <a:prstGeom prst="rect">
+            <a:avLst/>
+          </a:prstGeom>
+          <a:solidFill>
+            <a:schemeClr val="bg1">
+              <a:lumMod val="85000"/>
+            </a:schemeClr>
+          </a:solidFill>
+        </p:spPr>
+        <p:txBody>
+          <a:bodyPr wrap="square" rtlCol="0">
+            <a:spAutoFit/>
+          </a:bodyPr>
+          <a:lstStyle/>
+          <a:p>
+            <a:r>
+              <a:rPr lang="en-US" dirty="0">
+                <a:latin typeface="Consolas" panose="020B0609020204030204" pitchFamily="49" charset="0"/>
+              </a:rPr>
+              <a:t>struct Person</a:t>
+            </a:r>
+          </a:p>
+          <a:p>
+            <a:r>
+              <a:rPr lang="en-US" dirty="0">
+                <a:latin typeface="Consolas" panose="020B0609020204030204" pitchFamily="49" charset="0"/>
+              </a:rPr>
+              <a:t>    </a:t>
+            </a:r>
+            <a:r>
+              <a:rPr lang="en-US" dirty="0" err="1">
+                <a:latin typeface="Consolas" panose="020B0609020204030204" pitchFamily="49" charset="0"/>
+              </a:rPr>
+              <a:t>first_name</a:t>
+            </a:r>
+            <a:r>
+              <a:rPr lang="en-US" dirty="0">
+                <a:latin typeface="Consolas" panose="020B0609020204030204" pitchFamily="49" charset="0"/>
+              </a:rPr>
+              <a:t>::String</a:t>
+            </a:r>
+          </a:p>
+          <a:p>
+            <a:r>
+              <a:rPr lang="en-US" dirty="0">
+                <a:latin typeface="Consolas" panose="020B0609020204030204" pitchFamily="49" charset="0"/>
+              </a:rPr>
+              <a:t>    </a:t>
+            </a:r>
+            <a:r>
+              <a:rPr lang="en-US" dirty="0" err="1">
+                <a:latin typeface="Consolas" panose="020B0609020204030204" pitchFamily="49" charset="0"/>
+              </a:rPr>
+              <a:t>last_name</a:t>
+            </a:r>
+            <a:r>
+              <a:rPr lang="en-US" dirty="0">
+                <a:latin typeface="Consolas" panose="020B0609020204030204" pitchFamily="49" charset="0"/>
+              </a:rPr>
+              <a:t>::String</a:t>
+            </a:r>
+          </a:p>
+          <a:p>
+            <a:r>
+              <a:rPr lang="en-US" dirty="0">
+                <a:latin typeface="Consolas" panose="020B0609020204030204" pitchFamily="49" charset="0"/>
+              </a:rPr>
+              <a:t>    age::Int8</a:t>
+            </a:r>
+          </a:p>
+          <a:p>
+            <a:r>
+              <a:rPr lang="en-US" dirty="0">
+                <a:latin typeface="Consolas" panose="020B0609020204030204" pitchFamily="49" charset="0"/>
+              </a:rPr>
+              <a:t>end</a:t>
+            </a:r>
+          </a:p>
+        </p:txBody>
+      </p:sp>
+      <p:sp>
+        <p:nvSpPr>
+          <p:cNvPr id="5" name="TextBox 4">
+            <a:extLst>
+              <a:ext uri="{FF2B5EF4-FFF2-40B4-BE49-F238E27FC236}">
+                <a16:creationId xmlns:a16="http://schemas.microsoft.com/office/drawing/2014/main" id="{B96BA6E3-9B93-4A60-8854-1A4F8E21DA3F}"/>
+              </a:ext>
+            </a:extLst>
+          </p:cNvPr>
+          <p:cNvSpPr txBox="1"/>
+          <p:nvPr/>
+        </p:nvSpPr>
+        <p:spPr>
+          <a:xfrm>
+            <a:off x="6404919" y="1867639"/>
+            <a:ext cx="4716166" cy="369332"/>
+          </a:xfrm>
+          <a:prstGeom prst="rect">
+            <a:avLst/>
+          </a:prstGeom>
+          <a:solidFill>
+            <a:schemeClr val="bg1">
+              <a:lumMod val="85000"/>
+            </a:schemeClr>
+          </a:solidFill>
+        </p:spPr>
+        <p:txBody>
+          <a:bodyPr wrap="square" rtlCol="0">
+            <a:spAutoFit/>
+          </a:bodyPr>
+          <a:lstStyle/>
+          <a:p>
+            <a:r>
+              <a:rPr lang="en-US" dirty="0">
+                <a:latin typeface="Consolas" panose="020B0609020204030204" pitchFamily="49" charset="0"/>
+              </a:rPr>
+              <a:t>me = Person("Geert Jan", "Bex", 53)</a:t>
+            </a:r>
+          </a:p>
+        </p:txBody>
+      </p:sp>
+      <p:sp>
+        <p:nvSpPr>
+          <p:cNvPr id="6" name="TextBox 5">
+            <a:extLst>
+              <a:ext uri="{FF2B5EF4-FFF2-40B4-BE49-F238E27FC236}">
+                <a16:creationId xmlns:a16="http://schemas.microsoft.com/office/drawing/2014/main" id="{7D7A28D2-B9DE-496F-AB45-1940C1BD6414}"/>
+              </a:ext>
+            </a:extLst>
+          </p:cNvPr>
+          <p:cNvSpPr txBox="1"/>
+          <p:nvPr/>
+        </p:nvSpPr>
+        <p:spPr>
+          <a:xfrm>
+            <a:off x="7900087" y="1321356"/>
+            <a:ext cx="1416798" cy="400110"/>
+          </a:xfrm>
+          <a:prstGeom prst="rect">
+            <a:avLst/>
+          </a:prstGeom>
+          <a:noFill/>
+        </p:spPr>
+        <p:txBody>
+          <a:bodyPr wrap="none" rtlCol="0">
+            <a:spAutoFit/>
+          </a:bodyPr>
+          <a:lstStyle/>
+          <a:p>
+            <a:r>
+              <a:rPr lang="en-US" sz="2000" dirty="0"/>
+              <a:t>Constructor</a:t>
+            </a:r>
+          </a:p>
+        </p:txBody>
+      </p:sp>
+      <p:cxnSp>
+        <p:nvCxnSpPr>
+          <p:cNvPr id="8" name="Straight Arrow Connector 7">
+            <a:extLst>
+              <a:ext uri="{FF2B5EF4-FFF2-40B4-BE49-F238E27FC236}">
+                <a16:creationId xmlns:a16="http://schemas.microsoft.com/office/drawing/2014/main" id="{8B46CAF8-9364-41D0-815F-090D5D476AA7}"/>
+              </a:ext>
+            </a:extLst>
+          </p:cNvPr>
+          <p:cNvCxnSpPr>
+            <a:stCxn id="6" idx="1"/>
+          </p:cNvCxnSpPr>
+          <p:nvPr/>
+        </p:nvCxnSpPr>
+        <p:spPr>
+          <a:xfrm flipH="1">
+            <a:off x="7595287" y="1521411"/>
+            <a:ext cx="304800" cy="346228"/>
+          </a:xfrm>
+          <a:prstGeom prst="straightConnector1">
+            <a:avLst/>
+          </a:prstGeom>
+          <a:ln w="12700">
+            <a:solidFill>
+              <a:schemeClr val="tx1"/>
+            </a:solidFill>
+            <a:tailEnd type="stealth" w="lg" len="lg"/>
+          </a:ln>
+        </p:spPr>
+        <p:style>
+          <a:lnRef idx="1">
+            <a:schemeClr val="accent1"/>
+          </a:lnRef>
+          <a:fillRef idx="0">
+            <a:schemeClr val="accent1"/>
+          </a:fillRef>
+          <a:effectRef idx="0">
+            <a:schemeClr val="accent1"/>
+          </a:effectRef>
+          <a:fontRef idx="minor">
+            <a:schemeClr val="tx1"/>
+          </a:fontRef>
+        </p:style>
+      </p:cxnSp>
+      <p:sp>
+        <p:nvSpPr>
+          <p:cNvPr id="9" name="TextBox 8">
+            <a:extLst>
+              <a:ext uri="{FF2B5EF4-FFF2-40B4-BE49-F238E27FC236}">
+                <a16:creationId xmlns:a16="http://schemas.microsoft.com/office/drawing/2014/main" id="{E4900A48-CAE2-4B5D-A74C-2CFAAA86868A}"/>
+              </a:ext>
+            </a:extLst>
+          </p:cNvPr>
+          <p:cNvSpPr txBox="1"/>
+          <p:nvPr/>
+        </p:nvSpPr>
+        <p:spPr>
+          <a:xfrm>
+            <a:off x="6404919" y="2421637"/>
+            <a:ext cx="4716166" cy="369332"/>
+          </a:xfrm>
+          <a:prstGeom prst="rect">
+            <a:avLst/>
+          </a:prstGeom>
+          <a:solidFill>
+            <a:schemeClr val="bg1">
+              <a:lumMod val="85000"/>
+            </a:schemeClr>
+          </a:solidFill>
+        </p:spPr>
+        <p:txBody>
+          <a:bodyPr wrap="square" rtlCol="0">
+            <a:spAutoFit/>
+          </a:bodyPr>
+          <a:lstStyle/>
+          <a:p>
+            <a:r>
+              <a:rPr lang="en-US" dirty="0" err="1">
+                <a:latin typeface="Consolas" panose="020B0609020204030204" pitchFamily="49" charset="0"/>
+              </a:rPr>
+              <a:t>println</a:t>
+            </a:r>
+            <a:r>
+              <a:rPr lang="en-US" dirty="0">
+                <a:latin typeface="Consolas" panose="020B0609020204030204" pitchFamily="49" charset="0"/>
+              </a:rPr>
+              <a:t>(</a:t>
+            </a:r>
+            <a:r>
+              <a:rPr lang="en-US" dirty="0" err="1">
+                <a:latin typeface="Consolas" panose="020B0609020204030204" pitchFamily="49" charset="0"/>
+              </a:rPr>
+              <a:t>me.age</a:t>
+            </a:r>
+            <a:r>
+              <a:rPr lang="en-US" dirty="0">
+                <a:latin typeface="Consolas" panose="020B0609020204030204" pitchFamily="49" charset="0"/>
+              </a:rPr>
+              <a:t>)</a:t>
+            </a:r>
+          </a:p>
+        </p:txBody>
+      </p:sp>
+      <p:sp>
+        <p:nvSpPr>
+          <p:cNvPr id="10" name="TextBox 9">
+            <a:extLst>
+              <a:ext uri="{FF2B5EF4-FFF2-40B4-BE49-F238E27FC236}">
+                <a16:creationId xmlns:a16="http://schemas.microsoft.com/office/drawing/2014/main" id="{ECA9B219-F85D-4EB2-867C-CC0BE8CAC4F6}"/>
+              </a:ext>
+            </a:extLst>
+          </p:cNvPr>
+          <p:cNvSpPr txBox="1"/>
+          <p:nvPr/>
+        </p:nvSpPr>
+        <p:spPr>
+          <a:xfrm>
+            <a:off x="6404919" y="2975635"/>
+            <a:ext cx="4716166" cy="369332"/>
+          </a:xfrm>
+          <a:prstGeom prst="rect">
+            <a:avLst/>
+          </a:prstGeom>
+          <a:solidFill>
+            <a:schemeClr val="bg1">
+              <a:lumMod val="85000"/>
+            </a:schemeClr>
+          </a:solidFill>
+        </p:spPr>
+        <p:txBody>
+          <a:bodyPr wrap="square" rtlCol="0">
+            <a:spAutoFit/>
+          </a:bodyPr>
+          <a:lstStyle/>
+          <a:p>
+            <a:r>
+              <a:rPr lang="en-US" dirty="0" err="1">
+                <a:latin typeface="Consolas" panose="020B0609020204030204" pitchFamily="49" charset="0"/>
+              </a:rPr>
+              <a:t>me.age</a:t>
+            </a:r>
+            <a:r>
+              <a:rPr lang="en-US" dirty="0">
+                <a:latin typeface="Consolas" panose="020B0609020204030204" pitchFamily="49" charset="0"/>
+              </a:rPr>
+              <a:t> += 1</a:t>
+            </a:r>
+          </a:p>
+        </p:txBody>
+      </p:sp>
+      <p:sp>
+        <p:nvSpPr>
+          <p:cNvPr id="11" name="TextBox 10">
+            <a:extLst>
+              <a:ext uri="{FF2B5EF4-FFF2-40B4-BE49-F238E27FC236}">
+                <a16:creationId xmlns:a16="http://schemas.microsoft.com/office/drawing/2014/main" id="{06172FA5-057B-48E1-A1DE-74ACCBAE05A0}"/>
+              </a:ext>
+            </a:extLst>
+          </p:cNvPr>
+          <p:cNvSpPr txBox="1"/>
+          <p:nvPr/>
+        </p:nvSpPr>
+        <p:spPr>
+          <a:xfrm>
+            <a:off x="8431995" y="2446864"/>
+            <a:ext cx="352982" cy="461665"/>
+          </a:xfrm>
+          <a:prstGeom prst="rect">
+            <a:avLst/>
+          </a:prstGeom>
+          <a:noFill/>
+        </p:spPr>
+        <p:txBody>
+          <a:bodyPr wrap="none" rtlCol="0">
+            <a:spAutoFit/>
+          </a:bodyPr>
+          <a:lstStyle/>
+          <a:p>
+            <a:r>
+              <a:rPr lang="en-US" sz="2400" b="1" i="1" dirty="0">
+                <a:solidFill>
+                  <a:srgbClr val="00B050"/>
+                </a:solidFill>
+                <a:sym typeface="Symbol" panose="05050102010706020507" pitchFamily="18" charset="2"/>
+              </a:rPr>
+              <a:t></a:t>
+            </a:r>
+            <a:endParaRPr lang="en-US" sz="2400" b="1" i="1" dirty="0">
+              <a:solidFill>
+                <a:srgbClr val="00B050"/>
+              </a:solidFill>
+            </a:endParaRPr>
+          </a:p>
+        </p:txBody>
+      </p:sp>
+      <p:grpSp>
+        <p:nvGrpSpPr>
+          <p:cNvPr id="20" name="Group 19">
+            <a:extLst>
+              <a:ext uri="{FF2B5EF4-FFF2-40B4-BE49-F238E27FC236}">
+                <a16:creationId xmlns:a16="http://schemas.microsoft.com/office/drawing/2014/main" id="{04248046-388E-4EF6-81C7-549217914255}"/>
+              </a:ext>
+            </a:extLst>
+          </p:cNvPr>
+          <p:cNvGrpSpPr/>
+          <p:nvPr/>
+        </p:nvGrpSpPr>
+        <p:grpSpPr>
+          <a:xfrm>
+            <a:off x="8522330" y="3093195"/>
+            <a:ext cx="262647" cy="175098"/>
+            <a:chOff x="6281635" y="4066162"/>
+            <a:chExt cx="262647" cy="175098"/>
+          </a:xfrm>
+        </p:grpSpPr>
+        <p:cxnSp>
+          <p:nvCxnSpPr>
+            <p:cNvPr id="13" name="Straight Connector 12">
+              <a:extLst>
+                <a:ext uri="{FF2B5EF4-FFF2-40B4-BE49-F238E27FC236}">
+                  <a16:creationId xmlns:a16="http://schemas.microsoft.com/office/drawing/2014/main" id="{11329053-26AD-4C83-98E3-87CDF2827771}"/>
+                </a:ext>
+              </a:extLst>
+            </p:cNvPr>
+            <p:cNvCxnSpPr/>
+            <p:nvPr/>
+          </p:nvCxnSpPr>
+          <p:spPr>
+            <a:xfrm>
+              <a:off x="6281635" y="4066162"/>
+              <a:ext cx="262647" cy="175098"/>
+            </a:xfrm>
+            <a:prstGeom prst="line">
+              <a:avLst/>
+            </a:prstGeom>
+            <a:ln w="19050">
+              <a:solidFill>
+                <a:srgbClr val="C00000"/>
+              </a:solidFill>
+            </a:ln>
+          </p:spPr>
+          <p:style>
+            <a:lnRef idx="1">
+              <a:schemeClr val="accent1"/>
+            </a:lnRef>
+            <a:fillRef idx="0">
+              <a:schemeClr val="accent1"/>
+            </a:fillRef>
+            <a:effectRef idx="0">
+              <a:schemeClr val="accent1"/>
+            </a:effectRef>
+            <a:fontRef idx="minor">
+              <a:schemeClr val="tx1"/>
+            </a:fontRef>
+          </p:style>
+        </p:cxnSp>
+        <p:cxnSp>
+          <p:nvCxnSpPr>
+            <p:cNvPr id="14" name="Straight Connector 13">
+              <a:extLst>
+                <a:ext uri="{FF2B5EF4-FFF2-40B4-BE49-F238E27FC236}">
+                  <a16:creationId xmlns:a16="http://schemas.microsoft.com/office/drawing/2014/main" id="{9E6E07F4-E77B-4B80-8CDD-51683CBEE030}"/>
+                </a:ext>
+              </a:extLst>
+            </p:cNvPr>
+            <p:cNvCxnSpPr>
+              <a:cxnSpLocks/>
+            </p:cNvCxnSpPr>
+            <p:nvPr/>
+          </p:nvCxnSpPr>
+          <p:spPr>
+            <a:xfrm flipV="1">
+              <a:off x="6347297" y="4066162"/>
+              <a:ext cx="196985" cy="175098"/>
+            </a:xfrm>
+            <a:prstGeom prst="line">
+              <a:avLst/>
+            </a:prstGeom>
+            <a:ln w="19050">
+              <a:solidFill>
+                <a:srgbClr val="C00000"/>
+              </a:solidFill>
+            </a:ln>
+          </p:spPr>
+          <p:style>
+            <a:lnRef idx="1">
+              <a:schemeClr val="accent1"/>
+            </a:lnRef>
+            <a:fillRef idx="0">
+              <a:schemeClr val="accent1"/>
+            </a:fillRef>
+            <a:effectRef idx="0">
+              <a:schemeClr val="accent1"/>
+            </a:effectRef>
+            <a:fontRef idx="minor">
+              <a:schemeClr val="tx1"/>
+            </a:fontRef>
+          </p:style>
+        </p:cxnSp>
+      </p:grpSp>
+      <p:sp>
+        <p:nvSpPr>
+          <p:cNvPr id="21" name="TextBox 20">
+            <a:extLst>
+              <a:ext uri="{FF2B5EF4-FFF2-40B4-BE49-F238E27FC236}">
+                <a16:creationId xmlns:a16="http://schemas.microsoft.com/office/drawing/2014/main" id="{B3CBD56A-568D-47BE-A706-4E919C580A9F}"/>
+              </a:ext>
+            </a:extLst>
+          </p:cNvPr>
+          <p:cNvSpPr txBox="1"/>
+          <p:nvPr/>
+        </p:nvSpPr>
+        <p:spPr>
+          <a:xfrm>
+            <a:off x="724930" y="3965571"/>
+            <a:ext cx="4716166" cy="1477328"/>
+          </a:xfrm>
+          <a:prstGeom prst="rect">
+            <a:avLst/>
+          </a:prstGeom>
+          <a:solidFill>
+            <a:schemeClr val="bg1">
+              <a:lumMod val="85000"/>
+            </a:schemeClr>
+          </a:solidFill>
+        </p:spPr>
+        <p:txBody>
+          <a:bodyPr wrap="square" rtlCol="0">
+            <a:spAutoFit/>
+          </a:bodyPr>
+          <a:lstStyle/>
+          <a:p>
+            <a:r>
+              <a:rPr lang="en-US" dirty="0">
+                <a:latin typeface="Consolas" panose="020B0609020204030204" pitchFamily="49" charset="0"/>
+              </a:rPr>
+              <a:t>mutable struct Person</a:t>
+            </a:r>
+          </a:p>
+          <a:p>
+            <a:r>
+              <a:rPr lang="en-US" dirty="0">
+                <a:latin typeface="Consolas" panose="020B0609020204030204" pitchFamily="49" charset="0"/>
+              </a:rPr>
+              <a:t>    </a:t>
+            </a:r>
+            <a:r>
+              <a:rPr lang="en-US" dirty="0" err="1">
+                <a:latin typeface="Consolas" panose="020B0609020204030204" pitchFamily="49" charset="0"/>
+              </a:rPr>
+              <a:t>first_name</a:t>
+            </a:r>
+            <a:r>
+              <a:rPr lang="en-US" dirty="0">
+                <a:latin typeface="Consolas" panose="020B0609020204030204" pitchFamily="49" charset="0"/>
+              </a:rPr>
+              <a:t>::String</a:t>
+            </a:r>
+          </a:p>
+          <a:p>
+            <a:r>
+              <a:rPr lang="en-US" dirty="0">
+                <a:latin typeface="Consolas" panose="020B0609020204030204" pitchFamily="49" charset="0"/>
+              </a:rPr>
+              <a:t>    </a:t>
+            </a:r>
+            <a:r>
+              <a:rPr lang="en-US" dirty="0" err="1">
+                <a:latin typeface="Consolas" panose="020B0609020204030204" pitchFamily="49" charset="0"/>
+              </a:rPr>
+              <a:t>last_name</a:t>
+            </a:r>
+            <a:r>
+              <a:rPr lang="en-US" dirty="0">
+                <a:latin typeface="Consolas" panose="020B0609020204030204" pitchFamily="49" charset="0"/>
+              </a:rPr>
+              <a:t>::String</a:t>
+            </a:r>
+          </a:p>
+          <a:p>
+            <a:r>
+              <a:rPr lang="en-US" dirty="0">
+                <a:latin typeface="Consolas" panose="020B0609020204030204" pitchFamily="49" charset="0"/>
+              </a:rPr>
+              <a:t>    age::Int8</a:t>
+            </a:r>
+          </a:p>
+          <a:p>
+            <a:r>
+              <a:rPr lang="en-US" dirty="0">
+                <a:latin typeface="Consolas" panose="020B0609020204030204" pitchFamily="49" charset="0"/>
+              </a:rPr>
+              <a:t>end</a:t>
+            </a:r>
+          </a:p>
+        </p:txBody>
+      </p:sp>
+      <p:sp>
+        <p:nvSpPr>
+          <p:cNvPr id="22" name="TextBox 21">
+            <a:extLst>
+              <a:ext uri="{FF2B5EF4-FFF2-40B4-BE49-F238E27FC236}">
+                <a16:creationId xmlns:a16="http://schemas.microsoft.com/office/drawing/2014/main" id="{20C7800F-9585-4022-8627-E94147A289ED}"/>
+              </a:ext>
+            </a:extLst>
+          </p:cNvPr>
+          <p:cNvSpPr txBox="1"/>
+          <p:nvPr/>
+        </p:nvSpPr>
+        <p:spPr>
+          <a:xfrm>
+            <a:off x="6404919" y="3965571"/>
+            <a:ext cx="4716166" cy="369332"/>
+          </a:xfrm>
+          <a:prstGeom prst="rect">
+            <a:avLst/>
+          </a:prstGeom>
+          <a:solidFill>
+            <a:schemeClr val="bg1">
+              <a:lumMod val="85000"/>
+            </a:schemeClr>
+          </a:solidFill>
+        </p:spPr>
+        <p:txBody>
+          <a:bodyPr wrap="square" rtlCol="0">
+            <a:spAutoFit/>
+          </a:bodyPr>
+          <a:lstStyle/>
+          <a:p>
+            <a:r>
+              <a:rPr lang="en-US" dirty="0">
+                <a:latin typeface="Consolas" panose="020B0609020204030204" pitchFamily="49" charset="0"/>
+              </a:rPr>
+              <a:t>me = Person("Geert Jan", "Bex", 53)</a:t>
+            </a:r>
+          </a:p>
+        </p:txBody>
+      </p:sp>
+      <p:sp>
+        <p:nvSpPr>
+          <p:cNvPr id="23" name="TextBox 22">
+            <a:extLst>
+              <a:ext uri="{FF2B5EF4-FFF2-40B4-BE49-F238E27FC236}">
+                <a16:creationId xmlns:a16="http://schemas.microsoft.com/office/drawing/2014/main" id="{7F8750D1-96BE-49C7-9162-ECD0CCD2F3B5}"/>
+              </a:ext>
+            </a:extLst>
+          </p:cNvPr>
+          <p:cNvSpPr txBox="1"/>
+          <p:nvPr/>
+        </p:nvSpPr>
+        <p:spPr>
+          <a:xfrm>
+            <a:off x="6404919" y="4519569"/>
+            <a:ext cx="4716166" cy="369332"/>
+          </a:xfrm>
+          <a:prstGeom prst="rect">
+            <a:avLst/>
+          </a:prstGeom>
+          <a:solidFill>
+            <a:schemeClr val="bg1">
+              <a:lumMod val="85000"/>
+            </a:schemeClr>
+          </a:solidFill>
+        </p:spPr>
+        <p:txBody>
+          <a:bodyPr wrap="square" rtlCol="0">
+            <a:spAutoFit/>
+          </a:bodyPr>
+          <a:lstStyle/>
+          <a:p>
+            <a:r>
+              <a:rPr lang="en-US" dirty="0" err="1">
+                <a:latin typeface="Consolas" panose="020B0609020204030204" pitchFamily="49" charset="0"/>
+              </a:rPr>
+              <a:t>println</a:t>
+            </a:r>
+            <a:r>
+              <a:rPr lang="en-US" dirty="0">
+                <a:latin typeface="Consolas" panose="020B0609020204030204" pitchFamily="49" charset="0"/>
+              </a:rPr>
+              <a:t>(</a:t>
+            </a:r>
+            <a:r>
+              <a:rPr lang="en-US" dirty="0" err="1">
+                <a:latin typeface="Consolas" panose="020B0609020204030204" pitchFamily="49" charset="0"/>
+              </a:rPr>
+              <a:t>me.age</a:t>
+            </a:r>
+            <a:r>
+              <a:rPr lang="en-US" dirty="0">
+                <a:latin typeface="Consolas" panose="020B0609020204030204" pitchFamily="49" charset="0"/>
+              </a:rPr>
+              <a:t>)</a:t>
+            </a:r>
+          </a:p>
+        </p:txBody>
+      </p:sp>
+      <p:sp>
+        <p:nvSpPr>
+          <p:cNvPr id="24" name="TextBox 23">
+            <a:extLst>
+              <a:ext uri="{FF2B5EF4-FFF2-40B4-BE49-F238E27FC236}">
+                <a16:creationId xmlns:a16="http://schemas.microsoft.com/office/drawing/2014/main" id="{16BACDBF-FF7F-4B9F-B715-1A786A08947B}"/>
+              </a:ext>
+            </a:extLst>
+          </p:cNvPr>
+          <p:cNvSpPr txBox="1"/>
+          <p:nvPr/>
+        </p:nvSpPr>
+        <p:spPr>
+          <a:xfrm>
+            <a:off x="6404919" y="5073567"/>
+            <a:ext cx="4716166" cy="369332"/>
+          </a:xfrm>
+          <a:prstGeom prst="rect">
+            <a:avLst/>
+          </a:prstGeom>
+          <a:solidFill>
+            <a:schemeClr val="bg1">
+              <a:lumMod val="85000"/>
+            </a:schemeClr>
+          </a:solidFill>
+        </p:spPr>
+        <p:txBody>
+          <a:bodyPr wrap="square" rtlCol="0">
+            <a:spAutoFit/>
+          </a:bodyPr>
+          <a:lstStyle/>
+          <a:p>
+            <a:r>
+              <a:rPr lang="en-US" dirty="0" err="1">
+                <a:latin typeface="Consolas" panose="020B0609020204030204" pitchFamily="49" charset="0"/>
+              </a:rPr>
+              <a:t>me.age</a:t>
+            </a:r>
+            <a:r>
+              <a:rPr lang="en-US" dirty="0">
+                <a:latin typeface="Consolas" panose="020B0609020204030204" pitchFamily="49" charset="0"/>
+              </a:rPr>
+              <a:t> += 1</a:t>
+            </a:r>
+          </a:p>
+        </p:txBody>
+      </p:sp>
+      <p:sp>
+        <p:nvSpPr>
+          <p:cNvPr id="25" name="TextBox 24">
+            <a:extLst>
+              <a:ext uri="{FF2B5EF4-FFF2-40B4-BE49-F238E27FC236}">
+                <a16:creationId xmlns:a16="http://schemas.microsoft.com/office/drawing/2014/main" id="{3A5A2F56-1B85-4C1A-87FD-F06898B8D554}"/>
+              </a:ext>
+            </a:extLst>
+          </p:cNvPr>
+          <p:cNvSpPr txBox="1"/>
+          <p:nvPr/>
+        </p:nvSpPr>
+        <p:spPr>
+          <a:xfrm>
+            <a:off x="8477162" y="4473402"/>
+            <a:ext cx="352982" cy="461665"/>
+          </a:xfrm>
+          <a:prstGeom prst="rect">
+            <a:avLst/>
+          </a:prstGeom>
+          <a:noFill/>
+        </p:spPr>
+        <p:txBody>
+          <a:bodyPr wrap="none" rtlCol="0">
+            <a:spAutoFit/>
+          </a:bodyPr>
+          <a:lstStyle/>
+          <a:p>
+            <a:r>
+              <a:rPr lang="en-US" sz="2400" b="1" i="1" dirty="0">
+                <a:solidFill>
+                  <a:srgbClr val="00B050"/>
+                </a:solidFill>
+                <a:sym typeface="Symbol" panose="05050102010706020507" pitchFamily="18" charset="2"/>
+              </a:rPr>
+              <a:t></a:t>
+            </a:r>
+            <a:endParaRPr lang="en-US" sz="2400" b="1" i="1" dirty="0">
+              <a:solidFill>
+                <a:srgbClr val="00B050"/>
+              </a:solidFill>
+            </a:endParaRPr>
+          </a:p>
+        </p:txBody>
+      </p:sp>
+      <p:sp>
+        <p:nvSpPr>
+          <p:cNvPr id="26" name="TextBox 25">
+            <a:extLst>
+              <a:ext uri="{FF2B5EF4-FFF2-40B4-BE49-F238E27FC236}">
+                <a16:creationId xmlns:a16="http://schemas.microsoft.com/office/drawing/2014/main" id="{FF19C974-3FE5-4389-AA02-8A0A6A686158}"/>
+              </a:ext>
+            </a:extLst>
+          </p:cNvPr>
+          <p:cNvSpPr txBox="1"/>
+          <p:nvPr/>
+        </p:nvSpPr>
+        <p:spPr>
+          <a:xfrm>
+            <a:off x="8466942" y="5044126"/>
+            <a:ext cx="352982" cy="461665"/>
+          </a:xfrm>
+          <a:prstGeom prst="rect">
+            <a:avLst/>
+          </a:prstGeom>
+          <a:noFill/>
+        </p:spPr>
+        <p:txBody>
+          <a:bodyPr wrap="none" rtlCol="0">
+            <a:spAutoFit/>
+          </a:bodyPr>
+          <a:lstStyle/>
+          <a:p>
+            <a:r>
+              <a:rPr lang="en-US" sz="2400" b="1" i="1" dirty="0">
+                <a:solidFill>
+                  <a:srgbClr val="00B050"/>
+                </a:solidFill>
+                <a:sym typeface="Symbol" panose="05050102010706020507" pitchFamily="18" charset="2"/>
+              </a:rPr>
+              <a:t></a:t>
+            </a:r>
+            <a:endParaRPr lang="en-US" sz="2400" b="1" i="1" dirty="0">
+              <a:solidFill>
+                <a:srgbClr val="00B050"/>
+              </a:solidFill>
+            </a:endParaRPr>
+          </a:p>
+        </p:txBody>
+      </p:sp>
+    </p:spTree>
+    <p:extLst>
+      <p:ext uri="{BB962C8B-B14F-4D97-AF65-F5344CB8AC3E}">
+        <p14:creationId xmlns:p14="http://schemas.microsoft.com/office/powerpoint/2010/main" val="2381680386"/>
+      </p:ext>
+    </p:extLst>
+  </p:cSld>
+  <p:clrMapOvr>
+    <a:masterClrMapping/>
+  </p:clrMapOvr>
+</p:sld>
+</file>
+
+<file path=ppt/slides/slide12.xml><?xml version="1.0" encoding="utf-8"?>
+<p:sld xmlns:a="http://schemas.openxmlformats.org/drawingml/2006/main" xmlns:r="http://schemas.openxmlformats.org/officeDocument/2006/relationships" xmlns:p="http://schemas.openxmlformats.org/presentationml/2006/main">
+  <p:cSld>
+    <p:spTree>
+      <p:nvGrpSpPr>
+        <p:cNvPr id="1" name=""/>
+        <p:cNvGrpSpPr/>
+        <p:nvPr/>
+      </p:nvGrpSpPr>
+      <p:grpSpPr>
+        <a:xfrm>
+          <a:off x="0" y="0"/>
+          <a:ext cx="0" cy="0"/>
+          <a:chOff x="0" y="0"/>
+          <a:chExt cx="0" cy="0"/>
+        </a:xfrm>
+      </p:grpSpPr>
+      <p:sp>
+        <p:nvSpPr>
+          <p:cNvPr id="2" name="Title 1">
+            <a:extLst>
+              <a:ext uri="{FF2B5EF4-FFF2-40B4-BE49-F238E27FC236}">
+                <a16:creationId xmlns:a16="http://schemas.microsoft.com/office/drawing/2014/main" id="{65A40D97-FFF5-4370-B499-70087C6EAD84}"/>
+              </a:ext>
+            </a:extLst>
+          </p:cNvPr>
+          <p:cNvSpPr>
+            <a:spLocks noGrp="1"/>
+          </p:cNvSpPr>
+          <p:nvPr>
+            <p:ph type="title"/>
+          </p:nvPr>
+        </p:nvSpPr>
+        <p:spPr/>
+        <p:txBody>
+          <a:bodyPr/>
+          <a:lstStyle/>
+          <a:p>
+            <a:r>
+              <a:rPr lang="en-US" dirty="0"/>
+              <a:t>Type hierarchies</a:t>
+            </a:r>
+          </a:p>
+        </p:txBody>
+      </p:sp>
+    </p:spTree>
+    <p:extLst>
+      <p:ext uri="{BB962C8B-B14F-4D97-AF65-F5344CB8AC3E}">
+        <p14:creationId xmlns:p14="http://schemas.microsoft.com/office/powerpoint/2010/main" val="2043097574"/>
+      </p:ext>
+    </p:extLst>
+  </p:cSld>
+  <p:clrMapOvr>
+    <a:masterClrMapping/>
+  </p:clrMapOvr>
+</p:sld>
+</file>
+
+<file path=ppt/slides/slide13.xml><?xml version="1.0" encoding="utf-8"?>
+<p:sld xmlns:a="http://schemas.openxmlformats.org/drawingml/2006/main" xmlns:r="http://schemas.openxmlformats.org/officeDocument/2006/relationships" xmlns:p="http://schemas.openxmlformats.org/presentationml/2006/main">
+  <p:cSld>
+    <p:spTree>
+      <p:nvGrpSpPr>
+        <p:cNvPr id="1" name=""/>
+        <p:cNvGrpSpPr/>
+        <p:nvPr/>
+      </p:nvGrpSpPr>
+      <p:grpSpPr>
+        <a:xfrm>
+          <a:off x="0" y="0"/>
+          <a:ext cx="0" cy="0"/>
+          <a:chOff x="0" y="0"/>
+          <a:chExt cx="0" cy="0"/>
+        </a:xfrm>
+      </p:grpSpPr>
+      <p:sp>
+        <p:nvSpPr>
+          <p:cNvPr id="2" name="Title 1">
+            <a:extLst>
+              <a:ext uri="{FF2B5EF4-FFF2-40B4-BE49-F238E27FC236}">
+                <a16:creationId xmlns:a16="http://schemas.microsoft.com/office/drawing/2014/main" id="{5996CC12-00C7-483E-8CFF-7965D13CF81D}"/>
+              </a:ext>
+            </a:extLst>
+          </p:cNvPr>
+          <p:cNvSpPr>
+            <a:spLocks noGrp="1"/>
+          </p:cNvSpPr>
+          <p:nvPr>
+            <p:ph type="title"/>
+          </p:nvPr>
+        </p:nvSpPr>
+        <p:spPr/>
+        <p:txBody>
+          <a:bodyPr/>
+          <a:lstStyle/>
+          <a:p>
+            <a:r>
+              <a:rPr lang="en-US" dirty="0"/>
+              <a:t>Methods</a:t>
+            </a:r>
+          </a:p>
+        </p:txBody>
+      </p:sp>
+      <p:sp>
+        <p:nvSpPr>
+          <p:cNvPr id="3" name="Text Placeholder 2">
+            <a:extLst>
+              <a:ext uri="{FF2B5EF4-FFF2-40B4-BE49-F238E27FC236}">
+                <a16:creationId xmlns:a16="http://schemas.microsoft.com/office/drawing/2014/main" id="{4DBA96D6-590F-4DFD-8B92-2B05EA00B8D6}"/>
+              </a:ext>
+            </a:extLst>
+          </p:cNvPr>
+          <p:cNvSpPr>
+            <a:spLocks noGrp="1"/>
+          </p:cNvSpPr>
+          <p:nvPr>
+            <p:ph type="body" idx="1"/>
+          </p:nvPr>
+        </p:nvSpPr>
+        <p:spPr/>
+        <p:txBody>
+          <a:bodyPr/>
+          <a:lstStyle/>
+          <a:p>
+            <a:endParaRPr lang="en-US"/>
+          </a:p>
+        </p:txBody>
+      </p:sp>
+    </p:spTree>
+    <p:extLst>
+      <p:ext uri="{BB962C8B-B14F-4D97-AF65-F5344CB8AC3E}">
+        <p14:creationId xmlns:p14="http://schemas.microsoft.com/office/powerpoint/2010/main" val="3245103629"/>
+      </p:ext>
+    </p:extLst>
+  </p:cSld>
+  <p:clrMapOvr>
+    <a:masterClrMapping/>
+  </p:clrMapOvr>
+</p:sld>
+</file>
+
 <file path=ppt/slides/slide2.xml><?xml version="1.0" encoding="utf-8"?>
 <p:sld xmlns:a="http://schemas.openxmlformats.org/drawingml/2006/main" xmlns:r="http://schemas.openxmlformats.org/officeDocument/2006/relationships" xmlns:p="http://schemas.openxmlformats.org/presentationml/2006/main">
   <p:cSld>
@@ -3574,7 +5010,7 @@
           <p:cNvPr id="2" name="Title 1">
             <a:extLst>
               <a:ext uri="{FF2B5EF4-FFF2-40B4-BE49-F238E27FC236}">
-                <a16:creationId xmlns:a16="http://schemas.microsoft.com/office/drawing/2014/main" id="{5DA51F54-BEA7-4B9A-B4AF-10C802805A92}"/>
+                <a16:creationId xmlns:a16="http://schemas.microsoft.com/office/drawing/2014/main" id="{52F16B82-69EF-47B1-8554-4134670A19CC}"/>
               </a:ext>
             </a:extLst>
           </p:cNvPr>
@@ -3592,7 +5028,7 @@
           <a:p>
             <a:r>
               <a:rPr lang="en-US" dirty="0"/>
-              <a:t>Control flow</a:t>
+              <a:t>Expressions</a:t>
             </a:r>
           </a:p>
         </p:txBody>
@@ -3602,7 +5038,7 @@
           <p:cNvPr id="3" name="Text Placeholder 2">
             <a:extLst>
               <a:ext uri="{FF2B5EF4-FFF2-40B4-BE49-F238E27FC236}">
-                <a16:creationId xmlns:a16="http://schemas.microsoft.com/office/drawing/2014/main" id="{D2D4B055-1F47-4228-A880-2E16E12A2492}"/>
+                <a16:creationId xmlns:a16="http://schemas.microsoft.com/office/drawing/2014/main" id="{1D5889F3-BAC9-4049-8601-F093E82E4582}"/>
               </a:ext>
             </a:extLst>
           </p:cNvPr>
@@ -3625,7 +5061,7 @@
     </p:spTree>
     <p:extLst>
       <p:ext uri="{BB962C8B-B14F-4D97-AF65-F5344CB8AC3E}">
-        <p14:creationId xmlns:p14="http://schemas.microsoft.com/office/powerpoint/2010/main" val="3817656817"/>
+        <p14:creationId xmlns:p14="http://schemas.microsoft.com/office/powerpoint/2010/main" val="152509225"/>
       </p:ext>
     </p:extLst>
   </p:cSld>
@@ -3657,7 +5093,7 @@
           <p:cNvPr id="2" name="Title 1">
             <a:extLst>
               <a:ext uri="{FF2B5EF4-FFF2-40B4-BE49-F238E27FC236}">
-                <a16:creationId xmlns:a16="http://schemas.microsoft.com/office/drawing/2014/main" id="{1DDB4967-E607-4674-B726-A520B25D388D}"/>
+                <a16:creationId xmlns:a16="http://schemas.microsoft.com/office/drawing/2014/main" id="{5DA51F54-BEA7-4B9A-B4AF-10C802805A92}"/>
               </a:ext>
             </a:extLst>
           </p:cNvPr>
@@ -3675,199 +5111,40 @@
           <a:p>
             <a:r>
               <a:rPr lang="en-US" dirty="0"/>
-              <a:t>Conditional statement</a:t>
-            </a:r>
-          </a:p>
-        </p:txBody>
-      </p:sp>
-      <p:sp>
-        <p:nvSpPr>
-          <p:cNvPr id="4" name="TextBox 3">
-            <a:extLst>
-              <a:ext uri="{FF2B5EF4-FFF2-40B4-BE49-F238E27FC236}">
-                <a16:creationId xmlns:a16="http://schemas.microsoft.com/office/drawing/2014/main" id="{BDC02A6C-7B9C-4410-8779-47367E255162}"/>
-              </a:ext>
-            </a:extLst>
-          </p:cNvPr>
-          <p:cNvSpPr txBox="1"/>
-          <p:nvPr/>
-        </p:nvSpPr>
-        <p:spPr>
-          <a:xfrm>
-            <a:off x="617836" y="1573749"/>
-            <a:ext cx="6896439" cy="2585323"/>
-          </a:xfrm>
-          <a:prstGeom prst="rect">
-            <a:avLst/>
-          </a:prstGeom>
-          <a:solidFill>
-            <a:schemeClr val="bg1">
-              <a:lumMod val="85000"/>
-            </a:schemeClr>
-          </a:solidFill>
-        </p:spPr>
-        <p:txBody>
-          <a:bodyPr wrap="square" rtlCol="0">
-            <a:spAutoFit/>
-          </a:bodyPr>
-          <a:lstStyle/>
-          <a:p>
-            <a:r>
-              <a:rPr lang="en-US" dirty="0" err="1">
-                <a:latin typeface="Consolas" panose="020B0609020204030204" pitchFamily="49" charset="0"/>
-              </a:rPr>
-              <a:t>funtion</a:t>
-            </a:r>
-            <a:r>
-              <a:rPr lang="en-US" dirty="0">
-                <a:latin typeface="Consolas" panose="020B0609020204030204" pitchFamily="49" charset="0"/>
-              </a:rPr>
-              <a:t> fact(n)</a:t>
-            </a:r>
-          </a:p>
-          <a:p>
-            <a:r>
-              <a:rPr lang="en-US" dirty="0">
-                <a:latin typeface="Consolas" panose="020B0609020204030204" pitchFamily="49" charset="0"/>
-              </a:rPr>
-              <a:t>    if n &lt; 0</a:t>
-            </a:r>
-          </a:p>
-          <a:p>
-            <a:r>
-              <a:rPr lang="en-US" dirty="0">
-                <a:latin typeface="Consolas" panose="020B0609020204030204" pitchFamily="49" charset="0"/>
-              </a:rPr>
-              <a:t>        error("fact argument must be positive")</a:t>
-            </a:r>
-          </a:p>
-          <a:p>
-            <a:r>
-              <a:rPr lang="en-US" dirty="0">
-                <a:latin typeface="Consolas" panose="020B0609020204030204" pitchFamily="49" charset="0"/>
-              </a:rPr>
-              <a:t>    elseif n &lt;= 1</a:t>
-            </a:r>
-          </a:p>
-          <a:p>
-            <a:r>
-              <a:rPr lang="en-US" dirty="0">
-                <a:latin typeface="Consolas" panose="020B0609020204030204" pitchFamily="49" charset="0"/>
-              </a:rPr>
-              <a:t>        return 1</a:t>
-            </a:r>
-          </a:p>
-          <a:p>
-            <a:r>
-              <a:rPr lang="en-US" dirty="0">
-                <a:latin typeface="Consolas" panose="020B0609020204030204" pitchFamily="49" charset="0"/>
-              </a:rPr>
-              <a:t>    else</a:t>
-            </a:r>
-          </a:p>
-          <a:p>
-            <a:r>
-              <a:rPr lang="en-US" dirty="0">
-                <a:latin typeface="Consolas" panose="020B0609020204030204" pitchFamily="49" charset="0"/>
-              </a:rPr>
-              <a:t>        return n*fact(n – 1)</a:t>
-            </a:r>
-          </a:p>
-          <a:p>
-            <a:r>
-              <a:rPr lang="en-US" dirty="0">
-                <a:latin typeface="Consolas" panose="020B0609020204030204" pitchFamily="49" charset="0"/>
-              </a:rPr>
-              <a:t>    end</a:t>
-            </a:r>
-          </a:p>
-          <a:p>
-            <a:r>
-              <a:rPr lang="en-US" dirty="0">
-                <a:latin typeface="Consolas" panose="020B0609020204030204" pitchFamily="49" charset="0"/>
-              </a:rPr>
-              <a:t>end</a:t>
-            </a:r>
-          </a:p>
-        </p:txBody>
-      </p:sp>
-      <p:sp>
-        <p:nvSpPr>
-          <p:cNvPr id="5" name="TextBox 4">
-            <a:extLst>
-              <a:ext uri="{FF2B5EF4-FFF2-40B4-BE49-F238E27FC236}">
-                <a16:creationId xmlns:a16="http://schemas.microsoft.com/office/drawing/2014/main" id="{B7797B44-968F-432A-A0DC-5B5C6E463C91}"/>
-              </a:ext>
-            </a:extLst>
-          </p:cNvPr>
-          <p:cNvSpPr txBox="1"/>
-          <p:nvPr/>
-        </p:nvSpPr>
-        <p:spPr>
-          <a:xfrm>
-            <a:off x="617837" y="4643502"/>
-            <a:ext cx="6896440" cy="1477328"/>
-          </a:xfrm>
-          <a:prstGeom prst="rect">
-            <a:avLst/>
-          </a:prstGeom>
-          <a:solidFill>
-            <a:schemeClr val="bg1">
-              <a:lumMod val="85000"/>
-            </a:schemeClr>
-          </a:solidFill>
-        </p:spPr>
-        <p:txBody>
-          <a:bodyPr wrap="none" rtlCol="0">
-            <a:spAutoFit/>
-          </a:bodyPr>
-          <a:lstStyle/>
-          <a:p>
-            <a:r>
-              <a:rPr lang="en-US" dirty="0">
-                <a:latin typeface="Consolas" panose="020B0609020204030204" pitchFamily="49" charset="0"/>
-              </a:rPr>
-              <a:t>function fact(n)</a:t>
-            </a:r>
-          </a:p>
-          <a:p>
-            <a:r>
-              <a:rPr lang="en-US" dirty="0">
-                <a:latin typeface="Consolas" panose="020B0609020204030204" pitchFamily="49" charset="0"/>
-              </a:rPr>
-              <a:t>    n &gt;= 0 || error("fact argument must be positive")</a:t>
-            </a:r>
-          </a:p>
-          <a:p>
-            <a:r>
-              <a:rPr lang="en-US" dirty="0">
-                <a:latin typeface="Consolas" panose="020B0609020204030204" pitchFamily="49" charset="0"/>
-              </a:rPr>
-              <a:t>    n &lt;= 1 &amp;&amp; return 1</a:t>
-            </a:r>
-          </a:p>
-          <a:p>
-            <a:r>
-              <a:rPr lang="en-US" dirty="0">
-                <a:latin typeface="Consolas" panose="020B0609020204030204" pitchFamily="49" charset="0"/>
-              </a:rPr>
-              <a:t>    return n*fact(n - 1)</a:t>
-            </a:r>
-          </a:p>
-          <a:p>
-            <a:r>
-              <a:rPr lang="en-US" dirty="0">
-                <a:latin typeface="Consolas" panose="020B0609020204030204" pitchFamily="49" charset="0"/>
-              </a:rPr>
-              <a:t>end</a:t>
-            </a:r>
+              <a:t>Control flow</a:t>
+            </a:r>
+          </a:p>
+        </p:txBody>
+      </p:sp>
+      <p:sp>
+        <p:nvSpPr>
+          <p:cNvPr id="3" name="Text Placeholder 2">
+            <a:extLst>
+              <a:ext uri="{FF2B5EF4-FFF2-40B4-BE49-F238E27FC236}">
+                <a16:creationId xmlns:a16="http://schemas.microsoft.com/office/drawing/2014/main" id="{D2D4B055-1F47-4228-A880-2E16E12A2492}"/>
+              </a:ext>
+            </a:extLst>
+          </p:cNvPr>
+          <p:cNvSpPr>
+            <a:spLocks noGrp="1"/>
+          </p:cNvSpPr>
+          <p:nvPr>
+            <p:ph type="body" idx="1"/>
+          </p:nvPr>
+        </p:nvSpPr>
+        <p:spPr/>
+        <p:txBody>
+          <a:bodyPr/>
+          <a:lstStyle/>
+          <a:p>
+            <a:endParaRPr lang="en-US"/>
           </a:p>
         </p:txBody>
       </p:sp>
     </p:spTree>
     <p:extLst>
       <p:ext uri="{BB962C8B-B14F-4D97-AF65-F5344CB8AC3E}">
-        <p14:creationId xmlns:p14="http://schemas.microsoft.com/office/powerpoint/2010/main" val="1868916431"/>
+        <p14:creationId xmlns:p14="http://schemas.microsoft.com/office/powerpoint/2010/main" val="3817656817"/>
       </p:ext>
     </p:extLst>
   </p:cSld>
@@ -3899,7 +5176,7 @@
           <p:cNvPr id="2" name="Title 1">
             <a:extLst>
               <a:ext uri="{FF2B5EF4-FFF2-40B4-BE49-F238E27FC236}">
-                <a16:creationId xmlns:a16="http://schemas.microsoft.com/office/drawing/2014/main" id="{839FEF9C-3687-43B8-81C0-ED9903D10F9A}"/>
+                <a16:creationId xmlns:a16="http://schemas.microsoft.com/office/drawing/2014/main" id="{1DDB4967-E607-4674-B726-A520B25D388D}"/>
               </a:ext>
             </a:extLst>
           </p:cNvPr>
@@ -3917,17 +5194,17 @@
           <a:p>
             <a:r>
               <a:rPr lang="en-US" dirty="0"/>
-              <a:t>Repeated evaluation loops</a:t>
-            </a:r>
-          </a:p>
-        </p:txBody>
-      </p:sp>
-      <p:sp>
-        <p:nvSpPr>
-          <p:cNvPr id="3" name="TextBox 2">
-            <a:extLst>
-              <a:ext uri="{FF2B5EF4-FFF2-40B4-BE49-F238E27FC236}">
-                <a16:creationId xmlns:a16="http://schemas.microsoft.com/office/drawing/2014/main" id="{335BD0C3-342F-41E7-A609-B1AB45BD985A}"/>
+              <a:t>Conditional statement</a:t>
+            </a:r>
+          </a:p>
+        </p:txBody>
+      </p:sp>
+      <p:sp>
+        <p:nvSpPr>
+          <p:cNvPr id="4" name="TextBox 3">
+            <a:extLst>
+              <a:ext uri="{FF2B5EF4-FFF2-40B4-BE49-F238E27FC236}">
+                <a16:creationId xmlns:a16="http://schemas.microsoft.com/office/drawing/2014/main" id="{BDC02A6C-7B9C-4410-8779-47367E255162}"/>
               </a:ext>
             </a:extLst>
           </p:cNvPr>
@@ -3936,8 +5213,8 @@
         </p:nvSpPr>
         <p:spPr>
           <a:xfrm>
-            <a:off x="617837" y="1573749"/>
-            <a:ext cx="3328088" cy="2862322"/>
+            <a:off x="617836" y="1573749"/>
+            <a:ext cx="6896439" cy="2585323"/>
           </a:xfrm>
           <a:prstGeom prst="rect">
             <a:avLst/>
@@ -3955,70 +5232,64 @@
           <a:lstStyle/>
           <a:p>
             <a:r>
-              <a:rPr lang="en-US" dirty="0">
-                <a:latin typeface="Consolas" panose="020B0609020204030204" pitchFamily="49" charset="0"/>
-              </a:rPr>
-              <a:t>function </a:t>
-            </a:r>
-            <a:r>
               <a:rPr lang="en-US" dirty="0" err="1">
                 <a:latin typeface="Consolas" panose="020B0609020204030204" pitchFamily="49" charset="0"/>
               </a:rPr>
-              <a:t>gcd</a:t>
-            </a:r>
-            <a:r>
-              <a:rPr lang="en-US" dirty="0">
-                <a:latin typeface="Consolas" panose="020B0609020204030204" pitchFamily="49" charset="0"/>
-              </a:rPr>
-              <a:t>(a, b)</a:t>
-            </a:r>
-          </a:p>
-          <a:p>
-            <a:r>
-              <a:rPr lang="en-US" dirty="0">
-                <a:latin typeface="Consolas" panose="020B0609020204030204" pitchFamily="49" charset="0"/>
-              </a:rPr>
-              <a:t>    while a != b</a:t>
-            </a:r>
-          </a:p>
-          <a:p>
-            <a:r>
-              <a:rPr lang="en-US" dirty="0">
-                <a:latin typeface="Consolas" panose="020B0609020204030204" pitchFamily="49" charset="0"/>
-              </a:rPr>
-              <a:t>        if a &gt; b</a:t>
-            </a:r>
-          </a:p>
-          <a:p>
-            <a:r>
-              <a:rPr lang="en-US" dirty="0">
-                <a:latin typeface="Consolas" panose="020B0609020204030204" pitchFamily="49" charset="0"/>
-              </a:rPr>
-              <a:t>            a -= b</a:t>
-            </a:r>
-          </a:p>
-          <a:p>
-            <a:r>
-              <a:rPr lang="en-US" dirty="0">
-                <a:latin typeface="Consolas" panose="020B0609020204030204" pitchFamily="49" charset="0"/>
-              </a:rPr>
-              <a:t>        else</a:t>
-            </a:r>
-          </a:p>
-          <a:p>
-            <a:r>
-              <a:rPr lang="en-US" dirty="0">
-                <a:latin typeface="Consolas" panose="020B0609020204030204" pitchFamily="49" charset="0"/>
-              </a:rPr>
-              <a:t>            b -= a</a:t>
-            </a:r>
-          </a:p>
-          <a:p>
-            <a:r>
-              <a:rPr lang="en-US" dirty="0">
-                <a:latin typeface="Consolas" panose="020B0609020204030204" pitchFamily="49" charset="0"/>
-              </a:rPr>
-              <a:t>        end</a:t>
+              <a:t>funtion</a:t>
+            </a:r>
+            <a:r>
+              <a:rPr lang="en-US" dirty="0">
+                <a:latin typeface="Consolas" panose="020B0609020204030204" pitchFamily="49" charset="0"/>
+              </a:rPr>
+              <a:t> fact(n)</a:t>
+            </a:r>
+          </a:p>
+          <a:p>
+            <a:r>
+              <a:rPr lang="en-US" dirty="0">
+                <a:latin typeface="Consolas" panose="020B0609020204030204" pitchFamily="49" charset="0"/>
+              </a:rPr>
+              <a:t>    if n &lt; 0</a:t>
+            </a:r>
+          </a:p>
+          <a:p>
+            <a:r>
+              <a:rPr lang="en-US" dirty="0">
+                <a:latin typeface="Consolas" panose="020B0609020204030204" pitchFamily="49" charset="0"/>
+              </a:rPr>
+              <a:t>        error("fact argument must be positive")</a:t>
+            </a:r>
+          </a:p>
+          <a:p>
+            <a:r>
+              <a:rPr lang="en-US" dirty="0">
+                <a:latin typeface="Consolas" panose="020B0609020204030204" pitchFamily="49" charset="0"/>
+              </a:rPr>
+              <a:t>    elseif n &lt;= 1</a:t>
+            </a:r>
+          </a:p>
+          <a:p>
+            <a:r>
+              <a:rPr lang="en-US" dirty="0">
+                <a:latin typeface="Consolas" panose="020B0609020204030204" pitchFamily="49" charset="0"/>
+              </a:rPr>
+              <a:t>        return 1</a:t>
+            </a:r>
+          </a:p>
+          <a:p>
+            <a:r>
+              <a:rPr lang="en-US" dirty="0">
+                <a:latin typeface="Consolas" panose="020B0609020204030204" pitchFamily="49" charset="0"/>
+              </a:rPr>
+              <a:t>    else</a:t>
+            </a:r>
+          </a:p>
+          <a:p>
+            <a:r>
+              <a:rPr lang="en-US" dirty="0">
+                <a:latin typeface="Consolas" panose="020B0609020204030204" pitchFamily="49" charset="0"/>
+              </a:rPr>
+              <a:t>        return n*fact(n – 1)</a:t>
             </a:r>
           </a:p>
           <a:p>
@@ -4034,14 +5305,6 @@
               <a:rPr lang="en-US" dirty="0">
                 <a:latin typeface="Consolas" panose="020B0609020204030204" pitchFamily="49" charset="0"/>
               </a:rPr>
-              <a:t>    return a</a:t>
-            </a:r>
-          </a:p>
-          <a:p>
-            <a:r>
-              <a:rPr lang="en-US" dirty="0">
-                <a:latin typeface="Consolas" panose="020B0609020204030204" pitchFamily="49" charset="0"/>
-              </a:rPr>
               <a:t>end</a:t>
             </a:r>
           </a:p>
@@ -4049,10 +5312,10 @@
       </p:sp>
       <p:sp>
         <p:nvSpPr>
-          <p:cNvPr id="4" name="TextBox 3">
-            <a:extLst>
-              <a:ext uri="{FF2B5EF4-FFF2-40B4-BE49-F238E27FC236}">
-                <a16:creationId xmlns:a16="http://schemas.microsoft.com/office/drawing/2014/main" id="{04202056-AA70-4D3D-A1A7-8B7381ADA881}"/>
+          <p:cNvPr id="5" name="TextBox 4">
+            <a:extLst>
+              <a:ext uri="{FF2B5EF4-FFF2-40B4-BE49-F238E27FC236}">
+                <a16:creationId xmlns:a16="http://schemas.microsoft.com/office/drawing/2014/main" id="{B7797B44-968F-432A-A0DC-5B5C6E463C91}"/>
               </a:ext>
             </a:extLst>
           </p:cNvPr>
@@ -4062,7 +5325,7 @@
         <p:spPr>
           <a:xfrm>
             <a:off x="617837" y="4643502"/>
-            <a:ext cx="3328088" cy="2031325"/>
+            <a:ext cx="6896440" cy="1477328"/>
           </a:xfrm>
           <a:prstGeom prst="rect">
             <a:avLst/>
@@ -4074,232 +5337,56 @@
           </a:solidFill>
         </p:spPr>
         <p:txBody>
-          <a:bodyPr wrap="square" rtlCol="0">
-            <a:spAutoFit/>
-          </a:bodyPr>
-          <a:lstStyle/>
-          <a:p>
-            <a:r>
-              <a:rPr lang="en-US" dirty="0">
-                <a:latin typeface="Consolas" panose="020B0609020204030204" pitchFamily="49" charset="0"/>
-              </a:rPr>
-              <a:t>function fact(n)</a:t>
-            </a:r>
-          </a:p>
-          <a:p>
-            <a:r>
-              <a:rPr lang="en-US" dirty="0">
-                <a:latin typeface="Consolas" panose="020B0609020204030204" pitchFamily="49" charset="0"/>
-              </a:rPr>
-              <a:t>    result = 1</a:t>
-            </a:r>
-          </a:p>
-          <a:p>
-            <a:r>
-              <a:rPr lang="en-US" dirty="0">
-                <a:latin typeface="Consolas" panose="020B0609020204030204" pitchFamily="49" charset="0"/>
-              </a:rPr>
-              <a:t>    for </a:t>
-            </a:r>
-            <a:r>
-              <a:rPr lang="en-US" dirty="0" err="1">
-                <a:latin typeface="Consolas" panose="020B0609020204030204" pitchFamily="49" charset="0"/>
-              </a:rPr>
-              <a:t>i</a:t>
-            </a:r>
-            <a:r>
-              <a:rPr lang="en-US" dirty="0">
-                <a:latin typeface="Consolas" panose="020B0609020204030204" pitchFamily="49" charset="0"/>
-              </a:rPr>
-              <a:t> in 2:n</a:t>
-            </a:r>
-          </a:p>
-          <a:p>
-            <a:r>
-              <a:rPr lang="en-US" dirty="0">
-                <a:latin typeface="Consolas" panose="020B0609020204030204" pitchFamily="49" charset="0"/>
-              </a:rPr>
-              <a:t>        result *= </a:t>
-            </a:r>
-            <a:r>
-              <a:rPr lang="en-US" dirty="0" err="1">
-                <a:latin typeface="Consolas" panose="020B0609020204030204" pitchFamily="49" charset="0"/>
-              </a:rPr>
-              <a:t>i</a:t>
-            </a:r>
-            <a:endParaRPr lang="en-US" dirty="0">
-              <a:latin typeface="Consolas" panose="020B0609020204030204" pitchFamily="49" charset="0"/>
-            </a:endParaRPr>
-          </a:p>
-          <a:p>
-            <a:r>
-              <a:rPr lang="en-US" dirty="0">
-                <a:latin typeface="Consolas" panose="020B0609020204030204" pitchFamily="49" charset="0"/>
-              </a:rPr>
-              <a:t>     end</a:t>
-            </a:r>
-          </a:p>
-          <a:p>
-            <a:r>
-              <a:rPr lang="en-US" dirty="0">
-                <a:latin typeface="Consolas" panose="020B0609020204030204" pitchFamily="49" charset="0"/>
-              </a:rPr>
-              <a:t>     return result</a:t>
-            </a:r>
-          </a:p>
-          <a:p>
-            <a:r>
-              <a:rPr lang="en-US" dirty="0">
-                <a:latin typeface="Consolas" panose="020B0609020204030204" pitchFamily="49" charset="0"/>
-              </a:rPr>
-              <a:t>end</a:t>
-            </a:r>
-          </a:p>
-        </p:txBody>
-      </p:sp>
-      <p:sp>
-        <p:nvSpPr>
-          <p:cNvPr id="5" name="TextBox 4">
-            <a:extLst>
-              <a:ext uri="{FF2B5EF4-FFF2-40B4-BE49-F238E27FC236}">
-                <a16:creationId xmlns:a16="http://schemas.microsoft.com/office/drawing/2014/main" id="{48B75B53-9880-466C-8BC5-97F68BB92BA5}"/>
-              </a:ext>
-            </a:extLst>
-          </p:cNvPr>
-          <p:cNvSpPr txBox="1"/>
-          <p:nvPr/>
-        </p:nvSpPr>
-        <p:spPr>
-          <a:xfrm>
-            <a:off x="5140411" y="2140049"/>
-            <a:ext cx="1851789" cy="1200329"/>
-          </a:xfrm>
-          <a:prstGeom prst="rect">
-            <a:avLst/>
-          </a:prstGeom>
-          <a:noFill/>
-        </p:spPr>
-        <p:txBody>
           <a:bodyPr wrap="none" rtlCol="0">
             <a:spAutoFit/>
           </a:bodyPr>
           <a:lstStyle/>
           <a:p>
             <a:r>
-              <a:rPr lang="en-US" sz="2400" dirty="0"/>
-              <a:t>Unsurprising:</a:t>
-            </a:r>
-          </a:p>
-          <a:p>
-            <a:pPr marL="285750" indent="-285750">
-              <a:buFont typeface="Arial" panose="020B0604020202020204" pitchFamily="34" charset="0"/>
-              <a:buChar char="•"/>
-            </a:pPr>
-            <a:r>
-              <a:rPr lang="en-US" sz="2400" dirty="0">
-                <a:latin typeface="Consolas" panose="020B0609020204030204" pitchFamily="49" charset="0"/>
-              </a:rPr>
-              <a:t>break</a:t>
-            </a:r>
-          </a:p>
-          <a:p>
-            <a:pPr marL="285750" indent="-285750">
-              <a:buFont typeface="Arial" panose="020B0604020202020204" pitchFamily="34" charset="0"/>
-              <a:buChar char="•"/>
-            </a:pPr>
-            <a:r>
-              <a:rPr lang="en-US" sz="2400" dirty="0">
-                <a:latin typeface="Consolas" panose="020B0609020204030204" pitchFamily="49" charset="0"/>
-              </a:rPr>
-              <a:t>continue</a:t>
-            </a:r>
-          </a:p>
-        </p:txBody>
-      </p:sp>
-      <p:sp>
-        <p:nvSpPr>
-          <p:cNvPr id="6" name="TextBox 5">
-            <a:extLst>
-              <a:ext uri="{FF2B5EF4-FFF2-40B4-BE49-F238E27FC236}">
-                <a16:creationId xmlns:a16="http://schemas.microsoft.com/office/drawing/2014/main" id="{666F4CC9-B96B-4894-BD6E-4F41B8B0B83C}"/>
-              </a:ext>
-            </a:extLst>
-          </p:cNvPr>
-          <p:cNvSpPr txBox="1"/>
-          <p:nvPr/>
-        </p:nvSpPr>
-        <p:spPr>
-          <a:xfrm>
-            <a:off x="5170105" y="4772038"/>
-            <a:ext cx="3776418" cy="461665"/>
-          </a:xfrm>
-          <a:prstGeom prst="rect">
-            <a:avLst/>
-          </a:prstGeom>
-          <a:noFill/>
-        </p:spPr>
-        <p:txBody>
-          <a:bodyPr wrap="none" rtlCol="0">
-            <a:spAutoFit/>
-          </a:bodyPr>
-          <a:lstStyle/>
-          <a:p>
-            <a:r>
-              <a:rPr lang="en-US" sz="2400" dirty="0"/>
-              <a:t>Range: &lt;start&gt;:&lt;step&gt;:&lt;end&gt;</a:t>
-            </a:r>
-            <a:endParaRPr lang="en-US" sz="2400" dirty="0">
-              <a:latin typeface="Consolas" panose="020B0609020204030204" pitchFamily="49" charset="0"/>
-            </a:endParaRPr>
-          </a:p>
-        </p:txBody>
-      </p:sp>
-      <p:sp>
-        <p:nvSpPr>
-          <p:cNvPr id="7" name="TextBox 6">
-            <a:extLst>
-              <a:ext uri="{FF2B5EF4-FFF2-40B4-BE49-F238E27FC236}">
-                <a16:creationId xmlns:a16="http://schemas.microsoft.com/office/drawing/2014/main" id="{155746DA-5867-44D2-9339-F661F7AB9ADA}"/>
-              </a:ext>
-            </a:extLst>
-          </p:cNvPr>
-          <p:cNvSpPr txBox="1"/>
-          <p:nvPr/>
-        </p:nvSpPr>
-        <p:spPr>
-          <a:xfrm>
-            <a:off x="5170105" y="5428331"/>
-            <a:ext cx="3067506" cy="461665"/>
-          </a:xfrm>
-          <a:prstGeom prst="rect">
-            <a:avLst/>
-          </a:prstGeom>
-          <a:noFill/>
-        </p:spPr>
-        <p:txBody>
-          <a:bodyPr wrap="none" rtlCol="0">
-            <a:spAutoFit/>
-          </a:bodyPr>
-          <a:lstStyle/>
-          <a:p>
-            <a:r>
-              <a:rPr lang="en-US" sz="2400" dirty="0"/>
-              <a:t>Also works on </a:t>
-            </a:r>
-            <a:r>
-              <a:rPr lang="en-US" sz="2400" dirty="0" err="1"/>
-              <a:t>iterables</a:t>
-            </a:r>
-            <a:endParaRPr lang="en-US" sz="2400" dirty="0">
-              <a:latin typeface="Consolas" panose="020B0609020204030204" pitchFamily="49" charset="0"/>
-            </a:endParaRPr>
+              <a:rPr lang="en-US" dirty="0">
+                <a:latin typeface="Consolas" panose="020B0609020204030204" pitchFamily="49" charset="0"/>
+              </a:rPr>
+              <a:t>function fact(n)</a:t>
+            </a:r>
+          </a:p>
+          <a:p>
+            <a:r>
+              <a:rPr lang="en-US" dirty="0">
+                <a:latin typeface="Consolas" panose="020B0609020204030204" pitchFamily="49" charset="0"/>
+              </a:rPr>
+              <a:t>    n &gt;= 0 || error("fact argument must be positive")</a:t>
+            </a:r>
+          </a:p>
+          <a:p>
+            <a:r>
+              <a:rPr lang="en-US" dirty="0">
+                <a:latin typeface="Consolas" panose="020B0609020204030204" pitchFamily="49" charset="0"/>
+              </a:rPr>
+              <a:t>    n &lt;= 1 &amp;&amp; return 1</a:t>
+            </a:r>
+          </a:p>
+          <a:p>
+            <a:r>
+              <a:rPr lang="en-US" dirty="0">
+                <a:latin typeface="Consolas" panose="020B0609020204030204" pitchFamily="49" charset="0"/>
+              </a:rPr>
+              <a:t>    return n*fact(n - 1)</a:t>
+            </a:r>
+          </a:p>
+          <a:p>
+            <a:r>
+              <a:rPr lang="en-US" dirty="0">
+                <a:latin typeface="Consolas" panose="020B0609020204030204" pitchFamily="49" charset="0"/>
+              </a:rPr>
+              <a:t>end</a:t>
+            </a:r>
           </a:p>
         </p:txBody>
       </p:sp>
     </p:spTree>
     <p:extLst>
       <p:ext uri="{BB962C8B-B14F-4D97-AF65-F5344CB8AC3E}">
-        <p14:creationId xmlns:p14="http://schemas.microsoft.com/office/powerpoint/2010/main" val="1788976129"/>
+        <p14:creationId xmlns:p14="http://schemas.microsoft.com/office/powerpoint/2010/main" val="1868916431"/>
       </p:ext>
     </p:extLst>
   </p:cSld>
@@ -4331,7 +5418,7 @@
           <p:cNvPr id="2" name="Title 1">
             <a:extLst>
               <a:ext uri="{FF2B5EF4-FFF2-40B4-BE49-F238E27FC236}">
-                <a16:creationId xmlns:a16="http://schemas.microsoft.com/office/drawing/2014/main" id="{F1840B74-7AB5-4842-AD12-2732F9E304FA}"/>
+                <a16:creationId xmlns:a16="http://schemas.microsoft.com/office/drawing/2014/main" id="{839FEF9C-3687-43B8-81C0-ED9903D10F9A}"/>
               </a:ext>
             </a:extLst>
           </p:cNvPr>
@@ -4349,7 +5436,7 @@
           <a:p>
             <a:r>
               <a:rPr lang="en-US" dirty="0"/>
-              <a:t>Compound expressions</a:t>
+              <a:t>Repeated evaluation loops</a:t>
             </a:r>
           </a:p>
         </p:txBody>
@@ -4359,7 +5446,7 @@
           <p:cNvPr id="3" name="TextBox 2">
             <a:extLst>
               <a:ext uri="{FF2B5EF4-FFF2-40B4-BE49-F238E27FC236}">
-                <a16:creationId xmlns:a16="http://schemas.microsoft.com/office/drawing/2014/main" id="{B816B5C9-F08A-45C5-8561-C4A98B3F465C}"/>
+                <a16:creationId xmlns:a16="http://schemas.microsoft.com/office/drawing/2014/main" id="{335BD0C3-342F-41E7-A609-B1AB45BD985A}"/>
               </a:ext>
             </a:extLst>
           </p:cNvPr>
@@ -4368,7 +5455,132 @@
         </p:nvSpPr>
         <p:spPr>
           <a:xfrm>
-            <a:off x="1153297" y="1784972"/>
+            <a:off x="617837" y="1573749"/>
+            <a:ext cx="3328088" cy="2862322"/>
+          </a:xfrm>
+          <a:prstGeom prst="rect">
+            <a:avLst/>
+          </a:prstGeom>
+          <a:solidFill>
+            <a:schemeClr val="bg1">
+              <a:lumMod val="85000"/>
+            </a:schemeClr>
+          </a:solidFill>
+        </p:spPr>
+        <p:txBody>
+          <a:bodyPr wrap="square" rtlCol="0">
+            <a:spAutoFit/>
+          </a:bodyPr>
+          <a:lstStyle/>
+          <a:p>
+            <a:r>
+              <a:rPr lang="en-US" dirty="0">
+                <a:latin typeface="Consolas" panose="020B0609020204030204" pitchFamily="49" charset="0"/>
+              </a:rPr>
+              <a:t>function </a:t>
+            </a:r>
+            <a:r>
+              <a:rPr lang="en-US" dirty="0" err="1">
+                <a:latin typeface="Consolas" panose="020B0609020204030204" pitchFamily="49" charset="0"/>
+              </a:rPr>
+              <a:t>gcd</a:t>
+            </a:r>
+            <a:r>
+              <a:rPr lang="en-US" dirty="0">
+                <a:latin typeface="Consolas" panose="020B0609020204030204" pitchFamily="49" charset="0"/>
+              </a:rPr>
+              <a:t>(a, b)</a:t>
+            </a:r>
+          </a:p>
+          <a:p>
+            <a:r>
+              <a:rPr lang="en-US" dirty="0">
+                <a:latin typeface="Consolas" panose="020B0609020204030204" pitchFamily="49" charset="0"/>
+              </a:rPr>
+              <a:t>    while a != b</a:t>
+            </a:r>
+          </a:p>
+          <a:p>
+            <a:r>
+              <a:rPr lang="en-US" dirty="0">
+                <a:latin typeface="Consolas" panose="020B0609020204030204" pitchFamily="49" charset="0"/>
+              </a:rPr>
+              <a:t>        if a &gt; b</a:t>
+            </a:r>
+          </a:p>
+          <a:p>
+            <a:r>
+              <a:rPr lang="en-US" dirty="0">
+                <a:latin typeface="Consolas" panose="020B0609020204030204" pitchFamily="49" charset="0"/>
+              </a:rPr>
+              <a:t>            a -= b</a:t>
+            </a:r>
+          </a:p>
+          <a:p>
+            <a:r>
+              <a:rPr lang="en-US" dirty="0">
+                <a:latin typeface="Consolas" panose="020B0609020204030204" pitchFamily="49" charset="0"/>
+              </a:rPr>
+              <a:t>        else</a:t>
+            </a:r>
+          </a:p>
+          <a:p>
+            <a:r>
+              <a:rPr lang="en-US" dirty="0">
+                <a:latin typeface="Consolas" panose="020B0609020204030204" pitchFamily="49" charset="0"/>
+              </a:rPr>
+              <a:t>            b -= a</a:t>
+            </a:r>
+          </a:p>
+          <a:p>
+            <a:r>
+              <a:rPr lang="en-US" dirty="0">
+                <a:latin typeface="Consolas" panose="020B0609020204030204" pitchFamily="49" charset="0"/>
+              </a:rPr>
+              <a:t>        end</a:t>
+            </a:r>
+          </a:p>
+          <a:p>
+            <a:r>
+              <a:rPr lang="en-US" dirty="0">
+                <a:latin typeface="Consolas" panose="020B0609020204030204" pitchFamily="49" charset="0"/>
+              </a:rPr>
+              <a:t>    end</a:t>
+            </a:r>
+          </a:p>
+          <a:p>
+            <a:r>
+              <a:rPr lang="en-US" dirty="0">
+                <a:latin typeface="Consolas" panose="020B0609020204030204" pitchFamily="49" charset="0"/>
+              </a:rPr>
+              <a:t>    return a</a:t>
+            </a:r>
+          </a:p>
+          <a:p>
+            <a:r>
+              <a:rPr lang="en-US" dirty="0">
+                <a:latin typeface="Consolas" panose="020B0609020204030204" pitchFamily="49" charset="0"/>
+              </a:rPr>
+              <a:t>end</a:t>
+            </a:r>
+          </a:p>
+        </p:txBody>
+      </p:sp>
+      <p:sp>
+        <p:nvSpPr>
+          <p:cNvPr id="4" name="TextBox 3">
+            <a:extLst>
+              <a:ext uri="{FF2B5EF4-FFF2-40B4-BE49-F238E27FC236}">
+                <a16:creationId xmlns:a16="http://schemas.microsoft.com/office/drawing/2014/main" id="{04202056-AA70-4D3D-A1A7-8B7381ADA881}"/>
+              </a:ext>
+            </a:extLst>
+          </p:cNvPr>
+          <p:cNvSpPr txBox="1"/>
+          <p:nvPr/>
+        </p:nvSpPr>
+        <p:spPr>
+          <a:xfrm>
+            <a:off x="617837" y="4643502"/>
             <a:ext cx="3328088" cy="2031325"/>
           </a:xfrm>
           <a:prstGeom prst="rect">
@@ -4464,10 +5676,149 @@
           </a:p>
         </p:txBody>
       </p:sp>
+      <p:sp>
+        <p:nvSpPr>
+          <p:cNvPr id="5" name="TextBox 4">
+            <a:extLst>
+              <a:ext uri="{FF2B5EF4-FFF2-40B4-BE49-F238E27FC236}">
+                <a16:creationId xmlns:a16="http://schemas.microsoft.com/office/drawing/2014/main" id="{48B75B53-9880-466C-8BC5-97F68BB92BA5}"/>
+              </a:ext>
+            </a:extLst>
+          </p:cNvPr>
+          <p:cNvSpPr txBox="1"/>
+          <p:nvPr/>
+        </p:nvSpPr>
+        <p:spPr>
+          <a:xfrm>
+            <a:off x="5140411" y="2140049"/>
+            <a:ext cx="1851789" cy="1200329"/>
+          </a:xfrm>
+          <a:prstGeom prst="rect">
+            <a:avLst/>
+          </a:prstGeom>
+          <a:noFill/>
+        </p:spPr>
+        <p:txBody>
+          <a:bodyPr wrap="none" rtlCol="0">
+            <a:spAutoFit/>
+          </a:bodyPr>
+          <a:lstStyle/>
+          <a:p>
+            <a:r>
+              <a:rPr lang="en-US" sz="2400" dirty="0"/>
+              <a:t>Unsurprising:</a:t>
+            </a:r>
+          </a:p>
+          <a:p>
+            <a:pPr marL="285750" indent="-285750">
+              <a:buFont typeface="Arial" panose="020B0604020202020204" pitchFamily="34" charset="0"/>
+              <a:buChar char="•"/>
+            </a:pPr>
+            <a:r>
+              <a:rPr lang="en-US" sz="2400" dirty="0">
+                <a:latin typeface="Consolas" panose="020B0609020204030204" pitchFamily="49" charset="0"/>
+              </a:rPr>
+              <a:t>break</a:t>
+            </a:r>
+          </a:p>
+          <a:p>
+            <a:pPr marL="285750" indent="-285750">
+              <a:buFont typeface="Arial" panose="020B0604020202020204" pitchFamily="34" charset="0"/>
+              <a:buChar char="•"/>
+            </a:pPr>
+            <a:r>
+              <a:rPr lang="en-US" sz="2400" dirty="0">
+                <a:latin typeface="Consolas" panose="020B0609020204030204" pitchFamily="49" charset="0"/>
+              </a:rPr>
+              <a:t>continue</a:t>
+            </a:r>
+          </a:p>
+        </p:txBody>
+      </p:sp>
+      <p:sp>
+        <p:nvSpPr>
+          <p:cNvPr id="6" name="TextBox 5">
+            <a:extLst>
+              <a:ext uri="{FF2B5EF4-FFF2-40B4-BE49-F238E27FC236}">
+                <a16:creationId xmlns:a16="http://schemas.microsoft.com/office/drawing/2014/main" id="{666F4CC9-B96B-4894-BD6E-4F41B8B0B83C}"/>
+              </a:ext>
+            </a:extLst>
+          </p:cNvPr>
+          <p:cNvSpPr txBox="1"/>
+          <p:nvPr/>
+        </p:nvSpPr>
+        <p:spPr>
+          <a:xfrm>
+            <a:off x="5170105" y="4772038"/>
+            <a:ext cx="3776418" cy="461665"/>
+          </a:xfrm>
+          <a:prstGeom prst="rect">
+            <a:avLst/>
+          </a:prstGeom>
+          <a:noFill/>
+        </p:spPr>
+        <p:txBody>
+          <a:bodyPr wrap="none" rtlCol="0">
+            <a:spAutoFit/>
+          </a:bodyPr>
+          <a:lstStyle/>
+          <a:p>
+            <a:r>
+              <a:rPr lang="en-US" sz="2400" dirty="0"/>
+              <a:t>Range: &lt;start&gt;:&lt;step&gt;:&lt;end&gt;</a:t>
+            </a:r>
+            <a:endParaRPr lang="en-US" sz="2400" dirty="0">
+              <a:latin typeface="Consolas" panose="020B0609020204030204" pitchFamily="49" charset="0"/>
+            </a:endParaRPr>
+          </a:p>
+        </p:txBody>
+      </p:sp>
+      <p:sp>
+        <p:nvSpPr>
+          <p:cNvPr id="7" name="TextBox 6">
+            <a:extLst>
+              <a:ext uri="{FF2B5EF4-FFF2-40B4-BE49-F238E27FC236}">
+                <a16:creationId xmlns:a16="http://schemas.microsoft.com/office/drawing/2014/main" id="{155746DA-5867-44D2-9339-F661F7AB9ADA}"/>
+              </a:ext>
+            </a:extLst>
+          </p:cNvPr>
+          <p:cNvSpPr txBox="1"/>
+          <p:nvPr/>
+        </p:nvSpPr>
+        <p:spPr>
+          <a:xfrm>
+            <a:off x="5170105" y="5428331"/>
+            <a:ext cx="3067506" cy="461665"/>
+          </a:xfrm>
+          <a:prstGeom prst="rect">
+            <a:avLst/>
+          </a:prstGeom>
+          <a:noFill/>
+        </p:spPr>
+        <p:txBody>
+          <a:bodyPr wrap="none" rtlCol="0">
+            <a:spAutoFit/>
+          </a:bodyPr>
+          <a:lstStyle/>
+          <a:p>
+            <a:r>
+              <a:rPr lang="en-US" sz="2400" dirty="0"/>
+              <a:t>Also works on </a:t>
+            </a:r>
+            <a:r>
+              <a:rPr lang="en-US" sz="2400" dirty="0" err="1"/>
+              <a:t>iterables</a:t>
+            </a:r>
+            <a:endParaRPr lang="en-US" sz="2400" dirty="0">
+              <a:latin typeface="Consolas" panose="020B0609020204030204" pitchFamily="49" charset="0"/>
+            </a:endParaRPr>
+          </a:p>
+        </p:txBody>
+      </p:sp>
     </p:spTree>
     <p:extLst>
       <p:ext uri="{BB962C8B-B14F-4D97-AF65-F5344CB8AC3E}">
-        <p14:creationId xmlns:p14="http://schemas.microsoft.com/office/powerpoint/2010/main" val="2963682273"/>
+        <p14:creationId xmlns:p14="http://schemas.microsoft.com/office/powerpoint/2010/main" val="1788976129"/>
       </p:ext>
     </p:extLst>
   </p:cSld>
@@ -4499,6 +5850,174 @@
           <p:cNvPr id="2" name="Title 1">
             <a:extLst>
               <a:ext uri="{FF2B5EF4-FFF2-40B4-BE49-F238E27FC236}">
+                <a16:creationId xmlns:a16="http://schemas.microsoft.com/office/drawing/2014/main" id="{F1840B74-7AB5-4842-AD12-2732F9E304FA}"/>
+              </a:ext>
+            </a:extLst>
+          </p:cNvPr>
+          <p:cNvSpPr>
+            <a:spLocks noGrp="1"/>
+          </p:cNvSpPr>
+          <p:nvPr>
+            <p:ph type="title"/>
+          </p:nvPr>
+        </p:nvSpPr>
+        <p:spPr/>
+        <p:txBody>
+          <a:bodyPr/>
+          <a:lstStyle/>
+          <a:p>
+            <a:r>
+              <a:rPr lang="en-US" dirty="0"/>
+              <a:t>Compound expressions</a:t>
+            </a:r>
+          </a:p>
+        </p:txBody>
+      </p:sp>
+      <p:sp>
+        <p:nvSpPr>
+          <p:cNvPr id="3" name="TextBox 2">
+            <a:extLst>
+              <a:ext uri="{FF2B5EF4-FFF2-40B4-BE49-F238E27FC236}">
+                <a16:creationId xmlns:a16="http://schemas.microsoft.com/office/drawing/2014/main" id="{B816B5C9-F08A-45C5-8561-C4A98B3F465C}"/>
+              </a:ext>
+            </a:extLst>
+          </p:cNvPr>
+          <p:cNvSpPr txBox="1"/>
+          <p:nvPr/>
+        </p:nvSpPr>
+        <p:spPr>
+          <a:xfrm>
+            <a:off x="1153297" y="1784972"/>
+            <a:ext cx="3328088" cy="2031325"/>
+          </a:xfrm>
+          <a:prstGeom prst="rect">
+            <a:avLst/>
+          </a:prstGeom>
+          <a:solidFill>
+            <a:schemeClr val="bg1">
+              <a:lumMod val="85000"/>
+            </a:schemeClr>
+          </a:solidFill>
+        </p:spPr>
+        <p:txBody>
+          <a:bodyPr wrap="square" rtlCol="0">
+            <a:spAutoFit/>
+          </a:bodyPr>
+          <a:lstStyle/>
+          <a:p>
+            <a:r>
+              <a:rPr lang="en-US" dirty="0">
+                <a:latin typeface="Consolas" panose="020B0609020204030204" pitchFamily="49" charset="0"/>
+              </a:rPr>
+              <a:t>function fact(n)</a:t>
+            </a:r>
+          </a:p>
+          <a:p>
+            <a:r>
+              <a:rPr lang="en-US" dirty="0">
+                <a:latin typeface="Consolas" panose="020B0609020204030204" pitchFamily="49" charset="0"/>
+              </a:rPr>
+              <a:t>    result = 1</a:t>
+            </a:r>
+          </a:p>
+          <a:p>
+            <a:r>
+              <a:rPr lang="en-US" dirty="0">
+                <a:latin typeface="Consolas" panose="020B0609020204030204" pitchFamily="49" charset="0"/>
+              </a:rPr>
+              <a:t>    for </a:t>
+            </a:r>
+            <a:r>
+              <a:rPr lang="en-US" dirty="0" err="1">
+                <a:latin typeface="Consolas" panose="020B0609020204030204" pitchFamily="49" charset="0"/>
+              </a:rPr>
+              <a:t>i</a:t>
+            </a:r>
+            <a:r>
+              <a:rPr lang="en-US" dirty="0">
+                <a:latin typeface="Consolas" panose="020B0609020204030204" pitchFamily="49" charset="0"/>
+              </a:rPr>
+              <a:t> in 2:n</a:t>
+            </a:r>
+          </a:p>
+          <a:p>
+            <a:r>
+              <a:rPr lang="en-US" dirty="0">
+                <a:latin typeface="Consolas" panose="020B0609020204030204" pitchFamily="49" charset="0"/>
+              </a:rPr>
+              <a:t>        result *= </a:t>
+            </a:r>
+            <a:r>
+              <a:rPr lang="en-US" dirty="0" err="1">
+                <a:latin typeface="Consolas" panose="020B0609020204030204" pitchFamily="49" charset="0"/>
+              </a:rPr>
+              <a:t>i</a:t>
+            </a:r>
+            <a:endParaRPr lang="en-US" dirty="0">
+              <a:latin typeface="Consolas" panose="020B0609020204030204" pitchFamily="49" charset="0"/>
+            </a:endParaRPr>
+          </a:p>
+          <a:p>
+            <a:r>
+              <a:rPr lang="en-US" dirty="0">
+                <a:latin typeface="Consolas" panose="020B0609020204030204" pitchFamily="49" charset="0"/>
+              </a:rPr>
+              <a:t>     end</a:t>
+            </a:r>
+          </a:p>
+          <a:p>
+            <a:r>
+              <a:rPr lang="en-US" dirty="0">
+                <a:latin typeface="Consolas" panose="020B0609020204030204" pitchFamily="49" charset="0"/>
+              </a:rPr>
+              <a:t>     return result</a:t>
+            </a:r>
+          </a:p>
+          <a:p>
+            <a:r>
+              <a:rPr lang="en-US" dirty="0">
+                <a:latin typeface="Consolas" panose="020B0609020204030204" pitchFamily="49" charset="0"/>
+              </a:rPr>
+              <a:t>end</a:t>
+            </a:r>
+          </a:p>
+        </p:txBody>
+      </p:sp>
+    </p:spTree>
+    <p:extLst>
+      <p:ext uri="{BB962C8B-B14F-4D97-AF65-F5344CB8AC3E}">
+        <p14:creationId xmlns:p14="http://schemas.microsoft.com/office/powerpoint/2010/main" val="2963682273"/>
+      </p:ext>
+    </p:extLst>
+  </p:cSld>
+  <p:clrMapOvr>
+    <a:masterClrMapping/>
+  </p:clrMapOvr>
+</p:sld>
+</file>
+
+<file path=ppt/slides/slide8.xml><?xml version="1.0" encoding="utf-8"?>
+<p:sld xmlns:a="http://schemas.openxmlformats.org/drawingml/2006/main" xmlns:r="http://schemas.openxmlformats.org/officeDocument/2006/relationships" xmlns:p="http://schemas.openxmlformats.org/presentationml/2006/main">
+  <p:cSld>
+    <p:spTree>
+      <p:nvGrpSpPr>
+        <p:cNvPr id="1" name=""/>
+        <p:cNvGrpSpPr/>
+        <p:nvPr/>
+      </p:nvGrpSpPr>
+      <p:grpSpPr>
+        <a:xfrm>
+          <a:off x="0" y="0"/>
+          <a:ext cx="0" cy="0"/>
+          <a:chOff x="0" y="0"/>
+          <a:chExt cx="0" cy="0"/>
+        </a:xfrm>
+      </p:grpSpPr>
+      <p:sp>
+        <p:nvSpPr>
+          <p:cNvPr id="2" name="Title 1">
+            <a:extLst>
+              <a:ext uri="{FF2B5EF4-FFF2-40B4-BE49-F238E27FC236}">
                 <a16:creationId xmlns:a16="http://schemas.microsoft.com/office/drawing/2014/main" id="{FCBCDC7B-97A8-41BC-A4E7-A4793FC8ADAF}"/>
               </a:ext>
             </a:extLst>
@@ -4800,7 +6319,7 @@
         </p:nvSpPr>
         <p:spPr>
           <a:xfrm>
-            <a:off x="617837" y="4643502"/>
+            <a:off x="683740" y="4594363"/>
             <a:ext cx="4716166" cy="1754326"/>
           </a:xfrm>
           <a:prstGeom prst="rect">
@@ -4949,6 +6468,89 @@
     <p:extLst>
       <p:ext uri="{BB962C8B-B14F-4D97-AF65-F5344CB8AC3E}">
         <p14:creationId xmlns:p14="http://schemas.microsoft.com/office/powerpoint/2010/main" val="1979726115"/>
+      </p:ext>
+    </p:extLst>
+  </p:cSld>
+  <p:clrMapOvr>
+    <a:masterClrMapping/>
+  </p:clrMapOvr>
+</p:sld>
+</file>
+
+<file path=ppt/slides/slide9.xml><?xml version="1.0" encoding="utf-8"?>
+<p:sld xmlns:a="http://schemas.openxmlformats.org/drawingml/2006/main" xmlns:r="http://schemas.openxmlformats.org/officeDocument/2006/relationships" xmlns:p="http://schemas.openxmlformats.org/presentationml/2006/main">
+  <p:cSld>
+    <p:spTree>
+      <p:nvGrpSpPr>
+        <p:cNvPr id="1" name=""/>
+        <p:cNvGrpSpPr/>
+        <p:nvPr/>
+      </p:nvGrpSpPr>
+      <p:grpSpPr>
+        <a:xfrm>
+          <a:off x="0" y="0"/>
+          <a:ext cx="0" cy="0"/>
+          <a:chOff x="0" y="0"/>
+          <a:chExt cx="0" cy="0"/>
+        </a:xfrm>
+      </p:grpSpPr>
+      <p:sp>
+        <p:nvSpPr>
+          <p:cNvPr id="2" name="Title 1">
+            <a:extLst>
+              <a:ext uri="{FF2B5EF4-FFF2-40B4-BE49-F238E27FC236}">
+                <a16:creationId xmlns:a16="http://schemas.microsoft.com/office/drawing/2014/main" id="{2613194F-8BAA-4A07-BBA6-3D6B458520C2}"/>
+              </a:ext>
+            </a:extLst>
+          </p:cNvPr>
+          <p:cNvSpPr>
+            <a:spLocks noGrp="1"/>
+          </p:cNvSpPr>
+          <p:nvPr>
+            <p:ph type="title"/>
+          </p:nvPr>
+        </p:nvSpPr>
+        <p:spPr/>
+        <p:txBody>
+          <a:bodyPr/>
+          <a:lstStyle/>
+          <a:p>
+            <a:r>
+              <a:rPr lang="en-US" dirty="0"/>
+              <a:t>Data types</a:t>
+            </a:r>
+          </a:p>
+        </p:txBody>
+      </p:sp>
+      <p:sp>
+        <p:nvSpPr>
+          <p:cNvPr id="3" name="Text Placeholder 2">
+            <a:extLst>
+              <a:ext uri="{FF2B5EF4-FFF2-40B4-BE49-F238E27FC236}">
+                <a16:creationId xmlns:a16="http://schemas.microsoft.com/office/drawing/2014/main" id="{C2FFBE65-F98F-444F-B4B7-A70536D1013F}"/>
+              </a:ext>
+            </a:extLst>
+          </p:cNvPr>
+          <p:cNvSpPr>
+            <a:spLocks noGrp="1"/>
+          </p:cNvSpPr>
+          <p:nvPr>
+            <p:ph type="body" idx="1"/>
+          </p:nvPr>
+        </p:nvSpPr>
+        <p:spPr/>
+        <p:txBody>
+          <a:bodyPr/>
+          <a:lstStyle/>
+          <a:p>
+            <a:endParaRPr lang="en-US"/>
+          </a:p>
+        </p:txBody>
+      </p:sp>
+    </p:spTree>
+    <p:extLst>
+      <p:ext uri="{BB962C8B-B14F-4D97-AF65-F5344CB8AC3E}">
+        <p14:creationId xmlns:p14="http://schemas.microsoft.com/office/powerpoint/2010/main" val="2961179590"/>
       </p:ext>
     </p:extLst>
   </p:cSld>

--- a/Julia,_good_back_ugly.pptx
+++ b/Julia,_good_back_ugly.pptx
@@ -116,6 +116,11 @@
       </a:defRPr>
     </a:lvl9pPr>
   </p:defaultTextStyle>
+  <p:extLst>
+    <p:ext uri="{EFAFB233-063F-42B5-8137-9DF3F51BA10A}">
+      <p15:sldGuideLst xmlns:p15="http://schemas.microsoft.com/office/powerpoint/2012/main"/>
+    </p:ext>
+  </p:extLst>
 </p:presentation>
 </file>
 
@@ -266,7 +271,7 @@
           <a:p>
             <a:fld id="{A915D6E4-2626-4E5C-B4BB-83884454EE6F}" type="datetimeFigureOut">
               <a:rPr lang="en-US" smtClean="0"/>
-              <a:t>2021-07-02</a:t>
+              <a:t>2021-07-05</a:t>
             </a:fld>
             <a:endParaRPr lang="en-US"/>
           </a:p>
@@ -464,7 +469,7 @@
           <a:p>
             <a:fld id="{A915D6E4-2626-4E5C-B4BB-83884454EE6F}" type="datetimeFigureOut">
               <a:rPr lang="en-US" smtClean="0"/>
-              <a:t>2021-07-02</a:t>
+              <a:t>2021-07-05</a:t>
             </a:fld>
             <a:endParaRPr lang="en-US"/>
           </a:p>
@@ -672,7 +677,7 @@
           <a:p>
             <a:fld id="{A915D6E4-2626-4E5C-B4BB-83884454EE6F}" type="datetimeFigureOut">
               <a:rPr lang="en-US" smtClean="0"/>
-              <a:t>2021-07-02</a:t>
+              <a:t>2021-07-05</a:t>
             </a:fld>
             <a:endParaRPr lang="en-US"/>
           </a:p>
@@ -870,7 +875,7 @@
           <a:p>
             <a:fld id="{A915D6E4-2626-4E5C-B4BB-83884454EE6F}" type="datetimeFigureOut">
               <a:rPr lang="en-US" smtClean="0"/>
-              <a:t>2021-07-02</a:t>
+              <a:t>2021-07-05</a:t>
             </a:fld>
             <a:endParaRPr lang="en-US"/>
           </a:p>
@@ -1145,7 +1150,7 @@
           <a:p>
             <a:fld id="{A915D6E4-2626-4E5C-B4BB-83884454EE6F}" type="datetimeFigureOut">
               <a:rPr lang="en-US" smtClean="0"/>
-              <a:t>2021-07-02</a:t>
+              <a:t>2021-07-05</a:t>
             </a:fld>
             <a:endParaRPr lang="en-US"/>
           </a:p>
@@ -1410,7 +1415,7 @@
           <a:p>
             <a:fld id="{A915D6E4-2626-4E5C-B4BB-83884454EE6F}" type="datetimeFigureOut">
               <a:rPr lang="en-US" smtClean="0"/>
-              <a:t>2021-07-02</a:t>
+              <a:t>2021-07-05</a:t>
             </a:fld>
             <a:endParaRPr lang="en-US"/>
           </a:p>
@@ -1822,7 +1827,7 @@
           <a:p>
             <a:fld id="{A915D6E4-2626-4E5C-B4BB-83884454EE6F}" type="datetimeFigureOut">
               <a:rPr lang="en-US" smtClean="0"/>
-              <a:t>2021-07-02</a:t>
+              <a:t>2021-07-05</a:t>
             </a:fld>
             <a:endParaRPr lang="en-US"/>
           </a:p>
@@ -1963,7 +1968,7 @@
           <a:p>
             <a:fld id="{A915D6E4-2626-4E5C-B4BB-83884454EE6F}" type="datetimeFigureOut">
               <a:rPr lang="en-US" smtClean="0"/>
-              <a:t>2021-07-02</a:t>
+              <a:t>2021-07-05</a:t>
             </a:fld>
             <a:endParaRPr lang="en-US"/>
           </a:p>
@@ -2076,7 +2081,7 @@
           <a:p>
             <a:fld id="{A915D6E4-2626-4E5C-B4BB-83884454EE6F}" type="datetimeFigureOut">
               <a:rPr lang="en-US" smtClean="0"/>
-              <a:t>2021-07-02</a:t>
+              <a:t>2021-07-05</a:t>
             </a:fld>
             <a:endParaRPr lang="en-US"/>
           </a:p>
@@ -2387,7 +2392,7 @@
           <a:p>
             <a:fld id="{A915D6E4-2626-4E5C-B4BB-83884454EE6F}" type="datetimeFigureOut">
               <a:rPr lang="en-US" smtClean="0"/>
-              <a:t>2021-07-02</a:t>
+              <a:t>2021-07-05</a:t>
             </a:fld>
             <a:endParaRPr lang="en-US"/>
           </a:p>
@@ -2675,7 +2680,7 @@
           <a:p>
             <a:fld id="{A915D6E4-2626-4E5C-B4BB-83884454EE6F}" type="datetimeFigureOut">
               <a:rPr lang="en-US" smtClean="0"/>
-              <a:t>2021-07-02</a:t>
+              <a:t>2021-07-05</a:t>
             </a:fld>
             <a:endParaRPr lang="en-US"/>
           </a:p>
@@ -2916,7 +2921,7 @@
           <a:p>
             <a:fld id="{A915D6E4-2626-4E5C-B4BB-83884454EE6F}" type="datetimeFigureOut">
               <a:rPr lang="en-US" smtClean="0"/>
-              <a:t>2021-07-02</a:t>
+              <a:t>2021-07-05</a:t>
             </a:fld>
             <a:endParaRPr lang="en-US"/>
           </a:p>
@@ -6152,8 +6157,8 @@
         </p:nvSpPr>
         <p:spPr>
           <a:xfrm>
-            <a:off x="6664409" y="1491838"/>
-            <a:ext cx="3155094" cy="923330"/>
+            <a:off x="6096000" y="1579026"/>
+            <a:ext cx="3155094" cy="369332"/>
           </a:xfrm>
           <a:prstGeom prst="rect">
             <a:avLst/>
@@ -6168,32 +6173,11 @@
           <a:p>
             <a:r>
               <a:rPr lang="en-US" dirty="0"/>
-              <a:t>Halts execution, also</a:t>
-            </a:r>
-          </a:p>
-          <a:p>
-            <a:pPr marL="285750" indent="-285750">
-              <a:buFont typeface="Arial" panose="020B0604020202020204" pitchFamily="34" charset="0"/>
-              <a:buChar char="•"/>
-            </a:pPr>
-            <a:r>
-              <a:rPr lang="en-US" dirty="0">
-                <a:latin typeface="Consolas" panose="020B0609020204030204" pitchFamily="49" charset="0"/>
-              </a:rPr>
-              <a:t>warn()</a:t>
-            </a:r>
-          </a:p>
-          <a:p>
-            <a:pPr marL="285750" indent="-285750">
-              <a:buFont typeface="Arial" panose="020B0604020202020204" pitchFamily="34" charset="0"/>
-              <a:buChar char="•"/>
-            </a:pPr>
-            <a:r>
-              <a:rPr lang="en-US" dirty="0">
-                <a:latin typeface="Consolas" panose="020B0609020204030204" pitchFamily="49" charset="0"/>
-              </a:rPr>
-              <a:t>info()</a:t>
-            </a:r>
+              <a:t>Halts execution</a:t>
+            </a:r>
+            <a:endParaRPr lang="en-US" dirty="0">
+              <a:latin typeface="Consolas" panose="020B0609020204030204" pitchFamily="49" charset="0"/>
+            </a:endParaRPr>
           </a:p>
         </p:txBody>
       </p:sp>

--- a/Julia,_good_back_ugly.pptx
+++ b/Julia,_good_back_ugly.pptx
@@ -1,9 +1,12 @@
 
 <file path=ppt/presentation.xml><?xml version="1.0" encoding="utf-8"?>
-<p:presentation xmlns:a="http://schemas.openxmlformats.org/drawingml/2006/main" xmlns:r="http://schemas.openxmlformats.org/officeDocument/2006/relationships" xmlns:p="http://schemas.openxmlformats.org/presentationml/2006/main" saveSubsetFonts="1">
+<p:presentation xmlns:a="http://schemas.openxmlformats.org/drawingml/2006/main" xmlns:r="http://schemas.openxmlformats.org/officeDocument/2006/relationships" xmlns:p="http://schemas.openxmlformats.org/presentationml/2006/main" showSpecialPlsOnTitleSld="0" saveSubsetFonts="1">
   <p:sldMasterIdLst>
     <p:sldMasterId id="2147483648" r:id="rId1"/>
   </p:sldMasterIdLst>
+  <p:notesMasterIdLst>
+    <p:notesMasterId r:id="rId19"/>
+  </p:notesMasterIdLst>
   <p:sldIdLst>
     <p:sldId id="256" r:id="rId2"/>
     <p:sldId id="257" r:id="rId3"/>
@@ -17,7 +20,11 @@
     <p:sldId id="266" r:id="rId11"/>
     <p:sldId id="267" r:id="rId12"/>
     <p:sldId id="268" r:id="rId13"/>
-    <p:sldId id="265" r:id="rId14"/>
+    <p:sldId id="270" r:id="rId14"/>
+    <p:sldId id="269" r:id="rId15"/>
+    <p:sldId id="271" r:id="rId16"/>
+    <p:sldId id="272" r:id="rId17"/>
+    <p:sldId id="265" r:id="rId18"/>
   </p:sldIdLst>
   <p:sldSz cx="12192000" cy="6858000"/>
   <p:notesSz cx="6858000" cy="9144000"/>
@@ -124,6 +131,355 @@
 </p:presentation>
 </file>
 
+<file path=ppt/notesMasters/notesMaster1.xml><?xml version="1.0" encoding="utf-8"?>
+<p:notesMaster xmlns:a="http://schemas.openxmlformats.org/drawingml/2006/main" xmlns:r="http://schemas.openxmlformats.org/officeDocument/2006/relationships" xmlns:p="http://schemas.openxmlformats.org/presentationml/2006/main">
+  <p:cSld>
+    <p:bg>
+      <p:bgRef idx="1001">
+        <a:schemeClr val="bg1"/>
+      </p:bgRef>
+    </p:bg>
+    <p:spTree>
+      <p:nvGrpSpPr>
+        <p:cNvPr id="1" name=""/>
+        <p:cNvGrpSpPr/>
+        <p:nvPr/>
+      </p:nvGrpSpPr>
+      <p:grpSpPr>
+        <a:xfrm>
+          <a:off x="0" y="0"/>
+          <a:ext cx="0" cy="0"/>
+          <a:chOff x="0" y="0"/>
+          <a:chExt cx="0" cy="0"/>
+        </a:xfrm>
+      </p:grpSpPr>
+      <p:sp>
+        <p:nvSpPr>
+          <p:cNvPr id="2" name="Header Placeholder 1"/>
+          <p:cNvSpPr>
+            <a:spLocks noGrp="1"/>
+          </p:cNvSpPr>
+          <p:nvPr>
+            <p:ph type="hdr" sz="quarter"/>
+          </p:nvPr>
+        </p:nvSpPr>
+        <p:spPr>
+          <a:xfrm>
+            <a:off x="0" y="0"/>
+            <a:ext cx="2971800" cy="458788"/>
+          </a:xfrm>
+          <a:prstGeom prst="rect">
+            <a:avLst/>
+          </a:prstGeom>
+        </p:spPr>
+        <p:txBody>
+          <a:bodyPr vert="horz" lIns="91440" tIns="45720" rIns="91440" bIns="45720" rtlCol="0"/>
+          <a:lstStyle>
+            <a:lvl1pPr algn="l">
+              <a:defRPr sz="1200"/>
+            </a:lvl1pPr>
+          </a:lstStyle>
+          <a:p>
+            <a:endParaRPr lang="en-US"/>
+          </a:p>
+        </p:txBody>
+      </p:sp>
+      <p:sp>
+        <p:nvSpPr>
+          <p:cNvPr id="3" name="Date Placeholder 2"/>
+          <p:cNvSpPr>
+            <a:spLocks noGrp="1"/>
+          </p:cNvSpPr>
+          <p:nvPr>
+            <p:ph type="dt" idx="1"/>
+          </p:nvPr>
+        </p:nvSpPr>
+        <p:spPr>
+          <a:xfrm>
+            <a:off x="3884613" y="0"/>
+            <a:ext cx="2971800" cy="458788"/>
+          </a:xfrm>
+          <a:prstGeom prst="rect">
+            <a:avLst/>
+          </a:prstGeom>
+        </p:spPr>
+        <p:txBody>
+          <a:bodyPr vert="horz" lIns="91440" tIns="45720" rIns="91440" bIns="45720" rtlCol="0"/>
+          <a:lstStyle>
+            <a:lvl1pPr algn="r">
+              <a:defRPr sz="1200"/>
+            </a:lvl1pPr>
+          </a:lstStyle>
+          <a:p>
+            <a:fld id="{CC9F3EF1-84A5-42B0-81FF-8805AF740E8D}" type="datetimeFigureOut">
+              <a:rPr lang="en-US" smtClean="0"/>
+              <a:t>2021-07-05</a:t>
+            </a:fld>
+            <a:endParaRPr lang="en-US"/>
+          </a:p>
+        </p:txBody>
+      </p:sp>
+      <p:sp>
+        <p:nvSpPr>
+          <p:cNvPr id="4" name="Slide Image Placeholder 3"/>
+          <p:cNvSpPr>
+            <a:spLocks noGrp="1" noRot="1" noChangeAspect="1"/>
+          </p:cNvSpPr>
+          <p:nvPr>
+            <p:ph type="sldImg" idx="2"/>
+          </p:nvPr>
+        </p:nvSpPr>
+        <p:spPr>
+          <a:xfrm>
+            <a:off x="685800" y="1143000"/>
+            <a:ext cx="5486400" cy="3086100"/>
+          </a:xfrm>
+          <a:prstGeom prst="rect">
+            <a:avLst/>
+          </a:prstGeom>
+          <a:noFill/>
+          <a:ln w="12700">
+            <a:solidFill>
+              <a:prstClr val="black"/>
+            </a:solidFill>
+          </a:ln>
+        </p:spPr>
+        <p:txBody>
+          <a:bodyPr vert="horz" lIns="91440" tIns="45720" rIns="91440" bIns="45720" rtlCol="0" anchor="ctr"/>
+          <a:lstStyle/>
+          <a:p>
+            <a:endParaRPr lang="en-US"/>
+          </a:p>
+        </p:txBody>
+      </p:sp>
+      <p:sp>
+        <p:nvSpPr>
+          <p:cNvPr id="5" name="Notes Placeholder 4"/>
+          <p:cNvSpPr>
+            <a:spLocks noGrp="1"/>
+          </p:cNvSpPr>
+          <p:nvPr>
+            <p:ph type="body" sz="quarter" idx="3"/>
+          </p:nvPr>
+        </p:nvSpPr>
+        <p:spPr>
+          <a:xfrm>
+            <a:off x="685800" y="4400550"/>
+            <a:ext cx="5486400" cy="3600450"/>
+          </a:xfrm>
+          <a:prstGeom prst="rect">
+            <a:avLst/>
+          </a:prstGeom>
+        </p:spPr>
+        <p:txBody>
+          <a:bodyPr vert="horz" lIns="91440" tIns="45720" rIns="91440" bIns="45720" rtlCol="0"/>
+          <a:lstStyle/>
+          <a:p>
+            <a:pPr lvl="0"/>
+            <a:r>
+              <a:rPr lang="en-US"/>
+              <a:t>Click to edit Master text styles</a:t>
+            </a:r>
+          </a:p>
+          <a:p>
+            <a:pPr lvl="1"/>
+            <a:r>
+              <a:rPr lang="en-US"/>
+              <a:t>Second level</a:t>
+            </a:r>
+          </a:p>
+          <a:p>
+            <a:pPr lvl="2"/>
+            <a:r>
+              <a:rPr lang="en-US"/>
+              <a:t>Third level</a:t>
+            </a:r>
+          </a:p>
+          <a:p>
+            <a:pPr lvl="3"/>
+            <a:r>
+              <a:rPr lang="en-US"/>
+              <a:t>Fourth level</a:t>
+            </a:r>
+          </a:p>
+          <a:p>
+            <a:pPr lvl="4"/>
+            <a:r>
+              <a:rPr lang="en-US"/>
+              <a:t>Fifth level</a:t>
+            </a:r>
+          </a:p>
+        </p:txBody>
+      </p:sp>
+      <p:sp>
+        <p:nvSpPr>
+          <p:cNvPr id="6" name="Footer Placeholder 5"/>
+          <p:cNvSpPr>
+            <a:spLocks noGrp="1"/>
+          </p:cNvSpPr>
+          <p:nvPr>
+            <p:ph type="ftr" sz="quarter" idx="4"/>
+          </p:nvPr>
+        </p:nvSpPr>
+        <p:spPr>
+          <a:xfrm>
+            <a:off x="0" y="8685213"/>
+            <a:ext cx="2971800" cy="458787"/>
+          </a:xfrm>
+          <a:prstGeom prst="rect">
+            <a:avLst/>
+          </a:prstGeom>
+        </p:spPr>
+        <p:txBody>
+          <a:bodyPr vert="horz" lIns="91440" tIns="45720" rIns="91440" bIns="45720" rtlCol="0" anchor="b"/>
+          <a:lstStyle>
+            <a:lvl1pPr algn="l">
+              <a:defRPr sz="1200"/>
+            </a:lvl1pPr>
+          </a:lstStyle>
+          <a:p>
+            <a:endParaRPr lang="en-US"/>
+          </a:p>
+        </p:txBody>
+      </p:sp>
+      <p:sp>
+        <p:nvSpPr>
+          <p:cNvPr id="7" name="Slide Number Placeholder 6"/>
+          <p:cNvSpPr>
+            <a:spLocks noGrp="1"/>
+          </p:cNvSpPr>
+          <p:nvPr>
+            <p:ph type="sldNum" sz="quarter" idx="5"/>
+          </p:nvPr>
+        </p:nvSpPr>
+        <p:spPr>
+          <a:xfrm>
+            <a:off x="3884613" y="8685213"/>
+            <a:ext cx="2971800" cy="458787"/>
+          </a:xfrm>
+          <a:prstGeom prst="rect">
+            <a:avLst/>
+          </a:prstGeom>
+        </p:spPr>
+        <p:txBody>
+          <a:bodyPr vert="horz" lIns="91440" tIns="45720" rIns="91440" bIns="45720" rtlCol="0" anchor="b"/>
+          <a:lstStyle>
+            <a:lvl1pPr algn="r">
+              <a:defRPr sz="1200"/>
+            </a:lvl1pPr>
+          </a:lstStyle>
+          <a:p>
+            <a:fld id="{A23E7579-EFCE-4D6E-BE1F-10D57697235F}" type="slidenum">
+              <a:rPr lang="en-US" smtClean="0"/>
+              <a:t>‹#›</a:t>
+            </a:fld>
+            <a:endParaRPr lang="en-US"/>
+          </a:p>
+        </p:txBody>
+      </p:sp>
+    </p:spTree>
+    <p:extLst>
+      <p:ext uri="{BB962C8B-B14F-4D97-AF65-F5344CB8AC3E}">
+        <p14:creationId xmlns:p14="http://schemas.microsoft.com/office/powerpoint/2010/main" val="479989556"/>
+      </p:ext>
+    </p:extLst>
+  </p:cSld>
+  <p:clrMap bg1="lt1" tx1="dk1" bg2="lt2" tx2="dk2" accent1="accent1" accent2="accent2" accent3="accent3" accent4="accent4" accent5="accent5" accent6="accent6" hlink="hlink" folHlink="folHlink"/>
+  <p:notesStyle>
+    <a:lvl1pPr marL="0" algn="l" defTabSz="914400" rtl="0" eaLnBrk="1" latinLnBrk="0" hangingPunct="1">
+      <a:defRPr sz="1200" kern="1200">
+        <a:solidFill>
+          <a:schemeClr val="tx1"/>
+        </a:solidFill>
+        <a:latin typeface="+mn-lt"/>
+        <a:ea typeface="+mn-ea"/>
+        <a:cs typeface="+mn-cs"/>
+      </a:defRPr>
+    </a:lvl1pPr>
+    <a:lvl2pPr marL="457200" algn="l" defTabSz="914400" rtl="0" eaLnBrk="1" latinLnBrk="0" hangingPunct="1">
+      <a:defRPr sz="1200" kern="1200">
+        <a:solidFill>
+          <a:schemeClr val="tx1"/>
+        </a:solidFill>
+        <a:latin typeface="+mn-lt"/>
+        <a:ea typeface="+mn-ea"/>
+        <a:cs typeface="+mn-cs"/>
+      </a:defRPr>
+    </a:lvl2pPr>
+    <a:lvl3pPr marL="914400" algn="l" defTabSz="914400" rtl="0" eaLnBrk="1" latinLnBrk="0" hangingPunct="1">
+      <a:defRPr sz="1200" kern="1200">
+        <a:solidFill>
+          <a:schemeClr val="tx1"/>
+        </a:solidFill>
+        <a:latin typeface="+mn-lt"/>
+        <a:ea typeface="+mn-ea"/>
+        <a:cs typeface="+mn-cs"/>
+      </a:defRPr>
+    </a:lvl3pPr>
+    <a:lvl4pPr marL="1371600" algn="l" defTabSz="914400" rtl="0" eaLnBrk="1" latinLnBrk="0" hangingPunct="1">
+      <a:defRPr sz="1200" kern="1200">
+        <a:solidFill>
+          <a:schemeClr val="tx1"/>
+        </a:solidFill>
+        <a:latin typeface="+mn-lt"/>
+        <a:ea typeface="+mn-ea"/>
+        <a:cs typeface="+mn-cs"/>
+      </a:defRPr>
+    </a:lvl4pPr>
+    <a:lvl5pPr marL="1828800" algn="l" defTabSz="914400" rtl="0" eaLnBrk="1" latinLnBrk="0" hangingPunct="1">
+      <a:defRPr sz="1200" kern="1200">
+        <a:solidFill>
+          <a:schemeClr val="tx1"/>
+        </a:solidFill>
+        <a:latin typeface="+mn-lt"/>
+        <a:ea typeface="+mn-ea"/>
+        <a:cs typeface="+mn-cs"/>
+      </a:defRPr>
+    </a:lvl5pPr>
+    <a:lvl6pPr marL="2286000" algn="l" defTabSz="914400" rtl="0" eaLnBrk="1" latinLnBrk="0" hangingPunct="1">
+      <a:defRPr sz="1200" kern="1200">
+        <a:solidFill>
+          <a:schemeClr val="tx1"/>
+        </a:solidFill>
+        <a:latin typeface="+mn-lt"/>
+        <a:ea typeface="+mn-ea"/>
+        <a:cs typeface="+mn-cs"/>
+      </a:defRPr>
+    </a:lvl6pPr>
+    <a:lvl7pPr marL="2743200" algn="l" defTabSz="914400" rtl="0" eaLnBrk="1" latinLnBrk="0" hangingPunct="1">
+      <a:defRPr sz="1200" kern="1200">
+        <a:solidFill>
+          <a:schemeClr val="tx1"/>
+        </a:solidFill>
+        <a:latin typeface="+mn-lt"/>
+        <a:ea typeface="+mn-ea"/>
+        <a:cs typeface="+mn-cs"/>
+      </a:defRPr>
+    </a:lvl7pPr>
+    <a:lvl8pPr marL="3200400" algn="l" defTabSz="914400" rtl="0" eaLnBrk="1" latinLnBrk="0" hangingPunct="1">
+      <a:defRPr sz="1200" kern="1200">
+        <a:solidFill>
+          <a:schemeClr val="tx1"/>
+        </a:solidFill>
+        <a:latin typeface="+mn-lt"/>
+        <a:ea typeface="+mn-ea"/>
+        <a:cs typeface="+mn-cs"/>
+      </a:defRPr>
+    </a:lvl8pPr>
+    <a:lvl9pPr marL="3657600" algn="l" defTabSz="914400" rtl="0" eaLnBrk="1" latinLnBrk="0" hangingPunct="1">
+      <a:defRPr sz="1200" kern="1200">
+        <a:solidFill>
+          <a:schemeClr val="tx1"/>
+        </a:solidFill>
+        <a:latin typeface="+mn-lt"/>
+        <a:ea typeface="+mn-ea"/>
+        <a:cs typeface="+mn-cs"/>
+      </a:defRPr>
+    </a:lvl9pPr>
+  </p:notesStyle>
+</p:notesMaster>
+</file>
+
 <file path=ppt/slideLayouts/slideLayout1.xml><?xml version="1.0" encoding="utf-8"?>
 <p:sldLayout xmlns:a="http://schemas.openxmlformats.org/drawingml/2006/main" xmlns:r="http://schemas.openxmlformats.org/officeDocument/2006/relationships" xmlns:p="http://schemas.openxmlformats.org/presentationml/2006/main" type="title" preserve="1">
   <p:cSld name="Title Slide">
@@ -269,7 +625,7 @@
           <a:bodyPr/>
           <a:lstStyle/>
           <a:p>
-            <a:fld id="{A915D6E4-2626-4E5C-B4BB-83884454EE6F}" type="datetimeFigureOut">
+            <a:fld id="{0D45F18C-3E18-466F-8ADF-516304A44708}" type="datetime1">
               <a:rPr lang="en-US" smtClean="0"/>
               <a:t>2021-07-05</a:t>
             </a:fld>
@@ -467,7 +823,7 @@
           <a:bodyPr/>
           <a:lstStyle/>
           <a:p>
-            <a:fld id="{A915D6E4-2626-4E5C-B4BB-83884454EE6F}" type="datetimeFigureOut">
+            <a:fld id="{D5980222-6813-4CA6-84DC-753D8B88D809}" type="datetime1">
               <a:rPr lang="en-US" smtClean="0"/>
               <a:t>2021-07-05</a:t>
             </a:fld>
@@ -675,7 +1031,7 @@
           <a:bodyPr/>
           <a:lstStyle/>
           <a:p>
-            <a:fld id="{A915D6E4-2626-4E5C-B4BB-83884454EE6F}" type="datetimeFigureOut">
+            <a:fld id="{96F7B8FF-A661-4CB7-BF06-F03D9C89262B}" type="datetime1">
               <a:rPr lang="en-US" smtClean="0"/>
               <a:t>2021-07-05</a:t>
             </a:fld>
@@ -873,7 +1229,7 @@
           <a:bodyPr/>
           <a:lstStyle/>
           <a:p>
-            <a:fld id="{A915D6E4-2626-4E5C-B4BB-83884454EE6F}" type="datetimeFigureOut">
+            <a:fld id="{CE4E165D-6495-4D37-B27D-5DB6761319B2}" type="datetime1">
               <a:rPr lang="en-US" smtClean="0"/>
               <a:t>2021-07-05</a:t>
             </a:fld>
@@ -1148,7 +1504,7 @@
           <a:bodyPr/>
           <a:lstStyle/>
           <a:p>
-            <a:fld id="{A915D6E4-2626-4E5C-B4BB-83884454EE6F}" type="datetimeFigureOut">
+            <a:fld id="{579D02C7-69E9-4C82-8F80-CB6196DA722C}" type="datetime1">
               <a:rPr lang="en-US" smtClean="0"/>
               <a:t>2021-07-05</a:t>
             </a:fld>
@@ -1413,7 +1769,7 @@
           <a:bodyPr/>
           <a:lstStyle/>
           <a:p>
-            <a:fld id="{A915D6E4-2626-4E5C-B4BB-83884454EE6F}" type="datetimeFigureOut">
+            <a:fld id="{107E8C2C-E058-49BD-9DFF-244106208F3B}" type="datetime1">
               <a:rPr lang="en-US" smtClean="0"/>
               <a:t>2021-07-05</a:t>
             </a:fld>
@@ -1825,7 +2181,7 @@
           <a:bodyPr/>
           <a:lstStyle/>
           <a:p>
-            <a:fld id="{A915D6E4-2626-4E5C-B4BB-83884454EE6F}" type="datetimeFigureOut">
+            <a:fld id="{EBBE2EFD-4DA5-4354-BB09-551207F90777}" type="datetime1">
               <a:rPr lang="en-US" smtClean="0"/>
               <a:t>2021-07-05</a:t>
             </a:fld>
@@ -1966,7 +2322,7 @@
           <a:bodyPr/>
           <a:lstStyle/>
           <a:p>
-            <a:fld id="{A915D6E4-2626-4E5C-B4BB-83884454EE6F}" type="datetimeFigureOut">
+            <a:fld id="{0357F3B6-5D5B-4F6A-8ABC-6500847F3284}" type="datetime1">
               <a:rPr lang="en-US" smtClean="0"/>
               <a:t>2021-07-05</a:t>
             </a:fld>
@@ -2079,7 +2435,7 @@
           <a:bodyPr/>
           <a:lstStyle/>
           <a:p>
-            <a:fld id="{A915D6E4-2626-4E5C-B4BB-83884454EE6F}" type="datetimeFigureOut">
+            <a:fld id="{470EE9C1-5D95-4DE1-8B8E-CE731554AA23}" type="datetime1">
               <a:rPr lang="en-US" smtClean="0"/>
               <a:t>2021-07-05</a:t>
             </a:fld>
@@ -2390,7 +2746,7 @@
           <a:bodyPr/>
           <a:lstStyle/>
           <a:p>
-            <a:fld id="{A915D6E4-2626-4E5C-B4BB-83884454EE6F}" type="datetimeFigureOut">
+            <a:fld id="{ED4A0E8D-A460-4018-89F2-1FF6F9205C86}" type="datetime1">
               <a:rPr lang="en-US" smtClean="0"/>
               <a:t>2021-07-05</a:t>
             </a:fld>
@@ -2678,7 +3034,7 @@
           <a:bodyPr/>
           <a:lstStyle/>
           <a:p>
-            <a:fld id="{A915D6E4-2626-4E5C-B4BB-83884454EE6F}" type="datetimeFigureOut">
+            <a:fld id="{74076E25-3B53-45C6-AE55-8E3CC5E53EDE}" type="datetime1">
               <a:rPr lang="en-US" smtClean="0"/>
               <a:t>2021-07-05</a:t>
             </a:fld>
@@ -2919,7 +3275,7 @@
             </a:lvl1pPr>
           </a:lstStyle>
           <a:p>
-            <a:fld id="{A915D6E4-2626-4E5C-B4BB-83884454EE6F}" type="datetimeFigureOut">
+            <a:fld id="{3B0E2389-F93F-49F3-A6AD-79A456A600D1}" type="datetime1">
               <a:rPr lang="en-US" smtClean="0"/>
               <a:t>2021-07-05</a:t>
             </a:fld>
@@ -3038,6 +3394,7 @@
     <p:sldLayoutId id="2147483658" r:id="rId10"/>
     <p:sldLayoutId id="2147483659" r:id="rId11"/>
   </p:sldLayoutIdLst>
+  <p:hf hdr="0" ftr="0" dt="0"/>
   <p:txStyles>
     <p:titleStyle>
       <a:lvl1pPr algn="l" defTabSz="914400" rtl="0" eaLnBrk="1" latinLnBrk="0" hangingPunct="1">
@@ -3837,6 +4194,35 @@
           </a:p>
         </p:txBody>
       </p:sp>
+      <p:sp>
+        <p:nvSpPr>
+          <p:cNvPr id="4" name="Slide Number Placeholder 3">
+            <a:extLst>
+              <a:ext uri="{FF2B5EF4-FFF2-40B4-BE49-F238E27FC236}">
+                <a16:creationId xmlns:a16="http://schemas.microsoft.com/office/drawing/2014/main" id="{440DB69E-77F2-44F7-B723-90BF436C7591}"/>
+              </a:ext>
+            </a:extLst>
+          </p:cNvPr>
+          <p:cNvSpPr>
+            <a:spLocks noGrp="1"/>
+          </p:cNvSpPr>
+          <p:nvPr>
+            <p:ph type="sldNum" sz="quarter" idx="12"/>
+          </p:nvPr>
+        </p:nvSpPr>
+        <p:spPr/>
+        <p:txBody>
+          <a:bodyPr/>
+          <a:lstStyle/>
+          <a:p>
+            <a:fld id="{78F7A1EC-23D1-431D-8C93-9C4ED5D4A04D}" type="slidenum">
+              <a:rPr lang="en-US" smtClean="0"/>
+              <a:t>10</a:t>
+            </a:fld>
+            <a:endParaRPr lang="en-US"/>
+          </a:p>
+        </p:txBody>
+      </p:sp>
     </p:spTree>
     <p:extLst>
       <p:ext uri="{BB962C8B-B14F-4D97-AF65-F5344CB8AC3E}">
@@ -3931,55 +4317,31 @@
               <a:rPr lang="en-US" dirty="0">
                 <a:latin typeface="Consolas" panose="020B0609020204030204" pitchFamily="49" charset="0"/>
               </a:rPr>
-              <a:t>struct Person</a:t>
-            </a:r>
-          </a:p>
-          <a:p>
-            <a:r>
-              <a:rPr lang="en-US" dirty="0">
-                <a:latin typeface="Consolas" panose="020B0609020204030204" pitchFamily="49" charset="0"/>
-              </a:rPr>
-              <a:t>    </a:t>
-            </a:r>
-            <a:r>
-              <a:rPr lang="en-US" dirty="0" err="1">
-                <a:latin typeface="Consolas" panose="020B0609020204030204" pitchFamily="49" charset="0"/>
-              </a:rPr>
-              <a:t>first_name</a:t>
-            </a:r>
-            <a:r>
-              <a:rPr lang="en-US" dirty="0">
-                <a:latin typeface="Consolas" panose="020B0609020204030204" pitchFamily="49" charset="0"/>
-              </a:rPr>
-              <a:t>::String</a:t>
-            </a:r>
-          </a:p>
-          <a:p>
-            <a:r>
-              <a:rPr lang="en-US" dirty="0">
-                <a:latin typeface="Consolas" panose="020B0609020204030204" pitchFamily="49" charset="0"/>
-              </a:rPr>
-              <a:t>    </a:t>
-            </a:r>
-            <a:r>
-              <a:rPr lang="en-US" dirty="0" err="1">
-                <a:latin typeface="Consolas" panose="020B0609020204030204" pitchFamily="49" charset="0"/>
-              </a:rPr>
-              <a:t>last_name</a:t>
-            </a:r>
-            <a:r>
-              <a:rPr lang="en-US" dirty="0">
-                <a:latin typeface="Consolas" panose="020B0609020204030204" pitchFamily="49" charset="0"/>
-              </a:rPr>
-              <a:t>::String</a:t>
-            </a:r>
-          </a:p>
-          <a:p>
-            <a:r>
-              <a:rPr lang="en-US" dirty="0">
-                <a:latin typeface="Consolas" panose="020B0609020204030204" pitchFamily="49" charset="0"/>
-              </a:rPr>
-              <a:t>    age::Int8</a:t>
+              <a:t>struct Pixel</a:t>
+            </a:r>
+          </a:p>
+          <a:p>
+            <a:r>
+              <a:rPr lang="en-US" dirty="0">
+                <a:latin typeface="Consolas" panose="020B0609020204030204" pitchFamily="49" charset="0"/>
+              </a:rPr>
+              <a:t>    x::UInt32</a:t>
+            </a:r>
+          </a:p>
+          <a:p>
+            <a:r>
+              <a:rPr lang="en-US" dirty="0">
+                <a:latin typeface="Consolas" panose="020B0609020204030204" pitchFamily="49" charset="0"/>
+              </a:rPr>
+              <a:t>    y::UInt32</a:t>
+            </a:r>
+          </a:p>
+          <a:p>
+            <a:r>
+              <a:rPr lang="en-US" dirty="0">
+                <a:latin typeface="Consolas" panose="020B0609020204030204" pitchFamily="49" charset="0"/>
+              </a:rPr>
+              <a:t>    color::String</a:t>
             </a:r>
           </a:p>
           <a:p>
@@ -4028,7 +4390,7 @@
               <a:rPr lang="en-US" dirty="0">
                 <a:latin typeface="Consolas" panose="020B0609020204030204" pitchFamily="49" charset="0"/>
               </a:rPr>
-              <a:t>me = Person("Geert Jan", "Bex", 53)</a:t>
+              <a:t>p = Pixel(3, 7, "blue")</a:t>
             </a:r>
           </a:p>
         </p:txBody>
@@ -4160,7 +4522,7 @@
               <a:rPr lang="en-US" dirty="0" err="1">
                 <a:latin typeface="Consolas" panose="020B0609020204030204" pitchFamily="49" charset="0"/>
               </a:rPr>
-              <a:t>me.age</a:t>
+              <a:t>p.color</a:t>
             </a:r>
             <a:r>
               <a:rPr lang="en-US" dirty="0">
@@ -4207,13 +4569,13 @@
               <a:rPr lang="en-US" dirty="0" err="1">
                 <a:latin typeface="Consolas" panose="020B0609020204030204" pitchFamily="49" charset="0"/>
               </a:rPr>
-              <a:t>me.age</a:t>
-            </a:r>
-            <a:r>
-              <a:rPr lang="en-US" dirty="0">
-                <a:latin typeface="Consolas" panose="020B0609020204030204" pitchFamily="49" charset="0"/>
-              </a:rPr>
-              <a:t> += 1</a:t>
+              <a:t>p.color</a:t>
+            </a:r>
+            <a:r>
+              <a:rPr lang="en-US" dirty="0">
+                <a:latin typeface="Consolas" panose="020B0609020204030204" pitchFamily="49" charset="0"/>
+              </a:rPr>
+              <a:t> = "red"</a:t>
             </a:r>
           </a:p>
         </p:txBody>
@@ -4404,55 +4766,31 @@
               <a:rPr lang="en-US" dirty="0">
                 <a:latin typeface="Consolas" panose="020B0609020204030204" pitchFamily="49" charset="0"/>
               </a:rPr>
-              <a:t>mutable struct Person</a:t>
-            </a:r>
-          </a:p>
-          <a:p>
-            <a:r>
-              <a:rPr lang="en-US" dirty="0">
-                <a:latin typeface="Consolas" panose="020B0609020204030204" pitchFamily="49" charset="0"/>
-              </a:rPr>
-              <a:t>    </a:t>
-            </a:r>
-            <a:r>
-              <a:rPr lang="en-US" dirty="0" err="1">
-                <a:latin typeface="Consolas" panose="020B0609020204030204" pitchFamily="49" charset="0"/>
-              </a:rPr>
-              <a:t>first_name</a:t>
-            </a:r>
-            <a:r>
-              <a:rPr lang="en-US" dirty="0">
-                <a:latin typeface="Consolas" panose="020B0609020204030204" pitchFamily="49" charset="0"/>
-              </a:rPr>
-              <a:t>::String</a:t>
-            </a:r>
-          </a:p>
-          <a:p>
-            <a:r>
-              <a:rPr lang="en-US" dirty="0">
-                <a:latin typeface="Consolas" panose="020B0609020204030204" pitchFamily="49" charset="0"/>
-              </a:rPr>
-              <a:t>    </a:t>
-            </a:r>
-            <a:r>
-              <a:rPr lang="en-US" dirty="0" err="1">
-                <a:latin typeface="Consolas" panose="020B0609020204030204" pitchFamily="49" charset="0"/>
-              </a:rPr>
-              <a:t>last_name</a:t>
-            </a:r>
-            <a:r>
-              <a:rPr lang="en-US" dirty="0">
-                <a:latin typeface="Consolas" panose="020B0609020204030204" pitchFamily="49" charset="0"/>
-              </a:rPr>
-              <a:t>::String</a:t>
-            </a:r>
-          </a:p>
-          <a:p>
-            <a:r>
-              <a:rPr lang="en-US" dirty="0">
-                <a:latin typeface="Consolas" panose="020B0609020204030204" pitchFamily="49" charset="0"/>
-              </a:rPr>
-              <a:t>    age::Int8</a:t>
+              <a:t>mutable struct Pixel</a:t>
+            </a:r>
+          </a:p>
+          <a:p>
+            <a:r>
+              <a:rPr lang="en-US" dirty="0">
+                <a:latin typeface="Consolas" panose="020B0609020204030204" pitchFamily="49" charset="0"/>
+              </a:rPr>
+              <a:t>    x::UInt32</a:t>
+            </a:r>
+          </a:p>
+          <a:p>
+            <a:r>
+              <a:rPr lang="en-US" dirty="0">
+                <a:latin typeface="Consolas" panose="020B0609020204030204" pitchFamily="49" charset="0"/>
+              </a:rPr>
+              <a:t>    y::UInt32</a:t>
+            </a:r>
+          </a:p>
+          <a:p>
+            <a:r>
+              <a:rPr lang="en-US" dirty="0">
+                <a:latin typeface="Consolas" panose="020B0609020204030204" pitchFamily="49" charset="0"/>
+              </a:rPr>
+              <a:t>    color::String</a:t>
             </a:r>
           </a:p>
           <a:p>
@@ -4501,7 +4839,7 @@
               <a:rPr lang="en-US" dirty="0">
                 <a:latin typeface="Consolas" panose="020B0609020204030204" pitchFamily="49" charset="0"/>
               </a:rPr>
-              <a:t>me = Person("Geert Jan", "Bex", 53)</a:t>
+              <a:t>p = Pixel(3, 7, "blue")</a:t>
             </a:r>
           </a:p>
         </p:txBody>
@@ -4554,7 +4892,7 @@
               <a:rPr lang="en-US" dirty="0" err="1">
                 <a:latin typeface="Consolas" panose="020B0609020204030204" pitchFamily="49" charset="0"/>
               </a:rPr>
-              <a:t>me.age</a:t>
+              <a:t>p.color</a:t>
             </a:r>
             <a:r>
               <a:rPr lang="en-US" dirty="0">
@@ -4601,13 +4939,13 @@
               <a:rPr lang="en-US" dirty="0" err="1">
                 <a:latin typeface="Consolas" panose="020B0609020204030204" pitchFamily="49" charset="0"/>
               </a:rPr>
-              <a:t>me.age</a:t>
-            </a:r>
-            <a:r>
-              <a:rPr lang="en-US" dirty="0">
-                <a:latin typeface="Consolas" panose="020B0609020204030204" pitchFamily="49" charset="0"/>
-              </a:rPr>
-              <a:t> += 1</a:t>
+              <a:t>p.color</a:t>
+            </a:r>
+            <a:r>
+              <a:rPr lang="en-US" dirty="0">
+                <a:latin typeface="Consolas" panose="020B0609020204030204" pitchFamily="49" charset="0"/>
+              </a:rPr>
+              <a:t> = "red"</a:t>
             </a:r>
           </a:p>
         </p:txBody>
@@ -4699,6 +5037,35 @@
                 <a:srgbClr val="00B050"/>
               </a:solidFill>
             </a:endParaRPr>
+          </a:p>
+        </p:txBody>
+      </p:sp>
+      <p:sp>
+        <p:nvSpPr>
+          <p:cNvPr id="3" name="Slide Number Placeholder 2">
+            <a:extLst>
+              <a:ext uri="{FF2B5EF4-FFF2-40B4-BE49-F238E27FC236}">
+                <a16:creationId xmlns:a16="http://schemas.microsoft.com/office/drawing/2014/main" id="{CC5D6A7F-925E-469F-988D-A30F7017397B}"/>
+              </a:ext>
+            </a:extLst>
+          </p:cNvPr>
+          <p:cNvSpPr>
+            <a:spLocks noGrp="1"/>
+          </p:cNvSpPr>
+          <p:nvPr>
+            <p:ph type="sldNum" sz="quarter" idx="12"/>
+          </p:nvPr>
+        </p:nvSpPr>
+        <p:spPr/>
+        <p:txBody>
+          <a:bodyPr/>
+          <a:lstStyle/>
+          <a:p>
+            <a:fld id="{78F7A1EC-23D1-431D-8C93-9C4ED5D4A04D}" type="slidenum">
+              <a:rPr lang="en-US" smtClean="0"/>
+              <a:t>11</a:t>
+            </a:fld>
+            <a:endParaRPr lang="en-US"/>
           </a:p>
         </p:txBody>
       </p:sp>
@@ -4760,6 +5127,399 @@
           </a:p>
         </p:txBody>
       </p:sp>
+      <p:sp>
+        <p:nvSpPr>
+          <p:cNvPr id="3" name="Content Placeholder 2">
+            <a:extLst>
+              <a:ext uri="{FF2B5EF4-FFF2-40B4-BE49-F238E27FC236}">
+                <a16:creationId xmlns:a16="http://schemas.microsoft.com/office/drawing/2014/main" id="{20D920DB-FC8B-4A0C-9148-8F97A7B81F0B}"/>
+              </a:ext>
+            </a:extLst>
+          </p:cNvPr>
+          <p:cNvSpPr>
+            <a:spLocks noGrp="1"/>
+          </p:cNvSpPr>
+          <p:nvPr>
+            <p:ph idx="1"/>
+          </p:nvPr>
+        </p:nvSpPr>
+        <p:spPr/>
+        <p:txBody>
+          <a:bodyPr/>
+          <a:lstStyle/>
+          <a:p>
+            <a:r>
+              <a:rPr lang="en-US" dirty="0"/>
+              <a:t>Abstract types, e.g.,</a:t>
+            </a:r>
+          </a:p>
+          <a:p>
+            <a:endParaRPr lang="en-US" dirty="0"/>
+          </a:p>
+          <a:p>
+            <a:r>
+              <a:rPr lang="en-US" dirty="0"/>
+              <a:t>Abstract subtypes of abstract types, e.g.,</a:t>
+            </a:r>
+          </a:p>
+          <a:p>
+            <a:endParaRPr lang="en-US" dirty="0"/>
+          </a:p>
+          <a:p>
+            <a:endParaRPr lang="en-US" dirty="0"/>
+          </a:p>
+          <a:p>
+            <a:r>
+              <a:rPr lang="en-US" dirty="0"/>
+              <a:t>Concrete subtypes of abstract types</a:t>
+            </a:r>
+          </a:p>
+          <a:p>
+            <a:endParaRPr lang="en-US" dirty="0"/>
+          </a:p>
+          <a:p>
+            <a:endParaRPr lang="en-US" dirty="0"/>
+          </a:p>
+          <a:p>
+            <a:endParaRPr lang="en-US" dirty="0"/>
+          </a:p>
+        </p:txBody>
+      </p:sp>
+      <p:sp>
+        <p:nvSpPr>
+          <p:cNvPr id="4" name="TextBox 3">
+            <a:extLst>
+              <a:ext uri="{FF2B5EF4-FFF2-40B4-BE49-F238E27FC236}">
+                <a16:creationId xmlns:a16="http://schemas.microsoft.com/office/drawing/2014/main" id="{8C1317C5-184C-4C69-9CB2-38A4B0EF6DCE}"/>
+              </a:ext>
+            </a:extLst>
+          </p:cNvPr>
+          <p:cNvSpPr txBox="1"/>
+          <p:nvPr/>
+        </p:nvSpPr>
+        <p:spPr>
+          <a:xfrm>
+            <a:off x="1631087" y="2270468"/>
+            <a:ext cx="6656178" cy="369332"/>
+          </a:xfrm>
+          <a:prstGeom prst="rect">
+            <a:avLst/>
+          </a:prstGeom>
+          <a:solidFill>
+            <a:schemeClr val="bg1">
+              <a:lumMod val="85000"/>
+            </a:schemeClr>
+          </a:solidFill>
+        </p:spPr>
+        <p:txBody>
+          <a:bodyPr wrap="square" rtlCol="0">
+            <a:spAutoFit/>
+          </a:bodyPr>
+          <a:lstStyle/>
+          <a:p>
+            <a:r>
+              <a:rPr lang="en-US" dirty="0">
+                <a:latin typeface="Consolas" panose="020B0609020204030204" pitchFamily="49" charset="0"/>
+              </a:rPr>
+              <a:t>abstract type </a:t>
+            </a:r>
+            <a:r>
+              <a:rPr lang="en-US" dirty="0" err="1">
+                <a:latin typeface="Consolas" panose="020B0609020204030204" pitchFamily="49" charset="0"/>
+              </a:rPr>
+              <a:t>AbstractPoint</a:t>
+            </a:r>
+            <a:r>
+              <a:rPr lang="en-US" dirty="0">
+                <a:latin typeface="Consolas" panose="020B0609020204030204" pitchFamily="49" charset="0"/>
+              </a:rPr>
+              <a:t> end</a:t>
+            </a:r>
+          </a:p>
+        </p:txBody>
+      </p:sp>
+      <p:sp>
+        <p:nvSpPr>
+          <p:cNvPr id="5" name="TextBox 4">
+            <a:extLst>
+              <a:ext uri="{FF2B5EF4-FFF2-40B4-BE49-F238E27FC236}">
+                <a16:creationId xmlns:a16="http://schemas.microsoft.com/office/drawing/2014/main" id="{940A8FE7-CEC4-4946-8B5D-530BFFEC1084}"/>
+              </a:ext>
+            </a:extLst>
+          </p:cNvPr>
+          <p:cNvSpPr txBox="1"/>
+          <p:nvPr/>
+        </p:nvSpPr>
+        <p:spPr>
+          <a:xfrm>
+            <a:off x="1631088" y="3312359"/>
+            <a:ext cx="6656178" cy="369332"/>
+          </a:xfrm>
+          <a:prstGeom prst="rect">
+            <a:avLst/>
+          </a:prstGeom>
+          <a:solidFill>
+            <a:schemeClr val="bg1">
+              <a:lumMod val="85000"/>
+            </a:schemeClr>
+          </a:solidFill>
+        </p:spPr>
+        <p:txBody>
+          <a:bodyPr wrap="square" rtlCol="0">
+            <a:spAutoFit/>
+          </a:bodyPr>
+          <a:lstStyle/>
+          <a:p>
+            <a:r>
+              <a:rPr lang="en-US" dirty="0">
+                <a:latin typeface="Consolas" panose="020B0609020204030204" pitchFamily="49" charset="0"/>
+              </a:rPr>
+              <a:t>abstract type Abstract2DPoint &lt;: </a:t>
+            </a:r>
+            <a:r>
+              <a:rPr lang="en-US" dirty="0" err="1">
+                <a:latin typeface="Consolas" panose="020B0609020204030204" pitchFamily="49" charset="0"/>
+              </a:rPr>
+              <a:t>AbstractPoint</a:t>
+            </a:r>
+            <a:r>
+              <a:rPr lang="en-US" dirty="0">
+                <a:latin typeface="Consolas" panose="020B0609020204030204" pitchFamily="49" charset="0"/>
+              </a:rPr>
+              <a:t> end</a:t>
+            </a:r>
+          </a:p>
+        </p:txBody>
+      </p:sp>
+      <p:sp>
+        <p:nvSpPr>
+          <p:cNvPr id="6" name="TextBox 5">
+            <a:extLst>
+              <a:ext uri="{FF2B5EF4-FFF2-40B4-BE49-F238E27FC236}">
+                <a16:creationId xmlns:a16="http://schemas.microsoft.com/office/drawing/2014/main" id="{7B8337DB-9DB6-4CBD-BA8F-697197146FB1}"/>
+              </a:ext>
+            </a:extLst>
+          </p:cNvPr>
+          <p:cNvSpPr txBox="1"/>
+          <p:nvPr/>
+        </p:nvSpPr>
+        <p:spPr>
+          <a:xfrm>
+            <a:off x="1631086" y="3816628"/>
+            <a:ext cx="6656179" cy="369332"/>
+          </a:xfrm>
+          <a:prstGeom prst="rect">
+            <a:avLst/>
+          </a:prstGeom>
+          <a:solidFill>
+            <a:schemeClr val="bg1">
+              <a:lumMod val="85000"/>
+            </a:schemeClr>
+          </a:solidFill>
+        </p:spPr>
+        <p:txBody>
+          <a:bodyPr wrap="square" rtlCol="0">
+            <a:spAutoFit/>
+          </a:bodyPr>
+          <a:lstStyle/>
+          <a:p>
+            <a:r>
+              <a:rPr lang="en-US" dirty="0">
+                <a:latin typeface="Consolas" panose="020B0609020204030204" pitchFamily="49" charset="0"/>
+              </a:rPr>
+              <a:t>abstract type Abstract3DPoint &lt;: </a:t>
+            </a:r>
+            <a:r>
+              <a:rPr lang="en-US" dirty="0" err="1">
+                <a:latin typeface="Consolas" panose="020B0609020204030204" pitchFamily="49" charset="0"/>
+              </a:rPr>
+              <a:t>AbstractPoint</a:t>
+            </a:r>
+            <a:r>
+              <a:rPr lang="en-US" dirty="0">
+                <a:latin typeface="Consolas" panose="020B0609020204030204" pitchFamily="49" charset="0"/>
+              </a:rPr>
+              <a:t> end</a:t>
+            </a:r>
+          </a:p>
+        </p:txBody>
+      </p:sp>
+      <p:sp>
+        <p:nvSpPr>
+          <p:cNvPr id="8" name="TextBox 7">
+            <a:extLst>
+              <a:ext uri="{FF2B5EF4-FFF2-40B4-BE49-F238E27FC236}">
+                <a16:creationId xmlns:a16="http://schemas.microsoft.com/office/drawing/2014/main" id="{B1E9A5C7-AACA-490F-9F3B-53C6A18B898B}"/>
+              </a:ext>
+            </a:extLst>
+          </p:cNvPr>
+          <p:cNvSpPr txBox="1"/>
+          <p:nvPr/>
+        </p:nvSpPr>
+        <p:spPr>
+          <a:xfrm>
+            <a:off x="1631086" y="4858519"/>
+            <a:ext cx="6656179" cy="1200329"/>
+          </a:xfrm>
+          <a:prstGeom prst="rect">
+            <a:avLst/>
+          </a:prstGeom>
+          <a:solidFill>
+            <a:schemeClr val="bg1">
+              <a:lumMod val="85000"/>
+            </a:schemeClr>
+          </a:solidFill>
+        </p:spPr>
+        <p:txBody>
+          <a:bodyPr wrap="square" rtlCol="0">
+            <a:spAutoFit/>
+          </a:bodyPr>
+          <a:lstStyle/>
+          <a:p>
+            <a:r>
+              <a:rPr lang="en-US" dirty="0">
+                <a:latin typeface="Consolas" panose="020B0609020204030204" pitchFamily="49" charset="0"/>
+              </a:rPr>
+              <a:t>mutable struct Point2D &lt;: Abstract2DPoint</a:t>
+            </a:r>
+          </a:p>
+          <a:p>
+            <a:r>
+              <a:rPr lang="en-US" dirty="0">
+                <a:latin typeface="Consolas" panose="020B0609020204030204" pitchFamily="49" charset="0"/>
+              </a:rPr>
+              <a:t>    x::Real</a:t>
+            </a:r>
+          </a:p>
+          <a:p>
+            <a:r>
+              <a:rPr lang="en-US" dirty="0">
+                <a:latin typeface="Consolas" panose="020B0609020204030204" pitchFamily="49" charset="0"/>
+              </a:rPr>
+              <a:t>    y::Real</a:t>
+            </a:r>
+          </a:p>
+          <a:p>
+            <a:r>
+              <a:rPr lang="en-US" dirty="0">
+                <a:latin typeface="Consolas" panose="020B0609020204030204" pitchFamily="49" charset="0"/>
+              </a:rPr>
+              <a:t>end</a:t>
+            </a:r>
+          </a:p>
+        </p:txBody>
+      </p:sp>
+      <p:sp>
+        <p:nvSpPr>
+          <p:cNvPr id="9" name="TextBox 8">
+            <a:extLst>
+              <a:ext uri="{FF2B5EF4-FFF2-40B4-BE49-F238E27FC236}">
+                <a16:creationId xmlns:a16="http://schemas.microsoft.com/office/drawing/2014/main" id="{713E26DD-DDB3-4EE9-B777-21FD1B5118D7}"/>
+              </a:ext>
+            </a:extLst>
+          </p:cNvPr>
+          <p:cNvSpPr txBox="1"/>
+          <p:nvPr/>
+        </p:nvSpPr>
+        <p:spPr>
+          <a:xfrm>
+            <a:off x="9319053" y="4937810"/>
+            <a:ext cx="2034747" cy="646331"/>
+          </a:xfrm>
+          <a:prstGeom prst="rect">
+            <a:avLst/>
+          </a:prstGeom>
+          <a:noFill/>
+          <a:ln>
+            <a:solidFill>
+              <a:schemeClr val="tx1"/>
+            </a:solidFill>
+          </a:ln>
+        </p:spPr>
+        <p:txBody>
+          <a:bodyPr wrap="square" rtlCol="0">
+            <a:spAutoFit/>
+          </a:bodyPr>
+          <a:lstStyle/>
+          <a:p>
+            <a:pPr algn="ctr"/>
+            <a:r>
+              <a:rPr lang="en-US" dirty="0"/>
+              <a:t>No subtyping from concrete types!</a:t>
+            </a:r>
+          </a:p>
+        </p:txBody>
+      </p:sp>
+      <p:sp>
+        <p:nvSpPr>
+          <p:cNvPr id="10" name="TextBox 9">
+            <a:extLst>
+              <a:ext uri="{FF2B5EF4-FFF2-40B4-BE49-F238E27FC236}">
+                <a16:creationId xmlns:a16="http://schemas.microsoft.com/office/drawing/2014/main" id="{A2C6DD19-A381-425A-BC59-6D0385C80243}"/>
+              </a:ext>
+            </a:extLst>
+          </p:cNvPr>
+          <p:cNvSpPr txBox="1"/>
+          <p:nvPr/>
+        </p:nvSpPr>
+        <p:spPr>
+          <a:xfrm>
+            <a:off x="9319052" y="3466092"/>
+            <a:ext cx="2034747" cy="646331"/>
+          </a:xfrm>
+          <a:prstGeom prst="rect">
+            <a:avLst/>
+          </a:prstGeom>
+          <a:noFill/>
+          <a:ln>
+            <a:solidFill>
+              <a:schemeClr val="tx1"/>
+            </a:solidFill>
+          </a:ln>
+        </p:spPr>
+        <p:txBody>
+          <a:bodyPr wrap="square" rtlCol="0">
+            <a:spAutoFit/>
+          </a:bodyPr>
+          <a:lstStyle/>
+          <a:p>
+            <a:pPr algn="ctr"/>
+            <a:r>
+              <a:rPr lang="en-US" dirty="0"/>
+              <a:t>Subtyping from single type only!</a:t>
+            </a:r>
+          </a:p>
+        </p:txBody>
+      </p:sp>
+      <p:sp>
+        <p:nvSpPr>
+          <p:cNvPr id="11" name="Slide Number Placeholder 10">
+            <a:extLst>
+              <a:ext uri="{FF2B5EF4-FFF2-40B4-BE49-F238E27FC236}">
+                <a16:creationId xmlns:a16="http://schemas.microsoft.com/office/drawing/2014/main" id="{8D4442DC-DACE-41A3-A561-9A91FCDF5DF5}"/>
+              </a:ext>
+            </a:extLst>
+          </p:cNvPr>
+          <p:cNvSpPr>
+            <a:spLocks noGrp="1"/>
+          </p:cNvSpPr>
+          <p:nvPr>
+            <p:ph type="sldNum" sz="quarter" idx="12"/>
+          </p:nvPr>
+        </p:nvSpPr>
+        <p:spPr/>
+        <p:txBody>
+          <a:bodyPr/>
+          <a:lstStyle/>
+          <a:p>
+            <a:fld id="{78F7A1EC-23D1-431D-8C93-9C4ED5D4A04D}" type="slidenum">
+              <a:rPr lang="en-US" smtClean="0"/>
+              <a:t>12</a:t>
+            </a:fld>
+            <a:endParaRPr lang="en-US"/>
+          </a:p>
+        </p:txBody>
+      </p:sp>
     </p:spTree>
     <p:extLst>
       <p:ext uri="{BB962C8B-B14F-4D97-AF65-F5344CB8AC3E}">
@@ -4795,6 +5555,2200 @@
           <p:cNvPr id="2" name="Title 1">
             <a:extLst>
               <a:ext uri="{FF2B5EF4-FFF2-40B4-BE49-F238E27FC236}">
+                <a16:creationId xmlns:a16="http://schemas.microsoft.com/office/drawing/2014/main" id="{08E34A9F-7CD3-4560-A76C-7466EB440AB2}"/>
+              </a:ext>
+            </a:extLst>
+          </p:cNvPr>
+          <p:cNvSpPr>
+            <a:spLocks noGrp="1"/>
+          </p:cNvSpPr>
+          <p:nvPr>
+            <p:ph type="title"/>
+          </p:nvPr>
+        </p:nvSpPr>
+        <p:spPr/>
+        <p:txBody>
+          <a:bodyPr/>
+          <a:lstStyle/>
+          <a:p>
+            <a:r>
+              <a:rPr lang="en-US" dirty="0"/>
+              <a:t>Accessor methods</a:t>
+            </a:r>
+          </a:p>
+        </p:txBody>
+      </p:sp>
+      <p:sp>
+        <p:nvSpPr>
+          <p:cNvPr id="3" name="Content Placeholder 2">
+            <a:extLst>
+              <a:ext uri="{FF2B5EF4-FFF2-40B4-BE49-F238E27FC236}">
+                <a16:creationId xmlns:a16="http://schemas.microsoft.com/office/drawing/2014/main" id="{F7E4E4D1-890D-40F4-9674-9B1B41EB6C6B}"/>
+              </a:ext>
+            </a:extLst>
+          </p:cNvPr>
+          <p:cNvSpPr>
+            <a:spLocks noGrp="1"/>
+          </p:cNvSpPr>
+          <p:nvPr>
+            <p:ph idx="1"/>
+          </p:nvPr>
+        </p:nvSpPr>
+        <p:spPr/>
+        <p:txBody>
+          <a:bodyPr/>
+          <a:lstStyle/>
+          <a:p>
+            <a:r>
+              <a:rPr lang="en-US" dirty="0"/>
+              <a:t>Do not access fields in structures, defines accessor methods</a:t>
+            </a:r>
+          </a:p>
+        </p:txBody>
+      </p:sp>
+      <p:sp>
+        <p:nvSpPr>
+          <p:cNvPr id="4" name="TextBox 3">
+            <a:extLst>
+              <a:ext uri="{FF2B5EF4-FFF2-40B4-BE49-F238E27FC236}">
+                <a16:creationId xmlns:a16="http://schemas.microsoft.com/office/drawing/2014/main" id="{438E118A-7838-43C2-AFB9-0EE30E5D570B}"/>
+              </a:ext>
+            </a:extLst>
+          </p:cNvPr>
+          <p:cNvSpPr txBox="1"/>
+          <p:nvPr/>
+        </p:nvSpPr>
+        <p:spPr>
+          <a:xfrm>
+            <a:off x="1499283" y="2686281"/>
+            <a:ext cx="7611766" cy="2308324"/>
+          </a:xfrm>
+          <a:prstGeom prst="rect">
+            <a:avLst/>
+          </a:prstGeom>
+          <a:solidFill>
+            <a:schemeClr val="bg1">
+              <a:lumMod val="85000"/>
+            </a:schemeClr>
+          </a:solidFill>
+        </p:spPr>
+        <p:txBody>
+          <a:bodyPr wrap="square" rtlCol="0">
+            <a:spAutoFit/>
+          </a:bodyPr>
+          <a:lstStyle/>
+          <a:p>
+            <a:r>
+              <a:rPr lang="en-US" dirty="0" err="1">
+                <a:latin typeface="Consolas" panose="020B0609020204030204" pitchFamily="49" charset="0"/>
+              </a:rPr>
+              <a:t>get_x</a:t>
+            </a:r>
+            <a:r>
+              <a:rPr lang="en-US" dirty="0">
+                <a:latin typeface="Consolas" panose="020B0609020204030204" pitchFamily="49" charset="0"/>
+              </a:rPr>
+              <a:t>(p::</a:t>
+            </a:r>
+            <a:r>
+              <a:rPr lang="en-US" dirty="0" err="1">
+                <a:latin typeface="Consolas" panose="020B0609020204030204" pitchFamily="49" charset="0"/>
+              </a:rPr>
+              <a:t>AbstractPoint</a:t>
+            </a:r>
+            <a:r>
+              <a:rPr lang="en-US" dirty="0">
+                <a:latin typeface="Consolas" panose="020B0609020204030204" pitchFamily="49" charset="0"/>
+              </a:rPr>
+              <a:t>) = </a:t>
+            </a:r>
+            <a:r>
+              <a:rPr lang="en-US" dirty="0" err="1">
+                <a:latin typeface="Consolas" panose="020B0609020204030204" pitchFamily="49" charset="0"/>
+              </a:rPr>
+              <a:t>p.x</a:t>
+            </a:r>
+            <a:endParaRPr lang="en-US" dirty="0">
+              <a:latin typeface="Consolas" panose="020B0609020204030204" pitchFamily="49" charset="0"/>
+            </a:endParaRPr>
+          </a:p>
+          <a:p>
+            <a:r>
+              <a:rPr lang="en-US" dirty="0" err="1">
+                <a:latin typeface="Consolas" panose="020B0609020204030204" pitchFamily="49" charset="0"/>
+              </a:rPr>
+              <a:t>set_x</a:t>
+            </a:r>
+            <a:r>
+              <a:rPr lang="en-US" dirty="0">
+                <a:latin typeface="Consolas" panose="020B0609020204030204" pitchFamily="49" charset="0"/>
+              </a:rPr>
+              <a:t>(p::</a:t>
+            </a:r>
+            <a:r>
+              <a:rPr lang="en-US" dirty="0" err="1">
+                <a:latin typeface="Consolas" panose="020B0609020204030204" pitchFamily="49" charset="0"/>
+              </a:rPr>
+              <a:t>AbstractPoint</a:t>
+            </a:r>
+            <a:r>
+              <a:rPr lang="en-US" dirty="0">
+                <a:latin typeface="Consolas" panose="020B0609020204030204" pitchFamily="49" charset="0"/>
+              </a:rPr>
+              <a:t>, </a:t>
+            </a:r>
+            <a:r>
+              <a:rPr lang="en-US" dirty="0" err="1">
+                <a:latin typeface="Consolas" panose="020B0609020204030204" pitchFamily="49" charset="0"/>
+              </a:rPr>
+              <a:t>val</a:t>
+            </a:r>
+            <a:r>
+              <a:rPr lang="en-US" dirty="0">
+                <a:latin typeface="Consolas" panose="020B0609020204030204" pitchFamily="49" charset="0"/>
+              </a:rPr>
+              <a:t>::Real) = begin </a:t>
+            </a:r>
+            <a:r>
+              <a:rPr lang="en-US" dirty="0" err="1">
+                <a:latin typeface="Consolas" panose="020B0609020204030204" pitchFamily="49" charset="0"/>
+              </a:rPr>
+              <a:t>p.x</a:t>
+            </a:r>
+            <a:r>
+              <a:rPr lang="en-US" dirty="0">
+                <a:latin typeface="Consolas" panose="020B0609020204030204" pitchFamily="49" charset="0"/>
+              </a:rPr>
+              <a:t> = </a:t>
+            </a:r>
+            <a:r>
+              <a:rPr lang="en-US" dirty="0" err="1">
+                <a:latin typeface="Consolas" panose="020B0609020204030204" pitchFamily="49" charset="0"/>
+              </a:rPr>
+              <a:t>val</a:t>
+            </a:r>
+            <a:r>
+              <a:rPr lang="en-US" dirty="0">
+                <a:latin typeface="Consolas" panose="020B0609020204030204" pitchFamily="49" charset="0"/>
+              </a:rPr>
+              <a:t>; end</a:t>
+            </a:r>
+          </a:p>
+          <a:p>
+            <a:endParaRPr lang="en-US" dirty="0">
+              <a:latin typeface="Consolas" panose="020B0609020204030204" pitchFamily="49" charset="0"/>
+            </a:endParaRPr>
+          </a:p>
+          <a:p>
+            <a:r>
+              <a:rPr lang="en-US" dirty="0" err="1">
+                <a:latin typeface="Consolas" panose="020B0609020204030204" pitchFamily="49" charset="0"/>
+              </a:rPr>
+              <a:t>get_y</a:t>
+            </a:r>
+            <a:r>
+              <a:rPr lang="en-US" dirty="0">
+                <a:latin typeface="Consolas" panose="020B0609020204030204" pitchFamily="49" charset="0"/>
+              </a:rPr>
+              <a:t>(p::</a:t>
+            </a:r>
+            <a:r>
+              <a:rPr lang="en-US" dirty="0" err="1">
+                <a:latin typeface="Consolas" panose="020B0609020204030204" pitchFamily="49" charset="0"/>
+              </a:rPr>
+              <a:t>AbstractPoint</a:t>
+            </a:r>
+            <a:r>
+              <a:rPr lang="en-US" dirty="0">
+                <a:latin typeface="Consolas" panose="020B0609020204030204" pitchFamily="49" charset="0"/>
+              </a:rPr>
+              <a:t>) = </a:t>
+            </a:r>
+            <a:r>
+              <a:rPr lang="en-US" dirty="0" err="1">
+                <a:latin typeface="Consolas" panose="020B0609020204030204" pitchFamily="49" charset="0"/>
+              </a:rPr>
+              <a:t>p.y</a:t>
+            </a:r>
+            <a:endParaRPr lang="en-US" dirty="0">
+              <a:latin typeface="Consolas" panose="020B0609020204030204" pitchFamily="49" charset="0"/>
+            </a:endParaRPr>
+          </a:p>
+          <a:p>
+            <a:r>
+              <a:rPr lang="en-US" dirty="0" err="1">
+                <a:latin typeface="Consolas" panose="020B0609020204030204" pitchFamily="49" charset="0"/>
+              </a:rPr>
+              <a:t>set_y</a:t>
+            </a:r>
+            <a:r>
+              <a:rPr lang="en-US" dirty="0">
+                <a:latin typeface="Consolas" panose="020B0609020204030204" pitchFamily="49" charset="0"/>
+              </a:rPr>
+              <a:t>(p::</a:t>
+            </a:r>
+            <a:r>
+              <a:rPr lang="en-US" dirty="0" err="1">
+                <a:latin typeface="Consolas" panose="020B0609020204030204" pitchFamily="49" charset="0"/>
+              </a:rPr>
+              <a:t>AbstractPoint</a:t>
+            </a:r>
+            <a:r>
+              <a:rPr lang="en-US" dirty="0">
+                <a:latin typeface="Consolas" panose="020B0609020204030204" pitchFamily="49" charset="0"/>
+              </a:rPr>
+              <a:t>, </a:t>
+            </a:r>
+            <a:r>
+              <a:rPr lang="en-US" dirty="0" err="1">
+                <a:latin typeface="Consolas" panose="020B0609020204030204" pitchFamily="49" charset="0"/>
+              </a:rPr>
+              <a:t>val</a:t>
+            </a:r>
+            <a:r>
+              <a:rPr lang="en-US" dirty="0">
+                <a:latin typeface="Consolas" panose="020B0609020204030204" pitchFamily="49" charset="0"/>
+              </a:rPr>
+              <a:t>::Real) = begin </a:t>
+            </a:r>
+            <a:r>
+              <a:rPr lang="en-US" dirty="0" err="1">
+                <a:latin typeface="Consolas" panose="020B0609020204030204" pitchFamily="49" charset="0"/>
+              </a:rPr>
+              <a:t>p.y</a:t>
+            </a:r>
+            <a:r>
+              <a:rPr lang="en-US" dirty="0">
+                <a:latin typeface="Consolas" panose="020B0609020204030204" pitchFamily="49" charset="0"/>
+              </a:rPr>
+              <a:t> = </a:t>
+            </a:r>
+            <a:r>
+              <a:rPr lang="en-US" dirty="0" err="1">
+                <a:latin typeface="Consolas" panose="020B0609020204030204" pitchFamily="49" charset="0"/>
+              </a:rPr>
+              <a:t>val</a:t>
+            </a:r>
+            <a:r>
+              <a:rPr lang="en-US" dirty="0">
+                <a:latin typeface="Consolas" panose="020B0609020204030204" pitchFamily="49" charset="0"/>
+              </a:rPr>
+              <a:t>; end</a:t>
+            </a:r>
+          </a:p>
+          <a:p>
+            <a:endParaRPr lang="en-US" dirty="0">
+              <a:latin typeface="Consolas" panose="020B0609020204030204" pitchFamily="49" charset="0"/>
+            </a:endParaRPr>
+          </a:p>
+          <a:p>
+            <a:r>
+              <a:rPr lang="en-US" dirty="0" err="1">
+                <a:latin typeface="Consolas" panose="020B0609020204030204" pitchFamily="49" charset="0"/>
+              </a:rPr>
+              <a:t>get_z</a:t>
+            </a:r>
+            <a:r>
+              <a:rPr lang="en-US" dirty="0">
+                <a:latin typeface="Consolas" panose="020B0609020204030204" pitchFamily="49" charset="0"/>
+              </a:rPr>
+              <a:t>(p::AbstractPoint3D) = </a:t>
+            </a:r>
+            <a:r>
+              <a:rPr lang="en-US" dirty="0" err="1">
+                <a:latin typeface="Consolas" panose="020B0609020204030204" pitchFamily="49" charset="0"/>
+              </a:rPr>
+              <a:t>p.z</a:t>
+            </a:r>
+            <a:endParaRPr lang="en-US" dirty="0">
+              <a:latin typeface="Consolas" panose="020B0609020204030204" pitchFamily="49" charset="0"/>
+            </a:endParaRPr>
+          </a:p>
+          <a:p>
+            <a:r>
+              <a:rPr lang="en-US" dirty="0" err="1">
+                <a:latin typeface="Consolas" panose="020B0609020204030204" pitchFamily="49" charset="0"/>
+              </a:rPr>
+              <a:t>set_z</a:t>
+            </a:r>
+            <a:r>
+              <a:rPr lang="en-US" dirty="0">
+                <a:latin typeface="Consolas" panose="020B0609020204030204" pitchFamily="49" charset="0"/>
+              </a:rPr>
+              <a:t>(p::AbstractPoint3D, </a:t>
+            </a:r>
+            <a:r>
+              <a:rPr lang="en-US" dirty="0" err="1">
+                <a:latin typeface="Consolas" panose="020B0609020204030204" pitchFamily="49" charset="0"/>
+              </a:rPr>
+              <a:t>val</a:t>
+            </a:r>
+            <a:r>
+              <a:rPr lang="en-US" dirty="0">
+                <a:latin typeface="Consolas" panose="020B0609020204030204" pitchFamily="49" charset="0"/>
+              </a:rPr>
+              <a:t>::Real) = begin </a:t>
+            </a:r>
+            <a:r>
+              <a:rPr lang="en-US" dirty="0" err="1">
+                <a:latin typeface="Consolas" panose="020B0609020204030204" pitchFamily="49" charset="0"/>
+              </a:rPr>
+              <a:t>p.z</a:t>
+            </a:r>
+            <a:r>
+              <a:rPr lang="en-US" dirty="0">
+                <a:latin typeface="Consolas" panose="020B0609020204030204" pitchFamily="49" charset="0"/>
+              </a:rPr>
+              <a:t> = </a:t>
+            </a:r>
+            <a:r>
+              <a:rPr lang="en-US" dirty="0" err="1">
+                <a:latin typeface="Consolas" panose="020B0609020204030204" pitchFamily="49" charset="0"/>
+              </a:rPr>
+              <a:t>val</a:t>
+            </a:r>
+            <a:r>
+              <a:rPr lang="en-US" dirty="0">
+                <a:latin typeface="Consolas" panose="020B0609020204030204" pitchFamily="49" charset="0"/>
+              </a:rPr>
+              <a:t>; end</a:t>
+            </a:r>
+          </a:p>
+        </p:txBody>
+      </p:sp>
+      <p:sp>
+        <p:nvSpPr>
+          <p:cNvPr id="5" name="Slide Number Placeholder 4">
+            <a:extLst>
+              <a:ext uri="{FF2B5EF4-FFF2-40B4-BE49-F238E27FC236}">
+                <a16:creationId xmlns:a16="http://schemas.microsoft.com/office/drawing/2014/main" id="{D18F523E-7BD0-4609-82CD-1BD2346894A4}"/>
+              </a:ext>
+            </a:extLst>
+          </p:cNvPr>
+          <p:cNvSpPr>
+            <a:spLocks noGrp="1"/>
+          </p:cNvSpPr>
+          <p:nvPr>
+            <p:ph type="sldNum" sz="quarter" idx="12"/>
+          </p:nvPr>
+        </p:nvSpPr>
+        <p:spPr/>
+        <p:txBody>
+          <a:bodyPr/>
+          <a:lstStyle/>
+          <a:p>
+            <a:fld id="{78F7A1EC-23D1-431D-8C93-9C4ED5D4A04D}" type="slidenum">
+              <a:rPr lang="en-US" smtClean="0"/>
+              <a:t>13</a:t>
+            </a:fld>
+            <a:endParaRPr lang="en-US"/>
+          </a:p>
+        </p:txBody>
+      </p:sp>
+    </p:spTree>
+    <p:extLst>
+      <p:ext uri="{BB962C8B-B14F-4D97-AF65-F5344CB8AC3E}">
+        <p14:creationId xmlns:p14="http://schemas.microsoft.com/office/powerpoint/2010/main" val="4283076253"/>
+      </p:ext>
+    </p:extLst>
+  </p:cSld>
+  <p:clrMapOvr>
+    <a:masterClrMapping/>
+  </p:clrMapOvr>
+</p:sld>
+</file>
+
+<file path=ppt/slides/slide14.xml><?xml version="1.0" encoding="utf-8"?>
+<p:sld xmlns:a="http://schemas.openxmlformats.org/drawingml/2006/main" xmlns:r="http://schemas.openxmlformats.org/officeDocument/2006/relationships" xmlns:p="http://schemas.openxmlformats.org/presentationml/2006/main">
+  <p:cSld>
+    <p:spTree>
+      <p:nvGrpSpPr>
+        <p:cNvPr id="1" name=""/>
+        <p:cNvGrpSpPr/>
+        <p:nvPr/>
+      </p:nvGrpSpPr>
+      <p:grpSpPr>
+        <a:xfrm>
+          <a:off x="0" y="0"/>
+          <a:ext cx="0" cy="0"/>
+          <a:chOff x="0" y="0"/>
+          <a:chExt cx="0" cy="0"/>
+        </a:xfrm>
+      </p:grpSpPr>
+      <p:sp>
+        <p:nvSpPr>
+          <p:cNvPr id="2" name="Title 1">
+            <a:extLst>
+              <a:ext uri="{FF2B5EF4-FFF2-40B4-BE49-F238E27FC236}">
+                <a16:creationId xmlns:a16="http://schemas.microsoft.com/office/drawing/2014/main" id="{77FA4432-AC7E-4C0E-A953-616D26182D8F}"/>
+              </a:ext>
+            </a:extLst>
+          </p:cNvPr>
+          <p:cNvSpPr>
+            <a:spLocks noGrp="1"/>
+          </p:cNvSpPr>
+          <p:nvPr>
+            <p:ph type="title"/>
+          </p:nvPr>
+        </p:nvSpPr>
+        <p:spPr/>
+        <p:txBody>
+          <a:bodyPr/>
+          <a:lstStyle/>
+          <a:p>
+            <a:r>
+              <a:rPr lang="en-US" dirty="0"/>
+              <a:t>Methods on types</a:t>
+            </a:r>
+          </a:p>
+        </p:txBody>
+      </p:sp>
+      <p:sp>
+        <p:nvSpPr>
+          <p:cNvPr id="3" name="Content Placeholder 2">
+            <a:extLst>
+              <a:ext uri="{FF2B5EF4-FFF2-40B4-BE49-F238E27FC236}">
+                <a16:creationId xmlns:a16="http://schemas.microsoft.com/office/drawing/2014/main" id="{9C935DC9-D006-48EA-B28F-DFC60708B8D0}"/>
+              </a:ext>
+            </a:extLst>
+          </p:cNvPr>
+          <p:cNvSpPr>
+            <a:spLocks noGrp="1"/>
+          </p:cNvSpPr>
+          <p:nvPr>
+            <p:ph idx="1"/>
+          </p:nvPr>
+        </p:nvSpPr>
+        <p:spPr/>
+        <p:txBody>
+          <a:bodyPr/>
+          <a:lstStyle/>
+          <a:p>
+            <a:r>
+              <a:rPr lang="en-US" dirty="0"/>
+              <a:t>Multiple dispatch</a:t>
+            </a:r>
+          </a:p>
+        </p:txBody>
+      </p:sp>
+      <p:sp>
+        <p:nvSpPr>
+          <p:cNvPr id="4" name="TextBox 3">
+            <a:extLst>
+              <a:ext uri="{FF2B5EF4-FFF2-40B4-BE49-F238E27FC236}">
+                <a16:creationId xmlns:a16="http://schemas.microsoft.com/office/drawing/2014/main" id="{E6AE8D53-8050-492F-8C1B-4E297382426A}"/>
+              </a:ext>
+            </a:extLst>
+          </p:cNvPr>
+          <p:cNvSpPr txBox="1"/>
+          <p:nvPr/>
+        </p:nvSpPr>
+        <p:spPr>
+          <a:xfrm>
+            <a:off x="1458090" y="2403643"/>
+            <a:ext cx="7825953" cy="1477328"/>
+          </a:xfrm>
+          <a:prstGeom prst="rect">
+            <a:avLst/>
+          </a:prstGeom>
+          <a:solidFill>
+            <a:schemeClr val="bg1">
+              <a:lumMod val="85000"/>
+            </a:schemeClr>
+          </a:solidFill>
+        </p:spPr>
+        <p:txBody>
+          <a:bodyPr wrap="square" rtlCol="0">
+            <a:spAutoFit/>
+          </a:bodyPr>
+          <a:lstStyle/>
+          <a:p>
+            <a:r>
+              <a:rPr lang="en-US" dirty="0">
+                <a:latin typeface="Consolas" panose="020B0609020204030204" pitchFamily="49" charset="0"/>
+              </a:rPr>
+              <a:t>function distance(p1::Abstract2DPoint, p2::Abstract2DPoint)</a:t>
+            </a:r>
+          </a:p>
+          <a:p>
+            <a:r>
+              <a:rPr lang="en-US" dirty="0">
+                <a:latin typeface="Consolas" panose="020B0609020204030204" pitchFamily="49" charset="0"/>
+              </a:rPr>
+              <a:t>    x1 = </a:t>
+            </a:r>
+            <a:r>
+              <a:rPr lang="en-US" dirty="0" err="1">
+                <a:latin typeface="Consolas" panose="020B0609020204030204" pitchFamily="49" charset="0"/>
+              </a:rPr>
+              <a:t>get_x</a:t>
+            </a:r>
+            <a:r>
+              <a:rPr lang="en-US" dirty="0">
+                <a:latin typeface="Consolas" panose="020B0609020204030204" pitchFamily="49" charset="0"/>
+              </a:rPr>
+              <a:t>(p1); y1 = </a:t>
+            </a:r>
+            <a:r>
+              <a:rPr lang="en-US" dirty="0" err="1">
+                <a:latin typeface="Consolas" panose="020B0609020204030204" pitchFamily="49" charset="0"/>
+              </a:rPr>
+              <a:t>get_y</a:t>
+            </a:r>
+            <a:r>
+              <a:rPr lang="en-US" dirty="0">
+                <a:latin typeface="Consolas" panose="020B0609020204030204" pitchFamily="49" charset="0"/>
+              </a:rPr>
+              <a:t>(p1)</a:t>
+            </a:r>
+          </a:p>
+          <a:p>
+            <a:r>
+              <a:rPr lang="en-US" dirty="0">
+                <a:latin typeface="Consolas" panose="020B0609020204030204" pitchFamily="49" charset="0"/>
+              </a:rPr>
+              <a:t>    x2 = </a:t>
+            </a:r>
+            <a:r>
+              <a:rPr lang="en-US" dirty="0" err="1">
+                <a:latin typeface="Consolas" panose="020B0609020204030204" pitchFamily="49" charset="0"/>
+              </a:rPr>
+              <a:t>get_x</a:t>
+            </a:r>
+            <a:r>
+              <a:rPr lang="en-US" dirty="0">
+                <a:latin typeface="Consolas" panose="020B0609020204030204" pitchFamily="49" charset="0"/>
+              </a:rPr>
+              <a:t>(p2); y2 = </a:t>
+            </a:r>
+            <a:r>
+              <a:rPr lang="en-US" dirty="0" err="1">
+                <a:latin typeface="Consolas" panose="020B0609020204030204" pitchFamily="49" charset="0"/>
+              </a:rPr>
+              <a:t>get_y</a:t>
+            </a:r>
+            <a:r>
+              <a:rPr lang="en-US" dirty="0">
+                <a:latin typeface="Consolas" panose="020B0609020204030204" pitchFamily="49" charset="0"/>
+              </a:rPr>
+              <a:t>(p2)</a:t>
+            </a:r>
+          </a:p>
+          <a:p>
+            <a:r>
+              <a:rPr lang="en-US" dirty="0">
+                <a:latin typeface="Consolas" panose="020B0609020204030204" pitchFamily="49" charset="0"/>
+              </a:rPr>
+              <a:t>    return sqrt((x1 – x2)^2 + (y1 – y2)^2)</a:t>
+            </a:r>
+          </a:p>
+          <a:p>
+            <a:r>
+              <a:rPr lang="en-US" dirty="0">
+                <a:latin typeface="Consolas" panose="020B0609020204030204" pitchFamily="49" charset="0"/>
+              </a:rPr>
+              <a:t>end</a:t>
+            </a:r>
+          </a:p>
+        </p:txBody>
+      </p:sp>
+      <p:sp>
+        <p:nvSpPr>
+          <p:cNvPr id="5" name="TextBox 4">
+            <a:extLst>
+              <a:ext uri="{FF2B5EF4-FFF2-40B4-BE49-F238E27FC236}">
+                <a16:creationId xmlns:a16="http://schemas.microsoft.com/office/drawing/2014/main" id="{93AE319E-8773-4104-A9B1-174D925CB64C}"/>
+              </a:ext>
+            </a:extLst>
+          </p:cNvPr>
+          <p:cNvSpPr txBox="1"/>
+          <p:nvPr/>
+        </p:nvSpPr>
+        <p:spPr>
+          <a:xfrm>
+            <a:off x="1458089" y="4296930"/>
+            <a:ext cx="7825953" cy="1477328"/>
+          </a:xfrm>
+          <a:prstGeom prst="rect">
+            <a:avLst/>
+          </a:prstGeom>
+          <a:solidFill>
+            <a:schemeClr val="bg1">
+              <a:lumMod val="85000"/>
+            </a:schemeClr>
+          </a:solidFill>
+        </p:spPr>
+        <p:txBody>
+          <a:bodyPr wrap="square" rtlCol="0">
+            <a:spAutoFit/>
+          </a:bodyPr>
+          <a:lstStyle/>
+          <a:p>
+            <a:r>
+              <a:rPr lang="en-US" dirty="0">
+                <a:latin typeface="Consolas" panose="020B0609020204030204" pitchFamily="49" charset="0"/>
+              </a:rPr>
+              <a:t>function distance(p1::Abstract3DPoint, p2::Abstract3DPoint)</a:t>
+            </a:r>
+          </a:p>
+          <a:p>
+            <a:r>
+              <a:rPr lang="en-US" dirty="0">
+                <a:latin typeface="Consolas" panose="020B0609020204030204" pitchFamily="49" charset="0"/>
+              </a:rPr>
+              <a:t>    x1 = </a:t>
+            </a:r>
+            <a:r>
+              <a:rPr lang="en-US" dirty="0" err="1">
+                <a:latin typeface="Consolas" panose="020B0609020204030204" pitchFamily="49" charset="0"/>
+              </a:rPr>
+              <a:t>get_x</a:t>
+            </a:r>
+            <a:r>
+              <a:rPr lang="en-US" dirty="0">
+                <a:latin typeface="Consolas" panose="020B0609020204030204" pitchFamily="49" charset="0"/>
+              </a:rPr>
+              <a:t>(p1); y1 = </a:t>
+            </a:r>
+            <a:r>
+              <a:rPr lang="en-US" dirty="0" err="1">
+                <a:latin typeface="Consolas" panose="020B0609020204030204" pitchFamily="49" charset="0"/>
+              </a:rPr>
+              <a:t>get_y</a:t>
+            </a:r>
+            <a:r>
+              <a:rPr lang="en-US" dirty="0">
+                <a:latin typeface="Consolas" panose="020B0609020204030204" pitchFamily="49" charset="0"/>
+              </a:rPr>
+              <a:t>(p1); z1 = </a:t>
+            </a:r>
+            <a:r>
+              <a:rPr lang="en-US" dirty="0" err="1">
+                <a:latin typeface="Consolas" panose="020B0609020204030204" pitchFamily="49" charset="0"/>
+              </a:rPr>
+              <a:t>get_z</a:t>
+            </a:r>
+            <a:r>
+              <a:rPr lang="en-US" dirty="0">
+                <a:latin typeface="Consolas" panose="020B0609020204030204" pitchFamily="49" charset="0"/>
+              </a:rPr>
+              <a:t>(p1)</a:t>
+            </a:r>
+          </a:p>
+          <a:p>
+            <a:r>
+              <a:rPr lang="en-US" dirty="0">
+                <a:latin typeface="Consolas" panose="020B0609020204030204" pitchFamily="49" charset="0"/>
+              </a:rPr>
+              <a:t>    x2 = </a:t>
+            </a:r>
+            <a:r>
+              <a:rPr lang="en-US" dirty="0" err="1">
+                <a:latin typeface="Consolas" panose="020B0609020204030204" pitchFamily="49" charset="0"/>
+              </a:rPr>
+              <a:t>get_x</a:t>
+            </a:r>
+            <a:r>
+              <a:rPr lang="en-US" dirty="0">
+                <a:latin typeface="Consolas" panose="020B0609020204030204" pitchFamily="49" charset="0"/>
+              </a:rPr>
+              <a:t>(p2); y2 = </a:t>
+            </a:r>
+            <a:r>
+              <a:rPr lang="en-US" dirty="0" err="1">
+                <a:latin typeface="Consolas" panose="020B0609020204030204" pitchFamily="49" charset="0"/>
+              </a:rPr>
+              <a:t>get_y</a:t>
+            </a:r>
+            <a:r>
+              <a:rPr lang="en-US" dirty="0">
+                <a:latin typeface="Consolas" panose="020B0609020204030204" pitchFamily="49" charset="0"/>
+              </a:rPr>
+              <a:t>(p2); z2 = </a:t>
+            </a:r>
+            <a:r>
+              <a:rPr lang="en-US" dirty="0" err="1">
+                <a:latin typeface="Consolas" panose="020B0609020204030204" pitchFamily="49" charset="0"/>
+              </a:rPr>
+              <a:t>get_z</a:t>
+            </a:r>
+            <a:r>
+              <a:rPr lang="en-US" dirty="0">
+                <a:latin typeface="Consolas" panose="020B0609020204030204" pitchFamily="49" charset="0"/>
+              </a:rPr>
+              <a:t>(p2)</a:t>
+            </a:r>
+          </a:p>
+          <a:p>
+            <a:r>
+              <a:rPr lang="en-US" dirty="0">
+                <a:latin typeface="Consolas" panose="020B0609020204030204" pitchFamily="49" charset="0"/>
+              </a:rPr>
+              <a:t>    return sqrt((x1 – x2)^2 + (y1 – y2)^2 + (z1 – z2)^2)</a:t>
+            </a:r>
+          </a:p>
+          <a:p>
+            <a:r>
+              <a:rPr lang="en-US" dirty="0">
+                <a:latin typeface="Consolas" panose="020B0609020204030204" pitchFamily="49" charset="0"/>
+              </a:rPr>
+              <a:t>end</a:t>
+            </a:r>
+          </a:p>
+        </p:txBody>
+      </p:sp>
+      <p:sp>
+        <p:nvSpPr>
+          <p:cNvPr id="6" name="Slide Number Placeholder 5">
+            <a:extLst>
+              <a:ext uri="{FF2B5EF4-FFF2-40B4-BE49-F238E27FC236}">
+                <a16:creationId xmlns:a16="http://schemas.microsoft.com/office/drawing/2014/main" id="{75798C7A-5D56-4878-AEE3-0A2DA14F1DCD}"/>
+              </a:ext>
+            </a:extLst>
+          </p:cNvPr>
+          <p:cNvSpPr>
+            <a:spLocks noGrp="1"/>
+          </p:cNvSpPr>
+          <p:nvPr>
+            <p:ph type="sldNum" sz="quarter" idx="12"/>
+          </p:nvPr>
+        </p:nvSpPr>
+        <p:spPr/>
+        <p:txBody>
+          <a:bodyPr/>
+          <a:lstStyle/>
+          <a:p>
+            <a:fld id="{78F7A1EC-23D1-431D-8C93-9C4ED5D4A04D}" type="slidenum">
+              <a:rPr lang="en-US" smtClean="0"/>
+              <a:t>14</a:t>
+            </a:fld>
+            <a:endParaRPr lang="en-US"/>
+          </a:p>
+        </p:txBody>
+      </p:sp>
+    </p:spTree>
+    <p:extLst>
+      <p:ext uri="{BB962C8B-B14F-4D97-AF65-F5344CB8AC3E}">
+        <p14:creationId xmlns:p14="http://schemas.microsoft.com/office/powerpoint/2010/main" val="4220669020"/>
+      </p:ext>
+    </p:extLst>
+  </p:cSld>
+  <p:clrMapOvr>
+    <a:masterClrMapping/>
+  </p:clrMapOvr>
+</p:sld>
+</file>
+
+<file path=ppt/slides/slide15.xml><?xml version="1.0" encoding="utf-8"?>
+<p:sld xmlns:a="http://schemas.openxmlformats.org/drawingml/2006/main" xmlns:r="http://schemas.openxmlformats.org/officeDocument/2006/relationships" xmlns:p="http://schemas.openxmlformats.org/presentationml/2006/main">
+  <p:cSld>
+    <p:spTree>
+      <p:nvGrpSpPr>
+        <p:cNvPr id="1" name=""/>
+        <p:cNvGrpSpPr/>
+        <p:nvPr/>
+      </p:nvGrpSpPr>
+      <p:grpSpPr>
+        <a:xfrm>
+          <a:off x="0" y="0"/>
+          <a:ext cx="0" cy="0"/>
+          <a:chOff x="0" y="0"/>
+          <a:chExt cx="0" cy="0"/>
+        </a:xfrm>
+      </p:grpSpPr>
+      <p:sp>
+        <p:nvSpPr>
+          <p:cNvPr id="2" name="Title 1">
+            <a:extLst>
+              <a:ext uri="{FF2B5EF4-FFF2-40B4-BE49-F238E27FC236}">
+                <a16:creationId xmlns:a16="http://schemas.microsoft.com/office/drawing/2014/main" id="{E7A16532-2CE8-4AD7-B819-2EC8F46C855E}"/>
+              </a:ext>
+            </a:extLst>
+          </p:cNvPr>
+          <p:cNvSpPr>
+            <a:spLocks noGrp="1"/>
+          </p:cNvSpPr>
+          <p:nvPr>
+            <p:ph type="title"/>
+          </p:nvPr>
+        </p:nvSpPr>
+        <p:spPr/>
+        <p:txBody>
+          <a:bodyPr/>
+          <a:lstStyle/>
+          <a:p>
+            <a:r>
+              <a:rPr lang="en-US" dirty="0"/>
+              <a:t>Traits</a:t>
+            </a:r>
+          </a:p>
+        </p:txBody>
+      </p:sp>
+      <p:sp>
+        <p:nvSpPr>
+          <p:cNvPr id="3" name="Content Placeholder 2">
+            <a:extLst>
+              <a:ext uri="{FF2B5EF4-FFF2-40B4-BE49-F238E27FC236}">
+                <a16:creationId xmlns:a16="http://schemas.microsoft.com/office/drawing/2014/main" id="{D40867FD-9A37-4959-B309-8B83344CD1BB}"/>
+              </a:ext>
+            </a:extLst>
+          </p:cNvPr>
+          <p:cNvSpPr>
+            <a:spLocks noGrp="1"/>
+          </p:cNvSpPr>
+          <p:nvPr>
+            <p:ph idx="1"/>
+          </p:nvPr>
+        </p:nvSpPr>
+        <p:spPr/>
+        <p:txBody>
+          <a:bodyPr/>
+          <a:lstStyle/>
+          <a:p>
+            <a:r>
+              <a:rPr lang="en-US" dirty="0"/>
+              <a:t>Traits are "properties" of types, e.g., color</a:t>
+            </a:r>
+          </a:p>
+          <a:p>
+            <a:endParaRPr lang="en-US" dirty="0"/>
+          </a:p>
+          <a:p>
+            <a:endParaRPr lang="en-US" dirty="0"/>
+          </a:p>
+          <a:p>
+            <a:r>
+              <a:rPr lang="en-US" dirty="0"/>
+              <a:t>Default behavior: types are </a:t>
+            </a:r>
+            <a:r>
+              <a:rPr lang="en-US" i="1" dirty="0"/>
+              <a:t>not</a:t>
+            </a:r>
+            <a:r>
+              <a:rPr lang="en-US" dirty="0"/>
+              <a:t> colored</a:t>
+            </a:r>
+          </a:p>
+          <a:p>
+            <a:endParaRPr lang="en-US" dirty="0"/>
+          </a:p>
+          <a:p>
+            <a:r>
+              <a:rPr lang="en-US" dirty="0"/>
+              <a:t>Action on trait</a:t>
+            </a:r>
+          </a:p>
+        </p:txBody>
+      </p:sp>
+      <p:sp>
+        <p:nvSpPr>
+          <p:cNvPr id="4" name="TextBox 3">
+            <a:extLst>
+              <a:ext uri="{FF2B5EF4-FFF2-40B4-BE49-F238E27FC236}">
+                <a16:creationId xmlns:a16="http://schemas.microsoft.com/office/drawing/2014/main" id="{A6638AD6-5743-4A9B-9763-3C80358644C9}"/>
+              </a:ext>
+            </a:extLst>
+          </p:cNvPr>
+          <p:cNvSpPr txBox="1"/>
+          <p:nvPr/>
+        </p:nvSpPr>
+        <p:spPr>
+          <a:xfrm>
+            <a:off x="1458090" y="2288311"/>
+            <a:ext cx="5198083" cy="923330"/>
+          </a:xfrm>
+          <a:prstGeom prst="rect">
+            <a:avLst/>
+          </a:prstGeom>
+          <a:solidFill>
+            <a:schemeClr val="bg1">
+              <a:lumMod val="85000"/>
+            </a:schemeClr>
+          </a:solidFill>
+        </p:spPr>
+        <p:txBody>
+          <a:bodyPr wrap="square" rtlCol="0">
+            <a:spAutoFit/>
+          </a:bodyPr>
+          <a:lstStyle/>
+          <a:p>
+            <a:r>
+              <a:rPr lang="en-US" dirty="0">
+                <a:latin typeface="Consolas" panose="020B0609020204030204" pitchFamily="49" charset="0"/>
+              </a:rPr>
+              <a:t>abstract type </a:t>
+            </a:r>
+            <a:r>
+              <a:rPr lang="en-US" dirty="0" err="1">
+                <a:latin typeface="Consolas" panose="020B0609020204030204" pitchFamily="49" charset="0"/>
+              </a:rPr>
+              <a:t>ColoredStyle</a:t>
+            </a:r>
+            <a:r>
+              <a:rPr lang="en-US" dirty="0">
+                <a:latin typeface="Consolas" panose="020B0609020204030204" pitchFamily="49" charset="0"/>
+              </a:rPr>
+              <a:t> end</a:t>
+            </a:r>
+          </a:p>
+          <a:p>
+            <a:r>
+              <a:rPr lang="en-US" dirty="0">
+                <a:latin typeface="Consolas" panose="020B0609020204030204" pitchFamily="49" charset="0"/>
+              </a:rPr>
+              <a:t>struct </a:t>
+            </a:r>
+            <a:r>
+              <a:rPr lang="en-US" dirty="0" err="1">
+                <a:latin typeface="Consolas" panose="020B0609020204030204" pitchFamily="49" charset="0"/>
+              </a:rPr>
+              <a:t>IsColored</a:t>
+            </a:r>
+            <a:r>
+              <a:rPr lang="en-US" dirty="0">
+                <a:latin typeface="Consolas" panose="020B0609020204030204" pitchFamily="49" charset="0"/>
+              </a:rPr>
+              <a:t> &lt;: </a:t>
+            </a:r>
+            <a:r>
+              <a:rPr lang="en-US" dirty="0" err="1">
+                <a:latin typeface="Consolas" panose="020B0609020204030204" pitchFamily="49" charset="0"/>
+              </a:rPr>
+              <a:t>ColoredStyle</a:t>
+            </a:r>
+            <a:r>
+              <a:rPr lang="en-US" dirty="0">
+                <a:latin typeface="Consolas" panose="020B0609020204030204" pitchFamily="49" charset="0"/>
+              </a:rPr>
+              <a:t> end</a:t>
+            </a:r>
+          </a:p>
+          <a:p>
+            <a:r>
+              <a:rPr lang="en-US" dirty="0">
+                <a:latin typeface="Consolas" panose="020B0609020204030204" pitchFamily="49" charset="0"/>
+              </a:rPr>
+              <a:t>struct </a:t>
+            </a:r>
+            <a:r>
+              <a:rPr lang="en-US" dirty="0" err="1">
+                <a:latin typeface="Consolas" panose="020B0609020204030204" pitchFamily="49" charset="0"/>
+              </a:rPr>
+              <a:t>IsNotColored</a:t>
+            </a:r>
+            <a:r>
+              <a:rPr lang="en-US" dirty="0">
+                <a:latin typeface="Consolas" panose="020B0609020204030204" pitchFamily="49" charset="0"/>
+              </a:rPr>
+              <a:t> &lt;: </a:t>
+            </a:r>
+            <a:r>
+              <a:rPr lang="en-US" dirty="0" err="1">
+                <a:latin typeface="Consolas" panose="020B0609020204030204" pitchFamily="49" charset="0"/>
+              </a:rPr>
+              <a:t>ColoredStyle</a:t>
+            </a:r>
+            <a:r>
+              <a:rPr lang="en-US" dirty="0">
+                <a:latin typeface="Consolas" panose="020B0609020204030204" pitchFamily="49" charset="0"/>
+              </a:rPr>
+              <a:t> end</a:t>
+            </a:r>
+          </a:p>
+        </p:txBody>
+      </p:sp>
+      <p:sp>
+        <p:nvSpPr>
+          <p:cNvPr id="5" name="TextBox 4">
+            <a:extLst>
+              <a:ext uri="{FF2B5EF4-FFF2-40B4-BE49-F238E27FC236}">
+                <a16:creationId xmlns:a16="http://schemas.microsoft.com/office/drawing/2014/main" id="{D357F073-E5DA-4DA5-9658-8CC43161CD54}"/>
+              </a:ext>
+            </a:extLst>
+          </p:cNvPr>
+          <p:cNvSpPr txBox="1"/>
+          <p:nvPr/>
+        </p:nvSpPr>
+        <p:spPr>
+          <a:xfrm>
+            <a:off x="1458090" y="3849384"/>
+            <a:ext cx="5198084" cy="369332"/>
+          </a:xfrm>
+          <a:prstGeom prst="rect">
+            <a:avLst/>
+          </a:prstGeom>
+          <a:solidFill>
+            <a:schemeClr val="bg1">
+              <a:lumMod val="85000"/>
+            </a:schemeClr>
+          </a:solidFill>
+        </p:spPr>
+        <p:txBody>
+          <a:bodyPr wrap="square" rtlCol="0">
+            <a:spAutoFit/>
+          </a:bodyPr>
+          <a:lstStyle/>
+          <a:p>
+            <a:r>
+              <a:rPr lang="en-US" dirty="0" err="1">
+                <a:latin typeface="Consolas" panose="020B0609020204030204" pitchFamily="49" charset="0"/>
+              </a:rPr>
+              <a:t>ColoredStyle</a:t>
+            </a:r>
+            <a:r>
+              <a:rPr lang="en-US" dirty="0">
+                <a:latin typeface="Consolas" panose="020B0609020204030204" pitchFamily="49" charset="0"/>
+              </a:rPr>
+              <a:t>(::Type) = </a:t>
+            </a:r>
+            <a:r>
+              <a:rPr lang="en-US" dirty="0" err="1">
+                <a:latin typeface="Consolas" panose="020B0609020204030204" pitchFamily="49" charset="0"/>
+              </a:rPr>
+              <a:t>IsNotColored</a:t>
+            </a:r>
+            <a:r>
+              <a:rPr lang="en-US" dirty="0">
+                <a:latin typeface="Consolas" panose="020B0609020204030204" pitchFamily="49" charset="0"/>
+              </a:rPr>
+              <a:t>()</a:t>
+            </a:r>
+          </a:p>
+        </p:txBody>
+      </p:sp>
+      <p:sp>
+        <p:nvSpPr>
+          <p:cNvPr id="7" name="Slide Number Placeholder 6">
+            <a:extLst>
+              <a:ext uri="{FF2B5EF4-FFF2-40B4-BE49-F238E27FC236}">
+                <a16:creationId xmlns:a16="http://schemas.microsoft.com/office/drawing/2014/main" id="{F7BC28D9-A7C5-4E74-A9C2-B18D3D31E6FC}"/>
+              </a:ext>
+            </a:extLst>
+          </p:cNvPr>
+          <p:cNvSpPr>
+            <a:spLocks noGrp="1"/>
+          </p:cNvSpPr>
+          <p:nvPr>
+            <p:ph type="sldNum" sz="quarter" idx="12"/>
+          </p:nvPr>
+        </p:nvSpPr>
+        <p:spPr/>
+        <p:txBody>
+          <a:bodyPr/>
+          <a:lstStyle/>
+          <a:p>
+            <a:fld id="{78F7A1EC-23D1-431D-8C93-9C4ED5D4A04D}" type="slidenum">
+              <a:rPr lang="en-US" smtClean="0"/>
+              <a:t>15</a:t>
+            </a:fld>
+            <a:endParaRPr lang="en-US"/>
+          </a:p>
+        </p:txBody>
+      </p:sp>
+      <p:sp>
+        <p:nvSpPr>
+          <p:cNvPr id="8" name="TextBox 7">
+            <a:extLst>
+              <a:ext uri="{FF2B5EF4-FFF2-40B4-BE49-F238E27FC236}">
+                <a16:creationId xmlns:a16="http://schemas.microsoft.com/office/drawing/2014/main" id="{D2C46F96-6473-4C64-9024-4CE33AF0988A}"/>
+              </a:ext>
+            </a:extLst>
+          </p:cNvPr>
+          <p:cNvSpPr txBox="1"/>
+          <p:nvPr/>
+        </p:nvSpPr>
+        <p:spPr>
+          <a:xfrm>
+            <a:off x="1458089" y="4881662"/>
+            <a:ext cx="9432333" cy="923330"/>
+          </a:xfrm>
+          <a:prstGeom prst="rect">
+            <a:avLst/>
+          </a:prstGeom>
+          <a:solidFill>
+            <a:schemeClr val="bg1">
+              <a:lumMod val="85000"/>
+            </a:schemeClr>
+          </a:solidFill>
+        </p:spPr>
+        <p:txBody>
+          <a:bodyPr wrap="square" rtlCol="0">
+            <a:spAutoFit/>
+          </a:bodyPr>
+          <a:lstStyle/>
+          <a:p>
+            <a:r>
+              <a:rPr lang="en-US" dirty="0" err="1">
+                <a:latin typeface="Consolas" panose="020B0609020204030204" pitchFamily="49" charset="0"/>
+              </a:rPr>
+              <a:t>get_color</a:t>
+            </a:r>
+            <a:r>
+              <a:rPr lang="en-US" dirty="0">
+                <a:latin typeface="Consolas" panose="020B0609020204030204" pitchFamily="49" charset="0"/>
+              </a:rPr>
+              <a:t>(obj::T) where {T} = </a:t>
+            </a:r>
+            <a:r>
+              <a:rPr lang="en-US" dirty="0" err="1">
+                <a:latin typeface="Consolas" panose="020B0609020204030204" pitchFamily="49" charset="0"/>
+              </a:rPr>
+              <a:t>get_color</a:t>
+            </a:r>
+            <a:r>
+              <a:rPr lang="en-US" dirty="0">
+                <a:latin typeface="Consolas" panose="020B0609020204030204" pitchFamily="49" charset="0"/>
+              </a:rPr>
+              <a:t>(</a:t>
+            </a:r>
+            <a:r>
+              <a:rPr lang="en-US" dirty="0" err="1">
+                <a:latin typeface="Consolas" panose="020B0609020204030204" pitchFamily="49" charset="0"/>
+              </a:rPr>
+              <a:t>ColoredStyle</a:t>
+            </a:r>
+            <a:r>
+              <a:rPr lang="en-US" dirty="0">
+                <a:latin typeface="Consolas" panose="020B0609020204030204" pitchFamily="49" charset="0"/>
+              </a:rPr>
+              <a:t>(T), obj)</a:t>
+            </a:r>
+          </a:p>
+          <a:p>
+            <a:r>
+              <a:rPr lang="en-US" dirty="0" err="1">
+                <a:latin typeface="Consolas" panose="020B0609020204030204" pitchFamily="49" charset="0"/>
+              </a:rPr>
+              <a:t>get_color</a:t>
+            </a:r>
+            <a:r>
+              <a:rPr lang="en-US" dirty="0">
+                <a:latin typeface="Consolas" panose="020B0609020204030204" pitchFamily="49" charset="0"/>
+              </a:rPr>
+              <a:t>(::</a:t>
+            </a:r>
+            <a:r>
+              <a:rPr lang="en-US" dirty="0" err="1">
+                <a:latin typeface="Consolas" panose="020B0609020204030204" pitchFamily="49" charset="0"/>
+              </a:rPr>
+              <a:t>IsNotColored</a:t>
+            </a:r>
+            <a:r>
+              <a:rPr lang="en-US" dirty="0">
+                <a:latin typeface="Consolas" panose="020B0609020204030204" pitchFamily="49" charset="0"/>
+              </a:rPr>
+              <a:t>, obj) = error("$(</a:t>
+            </a:r>
+            <a:r>
+              <a:rPr lang="en-US" dirty="0" err="1">
+                <a:latin typeface="Consolas" panose="020B0609020204030204" pitchFamily="49" charset="0"/>
+              </a:rPr>
+              <a:t>typeof</a:t>
+            </a:r>
+            <a:r>
+              <a:rPr lang="en-US" dirty="0">
+                <a:latin typeface="Consolas" panose="020B0609020204030204" pitchFamily="49" charset="0"/>
+              </a:rPr>
+              <a:t>(obj)) is not colored")</a:t>
+            </a:r>
+          </a:p>
+          <a:p>
+            <a:r>
+              <a:rPr lang="en-US" dirty="0" err="1">
+                <a:latin typeface="Consolas" panose="020B0609020204030204" pitchFamily="49" charset="0"/>
+              </a:rPr>
+              <a:t>get_color</a:t>
+            </a:r>
+            <a:r>
+              <a:rPr lang="en-US" dirty="0">
+                <a:latin typeface="Consolas" panose="020B0609020204030204" pitchFamily="49" charset="0"/>
+              </a:rPr>
+              <a:t>(::</a:t>
+            </a:r>
+            <a:r>
+              <a:rPr lang="en-US" dirty="0" err="1">
+                <a:latin typeface="Consolas" panose="020B0609020204030204" pitchFamily="49" charset="0"/>
+              </a:rPr>
+              <a:t>IsColored</a:t>
+            </a:r>
+            <a:r>
+              <a:rPr lang="en-US" dirty="0">
+                <a:latin typeface="Consolas" panose="020B0609020204030204" pitchFamily="49" charset="0"/>
+              </a:rPr>
+              <a:t>, obj) = </a:t>
+            </a:r>
+            <a:r>
+              <a:rPr lang="en-US" dirty="0" err="1">
+                <a:latin typeface="Consolas" panose="020B0609020204030204" pitchFamily="49" charset="0"/>
+              </a:rPr>
+              <a:t>obj.color</a:t>
+            </a:r>
+            <a:endParaRPr lang="en-US" dirty="0">
+              <a:latin typeface="Consolas" panose="020B0609020204030204" pitchFamily="49" charset="0"/>
+            </a:endParaRPr>
+          </a:p>
+        </p:txBody>
+      </p:sp>
+    </p:spTree>
+    <p:extLst>
+      <p:ext uri="{BB962C8B-B14F-4D97-AF65-F5344CB8AC3E}">
+        <p14:creationId xmlns:p14="http://schemas.microsoft.com/office/powerpoint/2010/main" val="1298737522"/>
+      </p:ext>
+    </p:extLst>
+  </p:cSld>
+  <p:clrMapOvr>
+    <a:masterClrMapping/>
+  </p:clrMapOvr>
+</p:sld>
+</file>
+
+<file path=ppt/slides/slide16.xml><?xml version="1.0" encoding="utf-8"?>
+<p:sld xmlns:a="http://schemas.openxmlformats.org/drawingml/2006/main" xmlns:r="http://schemas.openxmlformats.org/officeDocument/2006/relationships" xmlns:p="http://schemas.openxmlformats.org/presentationml/2006/main">
+  <p:cSld>
+    <p:spTree>
+      <p:nvGrpSpPr>
+        <p:cNvPr id="1" name=""/>
+        <p:cNvGrpSpPr/>
+        <p:nvPr/>
+      </p:nvGrpSpPr>
+      <p:grpSpPr>
+        <a:xfrm>
+          <a:off x="0" y="0"/>
+          <a:ext cx="0" cy="0"/>
+          <a:chOff x="0" y="0"/>
+          <a:chExt cx="0" cy="0"/>
+        </a:xfrm>
+      </p:grpSpPr>
+      <p:sp>
+        <p:nvSpPr>
+          <p:cNvPr id="2" name="Title 1">
+            <a:extLst>
+              <a:ext uri="{FF2B5EF4-FFF2-40B4-BE49-F238E27FC236}">
+                <a16:creationId xmlns:a16="http://schemas.microsoft.com/office/drawing/2014/main" id="{C24B8F5C-1F74-45D8-AD90-2A6B9A5C60A9}"/>
+              </a:ext>
+            </a:extLst>
+          </p:cNvPr>
+          <p:cNvSpPr>
+            <a:spLocks noGrp="1"/>
+          </p:cNvSpPr>
+          <p:nvPr>
+            <p:ph type="title"/>
+          </p:nvPr>
+        </p:nvSpPr>
+        <p:spPr/>
+        <p:txBody>
+          <a:bodyPr/>
+          <a:lstStyle/>
+          <a:p>
+            <a:r>
+              <a:rPr lang="en-US" dirty="0"/>
+              <a:t>Applying traits</a:t>
+            </a:r>
+          </a:p>
+        </p:txBody>
+      </p:sp>
+      <p:sp>
+        <p:nvSpPr>
+          <p:cNvPr id="3" name="Content Placeholder 2">
+            <a:extLst>
+              <a:ext uri="{FF2B5EF4-FFF2-40B4-BE49-F238E27FC236}">
+                <a16:creationId xmlns:a16="http://schemas.microsoft.com/office/drawing/2014/main" id="{9CD54D94-4EC8-46DE-8932-F1182147976C}"/>
+              </a:ext>
+            </a:extLst>
+          </p:cNvPr>
+          <p:cNvSpPr>
+            <a:spLocks noGrp="1"/>
+          </p:cNvSpPr>
+          <p:nvPr>
+            <p:ph idx="1"/>
+          </p:nvPr>
+        </p:nvSpPr>
+        <p:spPr/>
+        <p:txBody>
+          <a:bodyPr/>
+          <a:lstStyle/>
+          <a:p>
+            <a:r>
+              <a:rPr lang="en-US" dirty="0"/>
+              <a:t>Pixel again</a:t>
+            </a:r>
+          </a:p>
+          <a:p>
+            <a:endParaRPr lang="en-US" dirty="0"/>
+          </a:p>
+          <a:p>
+            <a:endParaRPr lang="en-US" dirty="0"/>
+          </a:p>
+          <a:p>
+            <a:endParaRPr lang="en-US" dirty="0"/>
+          </a:p>
+          <a:p>
+            <a:endParaRPr lang="en-US" dirty="0"/>
+          </a:p>
+          <a:p>
+            <a:r>
+              <a:rPr lang="en-US" dirty="0"/>
+              <a:t>Paint</a:t>
+            </a:r>
+          </a:p>
+        </p:txBody>
+      </p:sp>
+      <p:sp>
+        <p:nvSpPr>
+          <p:cNvPr id="4" name="Slide Number Placeholder 3">
+            <a:extLst>
+              <a:ext uri="{FF2B5EF4-FFF2-40B4-BE49-F238E27FC236}">
+                <a16:creationId xmlns:a16="http://schemas.microsoft.com/office/drawing/2014/main" id="{6A106F6D-7720-4566-8BBD-70C54F3ED003}"/>
+              </a:ext>
+            </a:extLst>
+          </p:cNvPr>
+          <p:cNvSpPr>
+            <a:spLocks noGrp="1"/>
+          </p:cNvSpPr>
+          <p:nvPr>
+            <p:ph type="sldNum" sz="quarter" idx="12"/>
+          </p:nvPr>
+        </p:nvSpPr>
+        <p:spPr/>
+        <p:txBody>
+          <a:bodyPr/>
+          <a:lstStyle/>
+          <a:p>
+            <a:fld id="{78F7A1EC-23D1-431D-8C93-9C4ED5D4A04D}" type="slidenum">
+              <a:rPr lang="en-US" smtClean="0"/>
+              <a:t>16</a:t>
+            </a:fld>
+            <a:endParaRPr lang="en-US"/>
+          </a:p>
+        </p:txBody>
+      </p:sp>
+      <p:sp>
+        <p:nvSpPr>
+          <p:cNvPr id="5" name="TextBox 4">
+            <a:extLst>
+              <a:ext uri="{FF2B5EF4-FFF2-40B4-BE49-F238E27FC236}">
+                <a16:creationId xmlns:a16="http://schemas.microsoft.com/office/drawing/2014/main" id="{3E08293A-6964-47D3-A2D0-2A9DD53D5B9D}"/>
+              </a:ext>
+            </a:extLst>
+          </p:cNvPr>
+          <p:cNvSpPr txBox="1"/>
+          <p:nvPr/>
+        </p:nvSpPr>
+        <p:spPr>
+          <a:xfrm>
+            <a:off x="1154519" y="2321771"/>
+            <a:ext cx="5198085" cy="1200329"/>
+          </a:xfrm>
+          <a:prstGeom prst="rect">
+            <a:avLst/>
+          </a:prstGeom>
+          <a:solidFill>
+            <a:schemeClr val="bg1">
+              <a:lumMod val="85000"/>
+            </a:schemeClr>
+          </a:solidFill>
+        </p:spPr>
+        <p:txBody>
+          <a:bodyPr wrap="square" rtlCol="0">
+            <a:spAutoFit/>
+          </a:bodyPr>
+          <a:lstStyle/>
+          <a:p>
+            <a:r>
+              <a:rPr lang="en-US" dirty="0">
+                <a:latin typeface="Consolas" panose="020B0609020204030204" pitchFamily="49" charset="0"/>
+              </a:rPr>
+              <a:t>mutable struct Pixel</a:t>
+            </a:r>
+          </a:p>
+          <a:p>
+            <a:r>
+              <a:rPr lang="en-US" dirty="0">
+                <a:latin typeface="Consolas" panose="020B0609020204030204" pitchFamily="49" charset="0"/>
+              </a:rPr>
+              <a:t>    …</a:t>
+            </a:r>
+          </a:p>
+          <a:p>
+            <a:r>
+              <a:rPr lang="en-US" dirty="0">
+                <a:latin typeface="Consolas" panose="020B0609020204030204" pitchFamily="49" charset="0"/>
+              </a:rPr>
+              <a:t>    color::String</a:t>
+            </a:r>
+          </a:p>
+          <a:p>
+            <a:r>
+              <a:rPr lang="en-US" dirty="0">
+                <a:latin typeface="Consolas" panose="020B0609020204030204" pitchFamily="49" charset="0"/>
+              </a:rPr>
+              <a:t>end</a:t>
+            </a:r>
+          </a:p>
+        </p:txBody>
+      </p:sp>
+      <p:sp>
+        <p:nvSpPr>
+          <p:cNvPr id="6" name="TextBox 5">
+            <a:extLst>
+              <a:ext uri="{FF2B5EF4-FFF2-40B4-BE49-F238E27FC236}">
+                <a16:creationId xmlns:a16="http://schemas.microsoft.com/office/drawing/2014/main" id="{A0B55A68-5AC1-4ABE-96D1-E980EA702462}"/>
+              </a:ext>
+            </a:extLst>
+          </p:cNvPr>
+          <p:cNvSpPr txBox="1"/>
+          <p:nvPr/>
+        </p:nvSpPr>
+        <p:spPr>
+          <a:xfrm>
+            <a:off x="1154518" y="3769276"/>
+            <a:ext cx="5198085" cy="369332"/>
+          </a:xfrm>
+          <a:prstGeom prst="rect">
+            <a:avLst/>
+          </a:prstGeom>
+          <a:solidFill>
+            <a:schemeClr val="bg1">
+              <a:lumMod val="85000"/>
+            </a:schemeClr>
+          </a:solidFill>
+        </p:spPr>
+        <p:txBody>
+          <a:bodyPr wrap="square" rtlCol="0">
+            <a:spAutoFit/>
+          </a:bodyPr>
+          <a:lstStyle/>
+          <a:p>
+            <a:r>
+              <a:rPr lang="en-US" dirty="0" err="1">
+                <a:latin typeface="Consolas" panose="020B0609020204030204" pitchFamily="49" charset="0"/>
+              </a:rPr>
+              <a:t>ColoredStyle</a:t>
+            </a:r>
+            <a:r>
+              <a:rPr lang="en-US" dirty="0">
+                <a:latin typeface="Consolas" panose="020B0609020204030204" pitchFamily="49" charset="0"/>
+              </a:rPr>
+              <a:t>(::{&lt;:Pixel}) = </a:t>
+            </a:r>
+            <a:r>
+              <a:rPr lang="en-US" dirty="0" err="1">
+                <a:latin typeface="Consolas" panose="020B0609020204030204" pitchFamily="49" charset="0"/>
+              </a:rPr>
+              <a:t>IsColored</a:t>
+            </a:r>
+            <a:r>
+              <a:rPr lang="en-US" dirty="0">
+                <a:latin typeface="Consolas" panose="020B0609020204030204" pitchFamily="49" charset="0"/>
+              </a:rPr>
+              <a:t>()</a:t>
+            </a:r>
+          </a:p>
+        </p:txBody>
+      </p:sp>
+      <p:sp>
+        <p:nvSpPr>
+          <p:cNvPr id="7" name="TextBox 6">
+            <a:extLst>
+              <a:ext uri="{FF2B5EF4-FFF2-40B4-BE49-F238E27FC236}">
+                <a16:creationId xmlns:a16="http://schemas.microsoft.com/office/drawing/2014/main" id="{28C5593F-2355-43FB-BC93-812DA3422F28}"/>
+              </a:ext>
+            </a:extLst>
+          </p:cNvPr>
+          <p:cNvSpPr txBox="1"/>
+          <p:nvPr/>
+        </p:nvSpPr>
+        <p:spPr>
+          <a:xfrm>
+            <a:off x="1154519" y="4864395"/>
+            <a:ext cx="5198085" cy="923330"/>
+          </a:xfrm>
+          <a:prstGeom prst="rect">
+            <a:avLst/>
+          </a:prstGeom>
+          <a:solidFill>
+            <a:schemeClr val="bg1">
+              <a:lumMod val="85000"/>
+            </a:schemeClr>
+          </a:solidFill>
+        </p:spPr>
+        <p:txBody>
+          <a:bodyPr wrap="square" rtlCol="0">
+            <a:spAutoFit/>
+          </a:bodyPr>
+          <a:lstStyle/>
+          <a:p>
+            <a:r>
+              <a:rPr lang="en-US" dirty="0">
+                <a:latin typeface="Consolas" panose="020B0609020204030204" pitchFamily="49" charset="0"/>
+              </a:rPr>
+              <a:t>struct Paint</a:t>
+            </a:r>
+          </a:p>
+          <a:p>
+            <a:r>
+              <a:rPr lang="en-US" dirty="0">
+                <a:latin typeface="Consolas" panose="020B0609020204030204" pitchFamily="49" charset="0"/>
+              </a:rPr>
+              <a:t>    color::String</a:t>
+            </a:r>
+          </a:p>
+          <a:p>
+            <a:r>
+              <a:rPr lang="en-US" dirty="0">
+                <a:latin typeface="Consolas" panose="020B0609020204030204" pitchFamily="49" charset="0"/>
+              </a:rPr>
+              <a:t>end</a:t>
+            </a:r>
+          </a:p>
+        </p:txBody>
+      </p:sp>
+      <p:sp>
+        <p:nvSpPr>
+          <p:cNvPr id="8" name="TextBox 7">
+            <a:extLst>
+              <a:ext uri="{FF2B5EF4-FFF2-40B4-BE49-F238E27FC236}">
+                <a16:creationId xmlns:a16="http://schemas.microsoft.com/office/drawing/2014/main" id="{971B7C23-F351-49F1-A3B5-B52642CD2CEA}"/>
+              </a:ext>
+            </a:extLst>
+          </p:cNvPr>
+          <p:cNvSpPr txBox="1"/>
+          <p:nvPr/>
+        </p:nvSpPr>
+        <p:spPr>
+          <a:xfrm>
+            <a:off x="1154518" y="6056523"/>
+            <a:ext cx="5198085" cy="369332"/>
+          </a:xfrm>
+          <a:prstGeom prst="rect">
+            <a:avLst/>
+          </a:prstGeom>
+          <a:solidFill>
+            <a:schemeClr val="bg1">
+              <a:lumMod val="85000"/>
+            </a:schemeClr>
+          </a:solidFill>
+        </p:spPr>
+        <p:txBody>
+          <a:bodyPr wrap="square" rtlCol="0">
+            <a:spAutoFit/>
+          </a:bodyPr>
+          <a:lstStyle/>
+          <a:p>
+            <a:r>
+              <a:rPr lang="en-US" dirty="0" err="1">
+                <a:latin typeface="Consolas" panose="020B0609020204030204" pitchFamily="49" charset="0"/>
+              </a:rPr>
+              <a:t>ColoredStyle</a:t>
+            </a:r>
+            <a:r>
+              <a:rPr lang="en-US" dirty="0">
+                <a:latin typeface="Consolas" panose="020B0609020204030204" pitchFamily="49" charset="0"/>
+              </a:rPr>
+              <a:t>(::{&lt;:Paint}) = </a:t>
+            </a:r>
+            <a:r>
+              <a:rPr lang="en-US" dirty="0" err="1">
+                <a:latin typeface="Consolas" panose="020B0609020204030204" pitchFamily="49" charset="0"/>
+              </a:rPr>
+              <a:t>IsColored</a:t>
+            </a:r>
+            <a:r>
+              <a:rPr lang="en-US" dirty="0">
+                <a:latin typeface="Consolas" panose="020B0609020204030204" pitchFamily="49" charset="0"/>
+              </a:rPr>
+              <a:t>()</a:t>
+            </a:r>
+          </a:p>
+        </p:txBody>
+      </p:sp>
+      <p:sp>
+        <p:nvSpPr>
+          <p:cNvPr id="9" name="TextBox 8">
+            <a:extLst>
+              <a:ext uri="{FF2B5EF4-FFF2-40B4-BE49-F238E27FC236}">
+                <a16:creationId xmlns:a16="http://schemas.microsoft.com/office/drawing/2014/main" id="{7C35B9C2-922C-454F-8F4E-BD2F2BD7342C}"/>
+              </a:ext>
+            </a:extLst>
+          </p:cNvPr>
+          <p:cNvSpPr txBox="1"/>
+          <p:nvPr/>
+        </p:nvSpPr>
+        <p:spPr>
+          <a:xfrm>
+            <a:off x="7887286" y="2321771"/>
+            <a:ext cx="3933577" cy="646331"/>
+          </a:xfrm>
+          <a:prstGeom prst="rect">
+            <a:avLst/>
+          </a:prstGeom>
+          <a:solidFill>
+            <a:schemeClr val="bg1">
+              <a:lumMod val="85000"/>
+            </a:schemeClr>
+          </a:solidFill>
+        </p:spPr>
+        <p:txBody>
+          <a:bodyPr wrap="square" rtlCol="0">
+            <a:spAutoFit/>
+          </a:bodyPr>
+          <a:lstStyle/>
+          <a:p>
+            <a:r>
+              <a:rPr lang="en-US" dirty="0">
+                <a:latin typeface="Consolas" panose="020B0609020204030204" pitchFamily="49" charset="0"/>
+              </a:rPr>
+              <a:t>pixel = Pixel(3, 7, "green")</a:t>
+            </a:r>
+          </a:p>
+          <a:p>
+            <a:r>
+              <a:rPr lang="en-US" dirty="0" err="1">
+                <a:latin typeface="Consolas" panose="020B0609020204030204" pitchFamily="49" charset="0"/>
+              </a:rPr>
+              <a:t>println</a:t>
+            </a:r>
+            <a:r>
+              <a:rPr lang="en-US" dirty="0">
+                <a:latin typeface="Consolas" panose="020B0609020204030204" pitchFamily="49" charset="0"/>
+              </a:rPr>
+              <a:t>(</a:t>
+            </a:r>
+            <a:r>
+              <a:rPr lang="en-US" dirty="0" err="1">
+                <a:latin typeface="Consolas" panose="020B0609020204030204" pitchFamily="49" charset="0"/>
+              </a:rPr>
+              <a:t>get_color</a:t>
+            </a:r>
+            <a:r>
+              <a:rPr lang="en-US" dirty="0">
+                <a:latin typeface="Consolas" panose="020B0609020204030204" pitchFamily="49" charset="0"/>
+              </a:rPr>
+              <a:t>(pixel))</a:t>
+            </a:r>
+          </a:p>
+        </p:txBody>
+      </p:sp>
+      <p:sp>
+        <p:nvSpPr>
+          <p:cNvPr id="10" name="TextBox 9">
+            <a:extLst>
+              <a:ext uri="{FF2B5EF4-FFF2-40B4-BE49-F238E27FC236}">
+                <a16:creationId xmlns:a16="http://schemas.microsoft.com/office/drawing/2014/main" id="{CB50DF84-691C-4AF5-80B3-A788DA0005F1}"/>
+              </a:ext>
+            </a:extLst>
+          </p:cNvPr>
+          <p:cNvSpPr txBox="1"/>
+          <p:nvPr/>
+        </p:nvSpPr>
+        <p:spPr>
+          <a:xfrm>
+            <a:off x="7887286" y="4864395"/>
+            <a:ext cx="3933577" cy="646331"/>
+          </a:xfrm>
+          <a:prstGeom prst="rect">
+            <a:avLst/>
+          </a:prstGeom>
+          <a:solidFill>
+            <a:schemeClr val="bg1">
+              <a:lumMod val="85000"/>
+            </a:schemeClr>
+          </a:solidFill>
+        </p:spPr>
+        <p:txBody>
+          <a:bodyPr wrap="square" rtlCol="0">
+            <a:spAutoFit/>
+          </a:bodyPr>
+          <a:lstStyle/>
+          <a:p>
+            <a:r>
+              <a:rPr lang="en-US" dirty="0">
+                <a:latin typeface="Consolas" panose="020B0609020204030204" pitchFamily="49" charset="0"/>
+              </a:rPr>
+              <a:t>paint = Paint("red")</a:t>
+            </a:r>
+          </a:p>
+          <a:p>
+            <a:r>
+              <a:rPr lang="en-US" dirty="0" err="1">
+                <a:latin typeface="Consolas" panose="020B0609020204030204" pitchFamily="49" charset="0"/>
+              </a:rPr>
+              <a:t>println</a:t>
+            </a:r>
+            <a:r>
+              <a:rPr lang="en-US" dirty="0">
+                <a:latin typeface="Consolas" panose="020B0609020204030204" pitchFamily="49" charset="0"/>
+              </a:rPr>
+              <a:t>(</a:t>
+            </a:r>
+            <a:r>
+              <a:rPr lang="en-US" dirty="0" err="1">
+                <a:latin typeface="Consolas" panose="020B0609020204030204" pitchFamily="49" charset="0"/>
+              </a:rPr>
+              <a:t>get_color</a:t>
+            </a:r>
+            <a:r>
+              <a:rPr lang="en-US" dirty="0">
+                <a:latin typeface="Consolas" panose="020B0609020204030204" pitchFamily="49" charset="0"/>
+              </a:rPr>
+              <a:t>(paint))</a:t>
+            </a:r>
+          </a:p>
+        </p:txBody>
+      </p:sp>
+      <p:sp>
+        <p:nvSpPr>
+          <p:cNvPr id="11" name="TextBox 10">
+            <a:extLst>
+              <a:ext uri="{FF2B5EF4-FFF2-40B4-BE49-F238E27FC236}">
+                <a16:creationId xmlns:a16="http://schemas.microsoft.com/office/drawing/2014/main" id="{D624FB99-A394-4E68-9C80-4953F6B8634F}"/>
+              </a:ext>
+            </a:extLst>
+          </p:cNvPr>
+          <p:cNvSpPr txBox="1"/>
+          <p:nvPr/>
+        </p:nvSpPr>
+        <p:spPr>
+          <a:xfrm>
+            <a:off x="8878221" y="3020036"/>
+            <a:ext cx="723468" cy="369332"/>
+          </a:xfrm>
+          <a:prstGeom prst="rect">
+            <a:avLst/>
+          </a:prstGeom>
+          <a:solidFill>
+            <a:schemeClr val="tx1"/>
+          </a:solidFill>
+        </p:spPr>
+        <p:txBody>
+          <a:bodyPr wrap="none" rtlCol="0">
+            <a:spAutoFit/>
+          </a:bodyPr>
+          <a:lstStyle/>
+          <a:p>
+            <a:r>
+              <a:rPr lang="en-US" b="1" dirty="0">
+                <a:solidFill>
+                  <a:schemeClr val="bg1"/>
+                </a:solidFill>
+              </a:rPr>
+              <a:t>green</a:t>
+            </a:r>
+          </a:p>
+        </p:txBody>
+      </p:sp>
+      <p:sp>
+        <p:nvSpPr>
+          <p:cNvPr id="12" name="TextBox 11">
+            <a:extLst>
+              <a:ext uri="{FF2B5EF4-FFF2-40B4-BE49-F238E27FC236}">
+                <a16:creationId xmlns:a16="http://schemas.microsoft.com/office/drawing/2014/main" id="{B605E90D-6F89-4F2A-8673-71C2E81F4748}"/>
+              </a:ext>
+            </a:extLst>
+          </p:cNvPr>
+          <p:cNvSpPr txBox="1"/>
+          <p:nvPr/>
+        </p:nvSpPr>
+        <p:spPr>
+          <a:xfrm>
+            <a:off x="8881406" y="5578194"/>
+            <a:ext cx="502702" cy="369332"/>
+          </a:xfrm>
+          <a:prstGeom prst="rect">
+            <a:avLst/>
+          </a:prstGeom>
+          <a:solidFill>
+            <a:schemeClr val="tx1"/>
+          </a:solidFill>
+        </p:spPr>
+        <p:txBody>
+          <a:bodyPr wrap="none" rtlCol="0">
+            <a:spAutoFit/>
+          </a:bodyPr>
+          <a:lstStyle/>
+          <a:p>
+            <a:r>
+              <a:rPr lang="en-US" b="1" dirty="0">
+                <a:solidFill>
+                  <a:schemeClr val="bg1"/>
+                </a:solidFill>
+              </a:rPr>
+              <a:t>red</a:t>
+            </a:r>
+          </a:p>
+        </p:txBody>
+      </p:sp>
+      <p:sp>
+        <p:nvSpPr>
+          <p:cNvPr id="13" name="TextBox 12">
+            <a:extLst>
+              <a:ext uri="{FF2B5EF4-FFF2-40B4-BE49-F238E27FC236}">
+                <a16:creationId xmlns:a16="http://schemas.microsoft.com/office/drawing/2014/main" id="{F432A60F-5746-42D8-854B-80CC2CA27B26}"/>
+              </a:ext>
+            </a:extLst>
+          </p:cNvPr>
+          <p:cNvSpPr txBox="1"/>
+          <p:nvPr/>
+        </p:nvSpPr>
+        <p:spPr>
+          <a:xfrm>
+            <a:off x="7887286" y="3520566"/>
+            <a:ext cx="3933577" cy="646331"/>
+          </a:xfrm>
+          <a:prstGeom prst="rect">
+            <a:avLst/>
+          </a:prstGeom>
+          <a:solidFill>
+            <a:schemeClr val="bg1">
+              <a:lumMod val="85000"/>
+            </a:schemeClr>
+          </a:solidFill>
+        </p:spPr>
+        <p:txBody>
+          <a:bodyPr wrap="square" rtlCol="0">
+            <a:spAutoFit/>
+          </a:bodyPr>
+          <a:lstStyle/>
+          <a:p>
+            <a:r>
+              <a:rPr lang="en-US" dirty="0">
+                <a:latin typeface="Consolas" panose="020B0609020204030204" pitchFamily="49" charset="0"/>
+              </a:rPr>
+              <a:t>point = Point2D(3.1, 7.5)</a:t>
+            </a:r>
+          </a:p>
+          <a:p>
+            <a:r>
+              <a:rPr lang="en-US" dirty="0" err="1">
+                <a:latin typeface="Consolas" panose="020B0609020204030204" pitchFamily="49" charset="0"/>
+              </a:rPr>
+              <a:t>println</a:t>
+            </a:r>
+            <a:r>
+              <a:rPr lang="en-US" dirty="0">
+                <a:latin typeface="Consolas" panose="020B0609020204030204" pitchFamily="49" charset="0"/>
+              </a:rPr>
+              <a:t>(</a:t>
+            </a:r>
+            <a:r>
+              <a:rPr lang="en-US" dirty="0" err="1">
+                <a:latin typeface="Consolas" panose="020B0609020204030204" pitchFamily="49" charset="0"/>
+              </a:rPr>
+              <a:t>get_color</a:t>
+            </a:r>
+            <a:r>
+              <a:rPr lang="en-US" dirty="0">
+                <a:latin typeface="Consolas" panose="020B0609020204030204" pitchFamily="49" charset="0"/>
+              </a:rPr>
+              <a:t>(point))</a:t>
+            </a:r>
+          </a:p>
+        </p:txBody>
+      </p:sp>
+      <p:sp>
+        <p:nvSpPr>
+          <p:cNvPr id="14" name="TextBox 13">
+            <a:extLst>
+              <a:ext uri="{FF2B5EF4-FFF2-40B4-BE49-F238E27FC236}">
+                <a16:creationId xmlns:a16="http://schemas.microsoft.com/office/drawing/2014/main" id="{622A8210-5DC4-436F-9F07-5A1B35990A54}"/>
+              </a:ext>
+            </a:extLst>
+          </p:cNvPr>
+          <p:cNvSpPr txBox="1"/>
+          <p:nvPr/>
+        </p:nvSpPr>
+        <p:spPr>
+          <a:xfrm>
+            <a:off x="8878221" y="4242929"/>
+            <a:ext cx="2297488" cy="369332"/>
+          </a:xfrm>
+          <a:prstGeom prst="rect">
+            <a:avLst/>
+          </a:prstGeom>
+          <a:solidFill>
+            <a:schemeClr val="tx1"/>
+          </a:solidFill>
+        </p:spPr>
+        <p:txBody>
+          <a:bodyPr wrap="none" rtlCol="0">
+            <a:spAutoFit/>
+          </a:bodyPr>
+          <a:lstStyle/>
+          <a:p>
+            <a:r>
+              <a:rPr lang="en-US" b="1" dirty="0">
+                <a:solidFill>
+                  <a:srgbClr val="FF0000"/>
+                </a:solidFill>
+              </a:rPr>
+              <a:t>Point2D is not colored</a:t>
+            </a:r>
+          </a:p>
+        </p:txBody>
+      </p:sp>
+      <p:grpSp>
+        <p:nvGrpSpPr>
+          <p:cNvPr id="21" name="Group 20">
+            <a:extLst>
+              <a:ext uri="{FF2B5EF4-FFF2-40B4-BE49-F238E27FC236}">
+                <a16:creationId xmlns:a16="http://schemas.microsoft.com/office/drawing/2014/main" id="{879A3822-9708-44CE-AEC1-14E0D8E794FD}"/>
+              </a:ext>
+            </a:extLst>
+          </p:cNvPr>
+          <p:cNvGrpSpPr/>
+          <p:nvPr/>
+        </p:nvGrpSpPr>
+        <p:grpSpPr>
+          <a:xfrm>
+            <a:off x="154858" y="2557880"/>
+            <a:ext cx="1012361" cy="3020314"/>
+            <a:chOff x="154858" y="2557880"/>
+            <a:chExt cx="1012361" cy="3020314"/>
+          </a:xfrm>
+        </p:grpSpPr>
+        <p:cxnSp>
+          <p:nvCxnSpPr>
+            <p:cNvPr id="16" name="Connector: Elbow 15">
+              <a:extLst>
+                <a:ext uri="{FF2B5EF4-FFF2-40B4-BE49-F238E27FC236}">
+                  <a16:creationId xmlns:a16="http://schemas.microsoft.com/office/drawing/2014/main" id="{F893F298-DC95-4F88-8EB5-157C6297C4A1}"/>
+                </a:ext>
+              </a:extLst>
+            </p:cNvPr>
+            <p:cNvCxnSpPr>
+              <a:stCxn id="5" idx="1"/>
+              <a:endCxn id="7" idx="1"/>
+            </p:cNvCxnSpPr>
+            <p:nvPr/>
+          </p:nvCxnSpPr>
+          <p:spPr>
+            <a:xfrm rot="10800000" flipV="1">
+              <a:off x="1154519" y="2921936"/>
+              <a:ext cx="12700" cy="2404124"/>
+            </a:xfrm>
+            <a:prstGeom prst="bentConnector3">
+              <a:avLst>
+                <a:gd name="adj1" fmla="val 3296724"/>
+              </a:avLst>
+            </a:prstGeom>
+            <a:ln w="38100">
+              <a:solidFill>
+                <a:srgbClr val="FF0000"/>
+              </a:solidFill>
+              <a:headEnd type="stealth" w="lg" len="lg"/>
+              <a:tailEnd type="stealth" w="lg" len="lg"/>
+            </a:ln>
+          </p:spPr>
+          <p:style>
+            <a:lnRef idx="1">
+              <a:schemeClr val="accent1"/>
+            </a:lnRef>
+            <a:fillRef idx="0">
+              <a:schemeClr val="accent1"/>
+            </a:fillRef>
+            <a:effectRef idx="0">
+              <a:schemeClr val="accent1"/>
+            </a:effectRef>
+            <a:fontRef idx="minor">
+              <a:schemeClr val="tx1"/>
+            </a:fontRef>
+          </p:style>
+        </p:cxnSp>
+        <p:sp>
+          <p:nvSpPr>
+            <p:cNvPr id="20" name="TextBox 19">
+              <a:extLst>
+                <a:ext uri="{FF2B5EF4-FFF2-40B4-BE49-F238E27FC236}">
+                  <a16:creationId xmlns:a16="http://schemas.microsoft.com/office/drawing/2014/main" id="{C67967E0-EA27-47CC-B920-95AC73896BAB}"/>
+                </a:ext>
+              </a:extLst>
+            </p:cNvPr>
+            <p:cNvSpPr txBox="1"/>
+            <p:nvPr/>
+          </p:nvSpPr>
+          <p:spPr>
+            <a:xfrm rot="16200000">
+              <a:off x="-1093689" y="3806427"/>
+              <a:ext cx="3020314" cy="523220"/>
+            </a:xfrm>
+            <a:prstGeom prst="rect">
+              <a:avLst/>
+            </a:prstGeom>
+            <a:noFill/>
+            <a:ln>
+              <a:solidFill>
+                <a:srgbClr val="FF0000"/>
+              </a:solidFill>
+            </a:ln>
+          </p:spPr>
+          <p:txBody>
+            <a:bodyPr wrap="none" rtlCol="0">
+              <a:spAutoFit/>
+            </a:bodyPr>
+            <a:lstStyle/>
+            <a:p>
+              <a:r>
+                <a:rPr lang="en-US" sz="2800" dirty="0">
+                  <a:solidFill>
+                    <a:srgbClr val="FF0000"/>
+                  </a:solidFill>
+                </a:rPr>
+                <a:t>Not in type relation</a:t>
+              </a:r>
+            </a:p>
+          </p:txBody>
+        </p:sp>
+      </p:grpSp>
+      <p:grpSp>
+        <p:nvGrpSpPr>
+          <p:cNvPr id="22" name="Group 21">
+            <a:extLst>
+              <a:ext uri="{FF2B5EF4-FFF2-40B4-BE49-F238E27FC236}">
+                <a16:creationId xmlns:a16="http://schemas.microsoft.com/office/drawing/2014/main" id="{E419ADEC-3664-47BD-A448-FDDFB4A87F5F}"/>
+              </a:ext>
+            </a:extLst>
+          </p:cNvPr>
+          <p:cNvGrpSpPr/>
+          <p:nvPr/>
+        </p:nvGrpSpPr>
+        <p:grpSpPr>
+          <a:xfrm>
+            <a:off x="6352603" y="3953942"/>
+            <a:ext cx="1017612" cy="2287247"/>
+            <a:chOff x="-5264" y="3005406"/>
+            <a:chExt cx="1017612" cy="2287247"/>
+          </a:xfrm>
+        </p:grpSpPr>
+        <p:cxnSp>
+          <p:nvCxnSpPr>
+            <p:cNvPr id="23" name="Connector: Elbow 22">
+              <a:extLst>
+                <a:ext uri="{FF2B5EF4-FFF2-40B4-BE49-F238E27FC236}">
+                  <a16:creationId xmlns:a16="http://schemas.microsoft.com/office/drawing/2014/main" id="{7A3A0939-B0BB-4FC5-AB02-A8AC2BAB204F}"/>
+                </a:ext>
+              </a:extLst>
+            </p:cNvPr>
+            <p:cNvCxnSpPr>
+              <a:cxnSpLocks/>
+              <a:stCxn id="6" idx="3"/>
+              <a:endCxn id="8" idx="3"/>
+            </p:cNvCxnSpPr>
+            <p:nvPr/>
+          </p:nvCxnSpPr>
+          <p:spPr>
+            <a:xfrm>
+              <a:off x="-5264" y="3005406"/>
+              <a:ext cx="12700" cy="2287247"/>
+            </a:xfrm>
+            <a:prstGeom prst="bentConnector3">
+              <a:avLst>
+                <a:gd name="adj1" fmla="val 3255315"/>
+              </a:avLst>
+            </a:prstGeom>
+            <a:ln w="38100">
+              <a:solidFill>
+                <a:srgbClr val="00B050"/>
+              </a:solidFill>
+              <a:headEnd type="stealth" w="lg" len="lg"/>
+              <a:tailEnd type="stealth" w="lg" len="lg"/>
+            </a:ln>
+          </p:spPr>
+          <p:style>
+            <a:lnRef idx="1">
+              <a:schemeClr val="accent1"/>
+            </a:lnRef>
+            <a:fillRef idx="0">
+              <a:schemeClr val="accent1"/>
+            </a:fillRef>
+            <a:effectRef idx="0">
+              <a:schemeClr val="accent1"/>
+            </a:effectRef>
+            <a:fontRef idx="minor">
+              <a:schemeClr val="tx1"/>
+            </a:fontRef>
+          </p:style>
+        </p:cxnSp>
+        <p:sp>
+          <p:nvSpPr>
+            <p:cNvPr id="24" name="TextBox 23">
+              <a:extLst>
+                <a:ext uri="{FF2B5EF4-FFF2-40B4-BE49-F238E27FC236}">
+                  <a16:creationId xmlns:a16="http://schemas.microsoft.com/office/drawing/2014/main" id="{F870A401-3AA5-4E46-ACEF-DC3ADB6B603E}"/>
+                </a:ext>
+              </a:extLst>
+            </p:cNvPr>
+            <p:cNvSpPr txBox="1"/>
+            <p:nvPr/>
+          </p:nvSpPr>
+          <p:spPr>
+            <a:xfrm rot="16200000">
+              <a:off x="-100169" y="3887418"/>
+              <a:ext cx="1701813" cy="523220"/>
+            </a:xfrm>
+            <a:prstGeom prst="rect">
+              <a:avLst/>
+            </a:prstGeom>
+            <a:noFill/>
+            <a:ln>
+              <a:solidFill>
+                <a:srgbClr val="00B050"/>
+              </a:solidFill>
+            </a:ln>
+          </p:spPr>
+          <p:txBody>
+            <a:bodyPr wrap="none" rtlCol="0">
+              <a:spAutoFit/>
+            </a:bodyPr>
+            <a:lstStyle/>
+            <a:p>
+              <a:r>
+                <a:rPr lang="en-US" sz="2800" dirty="0">
+                  <a:solidFill>
+                    <a:srgbClr val="00B050"/>
+                  </a:solidFill>
+                </a:rPr>
+                <a:t>Share trait</a:t>
+              </a:r>
+            </a:p>
+          </p:txBody>
+        </p:sp>
+      </p:grpSp>
+    </p:spTree>
+    <p:extLst>
+      <p:ext uri="{BB962C8B-B14F-4D97-AF65-F5344CB8AC3E}">
+        <p14:creationId xmlns:p14="http://schemas.microsoft.com/office/powerpoint/2010/main" val="1925560802"/>
+      </p:ext>
+    </p:extLst>
+  </p:cSld>
+  <p:clrMapOvr>
+    <a:masterClrMapping/>
+  </p:clrMapOvr>
+</p:sld>
+</file>
+
+<file path=ppt/slides/slide17.xml><?xml version="1.0" encoding="utf-8"?>
+<p:sld xmlns:a="http://schemas.openxmlformats.org/drawingml/2006/main" xmlns:r="http://schemas.openxmlformats.org/officeDocument/2006/relationships" xmlns:p="http://schemas.openxmlformats.org/presentationml/2006/main">
+  <p:cSld>
+    <p:spTree>
+      <p:nvGrpSpPr>
+        <p:cNvPr id="1" name=""/>
+        <p:cNvGrpSpPr/>
+        <p:nvPr/>
+      </p:nvGrpSpPr>
+      <p:grpSpPr>
+        <a:xfrm>
+          <a:off x="0" y="0"/>
+          <a:ext cx="0" cy="0"/>
+          <a:chOff x="0" y="0"/>
+          <a:chExt cx="0" cy="0"/>
+        </a:xfrm>
+      </p:grpSpPr>
+      <p:sp>
+        <p:nvSpPr>
+          <p:cNvPr id="2" name="Title 1">
+            <a:extLst>
+              <a:ext uri="{FF2B5EF4-FFF2-40B4-BE49-F238E27FC236}">
                 <a16:creationId xmlns:a16="http://schemas.microsoft.com/office/drawing/2014/main" id="{5996CC12-00C7-483E-8CFF-7965D13CF81D}"/>
               </a:ext>
             </a:extLst>
@@ -4839,6 +7793,35 @@
           <a:bodyPr/>
           <a:lstStyle/>
           <a:p>
+            <a:endParaRPr lang="en-US"/>
+          </a:p>
+        </p:txBody>
+      </p:sp>
+      <p:sp>
+        <p:nvSpPr>
+          <p:cNvPr id="4" name="Slide Number Placeholder 3">
+            <a:extLst>
+              <a:ext uri="{FF2B5EF4-FFF2-40B4-BE49-F238E27FC236}">
+                <a16:creationId xmlns:a16="http://schemas.microsoft.com/office/drawing/2014/main" id="{D4FDC261-61BA-4399-84EE-BBD1B46F99D2}"/>
+              </a:ext>
+            </a:extLst>
+          </p:cNvPr>
+          <p:cNvSpPr>
+            <a:spLocks noGrp="1"/>
+          </p:cNvSpPr>
+          <p:nvPr>
+            <p:ph type="sldNum" sz="quarter" idx="12"/>
+          </p:nvPr>
+        </p:nvSpPr>
+        <p:spPr/>
+        <p:txBody>
+          <a:bodyPr/>
+          <a:lstStyle/>
+          <a:p>
+            <a:fld id="{78F7A1EC-23D1-431D-8C93-9C4ED5D4A04D}" type="slidenum">
+              <a:rPr lang="en-US" smtClean="0"/>
+              <a:t>17</a:t>
+            </a:fld>
             <a:endParaRPr lang="en-US"/>
           </a:p>
         </p:txBody>
@@ -4980,6 +7963,35 @@
           </a:p>
         </p:txBody>
       </p:sp>
+      <p:sp>
+        <p:nvSpPr>
+          <p:cNvPr id="4" name="Slide Number Placeholder 3">
+            <a:extLst>
+              <a:ext uri="{FF2B5EF4-FFF2-40B4-BE49-F238E27FC236}">
+                <a16:creationId xmlns:a16="http://schemas.microsoft.com/office/drawing/2014/main" id="{67D8F1E2-BDF5-4404-BC92-E91371642E7C}"/>
+              </a:ext>
+            </a:extLst>
+          </p:cNvPr>
+          <p:cNvSpPr>
+            <a:spLocks noGrp="1"/>
+          </p:cNvSpPr>
+          <p:nvPr>
+            <p:ph type="sldNum" sz="quarter" idx="12"/>
+          </p:nvPr>
+        </p:nvSpPr>
+        <p:spPr/>
+        <p:txBody>
+          <a:bodyPr/>
+          <a:lstStyle/>
+          <a:p>
+            <a:fld id="{78F7A1EC-23D1-431D-8C93-9C4ED5D4A04D}" type="slidenum">
+              <a:rPr lang="en-US" smtClean="0"/>
+              <a:t>2</a:t>
+            </a:fld>
+            <a:endParaRPr lang="en-US"/>
+          </a:p>
+        </p:txBody>
+      </p:sp>
     </p:spTree>
     <p:extLst>
       <p:ext uri="{BB962C8B-B14F-4D97-AF65-F5344CB8AC3E}">
@@ -5063,6 +8075,35 @@
           </a:p>
         </p:txBody>
       </p:sp>
+      <p:sp>
+        <p:nvSpPr>
+          <p:cNvPr id="4" name="Slide Number Placeholder 3">
+            <a:extLst>
+              <a:ext uri="{FF2B5EF4-FFF2-40B4-BE49-F238E27FC236}">
+                <a16:creationId xmlns:a16="http://schemas.microsoft.com/office/drawing/2014/main" id="{AE1A160F-B4E1-4A14-A961-1D4AD6211244}"/>
+              </a:ext>
+            </a:extLst>
+          </p:cNvPr>
+          <p:cNvSpPr>
+            <a:spLocks noGrp="1"/>
+          </p:cNvSpPr>
+          <p:nvPr>
+            <p:ph type="sldNum" sz="quarter" idx="12"/>
+          </p:nvPr>
+        </p:nvSpPr>
+        <p:spPr/>
+        <p:txBody>
+          <a:bodyPr/>
+          <a:lstStyle/>
+          <a:p>
+            <a:fld id="{78F7A1EC-23D1-431D-8C93-9C4ED5D4A04D}" type="slidenum">
+              <a:rPr lang="en-US" smtClean="0"/>
+              <a:t>3</a:t>
+            </a:fld>
+            <a:endParaRPr lang="en-US"/>
+          </a:p>
+        </p:txBody>
+      </p:sp>
     </p:spTree>
     <p:extLst>
       <p:ext uri="{BB962C8B-B14F-4D97-AF65-F5344CB8AC3E}">
@@ -5146,6 +8187,35 @@
           </a:p>
         </p:txBody>
       </p:sp>
+      <p:sp>
+        <p:nvSpPr>
+          <p:cNvPr id="4" name="Slide Number Placeholder 3">
+            <a:extLst>
+              <a:ext uri="{FF2B5EF4-FFF2-40B4-BE49-F238E27FC236}">
+                <a16:creationId xmlns:a16="http://schemas.microsoft.com/office/drawing/2014/main" id="{FF3B91FC-66AE-49F0-8B3D-335EAC8719A1}"/>
+              </a:ext>
+            </a:extLst>
+          </p:cNvPr>
+          <p:cNvSpPr>
+            <a:spLocks noGrp="1"/>
+          </p:cNvSpPr>
+          <p:nvPr>
+            <p:ph type="sldNum" sz="quarter" idx="12"/>
+          </p:nvPr>
+        </p:nvSpPr>
+        <p:spPr/>
+        <p:txBody>
+          <a:bodyPr/>
+          <a:lstStyle/>
+          <a:p>
+            <a:fld id="{78F7A1EC-23D1-431D-8C93-9C4ED5D4A04D}" type="slidenum">
+              <a:rPr lang="en-US" smtClean="0"/>
+              <a:t>4</a:t>
+            </a:fld>
+            <a:endParaRPr lang="en-US"/>
+          </a:p>
+        </p:txBody>
+      </p:sp>
     </p:spTree>
     <p:extLst>
       <p:ext uri="{BB962C8B-B14F-4D97-AF65-F5344CB8AC3E}">
@@ -5388,6 +8458,35 @@
           </a:p>
         </p:txBody>
       </p:sp>
+      <p:sp>
+        <p:nvSpPr>
+          <p:cNvPr id="3" name="Slide Number Placeholder 2">
+            <a:extLst>
+              <a:ext uri="{FF2B5EF4-FFF2-40B4-BE49-F238E27FC236}">
+                <a16:creationId xmlns:a16="http://schemas.microsoft.com/office/drawing/2014/main" id="{2E385944-C97A-4BDE-8549-28EC99A9934D}"/>
+              </a:ext>
+            </a:extLst>
+          </p:cNvPr>
+          <p:cNvSpPr>
+            <a:spLocks noGrp="1"/>
+          </p:cNvSpPr>
+          <p:nvPr>
+            <p:ph type="sldNum" sz="quarter" idx="12"/>
+          </p:nvPr>
+        </p:nvSpPr>
+        <p:spPr/>
+        <p:txBody>
+          <a:bodyPr/>
+          <a:lstStyle/>
+          <a:p>
+            <a:fld id="{78F7A1EC-23D1-431D-8C93-9C4ED5D4A04D}" type="slidenum">
+              <a:rPr lang="en-US" smtClean="0"/>
+              <a:t>5</a:t>
+            </a:fld>
+            <a:endParaRPr lang="en-US"/>
+          </a:p>
+        </p:txBody>
+      </p:sp>
     </p:spTree>
     <p:extLst>
       <p:ext uri="{BB962C8B-B14F-4D97-AF65-F5344CB8AC3E}">
@@ -5820,6 +8919,35 @@
           </a:p>
         </p:txBody>
       </p:sp>
+      <p:sp>
+        <p:nvSpPr>
+          <p:cNvPr id="8" name="Slide Number Placeholder 7">
+            <a:extLst>
+              <a:ext uri="{FF2B5EF4-FFF2-40B4-BE49-F238E27FC236}">
+                <a16:creationId xmlns:a16="http://schemas.microsoft.com/office/drawing/2014/main" id="{6C13E8F8-AF99-45AD-BAA4-C60CA830704C}"/>
+              </a:ext>
+            </a:extLst>
+          </p:cNvPr>
+          <p:cNvSpPr>
+            <a:spLocks noGrp="1"/>
+          </p:cNvSpPr>
+          <p:nvPr>
+            <p:ph type="sldNum" sz="quarter" idx="12"/>
+          </p:nvPr>
+        </p:nvSpPr>
+        <p:spPr/>
+        <p:txBody>
+          <a:bodyPr/>
+          <a:lstStyle/>
+          <a:p>
+            <a:fld id="{78F7A1EC-23D1-431D-8C93-9C4ED5D4A04D}" type="slidenum">
+              <a:rPr lang="en-US" smtClean="0"/>
+              <a:t>6</a:t>
+            </a:fld>
+            <a:endParaRPr lang="en-US"/>
+          </a:p>
+        </p:txBody>
+      </p:sp>
     </p:spTree>
     <p:extLst>
       <p:ext uri="{BB962C8B-B14F-4D97-AF65-F5344CB8AC3E}">
@@ -5988,6 +9116,35 @@
           </a:p>
         </p:txBody>
       </p:sp>
+      <p:sp>
+        <p:nvSpPr>
+          <p:cNvPr id="4" name="Slide Number Placeholder 3">
+            <a:extLst>
+              <a:ext uri="{FF2B5EF4-FFF2-40B4-BE49-F238E27FC236}">
+                <a16:creationId xmlns:a16="http://schemas.microsoft.com/office/drawing/2014/main" id="{13CFE5D9-8BB6-40ED-A900-507525122503}"/>
+              </a:ext>
+            </a:extLst>
+          </p:cNvPr>
+          <p:cNvSpPr>
+            <a:spLocks noGrp="1"/>
+          </p:cNvSpPr>
+          <p:nvPr>
+            <p:ph type="sldNum" sz="quarter" idx="12"/>
+          </p:nvPr>
+        </p:nvSpPr>
+        <p:spPr/>
+        <p:txBody>
+          <a:bodyPr/>
+          <a:lstStyle/>
+          <a:p>
+            <a:fld id="{78F7A1EC-23D1-431D-8C93-9C4ED5D4A04D}" type="slidenum">
+              <a:rPr lang="en-US" smtClean="0"/>
+              <a:t>7</a:t>
+            </a:fld>
+            <a:endParaRPr lang="en-US"/>
+          </a:p>
+        </p:txBody>
+      </p:sp>
     </p:spTree>
     <p:extLst>
       <p:ext uri="{BB962C8B-B14F-4D97-AF65-F5344CB8AC3E}">
@@ -6448,6 +9605,35 @@
           </a:p>
         </p:txBody>
       </p:sp>
+      <p:sp>
+        <p:nvSpPr>
+          <p:cNvPr id="10" name="Slide Number Placeholder 9">
+            <a:extLst>
+              <a:ext uri="{FF2B5EF4-FFF2-40B4-BE49-F238E27FC236}">
+                <a16:creationId xmlns:a16="http://schemas.microsoft.com/office/drawing/2014/main" id="{B7E1F6A2-C7AD-48A4-BF81-4D16E6865C99}"/>
+              </a:ext>
+            </a:extLst>
+          </p:cNvPr>
+          <p:cNvSpPr>
+            <a:spLocks noGrp="1"/>
+          </p:cNvSpPr>
+          <p:nvPr>
+            <p:ph type="sldNum" sz="quarter" idx="12"/>
+          </p:nvPr>
+        </p:nvSpPr>
+        <p:spPr/>
+        <p:txBody>
+          <a:bodyPr/>
+          <a:lstStyle/>
+          <a:p>
+            <a:fld id="{78F7A1EC-23D1-431D-8C93-9C4ED5D4A04D}" type="slidenum">
+              <a:rPr lang="en-US" smtClean="0"/>
+              <a:t>8</a:t>
+            </a:fld>
+            <a:endParaRPr lang="en-US"/>
+          </a:p>
+        </p:txBody>
+      </p:sp>
     </p:spTree>
     <p:extLst>
       <p:ext uri="{BB962C8B-B14F-4D97-AF65-F5344CB8AC3E}">
@@ -6527,6 +9713,35 @@
           <a:bodyPr/>
           <a:lstStyle/>
           <a:p>
+            <a:endParaRPr lang="en-US"/>
+          </a:p>
+        </p:txBody>
+      </p:sp>
+      <p:sp>
+        <p:nvSpPr>
+          <p:cNvPr id="4" name="Slide Number Placeholder 3">
+            <a:extLst>
+              <a:ext uri="{FF2B5EF4-FFF2-40B4-BE49-F238E27FC236}">
+                <a16:creationId xmlns:a16="http://schemas.microsoft.com/office/drawing/2014/main" id="{14CAC51D-39BD-4BAC-8555-31C8CF0E14DB}"/>
+              </a:ext>
+            </a:extLst>
+          </p:cNvPr>
+          <p:cNvSpPr>
+            <a:spLocks noGrp="1"/>
+          </p:cNvSpPr>
+          <p:nvPr>
+            <p:ph type="sldNum" sz="quarter" idx="12"/>
+          </p:nvPr>
+        </p:nvSpPr>
+        <p:spPr/>
+        <p:txBody>
+          <a:bodyPr/>
+          <a:lstStyle/>
+          <a:p>
+            <a:fld id="{78F7A1EC-23D1-431D-8C93-9C4ED5D4A04D}" type="slidenum">
+              <a:rPr lang="en-US" smtClean="0"/>
+              <a:t>9</a:t>
+            </a:fld>
             <a:endParaRPr lang="en-US"/>
           </a:p>
         </p:txBody>
@@ -6837,4 +10052,299 @@
     </a:ext>
   </a:extLst>
 </a:theme>
+</file>
+
+<file path=ppt/theme/theme2.xml><?xml version="1.0" encoding="utf-8"?>
+<a:theme xmlns:a="http://schemas.openxmlformats.org/drawingml/2006/main" name="Office Theme">
+  <a:themeElements>
+    <a:clrScheme name="Office">
+      <a:dk1>
+        <a:sysClr val="windowText" lastClr="000000"/>
+      </a:dk1>
+      <a:lt1>
+        <a:sysClr val="window" lastClr="FFFFFF"/>
+      </a:lt1>
+      <a:dk2>
+        <a:srgbClr val="44546A"/>
+      </a:dk2>
+      <a:lt2>
+        <a:srgbClr val="E7E6E6"/>
+      </a:lt2>
+      <a:accent1>
+        <a:srgbClr val="4472C4"/>
+      </a:accent1>
+      <a:accent2>
+        <a:srgbClr val="ED7D31"/>
+      </a:accent2>
+      <a:accent3>
+        <a:srgbClr val="A5A5A5"/>
+      </a:accent3>
+      <a:accent4>
+        <a:srgbClr val="FFC000"/>
+      </a:accent4>
+      <a:accent5>
+        <a:srgbClr val="5B9BD5"/>
+      </a:accent5>
+      <a:accent6>
+        <a:srgbClr val="70AD47"/>
+      </a:accent6>
+      <a:hlink>
+        <a:srgbClr val="0563C1"/>
+      </a:hlink>
+      <a:folHlink>
+        <a:srgbClr val="954F72"/>
+      </a:folHlink>
+    </a:clrScheme>
+    <a:fontScheme name="Office">
+      <a:majorFont>
+        <a:latin typeface="Calibri Light" panose="020F0302020204030204"/>
+        <a:ea typeface=""/>
+        <a:cs typeface=""/>
+        <a:font script="Jpan" typeface="游ゴシック Light"/>
+        <a:font script="Hang" typeface="맑은 고딕"/>
+        <a:font script="Hans" typeface="等线 Light"/>
+        <a:font script="Hant" typeface="新細明體"/>
+        <a:font script="Arab" typeface="Times New Roman"/>
+        <a:font script="Hebr" typeface="Times New Roman"/>
+        <a:font script="Thai" typeface="Angsana New"/>
+        <a:font script="Ethi" typeface="Nyala"/>
+        <a:font script="Beng" typeface="Vrinda"/>
+        <a:font script="Gujr" typeface="Shruti"/>
+        <a:font script="Khmr" typeface="MoolBoran"/>
+        <a:font script="Knda" typeface="Tunga"/>
+        <a:font script="Guru" typeface="Raavi"/>
+        <a:font script="Cans" typeface="Euphemia"/>
+        <a:font script="Cher" typeface="Plantagenet Cherokee"/>
+        <a:font script="Yiii" typeface="Microsoft Yi Baiti"/>
+        <a:font script="Tibt" typeface="Microsoft Himalaya"/>
+        <a:font script="Thaa" typeface="MV Boli"/>
+        <a:font script="Deva" typeface="Mangal"/>
+        <a:font script="Telu" typeface="Gautami"/>
+        <a:font script="Taml" typeface="Latha"/>
+        <a:font script="Syrc" typeface="Estrangelo Edessa"/>
+        <a:font script="Orya" typeface="Kalinga"/>
+        <a:font script="Mlym" typeface="Kartika"/>
+        <a:font script="Laoo" typeface="DokChampa"/>
+        <a:font script="Sinh" typeface="Iskoola Pota"/>
+        <a:font script="Mong" typeface="Mongolian Baiti"/>
+        <a:font script="Viet" typeface="Times New Roman"/>
+        <a:font script="Uigh" typeface="Microsoft Uighur"/>
+        <a:font script="Geor" typeface="Sylfaen"/>
+        <a:font script="Armn" typeface="Arial"/>
+        <a:font script="Bugi" typeface="Leelawadee UI"/>
+        <a:font script="Bopo" typeface="Microsoft JhengHei"/>
+        <a:font script="Java" typeface="Javanese Text"/>
+        <a:font script="Lisu" typeface="Segoe UI"/>
+        <a:font script="Mymr" typeface="Myanmar Text"/>
+        <a:font script="Nkoo" typeface="Ebrima"/>
+        <a:font script="Olck" typeface="Nirmala UI"/>
+        <a:font script="Osma" typeface="Ebrima"/>
+        <a:font script="Phag" typeface="Phagspa"/>
+        <a:font script="Syrn" typeface="Estrangelo Edessa"/>
+        <a:font script="Syrj" typeface="Estrangelo Edessa"/>
+        <a:font script="Syre" typeface="Estrangelo Edessa"/>
+        <a:font script="Sora" typeface="Nirmala UI"/>
+        <a:font script="Tale" typeface="Microsoft Tai Le"/>
+        <a:font script="Talu" typeface="Microsoft New Tai Lue"/>
+        <a:font script="Tfng" typeface="Ebrima"/>
+      </a:majorFont>
+      <a:minorFont>
+        <a:latin typeface="Calibri" panose="020F0502020204030204"/>
+        <a:ea typeface=""/>
+        <a:cs typeface=""/>
+        <a:font script="Jpan" typeface="游ゴシック"/>
+        <a:font script="Hang" typeface="맑은 고딕"/>
+        <a:font script="Hans" typeface="等线"/>
+        <a:font script="Hant" typeface="新細明體"/>
+        <a:font script="Arab" typeface="Arial"/>
+        <a:font script="Hebr" typeface="Arial"/>
+        <a:font script="Thai" typeface="Cordia New"/>
+        <a:font script="Ethi" typeface="Nyala"/>
+        <a:font script="Beng" typeface="Vrinda"/>
+        <a:font script="Gujr" typeface="Shruti"/>
+        <a:font script="Khmr" typeface="DaunPenh"/>
+        <a:font script="Knda" typeface="Tunga"/>
+        <a:font script="Guru" typeface="Raavi"/>
+        <a:font script="Cans" typeface="Euphemia"/>
+        <a:font script="Cher" typeface="Plantagenet Cherokee"/>
+        <a:font script="Yiii" typeface="Microsoft Yi Baiti"/>
+        <a:font script="Tibt" typeface="Microsoft Himalaya"/>
+        <a:font script="Thaa" typeface="MV Boli"/>
+        <a:font script="Deva" typeface="Mangal"/>
+        <a:font script="Telu" typeface="Gautami"/>
+        <a:font script="Taml" typeface="Latha"/>
+        <a:font script="Syrc" typeface="Estrangelo Edessa"/>
+        <a:font script="Orya" typeface="Kalinga"/>
+        <a:font script="Mlym" typeface="Kartika"/>
+        <a:font script="Laoo" typeface="DokChampa"/>
+        <a:font script="Sinh" typeface="Iskoola Pota"/>
+        <a:font script="Mong" typeface="Mongolian Baiti"/>
+        <a:font script="Viet" typeface="Arial"/>
+        <a:font script="Uigh" typeface="Microsoft Uighur"/>
+        <a:font script="Geor" typeface="Sylfaen"/>
+        <a:font script="Armn" typeface="Arial"/>
+        <a:font script="Bugi" typeface="Leelawadee UI"/>
+        <a:font script="Bopo" typeface="Microsoft JhengHei"/>
+        <a:font script="Java" typeface="Javanese Text"/>
+        <a:font script="Lisu" typeface="Segoe UI"/>
+        <a:font script="Mymr" typeface="Myanmar Text"/>
+        <a:font script="Nkoo" typeface="Ebrima"/>
+        <a:font script="Olck" typeface="Nirmala UI"/>
+        <a:font script="Osma" typeface="Ebrima"/>
+        <a:font script="Phag" typeface="Phagspa"/>
+        <a:font script="Syrn" typeface="Estrangelo Edessa"/>
+        <a:font script="Syrj" typeface="Estrangelo Edessa"/>
+        <a:font script="Syre" typeface="Estrangelo Edessa"/>
+        <a:font script="Sora" typeface="Nirmala UI"/>
+        <a:font script="Tale" typeface="Microsoft Tai Le"/>
+        <a:font script="Talu" typeface="Microsoft New Tai Lue"/>
+        <a:font script="Tfng" typeface="Ebrima"/>
+      </a:minorFont>
+    </a:fontScheme>
+    <a:fmtScheme name="Office">
+      <a:fillStyleLst>
+        <a:solidFill>
+          <a:schemeClr val="phClr"/>
+        </a:solidFill>
+        <a:gradFill rotWithShape="1">
+          <a:gsLst>
+            <a:gs pos="0">
+              <a:schemeClr val="phClr">
+                <a:lumMod val="110000"/>
+                <a:satMod val="105000"/>
+                <a:tint val="67000"/>
+              </a:schemeClr>
+            </a:gs>
+            <a:gs pos="50000">
+              <a:schemeClr val="phClr">
+                <a:lumMod val="105000"/>
+                <a:satMod val="103000"/>
+                <a:tint val="73000"/>
+              </a:schemeClr>
+            </a:gs>
+            <a:gs pos="100000">
+              <a:schemeClr val="phClr">
+                <a:lumMod val="105000"/>
+                <a:satMod val="109000"/>
+                <a:tint val="81000"/>
+              </a:schemeClr>
+            </a:gs>
+          </a:gsLst>
+          <a:lin ang="5400000" scaled="0"/>
+        </a:gradFill>
+        <a:gradFill rotWithShape="1">
+          <a:gsLst>
+            <a:gs pos="0">
+              <a:schemeClr val="phClr">
+                <a:satMod val="103000"/>
+                <a:lumMod val="102000"/>
+                <a:tint val="94000"/>
+              </a:schemeClr>
+            </a:gs>
+            <a:gs pos="50000">
+              <a:schemeClr val="phClr">
+                <a:satMod val="110000"/>
+                <a:lumMod val="100000"/>
+                <a:shade val="100000"/>
+              </a:schemeClr>
+            </a:gs>
+            <a:gs pos="100000">
+              <a:schemeClr val="phClr">
+                <a:lumMod val="99000"/>
+                <a:satMod val="120000"/>
+                <a:shade val="78000"/>
+              </a:schemeClr>
+            </a:gs>
+          </a:gsLst>
+          <a:lin ang="5400000" scaled="0"/>
+        </a:gradFill>
+      </a:fillStyleLst>
+      <a:lnStyleLst>
+        <a:ln w="6350" cap="flat" cmpd="sng" algn="ctr">
+          <a:solidFill>
+            <a:schemeClr val="phClr"/>
+          </a:solidFill>
+          <a:prstDash val="solid"/>
+          <a:miter lim="800000"/>
+        </a:ln>
+        <a:ln w="12700" cap="flat" cmpd="sng" algn="ctr">
+          <a:solidFill>
+            <a:schemeClr val="phClr"/>
+          </a:solidFill>
+          <a:prstDash val="solid"/>
+          <a:miter lim="800000"/>
+        </a:ln>
+        <a:ln w="19050" cap="flat" cmpd="sng" algn="ctr">
+          <a:solidFill>
+            <a:schemeClr val="phClr"/>
+          </a:solidFill>
+          <a:prstDash val="solid"/>
+          <a:miter lim="800000"/>
+        </a:ln>
+      </a:lnStyleLst>
+      <a:effectStyleLst>
+        <a:effectStyle>
+          <a:effectLst/>
+        </a:effectStyle>
+        <a:effectStyle>
+          <a:effectLst/>
+        </a:effectStyle>
+        <a:effectStyle>
+          <a:effectLst>
+            <a:outerShdw blurRad="57150" dist="19050" dir="5400000" algn="ctr" rotWithShape="0">
+              <a:srgbClr val="000000">
+                <a:alpha val="63000"/>
+              </a:srgbClr>
+            </a:outerShdw>
+          </a:effectLst>
+        </a:effectStyle>
+      </a:effectStyleLst>
+      <a:bgFillStyleLst>
+        <a:solidFill>
+          <a:schemeClr val="phClr"/>
+        </a:solidFill>
+        <a:solidFill>
+          <a:schemeClr val="phClr">
+            <a:tint val="95000"/>
+            <a:satMod val="170000"/>
+          </a:schemeClr>
+        </a:solidFill>
+        <a:gradFill rotWithShape="1">
+          <a:gsLst>
+            <a:gs pos="0">
+              <a:schemeClr val="phClr">
+                <a:tint val="93000"/>
+                <a:satMod val="150000"/>
+                <a:shade val="98000"/>
+                <a:lumMod val="102000"/>
+              </a:schemeClr>
+            </a:gs>
+            <a:gs pos="50000">
+              <a:schemeClr val="phClr">
+                <a:tint val="98000"/>
+                <a:satMod val="130000"/>
+                <a:shade val="90000"/>
+                <a:lumMod val="103000"/>
+              </a:schemeClr>
+            </a:gs>
+            <a:gs pos="100000">
+              <a:schemeClr val="phClr">
+                <a:shade val="63000"/>
+                <a:satMod val="120000"/>
+              </a:schemeClr>
+            </a:gs>
+          </a:gsLst>
+          <a:lin ang="5400000" scaled="0"/>
+        </a:gradFill>
+      </a:bgFillStyleLst>
+    </a:fmtScheme>
+  </a:themeElements>
+  <a:objectDefaults/>
+  <a:extraClrSchemeLst/>
+  <a:extLst>
+    <a:ext uri="{05A4C25C-085E-4340-85A3-A5531E510DB2}">
+      <thm15:themeFamily xmlns:thm15="http://schemas.microsoft.com/office/thememl/2012/main" name="Office Theme" id="{62F939B6-93AF-4DB8-9C6B-D6C7DFDC589F}" vid="{4A3C46E8-61CC-4603-A589-7422A47A8E4A}"/>
+    </a:ext>
+  </a:extLst>
+</a:theme>
 </file>
--- a/Julia,_good_back_ugly.pptx
+++ b/Julia,_good_back_ugly.pptx
@@ -5,7 +5,7 @@
     <p:sldMasterId id="2147483648" r:id="rId1"/>
   </p:sldMasterIdLst>
   <p:notesMasterIdLst>
-    <p:notesMasterId r:id="rId19"/>
+    <p:notesMasterId r:id="rId21"/>
   </p:notesMasterIdLst>
   <p:sldIdLst>
     <p:sldId id="256" r:id="rId2"/>
@@ -16,15 +16,17 @@
     <p:sldId id="260" r:id="rId7"/>
     <p:sldId id="261" r:id="rId8"/>
     <p:sldId id="262" r:id="rId9"/>
-    <p:sldId id="264" r:id="rId10"/>
-    <p:sldId id="266" r:id="rId11"/>
-    <p:sldId id="267" r:id="rId12"/>
-    <p:sldId id="268" r:id="rId13"/>
-    <p:sldId id="270" r:id="rId14"/>
-    <p:sldId id="269" r:id="rId15"/>
-    <p:sldId id="271" r:id="rId16"/>
-    <p:sldId id="272" r:id="rId17"/>
-    <p:sldId id="265" r:id="rId18"/>
+    <p:sldId id="265" r:id="rId10"/>
+    <p:sldId id="264" r:id="rId11"/>
+    <p:sldId id="266" r:id="rId12"/>
+    <p:sldId id="267" r:id="rId13"/>
+    <p:sldId id="268" r:id="rId14"/>
+    <p:sldId id="270" r:id="rId15"/>
+    <p:sldId id="269" r:id="rId16"/>
+    <p:sldId id="271" r:id="rId17"/>
+    <p:sldId id="272" r:id="rId18"/>
+    <p:sldId id="273" r:id="rId19"/>
+    <p:sldId id="274" r:id="rId20"/>
   </p:sldIdLst>
   <p:sldSz cx="12192000" cy="6858000"/>
   <p:notesSz cx="6858000" cy="9144000"/>
@@ -3805,6 +3807,118 @@
           <p:cNvPr id="2" name="Title 1">
             <a:extLst>
               <a:ext uri="{FF2B5EF4-FFF2-40B4-BE49-F238E27FC236}">
+                <a16:creationId xmlns:a16="http://schemas.microsoft.com/office/drawing/2014/main" id="{2613194F-8BAA-4A07-BBA6-3D6B458520C2}"/>
+              </a:ext>
+            </a:extLst>
+          </p:cNvPr>
+          <p:cNvSpPr>
+            <a:spLocks noGrp="1"/>
+          </p:cNvSpPr>
+          <p:nvPr>
+            <p:ph type="title"/>
+          </p:nvPr>
+        </p:nvSpPr>
+        <p:spPr/>
+        <p:txBody>
+          <a:bodyPr/>
+          <a:lstStyle/>
+          <a:p>
+            <a:r>
+              <a:rPr lang="en-US" dirty="0"/>
+              <a:t>Data types</a:t>
+            </a:r>
+          </a:p>
+        </p:txBody>
+      </p:sp>
+      <p:sp>
+        <p:nvSpPr>
+          <p:cNvPr id="3" name="Text Placeholder 2">
+            <a:extLst>
+              <a:ext uri="{FF2B5EF4-FFF2-40B4-BE49-F238E27FC236}">
+                <a16:creationId xmlns:a16="http://schemas.microsoft.com/office/drawing/2014/main" id="{C2FFBE65-F98F-444F-B4B7-A70536D1013F}"/>
+              </a:ext>
+            </a:extLst>
+          </p:cNvPr>
+          <p:cNvSpPr>
+            <a:spLocks noGrp="1"/>
+          </p:cNvSpPr>
+          <p:nvPr>
+            <p:ph type="body" idx="1"/>
+          </p:nvPr>
+        </p:nvSpPr>
+        <p:spPr/>
+        <p:txBody>
+          <a:bodyPr/>
+          <a:lstStyle/>
+          <a:p>
+            <a:endParaRPr lang="en-US"/>
+          </a:p>
+        </p:txBody>
+      </p:sp>
+      <p:sp>
+        <p:nvSpPr>
+          <p:cNvPr id="4" name="Slide Number Placeholder 3">
+            <a:extLst>
+              <a:ext uri="{FF2B5EF4-FFF2-40B4-BE49-F238E27FC236}">
+                <a16:creationId xmlns:a16="http://schemas.microsoft.com/office/drawing/2014/main" id="{14CAC51D-39BD-4BAC-8555-31C8CF0E14DB}"/>
+              </a:ext>
+            </a:extLst>
+          </p:cNvPr>
+          <p:cNvSpPr>
+            <a:spLocks noGrp="1"/>
+          </p:cNvSpPr>
+          <p:nvPr>
+            <p:ph type="sldNum" sz="quarter" idx="12"/>
+          </p:nvPr>
+        </p:nvSpPr>
+        <p:spPr/>
+        <p:txBody>
+          <a:bodyPr/>
+          <a:lstStyle/>
+          <a:p>
+            <a:fld id="{78F7A1EC-23D1-431D-8C93-9C4ED5D4A04D}" type="slidenum">
+              <a:rPr lang="en-US" smtClean="0"/>
+              <a:t>10</a:t>
+            </a:fld>
+            <a:endParaRPr lang="en-US"/>
+          </a:p>
+        </p:txBody>
+      </p:sp>
+    </p:spTree>
+    <p:extLst>
+      <p:ext uri="{BB962C8B-B14F-4D97-AF65-F5344CB8AC3E}">
+        <p14:creationId xmlns:p14="http://schemas.microsoft.com/office/powerpoint/2010/main" val="2961179590"/>
+      </p:ext>
+    </p:extLst>
+  </p:cSld>
+  <p:clrMapOvr>
+    <a:masterClrMapping/>
+  </p:clrMapOvr>
+</p:sld>
+</file>
+
+<file path=ppt/slides/slide11.xml><?xml version="1.0" encoding="utf-8"?>
+<p:sld xmlns:a="http://schemas.openxmlformats.org/drawingml/2006/main" xmlns:r="http://schemas.openxmlformats.org/officeDocument/2006/relationships" xmlns:p="http://schemas.openxmlformats.org/presentationml/2006/main">
+  <p:cSld>
+    <p:spTree>
+      <p:nvGrpSpPr>
+        <p:cNvPr id="1" name=""/>
+        <p:cNvGrpSpPr/>
+        <p:nvPr/>
+      </p:nvGrpSpPr>
+      <p:grpSpPr>
+        <a:xfrm>
+          <a:off x="0" y="0"/>
+          <a:ext cx="0" cy="0"/>
+          <a:chOff x="0" y="0"/>
+          <a:chExt cx="0" cy="0"/>
+        </a:xfrm>
+      </p:grpSpPr>
+      <p:sp>
+        <p:nvSpPr>
+          <p:cNvPr id="2" name="Title 1">
+            <a:extLst>
+              <a:ext uri="{FF2B5EF4-FFF2-40B4-BE49-F238E27FC236}">
                 <a16:creationId xmlns:a16="http://schemas.microsoft.com/office/drawing/2014/main" id="{DE8AF62F-AC75-4212-9AE7-C283CD4CDC59}"/>
               </a:ext>
             </a:extLst>
@@ -4217,7 +4331,7 @@
           <a:p>
             <a:fld id="{78F7A1EC-23D1-431D-8C93-9C4ED5D4A04D}" type="slidenum">
               <a:rPr lang="en-US" smtClean="0"/>
-              <a:t>10</a:t>
+              <a:t>11</a:t>
             </a:fld>
             <a:endParaRPr lang="en-US"/>
           </a:p>
@@ -4236,7 +4350,7 @@
 </p:sld>
 </file>
 
-<file path=ppt/slides/slide11.xml><?xml version="1.0" encoding="utf-8"?>
+<file path=ppt/slides/slide12.xml><?xml version="1.0" encoding="utf-8"?>
 <p:sld xmlns:a="http://schemas.openxmlformats.org/drawingml/2006/main" xmlns:r="http://schemas.openxmlformats.org/officeDocument/2006/relationships" xmlns:p="http://schemas.openxmlformats.org/presentationml/2006/main">
   <p:cSld>
     <p:spTree>
@@ -5063,7 +5177,7 @@
           <a:p>
             <a:fld id="{78F7A1EC-23D1-431D-8C93-9C4ED5D4A04D}" type="slidenum">
               <a:rPr lang="en-US" smtClean="0"/>
-              <a:t>11</a:t>
+              <a:t>12</a:t>
             </a:fld>
             <a:endParaRPr lang="en-US"/>
           </a:p>
@@ -5073,457 +5187,6 @@
     <p:extLst>
       <p:ext uri="{BB962C8B-B14F-4D97-AF65-F5344CB8AC3E}">
         <p14:creationId xmlns:p14="http://schemas.microsoft.com/office/powerpoint/2010/main" val="2381680386"/>
-      </p:ext>
-    </p:extLst>
-  </p:cSld>
-  <p:clrMapOvr>
-    <a:masterClrMapping/>
-  </p:clrMapOvr>
-</p:sld>
-</file>
-
-<file path=ppt/slides/slide12.xml><?xml version="1.0" encoding="utf-8"?>
-<p:sld xmlns:a="http://schemas.openxmlformats.org/drawingml/2006/main" xmlns:r="http://schemas.openxmlformats.org/officeDocument/2006/relationships" xmlns:p="http://schemas.openxmlformats.org/presentationml/2006/main">
-  <p:cSld>
-    <p:spTree>
-      <p:nvGrpSpPr>
-        <p:cNvPr id="1" name=""/>
-        <p:cNvGrpSpPr/>
-        <p:nvPr/>
-      </p:nvGrpSpPr>
-      <p:grpSpPr>
-        <a:xfrm>
-          <a:off x="0" y="0"/>
-          <a:ext cx="0" cy="0"/>
-          <a:chOff x="0" y="0"/>
-          <a:chExt cx="0" cy="0"/>
-        </a:xfrm>
-      </p:grpSpPr>
-      <p:sp>
-        <p:nvSpPr>
-          <p:cNvPr id="2" name="Title 1">
-            <a:extLst>
-              <a:ext uri="{FF2B5EF4-FFF2-40B4-BE49-F238E27FC236}">
-                <a16:creationId xmlns:a16="http://schemas.microsoft.com/office/drawing/2014/main" id="{65A40D97-FFF5-4370-B499-70087C6EAD84}"/>
-              </a:ext>
-            </a:extLst>
-          </p:cNvPr>
-          <p:cNvSpPr>
-            <a:spLocks noGrp="1"/>
-          </p:cNvSpPr>
-          <p:nvPr>
-            <p:ph type="title"/>
-          </p:nvPr>
-        </p:nvSpPr>
-        <p:spPr/>
-        <p:txBody>
-          <a:bodyPr/>
-          <a:lstStyle/>
-          <a:p>
-            <a:r>
-              <a:rPr lang="en-US" dirty="0"/>
-              <a:t>Type hierarchies</a:t>
-            </a:r>
-          </a:p>
-        </p:txBody>
-      </p:sp>
-      <p:sp>
-        <p:nvSpPr>
-          <p:cNvPr id="3" name="Content Placeholder 2">
-            <a:extLst>
-              <a:ext uri="{FF2B5EF4-FFF2-40B4-BE49-F238E27FC236}">
-                <a16:creationId xmlns:a16="http://schemas.microsoft.com/office/drawing/2014/main" id="{20D920DB-FC8B-4A0C-9148-8F97A7B81F0B}"/>
-              </a:ext>
-            </a:extLst>
-          </p:cNvPr>
-          <p:cNvSpPr>
-            <a:spLocks noGrp="1"/>
-          </p:cNvSpPr>
-          <p:nvPr>
-            <p:ph idx="1"/>
-          </p:nvPr>
-        </p:nvSpPr>
-        <p:spPr/>
-        <p:txBody>
-          <a:bodyPr/>
-          <a:lstStyle/>
-          <a:p>
-            <a:r>
-              <a:rPr lang="en-US" dirty="0"/>
-              <a:t>Abstract types, e.g.,</a:t>
-            </a:r>
-          </a:p>
-          <a:p>
-            <a:endParaRPr lang="en-US" dirty="0"/>
-          </a:p>
-          <a:p>
-            <a:r>
-              <a:rPr lang="en-US" dirty="0"/>
-              <a:t>Abstract subtypes of abstract types, e.g.,</a:t>
-            </a:r>
-          </a:p>
-          <a:p>
-            <a:endParaRPr lang="en-US" dirty="0"/>
-          </a:p>
-          <a:p>
-            <a:endParaRPr lang="en-US" dirty="0"/>
-          </a:p>
-          <a:p>
-            <a:r>
-              <a:rPr lang="en-US" dirty="0"/>
-              <a:t>Concrete subtypes of abstract types</a:t>
-            </a:r>
-          </a:p>
-          <a:p>
-            <a:endParaRPr lang="en-US" dirty="0"/>
-          </a:p>
-          <a:p>
-            <a:endParaRPr lang="en-US" dirty="0"/>
-          </a:p>
-          <a:p>
-            <a:endParaRPr lang="en-US" dirty="0"/>
-          </a:p>
-        </p:txBody>
-      </p:sp>
-      <p:sp>
-        <p:nvSpPr>
-          <p:cNvPr id="4" name="TextBox 3">
-            <a:extLst>
-              <a:ext uri="{FF2B5EF4-FFF2-40B4-BE49-F238E27FC236}">
-                <a16:creationId xmlns:a16="http://schemas.microsoft.com/office/drawing/2014/main" id="{8C1317C5-184C-4C69-9CB2-38A4B0EF6DCE}"/>
-              </a:ext>
-            </a:extLst>
-          </p:cNvPr>
-          <p:cNvSpPr txBox="1"/>
-          <p:nvPr/>
-        </p:nvSpPr>
-        <p:spPr>
-          <a:xfrm>
-            <a:off x="1631087" y="2270468"/>
-            <a:ext cx="6656178" cy="369332"/>
-          </a:xfrm>
-          <a:prstGeom prst="rect">
-            <a:avLst/>
-          </a:prstGeom>
-          <a:solidFill>
-            <a:schemeClr val="bg1">
-              <a:lumMod val="85000"/>
-            </a:schemeClr>
-          </a:solidFill>
-        </p:spPr>
-        <p:txBody>
-          <a:bodyPr wrap="square" rtlCol="0">
-            <a:spAutoFit/>
-          </a:bodyPr>
-          <a:lstStyle/>
-          <a:p>
-            <a:r>
-              <a:rPr lang="en-US" dirty="0">
-                <a:latin typeface="Consolas" panose="020B0609020204030204" pitchFamily="49" charset="0"/>
-              </a:rPr>
-              <a:t>abstract type </a:t>
-            </a:r>
-            <a:r>
-              <a:rPr lang="en-US" dirty="0" err="1">
-                <a:latin typeface="Consolas" panose="020B0609020204030204" pitchFamily="49" charset="0"/>
-              </a:rPr>
-              <a:t>AbstractPoint</a:t>
-            </a:r>
-            <a:r>
-              <a:rPr lang="en-US" dirty="0">
-                <a:latin typeface="Consolas" panose="020B0609020204030204" pitchFamily="49" charset="0"/>
-              </a:rPr>
-              <a:t> end</a:t>
-            </a:r>
-          </a:p>
-        </p:txBody>
-      </p:sp>
-      <p:sp>
-        <p:nvSpPr>
-          <p:cNvPr id="5" name="TextBox 4">
-            <a:extLst>
-              <a:ext uri="{FF2B5EF4-FFF2-40B4-BE49-F238E27FC236}">
-                <a16:creationId xmlns:a16="http://schemas.microsoft.com/office/drawing/2014/main" id="{940A8FE7-CEC4-4946-8B5D-530BFFEC1084}"/>
-              </a:ext>
-            </a:extLst>
-          </p:cNvPr>
-          <p:cNvSpPr txBox="1"/>
-          <p:nvPr/>
-        </p:nvSpPr>
-        <p:spPr>
-          <a:xfrm>
-            <a:off x="1631088" y="3312359"/>
-            <a:ext cx="6656178" cy="369332"/>
-          </a:xfrm>
-          <a:prstGeom prst="rect">
-            <a:avLst/>
-          </a:prstGeom>
-          <a:solidFill>
-            <a:schemeClr val="bg1">
-              <a:lumMod val="85000"/>
-            </a:schemeClr>
-          </a:solidFill>
-        </p:spPr>
-        <p:txBody>
-          <a:bodyPr wrap="square" rtlCol="0">
-            <a:spAutoFit/>
-          </a:bodyPr>
-          <a:lstStyle/>
-          <a:p>
-            <a:r>
-              <a:rPr lang="en-US" dirty="0">
-                <a:latin typeface="Consolas" panose="020B0609020204030204" pitchFamily="49" charset="0"/>
-              </a:rPr>
-              <a:t>abstract type Abstract2DPoint &lt;: </a:t>
-            </a:r>
-            <a:r>
-              <a:rPr lang="en-US" dirty="0" err="1">
-                <a:latin typeface="Consolas" panose="020B0609020204030204" pitchFamily="49" charset="0"/>
-              </a:rPr>
-              <a:t>AbstractPoint</a:t>
-            </a:r>
-            <a:r>
-              <a:rPr lang="en-US" dirty="0">
-                <a:latin typeface="Consolas" panose="020B0609020204030204" pitchFamily="49" charset="0"/>
-              </a:rPr>
-              <a:t> end</a:t>
-            </a:r>
-          </a:p>
-        </p:txBody>
-      </p:sp>
-      <p:sp>
-        <p:nvSpPr>
-          <p:cNvPr id="6" name="TextBox 5">
-            <a:extLst>
-              <a:ext uri="{FF2B5EF4-FFF2-40B4-BE49-F238E27FC236}">
-                <a16:creationId xmlns:a16="http://schemas.microsoft.com/office/drawing/2014/main" id="{7B8337DB-9DB6-4CBD-BA8F-697197146FB1}"/>
-              </a:ext>
-            </a:extLst>
-          </p:cNvPr>
-          <p:cNvSpPr txBox="1"/>
-          <p:nvPr/>
-        </p:nvSpPr>
-        <p:spPr>
-          <a:xfrm>
-            <a:off x="1631086" y="3816628"/>
-            <a:ext cx="6656179" cy="369332"/>
-          </a:xfrm>
-          <a:prstGeom prst="rect">
-            <a:avLst/>
-          </a:prstGeom>
-          <a:solidFill>
-            <a:schemeClr val="bg1">
-              <a:lumMod val="85000"/>
-            </a:schemeClr>
-          </a:solidFill>
-        </p:spPr>
-        <p:txBody>
-          <a:bodyPr wrap="square" rtlCol="0">
-            <a:spAutoFit/>
-          </a:bodyPr>
-          <a:lstStyle/>
-          <a:p>
-            <a:r>
-              <a:rPr lang="en-US" dirty="0">
-                <a:latin typeface="Consolas" panose="020B0609020204030204" pitchFamily="49" charset="0"/>
-              </a:rPr>
-              <a:t>abstract type Abstract3DPoint &lt;: </a:t>
-            </a:r>
-            <a:r>
-              <a:rPr lang="en-US" dirty="0" err="1">
-                <a:latin typeface="Consolas" panose="020B0609020204030204" pitchFamily="49" charset="0"/>
-              </a:rPr>
-              <a:t>AbstractPoint</a:t>
-            </a:r>
-            <a:r>
-              <a:rPr lang="en-US" dirty="0">
-                <a:latin typeface="Consolas" panose="020B0609020204030204" pitchFamily="49" charset="0"/>
-              </a:rPr>
-              <a:t> end</a:t>
-            </a:r>
-          </a:p>
-        </p:txBody>
-      </p:sp>
-      <p:sp>
-        <p:nvSpPr>
-          <p:cNvPr id="8" name="TextBox 7">
-            <a:extLst>
-              <a:ext uri="{FF2B5EF4-FFF2-40B4-BE49-F238E27FC236}">
-                <a16:creationId xmlns:a16="http://schemas.microsoft.com/office/drawing/2014/main" id="{B1E9A5C7-AACA-490F-9F3B-53C6A18B898B}"/>
-              </a:ext>
-            </a:extLst>
-          </p:cNvPr>
-          <p:cNvSpPr txBox="1"/>
-          <p:nvPr/>
-        </p:nvSpPr>
-        <p:spPr>
-          <a:xfrm>
-            <a:off x="1631086" y="4858519"/>
-            <a:ext cx="6656179" cy="1200329"/>
-          </a:xfrm>
-          <a:prstGeom prst="rect">
-            <a:avLst/>
-          </a:prstGeom>
-          <a:solidFill>
-            <a:schemeClr val="bg1">
-              <a:lumMod val="85000"/>
-            </a:schemeClr>
-          </a:solidFill>
-        </p:spPr>
-        <p:txBody>
-          <a:bodyPr wrap="square" rtlCol="0">
-            <a:spAutoFit/>
-          </a:bodyPr>
-          <a:lstStyle/>
-          <a:p>
-            <a:r>
-              <a:rPr lang="en-US" dirty="0">
-                <a:latin typeface="Consolas" panose="020B0609020204030204" pitchFamily="49" charset="0"/>
-              </a:rPr>
-              <a:t>mutable struct Point2D &lt;: Abstract2DPoint</a:t>
-            </a:r>
-          </a:p>
-          <a:p>
-            <a:r>
-              <a:rPr lang="en-US" dirty="0">
-                <a:latin typeface="Consolas" panose="020B0609020204030204" pitchFamily="49" charset="0"/>
-              </a:rPr>
-              <a:t>    x::Real</a:t>
-            </a:r>
-          </a:p>
-          <a:p>
-            <a:r>
-              <a:rPr lang="en-US" dirty="0">
-                <a:latin typeface="Consolas" panose="020B0609020204030204" pitchFamily="49" charset="0"/>
-              </a:rPr>
-              <a:t>    y::Real</a:t>
-            </a:r>
-          </a:p>
-          <a:p>
-            <a:r>
-              <a:rPr lang="en-US" dirty="0">
-                <a:latin typeface="Consolas" panose="020B0609020204030204" pitchFamily="49" charset="0"/>
-              </a:rPr>
-              <a:t>end</a:t>
-            </a:r>
-          </a:p>
-        </p:txBody>
-      </p:sp>
-      <p:sp>
-        <p:nvSpPr>
-          <p:cNvPr id="9" name="TextBox 8">
-            <a:extLst>
-              <a:ext uri="{FF2B5EF4-FFF2-40B4-BE49-F238E27FC236}">
-                <a16:creationId xmlns:a16="http://schemas.microsoft.com/office/drawing/2014/main" id="{713E26DD-DDB3-4EE9-B777-21FD1B5118D7}"/>
-              </a:ext>
-            </a:extLst>
-          </p:cNvPr>
-          <p:cNvSpPr txBox="1"/>
-          <p:nvPr/>
-        </p:nvSpPr>
-        <p:spPr>
-          <a:xfrm>
-            <a:off x="9319053" y="4937810"/>
-            <a:ext cx="2034747" cy="646331"/>
-          </a:xfrm>
-          <a:prstGeom prst="rect">
-            <a:avLst/>
-          </a:prstGeom>
-          <a:noFill/>
-          <a:ln>
-            <a:solidFill>
-              <a:schemeClr val="tx1"/>
-            </a:solidFill>
-          </a:ln>
-        </p:spPr>
-        <p:txBody>
-          <a:bodyPr wrap="square" rtlCol="0">
-            <a:spAutoFit/>
-          </a:bodyPr>
-          <a:lstStyle/>
-          <a:p>
-            <a:pPr algn="ctr"/>
-            <a:r>
-              <a:rPr lang="en-US" dirty="0"/>
-              <a:t>No subtyping from concrete types!</a:t>
-            </a:r>
-          </a:p>
-        </p:txBody>
-      </p:sp>
-      <p:sp>
-        <p:nvSpPr>
-          <p:cNvPr id="10" name="TextBox 9">
-            <a:extLst>
-              <a:ext uri="{FF2B5EF4-FFF2-40B4-BE49-F238E27FC236}">
-                <a16:creationId xmlns:a16="http://schemas.microsoft.com/office/drawing/2014/main" id="{A2C6DD19-A381-425A-BC59-6D0385C80243}"/>
-              </a:ext>
-            </a:extLst>
-          </p:cNvPr>
-          <p:cNvSpPr txBox="1"/>
-          <p:nvPr/>
-        </p:nvSpPr>
-        <p:spPr>
-          <a:xfrm>
-            <a:off x="9319052" y="3466092"/>
-            <a:ext cx="2034747" cy="646331"/>
-          </a:xfrm>
-          <a:prstGeom prst="rect">
-            <a:avLst/>
-          </a:prstGeom>
-          <a:noFill/>
-          <a:ln>
-            <a:solidFill>
-              <a:schemeClr val="tx1"/>
-            </a:solidFill>
-          </a:ln>
-        </p:spPr>
-        <p:txBody>
-          <a:bodyPr wrap="square" rtlCol="0">
-            <a:spAutoFit/>
-          </a:bodyPr>
-          <a:lstStyle/>
-          <a:p>
-            <a:pPr algn="ctr"/>
-            <a:r>
-              <a:rPr lang="en-US" dirty="0"/>
-              <a:t>Subtyping from single type only!</a:t>
-            </a:r>
-          </a:p>
-        </p:txBody>
-      </p:sp>
-      <p:sp>
-        <p:nvSpPr>
-          <p:cNvPr id="11" name="Slide Number Placeholder 10">
-            <a:extLst>
-              <a:ext uri="{FF2B5EF4-FFF2-40B4-BE49-F238E27FC236}">
-                <a16:creationId xmlns:a16="http://schemas.microsoft.com/office/drawing/2014/main" id="{8D4442DC-DACE-41A3-A561-9A91FCDF5DF5}"/>
-              </a:ext>
-            </a:extLst>
-          </p:cNvPr>
-          <p:cNvSpPr>
-            <a:spLocks noGrp="1"/>
-          </p:cNvSpPr>
-          <p:nvPr>
-            <p:ph type="sldNum" sz="quarter" idx="12"/>
-          </p:nvPr>
-        </p:nvSpPr>
-        <p:spPr/>
-        <p:txBody>
-          <a:bodyPr/>
-          <a:lstStyle/>
-          <a:p>
-            <a:fld id="{78F7A1EC-23D1-431D-8C93-9C4ED5D4A04D}" type="slidenum">
-              <a:rPr lang="en-US" smtClean="0"/>
-              <a:t>12</a:t>
-            </a:fld>
-            <a:endParaRPr lang="en-US"/>
-          </a:p>
-        </p:txBody>
-      </p:sp>
-    </p:spTree>
-    <p:extLst>
-      <p:ext uri="{BB962C8B-B14F-4D97-AF65-F5344CB8AC3E}">
-        <p14:creationId xmlns:p14="http://schemas.microsoft.com/office/powerpoint/2010/main" val="2043097574"/>
       </p:ext>
     </p:extLst>
   </p:cSld>
@@ -5555,7 +5218,7 @@
           <p:cNvPr id="2" name="Title 1">
             <a:extLst>
               <a:ext uri="{FF2B5EF4-FFF2-40B4-BE49-F238E27FC236}">
-                <a16:creationId xmlns:a16="http://schemas.microsoft.com/office/drawing/2014/main" id="{08E34A9F-7CD3-4560-A76C-7466EB440AB2}"/>
+                <a16:creationId xmlns:a16="http://schemas.microsoft.com/office/drawing/2014/main" id="{65A40D97-FFF5-4370-B499-70087C6EAD84}"/>
               </a:ext>
             </a:extLst>
           </p:cNvPr>
@@ -5573,7 +5236,7 @@
           <a:p>
             <a:r>
               <a:rPr lang="en-US" dirty="0"/>
-              <a:t>Accessor methods</a:t>
+              <a:t>Type hierarchies</a:t>
             </a:r>
           </a:p>
         </p:txBody>
@@ -5583,7 +5246,7 @@
           <p:cNvPr id="3" name="Content Placeholder 2">
             <a:extLst>
               <a:ext uri="{FF2B5EF4-FFF2-40B4-BE49-F238E27FC236}">
-                <a16:creationId xmlns:a16="http://schemas.microsoft.com/office/drawing/2014/main" id="{F7E4E4D1-890D-40F4-9674-9B1B41EB6C6B}"/>
+                <a16:creationId xmlns:a16="http://schemas.microsoft.com/office/drawing/2014/main" id="{20D920DB-FC8B-4A0C-9148-8F97A7B81F0B}"/>
               </a:ext>
             </a:extLst>
           </p:cNvPr>
@@ -5601,8 +5264,38 @@
           <a:p>
             <a:r>
               <a:rPr lang="en-US" dirty="0"/>
-              <a:t>Do not access fields in structures, defines accessor methods</a:t>
-            </a:r>
+              <a:t>Abstract types, e.g.,</a:t>
+            </a:r>
+          </a:p>
+          <a:p>
+            <a:endParaRPr lang="en-US" dirty="0"/>
+          </a:p>
+          <a:p>
+            <a:r>
+              <a:rPr lang="en-US" dirty="0"/>
+              <a:t>Abstract subtypes of abstract types, e.g.,</a:t>
+            </a:r>
+          </a:p>
+          <a:p>
+            <a:endParaRPr lang="en-US" dirty="0"/>
+          </a:p>
+          <a:p>
+            <a:endParaRPr lang="en-US" dirty="0"/>
+          </a:p>
+          <a:p>
+            <a:r>
+              <a:rPr lang="en-US" dirty="0"/>
+              <a:t>Concrete subtypes of abstract types</a:t>
+            </a:r>
+          </a:p>
+          <a:p>
+            <a:endParaRPr lang="en-US" dirty="0"/>
+          </a:p>
+          <a:p>
+            <a:endParaRPr lang="en-US" dirty="0"/>
+          </a:p>
+          <a:p>
+            <a:endParaRPr lang="en-US" dirty="0"/>
           </a:p>
         </p:txBody>
       </p:sp>
@@ -5611,7 +5304,7 @@
           <p:cNvPr id="4" name="TextBox 3">
             <a:extLst>
               <a:ext uri="{FF2B5EF4-FFF2-40B4-BE49-F238E27FC236}">
-                <a16:creationId xmlns:a16="http://schemas.microsoft.com/office/drawing/2014/main" id="{438E118A-7838-43C2-AFB9-0EE30E5D570B}"/>
+                <a16:creationId xmlns:a16="http://schemas.microsoft.com/office/drawing/2014/main" id="{8C1317C5-184C-4C69-9CB2-38A4B0EF6DCE}"/>
               </a:ext>
             </a:extLst>
           </p:cNvPr>
@@ -5620,8 +5313,8 @@
         </p:nvSpPr>
         <p:spPr>
           <a:xfrm>
-            <a:off x="1499283" y="2686281"/>
-            <a:ext cx="7611766" cy="2308324"/>
+            <a:off x="1631087" y="2270468"/>
+            <a:ext cx="6656178" cy="369332"/>
           </a:xfrm>
           <a:prstGeom prst="rect">
             <a:avLst/>
@@ -5639,16 +5332,63 @@
           <a:lstStyle/>
           <a:p>
             <a:r>
+              <a:rPr lang="en-US" dirty="0">
+                <a:latin typeface="Consolas" panose="020B0609020204030204" pitchFamily="49" charset="0"/>
+              </a:rPr>
+              <a:t>abstract type </a:t>
+            </a:r>
+            <a:r>
               <a:rPr lang="en-US" dirty="0" err="1">
                 <a:latin typeface="Consolas" panose="020B0609020204030204" pitchFamily="49" charset="0"/>
               </a:rPr>
-              <a:t>get_x</a:t>
-            </a:r>
-            <a:r>
-              <a:rPr lang="en-US" dirty="0">
-                <a:latin typeface="Consolas" panose="020B0609020204030204" pitchFamily="49" charset="0"/>
-              </a:rPr>
-              <a:t>(p::</a:t>
+              <a:t>AbstractPoint</a:t>
+            </a:r>
+            <a:r>
+              <a:rPr lang="en-US" dirty="0">
+                <a:latin typeface="Consolas" panose="020B0609020204030204" pitchFamily="49" charset="0"/>
+              </a:rPr>
+              <a:t> end</a:t>
+            </a:r>
+          </a:p>
+        </p:txBody>
+      </p:sp>
+      <p:sp>
+        <p:nvSpPr>
+          <p:cNvPr id="5" name="TextBox 4">
+            <a:extLst>
+              <a:ext uri="{FF2B5EF4-FFF2-40B4-BE49-F238E27FC236}">
+                <a16:creationId xmlns:a16="http://schemas.microsoft.com/office/drawing/2014/main" id="{940A8FE7-CEC4-4946-8B5D-530BFFEC1084}"/>
+              </a:ext>
+            </a:extLst>
+          </p:cNvPr>
+          <p:cNvSpPr txBox="1"/>
+          <p:nvPr/>
+        </p:nvSpPr>
+        <p:spPr>
+          <a:xfrm>
+            <a:off x="1631088" y="3312359"/>
+            <a:ext cx="6656178" cy="369332"/>
+          </a:xfrm>
+          <a:prstGeom prst="rect">
+            <a:avLst/>
+          </a:prstGeom>
+          <a:solidFill>
+            <a:schemeClr val="bg1">
+              <a:lumMod val="85000"/>
+            </a:schemeClr>
+          </a:solidFill>
+        </p:spPr>
+        <p:txBody>
+          <a:bodyPr wrap="square" rtlCol="0">
+            <a:spAutoFit/>
+          </a:bodyPr>
+          <a:lstStyle/>
+          <a:p>
+            <a:r>
+              <a:rPr lang="en-US" dirty="0">
+                <a:latin typeface="Consolas" panose="020B0609020204030204" pitchFamily="49" charset="0"/>
+              </a:rPr>
+              <a:t>abstract type Abstract2DPoint &lt;: </a:t>
             </a:r>
             <a:r>
               <a:rPr lang="en-US" dirty="0" err="1">
@@ -5660,268 +5400,217 @@
               <a:rPr lang="en-US" dirty="0">
                 <a:latin typeface="Consolas" panose="020B0609020204030204" pitchFamily="49" charset="0"/>
               </a:rPr>
-              <a:t>) = </a:t>
+              <a:t> end</a:t>
+            </a:r>
+          </a:p>
+        </p:txBody>
+      </p:sp>
+      <p:sp>
+        <p:nvSpPr>
+          <p:cNvPr id="6" name="TextBox 5">
+            <a:extLst>
+              <a:ext uri="{FF2B5EF4-FFF2-40B4-BE49-F238E27FC236}">
+                <a16:creationId xmlns:a16="http://schemas.microsoft.com/office/drawing/2014/main" id="{7B8337DB-9DB6-4CBD-BA8F-697197146FB1}"/>
+              </a:ext>
+            </a:extLst>
+          </p:cNvPr>
+          <p:cNvSpPr txBox="1"/>
+          <p:nvPr/>
+        </p:nvSpPr>
+        <p:spPr>
+          <a:xfrm>
+            <a:off x="1631086" y="3816628"/>
+            <a:ext cx="6656179" cy="369332"/>
+          </a:xfrm>
+          <a:prstGeom prst="rect">
+            <a:avLst/>
+          </a:prstGeom>
+          <a:solidFill>
+            <a:schemeClr val="bg1">
+              <a:lumMod val="85000"/>
+            </a:schemeClr>
+          </a:solidFill>
+        </p:spPr>
+        <p:txBody>
+          <a:bodyPr wrap="square" rtlCol="0">
+            <a:spAutoFit/>
+          </a:bodyPr>
+          <a:lstStyle/>
+          <a:p>
+            <a:r>
+              <a:rPr lang="en-US" dirty="0">
+                <a:latin typeface="Consolas" panose="020B0609020204030204" pitchFamily="49" charset="0"/>
+              </a:rPr>
+              <a:t>abstract type Abstract3DPoint &lt;: </a:t>
             </a:r>
             <a:r>
               <a:rPr lang="en-US" dirty="0" err="1">
                 <a:latin typeface="Consolas" panose="020B0609020204030204" pitchFamily="49" charset="0"/>
               </a:rPr>
-              <a:t>p.x</a:t>
-            </a:r>
-            <a:endParaRPr lang="en-US" dirty="0">
-              <a:latin typeface="Consolas" panose="020B0609020204030204" pitchFamily="49" charset="0"/>
-            </a:endParaRPr>
-          </a:p>
-          <a:p>
-            <a:r>
-              <a:rPr lang="en-US" dirty="0" err="1">
-                <a:latin typeface="Consolas" panose="020B0609020204030204" pitchFamily="49" charset="0"/>
-              </a:rPr>
-              <a:t>set_x</a:t>
-            </a:r>
-            <a:r>
-              <a:rPr lang="en-US" dirty="0">
-                <a:latin typeface="Consolas" panose="020B0609020204030204" pitchFamily="49" charset="0"/>
-              </a:rPr>
-              <a:t>(p::</a:t>
-            </a:r>
-            <a:r>
-              <a:rPr lang="en-US" dirty="0" err="1">
-                <a:latin typeface="Consolas" panose="020B0609020204030204" pitchFamily="49" charset="0"/>
-              </a:rPr>
               <a:t>AbstractPoint</a:t>
             </a:r>
             <a:r>
               <a:rPr lang="en-US" dirty="0">
                 <a:latin typeface="Consolas" panose="020B0609020204030204" pitchFamily="49" charset="0"/>
               </a:rPr>
-              <a:t>, </a:t>
-            </a:r>
-            <a:r>
-              <a:rPr lang="en-US" dirty="0" err="1">
-                <a:latin typeface="Consolas" panose="020B0609020204030204" pitchFamily="49" charset="0"/>
-              </a:rPr>
-              <a:t>val</a:t>
-            </a:r>
-            <a:r>
-              <a:rPr lang="en-US" dirty="0">
-                <a:latin typeface="Consolas" panose="020B0609020204030204" pitchFamily="49" charset="0"/>
-              </a:rPr>
-              <a:t>::Real) = begin </a:t>
-            </a:r>
-            <a:r>
-              <a:rPr lang="en-US" dirty="0" err="1">
-                <a:latin typeface="Consolas" panose="020B0609020204030204" pitchFamily="49" charset="0"/>
-              </a:rPr>
-              <a:t>p.x</a:t>
-            </a:r>
-            <a:r>
-              <a:rPr lang="en-US" dirty="0">
-                <a:latin typeface="Consolas" panose="020B0609020204030204" pitchFamily="49" charset="0"/>
-              </a:rPr>
-              <a:t> = </a:t>
-            </a:r>
-            <a:r>
-              <a:rPr lang="en-US" dirty="0" err="1">
-                <a:latin typeface="Consolas" panose="020B0609020204030204" pitchFamily="49" charset="0"/>
-              </a:rPr>
-              <a:t>val</a:t>
-            </a:r>
-            <a:r>
-              <a:rPr lang="en-US" dirty="0">
-                <a:latin typeface="Consolas" panose="020B0609020204030204" pitchFamily="49" charset="0"/>
-              </a:rPr>
-              <a:t>; end</a:t>
-            </a:r>
-          </a:p>
-          <a:p>
-            <a:endParaRPr lang="en-US" dirty="0">
-              <a:latin typeface="Consolas" panose="020B0609020204030204" pitchFamily="49" charset="0"/>
-            </a:endParaRPr>
-          </a:p>
-          <a:p>
-            <a:r>
-              <a:rPr lang="en-US" dirty="0" err="1">
-                <a:latin typeface="Consolas" panose="020B0609020204030204" pitchFamily="49" charset="0"/>
-              </a:rPr>
-              <a:t>get_y</a:t>
-            </a:r>
-            <a:r>
-              <a:rPr lang="en-US" dirty="0">
-                <a:latin typeface="Consolas" panose="020B0609020204030204" pitchFamily="49" charset="0"/>
-              </a:rPr>
-              <a:t>(p::</a:t>
-            </a:r>
-            <a:r>
-              <a:rPr lang="en-US" dirty="0" err="1">
-                <a:latin typeface="Consolas" panose="020B0609020204030204" pitchFamily="49" charset="0"/>
-              </a:rPr>
-              <a:t>AbstractPoint</a:t>
-            </a:r>
-            <a:r>
-              <a:rPr lang="en-US" dirty="0">
-                <a:latin typeface="Consolas" panose="020B0609020204030204" pitchFamily="49" charset="0"/>
-              </a:rPr>
-              <a:t>) = </a:t>
-            </a:r>
-            <a:r>
-              <a:rPr lang="en-US" dirty="0" err="1">
-                <a:latin typeface="Consolas" panose="020B0609020204030204" pitchFamily="49" charset="0"/>
-              </a:rPr>
-              <a:t>p.y</a:t>
-            </a:r>
-            <a:endParaRPr lang="en-US" dirty="0">
-              <a:latin typeface="Consolas" panose="020B0609020204030204" pitchFamily="49" charset="0"/>
-            </a:endParaRPr>
-          </a:p>
-          <a:p>
-            <a:r>
-              <a:rPr lang="en-US" dirty="0" err="1">
-                <a:latin typeface="Consolas" panose="020B0609020204030204" pitchFamily="49" charset="0"/>
-              </a:rPr>
-              <a:t>set_y</a:t>
-            </a:r>
-            <a:r>
-              <a:rPr lang="en-US" dirty="0">
-                <a:latin typeface="Consolas" panose="020B0609020204030204" pitchFamily="49" charset="0"/>
-              </a:rPr>
-              <a:t>(p::</a:t>
-            </a:r>
-            <a:r>
-              <a:rPr lang="en-US" dirty="0" err="1">
-                <a:latin typeface="Consolas" panose="020B0609020204030204" pitchFamily="49" charset="0"/>
-              </a:rPr>
-              <a:t>AbstractPoint</a:t>
-            </a:r>
-            <a:r>
-              <a:rPr lang="en-US" dirty="0">
-                <a:latin typeface="Consolas" panose="020B0609020204030204" pitchFamily="49" charset="0"/>
-              </a:rPr>
-              <a:t>, </a:t>
-            </a:r>
-            <a:r>
-              <a:rPr lang="en-US" dirty="0" err="1">
-                <a:latin typeface="Consolas" panose="020B0609020204030204" pitchFamily="49" charset="0"/>
-              </a:rPr>
-              <a:t>val</a:t>
-            </a:r>
-            <a:r>
-              <a:rPr lang="en-US" dirty="0">
-                <a:latin typeface="Consolas" panose="020B0609020204030204" pitchFamily="49" charset="0"/>
-              </a:rPr>
-              <a:t>::Real) = begin </a:t>
-            </a:r>
-            <a:r>
-              <a:rPr lang="en-US" dirty="0" err="1">
-                <a:latin typeface="Consolas" panose="020B0609020204030204" pitchFamily="49" charset="0"/>
-              </a:rPr>
-              <a:t>p.y</a:t>
-            </a:r>
-            <a:r>
-              <a:rPr lang="en-US" dirty="0">
-                <a:latin typeface="Consolas" panose="020B0609020204030204" pitchFamily="49" charset="0"/>
-              </a:rPr>
-              <a:t> = </a:t>
-            </a:r>
-            <a:r>
-              <a:rPr lang="en-US" dirty="0" err="1">
-                <a:latin typeface="Consolas" panose="020B0609020204030204" pitchFamily="49" charset="0"/>
-              </a:rPr>
-              <a:t>val</a:t>
-            </a:r>
-            <a:r>
-              <a:rPr lang="en-US" dirty="0">
-                <a:latin typeface="Consolas" panose="020B0609020204030204" pitchFamily="49" charset="0"/>
-              </a:rPr>
-              <a:t>; end</a:t>
-            </a:r>
-          </a:p>
-          <a:p>
-            <a:endParaRPr lang="en-US" dirty="0">
-              <a:latin typeface="Consolas" panose="020B0609020204030204" pitchFamily="49" charset="0"/>
-            </a:endParaRPr>
-          </a:p>
-          <a:p>
-            <a:r>
-              <a:rPr lang="en-US" dirty="0" err="1">
-                <a:latin typeface="Consolas" panose="020B0609020204030204" pitchFamily="49" charset="0"/>
-              </a:rPr>
-              <a:t>get_z</a:t>
-            </a:r>
-            <a:r>
-              <a:rPr lang="en-US" dirty="0">
-                <a:latin typeface="Consolas" panose="020B0609020204030204" pitchFamily="49" charset="0"/>
-              </a:rPr>
-              <a:t>(p::AbstractPoint3D) = </a:t>
-            </a:r>
-            <a:r>
-              <a:rPr lang="en-US" dirty="0" err="1">
-                <a:latin typeface="Consolas" panose="020B0609020204030204" pitchFamily="49" charset="0"/>
-              </a:rPr>
-              <a:t>p.z</a:t>
-            </a:r>
-            <a:endParaRPr lang="en-US" dirty="0">
-              <a:latin typeface="Consolas" panose="020B0609020204030204" pitchFamily="49" charset="0"/>
-            </a:endParaRPr>
-          </a:p>
-          <a:p>
-            <a:r>
-              <a:rPr lang="en-US" dirty="0" err="1">
-                <a:latin typeface="Consolas" panose="020B0609020204030204" pitchFamily="49" charset="0"/>
-              </a:rPr>
-              <a:t>set_z</a:t>
-            </a:r>
-            <a:r>
-              <a:rPr lang="en-US" dirty="0">
-                <a:latin typeface="Consolas" panose="020B0609020204030204" pitchFamily="49" charset="0"/>
-              </a:rPr>
-              <a:t>(p::AbstractPoint3D, </a:t>
-            </a:r>
-            <a:r>
-              <a:rPr lang="en-US" dirty="0" err="1">
-                <a:latin typeface="Consolas" panose="020B0609020204030204" pitchFamily="49" charset="0"/>
-              </a:rPr>
-              <a:t>val</a:t>
-            </a:r>
-            <a:r>
-              <a:rPr lang="en-US" dirty="0">
-                <a:latin typeface="Consolas" panose="020B0609020204030204" pitchFamily="49" charset="0"/>
-              </a:rPr>
-              <a:t>::Real) = begin </a:t>
-            </a:r>
-            <a:r>
-              <a:rPr lang="en-US" dirty="0" err="1">
-                <a:latin typeface="Consolas" panose="020B0609020204030204" pitchFamily="49" charset="0"/>
-              </a:rPr>
-              <a:t>p.z</a:t>
-            </a:r>
-            <a:r>
-              <a:rPr lang="en-US" dirty="0">
-                <a:latin typeface="Consolas" panose="020B0609020204030204" pitchFamily="49" charset="0"/>
-              </a:rPr>
-              <a:t> = </a:t>
-            </a:r>
-            <a:r>
-              <a:rPr lang="en-US" dirty="0" err="1">
-                <a:latin typeface="Consolas" panose="020B0609020204030204" pitchFamily="49" charset="0"/>
-              </a:rPr>
-              <a:t>val</a:t>
-            </a:r>
-            <a:r>
-              <a:rPr lang="en-US" dirty="0">
-                <a:latin typeface="Consolas" panose="020B0609020204030204" pitchFamily="49" charset="0"/>
-              </a:rPr>
-              <a:t>; end</a:t>
-            </a:r>
-          </a:p>
-        </p:txBody>
-      </p:sp>
-      <p:sp>
-        <p:nvSpPr>
-          <p:cNvPr id="5" name="Slide Number Placeholder 4">
-            <a:extLst>
-              <a:ext uri="{FF2B5EF4-FFF2-40B4-BE49-F238E27FC236}">
-                <a16:creationId xmlns:a16="http://schemas.microsoft.com/office/drawing/2014/main" id="{D18F523E-7BD0-4609-82CD-1BD2346894A4}"/>
+              <a:t> end</a:t>
+            </a:r>
+          </a:p>
+        </p:txBody>
+      </p:sp>
+      <p:sp>
+        <p:nvSpPr>
+          <p:cNvPr id="8" name="TextBox 7">
+            <a:extLst>
+              <a:ext uri="{FF2B5EF4-FFF2-40B4-BE49-F238E27FC236}">
+                <a16:creationId xmlns:a16="http://schemas.microsoft.com/office/drawing/2014/main" id="{B1E9A5C7-AACA-490F-9F3B-53C6A18B898B}"/>
+              </a:ext>
+            </a:extLst>
+          </p:cNvPr>
+          <p:cNvSpPr txBox="1"/>
+          <p:nvPr/>
+        </p:nvSpPr>
+        <p:spPr>
+          <a:xfrm>
+            <a:off x="1631086" y="4858519"/>
+            <a:ext cx="6656179" cy="1200329"/>
+          </a:xfrm>
+          <a:prstGeom prst="rect">
+            <a:avLst/>
+          </a:prstGeom>
+          <a:solidFill>
+            <a:schemeClr val="bg1">
+              <a:lumMod val="85000"/>
+            </a:schemeClr>
+          </a:solidFill>
+        </p:spPr>
+        <p:txBody>
+          <a:bodyPr wrap="square" rtlCol="0">
+            <a:spAutoFit/>
+          </a:bodyPr>
+          <a:lstStyle/>
+          <a:p>
+            <a:r>
+              <a:rPr lang="en-US" dirty="0">
+                <a:latin typeface="Consolas" panose="020B0609020204030204" pitchFamily="49" charset="0"/>
+              </a:rPr>
+              <a:t>mutable struct Point2D &lt;: Abstract2DPoint</a:t>
+            </a:r>
+          </a:p>
+          <a:p>
+            <a:r>
+              <a:rPr lang="en-US" dirty="0">
+                <a:latin typeface="Consolas" panose="020B0609020204030204" pitchFamily="49" charset="0"/>
+              </a:rPr>
+              <a:t>    x::Real</a:t>
+            </a:r>
+          </a:p>
+          <a:p>
+            <a:r>
+              <a:rPr lang="en-US" dirty="0">
+                <a:latin typeface="Consolas" panose="020B0609020204030204" pitchFamily="49" charset="0"/>
+              </a:rPr>
+              <a:t>    y::Real</a:t>
+            </a:r>
+          </a:p>
+          <a:p>
+            <a:r>
+              <a:rPr lang="en-US" dirty="0">
+                <a:latin typeface="Consolas" panose="020B0609020204030204" pitchFamily="49" charset="0"/>
+              </a:rPr>
+              <a:t>end</a:t>
+            </a:r>
+          </a:p>
+        </p:txBody>
+      </p:sp>
+      <p:sp>
+        <p:nvSpPr>
+          <p:cNvPr id="9" name="TextBox 8">
+            <a:extLst>
+              <a:ext uri="{FF2B5EF4-FFF2-40B4-BE49-F238E27FC236}">
+                <a16:creationId xmlns:a16="http://schemas.microsoft.com/office/drawing/2014/main" id="{713E26DD-DDB3-4EE9-B777-21FD1B5118D7}"/>
+              </a:ext>
+            </a:extLst>
+          </p:cNvPr>
+          <p:cNvSpPr txBox="1"/>
+          <p:nvPr/>
+        </p:nvSpPr>
+        <p:spPr>
+          <a:xfrm>
+            <a:off x="9319053" y="4937810"/>
+            <a:ext cx="2034747" cy="646331"/>
+          </a:xfrm>
+          <a:prstGeom prst="rect">
+            <a:avLst/>
+          </a:prstGeom>
+          <a:noFill/>
+          <a:ln>
+            <a:solidFill>
+              <a:schemeClr val="tx1"/>
+            </a:solidFill>
+          </a:ln>
+        </p:spPr>
+        <p:txBody>
+          <a:bodyPr wrap="square" rtlCol="0">
+            <a:spAutoFit/>
+          </a:bodyPr>
+          <a:lstStyle/>
+          <a:p>
+            <a:pPr algn="ctr"/>
+            <a:r>
+              <a:rPr lang="en-US" dirty="0"/>
+              <a:t>No subtyping from concrete types!</a:t>
+            </a:r>
+          </a:p>
+        </p:txBody>
+      </p:sp>
+      <p:sp>
+        <p:nvSpPr>
+          <p:cNvPr id="10" name="TextBox 9">
+            <a:extLst>
+              <a:ext uri="{FF2B5EF4-FFF2-40B4-BE49-F238E27FC236}">
+                <a16:creationId xmlns:a16="http://schemas.microsoft.com/office/drawing/2014/main" id="{A2C6DD19-A381-425A-BC59-6D0385C80243}"/>
+              </a:ext>
+            </a:extLst>
+          </p:cNvPr>
+          <p:cNvSpPr txBox="1"/>
+          <p:nvPr/>
+        </p:nvSpPr>
+        <p:spPr>
+          <a:xfrm>
+            <a:off x="9319052" y="3466092"/>
+            <a:ext cx="2034747" cy="646331"/>
+          </a:xfrm>
+          <a:prstGeom prst="rect">
+            <a:avLst/>
+          </a:prstGeom>
+          <a:noFill/>
+          <a:ln>
+            <a:solidFill>
+              <a:schemeClr val="tx1"/>
+            </a:solidFill>
+          </a:ln>
+        </p:spPr>
+        <p:txBody>
+          <a:bodyPr wrap="square" rtlCol="0">
+            <a:spAutoFit/>
+          </a:bodyPr>
+          <a:lstStyle/>
+          <a:p>
+            <a:pPr algn="ctr"/>
+            <a:r>
+              <a:rPr lang="en-US" dirty="0"/>
+              <a:t>Subtyping from single type only!</a:t>
+            </a:r>
+          </a:p>
+        </p:txBody>
+      </p:sp>
+      <p:sp>
+        <p:nvSpPr>
+          <p:cNvPr id="11" name="Slide Number Placeholder 10">
+            <a:extLst>
+              <a:ext uri="{FF2B5EF4-FFF2-40B4-BE49-F238E27FC236}">
+                <a16:creationId xmlns:a16="http://schemas.microsoft.com/office/drawing/2014/main" id="{8D4442DC-DACE-41A3-A561-9A91FCDF5DF5}"/>
               </a:ext>
             </a:extLst>
           </p:cNvPr>
@@ -5948,7 +5637,7 @@
     </p:spTree>
     <p:extLst>
       <p:ext uri="{BB962C8B-B14F-4D97-AF65-F5344CB8AC3E}">
-        <p14:creationId xmlns:p14="http://schemas.microsoft.com/office/powerpoint/2010/main" val="4283076253"/>
+        <p14:creationId xmlns:p14="http://schemas.microsoft.com/office/powerpoint/2010/main" val="2043097574"/>
       </p:ext>
     </p:extLst>
   </p:cSld>
@@ -5980,7 +5669,7 @@
           <p:cNvPr id="2" name="Title 1">
             <a:extLst>
               <a:ext uri="{FF2B5EF4-FFF2-40B4-BE49-F238E27FC236}">
-                <a16:creationId xmlns:a16="http://schemas.microsoft.com/office/drawing/2014/main" id="{77FA4432-AC7E-4C0E-A953-616D26182D8F}"/>
+                <a16:creationId xmlns:a16="http://schemas.microsoft.com/office/drawing/2014/main" id="{08E34A9F-7CD3-4560-A76C-7466EB440AB2}"/>
               </a:ext>
             </a:extLst>
           </p:cNvPr>
@@ -5998,7 +5687,7 @@
           <a:p>
             <a:r>
               <a:rPr lang="en-US" dirty="0"/>
-              <a:t>Methods on types</a:t>
+              <a:t>Accessor methods</a:t>
             </a:r>
           </a:p>
         </p:txBody>
@@ -6008,7 +5697,7 @@
           <p:cNvPr id="3" name="Content Placeholder 2">
             <a:extLst>
               <a:ext uri="{FF2B5EF4-FFF2-40B4-BE49-F238E27FC236}">
-                <a16:creationId xmlns:a16="http://schemas.microsoft.com/office/drawing/2014/main" id="{9C935DC9-D006-48EA-B28F-DFC60708B8D0}"/>
+                <a16:creationId xmlns:a16="http://schemas.microsoft.com/office/drawing/2014/main" id="{F7E4E4D1-890D-40F4-9674-9B1B41EB6C6B}"/>
               </a:ext>
             </a:extLst>
           </p:cNvPr>
@@ -6026,7 +5715,7 @@
           <a:p>
             <a:r>
               <a:rPr lang="en-US" dirty="0"/>
-              <a:t>Multiple dispatch</a:t>
+              <a:t>Do not access fields in structures, defines accessor methods</a:t>
             </a:r>
           </a:p>
         </p:txBody>
@@ -6036,7 +5725,7 @@
           <p:cNvPr id="4" name="TextBox 3">
             <a:extLst>
               <a:ext uri="{FF2B5EF4-FFF2-40B4-BE49-F238E27FC236}">
-                <a16:creationId xmlns:a16="http://schemas.microsoft.com/office/drawing/2014/main" id="{E6AE8D53-8050-492F-8C1B-4E297382426A}"/>
+                <a16:creationId xmlns:a16="http://schemas.microsoft.com/office/drawing/2014/main" id="{438E118A-7838-43C2-AFB9-0EE30E5D570B}"/>
               </a:ext>
             </a:extLst>
           </p:cNvPr>
@@ -6045,8 +5734,8 @@
         </p:nvSpPr>
         <p:spPr>
           <a:xfrm>
-            <a:off x="1458090" y="2403643"/>
-            <a:ext cx="7825953" cy="1477328"/>
+            <a:off x="1499283" y="2686281"/>
+            <a:ext cx="7611766" cy="2308324"/>
           </a:xfrm>
           <a:prstGeom prst="rect">
             <a:avLst/>
@@ -6064,20 +5753,6 @@
           <a:lstStyle/>
           <a:p>
             <a:r>
-              <a:rPr lang="en-US" dirty="0">
-                <a:latin typeface="Consolas" panose="020B0609020204030204" pitchFamily="49" charset="0"/>
-              </a:rPr>
-              <a:t>function distance(p1::Abstract2DPoint, p2::Abstract2DPoint)</a:t>
-            </a:r>
-          </a:p>
-          <a:p>
-            <a:r>
-              <a:rPr lang="en-US" dirty="0">
-                <a:latin typeface="Consolas" panose="020B0609020204030204" pitchFamily="49" charset="0"/>
-              </a:rPr>
-              <a:t>    x1 = </a:t>
-            </a:r>
-            <a:r>
               <a:rPr lang="en-US" dirty="0" err="1">
                 <a:latin typeface="Consolas" panose="020B0609020204030204" pitchFamily="49" charset="0"/>
               </a:rPr>
@@ -6087,222 +5762,280 @@
               <a:rPr lang="en-US" dirty="0">
                 <a:latin typeface="Consolas" panose="020B0609020204030204" pitchFamily="49" charset="0"/>
               </a:rPr>
-              <a:t>(p1); y1 = </a:t>
+              <a:t>(p::</a:t>
             </a:r>
             <a:r>
               <a:rPr lang="en-US" dirty="0" err="1">
                 <a:latin typeface="Consolas" panose="020B0609020204030204" pitchFamily="49" charset="0"/>
               </a:rPr>
+              <a:t>AbstractPoint</a:t>
+            </a:r>
+            <a:r>
+              <a:rPr lang="en-US" dirty="0">
+                <a:latin typeface="Consolas" panose="020B0609020204030204" pitchFamily="49" charset="0"/>
+              </a:rPr>
+              <a:t>) = </a:t>
+            </a:r>
+            <a:r>
+              <a:rPr lang="en-US" dirty="0" err="1">
+                <a:latin typeface="Consolas" panose="020B0609020204030204" pitchFamily="49" charset="0"/>
+              </a:rPr>
+              <a:t>p.x</a:t>
+            </a:r>
+            <a:endParaRPr lang="en-US" dirty="0">
+              <a:latin typeface="Consolas" panose="020B0609020204030204" pitchFamily="49" charset="0"/>
+            </a:endParaRPr>
+          </a:p>
+          <a:p>
+            <a:r>
+              <a:rPr lang="en-US" dirty="0" err="1">
+                <a:latin typeface="Consolas" panose="020B0609020204030204" pitchFamily="49" charset="0"/>
+              </a:rPr>
+              <a:t>set_x</a:t>
+            </a:r>
+            <a:r>
+              <a:rPr lang="en-US" dirty="0">
+                <a:latin typeface="Consolas" panose="020B0609020204030204" pitchFamily="49" charset="0"/>
+              </a:rPr>
+              <a:t>(p::</a:t>
+            </a:r>
+            <a:r>
+              <a:rPr lang="en-US" dirty="0" err="1">
+                <a:latin typeface="Consolas" panose="020B0609020204030204" pitchFamily="49" charset="0"/>
+              </a:rPr>
+              <a:t>AbstractPoint</a:t>
+            </a:r>
+            <a:r>
+              <a:rPr lang="en-US" dirty="0">
+                <a:latin typeface="Consolas" panose="020B0609020204030204" pitchFamily="49" charset="0"/>
+              </a:rPr>
+              <a:t>, </a:t>
+            </a:r>
+            <a:r>
+              <a:rPr lang="en-US" dirty="0" err="1">
+                <a:latin typeface="Consolas" panose="020B0609020204030204" pitchFamily="49" charset="0"/>
+              </a:rPr>
+              <a:t>val</a:t>
+            </a:r>
+            <a:r>
+              <a:rPr lang="en-US" dirty="0">
+                <a:latin typeface="Consolas" panose="020B0609020204030204" pitchFamily="49" charset="0"/>
+              </a:rPr>
+              <a:t>::Real) = begin </a:t>
+            </a:r>
+            <a:r>
+              <a:rPr lang="en-US" dirty="0" err="1">
+                <a:latin typeface="Consolas" panose="020B0609020204030204" pitchFamily="49" charset="0"/>
+              </a:rPr>
+              <a:t>p.x</a:t>
+            </a:r>
+            <a:r>
+              <a:rPr lang="en-US" dirty="0">
+                <a:latin typeface="Consolas" panose="020B0609020204030204" pitchFamily="49" charset="0"/>
+              </a:rPr>
+              <a:t> = </a:t>
+            </a:r>
+            <a:r>
+              <a:rPr lang="en-US" dirty="0" err="1">
+                <a:latin typeface="Consolas" panose="020B0609020204030204" pitchFamily="49" charset="0"/>
+              </a:rPr>
+              <a:t>val</a:t>
+            </a:r>
+            <a:r>
+              <a:rPr lang="en-US" dirty="0">
+                <a:latin typeface="Consolas" panose="020B0609020204030204" pitchFamily="49" charset="0"/>
+              </a:rPr>
+              <a:t>; end</a:t>
+            </a:r>
+          </a:p>
+          <a:p>
+            <a:endParaRPr lang="en-US" dirty="0">
+              <a:latin typeface="Consolas" panose="020B0609020204030204" pitchFamily="49" charset="0"/>
+            </a:endParaRPr>
+          </a:p>
+          <a:p>
+            <a:r>
+              <a:rPr lang="en-US" dirty="0" err="1">
+                <a:latin typeface="Consolas" panose="020B0609020204030204" pitchFamily="49" charset="0"/>
+              </a:rPr>
               <a:t>get_y</a:t>
             </a:r>
             <a:r>
               <a:rPr lang="en-US" dirty="0">
                 <a:latin typeface="Consolas" panose="020B0609020204030204" pitchFamily="49" charset="0"/>
               </a:rPr>
-              <a:t>(p1)</a:t>
-            </a:r>
-          </a:p>
-          <a:p>
-            <a:r>
-              <a:rPr lang="en-US" dirty="0">
-                <a:latin typeface="Consolas" panose="020B0609020204030204" pitchFamily="49" charset="0"/>
-              </a:rPr>
-              <a:t>    x2 = </a:t>
+              <a:t>(p::</a:t>
             </a:r>
             <a:r>
               <a:rPr lang="en-US" dirty="0" err="1">
                 <a:latin typeface="Consolas" panose="020B0609020204030204" pitchFamily="49" charset="0"/>
               </a:rPr>
-              <a:t>get_x</a:t>
-            </a:r>
-            <a:r>
-              <a:rPr lang="en-US" dirty="0">
-                <a:latin typeface="Consolas" panose="020B0609020204030204" pitchFamily="49" charset="0"/>
-              </a:rPr>
-              <a:t>(p2); y2 = </a:t>
+              <a:t>AbstractPoint</a:t>
+            </a:r>
+            <a:r>
+              <a:rPr lang="en-US" dirty="0">
+                <a:latin typeface="Consolas" panose="020B0609020204030204" pitchFamily="49" charset="0"/>
+              </a:rPr>
+              <a:t>) = </a:t>
             </a:r>
             <a:r>
               <a:rPr lang="en-US" dirty="0" err="1">
                 <a:latin typeface="Consolas" panose="020B0609020204030204" pitchFamily="49" charset="0"/>
               </a:rPr>
-              <a:t>get_y</a:t>
-            </a:r>
-            <a:r>
-              <a:rPr lang="en-US" dirty="0">
-                <a:latin typeface="Consolas" panose="020B0609020204030204" pitchFamily="49" charset="0"/>
-              </a:rPr>
-              <a:t>(p2)</a:t>
-            </a:r>
-          </a:p>
-          <a:p>
-            <a:r>
-              <a:rPr lang="en-US" dirty="0">
-                <a:latin typeface="Consolas" panose="020B0609020204030204" pitchFamily="49" charset="0"/>
-              </a:rPr>
-              <a:t>    return sqrt((x1 – x2)^2 + (y1 – y2)^2)</a:t>
-            </a:r>
-          </a:p>
-          <a:p>
-            <a:r>
-              <a:rPr lang="en-US" dirty="0">
-                <a:latin typeface="Consolas" panose="020B0609020204030204" pitchFamily="49" charset="0"/>
-              </a:rPr>
-              <a:t>end</a:t>
-            </a:r>
-          </a:p>
-        </p:txBody>
-      </p:sp>
-      <p:sp>
-        <p:nvSpPr>
-          <p:cNvPr id="5" name="TextBox 4">
-            <a:extLst>
-              <a:ext uri="{FF2B5EF4-FFF2-40B4-BE49-F238E27FC236}">
-                <a16:creationId xmlns:a16="http://schemas.microsoft.com/office/drawing/2014/main" id="{93AE319E-8773-4104-A9B1-174D925CB64C}"/>
-              </a:ext>
-            </a:extLst>
-          </p:cNvPr>
-          <p:cNvSpPr txBox="1"/>
-          <p:nvPr/>
-        </p:nvSpPr>
-        <p:spPr>
-          <a:xfrm>
-            <a:off x="1458089" y="4296930"/>
-            <a:ext cx="7825953" cy="1477328"/>
-          </a:xfrm>
-          <a:prstGeom prst="rect">
-            <a:avLst/>
-          </a:prstGeom>
-          <a:solidFill>
-            <a:schemeClr val="bg1">
-              <a:lumMod val="85000"/>
-            </a:schemeClr>
-          </a:solidFill>
-        </p:spPr>
-        <p:txBody>
-          <a:bodyPr wrap="square" rtlCol="0">
-            <a:spAutoFit/>
-          </a:bodyPr>
-          <a:lstStyle/>
-          <a:p>
-            <a:r>
-              <a:rPr lang="en-US" dirty="0">
-                <a:latin typeface="Consolas" panose="020B0609020204030204" pitchFamily="49" charset="0"/>
-              </a:rPr>
-              <a:t>function distance(p1::Abstract3DPoint, p2::Abstract3DPoint)</a:t>
-            </a:r>
-          </a:p>
-          <a:p>
-            <a:r>
-              <a:rPr lang="en-US" dirty="0">
-                <a:latin typeface="Consolas" panose="020B0609020204030204" pitchFamily="49" charset="0"/>
-              </a:rPr>
-              <a:t>    x1 = </a:t>
-            </a:r>
+              <a:t>p.y</a:t>
+            </a:r>
+            <a:endParaRPr lang="en-US" dirty="0">
+              <a:latin typeface="Consolas" panose="020B0609020204030204" pitchFamily="49" charset="0"/>
+            </a:endParaRPr>
+          </a:p>
+          <a:p>
             <a:r>
               <a:rPr lang="en-US" dirty="0" err="1">
                 <a:latin typeface="Consolas" panose="020B0609020204030204" pitchFamily="49" charset="0"/>
               </a:rPr>
-              <a:t>get_x</a:t>
-            </a:r>
-            <a:r>
-              <a:rPr lang="en-US" dirty="0">
-                <a:latin typeface="Consolas" panose="020B0609020204030204" pitchFamily="49" charset="0"/>
-              </a:rPr>
-              <a:t>(p1); y1 = </a:t>
+              <a:t>set_y</a:t>
+            </a:r>
+            <a:r>
+              <a:rPr lang="en-US" dirty="0">
+                <a:latin typeface="Consolas" panose="020B0609020204030204" pitchFamily="49" charset="0"/>
+              </a:rPr>
+              <a:t>(p::</a:t>
             </a:r>
             <a:r>
               <a:rPr lang="en-US" dirty="0" err="1">
                 <a:latin typeface="Consolas" panose="020B0609020204030204" pitchFamily="49" charset="0"/>
               </a:rPr>
-              <a:t>get_y</a:t>
-            </a:r>
-            <a:r>
-              <a:rPr lang="en-US" dirty="0">
-                <a:latin typeface="Consolas" panose="020B0609020204030204" pitchFamily="49" charset="0"/>
-              </a:rPr>
-              <a:t>(p1); z1 = </a:t>
+              <a:t>AbstractPoint</a:t>
+            </a:r>
+            <a:r>
+              <a:rPr lang="en-US" dirty="0">
+                <a:latin typeface="Consolas" panose="020B0609020204030204" pitchFamily="49" charset="0"/>
+              </a:rPr>
+              <a:t>, </a:t>
             </a:r>
             <a:r>
               <a:rPr lang="en-US" dirty="0" err="1">
                 <a:latin typeface="Consolas" panose="020B0609020204030204" pitchFamily="49" charset="0"/>
               </a:rPr>
+              <a:t>val</a:t>
+            </a:r>
+            <a:r>
+              <a:rPr lang="en-US" dirty="0">
+                <a:latin typeface="Consolas" panose="020B0609020204030204" pitchFamily="49" charset="0"/>
+              </a:rPr>
+              <a:t>::Real) = begin </a:t>
+            </a:r>
+            <a:r>
+              <a:rPr lang="en-US" dirty="0" err="1">
+                <a:latin typeface="Consolas" panose="020B0609020204030204" pitchFamily="49" charset="0"/>
+              </a:rPr>
+              <a:t>p.y</a:t>
+            </a:r>
+            <a:r>
+              <a:rPr lang="en-US" dirty="0">
+                <a:latin typeface="Consolas" panose="020B0609020204030204" pitchFamily="49" charset="0"/>
+              </a:rPr>
+              <a:t> = </a:t>
+            </a:r>
+            <a:r>
+              <a:rPr lang="en-US" dirty="0" err="1">
+                <a:latin typeface="Consolas" panose="020B0609020204030204" pitchFamily="49" charset="0"/>
+              </a:rPr>
+              <a:t>val</a:t>
+            </a:r>
+            <a:r>
+              <a:rPr lang="en-US" dirty="0">
+                <a:latin typeface="Consolas" panose="020B0609020204030204" pitchFamily="49" charset="0"/>
+              </a:rPr>
+              <a:t>; end</a:t>
+            </a:r>
+          </a:p>
+          <a:p>
+            <a:endParaRPr lang="en-US" dirty="0">
+              <a:latin typeface="Consolas" panose="020B0609020204030204" pitchFamily="49" charset="0"/>
+            </a:endParaRPr>
+          </a:p>
+          <a:p>
+            <a:r>
+              <a:rPr lang="en-US" dirty="0" err="1">
+                <a:latin typeface="Consolas" panose="020B0609020204030204" pitchFamily="49" charset="0"/>
+              </a:rPr>
               <a:t>get_z</a:t>
             </a:r>
             <a:r>
               <a:rPr lang="en-US" dirty="0">
                 <a:latin typeface="Consolas" panose="020B0609020204030204" pitchFamily="49" charset="0"/>
               </a:rPr>
-              <a:t>(p1)</a:t>
-            </a:r>
-          </a:p>
-          <a:p>
-            <a:r>
-              <a:rPr lang="en-US" dirty="0">
-                <a:latin typeface="Consolas" panose="020B0609020204030204" pitchFamily="49" charset="0"/>
-              </a:rPr>
-              <a:t>    x2 = </a:t>
+              <a:t>(p::AbstractPoint3D) = </a:t>
             </a:r>
             <a:r>
               <a:rPr lang="en-US" dirty="0" err="1">
                 <a:latin typeface="Consolas" panose="020B0609020204030204" pitchFamily="49" charset="0"/>
               </a:rPr>
-              <a:t>get_x</a:t>
-            </a:r>
-            <a:r>
-              <a:rPr lang="en-US" dirty="0">
-                <a:latin typeface="Consolas" panose="020B0609020204030204" pitchFamily="49" charset="0"/>
-              </a:rPr>
-              <a:t>(p2); y2 = </a:t>
-            </a:r>
+              <a:t>p.z</a:t>
+            </a:r>
+            <a:endParaRPr lang="en-US" dirty="0">
+              <a:latin typeface="Consolas" panose="020B0609020204030204" pitchFamily="49" charset="0"/>
+            </a:endParaRPr>
+          </a:p>
+          <a:p>
             <a:r>
               <a:rPr lang="en-US" dirty="0" err="1">
                 <a:latin typeface="Consolas" panose="020B0609020204030204" pitchFamily="49" charset="0"/>
               </a:rPr>
-              <a:t>get_y</a:t>
-            </a:r>
-            <a:r>
-              <a:rPr lang="en-US" dirty="0">
-                <a:latin typeface="Consolas" panose="020B0609020204030204" pitchFamily="49" charset="0"/>
-              </a:rPr>
-              <a:t>(p2); z2 = </a:t>
+              <a:t>set_z</a:t>
+            </a:r>
+            <a:r>
+              <a:rPr lang="en-US" dirty="0">
+                <a:latin typeface="Consolas" panose="020B0609020204030204" pitchFamily="49" charset="0"/>
+              </a:rPr>
+              <a:t>(p::AbstractPoint3D, </a:t>
             </a:r>
             <a:r>
               <a:rPr lang="en-US" dirty="0" err="1">
                 <a:latin typeface="Consolas" panose="020B0609020204030204" pitchFamily="49" charset="0"/>
               </a:rPr>
-              <a:t>get_z</a:t>
-            </a:r>
-            <a:r>
-              <a:rPr lang="en-US" dirty="0">
-                <a:latin typeface="Consolas" panose="020B0609020204030204" pitchFamily="49" charset="0"/>
-              </a:rPr>
-              <a:t>(p2)</a:t>
-            </a:r>
-          </a:p>
-          <a:p>
-            <a:r>
-              <a:rPr lang="en-US" dirty="0">
-                <a:latin typeface="Consolas" panose="020B0609020204030204" pitchFamily="49" charset="0"/>
-              </a:rPr>
-              <a:t>    return sqrt((x1 – x2)^2 + (y1 – y2)^2 + (z1 – z2)^2)</a:t>
-            </a:r>
-          </a:p>
-          <a:p>
-            <a:r>
-              <a:rPr lang="en-US" dirty="0">
-                <a:latin typeface="Consolas" panose="020B0609020204030204" pitchFamily="49" charset="0"/>
-              </a:rPr>
-              <a:t>end</a:t>
-            </a:r>
-          </a:p>
-        </p:txBody>
-      </p:sp>
-      <p:sp>
-        <p:nvSpPr>
-          <p:cNvPr id="6" name="Slide Number Placeholder 5">
-            <a:extLst>
-              <a:ext uri="{FF2B5EF4-FFF2-40B4-BE49-F238E27FC236}">
-                <a16:creationId xmlns:a16="http://schemas.microsoft.com/office/drawing/2014/main" id="{75798C7A-5D56-4878-AEE3-0A2DA14F1DCD}"/>
+              <a:t>val</a:t>
+            </a:r>
+            <a:r>
+              <a:rPr lang="en-US" dirty="0">
+                <a:latin typeface="Consolas" panose="020B0609020204030204" pitchFamily="49" charset="0"/>
+              </a:rPr>
+              <a:t>::Real) = begin </a:t>
+            </a:r>
+            <a:r>
+              <a:rPr lang="en-US" dirty="0" err="1">
+                <a:latin typeface="Consolas" panose="020B0609020204030204" pitchFamily="49" charset="0"/>
+              </a:rPr>
+              <a:t>p.z</a:t>
+            </a:r>
+            <a:r>
+              <a:rPr lang="en-US" dirty="0">
+                <a:latin typeface="Consolas" panose="020B0609020204030204" pitchFamily="49" charset="0"/>
+              </a:rPr>
+              <a:t> = </a:t>
+            </a:r>
+            <a:r>
+              <a:rPr lang="en-US" dirty="0" err="1">
+                <a:latin typeface="Consolas" panose="020B0609020204030204" pitchFamily="49" charset="0"/>
+              </a:rPr>
+              <a:t>val</a:t>
+            </a:r>
+            <a:r>
+              <a:rPr lang="en-US" dirty="0">
+                <a:latin typeface="Consolas" panose="020B0609020204030204" pitchFamily="49" charset="0"/>
+              </a:rPr>
+              <a:t>; end</a:t>
+            </a:r>
+          </a:p>
+        </p:txBody>
+      </p:sp>
+      <p:sp>
+        <p:nvSpPr>
+          <p:cNvPr id="5" name="Slide Number Placeholder 4">
+            <a:extLst>
+              <a:ext uri="{FF2B5EF4-FFF2-40B4-BE49-F238E27FC236}">
+                <a16:creationId xmlns:a16="http://schemas.microsoft.com/office/drawing/2014/main" id="{D18F523E-7BD0-4609-82CD-1BD2346894A4}"/>
               </a:ext>
             </a:extLst>
           </p:cNvPr>
@@ -6329,7 +6062,7 @@
     </p:spTree>
     <p:extLst>
       <p:ext uri="{BB962C8B-B14F-4D97-AF65-F5344CB8AC3E}">
-        <p14:creationId xmlns:p14="http://schemas.microsoft.com/office/powerpoint/2010/main" val="4220669020"/>
+        <p14:creationId xmlns:p14="http://schemas.microsoft.com/office/powerpoint/2010/main" val="4283076253"/>
       </p:ext>
     </p:extLst>
   </p:cSld>
@@ -6361,7 +6094,7 @@
           <p:cNvPr id="2" name="Title 1">
             <a:extLst>
               <a:ext uri="{FF2B5EF4-FFF2-40B4-BE49-F238E27FC236}">
-                <a16:creationId xmlns:a16="http://schemas.microsoft.com/office/drawing/2014/main" id="{E7A16532-2CE8-4AD7-B819-2EC8F46C855E}"/>
+                <a16:creationId xmlns:a16="http://schemas.microsoft.com/office/drawing/2014/main" id="{77FA4432-AC7E-4C0E-A953-616D26182D8F}"/>
               </a:ext>
             </a:extLst>
           </p:cNvPr>
@@ -6379,7 +6112,7 @@
           <a:p>
             <a:r>
               <a:rPr lang="en-US" dirty="0"/>
-              <a:t>Traits</a:t>
+              <a:t>Methods on types</a:t>
             </a:r>
           </a:p>
         </p:txBody>
@@ -6389,7 +6122,7 @@
           <p:cNvPr id="3" name="Content Placeholder 2">
             <a:extLst>
               <a:ext uri="{FF2B5EF4-FFF2-40B4-BE49-F238E27FC236}">
-                <a16:creationId xmlns:a16="http://schemas.microsoft.com/office/drawing/2014/main" id="{D40867FD-9A37-4959-B309-8B83344CD1BB}"/>
+                <a16:creationId xmlns:a16="http://schemas.microsoft.com/office/drawing/2014/main" id="{9C935DC9-D006-48EA-B28F-DFC60708B8D0}"/>
               </a:ext>
             </a:extLst>
           </p:cNvPr>
@@ -6407,36 +6140,7 @@
           <a:p>
             <a:r>
               <a:rPr lang="en-US" dirty="0"/>
-              <a:t>Traits are "properties" of types, e.g., color</a:t>
-            </a:r>
-          </a:p>
-          <a:p>
-            <a:endParaRPr lang="en-US" dirty="0"/>
-          </a:p>
-          <a:p>
-            <a:endParaRPr lang="en-US" dirty="0"/>
-          </a:p>
-          <a:p>
-            <a:r>
-              <a:rPr lang="en-US" dirty="0"/>
-              <a:t>Default behavior: types are </a:t>
-            </a:r>
-            <a:r>
-              <a:rPr lang="en-US" i="1" dirty="0"/>
-              <a:t>not</a:t>
-            </a:r>
-            <a:r>
-              <a:rPr lang="en-US" dirty="0"/>
-              <a:t> colored</a:t>
-            </a:r>
-          </a:p>
-          <a:p>
-            <a:endParaRPr lang="en-US" dirty="0"/>
-          </a:p>
-          <a:p>
-            <a:r>
-              <a:rPr lang="en-US" dirty="0"/>
-              <a:t>Action on trait</a:t>
+              <a:t>Multiple dispatch</a:t>
             </a:r>
           </a:p>
         </p:txBody>
@@ -6446,7 +6150,7 @@
           <p:cNvPr id="4" name="TextBox 3">
             <a:extLst>
               <a:ext uri="{FF2B5EF4-FFF2-40B4-BE49-F238E27FC236}">
-                <a16:creationId xmlns:a16="http://schemas.microsoft.com/office/drawing/2014/main" id="{A6638AD6-5743-4A9B-9763-3C80358644C9}"/>
+                <a16:creationId xmlns:a16="http://schemas.microsoft.com/office/drawing/2014/main" id="{E6AE8D53-8050-492F-8C1B-4E297382426A}"/>
               </a:ext>
             </a:extLst>
           </p:cNvPr>
@@ -6455,8 +6159,8 @@
         </p:nvSpPr>
         <p:spPr>
           <a:xfrm>
-            <a:off x="1458090" y="2288311"/>
-            <a:ext cx="5198083" cy="923330"/>
+            <a:off x="1458090" y="2403643"/>
+            <a:ext cx="7825953" cy="1477328"/>
           </a:xfrm>
           <a:prstGeom prst="rect">
             <a:avLst/>
@@ -6477,83 +6181,87 @@
               <a:rPr lang="en-US" dirty="0">
                 <a:latin typeface="Consolas" panose="020B0609020204030204" pitchFamily="49" charset="0"/>
               </a:rPr>
-              <a:t>abstract type </a:t>
+              <a:t>function distance(p1::Abstract2DPoint, p2::Abstract2DPoint)</a:t>
+            </a:r>
+          </a:p>
+          <a:p>
+            <a:r>
+              <a:rPr lang="en-US" dirty="0">
+                <a:latin typeface="Consolas" panose="020B0609020204030204" pitchFamily="49" charset="0"/>
+              </a:rPr>
+              <a:t>    x1 = </a:t>
             </a:r>
             <a:r>
               <a:rPr lang="en-US" dirty="0" err="1">
                 <a:latin typeface="Consolas" panose="020B0609020204030204" pitchFamily="49" charset="0"/>
               </a:rPr>
-              <a:t>ColoredStyle</a:t>
-            </a:r>
-            <a:r>
-              <a:rPr lang="en-US" dirty="0">
-                <a:latin typeface="Consolas" panose="020B0609020204030204" pitchFamily="49" charset="0"/>
-              </a:rPr>
-              <a:t> end</a:t>
-            </a:r>
-          </a:p>
-          <a:p>
-            <a:r>
-              <a:rPr lang="en-US" dirty="0">
-                <a:latin typeface="Consolas" panose="020B0609020204030204" pitchFamily="49" charset="0"/>
-              </a:rPr>
-              <a:t>struct </a:t>
+              <a:t>get_x</a:t>
+            </a:r>
+            <a:r>
+              <a:rPr lang="en-US" dirty="0">
+                <a:latin typeface="Consolas" panose="020B0609020204030204" pitchFamily="49" charset="0"/>
+              </a:rPr>
+              <a:t>(p1); y1 = </a:t>
             </a:r>
             <a:r>
               <a:rPr lang="en-US" dirty="0" err="1">
                 <a:latin typeface="Consolas" panose="020B0609020204030204" pitchFamily="49" charset="0"/>
               </a:rPr>
-              <a:t>IsColored</a:t>
-            </a:r>
-            <a:r>
-              <a:rPr lang="en-US" dirty="0">
-                <a:latin typeface="Consolas" panose="020B0609020204030204" pitchFamily="49" charset="0"/>
-              </a:rPr>
-              <a:t> &lt;: </a:t>
+              <a:t>get_y</a:t>
+            </a:r>
+            <a:r>
+              <a:rPr lang="en-US" dirty="0">
+                <a:latin typeface="Consolas" panose="020B0609020204030204" pitchFamily="49" charset="0"/>
+              </a:rPr>
+              <a:t>(p1)</a:t>
+            </a:r>
+          </a:p>
+          <a:p>
+            <a:r>
+              <a:rPr lang="en-US" dirty="0">
+                <a:latin typeface="Consolas" panose="020B0609020204030204" pitchFamily="49" charset="0"/>
+              </a:rPr>
+              <a:t>    x2 = </a:t>
             </a:r>
             <a:r>
               <a:rPr lang="en-US" dirty="0" err="1">
                 <a:latin typeface="Consolas" panose="020B0609020204030204" pitchFamily="49" charset="0"/>
               </a:rPr>
-              <a:t>ColoredStyle</a:t>
-            </a:r>
-            <a:r>
-              <a:rPr lang="en-US" dirty="0">
-                <a:latin typeface="Consolas" panose="020B0609020204030204" pitchFamily="49" charset="0"/>
-              </a:rPr>
-              <a:t> end</a:t>
-            </a:r>
-          </a:p>
-          <a:p>
-            <a:r>
-              <a:rPr lang="en-US" dirty="0">
-                <a:latin typeface="Consolas" panose="020B0609020204030204" pitchFamily="49" charset="0"/>
-              </a:rPr>
-              <a:t>struct </a:t>
+              <a:t>get_x</a:t>
+            </a:r>
+            <a:r>
+              <a:rPr lang="en-US" dirty="0">
+                <a:latin typeface="Consolas" panose="020B0609020204030204" pitchFamily="49" charset="0"/>
+              </a:rPr>
+              <a:t>(p2); y2 = </a:t>
             </a:r>
             <a:r>
               <a:rPr lang="en-US" dirty="0" err="1">
                 <a:latin typeface="Consolas" panose="020B0609020204030204" pitchFamily="49" charset="0"/>
               </a:rPr>
-              <a:t>IsNotColored</a:t>
-            </a:r>
-            <a:r>
-              <a:rPr lang="en-US" dirty="0">
-                <a:latin typeface="Consolas" panose="020B0609020204030204" pitchFamily="49" charset="0"/>
-              </a:rPr>
-              <a:t> &lt;: </a:t>
-            </a:r>
-            <a:r>
-              <a:rPr lang="en-US" dirty="0" err="1">
-                <a:latin typeface="Consolas" panose="020B0609020204030204" pitchFamily="49" charset="0"/>
-              </a:rPr>
-              <a:t>ColoredStyle</a:t>
-            </a:r>
-            <a:r>
-              <a:rPr lang="en-US" dirty="0">
-                <a:latin typeface="Consolas" panose="020B0609020204030204" pitchFamily="49" charset="0"/>
-              </a:rPr>
-              <a:t> end</a:t>
+              <a:t>get_y</a:t>
+            </a:r>
+            <a:r>
+              <a:rPr lang="en-US" dirty="0">
+                <a:latin typeface="Consolas" panose="020B0609020204030204" pitchFamily="49" charset="0"/>
+              </a:rPr>
+              <a:t>(p2)</a:t>
+            </a:r>
+          </a:p>
+          <a:p>
+            <a:r>
+              <a:rPr lang="en-US" dirty="0">
+                <a:latin typeface="Consolas" panose="020B0609020204030204" pitchFamily="49" charset="0"/>
+              </a:rPr>
+              <a:t>    return sqrt((x1 – x2)^2 + (y1 – y2)^2)</a:t>
+            </a:r>
+          </a:p>
+          <a:p>
+            <a:r>
+              <a:rPr lang="en-US" dirty="0">
+                <a:latin typeface="Consolas" panose="020B0609020204030204" pitchFamily="49" charset="0"/>
+              </a:rPr>
+              <a:t>end</a:t>
             </a:r>
           </a:p>
         </p:txBody>
@@ -6563,7 +6271,7 @@
           <p:cNvPr id="5" name="TextBox 4">
             <a:extLst>
               <a:ext uri="{FF2B5EF4-FFF2-40B4-BE49-F238E27FC236}">
-                <a16:creationId xmlns:a16="http://schemas.microsoft.com/office/drawing/2014/main" id="{D357F073-E5DA-4DA5-9658-8CC43161CD54}"/>
+                <a16:creationId xmlns:a16="http://schemas.microsoft.com/office/drawing/2014/main" id="{93AE319E-8773-4104-A9B1-174D925CB64C}"/>
               </a:ext>
             </a:extLst>
           </p:cNvPr>
@@ -6572,8 +6280,8 @@
         </p:nvSpPr>
         <p:spPr>
           <a:xfrm>
-            <a:off x="1458090" y="3849384"/>
-            <a:ext cx="5198084" cy="369332"/>
+            <a:off x="1458089" y="4296930"/>
+            <a:ext cx="7825953" cy="1477328"/>
           </a:xfrm>
           <a:prstGeom prst="rect">
             <a:avLst/>
@@ -6591,38 +6299,124 @@
           <a:lstStyle/>
           <a:p>
             <a:r>
+              <a:rPr lang="en-US" dirty="0">
+                <a:latin typeface="Consolas" panose="020B0609020204030204" pitchFamily="49" charset="0"/>
+              </a:rPr>
+              <a:t>function distance(p1::Abstract3DPoint, p2::Abstract3DPoint)</a:t>
+            </a:r>
+          </a:p>
+          <a:p>
+            <a:r>
+              <a:rPr lang="en-US" dirty="0">
+                <a:latin typeface="Consolas" panose="020B0609020204030204" pitchFamily="49" charset="0"/>
+              </a:rPr>
+              <a:t>    x1 = </a:t>
+            </a:r>
+            <a:r>
               <a:rPr lang="en-US" dirty="0" err="1">
                 <a:latin typeface="Consolas" panose="020B0609020204030204" pitchFamily="49" charset="0"/>
               </a:rPr>
-              <a:t>ColoredStyle</a:t>
-            </a:r>
-            <a:r>
-              <a:rPr lang="en-US" dirty="0">
-                <a:latin typeface="Consolas" panose="020B0609020204030204" pitchFamily="49" charset="0"/>
-              </a:rPr>
-              <a:t>(::Type) = </a:t>
+              <a:t>get_x</a:t>
+            </a:r>
+            <a:r>
+              <a:rPr lang="en-US" dirty="0">
+                <a:latin typeface="Consolas" panose="020B0609020204030204" pitchFamily="49" charset="0"/>
+              </a:rPr>
+              <a:t>(p1); y1 = </a:t>
             </a:r>
             <a:r>
               <a:rPr lang="en-US" dirty="0" err="1">
                 <a:latin typeface="Consolas" panose="020B0609020204030204" pitchFamily="49" charset="0"/>
               </a:rPr>
-              <a:t>IsNotColored</a:t>
-            </a:r>
-            <a:r>
-              <a:rPr lang="en-US" dirty="0">
-                <a:latin typeface="Consolas" panose="020B0609020204030204" pitchFamily="49" charset="0"/>
-              </a:rPr>
-              <a:t>()</a:t>
-            </a:r>
-          </a:p>
-        </p:txBody>
-      </p:sp>
-      <p:sp>
-        <p:nvSpPr>
-          <p:cNvPr id="7" name="Slide Number Placeholder 6">
-            <a:extLst>
-              <a:ext uri="{FF2B5EF4-FFF2-40B4-BE49-F238E27FC236}">
-                <a16:creationId xmlns:a16="http://schemas.microsoft.com/office/drawing/2014/main" id="{F7BC28D9-A7C5-4E74-A9C2-B18D3D31E6FC}"/>
+              <a:t>get_y</a:t>
+            </a:r>
+            <a:r>
+              <a:rPr lang="en-US" dirty="0">
+                <a:latin typeface="Consolas" panose="020B0609020204030204" pitchFamily="49" charset="0"/>
+              </a:rPr>
+              <a:t>(p1); z1 = </a:t>
+            </a:r>
+            <a:r>
+              <a:rPr lang="en-US" dirty="0" err="1">
+                <a:latin typeface="Consolas" panose="020B0609020204030204" pitchFamily="49" charset="0"/>
+              </a:rPr>
+              <a:t>get_z</a:t>
+            </a:r>
+            <a:r>
+              <a:rPr lang="en-US" dirty="0">
+                <a:latin typeface="Consolas" panose="020B0609020204030204" pitchFamily="49" charset="0"/>
+              </a:rPr>
+              <a:t>(p1)</a:t>
+            </a:r>
+          </a:p>
+          <a:p>
+            <a:r>
+              <a:rPr lang="en-US" dirty="0">
+                <a:latin typeface="Consolas" panose="020B0609020204030204" pitchFamily="49" charset="0"/>
+              </a:rPr>
+              <a:t>    x2 = </a:t>
+            </a:r>
+            <a:r>
+              <a:rPr lang="en-US" dirty="0" err="1">
+                <a:latin typeface="Consolas" panose="020B0609020204030204" pitchFamily="49" charset="0"/>
+              </a:rPr>
+              <a:t>get_x</a:t>
+            </a:r>
+            <a:r>
+              <a:rPr lang="en-US" dirty="0">
+                <a:latin typeface="Consolas" panose="020B0609020204030204" pitchFamily="49" charset="0"/>
+              </a:rPr>
+              <a:t>(p2); y2 = </a:t>
+            </a:r>
+            <a:r>
+              <a:rPr lang="en-US" dirty="0" err="1">
+                <a:latin typeface="Consolas" panose="020B0609020204030204" pitchFamily="49" charset="0"/>
+              </a:rPr>
+              <a:t>get_y</a:t>
+            </a:r>
+            <a:r>
+              <a:rPr lang="en-US" dirty="0">
+                <a:latin typeface="Consolas" panose="020B0609020204030204" pitchFamily="49" charset="0"/>
+              </a:rPr>
+              <a:t>(p2); z2 = </a:t>
+            </a:r>
+            <a:r>
+              <a:rPr lang="en-US" dirty="0" err="1">
+                <a:latin typeface="Consolas" panose="020B0609020204030204" pitchFamily="49" charset="0"/>
+              </a:rPr>
+              <a:t>get_z</a:t>
+            </a:r>
+            <a:r>
+              <a:rPr lang="en-US" dirty="0">
+                <a:latin typeface="Consolas" panose="020B0609020204030204" pitchFamily="49" charset="0"/>
+              </a:rPr>
+              <a:t>(p2)</a:t>
+            </a:r>
+          </a:p>
+          <a:p>
+            <a:r>
+              <a:rPr lang="en-US" dirty="0">
+                <a:latin typeface="Consolas" panose="020B0609020204030204" pitchFamily="49" charset="0"/>
+              </a:rPr>
+              <a:t>    return sqrt((x1 – x2)^2 + (y1 – y2)^2 + (z1 – z2)^2)</a:t>
+            </a:r>
+          </a:p>
+          <a:p>
+            <a:r>
+              <a:rPr lang="en-US" dirty="0">
+                <a:latin typeface="Consolas" panose="020B0609020204030204" pitchFamily="49" charset="0"/>
+              </a:rPr>
+              <a:t>end</a:t>
+            </a:r>
+          </a:p>
+        </p:txBody>
+      </p:sp>
+      <p:sp>
+        <p:nvSpPr>
+          <p:cNvPr id="6" name="Slide Number Placeholder 5">
+            <a:extLst>
+              <a:ext uri="{FF2B5EF4-FFF2-40B4-BE49-F238E27FC236}">
+                <a16:creationId xmlns:a16="http://schemas.microsoft.com/office/drawing/2014/main" id="{75798C7A-5D56-4878-AEE3-0A2DA14F1DCD}"/>
               </a:ext>
             </a:extLst>
           </p:cNvPr>
@@ -6646,154 +6440,10 @@
           </a:p>
         </p:txBody>
       </p:sp>
-      <p:sp>
-        <p:nvSpPr>
-          <p:cNvPr id="8" name="TextBox 7">
-            <a:extLst>
-              <a:ext uri="{FF2B5EF4-FFF2-40B4-BE49-F238E27FC236}">
-                <a16:creationId xmlns:a16="http://schemas.microsoft.com/office/drawing/2014/main" id="{D2C46F96-6473-4C64-9024-4CE33AF0988A}"/>
-              </a:ext>
-            </a:extLst>
-          </p:cNvPr>
-          <p:cNvSpPr txBox="1"/>
-          <p:nvPr/>
-        </p:nvSpPr>
-        <p:spPr>
-          <a:xfrm>
-            <a:off x="1458089" y="4881662"/>
-            <a:ext cx="9432333" cy="923330"/>
-          </a:xfrm>
-          <a:prstGeom prst="rect">
-            <a:avLst/>
-          </a:prstGeom>
-          <a:solidFill>
-            <a:schemeClr val="bg1">
-              <a:lumMod val="85000"/>
-            </a:schemeClr>
-          </a:solidFill>
-        </p:spPr>
-        <p:txBody>
-          <a:bodyPr wrap="square" rtlCol="0">
-            <a:spAutoFit/>
-          </a:bodyPr>
-          <a:lstStyle/>
-          <a:p>
-            <a:r>
-              <a:rPr lang="en-US" dirty="0" err="1">
-                <a:latin typeface="Consolas" panose="020B0609020204030204" pitchFamily="49" charset="0"/>
-              </a:rPr>
-              <a:t>get_color</a:t>
-            </a:r>
-            <a:r>
-              <a:rPr lang="en-US" dirty="0">
-                <a:latin typeface="Consolas" panose="020B0609020204030204" pitchFamily="49" charset="0"/>
-              </a:rPr>
-              <a:t>(obj::T) where {T} = </a:t>
-            </a:r>
-            <a:r>
-              <a:rPr lang="en-US" dirty="0" err="1">
-                <a:latin typeface="Consolas" panose="020B0609020204030204" pitchFamily="49" charset="0"/>
-              </a:rPr>
-              <a:t>get_color</a:t>
-            </a:r>
-            <a:r>
-              <a:rPr lang="en-US" dirty="0">
-                <a:latin typeface="Consolas" panose="020B0609020204030204" pitchFamily="49" charset="0"/>
-              </a:rPr>
-              <a:t>(</a:t>
-            </a:r>
-            <a:r>
-              <a:rPr lang="en-US" dirty="0" err="1">
-                <a:latin typeface="Consolas" panose="020B0609020204030204" pitchFamily="49" charset="0"/>
-              </a:rPr>
-              <a:t>ColoredStyle</a:t>
-            </a:r>
-            <a:r>
-              <a:rPr lang="en-US" dirty="0">
-                <a:latin typeface="Consolas" panose="020B0609020204030204" pitchFamily="49" charset="0"/>
-              </a:rPr>
-              <a:t>(T), obj)</a:t>
-            </a:r>
-          </a:p>
-          <a:p>
-            <a:r>
-              <a:rPr lang="en-US" dirty="0" err="1">
-                <a:latin typeface="Consolas" panose="020B0609020204030204" pitchFamily="49" charset="0"/>
-              </a:rPr>
-              <a:t>get_color</a:t>
-            </a:r>
-            <a:r>
-              <a:rPr lang="en-US" dirty="0">
-                <a:latin typeface="Consolas" panose="020B0609020204030204" pitchFamily="49" charset="0"/>
-              </a:rPr>
-              <a:t>(::</a:t>
-            </a:r>
-            <a:r>
-              <a:rPr lang="en-US" dirty="0" err="1">
-                <a:latin typeface="Consolas" panose="020B0609020204030204" pitchFamily="49" charset="0"/>
-              </a:rPr>
-              <a:t>IsNotColored</a:t>
-            </a:r>
-            <a:r>
-              <a:rPr lang="en-US" dirty="0">
-                <a:latin typeface="Consolas" panose="020B0609020204030204" pitchFamily="49" charset="0"/>
-              </a:rPr>
-              <a:t>, obj) = error("$(</a:t>
-            </a:r>
-            <a:r>
-              <a:rPr lang="en-US" dirty="0" err="1">
-                <a:latin typeface="Consolas" panose="020B0609020204030204" pitchFamily="49" charset="0"/>
-              </a:rPr>
-              <a:t>typeof</a:t>
-            </a:r>
-            <a:r>
-              <a:rPr lang="en-US" dirty="0">
-                <a:latin typeface="Consolas" panose="020B0609020204030204" pitchFamily="49" charset="0"/>
-              </a:rPr>
-              <a:t>(obj)) is not colored")</a:t>
-            </a:r>
-          </a:p>
-          <a:p>
-            <a:r>
-              <a:rPr lang="en-US" dirty="0" err="1">
-                <a:latin typeface="Consolas" panose="020B0609020204030204" pitchFamily="49" charset="0"/>
-              </a:rPr>
-              <a:t>get_color</a:t>
-            </a:r>
-            <a:r>
-              <a:rPr lang="en-US" dirty="0">
-                <a:latin typeface="Consolas" panose="020B0609020204030204" pitchFamily="49" charset="0"/>
-              </a:rPr>
-              <a:t>(::</a:t>
-            </a:r>
-            <a:r>
-              <a:rPr lang="en-US" dirty="0" err="1">
-                <a:latin typeface="Consolas" panose="020B0609020204030204" pitchFamily="49" charset="0"/>
-              </a:rPr>
-              <a:t>IsColored</a:t>
-            </a:r>
-            <a:r>
-              <a:rPr lang="en-US" dirty="0">
-                <a:latin typeface="Consolas" panose="020B0609020204030204" pitchFamily="49" charset="0"/>
-              </a:rPr>
-              <a:t>, obj) = </a:t>
-            </a:r>
-            <a:r>
-              <a:rPr lang="en-US" dirty="0" err="1">
-                <a:latin typeface="Consolas" panose="020B0609020204030204" pitchFamily="49" charset="0"/>
-              </a:rPr>
-              <a:t>obj.color</a:t>
-            </a:r>
-            <a:endParaRPr lang="en-US" dirty="0">
-              <a:latin typeface="Consolas" panose="020B0609020204030204" pitchFamily="49" charset="0"/>
-            </a:endParaRPr>
-          </a:p>
-        </p:txBody>
-      </p:sp>
     </p:spTree>
     <p:extLst>
       <p:ext uri="{BB962C8B-B14F-4D97-AF65-F5344CB8AC3E}">
-        <p14:creationId xmlns:p14="http://schemas.microsoft.com/office/powerpoint/2010/main" val="1298737522"/>
+        <p14:creationId xmlns:p14="http://schemas.microsoft.com/office/powerpoint/2010/main" val="4220669020"/>
       </p:ext>
     </p:extLst>
   </p:cSld>
@@ -6825,7 +6475,7 @@
           <p:cNvPr id="2" name="Title 1">
             <a:extLst>
               <a:ext uri="{FF2B5EF4-FFF2-40B4-BE49-F238E27FC236}">
-                <a16:creationId xmlns:a16="http://schemas.microsoft.com/office/drawing/2014/main" id="{C24B8F5C-1F74-45D8-AD90-2A6B9A5C60A9}"/>
+                <a16:creationId xmlns:a16="http://schemas.microsoft.com/office/drawing/2014/main" id="{E7A16532-2CE8-4AD7-B819-2EC8F46C855E}"/>
               </a:ext>
             </a:extLst>
           </p:cNvPr>
@@ -6843,7 +6493,7 @@
           <a:p>
             <a:r>
               <a:rPr lang="en-US" dirty="0"/>
-              <a:t>Applying traits</a:t>
+              <a:t>Traits</a:t>
             </a:r>
           </a:p>
         </p:txBody>
@@ -6853,7 +6503,7 @@
           <p:cNvPr id="3" name="Content Placeholder 2">
             <a:extLst>
               <a:ext uri="{FF2B5EF4-FFF2-40B4-BE49-F238E27FC236}">
-                <a16:creationId xmlns:a16="http://schemas.microsoft.com/office/drawing/2014/main" id="{9CD54D94-4EC8-46DE-8932-F1182147976C}"/>
+                <a16:creationId xmlns:a16="http://schemas.microsoft.com/office/drawing/2014/main" id="{D40867FD-9A37-4959-B309-8B83344CD1BB}"/>
               </a:ext>
             </a:extLst>
           </p:cNvPr>
@@ -6871,7 +6521,7 @@
           <a:p>
             <a:r>
               <a:rPr lang="en-US" dirty="0"/>
-              <a:t>Pixel again</a:t>
+              <a:t>Traits are "properties" of types, e.g., color</a:t>
             </a:r>
           </a:p>
           <a:p>
@@ -6881,25 +6531,212 @@
             <a:endParaRPr lang="en-US" dirty="0"/>
           </a:p>
           <a:p>
+            <a:r>
+              <a:rPr lang="en-US" dirty="0"/>
+              <a:t>Default behavior: types are </a:t>
+            </a:r>
+            <a:r>
+              <a:rPr lang="en-US" i="1" dirty="0"/>
+              <a:t>not</a:t>
+            </a:r>
+            <a:r>
+              <a:rPr lang="en-US" dirty="0"/>
+              <a:t> colored</a:t>
+            </a:r>
+          </a:p>
+          <a:p>
             <a:endParaRPr lang="en-US" dirty="0"/>
           </a:p>
           <a:p>
-            <a:endParaRPr lang="en-US" dirty="0"/>
-          </a:p>
-          <a:p>
             <a:r>
               <a:rPr lang="en-US" dirty="0"/>
-              <a:t>Paint</a:t>
-            </a:r>
-          </a:p>
-        </p:txBody>
-      </p:sp>
-      <p:sp>
-        <p:nvSpPr>
-          <p:cNvPr id="4" name="Slide Number Placeholder 3">
-            <a:extLst>
-              <a:ext uri="{FF2B5EF4-FFF2-40B4-BE49-F238E27FC236}">
-                <a16:creationId xmlns:a16="http://schemas.microsoft.com/office/drawing/2014/main" id="{6A106F6D-7720-4566-8BBD-70C54F3ED003}"/>
+              <a:t>Action on trait</a:t>
+            </a:r>
+          </a:p>
+        </p:txBody>
+      </p:sp>
+      <p:sp>
+        <p:nvSpPr>
+          <p:cNvPr id="4" name="TextBox 3">
+            <a:extLst>
+              <a:ext uri="{FF2B5EF4-FFF2-40B4-BE49-F238E27FC236}">
+                <a16:creationId xmlns:a16="http://schemas.microsoft.com/office/drawing/2014/main" id="{A6638AD6-5743-4A9B-9763-3C80358644C9}"/>
+              </a:ext>
+            </a:extLst>
+          </p:cNvPr>
+          <p:cNvSpPr txBox="1"/>
+          <p:nvPr/>
+        </p:nvSpPr>
+        <p:spPr>
+          <a:xfrm>
+            <a:off x="1458090" y="2288311"/>
+            <a:ext cx="5198083" cy="923330"/>
+          </a:xfrm>
+          <a:prstGeom prst="rect">
+            <a:avLst/>
+          </a:prstGeom>
+          <a:solidFill>
+            <a:schemeClr val="bg1">
+              <a:lumMod val="85000"/>
+            </a:schemeClr>
+          </a:solidFill>
+        </p:spPr>
+        <p:txBody>
+          <a:bodyPr wrap="square" rtlCol="0">
+            <a:spAutoFit/>
+          </a:bodyPr>
+          <a:lstStyle/>
+          <a:p>
+            <a:r>
+              <a:rPr lang="en-US" dirty="0">
+                <a:latin typeface="Consolas" panose="020B0609020204030204" pitchFamily="49" charset="0"/>
+              </a:rPr>
+              <a:t>abstract type </a:t>
+            </a:r>
+            <a:r>
+              <a:rPr lang="en-US" dirty="0" err="1">
+                <a:latin typeface="Consolas" panose="020B0609020204030204" pitchFamily="49" charset="0"/>
+              </a:rPr>
+              <a:t>ColoredStyle</a:t>
+            </a:r>
+            <a:r>
+              <a:rPr lang="en-US" dirty="0">
+                <a:latin typeface="Consolas" panose="020B0609020204030204" pitchFamily="49" charset="0"/>
+              </a:rPr>
+              <a:t> end</a:t>
+            </a:r>
+          </a:p>
+          <a:p>
+            <a:r>
+              <a:rPr lang="en-US" dirty="0">
+                <a:latin typeface="Consolas" panose="020B0609020204030204" pitchFamily="49" charset="0"/>
+              </a:rPr>
+              <a:t>struct </a:t>
+            </a:r>
+            <a:r>
+              <a:rPr lang="en-US" dirty="0" err="1">
+                <a:latin typeface="Consolas" panose="020B0609020204030204" pitchFamily="49" charset="0"/>
+              </a:rPr>
+              <a:t>IsColored</a:t>
+            </a:r>
+            <a:r>
+              <a:rPr lang="en-US" dirty="0">
+                <a:latin typeface="Consolas" panose="020B0609020204030204" pitchFamily="49" charset="0"/>
+              </a:rPr>
+              <a:t> &lt;: </a:t>
+            </a:r>
+            <a:r>
+              <a:rPr lang="en-US" dirty="0" err="1">
+                <a:latin typeface="Consolas" panose="020B0609020204030204" pitchFamily="49" charset="0"/>
+              </a:rPr>
+              <a:t>ColoredStyle</a:t>
+            </a:r>
+            <a:r>
+              <a:rPr lang="en-US" dirty="0">
+                <a:latin typeface="Consolas" panose="020B0609020204030204" pitchFamily="49" charset="0"/>
+              </a:rPr>
+              <a:t> end</a:t>
+            </a:r>
+          </a:p>
+          <a:p>
+            <a:r>
+              <a:rPr lang="en-US" dirty="0">
+                <a:latin typeface="Consolas" panose="020B0609020204030204" pitchFamily="49" charset="0"/>
+              </a:rPr>
+              <a:t>struct </a:t>
+            </a:r>
+            <a:r>
+              <a:rPr lang="en-US" dirty="0" err="1">
+                <a:latin typeface="Consolas" panose="020B0609020204030204" pitchFamily="49" charset="0"/>
+              </a:rPr>
+              <a:t>IsNotColored</a:t>
+            </a:r>
+            <a:r>
+              <a:rPr lang="en-US" dirty="0">
+                <a:latin typeface="Consolas" panose="020B0609020204030204" pitchFamily="49" charset="0"/>
+              </a:rPr>
+              <a:t> &lt;: </a:t>
+            </a:r>
+            <a:r>
+              <a:rPr lang="en-US" dirty="0" err="1">
+                <a:latin typeface="Consolas" panose="020B0609020204030204" pitchFamily="49" charset="0"/>
+              </a:rPr>
+              <a:t>ColoredStyle</a:t>
+            </a:r>
+            <a:r>
+              <a:rPr lang="en-US" dirty="0">
+                <a:latin typeface="Consolas" panose="020B0609020204030204" pitchFamily="49" charset="0"/>
+              </a:rPr>
+              <a:t> end</a:t>
+            </a:r>
+          </a:p>
+        </p:txBody>
+      </p:sp>
+      <p:sp>
+        <p:nvSpPr>
+          <p:cNvPr id="5" name="TextBox 4">
+            <a:extLst>
+              <a:ext uri="{FF2B5EF4-FFF2-40B4-BE49-F238E27FC236}">
+                <a16:creationId xmlns:a16="http://schemas.microsoft.com/office/drawing/2014/main" id="{D357F073-E5DA-4DA5-9658-8CC43161CD54}"/>
+              </a:ext>
+            </a:extLst>
+          </p:cNvPr>
+          <p:cNvSpPr txBox="1"/>
+          <p:nvPr/>
+        </p:nvSpPr>
+        <p:spPr>
+          <a:xfrm>
+            <a:off x="1458090" y="3849384"/>
+            <a:ext cx="5198084" cy="369332"/>
+          </a:xfrm>
+          <a:prstGeom prst="rect">
+            <a:avLst/>
+          </a:prstGeom>
+          <a:solidFill>
+            <a:schemeClr val="bg1">
+              <a:lumMod val="85000"/>
+            </a:schemeClr>
+          </a:solidFill>
+        </p:spPr>
+        <p:txBody>
+          <a:bodyPr wrap="square" rtlCol="0">
+            <a:spAutoFit/>
+          </a:bodyPr>
+          <a:lstStyle/>
+          <a:p>
+            <a:r>
+              <a:rPr lang="en-US" dirty="0" err="1">
+                <a:latin typeface="Consolas" panose="020B0609020204030204" pitchFamily="49" charset="0"/>
+              </a:rPr>
+              <a:t>ColoredStyle</a:t>
+            </a:r>
+            <a:r>
+              <a:rPr lang="en-US" dirty="0">
+                <a:latin typeface="Consolas" panose="020B0609020204030204" pitchFamily="49" charset="0"/>
+              </a:rPr>
+              <a:t>(::Type) = </a:t>
+            </a:r>
+            <a:r>
+              <a:rPr lang="en-US" dirty="0" err="1">
+                <a:latin typeface="Consolas" panose="020B0609020204030204" pitchFamily="49" charset="0"/>
+              </a:rPr>
+              <a:t>IsNotColored</a:t>
+            </a:r>
+            <a:r>
+              <a:rPr lang="en-US" dirty="0">
+                <a:latin typeface="Consolas" panose="020B0609020204030204" pitchFamily="49" charset="0"/>
+              </a:rPr>
+              <a:t>()</a:t>
+            </a:r>
+          </a:p>
+        </p:txBody>
+      </p:sp>
+      <p:sp>
+        <p:nvSpPr>
+          <p:cNvPr id="7" name="Slide Number Placeholder 6">
+            <a:extLst>
+              <a:ext uri="{FF2B5EF4-FFF2-40B4-BE49-F238E27FC236}">
+                <a16:creationId xmlns:a16="http://schemas.microsoft.com/office/drawing/2014/main" id="{F7BC28D9-A7C5-4E74-A9C2-B18D3D31E6FC}"/>
               </a:ext>
             </a:extLst>
           </p:cNvPr>
@@ -6918,6 +6755,283 @@
             <a:fld id="{78F7A1EC-23D1-431D-8C93-9C4ED5D4A04D}" type="slidenum">
               <a:rPr lang="en-US" smtClean="0"/>
               <a:t>16</a:t>
+            </a:fld>
+            <a:endParaRPr lang="en-US"/>
+          </a:p>
+        </p:txBody>
+      </p:sp>
+      <p:sp>
+        <p:nvSpPr>
+          <p:cNvPr id="8" name="TextBox 7">
+            <a:extLst>
+              <a:ext uri="{FF2B5EF4-FFF2-40B4-BE49-F238E27FC236}">
+                <a16:creationId xmlns:a16="http://schemas.microsoft.com/office/drawing/2014/main" id="{D2C46F96-6473-4C64-9024-4CE33AF0988A}"/>
+              </a:ext>
+            </a:extLst>
+          </p:cNvPr>
+          <p:cNvSpPr txBox="1"/>
+          <p:nvPr/>
+        </p:nvSpPr>
+        <p:spPr>
+          <a:xfrm>
+            <a:off x="1458089" y="4881662"/>
+            <a:ext cx="9432333" cy="923330"/>
+          </a:xfrm>
+          <a:prstGeom prst="rect">
+            <a:avLst/>
+          </a:prstGeom>
+          <a:solidFill>
+            <a:schemeClr val="bg1">
+              <a:lumMod val="85000"/>
+            </a:schemeClr>
+          </a:solidFill>
+        </p:spPr>
+        <p:txBody>
+          <a:bodyPr wrap="square" rtlCol="0">
+            <a:spAutoFit/>
+          </a:bodyPr>
+          <a:lstStyle/>
+          <a:p>
+            <a:r>
+              <a:rPr lang="en-US" dirty="0" err="1">
+                <a:latin typeface="Consolas" panose="020B0609020204030204" pitchFamily="49" charset="0"/>
+              </a:rPr>
+              <a:t>get_color</a:t>
+            </a:r>
+            <a:r>
+              <a:rPr lang="en-US" dirty="0">
+                <a:latin typeface="Consolas" panose="020B0609020204030204" pitchFamily="49" charset="0"/>
+              </a:rPr>
+              <a:t>(obj::T) where {T} = </a:t>
+            </a:r>
+            <a:r>
+              <a:rPr lang="en-US" dirty="0" err="1">
+                <a:latin typeface="Consolas" panose="020B0609020204030204" pitchFamily="49" charset="0"/>
+              </a:rPr>
+              <a:t>get_color</a:t>
+            </a:r>
+            <a:r>
+              <a:rPr lang="en-US" dirty="0">
+                <a:latin typeface="Consolas" panose="020B0609020204030204" pitchFamily="49" charset="0"/>
+              </a:rPr>
+              <a:t>(</a:t>
+            </a:r>
+            <a:r>
+              <a:rPr lang="en-US" dirty="0" err="1">
+                <a:latin typeface="Consolas" panose="020B0609020204030204" pitchFamily="49" charset="0"/>
+              </a:rPr>
+              <a:t>ColoredStyle</a:t>
+            </a:r>
+            <a:r>
+              <a:rPr lang="en-US" dirty="0">
+                <a:latin typeface="Consolas" panose="020B0609020204030204" pitchFamily="49" charset="0"/>
+              </a:rPr>
+              <a:t>(T), obj)</a:t>
+            </a:r>
+          </a:p>
+          <a:p>
+            <a:r>
+              <a:rPr lang="en-US" dirty="0" err="1">
+                <a:latin typeface="Consolas" panose="020B0609020204030204" pitchFamily="49" charset="0"/>
+              </a:rPr>
+              <a:t>get_color</a:t>
+            </a:r>
+            <a:r>
+              <a:rPr lang="en-US" dirty="0">
+                <a:latin typeface="Consolas" panose="020B0609020204030204" pitchFamily="49" charset="0"/>
+              </a:rPr>
+              <a:t>(::</a:t>
+            </a:r>
+            <a:r>
+              <a:rPr lang="en-US" dirty="0" err="1">
+                <a:latin typeface="Consolas" panose="020B0609020204030204" pitchFamily="49" charset="0"/>
+              </a:rPr>
+              <a:t>IsNotColored</a:t>
+            </a:r>
+            <a:r>
+              <a:rPr lang="en-US" dirty="0">
+                <a:latin typeface="Consolas" panose="020B0609020204030204" pitchFamily="49" charset="0"/>
+              </a:rPr>
+              <a:t>, obj) = error("$(</a:t>
+            </a:r>
+            <a:r>
+              <a:rPr lang="en-US" dirty="0" err="1">
+                <a:latin typeface="Consolas" panose="020B0609020204030204" pitchFamily="49" charset="0"/>
+              </a:rPr>
+              <a:t>typeof</a:t>
+            </a:r>
+            <a:r>
+              <a:rPr lang="en-US" dirty="0">
+                <a:latin typeface="Consolas" panose="020B0609020204030204" pitchFamily="49" charset="0"/>
+              </a:rPr>
+              <a:t>(obj)) is not colored")</a:t>
+            </a:r>
+          </a:p>
+          <a:p>
+            <a:r>
+              <a:rPr lang="en-US" dirty="0" err="1">
+                <a:latin typeface="Consolas" panose="020B0609020204030204" pitchFamily="49" charset="0"/>
+              </a:rPr>
+              <a:t>get_color</a:t>
+            </a:r>
+            <a:r>
+              <a:rPr lang="en-US" dirty="0">
+                <a:latin typeface="Consolas" panose="020B0609020204030204" pitchFamily="49" charset="0"/>
+              </a:rPr>
+              <a:t>(::</a:t>
+            </a:r>
+            <a:r>
+              <a:rPr lang="en-US" dirty="0" err="1">
+                <a:latin typeface="Consolas" panose="020B0609020204030204" pitchFamily="49" charset="0"/>
+              </a:rPr>
+              <a:t>IsColored</a:t>
+            </a:r>
+            <a:r>
+              <a:rPr lang="en-US" dirty="0">
+                <a:latin typeface="Consolas" panose="020B0609020204030204" pitchFamily="49" charset="0"/>
+              </a:rPr>
+              <a:t>, obj) = </a:t>
+            </a:r>
+            <a:r>
+              <a:rPr lang="en-US" dirty="0" err="1">
+                <a:latin typeface="Consolas" panose="020B0609020204030204" pitchFamily="49" charset="0"/>
+              </a:rPr>
+              <a:t>obj.color</a:t>
+            </a:r>
+            <a:endParaRPr lang="en-US" dirty="0">
+              <a:latin typeface="Consolas" panose="020B0609020204030204" pitchFamily="49" charset="0"/>
+            </a:endParaRPr>
+          </a:p>
+        </p:txBody>
+      </p:sp>
+    </p:spTree>
+    <p:extLst>
+      <p:ext uri="{BB962C8B-B14F-4D97-AF65-F5344CB8AC3E}">
+        <p14:creationId xmlns:p14="http://schemas.microsoft.com/office/powerpoint/2010/main" val="1298737522"/>
+      </p:ext>
+    </p:extLst>
+  </p:cSld>
+  <p:clrMapOvr>
+    <a:masterClrMapping/>
+  </p:clrMapOvr>
+</p:sld>
+</file>
+
+<file path=ppt/slides/slide17.xml><?xml version="1.0" encoding="utf-8"?>
+<p:sld xmlns:a="http://schemas.openxmlformats.org/drawingml/2006/main" xmlns:r="http://schemas.openxmlformats.org/officeDocument/2006/relationships" xmlns:p="http://schemas.openxmlformats.org/presentationml/2006/main">
+  <p:cSld>
+    <p:spTree>
+      <p:nvGrpSpPr>
+        <p:cNvPr id="1" name=""/>
+        <p:cNvGrpSpPr/>
+        <p:nvPr/>
+      </p:nvGrpSpPr>
+      <p:grpSpPr>
+        <a:xfrm>
+          <a:off x="0" y="0"/>
+          <a:ext cx="0" cy="0"/>
+          <a:chOff x="0" y="0"/>
+          <a:chExt cx="0" cy="0"/>
+        </a:xfrm>
+      </p:grpSpPr>
+      <p:sp>
+        <p:nvSpPr>
+          <p:cNvPr id="2" name="Title 1">
+            <a:extLst>
+              <a:ext uri="{FF2B5EF4-FFF2-40B4-BE49-F238E27FC236}">
+                <a16:creationId xmlns:a16="http://schemas.microsoft.com/office/drawing/2014/main" id="{C24B8F5C-1F74-45D8-AD90-2A6B9A5C60A9}"/>
+              </a:ext>
+            </a:extLst>
+          </p:cNvPr>
+          <p:cNvSpPr>
+            <a:spLocks noGrp="1"/>
+          </p:cNvSpPr>
+          <p:nvPr>
+            <p:ph type="title"/>
+          </p:nvPr>
+        </p:nvSpPr>
+        <p:spPr/>
+        <p:txBody>
+          <a:bodyPr/>
+          <a:lstStyle/>
+          <a:p>
+            <a:r>
+              <a:rPr lang="en-US" dirty="0"/>
+              <a:t>Applying traits</a:t>
+            </a:r>
+          </a:p>
+        </p:txBody>
+      </p:sp>
+      <p:sp>
+        <p:nvSpPr>
+          <p:cNvPr id="3" name="Content Placeholder 2">
+            <a:extLst>
+              <a:ext uri="{FF2B5EF4-FFF2-40B4-BE49-F238E27FC236}">
+                <a16:creationId xmlns:a16="http://schemas.microsoft.com/office/drawing/2014/main" id="{9CD54D94-4EC8-46DE-8932-F1182147976C}"/>
+              </a:ext>
+            </a:extLst>
+          </p:cNvPr>
+          <p:cNvSpPr>
+            <a:spLocks noGrp="1"/>
+          </p:cNvSpPr>
+          <p:nvPr>
+            <p:ph idx="1"/>
+          </p:nvPr>
+        </p:nvSpPr>
+        <p:spPr/>
+        <p:txBody>
+          <a:bodyPr/>
+          <a:lstStyle/>
+          <a:p>
+            <a:r>
+              <a:rPr lang="en-US" dirty="0"/>
+              <a:t>Pixel again</a:t>
+            </a:r>
+          </a:p>
+          <a:p>
+            <a:endParaRPr lang="en-US" dirty="0"/>
+          </a:p>
+          <a:p>
+            <a:endParaRPr lang="en-US" dirty="0"/>
+          </a:p>
+          <a:p>
+            <a:endParaRPr lang="en-US" dirty="0"/>
+          </a:p>
+          <a:p>
+            <a:endParaRPr lang="en-US" dirty="0"/>
+          </a:p>
+          <a:p>
+            <a:r>
+              <a:rPr lang="en-US" dirty="0"/>
+              <a:t>Paint</a:t>
+            </a:r>
+          </a:p>
+        </p:txBody>
+      </p:sp>
+      <p:sp>
+        <p:nvSpPr>
+          <p:cNvPr id="4" name="Slide Number Placeholder 3">
+            <a:extLst>
+              <a:ext uri="{FF2B5EF4-FFF2-40B4-BE49-F238E27FC236}">
+                <a16:creationId xmlns:a16="http://schemas.microsoft.com/office/drawing/2014/main" id="{6A106F6D-7720-4566-8BBD-70C54F3ED003}"/>
+              </a:ext>
+            </a:extLst>
+          </p:cNvPr>
+          <p:cNvSpPr>
+            <a:spLocks noGrp="1"/>
+          </p:cNvSpPr>
+          <p:nvPr>
+            <p:ph type="sldNum" sz="quarter" idx="12"/>
+          </p:nvPr>
+        </p:nvSpPr>
+        <p:spPr/>
+        <p:txBody>
+          <a:bodyPr/>
+          <a:lstStyle/>
+          <a:p>
+            <a:fld id="{78F7A1EC-23D1-431D-8C93-9C4ED5D4A04D}" type="slidenum">
+              <a:rPr lang="en-US" smtClean="0"/>
+              <a:t>17</a:t>
             </a:fld>
             <a:endParaRPr lang="en-US"/>
           </a:p>
@@ -7727,7 +7841,7 @@
 </p:sld>
 </file>
 
-<file path=ppt/slides/slide17.xml><?xml version="1.0" encoding="utf-8"?>
+<file path=ppt/slides/slide18.xml><?xml version="1.0" encoding="utf-8"?>
 <p:sld xmlns:a="http://schemas.openxmlformats.org/drawingml/2006/main" xmlns:r="http://schemas.openxmlformats.org/officeDocument/2006/relationships" xmlns:p="http://schemas.openxmlformats.org/presentationml/2006/main">
   <p:cSld>
     <p:spTree>
@@ -7749,7 +7863,7 @@
           <p:cNvPr id="2" name="Title 1">
             <a:extLst>
               <a:ext uri="{FF2B5EF4-FFF2-40B4-BE49-F238E27FC236}">
-                <a16:creationId xmlns:a16="http://schemas.microsoft.com/office/drawing/2014/main" id="{5996CC12-00C7-483E-8CFF-7965D13CF81D}"/>
+                <a16:creationId xmlns:a16="http://schemas.microsoft.com/office/drawing/2014/main" id="{6307D81E-EFAF-4436-B73E-E939260CBB19}"/>
               </a:ext>
             </a:extLst>
           </p:cNvPr>
@@ -7767,7 +7881,7 @@
           <a:p>
             <a:r>
               <a:rPr lang="en-US" dirty="0"/>
-              <a:t>Methods</a:t>
+              <a:t>Conclusions</a:t>
             </a:r>
           </a:p>
         </p:txBody>
@@ -7777,7 +7891,7 @@
           <p:cNvPr id="3" name="Text Placeholder 2">
             <a:extLst>
               <a:ext uri="{FF2B5EF4-FFF2-40B4-BE49-F238E27FC236}">
-                <a16:creationId xmlns:a16="http://schemas.microsoft.com/office/drawing/2014/main" id="{4DBA96D6-590F-4DFD-8B92-2B05EA00B8D6}"/>
+                <a16:creationId xmlns:a16="http://schemas.microsoft.com/office/drawing/2014/main" id="{DC55516A-4A28-44FF-8486-3FE865D91831}"/>
               </a:ext>
             </a:extLst>
           </p:cNvPr>
@@ -7802,7 +7916,7 @@
           <p:cNvPr id="4" name="Slide Number Placeholder 3">
             <a:extLst>
               <a:ext uri="{FF2B5EF4-FFF2-40B4-BE49-F238E27FC236}">
-                <a16:creationId xmlns:a16="http://schemas.microsoft.com/office/drawing/2014/main" id="{D4FDC261-61BA-4399-84EE-BBD1B46F99D2}"/>
+                <a16:creationId xmlns:a16="http://schemas.microsoft.com/office/drawing/2014/main" id="{53AB6EFF-30E7-456D-BC44-A709200CEB74}"/>
               </a:ext>
             </a:extLst>
           </p:cNvPr>
@@ -7820,7 +7934,7 @@
           <a:p>
             <a:fld id="{78F7A1EC-23D1-431D-8C93-9C4ED5D4A04D}" type="slidenum">
               <a:rPr lang="en-US" smtClean="0"/>
-              <a:t>17</a:t>
+              <a:t>18</a:t>
             </a:fld>
             <a:endParaRPr lang="en-US"/>
           </a:p>
@@ -7829,7 +7943,161 @@
     </p:spTree>
     <p:extLst>
       <p:ext uri="{BB962C8B-B14F-4D97-AF65-F5344CB8AC3E}">
-        <p14:creationId xmlns:p14="http://schemas.microsoft.com/office/powerpoint/2010/main" val="3245103629"/>
+        <p14:creationId xmlns:p14="http://schemas.microsoft.com/office/powerpoint/2010/main" val="862146666"/>
+      </p:ext>
+    </p:extLst>
+  </p:cSld>
+  <p:clrMapOvr>
+    <a:masterClrMapping/>
+  </p:clrMapOvr>
+</p:sld>
+</file>
+
+<file path=ppt/slides/slide19.xml><?xml version="1.0" encoding="utf-8"?>
+<p:sld xmlns:a="http://schemas.openxmlformats.org/drawingml/2006/main" xmlns:r="http://schemas.openxmlformats.org/officeDocument/2006/relationships" xmlns:p="http://schemas.openxmlformats.org/presentationml/2006/main">
+  <p:cSld>
+    <p:spTree>
+      <p:nvGrpSpPr>
+        <p:cNvPr id="1" name=""/>
+        <p:cNvGrpSpPr/>
+        <p:nvPr/>
+      </p:nvGrpSpPr>
+      <p:grpSpPr>
+        <a:xfrm>
+          <a:off x="0" y="0"/>
+          <a:ext cx="0" cy="0"/>
+          <a:chOff x="0" y="0"/>
+          <a:chExt cx="0" cy="0"/>
+        </a:xfrm>
+      </p:grpSpPr>
+      <p:sp>
+        <p:nvSpPr>
+          <p:cNvPr id="2" name="Title 1">
+            <a:extLst>
+              <a:ext uri="{FF2B5EF4-FFF2-40B4-BE49-F238E27FC236}">
+                <a16:creationId xmlns:a16="http://schemas.microsoft.com/office/drawing/2014/main" id="{14D02DFE-982D-454E-88FE-F58EAAD99062}"/>
+              </a:ext>
+            </a:extLst>
+          </p:cNvPr>
+          <p:cNvSpPr>
+            <a:spLocks noGrp="1"/>
+          </p:cNvSpPr>
+          <p:nvPr>
+            <p:ph type="title"/>
+          </p:nvPr>
+        </p:nvSpPr>
+        <p:spPr/>
+        <p:txBody>
+          <a:bodyPr/>
+          <a:lstStyle/>
+          <a:p>
+            <a:r>
+              <a:rPr lang="en-US" dirty="0"/>
+              <a:t>References</a:t>
+            </a:r>
+          </a:p>
+        </p:txBody>
+      </p:sp>
+      <p:sp>
+        <p:nvSpPr>
+          <p:cNvPr id="3" name="Content Placeholder 2">
+            <a:extLst>
+              <a:ext uri="{FF2B5EF4-FFF2-40B4-BE49-F238E27FC236}">
+                <a16:creationId xmlns:a16="http://schemas.microsoft.com/office/drawing/2014/main" id="{24B81427-8365-412F-B2D7-A0D761DDBF1A}"/>
+              </a:ext>
+            </a:extLst>
+          </p:cNvPr>
+          <p:cNvSpPr>
+            <a:spLocks noGrp="1"/>
+          </p:cNvSpPr>
+          <p:nvPr>
+            <p:ph idx="1"/>
+          </p:nvPr>
+        </p:nvSpPr>
+        <p:spPr/>
+        <p:txBody>
+          <a:bodyPr/>
+          <a:lstStyle/>
+          <a:p>
+            <a:r>
+              <a:rPr lang="en-US" dirty="0"/>
+              <a:t>Julia documentation</a:t>
+            </a:r>
+            <a:br>
+              <a:rPr lang="en-US" dirty="0"/>
+            </a:br>
+            <a:r>
+              <a:rPr lang="en-US" dirty="0">
+                <a:hlinkClick r:id="rId2"/>
+              </a:rPr>
+              <a:t>https://docs.julialang.org/en/v1/</a:t>
+            </a:r>
+            <a:endParaRPr lang="en-US" dirty="0"/>
+          </a:p>
+          <a:p>
+            <a:r>
+              <a:rPr lang="en-US" i="1" dirty="0"/>
+              <a:t>Hands on design patterns and best practices with Julia</a:t>
+            </a:r>
+            <a:br>
+              <a:rPr lang="en-US" dirty="0"/>
+            </a:br>
+            <a:r>
+              <a:rPr lang="en-US" dirty="0"/>
+              <a:t>Tom </a:t>
+            </a:r>
+            <a:r>
+              <a:rPr lang="en-US" dirty="0" err="1"/>
+              <a:t>Kwong</a:t>
+            </a:r>
+            <a:r>
+              <a:rPr lang="en-US" dirty="0"/>
+              <a:t>, 2020, </a:t>
+            </a:r>
+            <a:r>
+              <a:rPr lang="en-US" dirty="0" err="1"/>
+              <a:t>Packt</a:t>
+            </a:r>
+            <a:r>
+              <a:rPr lang="en-US" dirty="0"/>
+              <a:t>&gt;</a:t>
+            </a:r>
+          </a:p>
+        </p:txBody>
+      </p:sp>
+      <p:sp>
+        <p:nvSpPr>
+          <p:cNvPr id="4" name="Slide Number Placeholder 3">
+            <a:extLst>
+              <a:ext uri="{FF2B5EF4-FFF2-40B4-BE49-F238E27FC236}">
+                <a16:creationId xmlns:a16="http://schemas.microsoft.com/office/drawing/2014/main" id="{37498B32-CB3D-4A06-ACBE-71F1E8CF3FE5}"/>
+              </a:ext>
+            </a:extLst>
+          </p:cNvPr>
+          <p:cNvSpPr>
+            <a:spLocks noGrp="1"/>
+          </p:cNvSpPr>
+          <p:nvPr>
+            <p:ph type="sldNum" sz="quarter" idx="12"/>
+          </p:nvPr>
+        </p:nvSpPr>
+        <p:spPr/>
+        <p:txBody>
+          <a:bodyPr/>
+          <a:lstStyle/>
+          <a:p>
+            <a:fld id="{78F7A1EC-23D1-431D-8C93-9C4ED5D4A04D}" type="slidenum">
+              <a:rPr lang="en-US" smtClean="0"/>
+              <a:t>19</a:t>
+            </a:fld>
+            <a:endParaRPr lang="en-US"/>
+          </a:p>
+        </p:txBody>
+      </p:sp>
+    </p:spTree>
+    <p:extLst>
+      <p:ext uri="{BB962C8B-B14F-4D97-AF65-F5344CB8AC3E}">
+        <p14:creationId xmlns:p14="http://schemas.microsoft.com/office/powerpoint/2010/main" val="3896452192"/>
       </p:ext>
     </p:extLst>
   </p:cSld>
@@ -9669,7 +9937,7 @@
           <p:cNvPr id="2" name="Title 1">
             <a:extLst>
               <a:ext uri="{FF2B5EF4-FFF2-40B4-BE49-F238E27FC236}">
-                <a16:creationId xmlns:a16="http://schemas.microsoft.com/office/drawing/2014/main" id="{2613194F-8BAA-4A07-BBA6-3D6B458520C2}"/>
+                <a16:creationId xmlns:a16="http://schemas.microsoft.com/office/drawing/2014/main" id="{5996CC12-00C7-483E-8CFF-7965D13CF81D}"/>
               </a:ext>
             </a:extLst>
           </p:cNvPr>
@@ -9687,7 +9955,7 @@
           <a:p>
             <a:r>
               <a:rPr lang="en-US" dirty="0"/>
-              <a:t>Data types</a:t>
+              <a:t>Functions &amp; methods</a:t>
             </a:r>
           </a:p>
         </p:txBody>
@@ -9697,7 +9965,7 @@
           <p:cNvPr id="3" name="Text Placeholder 2">
             <a:extLst>
               <a:ext uri="{FF2B5EF4-FFF2-40B4-BE49-F238E27FC236}">
-                <a16:creationId xmlns:a16="http://schemas.microsoft.com/office/drawing/2014/main" id="{C2FFBE65-F98F-444F-B4B7-A70536D1013F}"/>
+                <a16:creationId xmlns:a16="http://schemas.microsoft.com/office/drawing/2014/main" id="{4DBA96D6-590F-4DFD-8B92-2B05EA00B8D6}"/>
               </a:ext>
             </a:extLst>
           </p:cNvPr>
@@ -9722,7 +9990,7 @@
           <p:cNvPr id="4" name="Slide Number Placeholder 3">
             <a:extLst>
               <a:ext uri="{FF2B5EF4-FFF2-40B4-BE49-F238E27FC236}">
-                <a16:creationId xmlns:a16="http://schemas.microsoft.com/office/drawing/2014/main" id="{14CAC51D-39BD-4BAC-8555-31C8CF0E14DB}"/>
+                <a16:creationId xmlns:a16="http://schemas.microsoft.com/office/drawing/2014/main" id="{D4FDC261-61BA-4399-84EE-BBD1B46F99D2}"/>
               </a:ext>
             </a:extLst>
           </p:cNvPr>
@@ -9749,7 +10017,7 @@
     </p:spTree>
     <p:extLst>
       <p:ext uri="{BB962C8B-B14F-4D97-AF65-F5344CB8AC3E}">
-        <p14:creationId xmlns:p14="http://schemas.microsoft.com/office/powerpoint/2010/main" val="2961179590"/>
+        <p14:creationId xmlns:p14="http://schemas.microsoft.com/office/powerpoint/2010/main" val="3245103629"/>
       </p:ext>
     </p:extLst>
   </p:cSld>

--- a/Julia,_good_back_ugly.pptx
+++ b/Julia,_good_back_ugly.pptx
@@ -5,7 +5,7 @@
     <p:sldMasterId id="2147483648" r:id="rId1"/>
   </p:sldMasterIdLst>
   <p:notesMasterIdLst>
-    <p:notesMasterId r:id="rId34"/>
+    <p:notesMasterId r:id="rId43"/>
   </p:notesMasterIdLst>
   <p:sldIdLst>
     <p:sldId id="256" r:id="rId2"/>
@@ -22,24 +22,33 @@
     <p:sldId id="258" r:id="rId13"/>
     <p:sldId id="260" r:id="rId14"/>
     <p:sldId id="262" r:id="rId15"/>
-    <p:sldId id="264" r:id="rId16"/>
-    <p:sldId id="266" r:id="rId17"/>
-    <p:sldId id="282" r:id="rId18"/>
-    <p:sldId id="285" r:id="rId19"/>
-    <p:sldId id="286" r:id="rId20"/>
-    <p:sldId id="287" r:id="rId21"/>
-    <p:sldId id="288" r:id="rId22"/>
-    <p:sldId id="267" r:id="rId23"/>
-    <p:sldId id="268" r:id="rId24"/>
-    <p:sldId id="270" r:id="rId25"/>
-    <p:sldId id="269" r:id="rId26"/>
-    <p:sldId id="271" r:id="rId27"/>
-    <p:sldId id="272" r:id="rId28"/>
-    <p:sldId id="279" r:id="rId29"/>
-    <p:sldId id="280" r:id="rId30"/>
-    <p:sldId id="281" r:id="rId31"/>
-    <p:sldId id="273" r:id="rId32"/>
-    <p:sldId id="274" r:id="rId33"/>
+    <p:sldId id="293" r:id="rId16"/>
+    <p:sldId id="264" r:id="rId17"/>
+    <p:sldId id="266" r:id="rId18"/>
+    <p:sldId id="282" r:id="rId19"/>
+    <p:sldId id="285" r:id="rId20"/>
+    <p:sldId id="286" r:id="rId21"/>
+    <p:sldId id="287" r:id="rId22"/>
+    <p:sldId id="288" r:id="rId23"/>
+    <p:sldId id="267" r:id="rId24"/>
+    <p:sldId id="268" r:id="rId25"/>
+    <p:sldId id="270" r:id="rId26"/>
+    <p:sldId id="269" r:id="rId27"/>
+    <p:sldId id="271" r:id="rId28"/>
+    <p:sldId id="272" r:id="rId29"/>
+    <p:sldId id="279" r:id="rId30"/>
+    <p:sldId id="294" r:id="rId31"/>
+    <p:sldId id="295" r:id="rId32"/>
+    <p:sldId id="296" r:id="rId33"/>
+    <p:sldId id="297" r:id="rId34"/>
+    <p:sldId id="280" r:id="rId35"/>
+    <p:sldId id="289" r:id="rId36"/>
+    <p:sldId id="290" r:id="rId37"/>
+    <p:sldId id="291" r:id="rId38"/>
+    <p:sldId id="281" r:id="rId39"/>
+    <p:sldId id="292" r:id="rId40"/>
+    <p:sldId id="273" r:id="rId41"/>
+    <p:sldId id="274" r:id="rId42"/>
   </p:sldIdLst>
   <p:sldSz cx="12192000" cy="6858000"/>
   <p:notesSz cx="6858000" cy="9144000"/>
@@ -4272,16 +4281,10 @@
           <a:lstStyle/>
           <a:p>
             <a:r>
-              <a:rPr lang="en-US" dirty="0" err="1">
-                <a:latin typeface="Consolas" panose="020B0609020204030204" pitchFamily="49" charset="0"/>
-              </a:rPr>
-              <a:t>funtion</a:t>
-            </a:r>
-            <a:r>
-              <a:rPr lang="en-US" dirty="0">
-                <a:latin typeface="Consolas" panose="020B0609020204030204" pitchFamily="49" charset="0"/>
-              </a:rPr>
-              <a:t> fact(n)</a:t>
+              <a:rPr lang="en-US" dirty="0">
+                <a:latin typeface="Consolas" panose="020B0609020204030204" pitchFamily="49" charset="0"/>
+              </a:rPr>
+              <a:t>function fact(n)</a:t>
             </a:r>
           </a:p>
           <a:p>
@@ -5437,7 +5440,7 @@
           <p:cNvPr id="2" name="Title 1">
             <a:extLst>
               <a:ext uri="{FF2B5EF4-FFF2-40B4-BE49-F238E27FC236}">
-                <a16:creationId xmlns:a16="http://schemas.microsoft.com/office/drawing/2014/main" id="{2613194F-8BAA-4A07-BBA6-3D6B458520C2}"/>
+                <a16:creationId xmlns:a16="http://schemas.microsoft.com/office/drawing/2014/main" id="{F2260621-AB3B-4DAF-9A9A-8E7E05FD69D8}"/>
               </a:ext>
             </a:extLst>
           </p:cNvPr>
@@ -5455,17 +5458,17 @@
           <a:p>
             <a:r>
               <a:rPr lang="en-US" dirty="0"/>
-              <a:t>Data types</a:t>
-            </a:r>
-          </a:p>
-        </p:txBody>
-      </p:sp>
-      <p:sp>
-        <p:nvSpPr>
-          <p:cNvPr id="3" name="Text Placeholder 2">
-            <a:extLst>
-              <a:ext uri="{FF2B5EF4-FFF2-40B4-BE49-F238E27FC236}">
-                <a16:creationId xmlns:a16="http://schemas.microsoft.com/office/drawing/2014/main" id="{C2FFBE65-F98F-444F-B4B7-A70536D1013F}"/>
+              <a:t>Functional operations, iterators &amp; such</a:t>
+            </a:r>
+          </a:p>
+        </p:txBody>
+      </p:sp>
+      <p:sp>
+        <p:nvSpPr>
+          <p:cNvPr id="3" name="Content Placeholder 2">
+            <a:extLst>
+              <a:ext uri="{FF2B5EF4-FFF2-40B4-BE49-F238E27FC236}">
+                <a16:creationId xmlns:a16="http://schemas.microsoft.com/office/drawing/2014/main" id="{03A4C980-C789-4EC2-B272-0FE95DFBAB8B}"/>
               </a:ext>
             </a:extLst>
           </p:cNvPr>
@@ -5473,7 +5476,7 @@
             <a:spLocks noGrp="1"/>
           </p:cNvSpPr>
           <p:nvPr>
-            <p:ph type="body" idx="1"/>
+            <p:ph idx="1"/>
           </p:nvPr>
         </p:nvSpPr>
         <p:spPr/>
@@ -5481,7 +5484,87 @@
           <a:bodyPr/>
           <a:lstStyle/>
           <a:p>
-            <a:endParaRPr lang="en-US"/>
+            <a:r>
+              <a:rPr lang="en-US" dirty="0"/>
+              <a:t>Reductions</a:t>
+            </a:r>
+          </a:p>
+          <a:p>
+            <a:pPr lvl="1"/>
+            <a:r>
+              <a:rPr lang="en-US" dirty="0">
+                <a:latin typeface="Consolas" panose="020B0609020204030204" pitchFamily="49" charset="0"/>
+              </a:rPr>
+              <a:t>sum</a:t>
+            </a:r>
+            <a:r>
+              <a:rPr lang="en-US" dirty="0"/>
+              <a:t>, </a:t>
+            </a:r>
+            <a:r>
+              <a:rPr lang="en-US" dirty="0">
+                <a:latin typeface="Consolas" panose="020B0609020204030204" pitchFamily="49" charset="0"/>
+              </a:rPr>
+              <a:t>product</a:t>
+            </a:r>
+            <a:r>
+              <a:rPr lang="en-US" dirty="0"/>
+              <a:t>, </a:t>
+            </a:r>
+            <a:r>
+              <a:rPr lang="en-US" dirty="0">
+                <a:latin typeface="Consolas" panose="020B0609020204030204" pitchFamily="49" charset="0"/>
+              </a:rPr>
+              <a:t>reduce</a:t>
+            </a:r>
+          </a:p>
+          <a:p>
+            <a:r>
+              <a:rPr lang="en-US" dirty="0">
+                <a:latin typeface="Consolas" panose="020B0609020204030204" pitchFamily="49" charset="0"/>
+              </a:rPr>
+              <a:t>map</a:t>
+            </a:r>
+          </a:p>
+          <a:p>
+            <a:r>
+              <a:rPr lang="en-US" dirty="0">
+                <a:latin typeface="Consolas" panose="020B0609020204030204" pitchFamily="49" charset="0"/>
+              </a:rPr>
+              <a:t>filter</a:t>
+            </a:r>
+          </a:p>
+          <a:p>
+            <a:r>
+              <a:rPr lang="en-US" dirty="0">
+                <a:latin typeface="Consolas" panose="020B0609020204030204" pitchFamily="49" charset="0"/>
+              </a:rPr>
+              <a:t>zip</a:t>
+            </a:r>
+          </a:p>
+          <a:p>
+            <a:r>
+              <a:rPr lang="en-US" dirty="0"/>
+              <a:t>Module </a:t>
+            </a:r>
+            <a:r>
+              <a:rPr lang="en-US" dirty="0">
+                <a:latin typeface="Consolas" panose="020B0609020204030204" pitchFamily="49" charset="0"/>
+              </a:rPr>
+              <a:t>Iterations</a:t>
+            </a:r>
+          </a:p>
+          <a:p>
+            <a:r>
+              <a:rPr lang="en-US" dirty="0"/>
+              <a:t>Pipe operator: </a:t>
+            </a:r>
+            <a:r>
+              <a:rPr lang="en-US" dirty="0">
+                <a:latin typeface="Consolas" panose="020B0609020204030204" pitchFamily="49" charset="0"/>
+              </a:rPr>
+              <a:t>|&gt;</a:t>
+            </a:r>
           </a:p>
         </p:txBody>
       </p:sp>
@@ -5490,7 +5573,7 @@
           <p:cNvPr id="4" name="Slide Number Placeholder 3">
             <a:extLst>
               <a:ext uri="{FF2B5EF4-FFF2-40B4-BE49-F238E27FC236}">
-                <a16:creationId xmlns:a16="http://schemas.microsoft.com/office/drawing/2014/main" id="{14CAC51D-39BD-4BAC-8555-31C8CF0E14DB}"/>
+                <a16:creationId xmlns:a16="http://schemas.microsoft.com/office/drawing/2014/main" id="{33C4380D-8B53-4A63-9455-D85751E2F4A3}"/>
               </a:ext>
             </a:extLst>
           </p:cNvPr>
@@ -5514,10 +5597,51 @@
           </a:p>
         </p:txBody>
       </p:sp>
+      <p:sp>
+        <p:nvSpPr>
+          <p:cNvPr id="5" name="TextBox 4">
+            <a:extLst>
+              <a:ext uri="{FF2B5EF4-FFF2-40B4-BE49-F238E27FC236}">
+                <a16:creationId xmlns:a16="http://schemas.microsoft.com/office/drawing/2014/main" id="{46C4CB3E-B240-443A-B42A-93A2A9DEA78D}"/>
+              </a:ext>
+            </a:extLst>
+          </p:cNvPr>
+          <p:cNvSpPr txBox="1"/>
+          <p:nvPr/>
+        </p:nvSpPr>
+        <p:spPr>
+          <a:xfrm>
+            <a:off x="1392194" y="5304243"/>
+            <a:ext cx="3477234" cy="369332"/>
+          </a:xfrm>
+          <a:prstGeom prst="rect">
+            <a:avLst/>
+          </a:prstGeom>
+          <a:solidFill>
+            <a:schemeClr val="bg1">
+              <a:lumMod val="85000"/>
+            </a:schemeClr>
+          </a:solidFill>
+        </p:spPr>
+        <p:txBody>
+          <a:bodyPr wrap="none" rtlCol="0">
+            <a:spAutoFit/>
+          </a:bodyPr>
+          <a:lstStyle/>
+          <a:p>
+            <a:r>
+              <a:rPr lang="en-US" dirty="0">
+                <a:latin typeface="Consolas" panose="020B0609020204030204" pitchFamily="49" charset="0"/>
+              </a:rPr>
+              <a:t>map(x -&gt; x^2, 1:10) |&gt; sum</a:t>
+            </a:r>
+          </a:p>
+        </p:txBody>
+      </p:sp>
     </p:spTree>
     <p:extLst>
       <p:ext uri="{BB962C8B-B14F-4D97-AF65-F5344CB8AC3E}">
-        <p14:creationId xmlns:p14="http://schemas.microsoft.com/office/powerpoint/2010/main" val="2961179590"/>
+        <p14:creationId xmlns:p14="http://schemas.microsoft.com/office/powerpoint/2010/main" val="1993439282"/>
       </p:ext>
     </p:extLst>
   </p:cSld>
@@ -5549,7 +5673,7 @@
           <p:cNvPr id="2" name="Title 1">
             <a:extLst>
               <a:ext uri="{FF2B5EF4-FFF2-40B4-BE49-F238E27FC236}">
-                <a16:creationId xmlns:a16="http://schemas.microsoft.com/office/drawing/2014/main" id="{DE8AF62F-AC75-4212-9AE7-C283CD4CDC59}"/>
+                <a16:creationId xmlns:a16="http://schemas.microsoft.com/office/drawing/2014/main" id="{2613194F-8BAA-4A07-BBA6-3D6B458520C2}"/>
               </a:ext>
             </a:extLst>
           </p:cNvPr>
@@ -5567,6 +5691,118 @@
           <a:p>
             <a:r>
               <a:rPr lang="en-US" dirty="0"/>
+              <a:t>Data types</a:t>
+            </a:r>
+          </a:p>
+        </p:txBody>
+      </p:sp>
+      <p:sp>
+        <p:nvSpPr>
+          <p:cNvPr id="3" name="Text Placeholder 2">
+            <a:extLst>
+              <a:ext uri="{FF2B5EF4-FFF2-40B4-BE49-F238E27FC236}">
+                <a16:creationId xmlns:a16="http://schemas.microsoft.com/office/drawing/2014/main" id="{C2FFBE65-F98F-444F-B4B7-A70536D1013F}"/>
+              </a:ext>
+            </a:extLst>
+          </p:cNvPr>
+          <p:cNvSpPr>
+            <a:spLocks noGrp="1"/>
+          </p:cNvSpPr>
+          <p:nvPr>
+            <p:ph type="body" idx="1"/>
+          </p:nvPr>
+        </p:nvSpPr>
+        <p:spPr/>
+        <p:txBody>
+          <a:bodyPr/>
+          <a:lstStyle/>
+          <a:p>
+            <a:endParaRPr lang="en-US"/>
+          </a:p>
+        </p:txBody>
+      </p:sp>
+      <p:sp>
+        <p:nvSpPr>
+          <p:cNvPr id="4" name="Slide Number Placeholder 3">
+            <a:extLst>
+              <a:ext uri="{FF2B5EF4-FFF2-40B4-BE49-F238E27FC236}">
+                <a16:creationId xmlns:a16="http://schemas.microsoft.com/office/drawing/2014/main" id="{14CAC51D-39BD-4BAC-8555-31C8CF0E14DB}"/>
+              </a:ext>
+            </a:extLst>
+          </p:cNvPr>
+          <p:cNvSpPr>
+            <a:spLocks noGrp="1"/>
+          </p:cNvSpPr>
+          <p:nvPr>
+            <p:ph type="sldNum" sz="quarter" idx="12"/>
+          </p:nvPr>
+        </p:nvSpPr>
+        <p:spPr/>
+        <p:txBody>
+          <a:bodyPr/>
+          <a:lstStyle/>
+          <a:p>
+            <a:fld id="{78F7A1EC-23D1-431D-8C93-9C4ED5D4A04D}" type="slidenum">
+              <a:rPr lang="en-US" smtClean="0"/>
+              <a:t>16</a:t>
+            </a:fld>
+            <a:endParaRPr lang="en-US"/>
+          </a:p>
+        </p:txBody>
+      </p:sp>
+    </p:spTree>
+    <p:extLst>
+      <p:ext uri="{BB962C8B-B14F-4D97-AF65-F5344CB8AC3E}">
+        <p14:creationId xmlns:p14="http://schemas.microsoft.com/office/powerpoint/2010/main" val="2961179590"/>
+      </p:ext>
+    </p:extLst>
+  </p:cSld>
+  <p:clrMapOvr>
+    <a:masterClrMapping/>
+  </p:clrMapOvr>
+</p:sld>
+</file>
+
+<file path=ppt/slides/slide17.xml><?xml version="1.0" encoding="utf-8"?>
+<p:sld xmlns:a="http://schemas.openxmlformats.org/drawingml/2006/main" xmlns:r="http://schemas.openxmlformats.org/officeDocument/2006/relationships" xmlns:p="http://schemas.openxmlformats.org/presentationml/2006/main">
+  <p:cSld>
+    <p:spTree>
+      <p:nvGrpSpPr>
+        <p:cNvPr id="1" name=""/>
+        <p:cNvGrpSpPr/>
+        <p:nvPr/>
+      </p:nvGrpSpPr>
+      <p:grpSpPr>
+        <a:xfrm>
+          <a:off x="0" y="0"/>
+          <a:ext cx="0" cy="0"/>
+          <a:chOff x="0" y="0"/>
+          <a:chExt cx="0" cy="0"/>
+        </a:xfrm>
+      </p:grpSpPr>
+      <p:sp>
+        <p:nvSpPr>
+          <p:cNvPr id="2" name="Title 1">
+            <a:extLst>
+              <a:ext uri="{FF2B5EF4-FFF2-40B4-BE49-F238E27FC236}">
+                <a16:creationId xmlns:a16="http://schemas.microsoft.com/office/drawing/2014/main" id="{DE8AF62F-AC75-4212-9AE7-C283CD4CDC59}"/>
+              </a:ext>
+            </a:extLst>
+          </p:cNvPr>
+          <p:cNvSpPr>
+            <a:spLocks noGrp="1"/>
+          </p:cNvSpPr>
+          <p:nvPr>
+            <p:ph type="title"/>
+          </p:nvPr>
+        </p:nvSpPr>
+        <p:spPr/>
+        <p:txBody>
+          <a:bodyPr/>
+          <a:lstStyle/>
+          <a:p>
+            <a:r>
+              <a:rPr lang="en-US" dirty="0"/>
               <a:t>Basic data types</a:t>
             </a:r>
           </a:p>
@@ -5870,7 +6106,7 @@
           <a:p>
             <a:fld id="{78F7A1EC-23D1-431D-8C93-9C4ED5D4A04D}" type="slidenum">
               <a:rPr lang="en-US" smtClean="0"/>
-              <a:t>16</a:t>
+              <a:t>17</a:t>
             </a:fld>
             <a:endParaRPr lang="en-US"/>
           </a:p>
@@ -6344,7 +6580,7 @@
 </p:sld>
 </file>
 
-<file path=ppt/slides/slide17.xml><?xml version="1.0" encoding="utf-8"?>
+<file path=ppt/slides/slide18.xml><?xml version="1.0" encoding="utf-8"?>
 <p:sld xmlns:a="http://schemas.openxmlformats.org/drawingml/2006/main" xmlns:r="http://schemas.openxmlformats.org/officeDocument/2006/relationships" xmlns:p="http://schemas.openxmlformats.org/presentationml/2006/main">
   <p:cSld>
     <p:spTree>
@@ -6734,7 +6970,7 @@
           <a:p>
             <a:fld id="{78F7A1EC-23D1-431D-8C93-9C4ED5D4A04D}" type="slidenum">
               <a:rPr lang="en-US" smtClean="0"/>
-              <a:t>17</a:t>
+              <a:t>18</a:t>
             </a:fld>
             <a:endParaRPr lang="en-US"/>
           </a:p>
@@ -7015,165 +7251,6 @@
 </p:sld>
 </file>
 
-<file path=ppt/slides/slide18.xml><?xml version="1.0" encoding="utf-8"?>
-<p:sld xmlns:a="http://schemas.openxmlformats.org/drawingml/2006/main" xmlns:r="http://schemas.openxmlformats.org/officeDocument/2006/relationships" xmlns:p="http://schemas.openxmlformats.org/presentationml/2006/main">
-  <p:cSld>
-    <p:spTree>
-      <p:nvGrpSpPr>
-        <p:cNvPr id="1" name=""/>
-        <p:cNvGrpSpPr/>
-        <p:nvPr/>
-      </p:nvGrpSpPr>
-      <p:grpSpPr>
-        <a:xfrm>
-          <a:off x="0" y="0"/>
-          <a:ext cx="0" cy="0"/>
-          <a:chOff x="0" y="0"/>
-          <a:chExt cx="0" cy="0"/>
-        </a:xfrm>
-      </p:grpSpPr>
-      <p:sp>
-        <p:nvSpPr>
-          <p:cNvPr id="2" name="Title 1">
-            <a:extLst>
-              <a:ext uri="{FF2B5EF4-FFF2-40B4-BE49-F238E27FC236}">
-                <a16:creationId xmlns:a16="http://schemas.microsoft.com/office/drawing/2014/main" id="{42E6DC77-C712-46E3-94BE-9FDAE9F239BE}"/>
-              </a:ext>
-            </a:extLst>
-          </p:cNvPr>
-          <p:cNvSpPr>
-            <a:spLocks noGrp="1"/>
-          </p:cNvSpPr>
-          <p:nvPr>
-            <p:ph type="title"/>
-          </p:nvPr>
-        </p:nvSpPr>
-        <p:spPr/>
-        <p:txBody>
-          <a:bodyPr/>
-          <a:lstStyle/>
-          <a:p>
-            <a:r>
-              <a:rPr lang="en-US" dirty="0"/>
-              <a:t>Data structures</a:t>
-            </a:r>
-          </a:p>
-        </p:txBody>
-      </p:sp>
-      <p:sp>
-        <p:nvSpPr>
-          <p:cNvPr id="3" name="Content Placeholder 2">
-            <a:extLst>
-              <a:ext uri="{FF2B5EF4-FFF2-40B4-BE49-F238E27FC236}">
-                <a16:creationId xmlns:a16="http://schemas.microsoft.com/office/drawing/2014/main" id="{BAC7A702-9899-4864-B438-96A18EAF1A97}"/>
-              </a:ext>
-            </a:extLst>
-          </p:cNvPr>
-          <p:cNvSpPr>
-            <a:spLocks noGrp="1"/>
-          </p:cNvSpPr>
-          <p:nvPr>
-            <p:ph idx="1"/>
-          </p:nvPr>
-        </p:nvSpPr>
-        <p:spPr/>
-        <p:txBody>
-          <a:bodyPr/>
-          <a:lstStyle/>
-          <a:p>
-            <a:r>
-              <a:rPr lang="en-US" dirty="0"/>
-              <a:t>Tuples</a:t>
-            </a:r>
-          </a:p>
-          <a:p>
-            <a:r>
-              <a:rPr lang="en-US" dirty="0"/>
-              <a:t>Named tuples</a:t>
-            </a:r>
-          </a:p>
-          <a:p>
-            <a:r>
-              <a:rPr lang="en-US" dirty="0"/>
-              <a:t>Structures</a:t>
-            </a:r>
-          </a:p>
-          <a:p>
-            <a:r>
-              <a:rPr lang="en-US" dirty="0"/>
-              <a:t>Sets</a:t>
-            </a:r>
-          </a:p>
-          <a:p>
-            <a:r>
-              <a:rPr lang="en-US" dirty="0"/>
-              <a:t>Dictionaries</a:t>
-            </a:r>
-          </a:p>
-          <a:p>
-            <a:r>
-              <a:rPr lang="en-US" dirty="0"/>
-              <a:t>Arrays</a:t>
-            </a:r>
-          </a:p>
-          <a:p>
-            <a:pPr lvl="1"/>
-            <a:r>
-              <a:rPr lang="en-US" dirty="0"/>
-              <a:t>Vector</a:t>
-            </a:r>
-          </a:p>
-          <a:p>
-            <a:pPr lvl="1"/>
-            <a:r>
-              <a:rPr lang="en-US" dirty="0"/>
-              <a:t>Matrix</a:t>
-            </a:r>
-          </a:p>
-        </p:txBody>
-      </p:sp>
-      <p:sp>
-        <p:nvSpPr>
-          <p:cNvPr id="4" name="Slide Number Placeholder 3">
-            <a:extLst>
-              <a:ext uri="{FF2B5EF4-FFF2-40B4-BE49-F238E27FC236}">
-                <a16:creationId xmlns:a16="http://schemas.microsoft.com/office/drawing/2014/main" id="{7FD3E3C8-582E-45F3-86DA-2F19E8E91D03}"/>
-              </a:ext>
-            </a:extLst>
-          </p:cNvPr>
-          <p:cNvSpPr>
-            <a:spLocks noGrp="1"/>
-          </p:cNvSpPr>
-          <p:nvPr>
-            <p:ph type="sldNum" sz="quarter" idx="12"/>
-          </p:nvPr>
-        </p:nvSpPr>
-        <p:spPr/>
-        <p:txBody>
-          <a:bodyPr/>
-          <a:lstStyle/>
-          <a:p>
-            <a:fld id="{78F7A1EC-23D1-431D-8C93-9C4ED5D4A04D}" type="slidenum">
-              <a:rPr lang="en-US" smtClean="0"/>
-              <a:t>18</a:t>
-            </a:fld>
-            <a:endParaRPr lang="en-US"/>
-          </a:p>
-        </p:txBody>
-      </p:sp>
-    </p:spTree>
-    <p:extLst>
-      <p:ext uri="{BB962C8B-B14F-4D97-AF65-F5344CB8AC3E}">
-        <p14:creationId xmlns:p14="http://schemas.microsoft.com/office/powerpoint/2010/main" val="3885487120"/>
-      </p:ext>
-    </p:extLst>
-  </p:cSld>
-  <p:clrMapOvr>
-    <a:masterClrMapping/>
-  </p:clrMapOvr>
-</p:sld>
-</file>
-
 <file path=ppt/slides/slide19.xml><?xml version="1.0" encoding="utf-8"?>
 <p:sld xmlns:a="http://schemas.openxmlformats.org/drawingml/2006/main" xmlns:r="http://schemas.openxmlformats.org/officeDocument/2006/relationships" xmlns:p="http://schemas.openxmlformats.org/presentationml/2006/main">
   <p:cSld>
@@ -7196,7 +7273,7 @@
           <p:cNvPr id="2" name="Title 1">
             <a:extLst>
               <a:ext uri="{FF2B5EF4-FFF2-40B4-BE49-F238E27FC236}">
-                <a16:creationId xmlns:a16="http://schemas.microsoft.com/office/drawing/2014/main" id="{ACA52EEF-0A06-4502-B0BA-D10ABBE5A178}"/>
+                <a16:creationId xmlns:a16="http://schemas.microsoft.com/office/drawing/2014/main" id="{42E6DC77-C712-46E3-94BE-9FDAE9F239BE}"/>
               </a:ext>
             </a:extLst>
           </p:cNvPr>
@@ -7214,7 +7291,7 @@
           <a:p>
             <a:r>
               <a:rPr lang="en-US" dirty="0"/>
-              <a:t>Vectors, matrices &amp; arrays</a:t>
+              <a:t>Data structures</a:t>
             </a:r>
           </a:p>
         </p:txBody>
@@ -7224,7 +7301,7 @@
           <p:cNvPr id="3" name="Content Placeholder 2">
             <a:extLst>
               <a:ext uri="{FF2B5EF4-FFF2-40B4-BE49-F238E27FC236}">
-                <a16:creationId xmlns:a16="http://schemas.microsoft.com/office/drawing/2014/main" id="{0CC4BFCB-DD8A-49AA-9ABC-CEFE9918B3D9}"/>
+                <a16:creationId xmlns:a16="http://schemas.microsoft.com/office/drawing/2014/main" id="{BAC7A702-9899-4864-B438-96A18EAF1A97}"/>
               </a:ext>
             </a:extLst>
           </p:cNvPr>
@@ -7237,49 +7314,58 @@
         </p:nvSpPr>
         <p:spPr/>
         <p:txBody>
-          <a:bodyPr>
-            <a:normAutofit lnSpcReduction="10000"/>
-          </a:bodyPr>
-          <a:lstStyle/>
-          <a:p>
-            <a:r>
-              <a:rPr lang="en-US" dirty="0"/>
-              <a:t>Column vector</a:t>
-            </a:r>
-          </a:p>
-          <a:p>
-            <a:endParaRPr lang="en-US" dirty="0"/>
-          </a:p>
-          <a:p>
-            <a:r>
-              <a:rPr lang="en-US" dirty="0"/>
-              <a:t>Row vector</a:t>
-            </a:r>
-          </a:p>
-          <a:p>
-            <a:endParaRPr lang="en-US" dirty="0"/>
-          </a:p>
-          <a:p>
+          <a:bodyPr/>
+          <a:lstStyle/>
+          <a:p>
+            <a:r>
+              <a:rPr lang="en-US" dirty="0"/>
+              <a:t>Tuples</a:t>
+            </a:r>
+          </a:p>
+          <a:p>
+            <a:r>
+              <a:rPr lang="en-US" dirty="0"/>
+              <a:t>Named tuples</a:t>
+            </a:r>
+          </a:p>
+          <a:p>
+            <a:r>
+              <a:rPr lang="en-US" dirty="0"/>
+              <a:t>Structures</a:t>
+            </a:r>
+          </a:p>
+          <a:p>
+            <a:r>
+              <a:rPr lang="en-US" dirty="0"/>
+              <a:t>Sets</a:t>
+            </a:r>
+          </a:p>
+          <a:p>
+            <a:r>
+              <a:rPr lang="en-US" dirty="0"/>
+              <a:t>Dictionaries</a:t>
+            </a:r>
+          </a:p>
+          <a:p>
+            <a:r>
+              <a:rPr lang="en-US" dirty="0"/>
+              <a:t>Arrays</a:t>
+            </a:r>
+          </a:p>
+          <a:p>
+            <a:pPr lvl="1"/>
+            <a:r>
+              <a:rPr lang="en-US" dirty="0"/>
+              <a:t>Vector</a:t>
+            </a:r>
+          </a:p>
+          <a:p>
+            <a:pPr lvl="1"/>
             <a:r>
               <a:rPr lang="en-US" dirty="0"/>
               <a:t>Matrix</a:t>
             </a:r>
           </a:p>
-          <a:p>
-            <a:endParaRPr lang="en-US" dirty="0"/>
-          </a:p>
-          <a:p>
-            <a:endParaRPr lang="en-US" dirty="0"/>
-          </a:p>
-          <a:p>
-            <a:endParaRPr lang="en-US" dirty="0"/>
-          </a:p>
-          <a:p>
-            <a:r>
-              <a:rPr lang="en-US" dirty="0"/>
-              <a:t>Array</a:t>
-            </a:r>
-          </a:p>
         </p:txBody>
       </p:sp>
       <p:sp>
@@ -7287,7 +7373,7 @@
           <p:cNvPr id="4" name="Slide Number Placeholder 3">
             <a:extLst>
               <a:ext uri="{FF2B5EF4-FFF2-40B4-BE49-F238E27FC236}">
-                <a16:creationId xmlns:a16="http://schemas.microsoft.com/office/drawing/2014/main" id="{C2C2361F-8349-44DF-8F3D-4C7560C452F2}"/>
+                <a16:creationId xmlns:a16="http://schemas.microsoft.com/office/drawing/2014/main" id="{7FD3E3C8-582E-45F3-86DA-2F19E8E91D03}"/>
               </a:ext>
             </a:extLst>
           </p:cNvPr>
@@ -7306,6 +7392,322 @@
             <a:fld id="{78F7A1EC-23D1-431D-8C93-9C4ED5D4A04D}" type="slidenum">
               <a:rPr lang="en-US" smtClean="0"/>
               <a:t>19</a:t>
+            </a:fld>
+            <a:endParaRPr lang="en-US"/>
+          </a:p>
+        </p:txBody>
+      </p:sp>
+    </p:spTree>
+    <p:extLst>
+      <p:ext uri="{BB962C8B-B14F-4D97-AF65-F5344CB8AC3E}">
+        <p14:creationId xmlns:p14="http://schemas.microsoft.com/office/powerpoint/2010/main" val="3885487120"/>
+      </p:ext>
+    </p:extLst>
+  </p:cSld>
+  <p:clrMapOvr>
+    <a:masterClrMapping/>
+  </p:clrMapOvr>
+</p:sld>
+</file>
+
+<file path=ppt/slides/slide2.xml><?xml version="1.0" encoding="utf-8"?>
+<p:sld xmlns:a="http://schemas.openxmlformats.org/drawingml/2006/main" xmlns:r="http://schemas.openxmlformats.org/officeDocument/2006/relationships" xmlns:p="http://schemas.openxmlformats.org/presentationml/2006/main">
+  <p:cSld>
+    <p:spTree>
+      <p:nvGrpSpPr>
+        <p:cNvPr id="1" name=""/>
+        <p:cNvGrpSpPr/>
+        <p:nvPr/>
+      </p:nvGrpSpPr>
+      <p:grpSpPr>
+        <a:xfrm>
+          <a:off x="0" y="0"/>
+          <a:ext cx="0" cy="0"/>
+          <a:chOff x="0" y="0"/>
+          <a:chExt cx="0" cy="0"/>
+        </a:xfrm>
+      </p:grpSpPr>
+      <p:sp>
+        <p:nvSpPr>
+          <p:cNvPr id="2" name="Title 1">
+            <a:extLst>
+              <a:ext uri="{FF2B5EF4-FFF2-40B4-BE49-F238E27FC236}">
+                <a16:creationId xmlns:a16="http://schemas.microsoft.com/office/drawing/2014/main" id="{3F55952B-074C-410B-8A86-A8261F346DA6}"/>
+              </a:ext>
+            </a:extLst>
+          </p:cNvPr>
+          <p:cNvSpPr>
+            <a:spLocks noGrp="1"/>
+          </p:cNvSpPr>
+          <p:nvPr>
+            <p:ph type="title"/>
+          </p:nvPr>
+        </p:nvSpPr>
+        <p:spPr/>
+        <p:txBody>
+          <a:bodyPr/>
+          <a:lstStyle/>
+          <a:p>
+            <a:r>
+              <a:rPr lang="en-US" dirty="0"/>
+              <a:t>Julia high-level impressions</a:t>
+            </a:r>
+          </a:p>
+        </p:txBody>
+      </p:sp>
+      <p:sp>
+        <p:nvSpPr>
+          <p:cNvPr id="3" name="Content Placeholder 2">
+            <a:extLst>
+              <a:ext uri="{FF2B5EF4-FFF2-40B4-BE49-F238E27FC236}">
+                <a16:creationId xmlns:a16="http://schemas.microsoft.com/office/drawing/2014/main" id="{CBED736F-6F75-46FA-9228-B9287ADF1900}"/>
+              </a:ext>
+            </a:extLst>
+          </p:cNvPr>
+          <p:cNvSpPr>
+            <a:spLocks noGrp="1"/>
+          </p:cNvSpPr>
+          <p:nvPr>
+            <p:ph idx="1"/>
+          </p:nvPr>
+        </p:nvSpPr>
+        <p:spPr/>
+        <p:txBody>
+          <a:bodyPr/>
+          <a:lstStyle/>
+          <a:p>
+            <a:r>
+              <a:rPr lang="en-US" dirty="0"/>
+              <a:t>Influenced by MATLAB</a:t>
+            </a:r>
+          </a:p>
+          <a:p>
+            <a:r>
+              <a:rPr lang="en-US" dirty="0"/>
+              <a:t>Half-baked mathematical notation</a:t>
+            </a:r>
+          </a:p>
+          <a:p>
+            <a:r>
+              <a:rPr lang="en-US" dirty="0"/>
+              <a:t>Not object oriented</a:t>
+            </a:r>
+          </a:p>
+          <a:p>
+            <a:pPr lvl="1"/>
+            <a:r>
+              <a:rPr lang="en-US" dirty="0"/>
+              <a:t>Multiple dispatch functions</a:t>
+            </a:r>
+          </a:p>
+          <a:p>
+            <a:r>
+              <a:rPr lang="en-US" dirty="0"/>
+              <a:t>Nice typing system</a:t>
+            </a:r>
+          </a:p>
+          <a:p>
+            <a:pPr lvl="1"/>
+            <a:r>
+              <a:rPr lang="en-US" dirty="0"/>
+              <a:t>Opportunities for compiler optimizations</a:t>
+            </a:r>
+          </a:p>
+          <a:p>
+            <a:r>
+              <a:rPr lang="en-US" dirty="0"/>
+              <a:t>Package system</a:t>
+            </a:r>
+          </a:p>
+          <a:p>
+            <a:pPr lvl="1"/>
+            <a:r>
+              <a:rPr lang="en-US" dirty="0"/>
+              <a:t>Environments "built in"</a:t>
+            </a:r>
+          </a:p>
+          <a:p>
+            <a:r>
+              <a:rPr lang="en-US" dirty="0"/>
+              <a:t>Design decisions are… "interesting"</a:t>
+            </a:r>
+          </a:p>
+        </p:txBody>
+      </p:sp>
+      <p:sp>
+        <p:nvSpPr>
+          <p:cNvPr id="4" name="Slide Number Placeholder 3">
+            <a:extLst>
+              <a:ext uri="{FF2B5EF4-FFF2-40B4-BE49-F238E27FC236}">
+                <a16:creationId xmlns:a16="http://schemas.microsoft.com/office/drawing/2014/main" id="{67D8F1E2-BDF5-4404-BC92-E91371642E7C}"/>
+              </a:ext>
+            </a:extLst>
+          </p:cNvPr>
+          <p:cNvSpPr>
+            <a:spLocks noGrp="1"/>
+          </p:cNvSpPr>
+          <p:nvPr>
+            <p:ph type="sldNum" sz="quarter" idx="12"/>
+          </p:nvPr>
+        </p:nvSpPr>
+        <p:spPr/>
+        <p:txBody>
+          <a:bodyPr/>
+          <a:lstStyle/>
+          <a:p>
+            <a:fld id="{78F7A1EC-23D1-431D-8C93-9C4ED5D4A04D}" type="slidenum">
+              <a:rPr lang="en-US" smtClean="0"/>
+              <a:t>2</a:t>
+            </a:fld>
+            <a:endParaRPr lang="en-US"/>
+          </a:p>
+        </p:txBody>
+      </p:sp>
+    </p:spTree>
+    <p:extLst>
+      <p:ext uri="{BB962C8B-B14F-4D97-AF65-F5344CB8AC3E}">
+        <p14:creationId xmlns:p14="http://schemas.microsoft.com/office/powerpoint/2010/main" val="2536442086"/>
+      </p:ext>
+    </p:extLst>
+  </p:cSld>
+  <p:clrMapOvr>
+    <a:masterClrMapping/>
+  </p:clrMapOvr>
+</p:sld>
+</file>
+
+<file path=ppt/slides/slide20.xml><?xml version="1.0" encoding="utf-8"?>
+<p:sld xmlns:a="http://schemas.openxmlformats.org/drawingml/2006/main" xmlns:r="http://schemas.openxmlformats.org/officeDocument/2006/relationships" xmlns:p="http://schemas.openxmlformats.org/presentationml/2006/main">
+  <p:cSld>
+    <p:spTree>
+      <p:nvGrpSpPr>
+        <p:cNvPr id="1" name=""/>
+        <p:cNvGrpSpPr/>
+        <p:nvPr/>
+      </p:nvGrpSpPr>
+      <p:grpSpPr>
+        <a:xfrm>
+          <a:off x="0" y="0"/>
+          <a:ext cx="0" cy="0"/>
+          <a:chOff x="0" y="0"/>
+          <a:chExt cx="0" cy="0"/>
+        </a:xfrm>
+      </p:grpSpPr>
+      <p:sp>
+        <p:nvSpPr>
+          <p:cNvPr id="2" name="Title 1">
+            <a:extLst>
+              <a:ext uri="{FF2B5EF4-FFF2-40B4-BE49-F238E27FC236}">
+                <a16:creationId xmlns:a16="http://schemas.microsoft.com/office/drawing/2014/main" id="{ACA52EEF-0A06-4502-B0BA-D10ABBE5A178}"/>
+              </a:ext>
+            </a:extLst>
+          </p:cNvPr>
+          <p:cNvSpPr>
+            <a:spLocks noGrp="1"/>
+          </p:cNvSpPr>
+          <p:nvPr>
+            <p:ph type="title"/>
+          </p:nvPr>
+        </p:nvSpPr>
+        <p:spPr/>
+        <p:txBody>
+          <a:bodyPr/>
+          <a:lstStyle/>
+          <a:p>
+            <a:r>
+              <a:rPr lang="en-US" dirty="0"/>
+              <a:t>Vectors, matrices &amp; arrays</a:t>
+            </a:r>
+          </a:p>
+        </p:txBody>
+      </p:sp>
+      <p:sp>
+        <p:nvSpPr>
+          <p:cNvPr id="3" name="Content Placeholder 2">
+            <a:extLst>
+              <a:ext uri="{FF2B5EF4-FFF2-40B4-BE49-F238E27FC236}">
+                <a16:creationId xmlns:a16="http://schemas.microsoft.com/office/drawing/2014/main" id="{0CC4BFCB-DD8A-49AA-9ABC-CEFE9918B3D9}"/>
+              </a:ext>
+            </a:extLst>
+          </p:cNvPr>
+          <p:cNvSpPr>
+            <a:spLocks noGrp="1"/>
+          </p:cNvSpPr>
+          <p:nvPr>
+            <p:ph idx="1"/>
+          </p:nvPr>
+        </p:nvSpPr>
+        <p:spPr/>
+        <p:txBody>
+          <a:bodyPr>
+            <a:normAutofit lnSpcReduction="10000"/>
+          </a:bodyPr>
+          <a:lstStyle/>
+          <a:p>
+            <a:r>
+              <a:rPr lang="en-US" dirty="0"/>
+              <a:t>Column vector</a:t>
+            </a:r>
+          </a:p>
+          <a:p>
+            <a:endParaRPr lang="en-US" dirty="0"/>
+          </a:p>
+          <a:p>
+            <a:r>
+              <a:rPr lang="en-US" dirty="0"/>
+              <a:t>Row vector</a:t>
+            </a:r>
+          </a:p>
+          <a:p>
+            <a:endParaRPr lang="en-US" dirty="0"/>
+          </a:p>
+          <a:p>
+            <a:r>
+              <a:rPr lang="en-US" dirty="0"/>
+              <a:t>Matrix</a:t>
+            </a:r>
+          </a:p>
+          <a:p>
+            <a:endParaRPr lang="en-US" dirty="0"/>
+          </a:p>
+          <a:p>
+            <a:endParaRPr lang="en-US" dirty="0"/>
+          </a:p>
+          <a:p>
+            <a:endParaRPr lang="en-US" dirty="0"/>
+          </a:p>
+          <a:p>
+            <a:r>
+              <a:rPr lang="en-US" dirty="0"/>
+              <a:t>Array</a:t>
+            </a:r>
+          </a:p>
+        </p:txBody>
+      </p:sp>
+      <p:sp>
+        <p:nvSpPr>
+          <p:cNvPr id="4" name="Slide Number Placeholder 3">
+            <a:extLst>
+              <a:ext uri="{FF2B5EF4-FFF2-40B4-BE49-F238E27FC236}">
+                <a16:creationId xmlns:a16="http://schemas.microsoft.com/office/drawing/2014/main" id="{C2C2361F-8349-44DF-8F3D-4C7560C452F2}"/>
+              </a:ext>
+            </a:extLst>
+          </p:cNvPr>
+          <p:cNvSpPr>
+            <a:spLocks noGrp="1"/>
+          </p:cNvSpPr>
+          <p:nvPr>
+            <p:ph type="sldNum" sz="quarter" idx="12"/>
+          </p:nvPr>
+        </p:nvSpPr>
+        <p:spPr/>
+        <p:txBody>
+          <a:bodyPr/>
+          <a:lstStyle/>
+          <a:p>
+            <a:fld id="{78F7A1EC-23D1-431D-8C93-9C4ED5D4A04D}" type="slidenum">
+              <a:rPr lang="en-US" smtClean="0"/>
+              <a:t>20</a:t>
             </a:fld>
             <a:endParaRPr lang="en-US"/>
           </a:p>
@@ -7800,980 +8202,6 @@
 </p:sld>
 </file>
 
-<file path=ppt/slides/slide2.xml><?xml version="1.0" encoding="utf-8"?>
-<p:sld xmlns:a="http://schemas.openxmlformats.org/drawingml/2006/main" xmlns:r="http://schemas.openxmlformats.org/officeDocument/2006/relationships" xmlns:p="http://schemas.openxmlformats.org/presentationml/2006/main">
-  <p:cSld>
-    <p:spTree>
-      <p:nvGrpSpPr>
-        <p:cNvPr id="1" name=""/>
-        <p:cNvGrpSpPr/>
-        <p:nvPr/>
-      </p:nvGrpSpPr>
-      <p:grpSpPr>
-        <a:xfrm>
-          <a:off x="0" y="0"/>
-          <a:ext cx="0" cy="0"/>
-          <a:chOff x="0" y="0"/>
-          <a:chExt cx="0" cy="0"/>
-        </a:xfrm>
-      </p:grpSpPr>
-      <p:sp>
-        <p:nvSpPr>
-          <p:cNvPr id="2" name="Title 1">
-            <a:extLst>
-              <a:ext uri="{FF2B5EF4-FFF2-40B4-BE49-F238E27FC236}">
-                <a16:creationId xmlns:a16="http://schemas.microsoft.com/office/drawing/2014/main" id="{3F55952B-074C-410B-8A86-A8261F346DA6}"/>
-              </a:ext>
-            </a:extLst>
-          </p:cNvPr>
-          <p:cNvSpPr>
-            <a:spLocks noGrp="1"/>
-          </p:cNvSpPr>
-          <p:nvPr>
-            <p:ph type="title"/>
-          </p:nvPr>
-        </p:nvSpPr>
-        <p:spPr/>
-        <p:txBody>
-          <a:bodyPr/>
-          <a:lstStyle/>
-          <a:p>
-            <a:r>
-              <a:rPr lang="en-US" dirty="0"/>
-              <a:t>Julia high-level impressions</a:t>
-            </a:r>
-          </a:p>
-        </p:txBody>
-      </p:sp>
-      <p:sp>
-        <p:nvSpPr>
-          <p:cNvPr id="3" name="Content Placeholder 2">
-            <a:extLst>
-              <a:ext uri="{FF2B5EF4-FFF2-40B4-BE49-F238E27FC236}">
-                <a16:creationId xmlns:a16="http://schemas.microsoft.com/office/drawing/2014/main" id="{CBED736F-6F75-46FA-9228-B9287ADF1900}"/>
-              </a:ext>
-            </a:extLst>
-          </p:cNvPr>
-          <p:cNvSpPr>
-            <a:spLocks noGrp="1"/>
-          </p:cNvSpPr>
-          <p:nvPr>
-            <p:ph idx="1"/>
-          </p:nvPr>
-        </p:nvSpPr>
-        <p:spPr/>
-        <p:txBody>
-          <a:bodyPr/>
-          <a:lstStyle/>
-          <a:p>
-            <a:r>
-              <a:rPr lang="en-US" dirty="0"/>
-              <a:t>Influenced by MATLAB</a:t>
-            </a:r>
-          </a:p>
-          <a:p>
-            <a:r>
-              <a:rPr lang="en-US" dirty="0"/>
-              <a:t>Half-baked mathematical notation</a:t>
-            </a:r>
-          </a:p>
-          <a:p>
-            <a:r>
-              <a:rPr lang="en-US" dirty="0"/>
-              <a:t>Not object oriented</a:t>
-            </a:r>
-          </a:p>
-          <a:p>
-            <a:pPr lvl="1"/>
-            <a:r>
-              <a:rPr lang="en-US" dirty="0"/>
-              <a:t>Mitigated by multiple dispatch methods</a:t>
-            </a:r>
-          </a:p>
-          <a:p>
-            <a:r>
-              <a:rPr lang="en-US" dirty="0"/>
-              <a:t>Nice typing system</a:t>
-            </a:r>
-          </a:p>
-          <a:p>
-            <a:pPr lvl="1"/>
-            <a:r>
-              <a:rPr lang="en-US" dirty="0"/>
-              <a:t>Opportunities for compiler optimizations</a:t>
-            </a:r>
-          </a:p>
-          <a:p>
-            <a:r>
-              <a:rPr lang="en-US" dirty="0"/>
-              <a:t>Package system</a:t>
-            </a:r>
-          </a:p>
-          <a:p>
-            <a:pPr lvl="1"/>
-            <a:r>
-              <a:rPr lang="en-US" dirty="0"/>
-              <a:t>Environments "built in"</a:t>
-            </a:r>
-          </a:p>
-          <a:p>
-            <a:r>
-              <a:rPr lang="en-US" dirty="0"/>
-              <a:t>Design decisions are… "interesting"</a:t>
-            </a:r>
-          </a:p>
-        </p:txBody>
-      </p:sp>
-      <p:sp>
-        <p:nvSpPr>
-          <p:cNvPr id="4" name="Slide Number Placeholder 3">
-            <a:extLst>
-              <a:ext uri="{FF2B5EF4-FFF2-40B4-BE49-F238E27FC236}">
-                <a16:creationId xmlns:a16="http://schemas.microsoft.com/office/drawing/2014/main" id="{67D8F1E2-BDF5-4404-BC92-E91371642E7C}"/>
-              </a:ext>
-            </a:extLst>
-          </p:cNvPr>
-          <p:cNvSpPr>
-            <a:spLocks noGrp="1"/>
-          </p:cNvSpPr>
-          <p:nvPr>
-            <p:ph type="sldNum" sz="quarter" idx="12"/>
-          </p:nvPr>
-        </p:nvSpPr>
-        <p:spPr/>
-        <p:txBody>
-          <a:bodyPr/>
-          <a:lstStyle/>
-          <a:p>
-            <a:fld id="{78F7A1EC-23D1-431D-8C93-9C4ED5D4A04D}" type="slidenum">
-              <a:rPr lang="en-US" smtClean="0"/>
-              <a:t>2</a:t>
-            </a:fld>
-            <a:endParaRPr lang="en-US"/>
-          </a:p>
-        </p:txBody>
-      </p:sp>
-    </p:spTree>
-    <p:extLst>
-      <p:ext uri="{BB962C8B-B14F-4D97-AF65-F5344CB8AC3E}">
-        <p14:creationId xmlns:p14="http://schemas.microsoft.com/office/powerpoint/2010/main" val="2536442086"/>
-      </p:ext>
-    </p:extLst>
-  </p:cSld>
-  <p:clrMapOvr>
-    <a:masterClrMapping/>
-  </p:clrMapOvr>
-</p:sld>
-</file>
-
-<file path=ppt/slides/slide20.xml><?xml version="1.0" encoding="utf-8"?>
-<p:sld xmlns:a="http://schemas.openxmlformats.org/drawingml/2006/main" xmlns:r="http://schemas.openxmlformats.org/officeDocument/2006/relationships" xmlns:p="http://schemas.openxmlformats.org/presentationml/2006/main">
-  <p:cSld>
-    <p:spTree>
-      <p:nvGrpSpPr>
-        <p:cNvPr id="1" name=""/>
-        <p:cNvGrpSpPr/>
-        <p:nvPr/>
-      </p:nvGrpSpPr>
-      <p:grpSpPr>
-        <a:xfrm>
-          <a:off x="0" y="0"/>
-          <a:ext cx="0" cy="0"/>
-          <a:chOff x="0" y="0"/>
-          <a:chExt cx="0" cy="0"/>
-        </a:xfrm>
-      </p:grpSpPr>
-      <p:sp>
-        <p:nvSpPr>
-          <p:cNvPr id="2" name="Title 1">
-            <a:extLst>
-              <a:ext uri="{FF2B5EF4-FFF2-40B4-BE49-F238E27FC236}">
-                <a16:creationId xmlns:a16="http://schemas.microsoft.com/office/drawing/2014/main" id="{2170096C-B530-4DF4-9351-7BB75B8C38CB}"/>
-              </a:ext>
-            </a:extLst>
-          </p:cNvPr>
-          <p:cNvSpPr>
-            <a:spLocks noGrp="1"/>
-          </p:cNvSpPr>
-          <p:nvPr>
-            <p:ph type="title"/>
-          </p:nvPr>
-        </p:nvSpPr>
-        <p:spPr/>
-        <p:txBody>
-          <a:bodyPr/>
-          <a:lstStyle/>
-          <a:p>
-            <a:r>
-              <a:rPr lang="en-US" dirty="0"/>
-              <a:t>Array functions</a:t>
-            </a:r>
-          </a:p>
-        </p:txBody>
-      </p:sp>
-      <p:sp>
-        <p:nvSpPr>
-          <p:cNvPr id="3" name="Content Placeholder 2">
-            <a:extLst>
-              <a:ext uri="{FF2B5EF4-FFF2-40B4-BE49-F238E27FC236}">
-                <a16:creationId xmlns:a16="http://schemas.microsoft.com/office/drawing/2014/main" id="{528DE21E-7205-4AE0-8267-B3CA45250E43}"/>
-              </a:ext>
-            </a:extLst>
-          </p:cNvPr>
-          <p:cNvSpPr>
-            <a:spLocks noGrp="1"/>
-          </p:cNvSpPr>
-          <p:nvPr>
-            <p:ph idx="1"/>
-          </p:nvPr>
-        </p:nvSpPr>
-        <p:spPr/>
-        <p:txBody>
-          <a:bodyPr/>
-          <a:lstStyle/>
-          <a:p>
-            <a:r>
-              <a:rPr lang="en-US" dirty="0"/>
-              <a:t>Construction: </a:t>
-            </a:r>
-            <a:r>
-              <a:rPr lang="en-US" dirty="0">
-                <a:latin typeface="Consolas" panose="020B0609020204030204" pitchFamily="49" charset="0"/>
-              </a:rPr>
-              <a:t>zeros</a:t>
-            </a:r>
-            <a:r>
-              <a:rPr lang="en-US" dirty="0"/>
-              <a:t>, </a:t>
-            </a:r>
-            <a:r>
-              <a:rPr lang="en-US" dirty="0">
-                <a:latin typeface="Consolas" panose="020B0609020204030204" pitchFamily="49" charset="0"/>
-              </a:rPr>
-              <a:t>ones</a:t>
-            </a:r>
-            <a:r>
-              <a:rPr lang="en-US" dirty="0"/>
-              <a:t>, </a:t>
-            </a:r>
-            <a:r>
-              <a:rPr lang="en-US" dirty="0">
-                <a:latin typeface="Consolas" panose="020B0609020204030204" pitchFamily="49" charset="0"/>
-              </a:rPr>
-              <a:t>trues</a:t>
-            </a:r>
-            <a:r>
-              <a:rPr lang="en-US" dirty="0"/>
-              <a:t>, </a:t>
-            </a:r>
-            <a:r>
-              <a:rPr lang="en-US" dirty="0" err="1">
-                <a:latin typeface="Consolas" panose="020B0609020204030204" pitchFamily="49" charset="0"/>
-              </a:rPr>
-              <a:t>falses</a:t>
-            </a:r>
-            <a:r>
-              <a:rPr lang="en-US" dirty="0"/>
-              <a:t>, </a:t>
-            </a:r>
-            <a:r>
-              <a:rPr lang="en-US" dirty="0">
-                <a:latin typeface="Consolas" panose="020B0609020204030204" pitchFamily="49" charset="0"/>
-              </a:rPr>
-              <a:t>fill</a:t>
-            </a:r>
-            <a:r>
-              <a:rPr lang="en-US" dirty="0"/>
-              <a:t>, </a:t>
-            </a:r>
-            <a:r>
-              <a:rPr lang="en-US" dirty="0">
-                <a:latin typeface="Consolas" panose="020B0609020204030204" pitchFamily="49" charset="0"/>
-              </a:rPr>
-              <a:t>rand</a:t>
-            </a:r>
-            <a:r>
-              <a:rPr lang="en-US" dirty="0"/>
-              <a:t>, </a:t>
-            </a:r>
-            <a:r>
-              <a:rPr lang="en-US" dirty="0" err="1"/>
-              <a:t>randn</a:t>
-            </a:r>
-            <a:endParaRPr lang="en-US" dirty="0"/>
-          </a:p>
-          <a:p>
-            <a:endParaRPr lang="en-US" dirty="0"/>
-          </a:p>
-          <a:p>
-            <a:endParaRPr lang="en-US" dirty="0"/>
-          </a:p>
-          <a:p>
-            <a:endParaRPr lang="en-US" dirty="0"/>
-          </a:p>
-          <a:p>
-            <a:r>
-              <a:rPr lang="en-US" dirty="0"/>
-              <a:t>Properties: </a:t>
-            </a:r>
-            <a:r>
-              <a:rPr lang="en-US" dirty="0" err="1">
-                <a:latin typeface="Consolas" panose="020B0609020204030204" pitchFamily="49" charset="0"/>
-              </a:rPr>
-              <a:t>eltype</a:t>
-            </a:r>
-            <a:r>
-              <a:rPr lang="en-US" dirty="0"/>
-              <a:t>, </a:t>
-            </a:r>
-            <a:r>
-              <a:rPr lang="en-US" dirty="0">
-                <a:latin typeface="Consolas" panose="020B0609020204030204" pitchFamily="49" charset="0"/>
-              </a:rPr>
-              <a:t>length</a:t>
-            </a:r>
-            <a:r>
-              <a:rPr lang="en-US" dirty="0"/>
-              <a:t>, </a:t>
-            </a:r>
-            <a:r>
-              <a:rPr lang="en-US" dirty="0" err="1">
-                <a:latin typeface="Consolas" panose="020B0609020204030204" pitchFamily="49" charset="0"/>
-              </a:rPr>
-              <a:t>ndims</a:t>
-            </a:r>
-            <a:r>
-              <a:rPr lang="en-US" dirty="0"/>
-              <a:t>, </a:t>
-            </a:r>
-            <a:r>
-              <a:rPr lang="en-US" dirty="0">
-                <a:latin typeface="Consolas" panose="020B0609020204030204" pitchFamily="49" charset="0"/>
-              </a:rPr>
-              <a:t>size</a:t>
-            </a:r>
-            <a:r>
-              <a:rPr lang="en-US" dirty="0"/>
-              <a:t>, </a:t>
-            </a:r>
-            <a:r>
-              <a:rPr lang="en-US" dirty="0">
-                <a:latin typeface="Consolas" panose="020B0609020204030204" pitchFamily="49" charset="0"/>
-              </a:rPr>
-              <a:t>strides</a:t>
-            </a:r>
-            <a:r>
-              <a:rPr lang="en-US" dirty="0"/>
-              <a:t>, </a:t>
-            </a:r>
-            <a:r>
-              <a:rPr lang="en-US" dirty="0" err="1">
-                <a:latin typeface="Consolas" panose="020B0609020204030204" pitchFamily="49" charset="0"/>
-              </a:rPr>
-              <a:t>eachindex</a:t>
-            </a:r>
-            <a:endParaRPr lang="en-US" dirty="0">
-              <a:latin typeface="Consolas" panose="020B0609020204030204" pitchFamily="49" charset="0"/>
-            </a:endParaRPr>
-          </a:p>
-        </p:txBody>
-      </p:sp>
-      <p:sp>
-        <p:nvSpPr>
-          <p:cNvPr id="4" name="Slide Number Placeholder 3">
-            <a:extLst>
-              <a:ext uri="{FF2B5EF4-FFF2-40B4-BE49-F238E27FC236}">
-                <a16:creationId xmlns:a16="http://schemas.microsoft.com/office/drawing/2014/main" id="{A743831F-DB4B-4D2B-A22C-3EC204376C59}"/>
-              </a:ext>
-            </a:extLst>
-          </p:cNvPr>
-          <p:cNvSpPr>
-            <a:spLocks noGrp="1"/>
-          </p:cNvSpPr>
-          <p:nvPr>
-            <p:ph type="sldNum" sz="quarter" idx="12"/>
-          </p:nvPr>
-        </p:nvSpPr>
-        <p:spPr/>
-        <p:txBody>
-          <a:bodyPr/>
-          <a:lstStyle/>
-          <a:p>
-            <a:fld id="{78F7A1EC-23D1-431D-8C93-9C4ED5D4A04D}" type="slidenum">
-              <a:rPr lang="en-US" smtClean="0"/>
-              <a:t>20</a:t>
-            </a:fld>
-            <a:endParaRPr lang="en-US"/>
-          </a:p>
-        </p:txBody>
-      </p:sp>
-      <p:sp>
-        <p:nvSpPr>
-          <p:cNvPr id="5" name="TextBox 4">
-            <a:extLst>
-              <a:ext uri="{FF2B5EF4-FFF2-40B4-BE49-F238E27FC236}">
-                <a16:creationId xmlns:a16="http://schemas.microsoft.com/office/drawing/2014/main" id="{D32BB829-A6EE-4229-B115-596A87260898}"/>
-              </a:ext>
-            </a:extLst>
-          </p:cNvPr>
-          <p:cNvSpPr txBox="1"/>
-          <p:nvPr/>
-        </p:nvSpPr>
-        <p:spPr>
-          <a:xfrm>
-            <a:off x="1379834" y="2394861"/>
-            <a:ext cx="2277766" cy="369332"/>
-          </a:xfrm>
-          <a:prstGeom prst="rect">
-            <a:avLst/>
-          </a:prstGeom>
-          <a:solidFill>
-            <a:schemeClr val="bg1">
-              <a:lumMod val="85000"/>
-            </a:schemeClr>
-          </a:solidFill>
-        </p:spPr>
-        <p:txBody>
-          <a:bodyPr wrap="square" rtlCol="0">
-            <a:spAutoFit/>
-          </a:bodyPr>
-          <a:lstStyle/>
-          <a:p>
-            <a:r>
-              <a:rPr lang="en-US" dirty="0">
-                <a:latin typeface="Consolas" panose="020B0609020204030204" pitchFamily="49" charset="0"/>
-              </a:rPr>
-              <a:t>fill(3.14, 2, 3)</a:t>
-            </a:r>
-          </a:p>
-        </p:txBody>
-      </p:sp>
-      <p:sp>
-        <p:nvSpPr>
-          <p:cNvPr id="6" name="TextBox 5">
-            <a:extLst>
-              <a:ext uri="{FF2B5EF4-FFF2-40B4-BE49-F238E27FC236}">
-                <a16:creationId xmlns:a16="http://schemas.microsoft.com/office/drawing/2014/main" id="{116DBC55-6B1A-4469-B746-F2825331ABBF}"/>
-              </a:ext>
-            </a:extLst>
-          </p:cNvPr>
-          <p:cNvSpPr txBox="1"/>
-          <p:nvPr/>
-        </p:nvSpPr>
-        <p:spPr>
-          <a:xfrm>
-            <a:off x="4366051" y="2394861"/>
-            <a:ext cx="2277766" cy="1200329"/>
-          </a:xfrm>
-          <a:prstGeom prst="rect">
-            <a:avLst/>
-          </a:prstGeom>
-          <a:solidFill>
-            <a:schemeClr val="bg1">
-              <a:lumMod val="85000"/>
-            </a:schemeClr>
-          </a:solidFill>
-        </p:spPr>
-        <p:txBody>
-          <a:bodyPr wrap="square" rtlCol="0">
-            <a:spAutoFit/>
-          </a:bodyPr>
-          <a:lstStyle/>
-          <a:p>
-            <a:r>
-              <a:rPr lang="en-US" dirty="0">
-                <a:latin typeface="Consolas" panose="020B0609020204030204" pitchFamily="49" charset="0"/>
-              </a:rPr>
-              <a:t>[</a:t>
-            </a:r>
-          </a:p>
-          <a:p>
-            <a:r>
-              <a:rPr lang="en-US" dirty="0">
-                <a:latin typeface="Consolas" panose="020B0609020204030204" pitchFamily="49" charset="0"/>
-              </a:rPr>
-              <a:t>  3.14 3.14 3.14</a:t>
-            </a:r>
-          </a:p>
-          <a:p>
-            <a:r>
-              <a:rPr lang="en-US" dirty="0">
-                <a:latin typeface="Consolas" panose="020B0609020204030204" pitchFamily="49" charset="0"/>
-              </a:rPr>
-              <a:t>  3.14 3.14 3.14</a:t>
-            </a:r>
-          </a:p>
-          <a:p>
-            <a:r>
-              <a:rPr lang="en-US" dirty="0">
-                <a:latin typeface="Consolas" panose="020B0609020204030204" pitchFamily="49" charset="0"/>
-              </a:rPr>
-              <a:t>]</a:t>
-            </a:r>
-          </a:p>
-        </p:txBody>
-      </p:sp>
-      <p:sp>
-        <p:nvSpPr>
-          <p:cNvPr id="7" name="TextBox 6">
-            <a:extLst>
-              <a:ext uri="{FF2B5EF4-FFF2-40B4-BE49-F238E27FC236}">
-                <a16:creationId xmlns:a16="http://schemas.microsoft.com/office/drawing/2014/main" id="{BE35B465-BA6E-4109-BFA1-D1EBE651BE8F}"/>
-              </a:ext>
-            </a:extLst>
-          </p:cNvPr>
-          <p:cNvSpPr txBox="1"/>
-          <p:nvPr/>
-        </p:nvSpPr>
-        <p:spPr>
-          <a:xfrm>
-            <a:off x="1379834" y="4466163"/>
-            <a:ext cx="2776154" cy="1200329"/>
-          </a:xfrm>
-          <a:prstGeom prst="rect">
-            <a:avLst/>
-          </a:prstGeom>
-          <a:solidFill>
-            <a:schemeClr val="bg1">
-              <a:lumMod val="85000"/>
-            </a:schemeClr>
-          </a:solidFill>
-        </p:spPr>
-        <p:txBody>
-          <a:bodyPr wrap="square" rtlCol="0">
-            <a:spAutoFit/>
-          </a:bodyPr>
-          <a:lstStyle/>
-          <a:p>
-            <a:r>
-              <a:rPr lang="en-US" dirty="0">
-                <a:latin typeface="Consolas" panose="020B0609020204030204" pitchFamily="49" charset="0"/>
-              </a:rPr>
-              <a:t>A = [</a:t>
-            </a:r>
-          </a:p>
-          <a:p>
-            <a:r>
-              <a:rPr lang="en-US" dirty="0">
-                <a:latin typeface="Consolas" panose="020B0609020204030204" pitchFamily="49" charset="0"/>
-              </a:rPr>
-              <a:t>  1.2 2.3 3.4 </a:t>
-            </a:r>
-          </a:p>
-          <a:p>
-            <a:r>
-              <a:rPr lang="en-US" dirty="0">
-                <a:latin typeface="Consolas" panose="020B0609020204030204" pitchFamily="49" charset="0"/>
-              </a:rPr>
-              <a:t>  4.5 5.6 6.7</a:t>
-            </a:r>
-          </a:p>
-          <a:p>
-            <a:r>
-              <a:rPr lang="en-US" dirty="0">
-                <a:latin typeface="Consolas" panose="020B0609020204030204" pitchFamily="49" charset="0"/>
-              </a:rPr>
-              <a:t>]</a:t>
-            </a:r>
-          </a:p>
-        </p:txBody>
-      </p:sp>
-      <p:sp>
-        <p:nvSpPr>
-          <p:cNvPr id="8" name="TextBox 7">
-            <a:extLst>
-              <a:ext uri="{FF2B5EF4-FFF2-40B4-BE49-F238E27FC236}">
-                <a16:creationId xmlns:a16="http://schemas.microsoft.com/office/drawing/2014/main" id="{6606FE39-91CB-4E3E-85C9-08C070209273}"/>
-              </a:ext>
-            </a:extLst>
-          </p:cNvPr>
-          <p:cNvSpPr txBox="1"/>
-          <p:nvPr/>
-        </p:nvSpPr>
-        <p:spPr>
-          <a:xfrm>
-            <a:off x="4604947" y="4466162"/>
-            <a:ext cx="2471356" cy="369332"/>
-          </a:xfrm>
-          <a:prstGeom prst="rect">
-            <a:avLst/>
-          </a:prstGeom>
-          <a:solidFill>
-            <a:schemeClr val="bg1">
-              <a:lumMod val="85000"/>
-            </a:schemeClr>
-          </a:solidFill>
-        </p:spPr>
-        <p:txBody>
-          <a:bodyPr wrap="square" rtlCol="0">
-            <a:spAutoFit/>
-          </a:bodyPr>
-          <a:lstStyle/>
-          <a:p>
-            <a:r>
-              <a:rPr lang="en-US" dirty="0">
-                <a:latin typeface="Consolas" panose="020B0609020204030204" pitchFamily="49" charset="0"/>
-              </a:rPr>
-              <a:t>length(A) == 6</a:t>
-            </a:r>
-          </a:p>
-        </p:txBody>
-      </p:sp>
-      <p:sp>
-        <p:nvSpPr>
-          <p:cNvPr id="9" name="TextBox 8">
-            <a:extLst>
-              <a:ext uri="{FF2B5EF4-FFF2-40B4-BE49-F238E27FC236}">
-                <a16:creationId xmlns:a16="http://schemas.microsoft.com/office/drawing/2014/main" id="{551F11D3-5A0F-4E76-A18B-427329A14F1F}"/>
-              </a:ext>
-            </a:extLst>
-          </p:cNvPr>
-          <p:cNvSpPr txBox="1"/>
-          <p:nvPr/>
-        </p:nvSpPr>
-        <p:spPr>
-          <a:xfrm>
-            <a:off x="4604947" y="4943555"/>
-            <a:ext cx="2471356" cy="369332"/>
-          </a:xfrm>
-          <a:prstGeom prst="rect">
-            <a:avLst/>
-          </a:prstGeom>
-          <a:solidFill>
-            <a:schemeClr val="bg1">
-              <a:lumMod val="85000"/>
-            </a:schemeClr>
-          </a:solidFill>
-        </p:spPr>
-        <p:txBody>
-          <a:bodyPr wrap="square" rtlCol="0">
-            <a:spAutoFit/>
-          </a:bodyPr>
-          <a:lstStyle/>
-          <a:p>
-            <a:r>
-              <a:rPr lang="en-US" dirty="0">
-                <a:latin typeface="Consolas" panose="020B0609020204030204" pitchFamily="49" charset="0"/>
-              </a:rPr>
-              <a:t>size(A) == (2, 3)</a:t>
-            </a:r>
-          </a:p>
-        </p:txBody>
-      </p:sp>
-      <p:sp>
-        <p:nvSpPr>
-          <p:cNvPr id="10" name="TextBox 9">
-            <a:extLst>
-              <a:ext uri="{FF2B5EF4-FFF2-40B4-BE49-F238E27FC236}">
-                <a16:creationId xmlns:a16="http://schemas.microsoft.com/office/drawing/2014/main" id="{0DD3D76F-C89E-4AE3-AAB9-D4560141445C}"/>
-              </a:ext>
-            </a:extLst>
-          </p:cNvPr>
-          <p:cNvSpPr txBox="1"/>
-          <p:nvPr/>
-        </p:nvSpPr>
-        <p:spPr>
-          <a:xfrm>
-            <a:off x="4604947" y="5422273"/>
-            <a:ext cx="2471356" cy="369332"/>
-          </a:xfrm>
-          <a:prstGeom prst="rect">
-            <a:avLst/>
-          </a:prstGeom>
-          <a:solidFill>
-            <a:schemeClr val="bg1">
-              <a:lumMod val="85000"/>
-            </a:schemeClr>
-          </a:solidFill>
-        </p:spPr>
-        <p:txBody>
-          <a:bodyPr wrap="square" rtlCol="0">
-            <a:spAutoFit/>
-          </a:bodyPr>
-          <a:lstStyle/>
-          <a:p>
-            <a:r>
-              <a:rPr lang="en-US" dirty="0">
-                <a:latin typeface="Consolas" panose="020B0609020204030204" pitchFamily="49" charset="0"/>
-              </a:rPr>
-              <a:t>size(A, 1) == 2</a:t>
-            </a:r>
-          </a:p>
-        </p:txBody>
-      </p:sp>
-      <p:sp>
-        <p:nvSpPr>
-          <p:cNvPr id="11" name="TextBox 10">
-            <a:extLst>
-              <a:ext uri="{FF2B5EF4-FFF2-40B4-BE49-F238E27FC236}">
-                <a16:creationId xmlns:a16="http://schemas.microsoft.com/office/drawing/2014/main" id="{4450A576-0977-4670-80DA-FAB2C22F89DC}"/>
-              </a:ext>
-            </a:extLst>
-          </p:cNvPr>
-          <p:cNvSpPr txBox="1"/>
-          <p:nvPr/>
-        </p:nvSpPr>
-        <p:spPr>
-          <a:xfrm>
-            <a:off x="4604947" y="5892316"/>
-            <a:ext cx="2471356" cy="369332"/>
-          </a:xfrm>
-          <a:prstGeom prst="rect">
-            <a:avLst/>
-          </a:prstGeom>
-          <a:solidFill>
-            <a:schemeClr val="bg1">
-              <a:lumMod val="85000"/>
-            </a:schemeClr>
-          </a:solidFill>
-        </p:spPr>
-        <p:txBody>
-          <a:bodyPr wrap="square" rtlCol="0">
-            <a:spAutoFit/>
-          </a:bodyPr>
-          <a:lstStyle/>
-          <a:p>
-            <a:r>
-              <a:rPr lang="en-US" dirty="0">
-                <a:latin typeface="Consolas" panose="020B0609020204030204" pitchFamily="49" charset="0"/>
-              </a:rPr>
-              <a:t>size(A, 2) == 3</a:t>
-            </a:r>
-          </a:p>
-        </p:txBody>
-      </p:sp>
-      <p:sp>
-        <p:nvSpPr>
-          <p:cNvPr id="12" name="TextBox 11">
-            <a:extLst>
-              <a:ext uri="{FF2B5EF4-FFF2-40B4-BE49-F238E27FC236}">
-                <a16:creationId xmlns:a16="http://schemas.microsoft.com/office/drawing/2014/main" id="{41597DE6-4CCF-4DFB-85FA-03D332365F06}"/>
-              </a:ext>
-            </a:extLst>
-          </p:cNvPr>
-          <p:cNvSpPr txBox="1"/>
-          <p:nvPr/>
-        </p:nvSpPr>
-        <p:spPr>
-          <a:xfrm>
-            <a:off x="1379834" y="6344686"/>
-            <a:ext cx="2776155" cy="369332"/>
-          </a:xfrm>
-          <a:prstGeom prst="rect">
-            <a:avLst/>
-          </a:prstGeom>
-          <a:solidFill>
-            <a:schemeClr val="bg1">
-              <a:lumMod val="85000"/>
-            </a:schemeClr>
-          </a:solidFill>
-        </p:spPr>
-        <p:txBody>
-          <a:bodyPr wrap="square" rtlCol="0">
-            <a:spAutoFit/>
-          </a:bodyPr>
-          <a:lstStyle/>
-          <a:p>
-            <a:r>
-              <a:rPr lang="en-US" dirty="0" err="1">
-                <a:latin typeface="Consolas" panose="020B0609020204030204" pitchFamily="49" charset="0"/>
-              </a:rPr>
-              <a:t>ndims</a:t>
-            </a:r>
-            <a:r>
-              <a:rPr lang="en-US" dirty="0">
-                <a:latin typeface="Consolas" panose="020B0609020204030204" pitchFamily="49" charset="0"/>
-              </a:rPr>
-              <a:t>(A) == 2</a:t>
-            </a:r>
-          </a:p>
-        </p:txBody>
-      </p:sp>
-      <p:sp>
-        <p:nvSpPr>
-          <p:cNvPr id="13" name="TextBox 12">
-            <a:extLst>
-              <a:ext uri="{FF2B5EF4-FFF2-40B4-BE49-F238E27FC236}">
-                <a16:creationId xmlns:a16="http://schemas.microsoft.com/office/drawing/2014/main" id="{1E49D578-AF0C-48D1-B5DB-92D9C1E51BD2}"/>
-              </a:ext>
-            </a:extLst>
-          </p:cNvPr>
-          <p:cNvSpPr txBox="1"/>
-          <p:nvPr/>
-        </p:nvSpPr>
-        <p:spPr>
-          <a:xfrm>
-            <a:off x="1379834" y="5897325"/>
-            <a:ext cx="2776155" cy="369332"/>
-          </a:xfrm>
-          <a:prstGeom prst="rect">
-            <a:avLst/>
-          </a:prstGeom>
-          <a:solidFill>
-            <a:schemeClr val="bg1">
-              <a:lumMod val="85000"/>
-            </a:schemeClr>
-          </a:solidFill>
-        </p:spPr>
-        <p:txBody>
-          <a:bodyPr wrap="square" rtlCol="0">
-            <a:spAutoFit/>
-          </a:bodyPr>
-          <a:lstStyle/>
-          <a:p>
-            <a:r>
-              <a:rPr lang="en-US" dirty="0" err="1">
-                <a:latin typeface="Consolas" panose="020B0609020204030204" pitchFamily="49" charset="0"/>
-              </a:rPr>
-              <a:t>eltype</a:t>
-            </a:r>
-            <a:r>
-              <a:rPr lang="en-US" dirty="0">
-                <a:latin typeface="Consolas" panose="020B0609020204030204" pitchFamily="49" charset="0"/>
-              </a:rPr>
-              <a:t>(A) == Float64</a:t>
-            </a:r>
-          </a:p>
-        </p:txBody>
-      </p:sp>
-      <p:sp>
-        <p:nvSpPr>
-          <p:cNvPr id="14" name="TextBox 13">
-            <a:extLst>
-              <a:ext uri="{FF2B5EF4-FFF2-40B4-BE49-F238E27FC236}">
-                <a16:creationId xmlns:a16="http://schemas.microsoft.com/office/drawing/2014/main" id="{1783C9D2-7679-4FDE-9185-A82F2B6C56FD}"/>
-              </a:ext>
-            </a:extLst>
-          </p:cNvPr>
-          <p:cNvSpPr txBox="1"/>
-          <p:nvPr/>
-        </p:nvSpPr>
-        <p:spPr>
-          <a:xfrm>
-            <a:off x="8241953" y="4466577"/>
-            <a:ext cx="2691714" cy="369332"/>
-          </a:xfrm>
-          <a:prstGeom prst="rect">
-            <a:avLst/>
-          </a:prstGeom>
-          <a:solidFill>
-            <a:schemeClr val="bg1">
-              <a:lumMod val="85000"/>
-            </a:schemeClr>
-          </a:solidFill>
-        </p:spPr>
-        <p:txBody>
-          <a:bodyPr wrap="square" rtlCol="0">
-            <a:spAutoFit/>
-          </a:bodyPr>
-          <a:lstStyle/>
-          <a:p>
-            <a:r>
-              <a:rPr lang="en-US" dirty="0">
-                <a:latin typeface="Consolas" panose="020B0609020204030204" pitchFamily="49" charset="0"/>
-              </a:rPr>
-              <a:t>strides(A) == (1, 2)</a:t>
-            </a:r>
-          </a:p>
-        </p:txBody>
-      </p:sp>
-      <p:sp>
-        <p:nvSpPr>
-          <p:cNvPr id="15" name="TextBox 14">
-            <a:extLst>
-              <a:ext uri="{FF2B5EF4-FFF2-40B4-BE49-F238E27FC236}">
-                <a16:creationId xmlns:a16="http://schemas.microsoft.com/office/drawing/2014/main" id="{14EF381A-E03D-40FA-B039-E80AFAFEDE1D}"/>
-              </a:ext>
-            </a:extLst>
-          </p:cNvPr>
-          <p:cNvSpPr txBox="1"/>
-          <p:nvPr/>
-        </p:nvSpPr>
-        <p:spPr>
-          <a:xfrm>
-            <a:off x="9982200" y="5015296"/>
-            <a:ext cx="1394036" cy="369332"/>
-          </a:xfrm>
-          <a:prstGeom prst="rect">
-            <a:avLst/>
-          </a:prstGeom>
-          <a:noFill/>
-          <a:ln>
-            <a:solidFill>
-              <a:schemeClr val="tx1"/>
-            </a:solidFill>
-          </a:ln>
-        </p:spPr>
-        <p:txBody>
-          <a:bodyPr wrap="none" rtlCol="0">
-            <a:spAutoFit/>
-          </a:bodyPr>
-          <a:lstStyle/>
-          <a:p>
-            <a:r>
-              <a:rPr lang="en-US" i="1" dirty="0"/>
-              <a:t>Not</a:t>
-            </a:r>
-            <a:r>
-              <a:rPr lang="en-US" dirty="0"/>
-              <a:t> in bytes!</a:t>
-            </a:r>
-          </a:p>
-        </p:txBody>
-      </p:sp>
-      <p:sp>
-        <p:nvSpPr>
-          <p:cNvPr id="16" name="TextBox 15">
-            <a:extLst>
-              <a:ext uri="{FF2B5EF4-FFF2-40B4-BE49-F238E27FC236}">
-                <a16:creationId xmlns:a16="http://schemas.microsoft.com/office/drawing/2014/main" id="{53B74517-6B79-4E1B-B79B-4FE08E02ABFE}"/>
-              </a:ext>
-            </a:extLst>
-          </p:cNvPr>
-          <p:cNvSpPr txBox="1"/>
-          <p:nvPr/>
-        </p:nvSpPr>
-        <p:spPr>
-          <a:xfrm>
-            <a:off x="7722623" y="5849974"/>
-            <a:ext cx="2984856" cy="369332"/>
-          </a:xfrm>
-          <a:prstGeom prst="rect">
-            <a:avLst/>
-          </a:prstGeom>
-          <a:noFill/>
-          <a:ln>
-            <a:solidFill>
-              <a:schemeClr val="tx1"/>
-            </a:solidFill>
-          </a:ln>
-        </p:spPr>
-        <p:txBody>
-          <a:bodyPr wrap="none" rtlCol="0">
-            <a:spAutoFit/>
-          </a:bodyPr>
-          <a:lstStyle/>
-          <a:p>
-            <a:r>
-              <a:rPr lang="en-US" dirty="0"/>
-              <a:t>Column-wise storage scheme!</a:t>
-            </a:r>
-          </a:p>
-        </p:txBody>
-      </p:sp>
-    </p:spTree>
-    <p:extLst>
-      <p:ext uri="{BB962C8B-B14F-4D97-AF65-F5344CB8AC3E}">
-        <p14:creationId xmlns:p14="http://schemas.microsoft.com/office/powerpoint/2010/main" val="2481124655"/>
-      </p:ext>
-    </p:extLst>
-  </p:cSld>
-  <p:clrMapOvr>
-    <a:masterClrMapping/>
-  </p:clrMapOvr>
-</p:sld>
-</file>
-
 <file path=ppt/slides/slide21.xml><?xml version="1.0" encoding="utf-8"?>
 <p:sld xmlns:a="http://schemas.openxmlformats.org/drawingml/2006/main" xmlns:r="http://schemas.openxmlformats.org/officeDocument/2006/relationships" xmlns:p="http://schemas.openxmlformats.org/presentationml/2006/main">
   <p:cSld>
@@ -8796,7 +8224,7 @@
           <p:cNvPr id="2" name="Title 1">
             <a:extLst>
               <a:ext uri="{FF2B5EF4-FFF2-40B4-BE49-F238E27FC236}">
-                <a16:creationId xmlns:a16="http://schemas.microsoft.com/office/drawing/2014/main" id="{7143A27C-CD42-41A7-BD16-AB9334435483}"/>
+                <a16:creationId xmlns:a16="http://schemas.microsoft.com/office/drawing/2014/main" id="{2170096C-B530-4DF4-9351-7BB75B8C38CB}"/>
               </a:ext>
             </a:extLst>
           </p:cNvPr>
@@ -8814,7 +8242,7 @@
           <a:p>
             <a:r>
               <a:rPr lang="en-US" dirty="0"/>
-              <a:t>Array (matrix) operations</a:t>
+              <a:t>Array functions</a:t>
             </a:r>
           </a:p>
         </p:txBody>
@@ -8824,7 +8252,7 @@
           <p:cNvPr id="3" name="Content Placeholder 2">
             <a:extLst>
               <a:ext uri="{FF2B5EF4-FFF2-40B4-BE49-F238E27FC236}">
-                <a16:creationId xmlns:a16="http://schemas.microsoft.com/office/drawing/2014/main" id="{A743372D-EA14-4447-96BD-08FF4E6A6FD7}"/>
+                <a16:creationId xmlns:a16="http://schemas.microsoft.com/office/drawing/2014/main" id="{528DE21E-7205-4AE0-8267-B3CA45250E43}"/>
               </a:ext>
             </a:extLst>
           </p:cNvPr>
@@ -8837,51 +8265,18 @@
         </p:nvSpPr>
         <p:spPr/>
         <p:txBody>
-          <a:bodyPr>
-            <a:normAutofit fontScale="92500" lnSpcReduction="10000"/>
-          </a:bodyPr>
-          <a:lstStyle/>
-          <a:p>
-            <a:r>
-              <a:rPr lang="en-US" dirty="0"/>
-              <a:t>Array indexing, 1-based: </a:t>
-            </a:r>
-            <a:r>
-              <a:rPr lang="en-US" dirty="0">
-                <a:latin typeface="Consolas" panose="020B0609020204030204" pitchFamily="49" charset="0"/>
-              </a:rPr>
-              <a:t>A[1, 2] = A[2, 1]</a:t>
-            </a:r>
-          </a:p>
-          <a:p>
-            <a:r>
-              <a:rPr lang="en-US" dirty="0"/>
-              <a:t>Array slicing (copy, no alias): </a:t>
-            </a:r>
-            <a:r>
-              <a:rPr lang="en-US" dirty="0">
-                <a:latin typeface="Consolas" panose="020B0609020204030204" pitchFamily="49" charset="0"/>
-              </a:rPr>
-              <a:t>A[2:3, 2:3]</a:t>
-            </a:r>
-          </a:p>
-          <a:p>
-            <a:r>
-              <a:rPr lang="en-US" dirty="0"/>
-              <a:t>Arithmetic operations</a:t>
-            </a:r>
-          </a:p>
-          <a:p>
-            <a:pPr lvl="1"/>
-            <a:r>
-              <a:rPr lang="en-US" dirty="0"/>
-              <a:t>Scalar-array: </a:t>
-            </a:r>
-            <a:r>
-              <a:rPr lang="en-US" dirty="0">
-                <a:latin typeface="Consolas" panose="020B0609020204030204" pitchFamily="49" charset="0"/>
-              </a:rPr>
-              <a:t>.+</a:t>
+          <a:bodyPr/>
+          <a:lstStyle/>
+          <a:p>
+            <a:r>
+              <a:rPr lang="en-US" dirty="0"/>
+              <a:t>Construction: </a:t>
+            </a:r>
+            <a:r>
+              <a:rPr lang="en-US" dirty="0">
+                <a:latin typeface="Consolas" panose="020B0609020204030204" pitchFamily="49" charset="0"/>
+              </a:rPr>
+              <a:t>zeros</a:t>
             </a:r>
             <a:r>
               <a:rPr lang="en-US" dirty="0"/>
@@ -8891,7 +8286,7 @@
               <a:rPr lang="en-US" dirty="0">
                 <a:latin typeface="Consolas" panose="020B0609020204030204" pitchFamily="49" charset="0"/>
               </a:rPr>
-              <a:t>.-</a:t>
+              <a:t>ones</a:t>
             </a:r>
             <a:r>
               <a:rPr lang="en-US" dirty="0"/>
@@ -8901,17 +8296,17 @@
               <a:rPr lang="en-US" dirty="0">
                 <a:latin typeface="Consolas" panose="020B0609020204030204" pitchFamily="49" charset="0"/>
               </a:rPr>
-              <a:t>.*</a:t>
+              <a:t>trues</a:t>
             </a:r>
             <a:r>
               <a:rPr lang="en-US" dirty="0"/>
               <a:t>, </a:t>
             </a:r>
             <a:r>
-              <a:rPr lang="en-US" dirty="0">
-                <a:latin typeface="Consolas" panose="020B0609020204030204" pitchFamily="49" charset="0"/>
-              </a:rPr>
-              <a:t>./</a:t>
+              <a:rPr lang="en-US" dirty="0" err="1">
+                <a:latin typeface="Consolas" panose="020B0609020204030204" pitchFamily="49" charset="0"/>
+              </a:rPr>
+              <a:t>falses</a:t>
             </a:r>
             <a:r>
               <a:rPr lang="en-US" dirty="0"/>
@@ -8921,42 +8316,54 @@
               <a:rPr lang="en-US" dirty="0">
                 <a:latin typeface="Consolas" panose="020B0609020204030204" pitchFamily="49" charset="0"/>
               </a:rPr>
-              <a:t>.^</a:t>
-            </a:r>
-            <a:r>
-              <a:rPr lang="en-US" dirty="0"/>
-              <a:t> (</a:t>
-            </a:r>
-            <a:r>
-              <a:rPr lang="en-US" dirty="0">
-                <a:sym typeface="Symbol" panose="05050102010706020507" pitchFamily="18" charset="2"/>
-              </a:rPr>
-              <a:t></a:t>
-            </a:r>
-            <a:r>
-              <a:rPr lang="en-US" dirty="0"/>
-              <a:t>  MATLAB, </a:t>
+              <a:t>fill</a:t>
+            </a:r>
+            <a:r>
+              <a:rPr lang="en-US" dirty="0"/>
+              <a:t>, </a:t>
+            </a:r>
+            <a:r>
+              <a:rPr lang="en-US" dirty="0">
+                <a:latin typeface="Consolas" panose="020B0609020204030204" pitchFamily="49" charset="0"/>
+              </a:rPr>
+              <a:t>range</a:t>
+            </a:r>
+            <a:r>
+              <a:rPr lang="en-US" dirty="0"/>
+              <a:t>, </a:t>
+            </a:r>
+            <a:r>
+              <a:rPr lang="en-US" dirty="0">
+                <a:latin typeface="Consolas" panose="020B0609020204030204" pitchFamily="49" charset="0"/>
+              </a:rPr>
+              <a:t>rand</a:t>
+            </a:r>
+            <a:r>
+              <a:rPr lang="en-US" dirty="0"/>
+              <a:t>, </a:t>
             </a:r>
             <a:r>
               <a:rPr lang="en-US" dirty="0" err="1"/>
-              <a:t>numpy</a:t>
-            </a:r>
-            <a:r>
-              <a:rPr lang="en-US" dirty="0"/>
-              <a:t>)</a:t>
-            </a:r>
-          </a:p>
-          <a:p>
-            <a:pPr lvl="1"/>
-            <a:r>
-              <a:rPr lang="en-US" dirty="0"/>
-              <a:t>Array-array element-wise: </a:t>
-            </a:r>
-            <a:r>
-              <a:rPr lang="en-US" dirty="0">
-                <a:latin typeface="Consolas" panose="020B0609020204030204" pitchFamily="49" charset="0"/>
-              </a:rPr>
-              <a:t>.+</a:t>
+              <a:t>randn</a:t>
+            </a:r>
+            <a:endParaRPr lang="en-US" dirty="0"/>
+          </a:p>
+          <a:p>
+            <a:endParaRPr lang="en-US" dirty="0"/>
+          </a:p>
+          <a:p>
+            <a:endParaRPr lang="en-US" dirty="0"/>
+          </a:p>
+          <a:p>
+            <a:r>
+              <a:rPr lang="en-US" dirty="0"/>
+              <a:t>Properties: </a:t>
+            </a:r>
+            <a:r>
+              <a:rPr lang="en-US" dirty="0" err="1">
+                <a:latin typeface="Consolas" panose="020B0609020204030204" pitchFamily="49" charset="0"/>
+              </a:rPr>
+              <a:t>eltype</a:t>
             </a:r>
             <a:r>
               <a:rPr lang="en-US" dirty="0"/>
@@ -8966,17 +8373,17 @@
               <a:rPr lang="en-US" dirty="0">
                 <a:latin typeface="Consolas" panose="020B0609020204030204" pitchFamily="49" charset="0"/>
               </a:rPr>
-              <a:t>.-</a:t>
+              <a:t>length</a:t>
             </a:r>
             <a:r>
               <a:rPr lang="en-US" dirty="0"/>
               <a:t>, </a:t>
             </a:r>
             <a:r>
-              <a:rPr lang="en-US" dirty="0">
-                <a:latin typeface="Consolas" panose="020B0609020204030204" pitchFamily="49" charset="0"/>
-              </a:rPr>
-              <a:t>.*</a:t>
+              <a:rPr lang="en-US" dirty="0" err="1">
+                <a:latin typeface="Consolas" panose="020B0609020204030204" pitchFamily="49" charset="0"/>
+              </a:rPr>
+              <a:t>ndims</a:t>
             </a:r>
             <a:r>
               <a:rPr lang="en-US" dirty="0"/>
@@ -8986,57 +8393,7 @@
               <a:rPr lang="en-US" dirty="0">
                 <a:latin typeface="Consolas" panose="020B0609020204030204" pitchFamily="49" charset="0"/>
               </a:rPr>
-              <a:t>./</a:t>
-            </a:r>
-            <a:r>
-              <a:rPr lang="en-US" dirty="0"/>
-              <a:t>, .^ (sizes must match)</a:t>
-            </a:r>
-          </a:p>
-          <a:p>
-            <a:pPr lvl="1"/>
-            <a:r>
-              <a:rPr lang="en-US" dirty="0"/>
-              <a:t>Matrix-matrix multiplication: </a:t>
-            </a:r>
-            <a:r>
-              <a:rPr lang="en-US" dirty="0">
-                <a:latin typeface="Consolas" panose="020B0609020204030204" pitchFamily="49" charset="0"/>
-              </a:rPr>
-              <a:t>*</a:t>
-            </a:r>
-            <a:r>
-              <a:rPr lang="en-US" dirty="0"/>
-              <a:t> (dimensions must match)</a:t>
-            </a:r>
-          </a:p>
-          <a:p>
-            <a:pPr lvl="1"/>
-            <a:r>
-              <a:rPr lang="en-US" dirty="0"/>
-              <a:t>Matrix power: </a:t>
-            </a:r>
-            <a:r>
-              <a:rPr lang="en-US" dirty="0">
-                <a:latin typeface="Consolas" panose="020B0609020204030204" pitchFamily="49" charset="0"/>
-              </a:rPr>
-              <a:t>^</a:t>
-            </a:r>
-            <a:r>
-              <a:rPr lang="en-US" dirty="0"/>
-              <a:t> (matrix must be square)</a:t>
-            </a:r>
-          </a:p>
-          <a:p>
-            <a:r>
-              <a:rPr lang="en-US" dirty="0"/>
-              <a:t>Element-wise functions, e.g., </a:t>
-            </a:r>
-            <a:r>
-              <a:rPr lang="en-US" dirty="0">
-                <a:latin typeface="Consolas" panose="020B0609020204030204" pitchFamily="49" charset="0"/>
-              </a:rPr>
-              <a:t>sqrt.</a:t>
+              <a:t>size</a:t>
             </a:r>
             <a:r>
               <a:rPr lang="en-US" dirty="0"/>
@@ -9046,93 +8403,21 @@
               <a:rPr lang="en-US" dirty="0">
                 <a:latin typeface="Consolas" panose="020B0609020204030204" pitchFamily="49" charset="0"/>
               </a:rPr>
-              <a:t>cos.</a:t>
-            </a:r>
-            <a:r>
-              <a:rPr lang="en-US" dirty="0"/>
-              <a:t>, …</a:t>
-            </a:r>
-          </a:p>
-          <a:p>
-            <a:r>
-              <a:rPr lang="en-US" dirty="0"/>
-              <a:t>Transpose: </a:t>
-            </a:r>
-            <a:r>
-              <a:rPr lang="en-US" dirty="0">
-                <a:latin typeface="Consolas" panose="020B0609020204030204" pitchFamily="49" charset="0"/>
-              </a:rPr>
-              <a:t>transpose</a:t>
-            </a:r>
-            <a:r>
-              <a:rPr lang="en-US" dirty="0"/>
-              <a:t>, complex conjugate: </a:t>
-            </a:r>
-            <a:r>
-              <a:rPr lang="en-US" dirty="0">
-                <a:latin typeface="Consolas" panose="020B0609020204030204" pitchFamily="49" charset="0"/>
-              </a:rPr>
-              <a:t>'</a:t>
-            </a:r>
-          </a:p>
-          <a:p>
+              <a:t>strides</a:t>
+            </a:r>
+            <a:r>
+              <a:rPr lang="en-US" dirty="0"/>
+              <a:t>, </a:t>
+            </a:r>
             <a:r>
               <a:rPr lang="en-US" dirty="0" err="1">
                 <a:latin typeface="Consolas" panose="020B0609020204030204" pitchFamily="49" charset="0"/>
               </a:rPr>
-              <a:t>LinearAlgebra</a:t>
-            </a:r>
-            <a:r>
-              <a:rPr lang="en-US" dirty="0"/>
-              <a:t> module</a:t>
-            </a:r>
-          </a:p>
-          <a:p>
-            <a:pPr lvl="1"/>
-            <a:r>
-              <a:rPr lang="en-US" dirty="0">
-                <a:latin typeface="Consolas" panose="020B0609020204030204" pitchFamily="49" charset="0"/>
-              </a:rPr>
-              <a:t>det</a:t>
-            </a:r>
-            <a:r>
-              <a:rPr lang="en-US" dirty="0"/>
-              <a:t>, </a:t>
-            </a:r>
-            <a:r>
-              <a:rPr lang="en-US" dirty="0">
-                <a:latin typeface="Consolas" panose="020B0609020204030204" pitchFamily="49" charset="0"/>
-              </a:rPr>
-              <a:t>inv</a:t>
-            </a:r>
-            <a:r>
-              <a:rPr lang="en-US" dirty="0"/>
-              <a:t>, </a:t>
-            </a:r>
-            <a:r>
-              <a:rPr lang="en-US" dirty="0">
-                <a:latin typeface="Consolas" panose="020B0609020204030204" pitchFamily="49" charset="0"/>
-              </a:rPr>
-              <a:t>eigen</a:t>
-            </a:r>
-            <a:r>
-              <a:rPr lang="en-US" dirty="0"/>
-              <a:t>, </a:t>
-            </a:r>
-            <a:r>
-              <a:rPr lang="en-US" dirty="0" err="1">
-                <a:latin typeface="Consolas" panose="020B0609020204030204" pitchFamily="49" charset="0"/>
-              </a:rPr>
-              <a:t>svd</a:t>
-            </a:r>
-            <a:r>
-              <a:rPr lang="en-US" dirty="0"/>
-              <a:t>, …</a:t>
-            </a:r>
-          </a:p>
-          <a:p>
-            <a:pPr lvl="1"/>
-            <a:endParaRPr lang="en-US" dirty="0"/>
+              <a:t>eachindex</a:t>
+            </a:r>
+            <a:endParaRPr lang="en-US" dirty="0">
+              <a:latin typeface="Consolas" panose="020B0609020204030204" pitchFamily="49" charset="0"/>
+            </a:endParaRPr>
           </a:p>
         </p:txBody>
       </p:sp>
@@ -9141,7 +8426,7 @@
           <p:cNvPr id="4" name="Slide Number Placeholder 3">
             <a:extLst>
               <a:ext uri="{FF2B5EF4-FFF2-40B4-BE49-F238E27FC236}">
-                <a16:creationId xmlns:a16="http://schemas.microsoft.com/office/drawing/2014/main" id="{B021A0EC-1A83-473D-8D40-9B5C3A7AA3A2}"/>
+                <a16:creationId xmlns:a16="http://schemas.microsoft.com/office/drawing/2014/main" id="{A743831F-DB4B-4D2B-A22C-3EC204376C59}"/>
               </a:ext>
             </a:extLst>
           </p:cNvPr>
@@ -9160,6 +8445,1205 @@
             <a:fld id="{78F7A1EC-23D1-431D-8C93-9C4ED5D4A04D}" type="slidenum">
               <a:rPr lang="en-US" smtClean="0"/>
               <a:t>21</a:t>
+            </a:fld>
+            <a:endParaRPr lang="en-US"/>
+          </a:p>
+        </p:txBody>
+      </p:sp>
+      <p:sp>
+        <p:nvSpPr>
+          <p:cNvPr id="5" name="TextBox 4">
+            <a:extLst>
+              <a:ext uri="{FF2B5EF4-FFF2-40B4-BE49-F238E27FC236}">
+                <a16:creationId xmlns:a16="http://schemas.microsoft.com/office/drawing/2014/main" id="{D32BB829-A6EE-4229-B115-596A87260898}"/>
+              </a:ext>
+            </a:extLst>
+          </p:cNvPr>
+          <p:cNvSpPr txBox="1"/>
+          <p:nvPr/>
+        </p:nvSpPr>
+        <p:spPr>
+          <a:xfrm>
+            <a:off x="2837934" y="2394861"/>
+            <a:ext cx="2277766" cy="369332"/>
+          </a:xfrm>
+          <a:prstGeom prst="rect">
+            <a:avLst/>
+          </a:prstGeom>
+          <a:solidFill>
+            <a:schemeClr val="bg1">
+              <a:lumMod val="85000"/>
+            </a:schemeClr>
+          </a:solidFill>
+        </p:spPr>
+        <p:txBody>
+          <a:bodyPr wrap="square" rtlCol="0">
+            <a:spAutoFit/>
+          </a:bodyPr>
+          <a:lstStyle/>
+          <a:p>
+            <a:r>
+              <a:rPr lang="en-US" dirty="0">
+                <a:latin typeface="Consolas" panose="020B0609020204030204" pitchFamily="49" charset="0"/>
+              </a:rPr>
+              <a:t>fill(3.14, 2, 3)</a:t>
+            </a:r>
+          </a:p>
+        </p:txBody>
+      </p:sp>
+      <p:sp>
+        <p:nvSpPr>
+          <p:cNvPr id="7" name="TextBox 6">
+            <a:extLst>
+              <a:ext uri="{FF2B5EF4-FFF2-40B4-BE49-F238E27FC236}">
+                <a16:creationId xmlns:a16="http://schemas.microsoft.com/office/drawing/2014/main" id="{BE35B465-BA6E-4109-BFA1-D1EBE651BE8F}"/>
+              </a:ext>
+            </a:extLst>
+          </p:cNvPr>
+          <p:cNvSpPr txBox="1"/>
+          <p:nvPr/>
+        </p:nvSpPr>
+        <p:spPr>
+          <a:xfrm>
+            <a:off x="1379834" y="4466163"/>
+            <a:ext cx="2776154" cy="1200329"/>
+          </a:xfrm>
+          <a:prstGeom prst="rect">
+            <a:avLst/>
+          </a:prstGeom>
+          <a:solidFill>
+            <a:schemeClr val="bg1">
+              <a:lumMod val="85000"/>
+            </a:schemeClr>
+          </a:solidFill>
+        </p:spPr>
+        <p:txBody>
+          <a:bodyPr wrap="square" rtlCol="0">
+            <a:spAutoFit/>
+          </a:bodyPr>
+          <a:lstStyle/>
+          <a:p>
+            <a:r>
+              <a:rPr lang="en-US" dirty="0">
+                <a:latin typeface="Consolas" panose="020B0609020204030204" pitchFamily="49" charset="0"/>
+              </a:rPr>
+              <a:t>A = [</a:t>
+            </a:r>
+          </a:p>
+          <a:p>
+            <a:r>
+              <a:rPr lang="en-US" dirty="0">
+                <a:latin typeface="Consolas" panose="020B0609020204030204" pitchFamily="49" charset="0"/>
+              </a:rPr>
+              <a:t>  1.2 2.3 3.4 </a:t>
+            </a:r>
+          </a:p>
+          <a:p>
+            <a:r>
+              <a:rPr lang="en-US" dirty="0">
+                <a:latin typeface="Consolas" panose="020B0609020204030204" pitchFamily="49" charset="0"/>
+              </a:rPr>
+              <a:t>  4.5 5.6 6.7</a:t>
+            </a:r>
+          </a:p>
+          <a:p>
+            <a:r>
+              <a:rPr lang="en-US" dirty="0">
+                <a:latin typeface="Consolas" panose="020B0609020204030204" pitchFamily="49" charset="0"/>
+              </a:rPr>
+              <a:t>]</a:t>
+            </a:r>
+          </a:p>
+        </p:txBody>
+      </p:sp>
+      <p:sp>
+        <p:nvSpPr>
+          <p:cNvPr id="8" name="TextBox 7">
+            <a:extLst>
+              <a:ext uri="{FF2B5EF4-FFF2-40B4-BE49-F238E27FC236}">
+                <a16:creationId xmlns:a16="http://schemas.microsoft.com/office/drawing/2014/main" id="{6606FE39-91CB-4E3E-85C9-08C070209273}"/>
+              </a:ext>
+            </a:extLst>
+          </p:cNvPr>
+          <p:cNvSpPr txBox="1"/>
+          <p:nvPr/>
+        </p:nvSpPr>
+        <p:spPr>
+          <a:xfrm>
+            <a:off x="4604947" y="4466162"/>
+            <a:ext cx="2471356" cy="369332"/>
+          </a:xfrm>
+          <a:prstGeom prst="rect">
+            <a:avLst/>
+          </a:prstGeom>
+          <a:solidFill>
+            <a:schemeClr val="bg1">
+              <a:lumMod val="85000"/>
+            </a:schemeClr>
+          </a:solidFill>
+        </p:spPr>
+        <p:txBody>
+          <a:bodyPr wrap="square" rtlCol="0">
+            <a:spAutoFit/>
+          </a:bodyPr>
+          <a:lstStyle/>
+          <a:p>
+            <a:r>
+              <a:rPr lang="en-US" dirty="0">
+                <a:latin typeface="Consolas" panose="020B0609020204030204" pitchFamily="49" charset="0"/>
+              </a:rPr>
+              <a:t>length(A) == 6</a:t>
+            </a:r>
+          </a:p>
+        </p:txBody>
+      </p:sp>
+      <p:sp>
+        <p:nvSpPr>
+          <p:cNvPr id="9" name="TextBox 8">
+            <a:extLst>
+              <a:ext uri="{FF2B5EF4-FFF2-40B4-BE49-F238E27FC236}">
+                <a16:creationId xmlns:a16="http://schemas.microsoft.com/office/drawing/2014/main" id="{551F11D3-5A0F-4E76-A18B-427329A14F1F}"/>
+              </a:ext>
+            </a:extLst>
+          </p:cNvPr>
+          <p:cNvSpPr txBox="1"/>
+          <p:nvPr/>
+        </p:nvSpPr>
+        <p:spPr>
+          <a:xfrm>
+            <a:off x="4604947" y="4943555"/>
+            <a:ext cx="2471356" cy="369332"/>
+          </a:xfrm>
+          <a:prstGeom prst="rect">
+            <a:avLst/>
+          </a:prstGeom>
+          <a:solidFill>
+            <a:schemeClr val="bg1">
+              <a:lumMod val="85000"/>
+            </a:schemeClr>
+          </a:solidFill>
+        </p:spPr>
+        <p:txBody>
+          <a:bodyPr wrap="square" rtlCol="0">
+            <a:spAutoFit/>
+          </a:bodyPr>
+          <a:lstStyle/>
+          <a:p>
+            <a:r>
+              <a:rPr lang="en-US" dirty="0">
+                <a:latin typeface="Consolas" panose="020B0609020204030204" pitchFamily="49" charset="0"/>
+              </a:rPr>
+              <a:t>size(A) == (2, 3)</a:t>
+            </a:r>
+          </a:p>
+        </p:txBody>
+      </p:sp>
+      <p:sp>
+        <p:nvSpPr>
+          <p:cNvPr id="10" name="TextBox 9">
+            <a:extLst>
+              <a:ext uri="{FF2B5EF4-FFF2-40B4-BE49-F238E27FC236}">
+                <a16:creationId xmlns:a16="http://schemas.microsoft.com/office/drawing/2014/main" id="{0DD3D76F-C89E-4AE3-AAB9-D4560141445C}"/>
+              </a:ext>
+            </a:extLst>
+          </p:cNvPr>
+          <p:cNvSpPr txBox="1"/>
+          <p:nvPr/>
+        </p:nvSpPr>
+        <p:spPr>
+          <a:xfrm>
+            <a:off x="4604947" y="5422273"/>
+            <a:ext cx="2471356" cy="369332"/>
+          </a:xfrm>
+          <a:prstGeom prst="rect">
+            <a:avLst/>
+          </a:prstGeom>
+          <a:solidFill>
+            <a:schemeClr val="bg1">
+              <a:lumMod val="85000"/>
+            </a:schemeClr>
+          </a:solidFill>
+        </p:spPr>
+        <p:txBody>
+          <a:bodyPr wrap="square" rtlCol="0">
+            <a:spAutoFit/>
+          </a:bodyPr>
+          <a:lstStyle/>
+          <a:p>
+            <a:r>
+              <a:rPr lang="en-US" dirty="0">
+                <a:latin typeface="Consolas" panose="020B0609020204030204" pitchFamily="49" charset="0"/>
+              </a:rPr>
+              <a:t>size(A, 1) == 2</a:t>
+            </a:r>
+          </a:p>
+        </p:txBody>
+      </p:sp>
+      <p:sp>
+        <p:nvSpPr>
+          <p:cNvPr id="11" name="TextBox 10">
+            <a:extLst>
+              <a:ext uri="{FF2B5EF4-FFF2-40B4-BE49-F238E27FC236}">
+                <a16:creationId xmlns:a16="http://schemas.microsoft.com/office/drawing/2014/main" id="{4450A576-0977-4670-80DA-FAB2C22F89DC}"/>
+              </a:ext>
+            </a:extLst>
+          </p:cNvPr>
+          <p:cNvSpPr txBox="1"/>
+          <p:nvPr/>
+        </p:nvSpPr>
+        <p:spPr>
+          <a:xfrm>
+            <a:off x="4604947" y="5892316"/>
+            <a:ext cx="2471356" cy="369332"/>
+          </a:xfrm>
+          <a:prstGeom prst="rect">
+            <a:avLst/>
+          </a:prstGeom>
+          <a:solidFill>
+            <a:schemeClr val="bg1">
+              <a:lumMod val="85000"/>
+            </a:schemeClr>
+          </a:solidFill>
+        </p:spPr>
+        <p:txBody>
+          <a:bodyPr wrap="square" rtlCol="0">
+            <a:spAutoFit/>
+          </a:bodyPr>
+          <a:lstStyle/>
+          <a:p>
+            <a:r>
+              <a:rPr lang="en-US" dirty="0">
+                <a:latin typeface="Consolas" panose="020B0609020204030204" pitchFamily="49" charset="0"/>
+              </a:rPr>
+              <a:t>size(A, 2) == 3</a:t>
+            </a:r>
+          </a:p>
+        </p:txBody>
+      </p:sp>
+      <p:sp>
+        <p:nvSpPr>
+          <p:cNvPr id="12" name="TextBox 11">
+            <a:extLst>
+              <a:ext uri="{FF2B5EF4-FFF2-40B4-BE49-F238E27FC236}">
+                <a16:creationId xmlns:a16="http://schemas.microsoft.com/office/drawing/2014/main" id="{41597DE6-4CCF-4DFB-85FA-03D332365F06}"/>
+              </a:ext>
+            </a:extLst>
+          </p:cNvPr>
+          <p:cNvSpPr txBox="1"/>
+          <p:nvPr/>
+        </p:nvSpPr>
+        <p:spPr>
+          <a:xfrm>
+            <a:off x="1379834" y="6344686"/>
+            <a:ext cx="2776155" cy="369332"/>
+          </a:xfrm>
+          <a:prstGeom prst="rect">
+            <a:avLst/>
+          </a:prstGeom>
+          <a:solidFill>
+            <a:schemeClr val="bg1">
+              <a:lumMod val="85000"/>
+            </a:schemeClr>
+          </a:solidFill>
+        </p:spPr>
+        <p:txBody>
+          <a:bodyPr wrap="square" rtlCol="0">
+            <a:spAutoFit/>
+          </a:bodyPr>
+          <a:lstStyle/>
+          <a:p>
+            <a:r>
+              <a:rPr lang="en-US" dirty="0" err="1">
+                <a:latin typeface="Consolas" panose="020B0609020204030204" pitchFamily="49" charset="0"/>
+              </a:rPr>
+              <a:t>ndims</a:t>
+            </a:r>
+            <a:r>
+              <a:rPr lang="en-US" dirty="0">
+                <a:latin typeface="Consolas" panose="020B0609020204030204" pitchFamily="49" charset="0"/>
+              </a:rPr>
+              <a:t>(A) == 2</a:t>
+            </a:r>
+          </a:p>
+        </p:txBody>
+      </p:sp>
+      <p:sp>
+        <p:nvSpPr>
+          <p:cNvPr id="13" name="TextBox 12">
+            <a:extLst>
+              <a:ext uri="{FF2B5EF4-FFF2-40B4-BE49-F238E27FC236}">
+                <a16:creationId xmlns:a16="http://schemas.microsoft.com/office/drawing/2014/main" id="{1E49D578-AF0C-48D1-B5DB-92D9C1E51BD2}"/>
+              </a:ext>
+            </a:extLst>
+          </p:cNvPr>
+          <p:cNvSpPr txBox="1"/>
+          <p:nvPr/>
+        </p:nvSpPr>
+        <p:spPr>
+          <a:xfrm>
+            <a:off x="1379834" y="5897325"/>
+            <a:ext cx="2776155" cy="369332"/>
+          </a:xfrm>
+          <a:prstGeom prst="rect">
+            <a:avLst/>
+          </a:prstGeom>
+          <a:solidFill>
+            <a:schemeClr val="bg1">
+              <a:lumMod val="85000"/>
+            </a:schemeClr>
+          </a:solidFill>
+        </p:spPr>
+        <p:txBody>
+          <a:bodyPr wrap="square" rtlCol="0">
+            <a:spAutoFit/>
+          </a:bodyPr>
+          <a:lstStyle/>
+          <a:p>
+            <a:r>
+              <a:rPr lang="en-US" dirty="0" err="1">
+                <a:latin typeface="Consolas" panose="020B0609020204030204" pitchFamily="49" charset="0"/>
+              </a:rPr>
+              <a:t>eltype</a:t>
+            </a:r>
+            <a:r>
+              <a:rPr lang="en-US" dirty="0">
+                <a:latin typeface="Consolas" panose="020B0609020204030204" pitchFamily="49" charset="0"/>
+              </a:rPr>
+              <a:t>(A) == Float64</a:t>
+            </a:r>
+          </a:p>
+        </p:txBody>
+      </p:sp>
+      <p:sp>
+        <p:nvSpPr>
+          <p:cNvPr id="14" name="TextBox 13">
+            <a:extLst>
+              <a:ext uri="{FF2B5EF4-FFF2-40B4-BE49-F238E27FC236}">
+                <a16:creationId xmlns:a16="http://schemas.microsoft.com/office/drawing/2014/main" id="{1783C9D2-7679-4FDE-9185-A82F2B6C56FD}"/>
+              </a:ext>
+            </a:extLst>
+          </p:cNvPr>
+          <p:cNvSpPr txBox="1"/>
+          <p:nvPr/>
+        </p:nvSpPr>
+        <p:spPr>
+          <a:xfrm>
+            <a:off x="8241953" y="4466577"/>
+            <a:ext cx="2691714" cy="369332"/>
+          </a:xfrm>
+          <a:prstGeom prst="rect">
+            <a:avLst/>
+          </a:prstGeom>
+          <a:solidFill>
+            <a:schemeClr val="bg1">
+              <a:lumMod val="85000"/>
+            </a:schemeClr>
+          </a:solidFill>
+        </p:spPr>
+        <p:txBody>
+          <a:bodyPr wrap="square" rtlCol="0">
+            <a:spAutoFit/>
+          </a:bodyPr>
+          <a:lstStyle/>
+          <a:p>
+            <a:r>
+              <a:rPr lang="en-US" dirty="0">
+                <a:latin typeface="Consolas" panose="020B0609020204030204" pitchFamily="49" charset="0"/>
+              </a:rPr>
+              <a:t>strides(A) == (1, 2)</a:t>
+            </a:r>
+          </a:p>
+        </p:txBody>
+      </p:sp>
+      <p:sp>
+        <p:nvSpPr>
+          <p:cNvPr id="15" name="TextBox 14">
+            <a:extLst>
+              <a:ext uri="{FF2B5EF4-FFF2-40B4-BE49-F238E27FC236}">
+                <a16:creationId xmlns:a16="http://schemas.microsoft.com/office/drawing/2014/main" id="{14EF381A-E03D-40FA-B039-E80AFAFEDE1D}"/>
+              </a:ext>
+            </a:extLst>
+          </p:cNvPr>
+          <p:cNvSpPr txBox="1"/>
+          <p:nvPr/>
+        </p:nvSpPr>
+        <p:spPr>
+          <a:xfrm>
+            <a:off x="9982200" y="5015296"/>
+            <a:ext cx="1394036" cy="369332"/>
+          </a:xfrm>
+          <a:prstGeom prst="rect">
+            <a:avLst/>
+          </a:prstGeom>
+          <a:noFill/>
+          <a:ln>
+            <a:solidFill>
+              <a:schemeClr val="tx1"/>
+            </a:solidFill>
+          </a:ln>
+        </p:spPr>
+        <p:txBody>
+          <a:bodyPr wrap="none" rtlCol="0">
+            <a:spAutoFit/>
+          </a:bodyPr>
+          <a:lstStyle/>
+          <a:p>
+            <a:r>
+              <a:rPr lang="en-US" i="1" dirty="0"/>
+              <a:t>Not</a:t>
+            </a:r>
+            <a:r>
+              <a:rPr lang="en-US" dirty="0"/>
+              <a:t> in bytes!</a:t>
+            </a:r>
+          </a:p>
+        </p:txBody>
+      </p:sp>
+      <p:sp>
+        <p:nvSpPr>
+          <p:cNvPr id="16" name="TextBox 15">
+            <a:extLst>
+              <a:ext uri="{FF2B5EF4-FFF2-40B4-BE49-F238E27FC236}">
+                <a16:creationId xmlns:a16="http://schemas.microsoft.com/office/drawing/2014/main" id="{53B74517-6B79-4E1B-B79B-4FE08E02ABFE}"/>
+              </a:ext>
+            </a:extLst>
+          </p:cNvPr>
+          <p:cNvSpPr txBox="1"/>
+          <p:nvPr/>
+        </p:nvSpPr>
+        <p:spPr>
+          <a:xfrm>
+            <a:off x="7722623" y="5849974"/>
+            <a:ext cx="2984856" cy="369332"/>
+          </a:xfrm>
+          <a:prstGeom prst="rect">
+            <a:avLst/>
+          </a:prstGeom>
+          <a:noFill/>
+          <a:ln>
+            <a:solidFill>
+              <a:schemeClr val="tx1"/>
+            </a:solidFill>
+          </a:ln>
+        </p:spPr>
+        <p:txBody>
+          <a:bodyPr wrap="none" rtlCol="0">
+            <a:spAutoFit/>
+          </a:bodyPr>
+          <a:lstStyle/>
+          <a:p>
+            <a:r>
+              <a:rPr lang="en-US" dirty="0"/>
+              <a:t>Column-wise storage scheme!</a:t>
+            </a:r>
+          </a:p>
+        </p:txBody>
+      </p:sp>
+      <p:sp>
+        <p:nvSpPr>
+          <p:cNvPr id="17" name="TextBox 16">
+            <a:extLst>
+              <a:ext uri="{FF2B5EF4-FFF2-40B4-BE49-F238E27FC236}">
+                <a16:creationId xmlns:a16="http://schemas.microsoft.com/office/drawing/2014/main" id="{503A4736-2DC2-4DBE-A9E5-75663432A418}"/>
+              </a:ext>
+            </a:extLst>
+          </p:cNvPr>
+          <p:cNvSpPr txBox="1"/>
+          <p:nvPr/>
+        </p:nvSpPr>
+        <p:spPr>
+          <a:xfrm>
+            <a:off x="3589637" y="3262567"/>
+            <a:ext cx="4469028" cy="369332"/>
+          </a:xfrm>
+          <a:prstGeom prst="rect">
+            <a:avLst/>
+          </a:prstGeom>
+          <a:solidFill>
+            <a:schemeClr val="bg1">
+              <a:lumMod val="85000"/>
+            </a:schemeClr>
+          </a:solidFill>
+        </p:spPr>
+        <p:txBody>
+          <a:bodyPr wrap="square" rtlCol="0">
+            <a:spAutoFit/>
+          </a:bodyPr>
+          <a:lstStyle/>
+          <a:p>
+            <a:r>
+              <a:rPr lang="en-US" dirty="0">
+                <a:latin typeface="Consolas" panose="020B0609020204030204" pitchFamily="49" charset="0"/>
+              </a:rPr>
+              <a:t>collect(range(0.0, 1.0, length=5))</a:t>
+            </a:r>
+          </a:p>
+        </p:txBody>
+      </p:sp>
+      <p:grpSp>
+        <p:nvGrpSpPr>
+          <p:cNvPr id="22" name="Group 21">
+            <a:extLst>
+              <a:ext uri="{FF2B5EF4-FFF2-40B4-BE49-F238E27FC236}">
+                <a16:creationId xmlns:a16="http://schemas.microsoft.com/office/drawing/2014/main" id="{80230850-85F6-4026-BC8A-3993B1E259B3}"/>
+              </a:ext>
+            </a:extLst>
+          </p:cNvPr>
+          <p:cNvGrpSpPr/>
+          <p:nvPr/>
+        </p:nvGrpSpPr>
+        <p:grpSpPr>
+          <a:xfrm>
+            <a:off x="5205963" y="2394861"/>
+            <a:ext cx="2747673" cy="646331"/>
+            <a:chOff x="5205963" y="2394861"/>
+            <a:chExt cx="2747673" cy="646331"/>
+          </a:xfrm>
+        </p:grpSpPr>
+        <p:sp>
+          <p:nvSpPr>
+            <p:cNvPr id="6" name="TextBox 5">
+              <a:extLst>
+                <a:ext uri="{FF2B5EF4-FFF2-40B4-BE49-F238E27FC236}">
+                  <a16:creationId xmlns:a16="http://schemas.microsoft.com/office/drawing/2014/main" id="{116DBC55-6B1A-4469-B746-F2825331ABBF}"/>
+                </a:ext>
+              </a:extLst>
+            </p:cNvPr>
+            <p:cNvSpPr txBox="1"/>
+            <p:nvPr/>
+          </p:nvSpPr>
+          <p:spPr>
+            <a:xfrm>
+              <a:off x="5675870" y="2394861"/>
+              <a:ext cx="2277766" cy="646331"/>
+            </a:xfrm>
+            <a:prstGeom prst="rect">
+              <a:avLst/>
+            </a:prstGeom>
+            <a:solidFill>
+              <a:schemeClr val="tx1"/>
+            </a:solidFill>
+          </p:spPr>
+          <p:txBody>
+            <a:bodyPr wrap="square" rtlCol="0">
+              <a:spAutoFit/>
+            </a:bodyPr>
+            <a:lstStyle/>
+            <a:p>
+              <a:r>
+                <a:rPr lang="en-US" b="1" dirty="0">
+                  <a:solidFill>
+                    <a:schemeClr val="bg1"/>
+                  </a:solidFill>
+                  <a:latin typeface="Consolas" panose="020B0609020204030204" pitchFamily="49" charset="0"/>
+                </a:rPr>
+                <a:t>3.14 3.14 3.14</a:t>
+              </a:r>
+            </a:p>
+            <a:p>
+              <a:r>
+                <a:rPr lang="en-US" b="1" dirty="0">
+                  <a:solidFill>
+                    <a:schemeClr val="bg1"/>
+                  </a:solidFill>
+                  <a:latin typeface="Consolas" panose="020B0609020204030204" pitchFamily="49" charset="0"/>
+                </a:rPr>
+                <a:t>3.14 3.14 3.14</a:t>
+              </a:r>
+            </a:p>
+          </p:txBody>
+        </p:sp>
+        <p:cxnSp>
+          <p:nvCxnSpPr>
+            <p:cNvPr id="19" name="Straight Arrow Connector 18">
+              <a:extLst>
+                <a:ext uri="{FF2B5EF4-FFF2-40B4-BE49-F238E27FC236}">
+                  <a16:creationId xmlns:a16="http://schemas.microsoft.com/office/drawing/2014/main" id="{CB74049B-0773-4298-9868-FA8B40C630D2}"/>
+                </a:ext>
+              </a:extLst>
+            </p:cNvPr>
+            <p:cNvCxnSpPr/>
+            <p:nvPr/>
+          </p:nvCxnSpPr>
+          <p:spPr>
+            <a:xfrm>
+              <a:off x="5205963" y="2607439"/>
+              <a:ext cx="395417" cy="0"/>
+            </a:xfrm>
+            <a:prstGeom prst="straightConnector1">
+              <a:avLst/>
+            </a:prstGeom>
+            <a:ln w="38100">
+              <a:solidFill>
+                <a:schemeClr val="tx1"/>
+              </a:solidFill>
+              <a:tailEnd type="stealth" w="lg" len="lg"/>
+            </a:ln>
+          </p:spPr>
+          <p:style>
+            <a:lnRef idx="1">
+              <a:schemeClr val="accent1"/>
+            </a:lnRef>
+            <a:fillRef idx="0">
+              <a:schemeClr val="accent1"/>
+            </a:fillRef>
+            <a:effectRef idx="0">
+              <a:schemeClr val="accent1"/>
+            </a:effectRef>
+            <a:fontRef idx="minor">
+              <a:schemeClr val="tx1"/>
+            </a:fontRef>
+          </p:style>
+        </p:cxnSp>
+      </p:grpSp>
+      <p:grpSp>
+        <p:nvGrpSpPr>
+          <p:cNvPr id="23" name="Group 22">
+            <a:extLst>
+              <a:ext uri="{FF2B5EF4-FFF2-40B4-BE49-F238E27FC236}">
+                <a16:creationId xmlns:a16="http://schemas.microsoft.com/office/drawing/2014/main" id="{A133700D-9AF9-4DBF-BAD1-CD5EBB1D17DF}"/>
+              </a:ext>
+            </a:extLst>
+          </p:cNvPr>
+          <p:cNvGrpSpPr/>
+          <p:nvPr/>
+        </p:nvGrpSpPr>
+        <p:grpSpPr>
+          <a:xfrm>
+            <a:off x="8241953" y="2276763"/>
+            <a:ext cx="2846181" cy="1477328"/>
+            <a:chOff x="8241953" y="2276763"/>
+            <a:chExt cx="2846181" cy="1477328"/>
+          </a:xfrm>
+        </p:grpSpPr>
+        <p:sp>
+          <p:nvSpPr>
+            <p:cNvPr id="18" name="TextBox 17">
+              <a:extLst>
+                <a:ext uri="{FF2B5EF4-FFF2-40B4-BE49-F238E27FC236}">
+                  <a16:creationId xmlns:a16="http://schemas.microsoft.com/office/drawing/2014/main" id="{9690A400-003C-4E91-BAA4-4D91F0CD1C38}"/>
+                </a:ext>
+              </a:extLst>
+            </p:cNvPr>
+            <p:cNvSpPr txBox="1"/>
+            <p:nvPr/>
+          </p:nvSpPr>
+          <p:spPr>
+            <a:xfrm>
+              <a:off x="8810368" y="2276763"/>
+              <a:ext cx="2277766" cy="1477328"/>
+            </a:xfrm>
+            <a:prstGeom prst="rect">
+              <a:avLst/>
+            </a:prstGeom>
+            <a:solidFill>
+              <a:schemeClr val="tx1"/>
+            </a:solidFill>
+          </p:spPr>
+          <p:txBody>
+            <a:bodyPr wrap="square" rtlCol="0">
+              <a:spAutoFit/>
+            </a:bodyPr>
+            <a:lstStyle/>
+            <a:p>
+              <a:r>
+                <a:rPr lang="en-US" b="1" dirty="0">
+                  <a:solidFill>
+                    <a:schemeClr val="bg1"/>
+                  </a:solidFill>
+                  <a:latin typeface="Consolas" panose="020B0609020204030204" pitchFamily="49" charset="0"/>
+                </a:rPr>
+                <a:t>0.0</a:t>
+              </a:r>
+            </a:p>
+            <a:p>
+              <a:r>
+                <a:rPr lang="en-US" b="1" dirty="0">
+                  <a:solidFill>
+                    <a:schemeClr val="bg1"/>
+                  </a:solidFill>
+                  <a:latin typeface="Consolas" panose="020B0609020204030204" pitchFamily="49" charset="0"/>
+                </a:rPr>
+                <a:t>0.25</a:t>
+              </a:r>
+            </a:p>
+            <a:p>
+              <a:r>
+                <a:rPr lang="en-US" b="1" dirty="0">
+                  <a:solidFill>
+                    <a:schemeClr val="bg1"/>
+                  </a:solidFill>
+                  <a:latin typeface="Consolas" panose="020B0609020204030204" pitchFamily="49" charset="0"/>
+                </a:rPr>
+                <a:t>0.5</a:t>
+              </a:r>
+            </a:p>
+            <a:p>
+              <a:r>
+                <a:rPr lang="en-US" b="1" dirty="0">
+                  <a:solidFill>
+                    <a:schemeClr val="bg1"/>
+                  </a:solidFill>
+                  <a:latin typeface="Consolas" panose="020B0609020204030204" pitchFamily="49" charset="0"/>
+                </a:rPr>
+                <a:t>0.75</a:t>
+              </a:r>
+            </a:p>
+            <a:p>
+              <a:r>
+                <a:rPr lang="en-US" b="1" dirty="0">
+                  <a:solidFill>
+                    <a:schemeClr val="bg1"/>
+                  </a:solidFill>
+                  <a:latin typeface="Consolas" panose="020B0609020204030204" pitchFamily="49" charset="0"/>
+                </a:rPr>
+                <a:t>1.0</a:t>
+              </a:r>
+            </a:p>
+          </p:txBody>
+        </p:sp>
+        <p:cxnSp>
+          <p:nvCxnSpPr>
+            <p:cNvPr id="21" name="Straight Arrow Connector 20">
+              <a:extLst>
+                <a:ext uri="{FF2B5EF4-FFF2-40B4-BE49-F238E27FC236}">
+                  <a16:creationId xmlns:a16="http://schemas.microsoft.com/office/drawing/2014/main" id="{33E73435-5188-4FC2-A55B-3A9BA55BBC31}"/>
+                </a:ext>
+              </a:extLst>
+            </p:cNvPr>
+            <p:cNvCxnSpPr/>
+            <p:nvPr/>
+          </p:nvCxnSpPr>
+          <p:spPr>
+            <a:xfrm>
+              <a:off x="8241953" y="3453714"/>
+              <a:ext cx="395417" cy="0"/>
+            </a:xfrm>
+            <a:prstGeom prst="straightConnector1">
+              <a:avLst/>
+            </a:prstGeom>
+            <a:ln w="38100">
+              <a:solidFill>
+                <a:schemeClr val="tx1"/>
+              </a:solidFill>
+              <a:tailEnd type="stealth" w="lg" len="lg"/>
+            </a:ln>
+          </p:spPr>
+          <p:style>
+            <a:lnRef idx="1">
+              <a:schemeClr val="accent1"/>
+            </a:lnRef>
+            <a:fillRef idx="0">
+              <a:schemeClr val="accent1"/>
+            </a:fillRef>
+            <a:effectRef idx="0">
+              <a:schemeClr val="accent1"/>
+            </a:effectRef>
+            <a:fontRef idx="minor">
+              <a:schemeClr val="tx1"/>
+            </a:fontRef>
+          </p:style>
+        </p:cxnSp>
+      </p:grpSp>
+    </p:spTree>
+    <p:extLst>
+      <p:ext uri="{BB962C8B-B14F-4D97-AF65-F5344CB8AC3E}">
+        <p14:creationId xmlns:p14="http://schemas.microsoft.com/office/powerpoint/2010/main" val="2481124655"/>
+      </p:ext>
+    </p:extLst>
+  </p:cSld>
+  <p:clrMapOvr>
+    <a:masterClrMapping/>
+  </p:clrMapOvr>
+</p:sld>
+</file>
+
+<file path=ppt/slides/slide22.xml><?xml version="1.0" encoding="utf-8"?>
+<p:sld xmlns:a="http://schemas.openxmlformats.org/drawingml/2006/main" xmlns:r="http://schemas.openxmlformats.org/officeDocument/2006/relationships" xmlns:p="http://schemas.openxmlformats.org/presentationml/2006/main">
+  <p:cSld>
+    <p:spTree>
+      <p:nvGrpSpPr>
+        <p:cNvPr id="1" name=""/>
+        <p:cNvGrpSpPr/>
+        <p:nvPr/>
+      </p:nvGrpSpPr>
+      <p:grpSpPr>
+        <a:xfrm>
+          <a:off x="0" y="0"/>
+          <a:ext cx="0" cy="0"/>
+          <a:chOff x="0" y="0"/>
+          <a:chExt cx="0" cy="0"/>
+        </a:xfrm>
+      </p:grpSpPr>
+      <p:sp>
+        <p:nvSpPr>
+          <p:cNvPr id="2" name="Title 1">
+            <a:extLst>
+              <a:ext uri="{FF2B5EF4-FFF2-40B4-BE49-F238E27FC236}">
+                <a16:creationId xmlns:a16="http://schemas.microsoft.com/office/drawing/2014/main" id="{7143A27C-CD42-41A7-BD16-AB9334435483}"/>
+              </a:ext>
+            </a:extLst>
+          </p:cNvPr>
+          <p:cNvSpPr>
+            <a:spLocks noGrp="1"/>
+          </p:cNvSpPr>
+          <p:nvPr>
+            <p:ph type="title"/>
+          </p:nvPr>
+        </p:nvSpPr>
+        <p:spPr/>
+        <p:txBody>
+          <a:bodyPr/>
+          <a:lstStyle/>
+          <a:p>
+            <a:r>
+              <a:rPr lang="en-US" dirty="0"/>
+              <a:t>Array (matrix) operations</a:t>
+            </a:r>
+          </a:p>
+        </p:txBody>
+      </p:sp>
+      <p:sp>
+        <p:nvSpPr>
+          <p:cNvPr id="3" name="Content Placeholder 2">
+            <a:extLst>
+              <a:ext uri="{FF2B5EF4-FFF2-40B4-BE49-F238E27FC236}">
+                <a16:creationId xmlns:a16="http://schemas.microsoft.com/office/drawing/2014/main" id="{A743372D-EA14-4447-96BD-08FF4E6A6FD7}"/>
+              </a:ext>
+            </a:extLst>
+          </p:cNvPr>
+          <p:cNvSpPr>
+            <a:spLocks noGrp="1"/>
+          </p:cNvSpPr>
+          <p:nvPr>
+            <p:ph idx="1"/>
+          </p:nvPr>
+        </p:nvSpPr>
+        <p:spPr/>
+        <p:txBody>
+          <a:bodyPr>
+            <a:normAutofit fontScale="92500" lnSpcReduction="10000"/>
+          </a:bodyPr>
+          <a:lstStyle/>
+          <a:p>
+            <a:r>
+              <a:rPr lang="en-US" dirty="0"/>
+              <a:t>Array indexing, 1-based: </a:t>
+            </a:r>
+            <a:r>
+              <a:rPr lang="en-US" dirty="0">
+                <a:latin typeface="Consolas" panose="020B0609020204030204" pitchFamily="49" charset="0"/>
+              </a:rPr>
+              <a:t>A[1, 2] = A[2, 1]</a:t>
+            </a:r>
+          </a:p>
+          <a:p>
+            <a:r>
+              <a:rPr lang="en-US" dirty="0"/>
+              <a:t>Array slicing (copy, no alias): </a:t>
+            </a:r>
+            <a:r>
+              <a:rPr lang="en-US" dirty="0">
+                <a:latin typeface="Consolas" panose="020B0609020204030204" pitchFamily="49" charset="0"/>
+              </a:rPr>
+              <a:t>A[2:3, 2:3]</a:t>
+            </a:r>
+          </a:p>
+          <a:p>
+            <a:r>
+              <a:rPr lang="en-US" dirty="0"/>
+              <a:t>Arithmetic operations</a:t>
+            </a:r>
+          </a:p>
+          <a:p>
+            <a:pPr lvl="1"/>
+            <a:r>
+              <a:rPr lang="en-US" dirty="0"/>
+              <a:t>Scalar-array: </a:t>
+            </a:r>
+            <a:r>
+              <a:rPr lang="en-US" dirty="0">
+                <a:latin typeface="Consolas" panose="020B0609020204030204" pitchFamily="49" charset="0"/>
+              </a:rPr>
+              <a:t>.+</a:t>
+            </a:r>
+            <a:r>
+              <a:rPr lang="en-US" dirty="0"/>
+              <a:t>, </a:t>
+            </a:r>
+            <a:r>
+              <a:rPr lang="en-US" dirty="0">
+                <a:latin typeface="Consolas" panose="020B0609020204030204" pitchFamily="49" charset="0"/>
+              </a:rPr>
+              <a:t>.-</a:t>
+            </a:r>
+            <a:r>
+              <a:rPr lang="en-US" dirty="0"/>
+              <a:t>, </a:t>
+            </a:r>
+            <a:r>
+              <a:rPr lang="en-US" dirty="0">
+                <a:latin typeface="Consolas" panose="020B0609020204030204" pitchFamily="49" charset="0"/>
+              </a:rPr>
+              <a:t>.*</a:t>
+            </a:r>
+            <a:r>
+              <a:rPr lang="en-US" dirty="0"/>
+              <a:t>, </a:t>
+            </a:r>
+            <a:r>
+              <a:rPr lang="en-US" dirty="0">
+                <a:latin typeface="Consolas" panose="020B0609020204030204" pitchFamily="49" charset="0"/>
+              </a:rPr>
+              <a:t>./</a:t>
+            </a:r>
+            <a:r>
+              <a:rPr lang="en-US" dirty="0"/>
+              <a:t>, </a:t>
+            </a:r>
+            <a:r>
+              <a:rPr lang="en-US" dirty="0">
+                <a:latin typeface="Consolas" panose="020B0609020204030204" pitchFamily="49" charset="0"/>
+              </a:rPr>
+              <a:t>.^</a:t>
+            </a:r>
+            <a:r>
+              <a:rPr lang="en-US" dirty="0"/>
+              <a:t> (</a:t>
+            </a:r>
+            <a:r>
+              <a:rPr lang="en-US" dirty="0">
+                <a:sym typeface="Symbol" panose="05050102010706020507" pitchFamily="18" charset="2"/>
+              </a:rPr>
+              <a:t></a:t>
+            </a:r>
+            <a:r>
+              <a:rPr lang="en-US" dirty="0"/>
+              <a:t>  MATLAB, </a:t>
+            </a:r>
+            <a:r>
+              <a:rPr lang="en-US" dirty="0" err="1"/>
+              <a:t>numpy</a:t>
+            </a:r>
+            <a:r>
+              <a:rPr lang="en-US" dirty="0"/>
+              <a:t>)</a:t>
+            </a:r>
+          </a:p>
+          <a:p>
+            <a:pPr lvl="1"/>
+            <a:r>
+              <a:rPr lang="en-US" dirty="0"/>
+              <a:t>Array-array element-wise: </a:t>
+            </a:r>
+            <a:r>
+              <a:rPr lang="en-US" dirty="0">
+                <a:latin typeface="Consolas" panose="020B0609020204030204" pitchFamily="49" charset="0"/>
+              </a:rPr>
+              <a:t>.+</a:t>
+            </a:r>
+            <a:r>
+              <a:rPr lang="en-US" dirty="0"/>
+              <a:t>, </a:t>
+            </a:r>
+            <a:r>
+              <a:rPr lang="en-US" dirty="0">
+                <a:latin typeface="Consolas" panose="020B0609020204030204" pitchFamily="49" charset="0"/>
+              </a:rPr>
+              <a:t>.-</a:t>
+            </a:r>
+            <a:r>
+              <a:rPr lang="en-US" dirty="0"/>
+              <a:t>, </a:t>
+            </a:r>
+            <a:r>
+              <a:rPr lang="en-US" dirty="0">
+                <a:latin typeface="Consolas" panose="020B0609020204030204" pitchFamily="49" charset="0"/>
+              </a:rPr>
+              <a:t>.*</a:t>
+            </a:r>
+            <a:r>
+              <a:rPr lang="en-US" dirty="0"/>
+              <a:t>, </a:t>
+            </a:r>
+            <a:r>
+              <a:rPr lang="en-US" dirty="0">
+                <a:latin typeface="Consolas" panose="020B0609020204030204" pitchFamily="49" charset="0"/>
+              </a:rPr>
+              <a:t>./</a:t>
+            </a:r>
+            <a:r>
+              <a:rPr lang="en-US" dirty="0"/>
+              <a:t>, .^ (sizes must match)</a:t>
+            </a:r>
+          </a:p>
+          <a:p>
+            <a:pPr lvl="1"/>
+            <a:r>
+              <a:rPr lang="en-US" dirty="0"/>
+              <a:t>Matrix-matrix multiplication: </a:t>
+            </a:r>
+            <a:r>
+              <a:rPr lang="en-US" dirty="0">
+                <a:latin typeface="Consolas" panose="020B0609020204030204" pitchFamily="49" charset="0"/>
+              </a:rPr>
+              <a:t>*</a:t>
+            </a:r>
+            <a:r>
+              <a:rPr lang="en-US" dirty="0"/>
+              <a:t> (dimensions must match)</a:t>
+            </a:r>
+          </a:p>
+          <a:p>
+            <a:pPr lvl="1"/>
+            <a:r>
+              <a:rPr lang="en-US" dirty="0"/>
+              <a:t>Matrix power: </a:t>
+            </a:r>
+            <a:r>
+              <a:rPr lang="en-US" dirty="0">
+                <a:latin typeface="Consolas" panose="020B0609020204030204" pitchFamily="49" charset="0"/>
+              </a:rPr>
+              <a:t>^</a:t>
+            </a:r>
+            <a:r>
+              <a:rPr lang="en-US" dirty="0"/>
+              <a:t> (matrix must be square)</a:t>
+            </a:r>
+          </a:p>
+          <a:p>
+            <a:r>
+              <a:rPr lang="en-US" dirty="0"/>
+              <a:t>Element-wise functions, e.g., </a:t>
+            </a:r>
+            <a:r>
+              <a:rPr lang="en-US" dirty="0">
+                <a:latin typeface="Consolas" panose="020B0609020204030204" pitchFamily="49" charset="0"/>
+              </a:rPr>
+              <a:t>sqrt.</a:t>
+            </a:r>
+            <a:r>
+              <a:rPr lang="en-US" dirty="0"/>
+              <a:t>, </a:t>
+            </a:r>
+            <a:r>
+              <a:rPr lang="en-US" dirty="0">
+                <a:latin typeface="Consolas" panose="020B0609020204030204" pitchFamily="49" charset="0"/>
+              </a:rPr>
+              <a:t>cos.</a:t>
+            </a:r>
+            <a:r>
+              <a:rPr lang="en-US" dirty="0"/>
+              <a:t>, …</a:t>
+            </a:r>
+          </a:p>
+          <a:p>
+            <a:r>
+              <a:rPr lang="en-US" dirty="0"/>
+              <a:t>Transpose: </a:t>
+            </a:r>
+            <a:r>
+              <a:rPr lang="en-US" dirty="0">
+                <a:latin typeface="Consolas" panose="020B0609020204030204" pitchFamily="49" charset="0"/>
+              </a:rPr>
+              <a:t>transpose</a:t>
+            </a:r>
+            <a:r>
+              <a:rPr lang="en-US" dirty="0"/>
+              <a:t>, complex conjugate: </a:t>
+            </a:r>
+            <a:r>
+              <a:rPr lang="en-US" dirty="0">
+                <a:latin typeface="Consolas" panose="020B0609020204030204" pitchFamily="49" charset="0"/>
+              </a:rPr>
+              <a:t>'</a:t>
+            </a:r>
+          </a:p>
+          <a:p>
+            <a:r>
+              <a:rPr lang="en-US" dirty="0" err="1">
+                <a:latin typeface="Consolas" panose="020B0609020204030204" pitchFamily="49" charset="0"/>
+              </a:rPr>
+              <a:t>LinearAlgebra</a:t>
+            </a:r>
+            <a:r>
+              <a:rPr lang="en-US" dirty="0"/>
+              <a:t> module</a:t>
+            </a:r>
+          </a:p>
+          <a:p>
+            <a:pPr lvl="1"/>
+            <a:r>
+              <a:rPr lang="en-US" dirty="0">
+                <a:latin typeface="Consolas" panose="020B0609020204030204" pitchFamily="49" charset="0"/>
+              </a:rPr>
+              <a:t>det</a:t>
+            </a:r>
+            <a:r>
+              <a:rPr lang="en-US" dirty="0"/>
+              <a:t>, </a:t>
+            </a:r>
+            <a:r>
+              <a:rPr lang="en-US" dirty="0">
+                <a:latin typeface="Consolas" panose="020B0609020204030204" pitchFamily="49" charset="0"/>
+              </a:rPr>
+              <a:t>inv</a:t>
+            </a:r>
+            <a:r>
+              <a:rPr lang="en-US" dirty="0"/>
+              <a:t>, </a:t>
+            </a:r>
+            <a:r>
+              <a:rPr lang="en-US" dirty="0">
+                <a:latin typeface="Consolas" panose="020B0609020204030204" pitchFamily="49" charset="0"/>
+              </a:rPr>
+              <a:t>eigen</a:t>
+            </a:r>
+            <a:r>
+              <a:rPr lang="en-US" dirty="0"/>
+              <a:t>, </a:t>
+            </a:r>
+            <a:r>
+              <a:rPr lang="en-US" dirty="0" err="1">
+                <a:latin typeface="Consolas" panose="020B0609020204030204" pitchFamily="49" charset="0"/>
+              </a:rPr>
+              <a:t>svd</a:t>
+            </a:r>
+            <a:r>
+              <a:rPr lang="en-US" dirty="0"/>
+              <a:t>, …</a:t>
+            </a:r>
+          </a:p>
+          <a:p>
+            <a:pPr lvl="1"/>
+            <a:endParaRPr lang="en-US" dirty="0"/>
+          </a:p>
+        </p:txBody>
+      </p:sp>
+      <p:sp>
+        <p:nvSpPr>
+          <p:cNvPr id="4" name="Slide Number Placeholder 3">
+            <a:extLst>
+              <a:ext uri="{FF2B5EF4-FFF2-40B4-BE49-F238E27FC236}">
+                <a16:creationId xmlns:a16="http://schemas.microsoft.com/office/drawing/2014/main" id="{B021A0EC-1A83-473D-8D40-9B5C3A7AA3A2}"/>
+              </a:ext>
+            </a:extLst>
+          </p:cNvPr>
+          <p:cNvSpPr>
+            <a:spLocks noGrp="1"/>
+          </p:cNvSpPr>
+          <p:nvPr>
+            <p:ph type="sldNum" sz="quarter" idx="12"/>
+          </p:nvPr>
+        </p:nvSpPr>
+        <p:spPr/>
+        <p:txBody>
+          <a:bodyPr/>
+          <a:lstStyle/>
+          <a:p>
+            <a:fld id="{78F7A1EC-23D1-431D-8C93-9C4ED5D4A04D}" type="slidenum">
+              <a:rPr lang="en-US" smtClean="0"/>
+              <a:t>22</a:t>
             </a:fld>
             <a:endParaRPr lang="en-US"/>
           </a:p>
@@ -9420,7 +9904,7 @@
 </p:sld>
 </file>
 
-<file path=ppt/slides/slide22.xml><?xml version="1.0" encoding="utf-8"?>
+<file path=ppt/slides/slide23.xml><?xml version="1.0" encoding="utf-8"?>
 <p:sld xmlns:a="http://schemas.openxmlformats.org/drawingml/2006/main" xmlns:r="http://schemas.openxmlformats.org/officeDocument/2006/relationships" xmlns:p="http://schemas.openxmlformats.org/presentationml/2006/main">
   <p:cSld>
     <p:spTree>
@@ -10247,7 +10731,7 @@
           <a:p>
             <a:fld id="{78F7A1EC-23D1-431D-8C93-9C4ED5D4A04D}" type="slidenum">
               <a:rPr lang="en-US" smtClean="0"/>
-              <a:t>22</a:t>
+              <a:t>23</a:t>
             </a:fld>
             <a:endParaRPr lang="en-US"/>
           </a:p>
@@ -10257,457 +10741,6 @@
     <p:extLst>
       <p:ext uri="{BB962C8B-B14F-4D97-AF65-F5344CB8AC3E}">
         <p14:creationId xmlns:p14="http://schemas.microsoft.com/office/powerpoint/2010/main" val="2381680386"/>
-      </p:ext>
-    </p:extLst>
-  </p:cSld>
-  <p:clrMapOvr>
-    <a:masterClrMapping/>
-  </p:clrMapOvr>
-</p:sld>
-</file>
-
-<file path=ppt/slides/slide23.xml><?xml version="1.0" encoding="utf-8"?>
-<p:sld xmlns:a="http://schemas.openxmlformats.org/drawingml/2006/main" xmlns:r="http://schemas.openxmlformats.org/officeDocument/2006/relationships" xmlns:p="http://schemas.openxmlformats.org/presentationml/2006/main">
-  <p:cSld>
-    <p:spTree>
-      <p:nvGrpSpPr>
-        <p:cNvPr id="1" name=""/>
-        <p:cNvGrpSpPr/>
-        <p:nvPr/>
-      </p:nvGrpSpPr>
-      <p:grpSpPr>
-        <a:xfrm>
-          <a:off x="0" y="0"/>
-          <a:ext cx="0" cy="0"/>
-          <a:chOff x="0" y="0"/>
-          <a:chExt cx="0" cy="0"/>
-        </a:xfrm>
-      </p:grpSpPr>
-      <p:sp>
-        <p:nvSpPr>
-          <p:cNvPr id="2" name="Title 1">
-            <a:extLst>
-              <a:ext uri="{FF2B5EF4-FFF2-40B4-BE49-F238E27FC236}">
-                <a16:creationId xmlns:a16="http://schemas.microsoft.com/office/drawing/2014/main" id="{65A40D97-FFF5-4370-B499-70087C6EAD84}"/>
-              </a:ext>
-            </a:extLst>
-          </p:cNvPr>
-          <p:cNvSpPr>
-            <a:spLocks noGrp="1"/>
-          </p:cNvSpPr>
-          <p:nvPr>
-            <p:ph type="title"/>
-          </p:nvPr>
-        </p:nvSpPr>
-        <p:spPr/>
-        <p:txBody>
-          <a:bodyPr/>
-          <a:lstStyle/>
-          <a:p>
-            <a:r>
-              <a:rPr lang="en-US" dirty="0"/>
-              <a:t>Type hierarchies</a:t>
-            </a:r>
-          </a:p>
-        </p:txBody>
-      </p:sp>
-      <p:sp>
-        <p:nvSpPr>
-          <p:cNvPr id="3" name="Content Placeholder 2">
-            <a:extLst>
-              <a:ext uri="{FF2B5EF4-FFF2-40B4-BE49-F238E27FC236}">
-                <a16:creationId xmlns:a16="http://schemas.microsoft.com/office/drawing/2014/main" id="{20D920DB-FC8B-4A0C-9148-8F97A7B81F0B}"/>
-              </a:ext>
-            </a:extLst>
-          </p:cNvPr>
-          <p:cNvSpPr>
-            <a:spLocks noGrp="1"/>
-          </p:cNvSpPr>
-          <p:nvPr>
-            <p:ph idx="1"/>
-          </p:nvPr>
-        </p:nvSpPr>
-        <p:spPr/>
-        <p:txBody>
-          <a:bodyPr/>
-          <a:lstStyle/>
-          <a:p>
-            <a:r>
-              <a:rPr lang="en-US" dirty="0"/>
-              <a:t>Abstract types, e.g.,</a:t>
-            </a:r>
-          </a:p>
-          <a:p>
-            <a:endParaRPr lang="en-US" dirty="0"/>
-          </a:p>
-          <a:p>
-            <a:r>
-              <a:rPr lang="en-US" dirty="0"/>
-              <a:t>Abstract subtypes of abstract types, e.g.,</a:t>
-            </a:r>
-          </a:p>
-          <a:p>
-            <a:endParaRPr lang="en-US" dirty="0"/>
-          </a:p>
-          <a:p>
-            <a:endParaRPr lang="en-US" dirty="0"/>
-          </a:p>
-          <a:p>
-            <a:r>
-              <a:rPr lang="en-US" dirty="0"/>
-              <a:t>Concrete subtypes of abstract types</a:t>
-            </a:r>
-          </a:p>
-          <a:p>
-            <a:endParaRPr lang="en-US" dirty="0"/>
-          </a:p>
-          <a:p>
-            <a:endParaRPr lang="en-US" dirty="0"/>
-          </a:p>
-          <a:p>
-            <a:endParaRPr lang="en-US" dirty="0"/>
-          </a:p>
-        </p:txBody>
-      </p:sp>
-      <p:sp>
-        <p:nvSpPr>
-          <p:cNvPr id="4" name="TextBox 3">
-            <a:extLst>
-              <a:ext uri="{FF2B5EF4-FFF2-40B4-BE49-F238E27FC236}">
-                <a16:creationId xmlns:a16="http://schemas.microsoft.com/office/drawing/2014/main" id="{8C1317C5-184C-4C69-9CB2-38A4B0EF6DCE}"/>
-              </a:ext>
-            </a:extLst>
-          </p:cNvPr>
-          <p:cNvSpPr txBox="1"/>
-          <p:nvPr/>
-        </p:nvSpPr>
-        <p:spPr>
-          <a:xfrm>
-            <a:off x="1631087" y="2270468"/>
-            <a:ext cx="6656178" cy="369332"/>
-          </a:xfrm>
-          <a:prstGeom prst="rect">
-            <a:avLst/>
-          </a:prstGeom>
-          <a:solidFill>
-            <a:schemeClr val="bg1">
-              <a:lumMod val="85000"/>
-            </a:schemeClr>
-          </a:solidFill>
-        </p:spPr>
-        <p:txBody>
-          <a:bodyPr wrap="square" rtlCol="0">
-            <a:spAutoFit/>
-          </a:bodyPr>
-          <a:lstStyle/>
-          <a:p>
-            <a:r>
-              <a:rPr lang="en-US" dirty="0">
-                <a:latin typeface="Consolas" panose="020B0609020204030204" pitchFamily="49" charset="0"/>
-              </a:rPr>
-              <a:t>abstract type </a:t>
-            </a:r>
-            <a:r>
-              <a:rPr lang="en-US" dirty="0" err="1">
-                <a:latin typeface="Consolas" panose="020B0609020204030204" pitchFamily="49" charset="0"/>
-              </a:rPr>
-              <a:t>AbstractPoint</a:t>
-            </a:r>
-            <a:r>
-              <a:rPr lang="en-US" dirty="0">
-                <a:latin typeface="Consolas" panose="020B0609020204030204" pitchFamily="49" charset="0"/>
-              </a:rPr>
-              <a:t> end</a:t>
-            </a:r>
-          </a:p>
-        </p:txBody>
-      </p:sp>
-      <p:sp>
-        <p:nvSpPr>
-          <p:cNvPr id="5" name="TextBox 4">
-            <a:extLst>
-              <a:ext uri="{FF2B5EF4-FFF2-40B4-BE49-F238E27FC236}">
-                <a16:creationId xmlns:a16="http://schemas.microsoft.com/office/drawing/2014/main" id="{940A8FE7-CEC4-4946-8B5D-530BFFEC1084}"/>
-              </a:ext>
-            </a:extLst>
-          </p:cNvPr>
-          <p:cNvSpPr txBox="1"/>
-          <p:nvPr/>
-        </p:nvSpPr>
-        <p:spPr>
-          <a:xfrm>
-            <a:off x="1631088" y="3312359"/>
-            <a:ext cx="6656178" cy="369332"/>
-          </a:xfrm>
-          <a:prstGeom prst="rect">
-            <a:avLst/>
-          </a:prstGeom>
-          <a:solidFill>
-            <a:schemeClr val="bg1">
-              <a:lumMod val="85000"/>
-            </a:schemeClr>
-          </a:solidFill>
-        </p:spPr>
-        <p:txBody>
-          <a:bodyPr wrap="square" rtlCol="0">
-            <a:spAutoFit/>
-          </a:bodyPr>
-          <a:lstStyle/>
-          <a:p>
-            <a:r>
-              <a:rPr lang="en-US" dirty="0">
-                <a:latin typeface="Consolas" panose="020B0609020204030204" pitchFamily="49" charset="0"/>
-              </a:rPr>
-              <a:t>abstract type Abstract2DPoint &lt;: </a:t>
-            </a:r>
-            <a:r>
-              <a:rPr lang="en-US" dirty="0" err="1">
-                <a:latin typeface="Consolas" panose="020B0609020204030204" pitchFamily="49" charset="0"/>
-              </a:rPr>
-              <a:t>AbstractPoint</a:t>
-            </a:r>
-            <a:r>
-              <a:rPr lang="en-US" dirty="0">
-                <a:latin typeface="Consolas" panose="020B0609020204030204" pitchFamily="49" charset="0"/>
-              </a:rPr>
-              <a:t> end</a:t>
-            </a:r>
-          </a:p>
-        </p:txBody>
-      </p:sp>
-      <p:sp>
-        <p:nvSpPr>
-          <p:cNvPr id="6" name="TextBox 5">
-            <a:extLst>
-              <a:ext uri="{FF2B5EF4-FFF2-40B4-BE49-F238E27FC236}">
-                <a16:creationId xmlns:a16="http://schemas.microsoft.com/office/drawing/2014/main" id="{7B8337DB-9DB6-4CBD-BA8F-697197146FB1}"/>
-              </a:ext>
-            </a:extLst>
-          </p:cNvPr>
-          <p:cNvSpPr txBox="1"/>
-          <p:nvPr/>
-        </p:nvSpPr>
-        <p:spPr>
-          <a:xfrm>
-            <a:off x="1631086" y="3816628"/>
-            <a:ext cx="6656179" cy="369332"/>
-          </a:xfrm>
-          <a:prstGeom prst="rect">
-            <a:avLst/>
-          </a:prstGeom>
-          <a:solidFill>
-            <a:schemeClr val="bg1">
-              <a:lumMod val="85000"/>
-            </a:schemeClr>
-          </a:solidFill>
-        </p:spPr>
-        <p:txBody>
-          <a:bodyPr wrap="square" rtlCol="0">
-            <a:spAutoFit/>
-          </a:bodyPr>
-          <a:lstStyle/>
-          <a:p>
-            <a:r>
-              <a:rPr lang="en-US" dirty="0">
-                <a:latin typeface="Consolas" panose="020B0609020204030204" pitchFamily="49" charset="0"/>
-              </a:rPr>
-              <a:t>abstract type Abstract3DPoint &lt;: </a:t>
-            </a:r>
-            <a:r>
-              <a:rPr lang="en-US" dirty="0" err="1">
-                <a:latin typeface="Consolas" panose="020B0609020204030204" pitchFamily="49" charset="0"/>
-              </a:rPr>
-              <a:t>AbstractPoint</a:t>
-            </a:r>
-            <a:r>
-              <a:rPr lang="en-US" dirty="0">
-                <a:latin typeface="Consolas" panose="020B0609020204030204" pitchFamily="49" charset="0"/>
-              </a:rPr>
-              <a:t> end</a:t>
-            </a:r>
-          </a:p>
-        </p:txBody>
-      </p:sp>
-      <p:sp>
-        <p:nvSpPr>
-          <p:cNvPr id="8" name="TextBox 7">
-            <a:extLst>
-              <a:ext uri="{FF2B5EF4-FFF2-40B4-BE49-F238E27FC236}">
-                <a16:creationId xmlns:a16="http://schemas.microsoft.com/office/drawing/2014/main" id="{B1E9A5C7-AACA-490F-9F3B-53C6A18B898B}"/>
-              </a:ext>
-            </a:extLst>
-          </p:cNvPr>
-          <p:cNvSpPr txBox="1"/>
-          <p:nvPr/>
-        </p:nvSpPr>
-        <p:spPr>
-          <a:xfrm>
-            <a:off x="1631086" y="4858519"/>
-            <a:ext cx="6656179" cy="1200329"/>
-          </a:xfrm>
-          <a:prstGeom prst="rect">
-            <a:avLst/>
-          </a:prstGeom>
-          <a:solidFill>
-            <a:schemeClr val="bg1">
-              <a:lumMod val="85000"/>
-            </a:schemeClr>
-          </a:solidFill>
-        </p:spPr>
-        <p:txBody>
-          <a:bodyPr wrap="square" rtlCol="0">
-            <a:spAutoFit/>
-          </a:bodyPr>
-          <a:lstStyle/>
-          <a:p>
-            <a:r>
-              <a:rPr lang="en-US" dirty="0">
-                <a:latin typeface="Consolas" panose="020B0609020204030204" pitchFamily="49" charset="0"/>
-              </a:rPr>
-              <a:t>mutable struct Point2D &lt;: Abstract2DPoint</a:t>
-            </a:r>
-          </a:p>
-          <a:p>
-            <a:r>
-              <a:rPr lang="en-US" dirty="0">
-                <a:latin typeface="Consolas" panose="020B0609020204030204" pitchFamily="49" charset="0"/>
-              </a:rPr>
-              <a:t>    x::Real</a:t>
-            </a:r>
-          </a:p>
-          <a:p>
-            <a:r>
-              <a:rPr lang="en-US" dirty="0">
-                <a:latin typeface="Consolas" panose="020B0609020204030204" pitchFamily="49" charset="0"/>
-              </a:rPr>
-              <a:t>    y::Real</a:t>
-            </a:r>
-          </a:p>
-          <a:p>
-            <a:r>
-              <a:rPr lang="en-US" dirty="0">
-                <a:latin typeface="Consolas" panose="020B0609020204030204" pitchFamily="49" charset="0"/>
-              </a:rPr>
-              <a:t>end</a:t>
-            </a:r>
-          </a:p>
-        </p:txBody>
-      </p:sp>
-      <p:sp>
-        <p:nvSpPr>
-          <p:cNvPr id="9" name="TextBox 8">
-            <a:extLst>
-              <a:ext uri="{FF2B5EF4-FFF2-40B4-BE49-F238E27FC236}">
-                <a16:creationId xmlns:a16="http://schemas.microsoft.com/office/drawing/2014/main" id="{713E26DD-DDB3-4EE9-B777-21FD1B5118D7}"/>
-              </a:ext>
-            </a:extLst>
-          </p:cNvPr>
-          <p:cNvSpPr txBox="1"/>
-          <p:nvPr/>
-        </p:nvSpPr>
-        <p:spPr>
-          <a:xfrm>
-            <a:off x="9319053" y="4937810"/>
-            <a:ext cx="2034747" cy="646331"/>
-          </a:xfrm>
-          <a:prstGeom prst="rect">
-            <a:avLst/>
-          </a:prstGeom>
-          <a:noFill/>
-          <a:ln>
-            <a:solidFill>
-              <a:schemeClr val="tx1"/>
-            </a:solidFill>
-          </a:ln>
-        </p:spPr>
-        <p:txBody>
-          <a:bodyPr wrap="square" rtlCol="0">
-            <a:spAutoFit/>
-          </a:bodyPr>
-          <a:lstStyle/>
-          <a:p>
-            <a:pPr algn="ctr"/>
-            <a:r>
-              <a:rPr lang="en-US" dirty="0"/>
-              <a:t>No subtyping from concrete types!</a:t>
-            </a:r>
-          </a:p>
-        </p:txBody>
-      </p:sp>
-      <p:sp>
-        <p:nvSpPr>
-          <p:cNvPr id="10" name="TextBox 9">
-            <a:extLst>
-              <a:ext uri="{FF2B5EF4-FFF2-40B4-BE49-F238E27FC236}">
-                <a16:creationId xmlns:a16="http://schemas.microsoft.com/office/drawing/2014/main" id="{A2C6DD19-A381-425A-BC59-6D0385C80243}"/>
-              </a:ext>
-            </a:extLst>
-          </p:cNvPr>
-          <p:cNvSpPr txBox="1"/>
-          <p:nvPr/>
-        </p:nvSpPr>
-        <p:spPr>
-          <a:xfrm>
-            <a:off x="9319052" y="3466092"/>
-            <a:ext cx="2034747" cy="646331"/>
-          </a:xfrm>
-          <a:prstGeom prst="rect">
-            <a:avLst/>
-          </a:prstGeom>
-          <a:noFill/>
-          <a:ln>
-            <a:solidFill>
-              <a:schemeClr val="tx1"/>
-            </a:solidFill>
-          </a:ln>
-        </p:spPr>
-        <p:txBody>
-          <a:bodyPr wrap="square" rtlCol="0">
-            <a:spAutoFit/>
-          </a:bodyPr>
-          <a:lstStyle/>
-          <a:p>
-            <a:pPr algn="ctr"/>
-            <a:r>
-              <a:rPr lang="en-US" dirty="0"/>
-              <a:t>Subtyping from single type only!</a:t>
-            </a:r>
-          </a:p>
-        </p:txBody>
-      </p:sp>
-      <p:sp>
-        <p:nvSpPr>
-          <p:cNvPr id="11" name="Slide Number Placeholder 10">
-            <a:extLst>
-              <a:ext uri="{FF2B5EF4-FFF2-40B4-BE49-F238E27FC236}">
-                <a16:creationId xmlns:a16="http://schemas.microsoft.com/office/drawing/2014/main" id="{8D4442DC-DACE-41A3-A561-9A91FCDF5DF5}"/>
-              </a:ext>
-            </a:extLst>
-          </p:cNvPr>
-          <p:cNvSpPr>
-            <a:spLocks noGrp="1"/>
-          </p:cNvSpPr>
-          <p:nvPr>
-            <p:ph type="sldNum" sz="quarter" idx="12"/>
-          </p:nvPr>
-        </p:nvSpPr>
-        <p:spPr/>
-        <p:txBody>
-          <a:bodyPr/>
-          <a:lstStyle/>
-          <a:p>
-            <a:fld id="{78F7A1EC-23D1-431D-8C93-9C4ED5D4A04D}" type="slidenum">
-              <a:rPr lang="en-US" smtClean="0"/>
-              <a:t>23</a:t>
-            </a:fld>
-            <a:endParaRPr lang="en-US"/>
-          </a:p>
-        </p:txBody>
-      </p:sp>
-    </p:spTree>
-    <p:extLst>
-      <p:ext uri="{BB962C8B-B14F-4D97-AF65-F5344CB8AC3E}">
-        <p14:creationId xmlns:p14="http://schemas.microsoft.com/office/powerpoint/2010/main" val="2043097574"/>
       </p:ext>
     </p:extLst>
   </p:cSld>
@@ -10739,7 +10772,7 @@
           <p:cNvPr id="2" name="Title 1">
             <a:extLst>
               <a:ext uri="{FF2B5EF4-FFF2-40B4-BE49-F238E27FC236}">
-                <a16:creationId xmlns:a16="http://schemas.microsoft.com/office/drawing/2014/main" id="{08E34A9F-7CD3-4560-A76C-7466EB440AB2}"/>
+                <a16:creationId xmlns:a16="http://schemas.microsoft.com/office/drawing/2014/main" id="{65A40D97-FFF5-4370-B499-70087C6EAD84}"/>
               </a:ext>
             </a:extLst>
           </p:cNvPr>
@@ -10757,7 +10790,7 @@
           <a:p>
             <a:r>
               <a:rPr lang="en-US" dirty="0"/>
-              <a:t>Accessor methods</a:t>
+              <a:t>Type hierarchies</a:t>
             </a:r>
           </a:p>
         </p:txBody>
@@ -10767,7 +10800,7 @@
           <p:cNvPr id="3" name="Content Placeholder 2">
             <a:extLst>
               <a:ext uri="{FF2B5EF4-FFF2-40B4-BE49-F238E27FC236}">
-                <a16:creationId xmlns:a16="http://schemas.microsoft.com/office/drawing/2014/main" id="{F7E4E4D1-890D-40F4-9674-9B1B41EB6C6B}"/>
+                <a16:creationId xmlns:a16="http://schemas.microsoft.com/office/drawing/2014/main" id="{20D920DB-FC8B-4A0C-9148-8F97A7B81F0B}"/>
               </a:ext>
             </a:extLst>
           </p:cNvPr>
@@ -10785,8 +10818,38 @@
           <a:p>
             <a:r>
               <a:rPr lang="en-US" dirty="0"/>
-              <a:t>Do not access fields in structures, defines accessor methods</a:t>
-            </a:r>
+              <a:t>Abstract types, e.g.,</a:t>
+            </a:r>
+          </a:p>
+          <a:p>
+            <a:endParaRPr lang="en-US" dirty="0"/>
+          </a:p>
+          <a:p>
+            <a:r>
+              <a:rPr lang="en-US" dirty="0"/>
+              <a:t>Abstract subtypes of abstract types, e.g.,</a:t>
+            </a:r>
+          </a:p>
+          <a:p>
+            <a:endParaRPr lang="en-US" dirty="0"/>
+          </a:p>
+          <a:p>
+            <a:endParaRPr lang="en-US" dirty="0"/>
+          </a:p>
+          <a:p>
+            <a:r>
+              <a:rPr lang="en-US" dirty="0"/>
+              <a:t>Concrete subtypes of abstract types</a:t>
+            </a:r>
+          </a:p>
+          <a:p>
+            <a:endParaRPr lang="en-US" dirty="0"/>
+          </a:p>
+          <a:p>
+            <a:endParaRPr lang="en-US" dirty="0"/>
+          </a:p>
+          <a:p>
+            <a:endParaRPr lang="en-US" dirty="0"/>
           </a:p>
         </p:txBody>
       </p:sp>
@@ -10795,7 +10858,7 @@
           <p:cNvPr id="4" name="TextBox 3">
             <a:extLst>
               <a:ext uri="{FF2B5EF4-FFF2-40B4-BE49-F238E27FC236}">
-                <a16:creationId xmlns:a16="http://schemas.microsoft.com/office/drawing/2014/main" id="{438E118A-7838-43C2-AFB9-0EE30E5D570B}"/>
+                <a16:creationId xmlns:a16="http://schemas.microsoft.com/office/drawing/2014/main" id="{8C1317C5-184C-4C69-9CB2-38A4B0EF6DCE}"/>
               </a:ext>
             </a:extLst>
           </p:cNvPr>
@@ -10804,8 +10867,8 @@
         </p:nvSpPr>
         <p:spPr>
           <a:xfrm>
-            <a:off x="1499282" y="2686281"/>
-            <a:ext cx="7965993" cy="2308324"/>
+            <a:off x="1631087" y="2270468"/>
+            <a:ext cx="6656178" cy="369332"/>
           </a:xfrm>
           <a:prstGeom prst="rect">
             <a:avLst/>
@@ -10823,16 +10886,63 @@
           <a:lstStyle/>
           <a:p>
             <a:r>
+              <a:rPr lang="en-US" dirty="0">
+                <a:latin typeface="Consolas" panose="020B0609020204030204" pitchFamily="49" charset="0"/>
+              </a:rPr>
+              <a:t>abstract type </a:t>
+            </a:r>
+            <a:r>
               <a:rPr lang="en-US" dirty="0" err="1">
                 <a:latin typeface="Consolas" panose="020B0609020204030204" pitchFamily="49" charset="0"/>
               </a:rPr>
-              <a:t>get_x</a:t>
-            </a:r>
-            <a:r>
-              <a:rPr lang="en-US" dirty="0">
-                <a:latin typeface="Consolas" panose="020B0609020204030204" pitchFamily="49" charset="0"/>
-              </a:rPr>
-              <a:t>(p::</a:t>
+              <a:t>AbstractPoint</a:t>
+            </a:r>
+            <a:r>
+              <a:rPr lang="en-US" dirty="0">
+                <a:latin typeface="Consolas" panose="020B0609020204030204" pitchFamily="49" charset="0"/>
+              </a:rPr>
+              <a:t> end</a:t>
+            </a:r>
+          </a:p>
+        </p:txBody>
+      </p:sp>
+      <p:sp>
+        <p:nvSpPr>
+          <p:cNvPr id="5" name="TextBox 4">
+            <a:extLst>
+              <a:ext uri="{FF2B5EF4-FFF2-40B4-BE49-F238E27FC236}">
+                <a16:creationId xmlns:a16="http://schemas.microsoft.com/office/drawing/2014/main" id="{940A8FE7-CEC4-4946-8B5D-530BFFEC1084}"/>
+              </a:ext>
+            </a:extLst>
+          </p:cNvPr>
+          <p:cNvSpPr txBox="1"/>
+          <p:nvPr/>
+        </p:nvSpPr>
+        <p:spPr>
+          <a:xfrm>
+            <a:off x="1631088" y="3312359"/>
+            <a:ext cx="6656178" cy="369332"/>
+          </a:xfrm>
+          <a:prstGeom prst="rect">
+            <a:avLst/>
+          </a:prstGeom>
+          <a:solidFill>
+            <a:schemeClr val="bg1">
+              <a:lumMod val="85000"/>
+            </a:schemeClr>
+          </a:solidFill>
+        </p:spPr>
+        <p:txBody>
+          <a:bodyPr wrap="square" rtlCol="0">
+            <a:spAutoFit/>
+          </a:bodyPr>
+          <a:lstStyle/>
+          <a:p>
+            <a:r>
+              <a:rPr lang="en-US" dirty="0">
+                <a:latin typeface="Consolas" panose="020B0609020204030204" pitchFamily="49" charset="0"/>
+              </a:rPr>
+              <a:t>abstract type Abstract2DPoint &lt;: </a:t>
             </a:r>
             <a:r>
               <a:rPr lang="en-US" dirty="0" err="1">
@@ -10844,268 +10954,217 @@
               <a:rPr lang="en-US" dirty="0">
                 <a:latin typeface="Consolas" panose="020B0609020204030204" pitchFamily="49" charset="0"/>
               </a:rPr>
-              <a:t>) = </a:t>
+              <a:t> end</a:t>
+            </a:r>
+          </a:p>
+        </p:txBody>
+      </p:sp>
+      <p:sp>
+        <p:nvSpPr>
+          <p:cNvPr id="6" name="TextBox 5">
+            <a:extLst>
+              <a:ext uri="{FF2B5EF4-FFF2-40B4-BE49-F238E27FC236}">
+                <a16:creationId xmlns:a16="http://schemas.microsoft.com/office/drawing/2014/main" id="{7B8337DB-9DB6-4CBD-BA8F-697197146FB1}"/>
+              </a:ext>
+            </a:extLst>
+          </p:cNvPr>
+          <p:cNvSpPr txBox="1"/>
+          <p:nvPr/>
+        </p:nvSpPr>
+        <p:spPr>
+          <a:xfrm>
+            <a:off x="1631086" y="3816628"/>
+            <a:ext cx="6656179" cy="369332"/>
+          </a:xfrm>
+          <a:prstGeom prst="rect">
+            <a:avLst/>
+          </a:prstGeom>
+          <a:solidFill>
+            <a:schemeClr val="bg1">
+              <a:lumMod val="85000"/>
+            </a:schemeClr>
+          </a:solidFill>
+        </p:spPr>
+        <p:txBody>
+          <a:bodyPr wrap="square" rtlCol="0">
+            <a:spAutoFit/>
+          </a:bodyPr>
+          <a:lstStyle/>
+          <a:p>
+            <a:r>
+              <a:rPr lang="en-US" dirty="0">
+                <a:latin typeface="Consolas" panose="020B0609020204030204" pitchFamily="49" charset="0"/>
+              </a:rPr>
+              <a:t>abstract type Abstract3DPoint &lt;: </a:t>
             </a:r>
             <a:r>
               <a:rPr lang="en-US" dirty="0" err="1">
                 <a:latin typeface="Consolas" panose="020B0609020204030204" pitchFamily="49" charset="0"/>
               </a:rPr>
-              <a:t>p.x</a:t>
-            </a:r>
-            <a:endParaRPr lang="en-US" dirty="0">
-              <a:latin typeface="Consolas" panose="020B0609020204030204" pitchFamily="49" charset="0"/>
-            </a:endParaRPr>
-          </a:p>
-          <a:p>
-            <a:r>
-              <a:rPr lang="en-US" dirty="0" err="1">
-                <a:latin typeface="Consolas" panose="020B0609020204030204" pitchFamily="49" charset="0"/>
-              </a:rPr>
-              <a:t>set_x</a:t>
-            </a:r>
-            <a:r>
-              <a:rPr lang="en-US" dirty="0">
-                <a:latin typeface="Consolas" panose="020B0609020204030204" pitchFamily="49" charset="0"/>
-              </a:rPr>
-              <a:t>!(p::</a:t>
-            </a:r>
-            <a:r>
-              <a:rPr lang="en-US" dirty="0" err="1">
-                <a:latin typeface="Consolas" panose="020B0609020204030204" pitchFamily="49" charset="0"/>
-              </a:rPr>
               <a:t>AbstractPoint</a:t>
             </a:r>
             <a:r>
               <a:rPr lang="en-US" dirty="0">
                 <a:latin typeface="Consolas" panose="020B0609020204030204" pitchFamily="49" charset="0"/>
               </a:rPr>
-              <a:t>, </a:t>
-            </a:r>
-            <a:r>
-              <a:rPr lang="en-US" dirty="0" err="1">
-                <a:latin typeface="Consolas" panose="020B0609020204030204" pitchFamily="49" charset="0"/>
-              </a:rPr>
-              <a:t>val</a:t>
-            </a:r>
-            <a:r>
-              <a:rPr lang="en-US" dirty="0">
-                <a:latin typeface="Consolas" panose="020B0609020204030204" pitchFamily="49" charset="0"/>
-              </a:rPr>
-              <a:t>::Real) = begin </a:t>
-            </a:r>
-            <a:r>
-              <a:rPr lang="en-US" dirty="0" err="1">
-                <a:latin typeface="Consolas" panose="020B0609020204030204" pitchFamily="49" charset="0"/>
-              </a:rPr>
-              <a:t>p.x</a:t>
-            </a:r>
-            <a:r>
-              <a:rPr lang="en-US" dirty="0">
-                <a:latin typeface="Consolas" panose="020B0609020204030204" pitchFamily="49" charset="0"/>
-              </a:rPr>
-              <a:t> = </a:t>
-            </a:r>
-            <a:r>
-              <a:rPr lang="en-US" dirty="0" err="1">
-                <a:latin typeface="Consolas" panose="020B0609020204030204" pitchFamily="49" charset="0"/>
-              </a:rPr>
-              <a:t>val</a:t>
-            </a:r>
-            <a:r>
-              <a:rPr lang="en-US" dirty="0">
-                <a:latin typeface="Consolas" panose="020B0609020204030204" pitchFamily="49" charset="0"/>
-              </a:rPr>
-              <a:t>; end</a:t>
-            </a:r>
-          </a:p>
-          <a:p>
-            <a:endParaRPr lang="en-US" dirty="0">
-              <a:latin typeface="Consolas" panose="020B0609020204030204" pitchFamily="49" charset="0"/>
-            </a:endParaRPr>
-          </a:p>
-          <a:p>
-            <a:r>
-              <a:rPr lang="en-US" dirty="0" err="1">
-                <a:latin typeface="Consolas" panose="020B0609020204030204" pitchFamily="49" charset="0"/>
-              </a:rPr>
-              <a:t>get_y</a:t>
-            </a:r>
-            <a:r>
-              <a:rPr lang="en-US" dirty="0">
-                <a:latin typeface="Consolas" panose="020B0609020204030204" pitchFamily="49" charset="0"/>
-              </a:rPr>
-              <a:t>(p::</a:t>
-            </a:r>
-            <a:r>
-              <a:rPr lang="en-US" dirty="0" err="1">
-                <a:latin typeface="Consolas" panose="020B0609020204030204" pitchFamily="49" charset="0"/>
-              </a:rPr>
-              <a:t>AbstractPoint</a:t>
-            </a:r>
-            <a:r>
-              <a:rPr lang="en-US" dirty="0">
-                <a:latin typeface="Consolas" panose="020B0609020204030204" pitchFamily="49" charset="0"/>
-              </a:rPr>
-              <a:t>) = </a:t>
-            </a:r>
-            <a:r>
-              <a:rPr lang="en-US" dirty="0" err="1">
-                <a:latin typeface="Consolas" panose="020B0609020204030204" pitchFamily="49" charset="0"/>
-              </a:rPr>
-              <a:t>p.y</a:t>
-            </a:r>
-            <a:endParaRPr lang="en-US" dirty="0">
-              <a:latin typeface="Consolas" panose="020B0609020204030204" pitchFamily="49" charset="0"/>
-            </a:endParaRPr>
-          </a:p>
-          <a:p>
-            <a:r>
-              <a:rPr lang="en-US" dirty="0" err="1">
-                <a:latin typeface="Consolas" panose="020B0609020204030204" pitchFamily="49" charset="0"/>
-              </a:rPr>
-              <a:t>set_y</a:t>
-            </a:r>
-            <a:r>
-              <a:rPr lang="en-US" dirty="0">
-                <a:latin typeface="Consolas" panose="020B0609020204030204" pitchFamily="49" charset="0"/>
-              </a:rPr>
-              <a:t>!(p::</a:t>
-            </a:r>
-            <a:r>
-              <a:rPr lang="en-US" dirty="0" err="1">
-                <a:latin typeface="Consolas" panose="020B0609020204030204" pitchFamily="49" charset="0"/>
-              </a:rPr>
-              <a:t>AbstractPoint</a:t>
-            </a:r>
-            <a:r>
-              <a:rPr lang="en-US" dirty="0">
-                <a:latin typeface="Consolas" panose="020B0609020204030204" pitchFamily="49" charset="0"/>
-              </a:rPr>
-              <a:t>, </a:t>
-            </a:r>
-            <a:r>
-              <a:rPr lang="en-US" dirty="0" err="1">
-                <a:latin typeface="Consolas" panose="020B0609020204030204" pitchFamily="49" charset="0"/>
-              </a:rPr>
-              <a:t>val</a:t>
-            </a:r>
-            <a:r>
-              <a:rPr lang="en-US" dirty="0">
-                <a:latin typeface="Consolas" panose="020B0609020204030204" pitchFamily="49" charset="0"/>
-              </a:rPr>
-              <a:t>::Real) = begin </a:t>
-            </a:r>
-            <a:r>
-              <a:rPr lang="en-US" dirty="0" err="1">
-                <a:latin typeface="Consolas" panose="020B0609020204030204" pitchFamily="49" charset="0"/>
-              </a:rPr>
-              <a:t>p.y</a:t>
-            </a:r>
-            <a:r>
-              <a:rPr lang="en-US" dirty="0">
-                <a:latin typeface="Consolas" panose="020B0609020204030204" pitchFamily="49" charset="0"/>
-              </a:rPr>
-              <a:t> = </a:t>
-            </a:r>
-            <a:r>
-              <a:rPr lang="en-US" dirty="0" err="1">
-                <a:latin typeface="Consolas" panose="020B0609020204030204" pitchFamily="49" charset="0"/>
-              </a:rPr>
-              <a:t>val</a:t>
-            </a:r>
-            <a:r>
-              <a:rPr lang="en-US" dirty="0">
-                <a:latin typeface="Consolas" panose="020B0609020204030204" pitchFamily="49" charset="0"/>
-              </a:rPr>
-              <a:t>; end</a:t>
-            </a:r>
-          </a:p>
-          <a:p>
-            <a:endParaRPr lang="en-US" dirty="0">
-              <a:latin typeface="Consolas" panose="020B0609020204030204" pitchFamily="49" charset="0"/>
-            </a:endParaRPr>
-          </a:p>
-          <a:p>
-            <a:r>
-              <a:rPr lang="en-US" dirty="0" err="1">
-                <a:latin typeface="Consolas" panose="020B0609020204030204" pitchFamily="49" charset="0"/>
-              </a:rPr>
-              <a:t>get_z</a:t>
-            </a:r>
-            <a:r>
-              <a:rPr lang="en-US" dirty="0">
-                <a:latin typeface="Consolas" panose="020B0609020204030204" pitchFamily="49" charset="0"/>
-              </a:rPr>
-              <a:t>(p::AbstractPoint3D) = </a:t>
-            </a:r>
-            <a:r>
-              <a:rPr lang="en-US" dirty="0" err="1">
-                <a:latin typeface="Consolas" panose="020B0609020204030204" pitchFamily="49" charset="0"/>
-              </a:rPr>
-              <a:t>p.z</a:t>
-            </a:r>
-            <a:endParaRPr lang="en-US" dirty="0">
-              <a:latin typeface="Consolas" panose="020B0609020204030204" pitchFamily="49" charset="0"/>
-            </a:endParaRPr>
-          </a:p>
-          <a:p>
-            <a:r>
-              <a:rPr lang="en-US" dirty="0" err="1">
-                <a:latin typeface="Consolas" panose="020B0609020204030204" pitchFamily="49" charset="0"/>
-              </a:rPr>
-              <a:t>set_z</a:t>
-            </a:r>
-            <a:r>
-              <a:rPr lang="en-US" dirty="0">
-                <a:latin typeface="Consolas" panose="020B0609020204030204" pitchFamily="49" charset="0"/>
-              </a:rPr>
-              <a:t>!(p::AbstractPoint3D, </a:t>
-            </a:r>
-            <a:r>
-              <a:rPr lang="en-US" dirty="0" err="1">
-                <a:latin typeface="Consolas" panose="020B0609020204030204" pitchFamily="49" charset="0"/>
-              </a:rPr>
-              <a:t>val</a:t>
-            </a:r>
-            <a:r>
-              <a:rPr lang="en-US" dirty="0">
-                <a:latin typeface="Consolas" panose="020B0609020204030204" pitchFamily="49" charset="0"/>
-              </a:rPr>
-              <a:t>::Real) = begin </a:t>
-            </a:r>
-            <a:r>
-              <a:rPr lang="en-US" dirty="0" err="1">
-                <a:latin typeface="Consolas" panose="020B0609020204030204" pitchFamily="49" charset="0"/>
-              </a:rPr>
-              <a:t>p.z</a:t>
-            </a:r>
-            <a:r>
-              <a:rPr lang="en-US" dirty="0">
-                <a:latin typeface="Consolas" panose="020B0609020204030204" pitchFamily="49" charset="0"/>
-              </a:rPr>
-              <a:t> = </a:t>
-            </a:r>
-            <a:r>
-              <a:rPr lang="en-US" dirty="0" err="1">
-                <a:latin typeface="Consolas" panose="020B0609020204030204" pitchFamily="49" charset="0"/>
-              </a:rPr>
-              <a:t>val</a:t>
-            </a:r>
-            <a:r>
-              <a:rPr lang="en-US" dirty="0">
-                <a:latin typeface="Consolas" panose="020B0609020204030204" pitchFamily="49" charset="0"/>
-              </a:rPr>
-              <a:t>; end</a:t>
-            </a:r>
-          </a:p>
-        </p:txBody>
-      </p:sp>
-      <p:sp>
-        <p:nvSpPr>
-          <p:cNvPr id="5" name="Slide Number Placeholder 4">
-            <a:extLst>
-              <a:ext uri="{FF2B5EF4-FFF2-40B4-BE49-F238E27FC236}">
-                <a16:creationId xmlns:a16="http://schemas.microsoft.com/office/drawing/2014/main" id="{D18F523E-7BD0-4609-82CD-1BD2346894A4}"/>
+              <a:t> end</a:t>
+            </a:r>
+          </a:p>
+        </p:txBody>
+      </p:sp>
+      <p:sp>
+        <p:nvSpPr>
+          <p:cNvPr id="8" name="TextBox 7">
+            <a:extLst>
+              <a:ext uri="{FF2B5EF4-FFF2-40B4-BE49-F238E27FC236}">
+                <a16:creationId xmlns:a16="http://schemas.microsoft.com/office/drawing/2014/main" id="{B1E9A5C7-AACA-490F-9F3B-53C6A18B898B}"/>
+              </a:ext>
+            </a:extLst>
+          </p:cNvPr>
+          <p:cNvSpPr txBox="1"/>
+          <p:nvPr/>
+        </p:nvSpPr>
+        <p:spPr>
+          <a:xfrm>
+            <a:off x="1631086" y="4858519"/>
+            <a:ext cx="6656179" cy="1200329"/>
+          </a:xfrm>
+          <a:prstGeom prst="rect">
+            <a:avLst/>
+          </a:prstGeom>
+          <a:solidFill>
+            <a:schemeClr val="bg1">
+              <a:lumMod val="85000"/>
+            </a:schemeClr>
+          </a:solidFill>
+        </p:spPr>
+        <p:txBody>
+          <a:bodyPr wrap="square" rtlCol="0">
+            <a:spAutoFit/>
+          </a:bodyPr>
+          <a:lstStyle/>
+          <a:p>
+            <a:r>
+              <a:rPr lang="en-US" dirty="0">
+                <a:latin typeface="Consolas" panose="020B0609020204030204" pitchFamily="49" charset="0"/>
+              </a:rPr>
+              <a:t>mutable struct Point2D &lt;: Abstract2DPoint</a:t>
+            </a:r>
+          </a:p>
+          <a:p>
+            <a:r>
+              <a:rPr lang="en-US" dirty="0">
+                <a:latin typeface="Consolas" panose="020B0609020204030204" pitchFamily="49" charset="0"/>
+              </a:rPr>
+              <a:t>    x::Real</a:t>
+            </a:r>
+          </a:p>
+          <a:p>
+            <a:r>
+              <a:rPr lang="en-US" dirty="0">
+                <a:latin typeface="Consolas" panose="020B0609020204030204" pitchFamily="49" charset="0"/>
+              </a:rPr>
+              <a:t>    y::Real</a:t>
+            </a:r>
+          </a:p>
+          <a:p>
+            <a:r>
+              <a:rPr lang="en-US" dirty="0">
+                <a:latin typeface="Consolas" panose="020B0609020204030204" pitchFamily="49" charset="0"/>
+              </a:rPr>
+              <a:t>end</a:t>
+            </a:r>
+          </a:p>
+        </p:txBody>
+      </p:sp>
+      <p:sp>
+        <p:nvSpPr>
+          <p:cNvPr id="9" name="TextBox 8">
+            <a:extLst>
+              <a:ext uri="{FF2B5EF4-FFF2-40B4-BE49-F238E27FC236}">
+                <a16:creationId xmlns:a16="http://schemas.microsoft.com/office/drawing/2014/main" id="{713E26DD-DDB3-4EE9-B777-21FD1B5118D7}"/>
+              </a:ext>
+            </a:extLst>
+          </p:cNvPr>
+          <p:cNvSpPr txBox="1"/>
+          <p:nvPr/>
+        </p:nvSpPr>
+        <p:spPr>
+          <a:xfrm>
+            <a:off x="9319053" y="4937810"/>
+            <a:ext cx="2034747" cy="646331"/>
+          </a:xfrm>
+          <a:prstGeom prst="rect">
+            <a:avLst/>
+          </a:prstGeom>
+          <a:noFill/>
+          <a:ln>
+            <a:solidFill>
+              <a:schemeClr val="tx1"/>
+            </a:solidFill>
+          </a:ln>
+        </p:spPr>
+        <p:txBody>
+          <a:bodyPr wrap="square" rtlCol="0">
+            <a:spAutoFit/>
+          </a:bodyPr>
+          <a:lstStyle/>
+          <a:p>
+            <a:pPr algn="ctr"/>
+            <a:r>
+              <a:rPr lang="en-US" dirty="0"/>
+              <a:t>No subtyping from concrete types!</a:t>
+            </a:r>
+          </a:p>
+        </p:txBody>
+      </p:sp>
+      <p:sp>
+        <p:nvSpPr>
+          <p:cNvPr id="10" name="TextBox 9">
+            <a:extLst>
+              <a:ext uri="{FF2B5EF4-FFF2-40B4-BE49-F238E27FC236}">
+                <a16:creationId xmlns:a16="http://schemas.microsoft.com/office/drawing/2014/main" id="{A2C6DD19-A381-425A-BC59-6D0385C80243}"/>
+              </a:ext>
+            </a:extLst>
+          </p:cNvPr>
+          <p:cNvSpPr txBox="1"/>
+          <p:nvPr/>
+        </p:nvSpPr>
+        <p:spPr>
+          <a:xfrm>
+            <a:off x="9319052" y="3466092"/>
+            <a:ext cx="2034747" cy="646331"/>
+          </a:xfrm>
+          <a:prstGeom prst="rect">
+            <a:avLst/>
+          </a:prstGeom>
+          <a:noFill/>
+          <a:ln>
+            <a:solidFill>
+              <a:schemeClr val="tx1"/>
+            </a:solidFill>
+          </a:ln>
+        </p:spPr>
+        <p:txBody>
+          <a:bodyPr wrap="square" rtlCol="0">
+            <a:spAutoFit/>
+          </a:bodyPr>
+          <a:lstStyle/>
+          <a:p>
+            <a:pPr algn="ctr"/>
+            <a:r>
+              <a:rPr lang="en-US" dirty="0"/>
+              <a:t>Subtyping from single type only!</a:t>
+            </a:r>
+          </a:p>
+        </p:txBody>
+      </p:sp>
+      <p:sp>
+        <p:nvSpPr>
+          <p:cNvPr id="11" name="Slide Number Placeholder 10">
+            <a:extLst>
+              <a:ext uri="{FF2B5EF4-FFF2-40B4-BE49-F238E27FC236}">
+                <a16:creationId xmlns:a16="http://schemas.microsoft.com/office/drawing/2014/main" id="{8D4442DC-DACE-41A3-A561-9A91FCDF5DF5}"/>
               </a:ext>
             </a:extLst>
           </p:cNvPr>
@@ -11132,7 +11191,7 @@
     </p:spTree>
     <p:extLst>
       <p:ext uri="{BB962C8B-B14F-4D97-AF65-F5344CB8AC3E}">
-        <p14:creationId xmlns:p14="http://schemas.microsoft.com/office/powerpoint/2010/main" val="4283076253"/>
+        <p14:creationId xmlns:p14="http://schemas.microsoft.com/office/powerpoint/2010/main" val="2043097574"/>
       </p:ext>
     </p:extLst>
   </p:cSld>
@@ -11164,7 +11223,7 @@
           <p:cNvPr id="2" name="Title 1">
             <a:extLst>
               <a:ext uri="{FF2B5EF4-FFF2-40B4-BE49-F238E27FC236}">
-                <a16:creationId xmlns:a16="http://schemas.microsoft.com/office/drawing/2014/main" id="{77FA4432-AC7E-4C0E-A953-616D26182D8F}"/>
+                <a16:creationId xmlns:a16="http://schemas.microsoft.com/office/drawing/2014/main" id="{08E34A9F-7CD3-4560-A76C-7466EB440AB2}"/>
               </a:ext>
             </a:extLst>
           </p:cNvPr>
@@ -11182,7 +11241,7 @@
           <a:p>
             <a:r>
               <a:rPr lang="en-US" dirty="0"/>
-              <a:t>Methods on types</a:t>
+              <a:t>Accessor methods</a:t>
             </a:r>
           </a:p>
         </p:txBody>
@@ -11192,7 +11251,7 @@
           <p:cNvPr id="3" name="Content Placeholder 2">
             <a:extLst>
               <a:ext uri="{FF2B5EF4-FFF2-40B4-BE49-F238E27FC236}">
-                <a16:creationId xmlns:a16="http://schemas.microsoft.com/office/drawing/2014/main" id="{9C935DC9-D006-48EA-B28F-DFC60708B8D0}"/>
+                <a16:creationId xmlns:a16="http://schemas.microsoft.com/office/drawing/2014/main" id="{F7E4E4D1-890D-40F4-9674-9B1B41EB6C6B}"/>
               </a:ext>
             </a:extLst>
           </p:cNvPr>
@@ -11210,7 +11269,7 @@
           <a:p>
             <a:r>
               <a:rPr lang="en-US" dirty="0"/>
-              <a:t>Multiple dispatch</a:t>
+              <a:t>Do not access fields in structures, defines accessor methods</a:t>
             </a:r>
           </a:p>
         </p:txBody>
@@ -11220,7 +11279,7 @@
           <p:cNvPr id="4" name="TextBox 3">
             <a:extLst>
               <a:ext uri="{FF2B5EF4-FFF2-40B4-BE49-F238E27FC236}">
-                <a16:creationId xmlns:a16="http://schemas.microsoft.com/office/drawing/2014/main" id="{E6AE8D53-8050-492F-8C1B-4E297382426A}"/>
+                <a16:creationId xmlns:a16="http://schemas.microsoft.com/office/drawing/2014/main" id="{438E118A-7838-43C2-AFB9-0EE30E5D570B}"/>
               </a:ext>
             </a:extLst>
           </p:cNvPr>
@@ -11229,8 +11288,8 @@
         </p:nvSpPr>
         <p:spPr>
           <a:xfrm>
-            <a:off x="1458090" y="2403643"/>
-            <a:ext cx="7825953" cy="1477328"/>
+            <a:off x="1499282" y="2686281"/>
+            <a:ext cx="7965993" cy="2308324"/>
           </a:xfrm>
           <a:prstGeom prst="rect">
             <a:avLst/>
@@ -11248,20 +11307,6 @@
           <a:lstStyle/>
           <a:p>
             <a:r>
-              <a:rPr lang="en-US" dirty="0">
-                <a:latin typeface="Consolas" panose="020B0609020204030204" pitchFamily="49" charset="0"/>
-              </a:rPr>
-              <a:t>function distance(p1::Abstract2DPoint, p2::Abstract2DPoint)</a:t>
-            </a:r>
-          </a:p>
-          <a:p>
-            <a:r>
-              <a:rPr lang="en-US" dirty="0">
-                <a:latin typeface="Consolas" panose="020B0609020204030204" pitchFamily="49" charset="0"/>
-              </a:rPr>
-              <a:t>    x1 = </a:t>
-            </a:r>
-            <a:r>
               <a:rPr lang="en-US" dirty="0" err="1">
                 <a:latin typeface="Consolas" panose="020B0609020204030204" pitchFamily="49" charset="0"/>
               </a:rPr>
@@ -11271,222 +11316,280 @@
               <a:rPr lang="en-US" dirty="0">
                 <a:latin typeface="Consolas" panose="020B0609020204030204" pitchFamily="49" charset="0"/>
               </a:rPr>
-              <a:t>(p1); y1 = </a:t>
+              <a:t>(p::</a:t>
             </a:r>
             <a:r>
               <a:rPr lang="en-US" dirty="0" err="1">
                 <a:latin typeface="Consolas" panose="020B0609020204030204" pitchFamily="49" charset="0"/>
               </a:rPr>
+              <a:t>AbstractPoint</a:t>
+            </a:r>
+            <a:r>
+              <a:rPr lang="en-US" dirty="0">
+                <a:latin typeface="Consolas" panose="020B0609020204030204" pitchFamily="49" charset="0"/>
+              </a:rPr>
+              <a:t>) = </a:t>
+            </a:r>
+            <a:r>
+              <a:rPr lang="en-US" dirty="0" err="1">
+                <a:latin typeface="Consolas" panose="020B0609020204030204" pitchFamily="49" charset="0"/>
+              </a:rPr>
+              <a:t>p.x</a:t>
+            </a:r>
+            <a:endParaRPr lang="en-US" dirty="0">
+              <a:latin typeface="Consolas" panose="020B0609020204030204" pitchFamily="49" charset="0"/>
+            </a:endParaRPr>
+          </a:p>
+          <a:p>
+            <a:r>
+              <a:rPr lang="en-US" dirty="0" err="1">
+                <a:latin typeface="Consolas" panose="020B0609020204030204" pitchFamily="49" charset="0"/>
+              </a:rPr>
+              <a:t>set_x</a:t>
+            </a:r>
+            <a:r>
+              <a:rPr lang="en-US" dirty="0">
+                <a:latin typeface="Consolas" panose="020B0609020204030204" pitchFamily="49" charset="0"/>
+              </a:rPr>
+              <a:t>!(p::</a:t>
+            </a:r>
+            <a:r>
+              <a:rPr lang="en-US" dirty="0" err="1">
+                <a:latin typeface="Consolas" panose="020B0609020204030204" pitchFamily="49" charset="0"/>
+              </a:rPr>
+              <a:t>AbstractPoint</a:t>
+            </a:r>
+            <a:r>
+              <a:rPr lang="en-US" dirty="0">
+                <a:latin typeface="Consolas" panose="020B0609020204030204" pitchFamily="49" charset="0"/>
+              </a:rPr>
+              <a:t>, </a:t>
+            </a:r>
+            <a:r>
+              <a:rPr lang="en-US" dirty="0" err="1">
+                <a:latin typeface="Consolas" panose="020B0609020204030204" pitchFamily="49" charset="0"/>
+              </a:rPr>
+              <a:t>val</a:t>
+            </a:r>
+            <a:r>
+              <a:rPr lang="en-US" dirty="0">
+                <a:latin typeface="Consolas" panose="020B0609020204030204" pitchFamily="49" charset="0"/>
+              </a:rPr>
+              <a:t>::Real) = begin </a:t>
+            </a:r>
+            <a:r>
+              <a:rPr lang="en-US" dirty="0" err="1">
+                <a:latin typeface="Consolas" panose="020B0609020204030204" pitchFamily="49" charset="0"/>
+              </a:rPr>
+              <a:t>p.x</a:t>
+            </a:r>
+            <a:r>
+              <a:rPr lang="en-US" dirty="0">
+                <a:latin typeface="Consolas" panose="020B0609020204030204" pitchFamily="49" charset="0"/>
+              </a:rPr>
+              <a:t> = </a:t>
+            </a:r>
+            <a:r>
+              <a:rPr lang="en-US" dirty="0" err="1">
+                <a:latin typeface="Consolas" panose="020B0609020204030204" pitchFamily="49" charset="0"/>
+              </a:rPr>
+              <a:t>val</a:t>
+            </a:r>
+            <a:r>
+              <a:rPr lang="en-US" dirty="0">
+                <a:latin typeface="Consolas" panose="020B0609020204030204" pitchFamily="49" charset="0"/>
+              </a:rPr>
+              <a:t>; end</a:t>
+            </a:r>
+          </a:p>
+          <a:p>
+            <a:endParaRPr lang="en-US" dirty="0">
+              <a:latin typeface="Consolas" panose="020B0609020204030204" pitchFamily="49" charset="0"/>
+            </a:endParaRPr>
+          </a:p>
+          <a:p>
+            <a:r>
+              <a:rPr lang="en-US" dirty="0" err="1">
+                <a:latin typeface="Consolas" panose="020B0609020204030204" pitchFamily="49" charset="0"/>
+              </a:rPr>
               <a:t>get_y</a:t>
             </a:r>
             <a:r>
               <a:rPr lang="en-US" dirty="0">
                 <a:latin typeface="Consolas" panose="020B0609020204030204" pitchFamily="49" charset="0"/>
               </a:rPr>
-              <a:t>(p1)</a:t>
-            </a:r>
-          </a:p>
-          <a:p>
-            <a:r>
-              <a:rPr lang="en-US" dirty="0">
-                <a:latin typeface="Consolas" panose="020B0609020204030204" pitchFamily="49" charset="0"/>
-              </a:rPr>
-              <a:t>    x2 = </a:t>
+              <a:t>(p::</a:t>
             </a:r>
             <a:r>
               <a:rPr lang="en-US" dirty="0" err="1">
                 <a:latin typeface="Consolas" panose="020B0609020204030204" pitchFamily="49" charset="0"/>
               </a:rPr>
-              <a:t>get_x</a:t>
-            </a:r>
-            <a:r>
-              <a:rPr lang="en-US" dirty="0">
-                <a:latin typeface="Consolas" panose="020B0609020204030204" pitchFamily="49" charset="0"/>
-              </a:rPr>
-              <a:t>(p2); y2 = </a:t>
+              <a:t>AbstractPoint</a:t>
+            </a:r>
+            <a:r>
+              <a:rPr lang="en-US" dirty="0">
+                <a:latin typeface="Consolas" panose="020B0609020204030204" pitchFamily="49" charset="0"/>
+              </a:rPr>
+              <a:t>) = </a:t>
             </a:r>
             <a:r>
               <a:rPr lang="en-US" dirty="0" err="1">
                 <a:latin typeface="Consolas" panose="020B0609020204030204" pitchFamily="49" charset="0"/>
               </a:rPr>
-              <a:t>get_y</a:t>
-            </a:r>
-            <a:r>
-              <a:rPr lang="en-US" dirty="0">
-                <a:latin typeface="Consolas" panose="020B0609020204030204" pitchFamily="49" charset="0"/>
-              </a:rPr>
-              <a:t>(p2)</a:t>
-            </a:r>
-          </a:p>
-          <a:p>
-            <a:r>
-              <a:rPr lang="en-US" dirty="0">
-                <a:latin typeface="Consolas" panose="020B0609020204030204" pitchFamily="49" charset="0"/>
-              </a:rPr>
-              <a:t>    return sqrt((x1 – x2)^2 + (y1 – y2)^2)</a:t>
-            </a:r>
-          </a:p>
-          <a:p>
-            <a:r>
-              <a:rPr lang="en-US" dirty="0">
-                <a:latin typeface="Consolas" panose="020B0609020204030204" pitchFamily="49" charset="0"/>
-              </a:rPr>
-              <a:t>end</a:t>
-            </a:r>
-          </a:p>
-        </p:txBody>
-      </p:sp>
-      <p:sp>
-        <p:nvSpPr>
-          <p:cNvPr id="5" name="TextBox 4">
-            <a:extLst>
-              <a:ext uri="{FF2B5EF4-FFF2-40B4-BE49-F238E27FC236}">
-                <a16:creationId xmlns:a16="http://schemas.microsoft.com/office/drawing/2014/main" id="{93AE319E-8773-4104-A9B1-174D925CB64C}"/>
-              </a:ext>
-            </a:extLst>
-          </p:cNvPr>
-          <p:cNvSpPr txBox="1"/>
-          <p:nvPr/>
-        </p:nvSpPr>
-        <p:spPr>
-          <a:xfrm>
-            <a:off x="1458089" y="4296930"/>
-            <a:ext cx="7825953" cy="1477328"/>
-          </a:xfrm>
-          <a:prstGeom prst="rect">
-            <a:avLst/>
-          </a:prstGeom>
-          <a:solidFill>
-            <a:schemeClr val="bg1">
-              <a:lumMod val="85000"/>
-            </a:schemeClr>
-          </a:solidFill>
-        </p:spPr>
-        <p:txBody>
-          <a:bodyPr wrap="square" rtlCol="0">
-            <a:spAutoFit/>
-          </a:bodyPr>
-          <a:lstStyle/>
-          <a:p>
-            <a:r>
-              <a:rPr lang="en-US" dirty="0">
-                <a:latin typeface="Consolas" panose="020B0609020204030204" pitchFamily="49" charset="0"/>
-              </a:rPr>
-              <a:t>function distance(p1::Abstract3DPoint, p2::Abstract3DPoint)</a:t>
-            </a:r>
-          </a:p>
-          <a:p>
-            <a:r>
-              <a:rPr lang="en-US" dirty="0">
-                <a:latin typeface="Consolas" panose="020B0609020204030204" pitchFamily="49" charset="0"/>
-              </a:rPr>
-              <a:t>    x1 = </a:t>
-            </a:r>
+              <a:t>p.y</a:t>
+            </a:r>
+            <a:endParaRPr lang="en-US" dirty="0">
+              <a:latin typeface="Consolas" panose="020B0609020204030204" pitchFamily="49" charset="0"/>
+            </a:endParaRPr>
+          </a:p>
+          <a:p>
             <a:r>
               <a:rPr lang="en-US" dirty="0" err="1">
                 <a:latin typeface="Consolas" panose="020B0609020204030204" pitchFamily="49" charset="0"/>
               </a:rPr>
-              <a:t>get_x</a:t>
-            </a:r>
-            <a:r>
-              <a:rPr lang="en-US" dirty="0">
-                <a:latin typeface="Consolas" panose="020B0609020204030204" pitchFamily="49" charset="0"/>
-              </a:rPr>
-              <a:t>(p1); y1 = </a:t>
+              <a:t>set_y</a:t>
+            </a:r>
+            <a:r>
+              <a:rPr lang="en-US" dirty="0">
+                <a:latin typeface="Consolas" panose="020B0609020204030204" pitchFamily="49" charset="0"/>
+              </a:rPr>
+              <a:t>!(p::</a:t>
             </a:r>
             <a:r>
               <a:rPr lang="en-US" dirty="0" err="1">
                 <a:latin typeface="Consolas" panose="020B0609020204030204" pitchFamily="49" charset="0"/>
               </a:rPr>
-              <a:t>get_y</a:t>
-            </a:r>
-            <a:r>
-              <a:rPr lang="en-US" dirty="0">
-                <a:latin typeface="Consolas" panose="020B0609020204030204" pitchFamily="49" charset="0"/>
-              </a:rPr>
-              <a:t>(p1); z1 = </a:t>
+              <a:t>AbstractPoint</a:t>
+            </a:r>
+            <a:r>
+              <a:rPr lang="en-US" dirty="0">
+                <a:latin typeface="Consolas" panose="020B0609020204030204" pitchFamily="49" charset="0"/>
+              </a:rPr>
+              <a:t>, </a:t>
             </a:r>
             <a:r>
               <a:rPr lang="en-US" dirty="0" err="1">
                 <a:latin typeface="Consolas" panose="020B0609020204030204" pitchFamily="49" charset="0"/>
               </a:rPr>
+              <a:t>val</a:t>
+            </a:r>
+            <a:r>
+              <a:rPr lang="en-US" dirty="0">
+                <a:latin typeface="Consolas" panose="020B0609020204030204" pitchFamily="49" charset="0"/>
+              </a:rPr>
+              <a:t>::Real) = begin </a:t>
+            </a:r>
+            <a:r>
+              <a:rPr lang="en-US" dirty="0" err="1">
+                <a:latin typeface="Consolas" panose="020B0609020204030204" pitchFamily="49" charset="0"/>
+              </a:rPr>
+              <a:t>p.y</a:t>
+            </a:r>
+            <a:r>
+              <a:rPr lang="en-US" dirty="0">
+                <a:latin typeface="Consolas" panose="020B0609020204030204" pitchFamily="49" charset="0"/>
+              </a:rPr>
+              <a:t> = </a:t>
+            </a:r>
+            <a:r>
+              <a:rPr lang="en-US" dirty="0" err="1">
+                <a:latin typeface="Consolas" panose="020B0609020204030204" pitchFamily="49" charset="0"/>
+              </a:rPr>
+              <a:t>val</a:t>
+            </a:r>
+            <a:r>
+              <a:rPr lang="en-US" dirty="0">
+                <a:latin typeface="Consolas" panose="020B0609020204030204" pitchFamily="49" charset="0"/>
+              </a:rPr>
+              <a:t>; end</a:t>
+            </a:r>
+          </a:p>
+          <a:p>
+            <a:endParaRPr lang="en-US" dirty="0">
+              <a:latin typeface="Consolas" panose="020B0609020204030204" pitchFamily="49" charset="0"/>
+            </a:endParaRPr>
+          </a:p>
+          <a:p>
+            <a:r>
+              <a:rPr lang="en-US" dirty="0" err="1">
+                <a:latin typeface="Consolas" panose="020B0609020204030204" pitchFamily="49" charset="0"/>
+              </a:rPr>
               <a:t>get_z</a:t>
             </a:r>
             <a:r>
               <a:rPr lang="en-US" dirty="0">
                 <a:latin typeface="Consolas" panose="020B0609020204030204" pitchFamily="49" charset="0"/>
               </a:rPr>
-              <a:t>(p1)</a:t>
-            </a:r>
-          </a:p>
-          <a:p>
-            <a:r>
-              <a:rPr lang="en-US" dirty="0">
-                <a:latin typeface="Consolas" panose="020B0609020204030204" pitchFamily="49" charset="0"/>
-              </a:rPr>
-              <a:t>    x2 = </a:t>
+              <a:t>(p::AbstractPoint3D) = </a:t>
             </a:r>
             <a:r>
               <a:rPr lang="en-US" dirty="0" err="1">
                 <a:latin typeface="Consolas" panose="020B0609020204030204" pitchFamily="49" charset="0"/>
               </a:rPr>
-              <a:t>get_x</a:t>
-            </a:r>
-            <a:r>
-              <a:rPr lang="en-US" dirty="0">
-                <a:latin typeface="Consolas" panose="020B0609020204030204" pitchFamily="49" charset="0"/>
-              </a:rPr>
-              <a:t>(p2); y2 = </a:t>
-            </a:r>
+              <a:t>p.z</a:t>
+            </a:r>
+            <a:endParaRPr lang="en-US" dirty="0">
+              <a:latin typeface="Consolas" panose="020B0609020204030204" pitchFamily="49" charset="0"/>
+            </a:endParaRPr>
+          </a:p>
+          <a:p>
             <a:r>
               <a:rPr lang="en-US" dirty="0" err="1">
                 <a:latin typeface="Consolas" panose="020B0609020204030204" pitchFamily="49" charset="0"/>
               </a:rPr>
-              <a:t>get_y</a:t>
-            </a:r>
-            <a:r>
-              <a:rPr lang="en-US" dirty="0">
-                <a:latin typeface="Consolas" panose="020B0609020204030204" pitchFamily="49" charset="0"/>
-              </a:rPr>
-              <a:t>(p2); z2 = </a:t>
+              <a:t>set_z</a:t>
+            </a:r>
+            <a:r>
+              <a:rPr lang="en-US" dirty="0">
+                <a:latin typeface="Consolas" panose="020B0609020204030204" pitchFamily="49" charset="0"/>
+              </a:rPr>
+              <a:t>!(p::AbstractPoint3D, </a:t>
             </a:r>
             <a:r>
               <a:rPr lang="en-US" dirty="0" err="1">
                 <a:latin typeface="Consolas" panose="020B0609020204030204" pitchFamily="49" charset="0"/>
               </a:rPr>
-              <a:t>get_z</a:t>
-            </a:r>
-            <a:r>
-              <a:rPr lang="en-US" dirty="0">
-                <a:latin typeface="Consolas" panose="020B0609020204030204" pitchFamily="49" charset="0"/>
-              </a:rPr>
-              <a:t>(p2)</a:t>
-            </a:r>
-          </a:p>
-          <a:p>
-            <a:r>
-              <a:rPr lang="en-US" dirty="0">
-                <a:latin typeface="Consolas" panose="020B0609020204030204" pitchFamily="49" charset="0"/>
-              </a:rPr>
-              <a:t>    return sqrt((x1 – x2)^2 + (y1 – y2)^2 + (z1 – z2)^2)</a:t>
-            </a:r>
-          </a:p>
-          <a:p>
-            <a:r>
-              <a:rPr lang="en-US" dirty="0">
-                <a:latin typeface="Consolas" panose="020B0609020204030204" pitchFamily="49" charset="0"/>
-              </a:rPr>
-              <a:t>end</a:t>
-            </a:r>
-          </a:p>
-        </p:txBody>
-      </p:sp>
-      <p:sp>
-        <p:nvSpPr>
-          <p:cNvPr id="6" name="Slide Number Placeholder 5">
-            <a:extLst>
-              <a:ext uri="{FF2B5EF4-FFF2-40B4-BE49-F238E27FC236}">
-                <a16:creationId xmlns:a16="http://schemas.microsoft.com/office/drawing/2014/main" id="{75798C7A-5D56-4878-AEE3-0A2DA14F1DCD}"/>
+              <a:t>val</a:t>
+            </a:r>
+            <a:r>
+              <a:rPr lang="en-US" dirty="0">
+                <a:latin typeface="Consolas" panose="020B0609020204030204" pitchFamily="49" charset="0"/>
+              </a:rPr>
+              <a:t>::Real) = begin </a:t>
+            </a:r>
+            <a:r>
+              <a:rPr lang="en-US" dirty="0" err="1">
+                <a:latin typeface="Consolas" panose="020B0609020204030204" pitchFamily="49" charset="0"/>
+              </a:rPr>
+              <a:t>p.z</a:t>
+            </a:r>
+            <a:r>
+              <a:rPr lang="en-US" dirty="0">
+                <a:latin typeface="Consolas" panose="020B0609020204030204" pitchFamily="49" charset="0"/>
+              </a:rPr>
+              <a:t> = </a:t>
+            </a:r>
+            <a:r>
+              <a:rPr lang="en-US" dirty="0" err="1">
+                <a:latin typeface="Consolas" panose="020B0609020204030204" pitchFamily="49" charset="0"/>
+              </a:rPr>
+              <a:t>val</a:t>
+            </a:r>
+            <a:r>
+              <a:rPr lang="en-US" dirty="0">
+                <a:latin typeface="Consolas" panose="020B0609020204030204" pitchFamily="49" charset="0"/>
+              </a:rPr>
+              <a:t>; end</a:t>
+            </a:r>
+          </a:p>
+        </p:txBody>
+      </p:sp>
+      <p:sp>
+        <p:nvSpPr>
+          <p:cNvPr id="5" name="Slide Number Placeholder 4">
+            <a:extLst>
+              <a:ext uri="{FF2B5EF4-FFF2-40B4-BE49-F238E27FC236}">
+                <a16:creationId xmlns:a16="http://schemas.microsoft.com/office/drawing/2014/main" id="{D18F523E-7BD0-4609-82CD-1BD2346894A4}"/>
               </a:ext>
             </a:extLst>
           </p:cNvPr>
@@ -11513,7 +11616,7 @@
     </p:spTree>
     <p:extLst>
       <p:ext uri="{BB962C8B-B14F-4D97-AF65-F5344CB8AC3E}">
-        <p14:creationId xmlns:p14="http://schemas.microsoft.com/office/powerpoint/2010/main" val="4220669020"/>
+        <p14:creationId xmlns:p14="http://schemas.microsoft.com/office/powerpoint/2010/main" val="4283076253"/>
       </p:ext>
     </p:extLst>
   </p:cSld>
@@ -11545,7 +11648,7 @@
           <p:cNvPr id="2" name="Title 1">
             <a:extLst>
               <a:ext uri="{FF2B5EF4-FFF2-40B4-BE49-F238E27FC236}">
-                <a16:creationId xmlns:a16="http://schemas.microsoft.com/office/drawing/2014/main" id="{E7A16532-2CE8-4AD7-B819-2EC8F46C855E}"/>
+                <a16:creationId xmlns:a16="http://schemas.microsoft.com/office/drawing/2014/main" id="{77FA4432-AC7E-4C0E-A953-616D26182D8F}"/>
               </a:ext>
             </a:extLst>
           </p:cNvPr>
@@ -11563,7 +11666,7 @@
           <a:p>
             <a:r>
               <a:rPr lang="en-US" dirty="0"/>
-              <a:t>Traits</a:t>
+              <a:t>Methods on types</a:t>
             </a:r>
           </a:p>
         </p:txBody>
@@ -11573,7 +11676,7 @@
           <p:cNvPr id="3" name="Content Placeholder 2">
             <a:extLst>
               <a:ext uri="{FF2B5EF4-FFF2-40B4-BE49-F238E27FC236}">
-                <a16:creationId xmlns:a16="http://schemas.microsoft.com/office/drawing/2014/main" id="{D40867FD-9A37-4959-B309-8B83344CD1BB}"/>
+                <a16:creationId xmlns:a16="http://schemas.microsoft.com/office/drawing/2014/main" id="{9C935DC9-D006-48EA-B28F-DFC60708B8D0}"/>
               </a:ext>
             </a:extLst>
           </p:cNvPr>
@@ -11591,36 +11694,7 @@
           <a:p>
             <a:r>
               <a:rPr lang="en-US" dirty="0"/>
-              <a:t>Traits are "properties" of types, e.g., color</a:t>
-            </a:r>
-          </a:p>
-          <a:p>
-            <a:endParaRPr lang="en-US" dirty="0"/>
-          </a:p>
-          <a:p>
-            <a:endParaRPr lang="en-US" dirty="0"/>
-          </a:p>
-          <a:p>
-            <a:r>
-              <a:rPr lang="en-US" dirty="0"/>
-              <a:t>Default behavior: types are </a:t>
-            </a:r>
-            <a:r>
-              <a:rPr lang="en-US" i="1" dirty="0"/>
-              <a:t>not</a:t>
-            </a:r>
-            <a:r>
-              <a:rPr lang="en-US" dirty="0"/>
-              <a:t> colored</a:t>
-            </a:r>
-          </a:p>
-          <a:p>
-            <a:endParaRPr lang="en-US" dirty="0"/>
-          </a:p>
-          <a:p>
-            <a:r>
-              <a:rPr lang="en-US" dirty="0"/>
-              <a:t>Action on trait</a:t>
+              <a:t>Multiple dispatch</a:t>
             </a:r>
           </a:p>
         </p:txBody>
@@ -11630,7 +11704,7 @@
           <p:cNvPr id="4" name="TextBox 3">
             <a:extLst>
               <a:ext uri="{FF2B5EF4-FFF2-40B4-BE49-F238E27FC236}">
-                <a16:creationId xmlns:a16="http://schemas.microsoft.com/office/drawing/2014/main" id="{A6638AD6-5743-4A9B-9763-3C80358644C9}"/>
+                <a16:creationId xmlns:a16="http://schemas.microsoft.com/office/drawing/2014/main" id="{E6AE8D53-8050-492F-8C1B-4E297382426A}"/>
               </a:ext>
             </a:extLst>
           </p:cNvPr>
@@ -11639,8 +11713,8 @@
         </p:nvSpPr>
         <p:spPr>
           <a:xfrm>
-            <a:off x="1458090" y="2288311"/>
-            <a:ext cx="5198083" cy="923330"/>
+            <a:off x="1458090" y="2403643"/>
+            <a:ext cx="7825953" cy="1477328"/>
           </a:xfrm>
           <a:prstGeom prst="rect">
             <a:avLst/>
@@ -11661,83 +11735,87 @@
               <a:rPr lang="en-US" dirty="0">
                 <a:latin typeface="Consolas" panose="020B0609020204030204" pitchFamily="49" charset="0"/>
               </a:rPr>
-              <a:t>abstract type </a:t>
+              <a:t>function distance(p1::Abstract2DPoint, p2::Abstract2DPoint)</a:t>
+            </a:r>
+          </a:p>
+          <a:p>
+            <a:r>
+              <a:rPr lang="en-US" dirty="0">
+                <a:latin typeface="Consolas" panose="020B0609020204030204" pitchFamily="49" charset="0"/>
+              </a:rPr>
+              <a:t>    x1 = </a:t>
             </a:r>
             <a:r>
               <a:rPr lang="en-US" dirty="0" err="1">
                 <a:latin typeface="Consolas" panose="020B0609020204030204" pitchFamily="49" charset="0"/>
               </a:rPr>
-              <a:t>ColoredStyle</a:t>
-            </a:r>
-            <a:r>
-              <a:rPr lang="en-US" dirty="0">
-                <a:latin typeface="Consolas" panose="020B0609020204030204" pitchFamily="49" charset="0"/>
-              </a:rPr>
-              <a:t> end</a:t>
-            </a:r>
-          </a:p>
-          <a:p>
-            <a:r>
-              <a:rPr lang="en-US" dirty="0">
-                <a:latin typeface="Consolas" panose="020B0609020204030204" pitchFamily="49" charset="0"/>
-              </a:rPr>
-              <a:t>struct </a:t>
+              <a:t>get_x</a:t>
+            </a:r>
+            <a:r>
+              <a:rPr lang="en-US" dirty="0">
+                <a:latin typeface="Consolas" panose="020B0609020204030204" pitchFamily="49" charset="0"/>
+              </a:rPr>
+              <a:t>(p1); y1 = </a:t>
             </a:r>
             <a:r>
               <a:rPr lang="en-US" dirty="0" err="1">
                 <a:latin typeface="Consolas" panose="020B0609020204030204" pitchFamily="49" charset="0"/>
               </a:rPr>
-              <a:t>IsColored</a:t>
-            </a:r>
-            <a:r>
-              <a:rPr lang="en-US" dirty="0">
-                <a:latin typeface="Consolas" panose="020B0609020204030204" pitchFamily="49" charset="0"/>
-              </a:rPr>
-              <a:t> &lt;: </a:t>
+              <a:t>get_y</a:t>
+            </a:r>
+            <a:r>
+              <a:rPr lang="en-US" dirty="0">
+                <a:latin typeface="Consolas" panose="020B0609020204030204" pitchFamily="49" charset="0"/>
+              </a:rPr>
+              <a:t>(p1)</a:t>
+            </a:r>
+          </a:p>
+          <a:p>
+            <a:r>
+              <a:rPr lang="en-US" dirty="0">
+                <a:latin typeface="Consolas" panose="020B0609020204030204" pitchFamily="49" charset="0"/>
+              </a:rPr>
+              <a:t>    x2 = </a:t>
             </a:r>
             <a:r>
               <a:rPr lang="en-US" dirty="0" err="1">
                 <a:latin typeface="Consolas" panose="020B0609020204030204" pitchFamily="49" charset="0"/>
               </a:rPr>
-              <a:t>ColoredStyle</a:t>
-            </a:r>
-            <a:r>
-              <a:rPr lang="en-US" dirty="0">
-                <a:latin typeface="Consolas" panose="020B0609020204030204" pitchFamily="49" charset="0"/>
-              </a:rPr>
-              <a:t> end</a:t>
-            </a:r>
-          </a:p>
-          <a:p>
-            <a:r>
-              <a:rPr lang="en-US" dirty="0">
-                <a:latin typeface="Consolas" panose="020B0609020204030204" pitchFamily="49" charset="0"/>
-              </a:rPr>
-              <a:t>struct </a:t>
+              <a:t>get_x</a:t>
+            </a:r>
+            <a:r>
+              <a:rPr lang="en-US" dirty="0">
+                <a:latin typeface="Consolas" panose="020B0609020204030204" pitchFamily="49" charset="0"/>
+              </a:rPr>
+              <a:t>(p2); y2 = </a:t>
             </a:r>
             <a:r>
               <a:rPr lang="en-US" dirty="0" err="1">
                 <a:latin typeface="Consolas" panose="020B0609020204030204" pitchFamily="49" charset="0"/>
               </a:rPr>
-              <a:t>IsNotColored</a:t>
-            </a:r>
-            <a:r>
-              <a:rPr lang="en-US" dirty="0">
-                <a:latin typeface="Consolas" panose="020B0609020204030204" pitchFamily="49" charset="0"/>
-              </a:rPr>
-              <a:t> &lt;: </a:t>
-            </a:r>
-            <a:r>
-              <a:rPr lang="en-US" dirty="0" err="1">
-                <a:latin typeface="Consolas" panose="020B0609020204030204" pitchFamily="49" charset="0"/>
-              </a:rPr>
-              <a:t>ColoredStyle</a:t>
-            </a:r>
-            <a:r>
-              <a:rPr lang="en-US" dirty="0">
-                <a:latin typeface="Consolas" panose="020B0609020204030204" pitchFamily="49" charset="0"/>
-              </a:rPr>
-              <a:t> end</a:t>
+              <a:t>get_y</a:t>
+            </a:r>
+            <a:r>
+              <a:rPr lang="en-US" dirty="0">
+                <a:latin typeface="Consolas" panose="020B0609020204030204" pitchFamily="49" charset="0"/>
+              </a:rPr>
+              <a:t>(p2)</a:t>
+            </a:r>
+          </a:p>
+          <a:p>
+            <a:r>
+              <a:rPr lang="en-US" dirty="0">
+                <a:latin typeface="Consolas" panose="020B0609020204030204" pitchFamily="49" charset="0"/>
+              </a:rPr>
+              <a:t>    return sqrt((x1 – x2)^2 + (y1 – y2)^2)</a:t>
+            </a:r>
+          </a:p>
+          <a:p>
+            <a:r>
+              <a:rPr lang="en-US" dirty="0">
+                <a:latin typeface="Consolas" panose="020B0609020204030204" pitchFamily="49" charset="0"/>
+              </a:rPr>
+              <a:t>end</a:t>
             </a:r>
           </a:p>
         </p:txBody>
@@ -11747,7 +11825,7 @@
           <p:cNvPr id="5" name="TextBox 4">
             <a:extLst>
               <a:ext uri="{FF2B5EF4-FFF2-40B4-BE49-F238E27FC236}">
-                <a16:creationId xmlns:a16="http://schemas.microsoft.com/office/drawing/2014/main" id="{D357F073-E5DA-4DA5-9658-8CC43161CD54}"/>
+                <a16:creationId xmlns:a16="http://schemas.microsoft.com/office/drawing/2014/main" id="{93AE319E-8773-4104-A9B1-174D925CB64C}"/>
               </a:ext>
             </a:extLst>
           </p:cNvPr>
@@ -11756,8 +11834,8 @@
         </p:nvSpPr>
         <p:spPr>
           <a:xfrm>
-            <a:off x="1458090" y="3849384"/>
-            <a:ext cx="5198084" cy="369332"/>
+            <a:off x="1458089" y="4296930"/>
+            <a:ext cx="7825953" cy="1477328"/>
           </a:xfrm>
           <a:prstGeom prst="rect">
             <a:avLst/>
@@ -11775,38 +11853,124 @@
           <a:lstStyle/>
           <a:p>
             <a:r>
+              <a:rPr lang="en-US" dirty="0">
+                <a:latin typeface="Consolas" panose="020B0609020204030204" pitchFamily="49" charset="0"/>
+              </a:rPr>
+              <a:t>function distance(p1::Abstract3DPoint, p2::Abstract3DPoint)</a:t>
+            </a:r>
+          </a:p>
+          <a:p>
+            <a:r>
+              <a:rPr lang="en-US" dirty="0">
+                <a:latin typeface="Consolas" panose="020B0609020204030204" pitchFamily="49" charset="0"/>
+              </a:rPr>
+              <a:t>    x1 = </a:t>
+            </a:r>
+            <a:r>
               <a:rPr lang="en-US" dirty="0" err="1">
                 <a:latin typeface="Consolas" panose="020B0609020204030204" pitchFamily="49" charset="0"/>
               </a:rPr>
-              <a:t>ColoredStyle</a:t>
-            </a:r>
-            <a:r>
-              <a:rPr lang="en-US" dirty="0">
-                <a:latin typeface="Consolas" panose="020B0609020204030204" pitchFamily="49" charset="0"/>
-              </a:rPr>
-              <a:t>(::Type) = </a:t>
+              <a:t>get_x</a:t>
+            </a:r>
+            <a:r>
+              <a:rPr lang="en-US" dirty="0">
+                <a:latin typeface="Consolas" panose="020B0609020204030204" pitchFamily="49" charset="0"/>
+              </a:rPr>
+              <a:t>(p1); y1 = </a:t>
             </a:r>
             <a:r>
               <a:rPr lang="en-US" dirty="0" err="1">
                 <a:latin typeface="Consolas" panose="020B0609020204030204" pitchFamily="49" charset="0"/>
               </a:rPr>
-              <a:t>IsNotColored</a:t>
-            </a:r>
-            <a:r>
-              <a:rPr lang="en-US" dirty="0">
-                <a:latin typeface="Consolas" panose="020B0609020204030204" pitchFamily="49" charset="0"/>
-              </a:rPr>
-              <a:t>()</a:t>
-            </a:r>
-          </a:p>
-        </p:txBody>
-      </p:sp>
-      <p:sp>
-        <p:nvSpPr>
-          <p:cNvPr id="7" name="Slide Number Placeholder 6">
-            <a:extLst>
-              <a:ext uri="{FF2B5EF4-FFF2-40B4-BE49-F238E27FC236}">
-                <a16:creationId xmlns:a16="http://schemas.microsoft.com/office/drawing/2014/main" id="{F7BC28D9-A7C5-4E74-A9C2-B18D3D31E6FC}"/>
+              <a:t>get_y</a:t>
+            </a:r>
+            <a:r>
+              <a:rPr lang="en-US" dirty="0">
+                <a:latin typeface="Consolas" panose="020B0609020204030204" pitchFamily="49" charset="0"/>
+              </a:rPr>
+              <a:t>(p1); z1 = </a:t>
+            </a:r>
+            <a:r>
+              <a:rPr lang="en-US" dirty="0" err="1">
+                <a:latin typeface="Consolas" panose="020B0609020204030204" pitchFamily="49" charset="0"/>
+              </a:rPr>
+              <a:t>get_z</a:t>
+            </a:r>
+            <a:r>
+              <a:rPr lang="en-US" dirty="0">
+                <a:latin typeface="Consolas" panose="020B0609020204030204" pitchFamily="49" charset="0"/>
+              </a:rPr>
+              <a:t>(p1)</a:t>
+            </a:r>
+          </a:p>
+          <a:p>
+            <a:r>
+              <a:rPr lang="en-US" dirty="0">
+                <a:latin typeface="Consolas" panose="020B0609020204030204" pitchFamily="49" charset="0"/>
+              </a:rPr>
+              <a:t>    x2 = </a:t>
+            </a:r>
+            <a:r>
+              <a:rPr lang="en-US" dirty="0" err="1">
+                <a:latin typeface="Consolas" panose="020B0609020204030204" pitchFamily="49" charset="0"/>
+              </a:rPr>
+              <a:t>get_x</a:t>
+            </a:r>
+            <a:r>
+              <a:rPr lang="en-US" dirty="0">
+                <a:latin typeface="Consolas" panose="020B0609020204030204" pitchFamily="49" charset="0"/>
+              </a:rPr>
+              <a:t>(p2); y2 = </a:t>
+            </a:r>
+            <a:r>
+              <a:rPr lang="en-US" dirty="0" err="1">
+                <a:latin typeface="Consolas" panose="020B0609020204030204" pitchFamily="49" charset="0"/>
+              </a:rPr>
+              <a:t>get_y</a:t>
+            </a:r>
+            <a:r>
+              <a:rPr lang="en-US" dirty="0">
+                <a:latin typeface="Consolas" panose="020B0609020204030204" pitchFamily="49" charset="0"/>
+              </a:rPr>
+              <a:t>(p2); z2 = </a:t>
+            </a:r>
+            <a:r>
+              <a:rPr lang="en-US" dirty="0" err="1">
+                <a:latin typeface="Consolas" panose="020B0609020204030204" pitchFamily="49" charset="0"/>
+              </a:rPr>
+              <a:t>get_z</a:t>
+            </a:r>
+            <a:r>
+              <a:rPr lang="en-US" dirty="0">
+                <a:latin typeface="Consolas" panose="020B0609020204030204" pitchFamily="49" charset="0"/>
+              </a:rPr>
+              <a:t>(p2)</a:t>
+            </a:r>
+          </a:p>
+          <a:p>
+            <a:r>
+              <a:rPr lang="en-US" dirty="0">
+                <a:latin typeface="Consolas" panose="020B0609020204030204" pitchFamily="49" charset="0"/>
+              </a:rPr>
+              <a:t>    return sqrt((x1 – x2)^2 + (y1 – y2)^2 + (z1 – z2)^2)</a:t>
+            </a:r>
+          </a:p>
+          <a:p>
+            <a:r>
+              <a:rPr lang="en-US" dirty="0">
+                <a:latin typeface="Consolas" panose="020B0609020204030204" pitchFamily="49" charset="0"/>
+              </a:rPr>
+              <a:t>end</a:t>
+            </a:r>
+          </a:p>
+        </p:txBody>
+      </p:sp>
+      <p:sp>
+        <p:nvSpPr>
+          <p:cNvPr id="6" name="Slide Number Placeholder 5">
+            <a:extLst>
+              <a:ext uri="{FF2B5EF4-FFF2-40B4-BE49-F238E27FC236}">
+                <a16:creationId xmlns:a16="http://schemas.microsoft.com/office/drawing/2014/main" id="{75798C7A-5D56-4878-AEE3-0A2DA14F1DCD}"/>
               </a:ext>
             </a:extLst>
           </p:cNvPr>
@@ -11830,154 +11994,10 @@
           </a:p>
         </p:txBody>
       </p:sp>
-      <p:sp>
-        <p:nvSpPr>
-          <p:cNvPr id="8" name="TextBox 7">
-            <a:extLst>
-              <a:ext uri="{FF2B5EF4-FFF2-40B4-BE49-F238E27FC236}">
-                <a16:creationId xmlns:a16="http://schemas.microsoft.com/office/drawing/2014/main" id="{D2C46F96-6473-4C64-9024-4CE33AF0988A}"/>
-              </a:ext>
-            </a:extLst>
-          </p:cNvPr>
-          <p:cNvSpPr txBox="1"/>
-          <p:nvPr/>
-        </p:nvSpPr>
-        <p:spPr>
-          <a:xfrm>
-            <a:off x="1458089" y="4881662"/>
-            <a:ext cx="9432333" cy="923330"/>
-          </a:xfrm>
-          <a:prstGeom prst="rect">
-            <a:avLst/>
-          </a:prstGeom>
-          <a:solidFill>
-            <a:schemeClr val="bg1">
-              <a:lumMod val="85000"/>
-            </a:schemeClr>
-          </a:solidFill>
-        </p:spPr>
-        <p:txBody>
-          <a:bodyPr wrap="square" rtlCol="0">
-            <a:spAutoFit/>
-          </a:bodyPr>
-          <a:lstStyle/>
-          <a:p>
-            <a:r>
-              <a:rPr lang="en-US" dirty="0" err="1">
-                <a:latin typeface="Consolas" panose="020B0609020204030204" pitchFamily="49" charset="0"/>
-              </a:rPr>
-              <a:t>get_color</a:t>
-            </a:r>
-            <a:r>
-              <a:rPr lang="en-US" dirty="0">
-                <a:latin typeface="Consolas" panose="020B0609020204030204" pitchFamily="49" charset="0"/>
-              </a:rPr>
-              <a:t>(obj::T) where {T} = </a:t>
-            </a:r>
-            <a:r>
-              <a:rPr lang="en-US" dirty="0" err="1">
-                <a:latin typeface="Consolas" panose="020B0609020204030204" pitchFamily="49" charset="0"/>
-              </a:rPr>
-              <a:t>get_color</a:t>
-            </a:r>
-            <a:r>
-              <a:rPr lang="en-US" dirty="0">
-                <a:latin typeface="Consolas" panose="020B0609020204030204" pitchFamily="49" charset="0"/>
-              </a:rPr>
-              <a:t>(</a:t>
-            </a:r>
-            <a:r>
-              <a:rPr lang="en-US" dirty="0" err="1">
-                <a:latin typeface="Consolas" panose="020B0609020204030204" pitchFamily="49" charset="0"/>
-              </a:rPr>
-              <a:t>ColoredStyle</a:t>
-            </a:r>
-            <a:r>
-              <a:rPr lang="en-US" dirty="0">
-                <a:latin typeface="Consolas" panose="020B0609020204030204" pitchFamily="49" charset="0"/>
-              </a:rPr>
-              <a:t>(T), obj)</a:t>
-            </a:r>
-          </a:p>
-          <a:p>
-            <a:r>
-              <a:rPr lang="en-US" dirty="0" err="1">
-                <a:latin typeface="Consolas" panose="020B0609020204030204" pitchFamily="49" charset="0"/>
-              </a:rPr>
-              <a:t>get_color</a:t>
-            </a:r>
-            <a:r>
-              <a:rPr lang="en-US" dirty="0">
-                <a:latin typeface="Consolas" panose="020B0609020204030204" pitchFamily="49" charset="0"/>
-              </a:rPr>
-              <a:t>(::</a:t>
-            </a:r>
-            <a:r>
-              <a:rPr lang="en-US" dirty="0" err="1">
-                <a:latin typeface="Consolas" panose="020B0609020204030204" pitchFamily="49" charset="0"/>
-              </a:rPr>
-              <a:t>IsNotColored</a:t>
-            </a:r>
-            <a:r>
-              <a:rPr lang="en-US" dirty="0">
-                <a:latin typeface="Consolas" panose="020B0609020204030204" pitchFamily="49" charset="0"/>
-              </a:rPr>
-              <a:t>, obj) = error("$(</a:t>
-            </a:r>
-            <a:r>
-              <a:rPr lang="en-US" dirty="0" err="1">
-                <a:latin typeface="Consolas" panose="020B0609020204030204" pitchFamily="49" charset="0"/>
-              </a:rPr>
-              <a:t>typeof</a:t>
-            </a:r>
-            <a:r>
-              <a:rPr lang="en-US" dirty="0">
-                <a:latin typeface="Consolas" panose="020B0609020204030204" pitchFamily="49" charset="0"/>
-              </a:rPr>
-              <a:t>(obj)) is not colored")</a:t>
-            </a:r>
-          </a:p>
-          <a:p>
-            <a:r>
-              <a:rPr lang="en-US" dirty="0" err="1">
-                <a:latin typeface="Consolas" panose="020B0609020204030204" pitchFamily="49" charset="0"/>
-              </a:rPr>
-              <a:t>get_color</a:t>
-            </a:r>
-            <a:r>
-              <a:rPr lang="en-US" dirty="0">
-                <a:latin typeface="Consolas" panose="020B0609020204030204" pitchFamily="49" charset="0"/>
-              </a:rPr>
-              <a:t>(::</a:t>
-            </a:r>
-            <a:r>
-              <a:rPr lang="en-US" dirty="0" err="1">
-                <a:latin typeface="Consolas" panose="020B0609020204030204" pitchFamily="49" charset="0"/>
-              </a:rPr>
-              <a:t>IsColored</a:t>
-            </a:r>
-            <a:r>
-              <a:rPr lang="en-US" dirty="0">
-                <a:latin typeface="Consolas" panose="020B0609020204030204" pitchFamily="49" charset="0"/>
-              </a:rPr>
-              <a:t>, obj) = </a:t>
-            </a:r>
-            <a:r>
-              <a:rPr lang="en-US" dirty="0" err="1">
-                <a:latin typeface="Consolas" panose="020B0609020204030204" pitchFamily="49" charset="0"/>
-              </a:rPr>
-              <a:t>obj.color</a:t>
-            </a:r>
-            <a:endParaRPr lang="en-US" dirty="0">
-              <a:latin typeface="Consolas" panose="020B0609020204030204" pitchFamily="49" charset="0"/>
-            </a:endParaRPr>
-          </a:p>
-        </p:txBody>
-      </p:sp>
     </p:spTree>
     <p:extLst>
       <p:ext uri="{BB962C8B-B14F-4D97-AF65-F5344CB8AC3E}">
-        <p14:creationId xmlns:p14="http://schemas.microsoft.com/office/powerpoint/2010/main" val="1298737522"/>
+        <p14:creationId xmlns:p14="http://schemas.microsoft.com/office/powerpoint/2010/main" val="4220669020"/>
       </p:ext>
     </p:extLst>
   </p:cSld>
@@ -12009,7 +12029,7 @@
           <p:cNvPr id="2" name="Title 1">
             <a:extLst>
               <a:ext uri="{FF2B5EF4-FFF2-40B4-BE49-F238E27FC236}">
-                <a16:creationId xmlns:a16="http://schemas.microsoft.com/office/drawing/2014/main" id="{C24B8F5C-1F74-45D8-AD90-2A6B9A5C60A9}"/>
+                <a16:creationId xmlns:a16="http://schemas.microsoft.com/office/drawing/2014/main" id="{E7A16532-2CE8-4AD7-B819-2EC8F46C855E}"/>
               </a:ext>
             </a:extLst>
           </p:cNvPr>
@@ -12027,7 +12047,7 @@
           <a:p>
             <a:r>
               <a:rPr lang="en-US" dirty="0"/>
-              <a:t>Applying traits</a:t>
+              <a:t>Traits</a:t>
             </a:r>
           </a:p>
         </p:txBody>
@@ -12037,7 +12057,7 @@
           <p:cNvPr id="3" name="Content Placeholder 2">
             <a:extLst>
               <a:ext uri="{FF2B5EF4-FFF2-40B4-BE49-F238E27FC236}">
-                <a16:creationId xmlns:a16="http://schemas.microsoft.com/office/drawing/2014/main" id="{9CD54D94-4EC8-46DE-8932-F1182147976C}"/>
+                <a16:creationId xmlns:a16="http://schemas.microsoft.com/office/drawing/2014/main" id="{D40867FD-9A37-4959-B309-8B83344CD1BB}"/>
               </a:ext>
             </a:extLst>
           </p:cNvPr>
@@ -12055,7 +12075,7 @@
           <a:p>
             <a:r>
               <a:rPr lang="en-US" dirty="0"/>
-              <a:t>Pixel again</a:t>
+              <a:t>Traits are "properties" of types, e.g., color</a:t>
             </a:r>
           </a:p>
           <a:p>
@@ -12065,25 +12085,212 @@
             <a:endParaRPr lang="en-US" dirty="0"/>
           </a:p>
           <a:p>
+            <a:r>
+              <a:rPr lang="en-US" dirty="0"/>
+              <a:t>Default behavior: types are </a:t>
+            </a:r>
+            <a:r>
+              <a:rPr lang="en-US" i="1" dirty="0"/>
+              <a:t>not</a:t>
+            </a:r>
+            <a:r>
+              <a:rPr lang="en-US" dirty="0"/>
+              <a:t> colored</a:t>
+            </a:r>
+          </a:p>
+          <a:p>
             <a:endParaRPr lang="en-US" dirty="0"/>
           </a:p>
           <a:p>
-            <a:endParaRPr lang="en-US" dirty="0"/>
-          </a:p>
-          <a:p>
-            <a:r>
-              <a:rPr lang="en-US" dirty="0"/>
-              <a:t>Paint</a:t>
-            </a:r>
-          </a:p>
-        </p:txBody>
-      </p:sp>
-      <p:sp>
-        <p:nvSpPr>
-          <p:cNvPr id="4" name="Slide Number Placeholder 3">
-            <a:extLst>
-              <a:ext uri="{FF2B5EF4-FFF2-40B4-BE49-F238E27FC236}">
-                <a16:creationId xmlns:a16="http://schemas.microsoft.com/office/drawing/2014/main" id="{6A106F6D-7720-4566-8BBD-70C54F3ED003}"/>
+            <a:r>
+              <a:rPr lang="en-US" dirty="0"/>
+              <a:t>Action on trait</a:t>
+            </a:r>
+          </a:p>
+        </p:txBody>
+      </p:sp>
+      <p:sp>
+        <p:nvSpPr>
+          <p:cNvPr id="4" name="TextBox 3">
+            <a:extLst>
+              <a:ext uri="{FF2B5EF4-FFF2-40B4-BE49-F238E27FC236}">
+                <a16:creationId xmlns:a16="http://schemas.microsoft.com/office/drawing/2014/main" id="{A6638AD6-5743-4A9B-9763-3C80358644C9}"/>
+              </a:ext>
+            </a:extLst>
+          </p:cNvPr>
+          <p:cNvSpPr txBox="1"/>
+          <p:nvPr/>
+        </p:nvSpPr>
+        <p:spPr>
+          <a:xfrm>
+            <a:off x="1458090" y="2288311"/>
+            <a:ext cx="5198083" cy="923330"/>
+          </a:xfrm>
+          <a:prstGeom prst="rect">
+            <a:avLst/>
+          </a:prstGeom>
+          <a:solidFill>
+            <a:schemeClr val="bg1">
+              <a:lumMod val="85000"/>
+            </a:schemeClr>
+          </a:solidFill>
+        </p:spPr>
+        <p:txBody>
+          <a:bodyPr wrap="square" rtlCol="0">
+            <a:spAutoFit/>
+          </a:bodyPr>
+          <a:lstStyle/>
+          <a:p>
+            <a:r>
+              <a:rPr lang="en-US" dirty="0">
+                <a:latin typeface="Consolas" panose="020B0609020204030204" pitchFamily="49" charset="0"/>
+              </a:rPr>
+              <a:t>abstract type </a:t>
+            </a:r>
+            <a:r>
+              <a:rPr lang="en-US" dirty="0" err="1">
+                <a:latin typeface="Consolas" panose="020B0609020204030204" pitchFamily="49" charset="0"/>
+              </a:rPr>
+              <a:t>ColoredStyle</a:t>
+            </a:r>
+            <a:r>
+              <a:rPr lang="en-US" dirty="0">
+                <a:latin typeface="Consolas" panose="020B0609020204030204" pitchFamily="49" charset="0"/>
+              </a:rPr>
+              <a:t> end</a:t>
+            </a:r>
+          </a:p>
+          <a:p>
+            <a:r>
+              <a:rPr lang="en-US" dirty="0">
+                <a:latin typeface="Consolas" panose="020B0609020204030204" pitchFamily="49" charset="0"/>
+              </a:rPr>
+              <a:t>struct </a:t>
+            </a:r>
+            <a:r>
+              <a:rPr lang="en-US" dirty="0" err="1">
+                <a:latin typeface="Consolas" panose="020B0609020204030204" pitchFamily="49" charset="0"/>
+              </a:rPr>
+              <a:t>IsColored</a:t>
+            </a:r>
+            <a:r>
+              <a:rPr lang="en-US" dirty="0">
+                <a:latin typeface="Consolas" panose="020B0609020204030204" pitchFamily="49" charset="0"/>
+              </a:rPr>
+              <a:t> &lt;: </a:t>
+            </a:r>
+            <a:r>
+              <a:rPr lang="en-US" dirty="0" err="1">
+                <a:latin typeface="Consolas" panose="020B0609020204030204" pitchFamily="49" charset="0"/>
+              </a:rPr>
+              <a:t>ColoredStyle</a:t>
+            </a:r>
+            <a:r>
+              <a:rPr lang="en-US" dirty="0">
+                <a:latin typeface="Consolas" panose="020B0609020204030204" pitchFamily="49" charset="0"/>
+              </a:rPr>
+              <a:t> end</a:t>
+            </a:r>
+          </a:p>
+          <a:p>
+            <a:r>
+              <a:rPr lang="en-US" dirty="0">
+                <a:latin typeface="Consolas" panose="020B0609020204030204" pitchFamily="49" charset="0"/>
+              </a:rPr>
+              <a:t>struct </a:t>
+            </a:r>
+            <a:r>
+              <a:rPr lang="en-US" dirty="0" err="1">
+                <a:latin typeface="Consolas" panose="020B0609020204030204" pitchFamily="49" charset="0"/>
+              </a:rPr>
+              <a:t>IsNotColored</a:t>
+            </a:r>
+            <a:r>
+              <a:rPr lang="en-US" dirty="0">
+                <a:latin typeface="Consolas" panose="020B0609020204030204" pitchFamily="49" charset="0"/>
+              </a:rPr>
+              <a:t> &lt;: </a:t>
+            </a:r>
+            <a:r>
+              <a:rPr lang="en-US" dirty="0" err="1">
+                <a:latin typeface="Consolas" panose="020B0609020204030204" pitchFamily="49" charset="0"/>
+              </a:rPr>
+              <a:t>ColoredStyle</a:t>
+            </a:r>
+            <a:r>
+              <a:rPr lang="en-US" dirty="0">
+                <a:latin typeface="Consolas" panose="020B0609020204030204" pitchFamily="49" charset="0"/>
+              </a:rPr>
+              <a:t> end</a:t>
+            </a:r>
+          </a:p>
+        </p:txBody>
+      </p:sp>
+      <p:sp>
+        <p:nvSpPr>
+          <p:cNvPr id="5" name="TextBox 4">
+            <a:extLst>
+              <a:ext uri="{FF2B5EF4-FFF2-40B4-BE49-F238E27FC236}">
+                <a16:creationId xmlns:a16="http://schemas.microsoft.com/office/drawing/2014/main" id="{D357F073-E5DA-4DA5-9658-8CC43161CD54}"/>
+              </a:ext>
+            </a:extLst>
+          </p:cNvPr>
+          <p:cNvSpPr txBox="1"/>
+          <p:nvPr/>
+        </p:nvSpPr>
+        <p:spPr>
+          <a:xfrm>
+            <a:off x="1458090" y="3849384"/>
+            <a:ext cx="5198084" cy="369332"/>
+          </a:xfrm>
+          <a:prstGeom prst="rect">
+            <a:avLst/>
+          </a:prstGeom>
+          <a:solidFill>
+            <a:schemeClr val="bg1">
+              <a:lumMod val="85000"/>
+            </a:schemeClr>
+          </a:solidFill>
+        </p:spPr>
+        <p:txBody>
+          <a:bodyPr wrap="square" rtlCol="0">
+            <a:spAutoFit/>
+          </a:bodyPr>
+          <a:lstStyle/>
+          <a:p>
+            <a:r>
+              <a:rPr lang="en-US" dirty="0" err="1">
+                <a:latin typeface="Consolas" panose="020B0609020204030204" pitchFamily="49" charset="0"/>
+              </a:rPr>
+              <a:t>ColoredStyle</a:t>
+            </a:r>
+            <a:r>
+              <a:rPr lang="en-US" dirty="0">
+                <a:latin typeface="Consolas" panose="020B0609020204030204" pitchFamily="49" charset="0"/>
+              </a:rPr>
+              <a:t>(::Type) = </a:t>
+            </a:r>
+            <a:r>
+              <a:rPr lang="en-US" dirty="0" err="1">
+                <a:latin typeface="Consolas" panose="020B0609020204030204" pitchFamily="49" charset="0"/>
+              </a:rPr>
+              <a:t>IsNotColored</a:t>
+            </a:r>
+            <a:r>
+              <a:rPr lang="en-US" dirty="0">
+                <a:latin typeface="Consolas" panose="020B0609020204030204" pitchFamily="49" charset="0"/>
+              </a:rPr>
+              <a:t>()</a:t>
+            </a:r>
+          </a:p>
+        </p:txBody>
+      </p:sp>
+      <p:sp>
+        <p:nvSpPr>
+          <p:cNvPr id="7" name="Slide Number Placeholder 6">
+            <a:extLst>
+              <a:ext uri="{FF2B5EF4-FFF2-40B4-BE49-F238E27FC236}">
+                <a16:creationId xmlns:a16="http://schemas.microsoft.com/office/drawing/2014/main" id="{F7BC28D9-A7C5-4E74-A9C2-B18D3D31E6FC}"/>
               </a:ext>
             </a:extLst>
           </p:cNvPr>
@@ -12102,6 +12309,283 @@
             <a:fld id="{78F7A1EC-23D1-431D-8C93-9C4ED5D4A04D}" type="slidenum">
               <a:rPr lang="en-US" smtClean="0"/>
               <a:t>27</a:t>
+            </a:fld>
+            <a:endParaRPr lang="en-US"/>
+          </a:p>
+        </p:txBody>
+      </p:sp>
+      <p:sp>
+        <p:nvSpPr>
+          <p:cNvPr id="8" name="TextBox 7">
+            <a:extLst>
+              <a:ext uri="{FF2B5EF4-FFF2-40B4-BE49-F238E27FC236}">
+                <a16:creationId xmlns:a16="http://schemas.microsoft.com/office/drawing/2014/main" id="{D2C46F96-6473-4C64-9024-4CE33AF0988A}"/>
+              </a:ext>
+            </a:extLst>
+          </p:cNvPr>
+          <p:cNvSpPr txBox="1"/>
+          <p:nvPr/>
+        </p:nvSpPr>
+        <p:spPr>
+          <a:xfrm>
+            <a:off x="1458089" y="4881662"/>
+            <a:ext cx="9432333" cy="923330"/>
+          </a:xfrm>
+          <a:prstGeom prst="rect">
+            <a:avLst/>
+          </a:prstGeom>
+          <a:solidFill>
+            <a:schemeClr val="bg1">
+              <a:lumMod val="85000"/>
+            </a:schemeClr>
+          </a:solidFill>
+        </p:spPr>
+        <p:txBody>
+          <a:bodyPr wrap="square" rtlCol="0">
+            <a:spAutoFit/>
+          </a:bodyPr>
+          <a:lstStyle/>
+          <a:p>
+            <a:r>
+              <a:rPr lang="en-US" dirty="0" err="1">
+                <a:latin typeface="Consolas" panose="020B0609020204030204" pitchFamily="49" charset="0"/>
+              </a:rPr>
+              <a:t>get_color</a:t>
+            </a:r>
+            <a:r>
+              <a:rPr lang="en-US" dirty="0">
+                <a:latin typeface="Consolas" panose="020B0609020204030204" pitchFamily="49" charset="0"/>
+              </a:rPr>
+              <a:t>(obj::T) where {T} = </a:t>
+            </a:r>
+            <a:r>
+              <a:rPr lang="en-US" dirty="0" err="1">
+                <a:latin typeface="Consolas" panose="020B0609020204030204" pitchFamily="49" charset="0"/>
+              </a:rPr>
+              <a:t>get_color</a:t>
+            </a:r>
+            <a:r>
+              <a:rPr lang="en-US" dirty="0">
+                <a:latin typeface="Consolas" panose="020B0609020204030204" pitchFamily="49" charset="0"/>
+              </a:rPr>
+              <a:t>(</a:t>
+            </a:r>
+            <a:r>
+              <a:rPr lang="en-US" dirty="0" err="1">
+                <a:latin typeface="Consolas" panose="020B0609020204030204" pitchFamily="49" charset="0"/>
+              </a:rPr>
+              <a:t>ColoredStyle</a:t>
+            </a:r>
+            <a:r>
+              <a:rPr lang="en-US" dirty="0">
+                <a:latin typeface="Consolas" panose="020B0609020204030204" pitchFamily="49" charset="0"/>
+              </a:rPr>
+              <a:t>(T), obj)</a:t>
+            </a:r>
+          </a:p>
+          <a:p>
+            <a:r>
+              <a:rPr lang="en-US" dirty="0" err="1">
+                <a:latin typeface="Consolas" panose="020B0609020204030204" pitchFamily="49" charset="0"/>
+              </a:rPr>
+              <a:t>get_color</a:t>
+            </a:r>
+            <a:r>
+              <a:rPr lang="en-US" dirty="0">
+                <a:latin typeface="Consolas" panose="020B0609020204030204" pitchFamily="49" charset="0"/>
+              </a:rPr>
+              <a:t>(::</a:t>
+            </a:r>
+            <a:r>
+              <a:rPr lang="en-US" dirty="0" err="1">
+                <a:latin typeface="Consolas" panose="020B0609020204030204" pitchFamily="49" charset="0"/>
+              </a:rPr>
+              <a:t>IsNotColored</a:t>
+            </a:r>
+            <a:r>
+              <a:rPr lang="en-US" dirty="0">
+                <a:latin typeface="Consolas" panose="020B0609020204030204" pitchFamily="49" charset="0"/>
+              </a:rPr>
+              <a:t>, obj) = error("$(</a:t>
+            </a:r>
+            <a:r>
+              <a:rPr lang="en-US" dirty="0" err="1">
+                <a:latin typeface="Consolas" panose="020B0609020204030204" pitchFamily="49" charset="0"/>
+              </a:rPr>
+              <a:t>typeof</a:t>
+            </a:r>
+            <a:r>
+              <a:rPr lang="en-US" dirty="0">
+                <a:latin typeface="Consolas" panose="020B0609020204030204" pitchFamily="49" charset="0"/>
+              </a:rPr>
+              <a:t>(obj)) is not colored")</a:t>
+            </a:r>
+          </a:p>
+          <a:p>
+            <a:r>
+              <a:rPr lang="en-US" dirty="0" err="1">
+                <a:latin typeface="Consolas" panose="020B0609020204030204" pitchFamily="49" charset="0"/>
+              </a:rPr>
+              <a:t>get_color</a:t>
+            </a:r>
+            <a:r>
+              <a:rPr lang="en-US" dirty="0">
+                <a:latin typeface="Consolas" panose="020B0609020204030204" pitchFamily="49" charset="0"/>
+              </a:rPr>
+              <a:t>(::</a:t>
+            </a:r>
+            <a:r>
+              <a:rPr lang="en-US" dirty="0" err="1">
+                <a:latin typeface="Consolas" panose="020B0609020204030204" pitchFamily="49" charset="0"/>
+              </a:rPr>
+              <a:t>IsColored</a:t>
+            </a:r>
+            <a:r>
+              <a:rPr lang="en-US" dirty="0">
+                <a:latin typeface="Consolas" panose="020B0609020204030204" pitchFamily="49" charset="0"/>
+              </a:rPr>
+              <a:t>, obj) = </a:t>
+            </a:r>
+            <a:r>
+              <a:rPr lang="en-US" dirty="0" err="1">
+                <a:latin typeface="Consolas" panose="020B0609020204030204" pitchFamily="49" charset="0"/>
+              </a:rPr>
+              <a:t>obj.color</a:t>
+            </a:r>
+            <a:endParaRPr lang="en-US" dirty="0">
+              <a:latin typeface="Consolas" panose="020B0609020204030204" pitchFamily="49" charset="0"/>
+            </a:endParaRPr>
+          </a:p>
+        </p:txBody>
+      </p:sp>
+    </p:spTree>
+    <p:extLst>
+      <p:ext uri="{BB962C8B-B14F-4D97-AF65-F5344CB8AC3E}">
+        <p14:creationId xmlns:p14="http://schemas.microsoft.com/office/powerpoint/2010/main" val="1298737522"/>
+      </p:ext>
+    </p:extLst>
+  </p:cSld>
+  <p:clrMapOvr>
+    <a:masterClrMapping/>
+  </p:clrMapOvr>
+</p:sld>
+</file>
+
+<file path=ppt/slides/slide28.xml><?xml version="1.0" encoding="utf-8"?>
+<p:sld xmlns:a="http://schemas.openxmlformats.org/drawingml/2006/main" xmlns:r="http://schemas.openxmlformats.org/officeDocument/2006/relationships" xmlns:p="http://schemas.openxmlformats.org/presentationml/2006/main">
+  <p:cSld>
+    <p:spTree>
+      <p:nvGrpSpPr>
+        <p:cNvPr id="1" name=""/>
+        <p:cNvGrpSpPr/>
+        <p:nvPr/>
+      </p:nvGrpSpPr>
+      <p:grpSpPr>
+        <a:xfrm>
+          <a:off x="0" y="0"/>
+          <a:ext cx="0" cy="0"/>
+          <a:chOff x="0" y="0"/>
+          <a:chExt cx="0" cy="0"/>
+        </a:xfrm>
+      </p:grpSpPr>
+      <p:sp>
+        <p:nvSpPr>
+          <p:cNvPr id="2" name="Title 1">
+            <a:extLst>
+              <a:ext uri="{FF2B5EF4-FFF2-40B4-BE49-F238E27FC236}">
+                <a16:creationId xmlns:a16="http://schemas.microsoft.com/office/drawing/2014/main" id="{C24B8F5C-1F74-45D8-AD90-2A6B9A5C60A9}"/>
+              </a:ext>
+            </a:extLst>
+          </p:cNvPr>
+          <p:cNvSpPr>
+            <a:spLocks noGrp="1"/>
+          </p:cNvSpPr>
+          <p:nvPr>
+            <p:ph type="title"/>
+          </p:nvPr>
+        </p:nvSpPr>
+        <p:spPr/>
+        <p:txBody>
+          <a:bodyPr/>
+          <a:lstStyle/>
+          <a:p>
+            <a:r>
+              <a:rPr lang="en-US" dirty="0"/>
+              <a:t>Applying traits</a:t>
+            </a:r>
+          </a:p>
+        </p:txBody>
+      </p:sp>
+      <p:sp>
+        <p:nvSpPr>
+          <p:cNvPr id="3" name="Content Placeholder 2">
+            <a:extLst>
+              <a:ext uri="{FF2B5EF4-FFF2-40B4-BE49-F238E27FC236}">
+                <a16:creationId xmlns:a16="http://schemas.microsoft.com/office/drawing/2014/main" id="{9CD54D94-4EC8-46DE-8932-F1182147976C}"/>
+              </a:ext>
+            </a:extLst>
+          </p:cNvPr>
+          <p:cNvSpPr>
+            <a:spLocks noGrp="1"/>
+          </p:cNvSpPr>
+          <p:nvPr>
+            <p:ph idx="1"/>
+          </p:nvPr>
+        </p:nvSpPr>
+        <p:spPr/>
+        <p:txBody>
+          <a:bodyPr/>
+          <a:lstStyle/>
+          <a:p>
+            <a:r>
+              <a:rPr lang="en-US" dirty="0"/>
+              <a:t>Pixel again</a:t>
+            </a:r>
+          </a:p>
+          <a:p>
+            <a:endParaRPr lang="en-US" dirty="0"/>
+          </a:p>
+          <a:p>
+            <a:endParaRPr lang="en-US" dirty="0"/>
+          </a:p>
+          <a:p>
+            <a:endParaRPr lang="en-US" dirty="0"/>
+          </a:p>
+          <a:p>
+            <a:endParaRPr lang="en-US" dirty="0"/>
+          </a:p>
+          <a:p>
+            <a:r>
+              <a:rPr lang="en-US" dirty="0"/>
+              <a:t>Paint</a:t>
+            </a:r>
+          </a:p>
+        </p:txBody>
+      </p:sp>
+      <p:sp>
+        <p:nvSpPr>
+          <p:cNvPr id="4" name="Slide Number Placeholder 3">
+            <a:extLst>
+              <a:ext uri="{FF2B5EF4-FFF2-40B4-BE49-F238E27FC236}">
+                <a16:creationId xmlns:a16="http://schemas.microsoft.com/office/drawing/2014/main" id="{6A106F6D-7720-4566-8BBD-70C54F3ED003}"/>
+              </a:ext>
+            </a:extLst>
+          </p:cNvPr>
+          <p:cNvSpPr>
+            <a:spLocks noGrp="1"/>
+          </p:cNvSpPr>
+          <p:nvPr>
+            <p:ph type="sldNum" sz="quarter" idx="12"/>
+          </p:nvPr>
+        </p:nvSpPr>
+        <p:spPr/>
+        <p:txBody>
+          <a:bodyPr/>
+          <a:lstStyle/>
+          <a:p>
+            <a:fld id="{78F7A1EC-23D1-431D-8C93-9C4ED5D4A04D}" type="slidenum">
+              <a:rPr lang="en-US" smtClean="0"/>
+              <a:t>28</a:t>
             </a:fld>
             <a:endParaRPr lang="en-US"/>
           </a:p>
@@ -13101,348 +13585,6 @@
 </p:sld>
 </file>
 
-<file path=ppt/slides/slide28.xml><?xml version="1.0" encoding="utf-8"?>
-<p:sld xmlns:a="http://schemas.openxmlformats.org/drawingml/2006/main" xmlns:r="http://schemas.openxmlformats.org/officeDocument/2006/relationships" xmlns:p="http://schemas.openxmlformats.org/presentationml/2006/main">
-  <p:cSld>
-    <p:spTree>
-      <p:nvGrpSpPr>
-        <p:cNvPr id="1" name=""/>
-        <p:cNvGrpSpPr/>
-        <p:nvPr/>
-      </p:nvGrpSpPr>
-      <p:grpSpPr>
-        <a:xfrm>
-          <a:off x="0" y="0"/>
-          <a:ext cx="0" cy="0"/>
-          <a:chOff x="0" y="0"/>
-          <a:chExt cx="0" cy="0"/>
-        </a:xfrm>
-      </p:grpSpPr>
-      <p:sp>
-        <p:nvSpPr>
-          <p:cNvPr id="2" name="Title 1">
-            <a:extLst>
-              <a:ext uri="{FF2B5EF4-FFF2-40B4-BE49-F238E27FC236}">
-                <a16:creationId xmlns:a16="http://schemas.microsoft.com/office/drawing/2014/main" id="{2819532D-020B-44CF-86C6-CE5F9A513EB6}"/>
-              </a:ext>
-            </a:extLst>
-          </p:cNvPr>
-          <p:cNvSpPr>
-            <a:spLocks noGrp="1"/>
-          </p:cNvSpPr>
-          <p:nvPr>
-            <p:ph type="title"/>
-          </p:nvPr>
-        </p:nvSpPr>
-        <p:spPr/>
-        <p:txBody>
-          <a:bodyPr/>
-          <a:lstStyle/>
-          <a:p>
-            <a:r>
-              <a:rPr lang="en-US" dirty="0"/>
-              <a:t>Parametric types</a:t>
-            </a:r>
-          </a:p>
-        </p:txBody>
-      </p:sp>
-      <p:sp>
-        <p:nvSpPr>
-          <p:cNvPr id="3" name="Content Placeholder 2">
-            <a:extLst>
-              <a:ext uri="{FF2B5EF4-FFF2-40B4-BE49-F238E27FC236}">
-                <a16:creationId xmlns:a16="http://schemas.microsoft.com/office/drawing/2014/main" id="{EAB68A00-EF5B-40AC-BB65-0913388E9CF1}"/>
-              </a:ext>
-            </a:extLst>
-          </p:cNvPr>
-          <p:cNvSpPr>
-            <a:spLocks noGrp="1"/>
-          </p:cNvSpPr>
-          <p:nvPr>
-            <p:ph idx="1"/>
-          </p:nvPr>
-        </p:nvSpPr>
-        <p:spPr/>
-        <p:txBody>
-          <a:bodyPr/>
-          <a:lstStyle/>
-          <a:p>
-            <a:r>
-              <a:rPr lang="en-US" dirty="0"/>
-              <a:t>Abstract or concrete type</a:t>
-            </a:r>
-          </a:p>
-          <a:p>
-            <a:endParaRPr lang="en-US" dirty="0"/>
-          </a:p>
-          <a:p>
-            <a:endParaRPr lang="en-US" dirty="0"/>
-          </a:p>
-          <a:p>
-            <a:endParaRPr lang="en-US" dirty="0"/>
-          </a:p>
-          <a:p>
-            <a:r>
-              <a:rPr lang="en-US" dirty="0"/>
-              <a:t>Creating objects</a:t>
-            </a:r>
-          </a:p>
-          <a:p>
-            <a:endParaRPr lang="en-US" dirty="0"/>
-          </a:p>
-          <a:p>
-            <a:endParaRPr lang="en-US" dirty="0"/>
-          </a:p>
-          <a:p>
-            <a:r>
-              <a:rPr lang="en-US" dirty="0"/>
-              <a:t>Multiple dispatch on abstract parameterized types</a:t>
-            </a:r>
-          </a:p>
-        </p:txBody>
-      </p:sp>
-      <p:sp>
-        <p:nvSpPr>
-          <p:cNvPr id="4" name="Slide Number Placeholder 3">
-            <a:extLst>
-              <a:ext uri="{FF2B5EF4-FFF2-40B4-BE49-F238E27FC236}">
-                <a16:creationId xmlns:a16="http://schemas.microsoft.com/office/drawing/2014/main" id="{E0791C73-C745-4154-83D5-B1CAE1F8BC32}"/>
-              </a:ext>
-            </a:extLst>
-          </p:cNvPr>
-          <p:cNvSpPr>
-            <a:spLocks noGrp="1"/>
-          </p:cNvSpPr>
-          <p:nvPr>
-            <p:ph type="sldNum" sz="quarter" idx="12"/>
-          </p:nvPr>
-        </p:nvSpPr>
-        <p:spPr/>
-        <p:txBody>
-          <a:bodyPr/>
-          <a:lstStyle/>
-          <a:p>
-            <a:fld id="{78F7A1EC-23D1-431D-8C93-9C4ED5D4A04D}" type="slidenum">
-              <a:rPr lang="en-US" smtClean="0"/>
-              <a:t>28</a:t>
-            </a:fld>
-            <a:endParaRPr lang="en-US"/>
-          </a:p>
-        </p:txBody>
-      </p:sp>
-      <p:sp>
-        <p:nvSpPr>
-          <p:cNvPr id="5" name="TextBox 4">
-            <a:extLst>
-              <a:ext uri="{FF2B5EF4-FFF2-40B4-BE49-F238E27FC236}">
-                <a16:creationId xmlns:a16="http://schemas.microsoft.com/office/drawing/2014/main" id="{49FF29B3-5153-483D-970D-A20AFEF015A3}"/>
-              </a:ext>
-            </a:extLst>
-          </p:cNvPr>
-          <p:cNvSpPr txBox="1"/>
-          <p:nvPr/>
-        </p:nvSpPr>
-        <p:spPr>
-          <a:xfrm>
-            <a:off x="1458090" y="2301387"/>
-            <a:ext cx="5198083" cy="1477328"/>
-          </a:xfrm>
-          <a:prstGeom prst="rect">
-            <a:avLst/>
-          </a:prstGeom>
-          <a:solidFill>
-            <a:schemeClr val="bg1">
-              <a:lumMod val="85000"/>
-            </a:schemeClr>
-          </a:solidFill>
-        </p:spPr>
-        <p:txBody>
-          <a:bodyPr wrap="square" rtlCol="0">
-            <a:spAutoFit/>
-          </a:bodyPr>
-          <a:lstStyle/>
-          <a:p>
-            <a:r>
-              <a:rPr lang="en-US" dirty="0">
-                <a:latin typeface="Consolas" panose="020B0609020204030204" pitchFamily="49" charset="0"/>
-              </a:rPr>
-              <a:t>struct Pixel{</a:t>
-            </a:r>
-            <a:r>
-              <a:rPr lang="en-US" dirty="0" err="1">
-                <a:latin typeface="Consolas" panose="020B0609020204030204" pitchFamily="49" charset="0"/>
-              </a:rPr>
-              <a:t>CoordT</a:t>
-            </a:r>
-            <a:r>
-              <a:rPr lang="en-US" dirty="0">
-                <a:latin typeface="Consolas" panose="020B0609020204030204" pitchFamily="49" charset="0"/>
-              </a:rPr>
-              <a:t>, </a:t>
-            </a:r>
-            <a:r>
-              <a:rPr lang="en-US" dirty="0" err="1">
-                <a:latin typeface="Consolas" panose="020B0609020204030204" pitchFamily="49" charset="0"/>
-              </a:rPr>
-              <a:t>ColorT</a:t>
-            </a:r>
-            <a:r>
-              <a:rPr lang="en-US" dirty="0">
-                <a:latin typeface="Consolas" panose="020B0609020204030204" pitchFamily="49" charset="0"/>
-              </a:rPr>
-              <a:t>}</a:t>
-            </a:r>
-          </a:p>
-          <a:p>
-            <a:r>
-              <a:rPr lang="en-US" dirty="0">
-                <a:latin typeface="Consolas" panose="020B0609020204030204" pitchFamily="49" charset="0"/>
-              </a:rPr>
-              <a:t>    x::CoordT</a:t>
-            </a:r>
-          </a:p>
-          <a:p>
-            <a:r>
-              <a:rPr lang="en-US" dirty="0">
-                <a:latin typeface="Consolas" panose="020B0609020204030204" pitchFamily="49" charset="0"/>
-              </a:rPr>
-              <a:t>    y::CoordT</a:t>
-            </a:r>
-          </a:p>
-          <a:p>
-            <a:r>
-              <a:rPr lang="en-US" dirty="0">
-                <a:latin typeface="Consolas" panose="020B0609020204030204" pitchFamily="49" charset="0"/>
-              </a:rPr>
-              <a:t>    color::</a:t>
-            </a:r>
-            <a:r>
-              <a:rPr lang="en-US" dirty="0" err="1">
-                <a:latin typeface="Consolas" panose="020B0609020204030204" pitchFamily="49" charset="0"/>
-              </a:rPr>
-              <a:t>ColorT</a:t>
-            </a:r>
-            <a:endParaRPr lang="en-US" dirty="0">
-              <a:latin typeface="Consolas" panose="020B0609020204030204" pitchFamily="49" charset="0"/>
-            </a:endParaRPr>
-          </a:p>
-          <a:p>
-            <a:r>
-              <a:rPr lang="en-US" dirty="0">
-                <a:latin typeface="Consolas" panose="020B0609020204030204" pitchFamily="49" charset="0"/>
-              </a:rPr>
-              <a:t>end</a:t>
-            </a:r>
-          </a:p>
-        </p:txBody>
-      </p:sp>
-      <p:sp>
-        <p:nvSpPr>
-          <p:cNvPr id="6" name="TextBox 5">
-            <a:extLst>
-              <a:ext uri="{FF2B5EF4-FFF2-40B4-BE49-F238E27FC236}">
-                <a16:creationId xmlns:a16="http://schemas.microsoft.com/office/drawing/2014/main" id="{2D828E77-6DCF-4705-A2E5-5F0EBB46EFAB}"/>
-              </a:ext>
-            </a:extLst>
-          </p:cNvPr>
-          <p:cNvSpPr txBox="1"/>
-          <p:nvPr/>
-        </p:nvSpPr>
-        <p:spPr>
-          <a:xfrm>
-            <a:off x="1458090" y="4411267"/>
-            <a:ext cx="8415484" cy="369332"/>
-          </a:xfrm>
-          <a:prstGeom prst="rect">
-            <a:avLst/>
-          </a:prstGeom>
-          <a:solidFill>
-            <a:schemeClr val="bg1">
-              <a:lumMod val="85000"/>
-            </a:schemeClr>
-          </a:solidFill>
-        </p:spPr>
-        <p:txBody>
-          <a:bodyPr wrap="square" rtlCol="0">
-            <a:spAutoFit/>
-          </a:bodyPr>
-          <a:lstStyle/>
-          <a:p>
-            <a:r>
-              <a:rPr lang="en-US" dirty="0">
-                <a:latin typeface="Consolas" panose="020B0609020204030204" pitchFamily="49" charset="0"/>
-              </a:rPr>
-              <a:t>pixel1 = Pixel{UInt16, String}(UInt16(123), UInt16(2047), "blue")</a:t>
-            </a:r>
-          </a:p>
-        </p:txBody>
-      </p:sp>
-      <p:sp>
-        <p:nvSpPr>
-          <p:cNvPr id="7" name="TextBox 6">
-            <a:extLst>
-              <a:ext uri="{FF2B5EF4-FFF2-40B4-BE49-F238E27FC236}">
-                <a16:creationId xmlns:a16="http://schemas.microsoft.com/office/drawing/2014/main" id="{689DA4CF-657D-4696-96A6-19AA133EF6EB}"/>
-              </a:ext>
-            </a:extLst>
-          </p:cNvPr>
-          <p:cNvSpPr txBox="1"/>
-          <p:nvPr/>
-        </p:nvSpPr>
-        <p:spPr>
-          <a:xfrm>
-            <a:off x="1458090" y="4915536"/>
-            <a:ext cx="8415484" cy="369332"/>
-          </a:xfrm>
-          <a:prstGeom prst="rect">
-            <a:avLst/>
-          </a:prstGeom>
-          <a:solidFill>
-            <a:schemeClr val="bg1">
-              <a:lumMod val="85000"/>
-            </a:schemeClr>
-          </a:solidFill>
-        </p:spPr>
-        <p:txBody>
-          <a:bodyPr wrap="square" rtlCol="0">
-            <a:spAutoFit/>
-          </a:bodyPr>
-          <a:lstStyle/>
-          <a:p>
-            <a:r>
-              <a:rPr lang="en-US" dirty="0">
-                <a:latin typeface="Consolas" panose="020B0609020204030204" pitchFamily="49" charset="0"/>
-              </a:rPr>
-              <a:t>pixel2 = Pixel{Float64, UInt8}(12.3, -3.4, </a:t>
-            </a:r>
-            <a:r>
-              <a:rPr lang="en-US" dirty="0" err="1">
-                <a:latin typeface="Consolas" panose="020B0609020204030204" pitchFamily="49" charset="0"/>
-              </a:rPr>
-              <a:t>Uint</a:t>
-            </a:r>
-            <a:r>
-              <a:rPr lang="en-US" dirty="0">
-                <a:latin typeface="Consolas" panose="020B0609020204030204" pitchFamily="49" charset="0"/>
-              </a:rPr>
-              <a:t>(245))</a:t>
-            </a:r>
-          </a:p>
-        </p:txBody>
-      </p:sp>
-    </p:spTree>
-    <p:extLst>
-      <p:ext uri="{BB962C8B-B14F-4D97-AF65-F5344CB8AC3E}">
-        <p14:creationId xmlns:p14="http://schemas.microsoft.com/office/powerpoint/2010/main" val="1784185348"/>
-      </p:ext>
-    </p:extLst>
-  </p:cSld>
-  <p:clrMapOvr>
-    <a:masterClrMapping/>
-  </p:clrMapOvr>
-</p:sld>
-</file>
-
 <file path=ppt/slides/slide29.xml><?xml version="1.0" encoding="utf-8"?>
 <p:sld xmlns:a="http://schemas.openxmlformats.org/drawingml/2006/main" xmlns:r="http://schemas.openxmlformats.org/officeDocument/2006/relationships" xmlns:p="http://schemas.openxmlformats.org/presentationml/2006/main">
   <p:cSld>
@@ -13465,7 +13607,7 @@
           <p:cNvPr id="2" name="Title 1">
             <a:extLst>
               <a:ext uri="{FF2B5EF4-FFF2-40B4-BE49-F238E27FC236}">
-                <a16:creationId xmlns:a16="http://schemas.microsoft.com/office/drawing/2014/main" id="{BD3F676C-8E61-475A-B380-3862D8DBCE89}"/>
+                <a16:creationId xmlns:a16="http://schemas.microsoft.com/office/drawing/2014/main" id="{2819532D-020B-44CF-86C6-CE5F9A513EB6}"/>
               </a:ext>
             </a:extLst>
           </p:cNvPr>
@@ -13483,17 +13625,17 @@
           <a:p>
             <a:r>
               <a:rPr lang="en-US" dirty="0"/>
-              <a:t>Code organization</a:t>
-            </a:r>
-          </a:p>
-        </p:txBody>
-      </p:sp>
-      <p:sp>
-        <p:nvSpPr>
-          <p:cNvPr id="3" name="Text Placeholder 2">
-            <a:extLst>
-              <a:ext uri="{FF2B5EF4-FFF2-40B4-BE49-F238E27FC236}">
-                <a16:creationId xmlns:a16="http://schemas.microsoft.com/office/drawing/2014/main" id="{A6A8E519-B664-45C3-9598-AAEDCCBF1B03}"/>
+              <a:t>Parametric types</a:t>
+            </a:r>
+          </a:p>
+        </p:txBody>
+      </p:sp>
+      <p:sp>
+        <p:nvSpPr>
+          <p:cNvPr id="3" name="Content Placeholder 2">
+            <a:extLst>
+              <a:ext uri="{FF2B5EF4-FFF2-40B4-BE49-F238E27FC236}">
+                <a16:creationId xmlns:a16="http://schemas.microsoft.com/office/drawing/2014/main" id="{EAB68A00-EF5B-40AC-BB65-0913388E9CF1}"/>
               </a:ext>
             </a:extLst>
           </p:cNvPr>
@@ -13501,7 +13643,7 @@
             <a:spLocks noGrp="1"/>
           </p:cNvSpPr>
           <p:nvPr>
-            <p:ph type="body" idx="1"/>
+            <p:ph idx="1"/>
           </p:nvPr>
         </p:nvSpPr>
         <p:spPr/>
@@ -13509,7 +13651,37 @@
           <a:bodyPr/>
           <a:lstStyle/>
           <a:p>
-            <a:endParaRPr lang="en-US"/>
+            <a:r>
+              <a:rPr lang="en-US" dirty="0"/>
+              <a:t>Abstract or concrete type</a:t>
+            </a:r>
+          </a:p>
+          <a:p>
+            <a:endParaRPr lang="en-US" dirty="0"/>
+          </a:p>
+          <a:p>
+            <a:endParaRPr lang="en-US" dirty="0"/>
+          </a:p>
+          <a:p>
+            <a:endParaRPr lang="en-US" dirty="0"/>
+          </a:p>
+          <a:p>
+            <a:r>
+              <a:rPr lang="en-US" dirty="0"/>
+              <a:t>Creating objects</a:t>
+            </a:r>
+          </a:p>
+          <a:p>
+            <a:endParaRPr lang="en-US" dirty="0"/>
+          </a:p>
+          <a:p>
+            <a:endParaRPr lang="en-US" dirty="0"/>
+          </a:p>
+          <a:p>
+            <a:r>
+              <a:rPr lang="en-US" dirty="0"/>
+              <a:t>Multiple dispatch on abstract parameterized types</a:t>
+            </a:r>
           </a:p>
         </p:txBody>
       </p:sp>
@@ -13518,7 +13690,7 @@
           <p:cNvPr id="4" name="Slide Number Placeholder 3">
             <a:extLst>
               <a:ext uri="{FF2B5EF4-FFF2-40B4-BE49-F238E27FC236}">
-                <a16:creationId xmlns:a16="http://schemas.microsoft.com/office/drawing/2014/main" id="{E83AE572-1A4F-44A3-9F9F-2E1F4C95A76D}"/>
+                <a16:creationId xmlns:a16="http://schemas.microsoft.com/office/drawing/2014/main" id="{E0791C73-C745-4154-83D5-B1CAE1F8BC32}"/>
               </a:ext>
             </a:extLst>
           </p:cNvPr>
@@ -13542,10 +13714,210 @@
           </a:p>
         </p:txBody>
       </p:sp>
+      <p:sp>
+        <p:nvSpPr>
+          <p:cNvPr id="5" name="TextBox 4">
+            <a:extLst>
+              <a:ext uri="{FF2B5EF4-FFF2-40B4-BE49-F238E27FC236}">
+                <a16:creationId xmlns:a16="http://schemas.microsoft.com/office/drawing/2014/main" id="{49FF29B3-5153-483D-970D-A20AFEF015A3}"/>
+              </a:ext>
+            </a:extLst>
+          </p:cNvPr>
+          <p:cNvSpPr txBox="1"/>
+          <p:nvPr/>
+        </p:nvSpPr>
+        <p:spPr>
+          <a:xfrm>
+            <a:off x="1458090" y="2301387"/>
+            <a:ext cx="5198083" cy="1477328"/>
+          </a:xfrm>
+          <a:prstGeom prst="rect">
+            <a:avLst/>
+          </a:prstGeom>
+          <a:solidFill>
+            <a:schemeClr val="bg1">
+              <a:lumMod val="85000"/>
+            </a:schemeClr>
+          </a:solidFill>
+        </p:spPr>
+        <p:txBody>
+          <a:bodyPr wrap="square" rtlCol="0">
+            <a:spAutoFit/>
+          </a:bodyPr>
+          <a:lstStyle/>
+          <a:p>
+            <a:r>
+              <a:rPr lang="en-US" dirty="0">
+                <a:latin typeface="Consolas" panose="020B0609020204030204" pitchFamily="49" charset="0"/>
+              </a:rPr>
+              <a:t>struct Pixel{</a:t>
+            </a:r>
+            <a:r>
+              <a:rPr lang="en-US" dirty="0" err="1">
+                <a:latin typeface="Consolas" panose="020B0609020204030204" pitchFamily="49" charset="0"/>
+              </a:rPr>
+              <a:t>CoordT</a:t>
+            </a:r>
+            <a:r>
+              <a:rPr lang="en-US" dirty="0">
+                <a:latin typeface="Consolas" panose="020B0609020204030204" pitchFamily="49" charset="0"/>
+              </a:rPr>
+              <a:t>, </a:t>
+            </a:r>
+            <a:r>
+              <a:rPr lang="en-US" dirty="0" err="1">
+                <a:latin typeface="Consolas" panose="020B0609020204030204" pitchFamily="49" charset="0"/>
+              </a:rPr>
+              <a:t>ColorT</a:t>
+            </a:r>
+            <a:r>
+              <a:rPr lang="en-US" dirty="0">
+                <a:latin typeface="Consolas" panose="020B0609020204030204" pitchFamily="49" charset="0"/>
+              </a:rPr>
+              <a:t>}</a:t>
+            </a:r>
+          </a:p>
+          <a:p>
+            <a:r>
+              <a:rPr lang="en-US" dirty="0">
+                <a:latin typeface="Consolas" panose="020B0609020204030204" pitchFamily="49" charset="0"/>
+              </a:rPr>
+              <a:t>    x::CoordT</a:t>
+            </a:r>
+          </a:p>
+          <a:p>
+            <a:r>
+              <a:rPr lang="en-US" dirty="0">
+                <a:latin typeface="Consolas" panose="020B0609020204030204" pitchFamily="49" charset="0"/>
+              </a:rPr>
+              <a:t>    y::CoordT</a:t>
+            </a:r>
+          </a:p>
+          <a:p>
+            <a:r>
+              <a:rPr lang="en-US" dirty="0">
+                <a:latin typeface="Consolas" panose="020B0609020204030204" pitchFamily="49" charset="0"/>
+              </a:rPr>
+              <a:t>    color::</a:t>
+            </a:r>
+            <a:r>
+              <a:rPr lang="en-US" dirty="0" err="1">
+                <a:latin typeface="Consolas" panose="020B0609020204030204" pitchFamily="49" charset="0"/>
+              </a:rPr>
+              <a:t>ColorT</a:t>
+            </a:r>
+            <a:endParaRPr lang="en-US" dirty="0">
+              <a:latin typeface="Consolas" panose="020B0609020204030204" pitchFamily="49" charset="0"/>
+            </a:endParaRPr>
+          </a:p>
+          <a:p>
+            <a:r>
+              <a:rPr lang="en-US" dirty="0">
+                <a:latin typeface="Consolas" panose="020B0609020204030204" pitchFamily="49" charset="0"/>
+              </a:rPr>
+              <a:t>end</a:t>
+            </a:r>
+          </a:p>
+        </p:txBody>
+      </p:sp>
+      <p:sp>
+        <p:nvSpPr>
+          <p:cNvPr id="6" name="TextBox 5">
+            <a:extLst>
+              <a:ext uri="{FF2B5EF4-FFF2-40B4-BE49-F238E27FC236}">
+                <a16:creationId xmlns:a16="http://schemas.microsoft.com/office/drawing/2014/main" id="{2D828E77-6DCF-4705-A2E5-5F0EBB46EFAB}"/>
+              </a:ext>
+            </a:extLst>
+          </p:cNvPr>
+          <p:cNvSpPr txBox="1"/>
+          <p:nvPr/>
+        </p:nvSpPr>
+        <p:spPr>
+          <a:xfrm>
+            <a:off x="1458090" y="4411267"/>
+            <a:ext cx="8415484" cy="369332"/>
+          </a:xfrm>
+          <a:prstGeom prst="rect">
+            <a:avLst/>
+          </a:prstGeom>
+          <a:solidFill>
+            <a:schemeClr val="bg1">
+              <a:lumMod val="85000"/>
+            </a:schemeClr>
+          </a:solidFill>
+        </p:spPr>
+        <p:txBody>
+          <a:bodyPr wrap="square" rtlCol="0">
+            <a:spAutoFit/>
+          </a:bodyPr>
+          <a:lstStyle/>
+          <a:p>
+            <a:r>
+              <a:rPr lang="en-US" dirty="0">
+                <a:latin typeface="Consolas" panose="020B0609020204030204" pitchFamily="49" charset="0"/>
+              </a:rPr>
+              <a:t>pixel1 = Pixel{UInt16, String}(UInt16(123), UInt16(2047), "blue")</a:t>
+            </a:r>
+          </a:p>
+        </p:txBody>
+      </p:sp>
+      <p:sp>
+        <p:nvSpPr>
+          <p:cNvPr id="7" name="TextBox 6">
+            <a:extLst>
+              <a:ext uri="{FF2B5EF4-FFF2-40B4-BE49-F238E27FC236}">
+                <a16:creationId xmlns:a16="http://schemas.microsoft.com/office/drawing/2014/main" id="{689DA4CF-657D-4696-96A6-19AA133EF6EB}"/>
+              </a:ext>
+            </a:extLst>
+          </p:cNvPr>
+          <p:cNvSpPr txBox="1"/>
+          <p:nvPr/>
+        </p:nvSpPr>
+        <p:spPr>
+          <a:xfrm>
+            <a:off x="1458090" y="4915536"/>
+            <a:ext cx="8415484" cy="369332"/>
+          </a:xfrm>
+          <a:prstGeom prst="rect">
+            <a:avLst/>
+          </a:prstGeom>
+          <a:solidFill>
+            <a:schemeClr val="bg1">
+              <a:lumMod val="85000"/>
+            </a:schemeClr>
+          </a:solidFill>
+        </p:spPr>
+        <p:txBody>
+          <a:bodyPr wrap="square" rtlCol="0">
+            <a:spAutoFit/>
+          </a:bodyPr>
+          <a:lstStyle/>
+          <a:p>
+            <a:r>
+              <a:rPr lang="en-US" dirty="0">
+                <a:latin typeface="Consolas" panose="020B0609020204030204" pitchFamily="49" charset="0"/>
+              </a:rPr>
+              <a:t>pixel2 = Pixel{Float64, UInt8}(12.3, -3.4, </a:t>
+            </a:r>
+            <a:r>
+              <a:rPr lang="en-US" dirty="0" err="1">
+                <a:latin typeface="Consolas" panose="020B0609020204030204" pitchFamily="49" charset="0"/>
+              </a:rPr>
+              <a:t>Uint</a:t>
+            </a:r>
+            <a:r>
+              <a:rPr lang="en-US" dirty="0">
+                <a:latin typeface="Consolas" panose="020B0609020204030204" pitchFamily="49" charset="0"/>
+              </a:rPr>
+              <a:t>(245))</a:t>
+            </a:r>
+          </a:p>
+        </p:txBody>
+      </p:sp>
     </p:spTree>
     <p:extLst>
       <p:ext uri="{BB962C8B-B14F-4D97-AF65-F5344CB8AC3E}">
-        <p14:creationId xmlns:p14="http://schemas.microsoft.com/office/powerpoint/2010/main" val="560763537"/>
+        <p14:creationId xmlns:p14="http://schemas.microsoft.com/office/powerpoint/2010/main" val="1784185348"/>
       </p:ext>
     </p:extLst>
   </p:cSld>
@@ -13689,7 +14061,7 @@
           <p:cNvPr id="2" name="Title 1">
             <a:extLst>
               <a:ext uri="{FF2B5EF4-FFF2-40B4-BE49-F238E27FC236}">
-                <a16:creationId xmlns:a16="http://schemas.microsoft.com/office/drawing/2014/main" id="{315AB03A-94ED-4A7D-8B91-3D4E7534EF86}"/>
+                <a16:creationId xmlns:a16="http://schemas.microsoft.com/office/drawing/2014/main" id="{E8F42217-B8D9-4EE4-A4B1-8B66F1E6B83B}"/>
               </a:ext>
             </a:extLst>
           </p:cNvPr>
@@ -13707,7 +14079,7 @@
           <a:p>
             <a:r>
               <a:rPr lang="en-US" dirty="0"/>
-              <a:t>Ecosystem</a:t>
+              <a:t>I/O</a:t>
             </a:r>
           </a:p>
         </p:txBody>
@@ -13717,7 +14089,7 @@
           <p:cNvPr id="3" name="Text Placeholder 2">
             <a:extLst>
               <a:ext uri="{FF2B5EF4-FFF2-40B4-BE49-F238E27FC236}">
-                <a16:creationId xmlns:a16="http://schemas.microsoft.com/office/drawing/2014/main" id="{E0E4AF38-746E-4D7C-9CC4-542AB9E3BD3D}"/>
+                <a16:creationId xmlns:a16="http://schemas.microsoft.com/office/drawing/2014/main" id="{764DC058-F530-4800-8BEB-EC59E0273430}"/>
               </a:ext>
             </a:extLst>
           </p:cNvPr>
@@ -13742,7 +14114,7 @@
           <p:cNvPr id="4" name="Slide Number Placeholder 3">
             <a:extLst>
               <a:ext uri="{FF2B5EF4-FFF2-40B4-BE49-F238E27FC236}">
-                <a16:creationId xmlns:a16="http://schemas.microsoft.com/office/drawing/2014/main" id="{939EF123-B560-4271-AB33-9328AC30425B}"/>
+                <a16:creationId xmlns:a16="http://schemas.microsoft.com/office/drawing/2014/main" id="{B2C39E5E-ACF3-4102-AE2D-B62AC71F3866}"/>
               </a:ext>
             </a:extLst>
           </p:cNvPr>
@@ -13769,7 +14141,7 @@
     </p:spTree>
     <p:extLst>
       <p:ext uri="{BB962C8B-B14F-4D97-AF65-F5344CB8AC3E}">
-        <p14:creationId xmlns:p14="http://schemas.microsoft.com/office/powerpoint/2010/main" val="195410734"/>
+        <p14:creationId xmlns:p14="http://schemas.microsoft.com/office/powerpoint/2010/main" val="3692425863"/>
       </p:ext>
     </p:extLst>
   </p:cSld>
@@ -13801,7 +14173,7 @@
           <p:cNvPr id="2" name="Title 1">
             <a:extLst>
               <a:ext uri="{FF2B5EF4-FFF2-40B4-BE49-F238E27FC236}">
-                <a16:creationId xmlns:a16="http://schemas.microsoft.com/office/drawing/2014/main" id="{6307D81E-EFAF-4436-B73E-E939260CBB19}"/>
+                <a16:creationId xmlns:a16="http://schemas.microsoft.com/office/drawing/2014/main" id="{A5247064-22B2-49E5-B011-89C6A6C5A87F}"/>
               </a:ext>
             </a:extLst>
           </p:cNvPr>
@@ -13819,17 +14191,17 @@
           <a:p>
             <a:r>
               <a:rPr lang="en-US" dirty="0"/>
-              <a:t>Conclusions</a:t>
-            </a:r>
-          </a:p>
-        </p:txBody>
-      </p:sp>
-      <p:sp>
-        <p:nvSpPr>
-          <p:cNvPr id="3" name="Text Placeholder 2">
-            <a:extLst>
-              <a:ext uri="{FF2B5EF4-FFF2-40B4-BE49-F238E27FC236}">
-                <a16:creationId xmlns:a16="http://schemas.microsoft.com/office/drawing/2014/main" id="{DC55516A-4A28-44FF-8486-3FE865D91831}"/>
+              <a:t>Text I/O</a:t>
+            </a:r>
+          </a:p>
+        </p:txBody>
+      </p:sp>
+      <p:sp>
+        <p:nvSpPr>
+          <p:cNvPr id="3" name="Content Placeholder 2">
+            <a:extLst>
+              <a:ext uri="{FF2B5EF4-FFF2-40B4-BE49-F238E27FC236}">
+                <a16:creationId xmlns:a16="http://schemas.microsoft.com/office/drawing/2014/main" id="{F7733713-5C12-4E24-817F-0B8DF8ABB391}"/>
               </a:ext>
             </a:extLst>
           </p:cNvPr>
@@ -13837,7 +14209,7 @@
             <a:spLocks noGrp="1"/>
           </p:cNvSpPr>
           <p:nvPr>
-            <p:ph type="body" idx="1"/>
+            <p:ph idx="1"/>
           </p:nvPr>
         </p:nvSpPr>
         <p:spPr/>
@@ -13845,7 +14217,44 @@
           <a:bodyPr/>
           <a:lstStyle/>
           <a:p>
-            <a:endParaRPr lang="en-US"/>
+            <a:r>
+              <a:rPr lang="en-US" dirty="0"/>
+              <a:t>Standard streams</a:t>
+            </a:r>
+          </a:p>
+          <a:p>
+            <a:pPr lvl="1"/>
+            <a:r>
+              <a:rPr lang="en-US" dirty="0">
+                <a:latin typeface="Consolas" panose="020B0609020204030204" pitchFamily="49" charset="0"/>
+              </a:rPr>
+              <a:t>stdin</a:t>
+            </a:r>
+          </a:p>
+          <a:p>
+            <a:pPr lvl="1"/>
+            <a:r>
+              <a:rPr lang="en-US" dirty="0" err="1">
+                <a:latin typeface="Consolas" panose="020B0609020204030204" pitchFamily="49" charset="0"/>
+              </a:rPr>
+              <a:t>stdout</a:t>
+            </a:r>
+            <a:r>
+              <a:rPr lang="en-US" dirty="0"/>
+              <a:t>/</a:t>
+            </a:r>
+            <a:r>
+              <a:rPr lang="en-US" dirty="0">
+                <a:latin typeface="Consolas" panose="020B0609020204030204" pitchFamily="49" charset="0"/>
+              </a:rPr>
+              <a:t>stderr</a:t>
+            </a:r>
+          </a:p>
+          <a:p>
+            <a:r>
+              <a:rPr lang="en-US" dirty="0"/>
+              <a:t>File streams</a:t>
+            </a:r>
           </a:p>
         </p:txBody>
       </p:sp>
@@ -13854,7 +14263,7 @@
           <p:cNvPr id="4" name="Slide Number Placeholder 3">
             <a:extLst>
               <a:ext uri="{FF2B5EF4-FFF2-40B4-BE49-F238E27FC236}">
-                <a16:creationId xmlns:a16="http://schemas.microsoft.com/office/drawing/2014/main" id="{53AB6EFF-30E7-456D-BC44-A709200CEB74}"/>
+                <a16:creationId xmlns:a16="http://schemas.microsoft.com/office/drawing/2014/main" id="{904CFB5A-2BED-4D15-BB7E-589AF05F7A2D}"/>
               </a:ext>
             </a:extLst>
           </p:cNvPr>
@@ -13878,10 +14287,366 @@
           </a:p>
         </p:txBody>
       </p:sp>
+      <p:sp>
+        <p:nvSpPr>
+          <p:cNvPr id="5" name="TextBox 4">
+            <a:extLst>
+              <a:ext uri="{FF2B5EF4-FFF2-40B4-BE49-F238E27FC236}">
+                <a16:creationId xmlns:a16="http://schemas.microsoft.com/office/drawing/2014/main" id="{BB64CEE0-1A97-4D1B-87AB-8F41F9FCE7E0}"/>
+              </a:ext>
+            </a:extLst>
+          </p:cNvPr>
+          <p:cNvSpPr txBox="1"/>
+          <p:nvPr/>
+        </p:nvSpPr>
+        <p:spPr>
+          <a:xfrm>
+            <a:off x="1285096" y="3545300"/>
+            <a:ext cx="5198083" cy="1477328"/>
+          </a:xfrm>
+          <a:prstGeom prst="rect">
+            <a:avLst/>
+          </a:prstGeom>
+          <a:solidFill>
+            <a:schemeClr val="bg1">
+              <a:lumMod val="85000"/>
+            </a:schemeClr>
+          </a:solidFill>
+        </p:spPr>
+        <p:txBody>
+          <a:bodyPr wrap="square" rtlCol="0">
+            <a:spAutoFit/>
+          </a:bodyPr>
+          <a:lstStyle/>
+          <a:p>
+            <a:r>
+              <a:rPr lang="en-US" dirty="0">
+                <a:latin typeface="Consolas" panose="020B0609020204030204" pitchFamily="49" charset="0"/>
+              </a:rPr>
+              <a:t>open("my_file.txt", "w") do file</a:t>
+            </a:r>
+          </a:p>
+          <a:p>
+            <a:r>
+              <a:rPr lang="en-US" dirty="0">
+                <a:latin typeface="Consolas" panose="020B0609020204030204" pitchFamily="49" charset="0"/>
+              </a:rPr>
+              <a:t>    for x in 0.0:0.1:10.0</a:t>
+            </a:r>
+          </a:p>
+          <a:p>
+            <a:r>
+              <a:rPr lang="en-US" dirty="0">
+                <a:latin typeface="Consolas" panose="020B0609020204030204" pitchFamily="49" charset="0"/>
+              </a:rPr>
+              <a:t>        </a:t>
+            </a:r>
+            <a:r>
+              <a:rPr lang="en-US" dirty="0" err="1">
+                <a:latin typeface="Consolas" panose="020B0609020204030204" pitchFamily="49" charset="0"/>
+              </a:rPr>
+              <a:t>println</a:t>
+            </a:r>
+            <a:r>
+              <a:rPr lang="en-US" dirty="0">
+                <a:latin typeface="Consolas" panose="020B0609020204030204" pitchFamily="49" charset="0"/>
+              </a:rPr>
+              <a:t>(file, "$x $(sqrt(x))")</a:t>
+            </a:r>
+          </a:p>
+          <a:p>
+            <a:r>
+              <a:rPr lang="en-US" dirty="0">
+                <a:latin typeface="Consolas" panose="020B0609020204030204" pitchFamily="49" charset="0"/>
+              </a:rPr>
+              <a:t>    end</a:t>
+            </a:r>
+          </a:p>
+          <a:p>
+            <a:r>
+              <a:rPr lang="en-US" dirty="0">
+                <a:latin typeface="Consolas" panose="020B0609020204030204" pitchFamily="49" charset="0"/>
+              </a:rPr>
+              <a:t>end</a:t>
+            </a:r>
+          </a:p>
+        </p:txBody>
+      </p:sp>
+      <p:grpSp>
+        <p:nvGrpSpPr>
+          <p:cNvPr id="6" name="Group 5">
+            <a:extLst>
+              <a:ext uri="{FF2B5EF4-FFF2-40B4-BE49-F238E27FC236}">
+                <a16:creationId xmlns:a16="http://schemas.microsoft.com/office/drawing/2014/main" id="{BE953F2E-05C2-4958-9C33-296CAD07B25A}"/>
+              </a:ext>
+            </a:extLst>
+          </p:cNvPr>
+          <p:cNvGrpSpPr/>
+          <p:nvPr/>
+        </p:nvGrpSpPr>
+        <p:grpSpPr>
+          <a:xfrm>
+            <a:off x="7234137" y="3063682"/>
+            <a:ext cx="3740594" cy="1467584"/>
+            <a:chOff x="7234137" y="3063682"/>
+            <a:chExt cx="3740594" cy="1467584"/>
+          </a:xfrm>
+        </p:grpSpPr>
+        <p:sp>
+          <p:nvSpPr>
+            <p:cNvPr id="7" name="TextBox 6">
+              <a:extLst>
+                <a:ext uri="{FF2B5EF4-FFF2-40B4-BE49-F238E27FC236}">
+                  <a16:creationId xmlns:a16="http://schemas.microsoft.com/office/drawing/2014/main" id="{2DAFAD4A-EF56-4EDA-878A-9A731A64B9FC}"/>
+                </a:ext>
+              </a:extLst>
+            </p:cNvPr>
+            <p:cNvSpPr txBox="1"/>
+            <p:nvPr/>
+          </p:nvSpPr>
+          <p:spPr>
+            <a:xfrm>
+              <a:off x="7850221" y="3700269"/>
+              <a:ext cx="3124510" cy="830997"/>
+            </a:xfrm>
+            <a:prstGeom prst="rect">
+              <a:avLst/>
+            </a:prstGeom>
+            <a:noFill/>
+            <a:ln>
+              <a:solidFill>
+                <a:schemeClr val="tx1"/>
+              </a:solidFill>
+            </a:ln>
+          </p:spPr>
+          <p:txBody>
+            <a:bodyPr wrap="none" rtlCol="0">
+              <a:spAutoFit/>
+            </a:bodyPr>
+            <a:lstStyle/>
+            <a:p>
+              <a:r>
+                <a:rPr lang="en-US" sz="2400" dirty="0">
+                  <a:latin typeface="Consolas" panose="020B0609020204030204" pitchFamily="49" charset="0"/>
+                </a:rPr>
+                <a:t>open</a:t>
+              </a:r>
+              <a:r>
+                <a:rPr lang="en-US" sz="2400" dirty="0"/>
+                <a:t> method will close</a:t>
+              </a:r>
+            </a:p>
+            <a:p>
+              <a:r>
+                <a:rPr lang="en-US" sz="2400" dirty="0"/>
+                <a:t>file automatically</a:t>
+              </a:r>
+            </a:p>
+          </p:txBody>
+        </p:sp>
+        <p:pic>
+          <p:nvPicPr>
+            <p:cNvPr id="8" name="Graphic 7" descr="Thumbs up sign with solid fill">
+              <a:extLst>
+                <a:ext uri="{FF2B5EF4-FFF2-40B4-BE49-F238E27FC236}">
+                  <a16:creationId xmlns:a16="http://schemas.microsoft.com/office/drawing/2014/main" id="{4FE1BA15-7F81-494E-AB56-3BFF38C04451}"/>
+                </a:ext>
+              </a:extLst>
+            </p:cNvPr>
+            <p:cNvPicPr>
+              <a:picLocks noChangeAspect="1"/>
+            </p:cNvPicPr>
+            <p:nvPr/>
+          </p:nvPicPr>
+          <p:blipFill>
+            <a:blip r:embed="rId2">
+              <a:extLst>
+                <a:ext uri="{28A0092B-C50C-407E-A947-70E740481C1C}">
+                  <a14:useLocalDpi xmlns:a14="http://schemas.microsoft.com/office/drawing/2010/main" val="0"/>
+                </a:ext>
+                <a:ext uri="{96DAC541-7B7A-43D3-8B79-37D633B846F1}">
+                  <asvg:svgBlip xmlns:asvg="http://schemas.microsoft.com/office/drawing/2016/SVG/main" r:embed="rId3"/>
+                </a:ext>
+              </a:extLst>
+            </a:blip>
+            <a:stretch>
+              <a:fillRect/>
+            </a:stretch>
+          </p:blipFill>
+          <p:spPr>
+            <a:xfrm>
+              <a:off x="7234137" y="3063682"/>
+              <a:ext cx="914400" cy="914400"/>
+            </a:xfrm>
+            <a:prstGeom prst="rect">
+              <a:avLst/>
+            </a:prstGeom>
+          </p:spPr>
+        </p:pic>
+      </p:grpSp>
+      <p:sp>
+        <p:nvSpPr>
+          <p:cNvPr id="9" name="TextBox 8">
+            <a:extLst>
+              <a:ext uri="{FF2B5EF4-FFF2-40B4-BE49-F238E27FC236}">
+                <a16:creationId xmlns:a16="http://schemas.microsoft.com/office/drawing/2014/main" id="{37097B5C-9852-4EF4-A024-67C2D1656579}"/>
+              </a:ext>
+            </a:extLst>
+          </p:cNvPr>
+          <p:cNvSpPr txBox="1"/>
+          <p:nvPr/>
+        </p:nvSpPr>
+        <p:spPr>
+          <a:xfrm>
+            <a:off x="1285096" y="5276803"/>
+            <a:ext cx="5198083" cy="1477328"/>
+          </a:xfrm>
+          <a:prstGeom prst="rect">
+            <a:avLst/>
+          </a:prstGeom>
+          <a:solidFill>
+            <a:schemeClr val="bg1">
+              <a:lumMod val="85000"/>
+            </a:schemeClr>
+          </a:solidFill>
+        </p:spPr>
+        <p:txBody>
+          <a:bodyPr wrap="square" rtlCol="0">
+            <a:spAutoFit/>
+          </a:bodyPr>
+          <a:lstStyle/>
+          <a:p>
+            <a:r>
+              <a:rPr lang="en-US" dirty="0">
+                <a:latin typeface="Consolas" panose="020B0609020204030204" pitchFamily="49" charset="0"/>
+              </a:rPr>
+              <a:t>open("my_file.txt", "r") do file</a:t>
+            </a:r>
+          </a:p>
+          <a:p>
+            <a:r>
+              <a:rPr lang="en-US" dirty="0">
+                <a:latin typeface="Consolas" panose="020B0609020204030204" pitchFamily="49" charset="0"/>
+              </a:rPr>
+              <a:t>    for line in </a:t>
+            </a:r>
+            <a:r>
+              <a:rPr lang="en-US" dirty="0" err="1">
+                <a:latin typeface="Consolas" panose="020B0609020204030204" pitchFamily="49" charset="0"/>
+              </a:rPr>
+              <a:t>eachline</a:t>
+            </a:r>
+            <a:r>
+              <a:rPr lang="en-US" dirty="0">
+                <a:latin typeface="Consolas" panose="020B0609020204030204" pitchFamily="49" charset="0"/>
+              </a:rPr>
+              <a:t>(file)</a:t>
+            </a:r>
+          </a:p>
+          <a:p>
+            <a:r>
+              <a:rPr lang="en-US" dirty="0">
+                <a:latin typeface="Consolas" panose="020B0609020204030204" pitchFamily="49" charset="0"/>
+              </a:rPr>
+              <a:t>        …</a:t>
+            </a:r>
+          </a:p>
+          <a:p>
+            <a:r>
+              <a:rPr lang="en-US" dirty="0">
+                <a:latin typeface="Consolas" panose="020B0609020204030204" pitchFamily="49" charset="0"/>
+              </a:rPr>
+              <a:t>    end</a:t>
+            </a:r>
+          </a:p>
+          <a:p>
+            <a:r>
+              <a:rPr lang="en-US" dirty="0">
+                <a:latin typeface="Consolas" panose="020B0609020204030204" pitchFamily="49" charset="0"/>
+              </a:rPr>
+              <a:t>end</a:t>
+            </a:r>
+          </a:p>
+        </p:txBody>
+      </p:sp>
+      <p:sp>
+        <p:nvSpPr>
+          <p:cNvPr id="10" name="TextBox 9">
+            <a:extLst>
+              <a:ext uri="{FF2B5EF4-FFF2-40B4-BE49-F238E27FC236}">
+                <a16:creationId xmlns:a16="http://schemas.microsoft.com/office/drawing/2014/main" id="{0F02A510-691A-462B-B43E-7E547B843878}"/>
+              </a:ext>
+            </a:extLst>
+          </p:cNvPr>
+          <p:cNvSpPr txBox="1"/>
+          <p:nvPr/>
+        </p:nvSpPr>
+        <p:spPr>
+          <a:xfrm>
+            <a:off x="6965838" y="5022628"/>
+            <a:ext cx="4893276" cy="1200329"/>
+          </a:xfrm>
+          <a:prstGeom prst="rect">
+            <a:avLst/>
+          </a:prstGeom>
+          <a:solidFill>
+            <a:schemeClr val="bg1">
+              <a:lumMod val="85000"/>
+            </a:schemeClr>
+          </a:solidFill>
+        </p:spPr>
+        <p:txBody>
+          <a:bodyPr wrap="square" rtlCol="0">
+            <a:spAutoFit/>
+          </a:bodyPr>
+          <a:lstStyle/>
+          <a:p>
+            <a:r>
+              <a:rPr lang="en-US" dirty="0">
+                <a:latin typeface="Consolas" panose="020B0609020204030204" pitchFamily="49" charset="0"/>
+              </a:rPr>
+              <a:t>using </a:t>
+            </a:r>
+            <a:r>
+              <a:rPr lang="en-US" dirty="0" err="1">
+                <a:latin typeface="Consolas" panose="020B0609020204030204" pitchFamily="49" charset="0"/>
+              </a:rPr>
+              <a:t>Printf</a:t>
+            </a:r>
+            <a:endParaRPr lang="en-US" dirty="0">
+              <a:latin typeface="Consolas" panose="020B0609020204030204" pitchFamily="49" charset="0"/>
+            </a:endParaRPr>
+          </a:p>
+          <a:p>
+            <a:r>
+              <a:rPr lang="en-US" dirty="0">
+                <a:latin typeface="Consolas" panose="020B0609020204030204" pitchFamily="49" charset="0"/>
+              </a:rPr>
+              <a:t>…</a:t>
+            </a:r>
+          </a:p>
+          <a:p>
+            <a:r>
+              <a:rPr lang="en-US" dirty="0">
+                <a:latin typeface="Consolas" panose="020B0609020204030204" pitchFamily="49" charset="0"/>
+              </a:rPr>
+              <a:t>@printf "%.1f %.5f\n", 0.1, sqrt(0.1)</a:t>
+            </a:r>
+          </a:p>
+          <a:p>
+            <a:r>
+              <a:rPr lang="en-US" dirty="0">
+                <a:latin typeface="Consolas" panose="020B0609020204030204" pitchFamily="49" charset="0"/>
+              </a:rPr>
+              <a:t>…</a:t>
+            </a:r>
+          </a:p>
+        </p:txBody>
+      </p:sp>
     </p:spTree>
     <p:extLst>
       <p:ext uri="{BB962C8B-B14F-4D97-AF65-F5344CB8AC3E}">
-        <p14:creationId xmlns:p14="http://schemas.microsoft.com/office/powerpoint/2010/main" val="862146666"/>
+        <p14:creationId xmlns:p14="http://schemas.microsoft.com/office/powerpoint/2010/main" val="2210228194"/>
       </p:ext>
     </p:extLst>
   </p:cSld>
@@ -13913,7 +14678,7 @@
           <p:cNvPr id="2" name="Title 1">
             <a:extLst>
               <a:ext uri="{FF2B5EF4-FFF2-40B4-BE49-F238E27FC236}">
-                <a16:creationId xmlns:a16="http://schemas.microsoft.com/office/drawing/2014/main" id="{14D02DFE-982D-454E-88FE-F58EAAD99062}"/>
+                <a16:creationId xmlns:a16="http://schemas.microsoft.com/office/drawing/2014/main" id="{CF5636EE-E721-4C40-BC06-21F02E0A66C2}"/>
               </a:ext>
             </a:extLst>
           </p:cNvPr>
@@ -13931,17 +14696,270 @@
           <a:p>
             <a:r>
               <a:rPr lang="en-US" dirty="0"/>
-              <a:t>References</a:t>
-            </a:r>
-          </a:p>
-        </p:txBody>
-      </p:sp>
-      <p:sp>
-        <p:nvSpPr>
-          <p:cNvPr id="3" name="Content Placeholder 2">
-            <a:extLst>
-              <a:ext uri="{FF2B5EF4-FFF2-40B4-BE49-F238E27FC236}">
-                <a16:creationId xmlns:a16="http://schemas.microsoft.com/office/drawing/2014/main" id="{24B81427-8365-412F-B2D7-A0D761DDBF1A}"/>
+              <a:t>Binary I/O</a:t>
+            </a:r>
+          </a:p>
+        </p:txBody>
+      </p:sp>
+      <p:sp>
+        <p:nvSpPr>
+          <p:cNvPr id="4" name="Slide Number Placeholder 3">
+            <a:extLst>
+              <a:ext uri="{FF2B5EF4-FFF2-40B4-BE49-F238E27FC236}">
+                <a16:creationId xmlns:a16="http://schemas.microsoft.com/office/drawing/2014/main" id="{51CE04BF-00E9-4E2C-84CB-9C91CBEB5DD1}"/>
+              </a:ext>
+            </a:extLst>
+          </p:cNvPr>
+          <p:cNvSpPr>
+            <a:spLocks noGrp="1"/>
+          </p:cNvSpPr>
+          <p:nvPr>
+            <p:ph type="sldNum" sz="quarter" idx="12"/>
+          </p:nvPr>
+        </p:nvSpPr>
+        <p:spPr/>
+        <p:txBody>
+          <a:bodyPr/>
+          <a:lstStyle/>
+          <a:p>
+            <a:fld id="{78F7A1EC-23D1-431D-8C93-9C4ED5D4A04D}" type="slidenum">
+              <a:rPr lang="en-US" smtClean="0"/>
+              <a:t>32</a:t>
+            </a:fld>
+            <a:endParaRPr lang="en-US"/>
+          </a:p>
+        </p:txBody>
+      </p:sp>
+      <p:sp>
+        <p:nvSpPr>
+          <p:cNvPr id="5" name="TextBox 4">
+            <a:extLst>
+              <a:ext uri="{FF2B5EF4-FFF2-40B4-BE49-F238E27FC236}">
+                <a16:creationId xmlns:a16="http://schemas.microsoft.com/office/drawing/2014/main" id="{147B9BED-C2A0-4C4B-97F5-9B324D768D18}"/>
+              </a:ext>
+            </a:extLst>
+          </p:cNvPr>
+          <p:cNvSpPr txBox="1"/>
+          <p:nvPr/>
+        </p:nvSpPr>
+        <p:spPr>
+          <a:xfrm>
+            <a:off x="1103864" y="1690688"/>
+            <a:ext cx="5198083" cy="1477328"/>
+          </a:xfrm>
+          <a:prstGeom prst="rect">
+            <a:avLst/>
+          </a:prstGeom>
+          <a:solidFill>
+            <a:schemeClr val="bg1">
+              <a:lumMod val="85000"/>
+            </a:schemeClr>
+          </a:solidFill>
+        </p:spPr>
+        <p:txBody>
+          <a:bodyPr wrap="square" rtlCol="0">
+            <a:spAutoFit/>
+          </a:bodyPr>
+          <a:lstStyle/>
+          <a:p>
+            <a:r>
+              <a:rPr lang="en-US" dirty="0">
+                <a:latin typeface="Consolas" panose="020B0609020204030204" pitchFamily="49" charset="0"/>
+              </a:rPr>
+              <a:t>open("my_file.dat", "w") do file</a:t>
+            </a:r>
+          </a:p>
+          <a:p>
+            <a:r>
+              <a:rPr lang="en-US" dirty="0">
+                <a:latin typeface="Consolas" panose="020B0609020204030204" pitchFamily="49" charset="0"/>
+              </a:rPr>
+              <a:t>    for x in 0.0:0.1:10.0</a:t>
+            </a:r>
+          </a:p>
+          <a:p>
+            <a:r>
+              <a:rPr lang="en-US" dirty="0">
+                <a:latin typeface="Consolas" panose="020B0609020204030204" pitchFamily="49" charset="0"/>
+              </a:rPr>
+              <a:t>        write(file, sqrt(x))</a:t>
+            </a:r>
+          </a:p>
+          <a:p>
+            <a:r>
+              <a:rPr lang="en-US" dirty="0">
+                <a:latin typeface="Consolas" panose="020B0609020204030204" pitchFamily="49" charset="0"/>
+              </a:rPr>
+              <a:t>    end</a:t>
+            </a:r>
+          </a:p>
+          <a:p>
+            <a:r>
+              <a:rPr lang="en-US" dirty="0">
+                <a:latin typeface="Consolas" panose="020B0609020204030204" pitchFamily="49" charset="0"/>
+              </a:rPr>
+              <a:t>end</a:t>
+            </a:r>
+          </a:p>
+        </p:txBody>
+      </p:sp>
+      <p:sp>
+        <p:nvSpPr>
+          <p:cNvPr id="6" name="TextBox 5">
+            <a:extLst>
+              <a:ext uri="{FF2B5EF4-FFF2-40B4-BE49-F238E27FC236}">
+                <a16:creationId xmlns:a16="http://schemas.microsoft.com/office/drawing/2014/main" id="{C539FF27-E060-47BE-B6C3-625B50E3DB39}"/>
+              </a:ext>
+            </a:extLst>
+          </p:cNvPr>
+          <p:cNvSpPr txBox="1"/>
+          <p:nvPr/>
+        </p:nvSpPr>
+        <p:spPr>
+          <a:xfrm>
+            <a:off x="1103864" y="3581272"/>
+            <a:ext cx="5198083" cy="1754326"/>
+          </a:xfrm>
+          <a:prstGeom prst="rect">
+            <a:avLst/>
+          </a:prstGeom>
+          <a:solidFill>
+            <a:schemeClr val="bg1">
+              <a:lumMod val="85000"/>
+            </a:schemeClr>
+          </a:solidFill>
+        </p:spPr>
+        <p:txBody>
+          <a:bodyPr wrap="square" rtlCol="0">
+            <a:spAutoFit/>
+          </a:bodyPr>
+          <a:lstStyle/>
+          <a:p>
+            <a:r>
+              <a:rPr lang="en-US" dirty="0">
+                <a:latin typeface="Consolas" panose="020B0609020204030204" pitchFamily="49" charset="0"/>
+              </a:rPr>
+              <a:t>open("my_file.dat", "r") do file</a:t>
+            </a:r>
+          </a:p>
+          <a:p>
+            <a:r>
+              <a:rPr lang="en-US" dirty="0">
+                <a:latin typeface="Consolas" panose="020B0609020204030204" pitchFamily="49" charset="0"/>
+              </a:rPr>
+              <a:t>    while !</a:t>
+            </a:r>
+            <a:r>
+              <a:rPr lang="en-US" dirty="0" err="1">
+                <a:latin typeface="Consolas" panose="020B0609020204030204" pitchFamily="49" charset="0"/>
+              </a:rPr>
+              <a:t>eof</a:t>
+            </a:r>
+            <a:r>
+              <a:rPr lang="en-US" dirty="0">
+                <a:latin typeface="Consolas" panose="020B0609020204030204" pitchFamily="49" charset="0"/>
+              </a:rPr>
+              <a:t>(file)</a:t>
+            </a:r>
+          </a:p>
+          <a:p>
+            <a:r>
+              <a:rPr lang="en-US" dirty="0">
+                <a:latin typeface="Consolas" panose="020B0609020204030204" pitchFamily="49" charset="0"/>
+              </a:rPr>
+              <a:t>        value = read(file, Float64)</a:t>
+            </a:r>
+          </a:p>
+          <a:p>
+            <a:r>
+              <a:rPr lang="en-US" dirty="0">
+                <a:latin typeface="Consolas" panose="020B0609020204030204" pitchFamily="49" charset="0"/>
+              </a:rPr>
+              <a:t>        …</a:t>
+            </a:r>
+          </a:p>
+          <a:p>
+            <a:r>
+              <a:rPr lang="en-US" dirty="0">
+                <a:latin typeface="Consolas" panose="020B0609020204030204" pitchFamily="49" charset="0"/>
+              </a:rPr>
+              <a:t>    end</a:t>
+            </a:r>
+          </a:p>
+          <a:p>
+            <a:r>
+              <a:rPr lang="en-US" dirty="0">
+                <a:latin typeface="Consolas" panose="020B0609020204030204" pitchFamily="49" charset="0"/>
+              </a:rPr>
+              <a:t>end</a:t>
+            </a:r>
+          </a:p>
+        </p:txBody>
+      </p:sp>
+    </p:spTree>
+    <p:extLst>
+      <p:ext uri="{BB962C8B-B14F-4D97-AF65-F5344CB8AC3E}">
+        <p14:creationId xmlns:p14="http://schemas.microsoft.com/office/powerpoint/2010/main" val="2281441154"/>
+      </p:ext>
+    </p:extLst>
+  </p:cSld>
+  <p:clrMapOvr>
+    <a:masterClrMapping/>
+  </p:clrMapOvr>
+</p:sld>
+</file>
+
+<file path=ppt/slides/slide33.xml><?xml version="1.0" encoding="utf-8"?>
+<p:sld xmlns:a="http://schemas.openxmlformats.org/drawingml/2006/main" xmlns:r="http://schemas.openxmlformats.org/officeDocument/2006/relationships" xmlns:p="http://schemas.openxmlformats.org/presentationml/2006/main">
+  <p:cSld>
+    <p:spTree>
+      <p:nvGrpSpPr>
+        <p:cNvPr id="1" name=""/>
+        <p:cNvGrpSpPr/>
+        <p:nvPr/>
+      </p:nvGrpSpPr>
+      <p:grpSpPr>
+        <a:xfrm>
+          <a:off x="0" y="0"/>
+          <a:ext cx="0" cy="0"/>
+          <a:chOff x="0" y="0"/>
+          <a:chExt cx="0" cy="0"/>
+        </a:xfrm>
+      </p:grpSpPr>
+      <p:sp>
+        <p:nvSpPr>
+          <p:cNvPr id="2" name="Title 1">
+            <a:extLst>
+              <a:ext uri="{FF2B5EF4-FFF2-40B4-BE49-F238E27FC236}">
+                <a16:creationId xmlns:a16="http://schemas.microsoft.com/office/drawing/2014/main" id="{2D2F30FA-E0DE-4624-A612-C0906A3954F0}"/>
+              </a:ext>
+            </a:extLst>
+          </p:cNvPr>
+          <p:cNvSpPr>
+            <a:spLocks noGrp="1"/>
+          </p:cNvSpPr>
+          <p:nvPr>
+            <p:ph type="title"/>
+          </p:nvPr>
+        </p:nvSpPr>
+        <p:spPr/>
+        <p:txBody>
+          <a:bodyPr/>
+          <a:lstStyle/>
+          <a:p>
+            <a:r>
+              <a:rPr lang="en-US" dirty="0"/>
+              <a:t>I/O modules</a:t>
+            </a:r>
+          </a:p>
+        </p:txBody>
+      </p:sp>
+      <p:sp>
+        <p:nvSpPr>
+          <p:cNvPr id="4" name="Content Placeholder 3">
+            <a:extLst>
+              <a:ext uri="{FF2B5EF4-FFF2-40B4-BE49-F238E27FC236}">
+                <a16:creationId xmlns:a16="http://schemas.microsoft.com/office/drawing/2014/main" id="{6BE6619B-DC77-4C26-95E4-CDB0C722C274}"/>
               </a:ext>
             </a:extLst>
           </p:cNvPr>
@@ -13959,56 +14977,53 @@
           <a:p>
             <a:r>
               <a:rPr lang="en-US" dirty="0"/>
-              <a:t>Julia documentation</a:t>
-            </a:r>
-            <a:br>
-              <a:rPr lang="en-US" dirty="0"/>
-            </a:br>
-            <a:r>
-              <a:rPr lang="en-US" dirty="0">
-                <a:hlinkClick r:id="rId2"/>
-              </a:rPr>
-              <a:t>https://docs.julialang.org/en/v1/</a:t>
-            </a:r>
-            <a:endParaRPr lang="en-US" dirty="0"/>
-          </a:p>
-          <a:p>
-            <a:r>
-              <a:rPr lang="en-US" i="1" dirty="0"/>
-              <a:t>Hands on design patterns and best practices with Julia</a:t>
-            </a:r>
-            <a:br>
-              <a:rPr lang="en-US" dirty="0"/>
-            </a:br>
-            <a:r>
-              <a:rPr lang="en-US" dirty="0"/>
-              <a:t>Tom </a:t>
-            </a:r>
-            <a:r>
-              <a:rPr lang="en-US" dirty="0" err="1"/>
-              <a:t>Kwong</a:t>
-            </a:r>
-            <a:r>
-              <a:rPr lang="en-US" dirty="0"/>
-              <a:t>, 2020, </a:t>
-            </a:r>
-            <a:r>
-              <a:rPr lang="en-US" dirty="0" err="1"/>
-              <a:t>Packt</a:t>
-            </a:r>
-            <a:r>
-              <a:rPr lang="en-US" dirty="0"/>
-              <a:t>&gt;</a:t>
-            </a:r>
-          </a:p>
-        </p:txBody>
-      </p:sp>
-      <p:sp>
-        <p:nvSpPr>
-          <p:cNvPr id="4" name="Slide Number Placeholder 3">
-            <a:extLst>
-              <a:ext uri="{FF2B5EF4-FFF2-40B4-BE49-F238E27FC236}">
-                <a16:creationId xmlns:a16="http://schemas.microsoft.com/office/drawing/2014/main" id="{37498B32-CB3D-4A06-ACBE-71F1E8CF3FE5}"/>
+              <a:t>Delimited text files: </a:t>
+            </a:r>
+            <a:r>
+              <a:rPr lang="en-US" dirty="0" err="1">
+                <a:latin typeface="Consolas" panose="020B0609020204030204" pitchFamily="49" charset="0"/>
+              </a:rPr>
+              <a:t>DelimitedFiles</a:t>
+            </a:r>
+            <a:endParaRPr lang="en-US" dirty="0">
+              <a:latin typeface="Consolas" panose="020B0609020204030204" pitchFamily="49" charset="0"/>
+            </a:endParaRPr>
+          </a:p>
+          <a:p>
+            <a:r>
+              <a:rPr lang="en-US" dirty="0"/>
+              <a:t>Output formatting: </a:t>
+            </a:r>
+            <a:r>
+              <a:rPr lang="en-US" dirty="0" err="1">
+                <a:latin typeface="Consolas" panose="020B0609020204030204" pitchFamily="49" charset="0"/>
+              </a:rPr>
+              <a:t>Printf</a:t>
+            </a:r>
+            <a:endParaRPr lang="en-US" dirty="0">
+              <a:latin typeface="Consolas" panose="020B0609020204030204" pitchFamily="49" charset="0"/>
+            </a:endParaRPr>
+          </a:p>
+          <a:p>
+            <a:r>
+              <a:rPr lang="en-US" dirty="0"/>
+              <a:t>HDF5 files: </a:t>
+            </a:r>
+            <a:r>
+              <a:rPr lang="en-US" dirty="0">
+                <a:latin typeface="Consolas" panose="020B0609020204030204" pitchFamily="49" charset="0"/>
+              </a:rPr>
+              <a:t>HDF5</a:t>
+            </a:r>
+          </a:p>
+        </p:txBody>
+      </p:sp>
+      <p:sp>
+        <p:nvSpPr>
+          <p:cNvPr id="3" name="Slide Number Placeholder 2">
+            <a:extLst>
+              <a:ext uri="{FF2B5EF4-FFF2-40B4-BE49-F238E27FC236}">
+                <a16:creationId xmlns:a16="http://schemas.microsoft.com/office/drawing/2014/main" id="{90B897A0-9655-4CED-9851-5E77512F0130}"/>
               </a:ext>
             </a:extLst>
           </p:cNvPr>
@@ -14026,7 +15041,7 @@
           <a:p>
             <a:fld id="{78F7A1EC-23D1-431D-8C93-9C4ED5D4A04D}" type="slidenum">
               <a:rPr lang="en-US" smtClean="0"/>
-              <a:t>32</a:t>
+              <a:t>33</a:t>
             </a:fld>
             <a:endParaRPr lang="en-US"/>
           </a:p>
@@ -14035,7 +15050,1655 @@
     </p:spTree>
     <p:extLst>
       <p:ext uri="{BB962C8B-B14F-4D97-AF65-F5344CB8AC3E}">
-        <p14:creationId xmlns:p14="http://schemas.microsoft.com/office/powerpoint/2010/main" val="3896452192"/>
+        <p14:creationId xmlns:p14="http://schemas.microsoft.com/office/powerpoint/2010/main" val="624133045"/>
+      </p:ext>
+    </p:extLst>
+  </p:cSld>
+  <p:clrMapOvr>
+    <a:masterClrMapping/>
+  </p:clrMapOvr>
+</p:sld>
+</file>
+
+<file path=ppt/slides/slide34.xml><?xml version="1.0" encoding="utf-8"?>
+<p:sld xmlns:a="http://schemas.openxmlformats.org/drawingml/2006/main" xmlns:r="http://schemas.openxmlformats.org/officeDocument/2006/relationships" xmlns:p="http://schemas.openxmlformats.org/presentationml/2006/main">
+  <p:cSld>
+    <p:spTree>
+      <p:nvGrpSpPr>
+        <p:cNvPr id="1" name=""/>
+        <p:cNvGrpSpPr/>
+        <p:nvPr/>
+      </p:nvGrpSpPr>
+      <p:grpSpPr>
+        <a:xfrm>
+          <a:off x="0" y="0"/>
+          <a:ext cx="0" cy="0"/>
+          <a:chOff x="0" y="0"/>
+          <a:chExt cx="0" cy="0"/>
+        </a:xfrm>
+      </p:grpSpPr>
+      <p:sp>
+        <p:nvSpPr>
+          <p:cNvPr id="2" name="Title 1">
+            <a:extLst>
+              <a:ext uri="{FF2B5EF4-FFF2-40B4-BE49-F238E27FC236}">
+                <a16:creationId xmlns:a16="http://schemas.microsoft.com/office/drawing/2014/main" id="{BD3F676C-8E61-475A-B380-3862D8DBCE89}"/>
+              </a:ext>
+            </a:extLst>
+          </p:cNvPr>
+          <p:cNvSpPr>
+            <a:spLocks noGrp="1"/>
+          </p:cNvSpPr>
+          <p:nvPr>
+            <p:ph type="title"/>
+          </p:nvPr>
+        </p:nvSpPr>
+        <p:spPr/>
+        <p:txBody>
+          <a:bodyPr/>
+          <a:lstStyle/>
+          <a:p>
+            <a:r>
+              <a:rPr lang="en-US" dirty="0"/>
+              <a:t>Code organization</a:t>
+            </a:r>
+          </a:p>
+        </p:txBody>
+      </p:sp>
+      <p:sp>
+        <p:nvSpPr>
+          <p:cNvPr id="3" name="Text Placeholder 2">
+            <a:extLst>
+              <a:ext uri="{FF2B5EF4-FFF2-40B4-BE49-F238E27FC236}">
+                <a16:creationId xmlns:a16="http://schemas.microsoft.com/office/drawing/2014/main" id="{A6A8E519-B664-45C3-9598-AAEDCCBF1B03}"/>
+              </a:ext>
+            </a:extLst>
+          </p:cNvPr>
+          <p:cNvSpPr>
+            <a:spLocks noGrp="1"/>
+          </p:cNvSpPr>
+          <p:nvPr>
+            <p:ph type="body" idx="1"/>
+          </p:nvPr>
+        </p:nvSpPr>
+        <p:spPr/>
+        <p:txBody>
+          <a:bodyPr/>
+          <a:lstStyle/>
+          <a:p>
+            <a:endParaRPr lang="en-US"/>
+          </a:p>
+        </p:txBody>
+      </p:sp>
+      <p:sp>
+        <p:nvSpPr>
+          <p:cNvPr id="4" name="Slide Number Placeholder 3">
+            <a:extLst>
+              <a:ext uri="{FF2B5EF4-FFF2-40B4-BE49-F238E27FC236}">
+                <a16:creationId xmlns:a16="http://schemas.microsoft.com/office/drawing/2014/main" id="{E83AE572-1A4F-44A3-9F9F-2E1F4C95A76D}"/>
+              </a:ext>
+            </a:extLst>
+          </p:cNvPr>
+          <p:cNvSpPr>
+            <a:spLocks noGrp="1"/>
+          </p:cNvSpPr>
+          <p:nvPr>
+            <p:ph type="sldNum" sz="quarter" idx="12"/>
+          </p:nvPr>
+        </p:nvSpPr>
+        <p:spPr/>
+        <p:txBody>
+          <a:bodyPr/>
+          <a:lstStyle/>
+          <a:p>
+            <a:fld id="{78F7A1EC-23D1-431D-8C93-9C4ED5D4A04D}" type="slidenum">
+              <a:rPr lang="en-US" smtClean="0"/>
+              <a:t>34</a:t>
+            </a:fld>
+            <a:endParaRPr lang="en-US"/>
+          </a:p>
+        </p:txBody>
+      </p:sp>
+    </p:spTree>
+    <p:extLst>
+      <p:ext uri="{BB962C8B-B14F-4D97-AF65-F5344CB8AC3E}">
+        <p14:creationId xmlns:p14="http://schemas.microsoft.com/office/powerpoint/2010/main" val="560763537"/>
+      </p:ext>
+    </p:extLst>
+  </p:cSld>
+  <p:clrMapOvr>
+    <a:masterClrMapping/>
+  </p:clrMapOvr>
+</p:sld>
+</file>
+
+<file path=ppt/slides/slide35.xml><?xml version="1.0" encoding="utf-8"?>
+<p:sld xmlns:a="http://schemas.openxmlformats.org/drawingml/2006/main" xmlns:r="http://schemas.openxmlformats.org/officeDocument/2006/relationships" xmlns:p="http://schemas.openxmlformats.org/presentationml/2006/main">
+  <p:cSld>
+    <p:spTree>
+      <p:nvGrpSpPr>
+        <p:cNvPr id="1" name=""/>
+        <p:cNvGrpSpPr/>
+        <p:nvPr/>
+      </p:nvGrpSpPr>
+      <p:grpSpPr>
+        <a:xfrm>
+          <a:off x="0" y="0"/>
+          <a:ext cx="0" cy="0"/>
+          <a:chOff x="0" y="0"/>
+          <a:chExt cx="0" cy="0"/>
+        </a:xfrm>
+      </p:grpSpPr>
+      <p:sp>
+        <p:nvSpPr>
+          <p:cNvPr id="2" name="Title 1">
+            <a:extLst>
+              <a:ext uri="{FF2B5EF4-FFF2-40B4-BE49-F238E27FC236}">
+                <a16:creationId xmlns:a16="http://schemas.microsoft.com/office/drawing/2014/main" id="{291CE4E6-CAD2-46CD-AC0C-36218848C9EF}"/>
+              </a:ext>
+            </a:extLst>
+          </p:cNvPr>
+          <p:cNvSpPr>
+            <a:spLocks noGrp="1"/>
+          </p:cNvSpPr>
+          <p:nvPr>
+            <p:ph type="title"/>
+          </p:nvPr>
+        </p:nvSpPr>
+        <p:spPr/>
+        <p:txBody>
+          <a:bodyPr/>
+          <a:lstStyle/>
+          <a:p>
+            <a:r>
+              <a:rPr lang="en-US" dirty="0"/>
+              <a:t>Modules</a:t>
+            </a:r>
+          </a:p>
+        </p:txBody>
+      </p:sp>
+      <p:sp>
+        <p:nvSpPr>
+          <p:cNvPr id="3" name="Content Placeholder 2">
+            <a:extLst>
+              <a:ext uri="{FF2B5EF4-FFF2-40B4-BE49-F238E27FC236}">
+                <a16:creationId xmlns:a16="http://schemas.microsoft.com/office/drawing/2014/main" id="{5644616E-30B7-47E4-A033-60C1A8006164}"/>
+              </a:ext>
+            </a:extLst>
+          </p:cNvPr>
+          <p:cNvSpPr>
+            <a:spLocks noGrp="1"/>
+          </p:cNvSpPr>
+          <p:nvPr>
+            <p:ph idx="1"/>
+          </p:nvPr>
+        </p:nvSpPr>
+        <p:spPr/>
+        <p:txBody>
+          <a:bodyPr/>
+          <a:lstStyle/>
+          <a:p>
+            <a:r>
+              <a:rPr lang="en-US" dirty="0"/>
+              <a:t>Modules are namespaces</a:t>
+            </a:r>
+          </a:p>
+        </p:txBody>
+      </p:sp>
+      <p:sp>
+        <p:nvSpPr>
+          <p:cNvPr id="4" name="Slide Number Placeholder 3">
+            <a:extLst>
+              <a:ext uri="{FF2B5EF4-FFF2-40B4-BE49-F238E27FC236}">
+                <a16:creationId xmlns:a16="http://schemas.microsoft.com/office/drawing/2014/main" id="{F7373C50-4941-464C-BFFC-BE5DE564BB52}"/>
+              </a:ext>
+            </a:extLst>
+          </p:cNvPr>
+          <p:cNvSpPr>
+            <a:spLocks noGrp="1"/>
+          </p:cNvSpPr>
+          <p:nvPr>
+            <p:ph type="sldNum" sz="quarter" idx="12"/>
+          </p:nvPr>
+        </p:nvSpPr>
+        <p:spPr/>
+        <p:txBody>
+          <a:bodyPr/>
+          <a:lstStyle/>
+          <a:p>
+            <a:fld id="{78F7A1EC-23D1-431D-8C93-9C4ED5D4A04D}" type="slidenum">
+              <a:rPr lang="en-US" smtClean="0"/>
+              <a:t>35</a:t>
+            </a:fld>
+            <a:endParaRPr lang="en-US"/>
+          </a:p>
+        </p:txBody>
+      </p:sp>
+      <p:grpSp>
+        <p:nvGrpSpPr>
+          <p:cNvPr id="8" name="Group 7">
+            <a:extLst>
+              <a:ext uri="{FF2B5EF4-FFF2-40B4-BE49-F238E27FC236}">
+                <a16:creationId xmlns:a16="http://schemas.microsoft.com/office/drawing/2014/main" id="{D663F298-65AC-4AD7-962E-B9C181C42FBB}"/>
+              </a:ext>
+            </a:extLst>
+          </p:cNvPr>
+          <p:cNvGrpSpPr/>
+          <p:nvPr/>
+        </p:nvGrpSpPr>
+        <p:grpSpPr>
+          <a:xfrm>
+            <a:off x="838201" y="2455198"/>
+            <a:ext cx="3025346" cy="3416320"/>
+            <a:chOff x="838201" y="2455198"/>
+            <a:chExt cx="3025346" cy="3416320"/>
+          </a:xfrm>
+        </p:grpSpPr>
+        <p:sp>
+          <p:nvSpPr>
+            <p:cNvPr id="5" name="TextBox 4">
+              <a:extLst>
+                <a:ext uri="{FF2B5EF4-FFF2-40B4-BE49-F238E27FC236}">
+                  <a16:creationId xmlns:a16="http://schemas.microsoft.com/office/drawing/2014/main" id="{49507C89-9635-4240-8B72-2785A6E7DA92}"/>
+                </a:ext>
+              </a:extLst>
+            </p:cNvPr>
+            <p:cNvSpPr txBox="1"/>
+            <p:nvPr/>
+          </p:nvSpPr>
+          <p:spPr>
+            <a:xfrm>
+              <a:off x="838201" y="2455198"/>
+              <a:ext cx="3025346" cy="3416320"/>
+            </a:xfrm>
+            <a:prstGeom prst="rect">
+              <a:avLst/>
+            </a:prstGeom>
+            <a:solidFill>
+              <a:schemeClr val="bg1">
+                <a:lumMod val="85000"/>
+              </a:schemeClr>
+            </a:solidFill>
+          </p:spPr>
+          <p:txBody>
+            <a:bodyPr wrap="square" rtlCol="0">
+              <a:spAutoFit/>
+            </a:bodyPr>
+            <a:lstStyle/>
+            <a:p>
+              <a:r>
+                <a:rPr lang="en-US" dirty="0">
+                  <a:latin typeface="Consolas" panose="020B0609020204030204" pitchFamily="49" charset="0"/>
+                </a:rPr>
+                <a:t>module </a:t>
+              </a:r>
+              <a:r>
+                <a:rPr lang="en-US" dirty="0" err="1">
+                  <a:latin typeface="Consolas" panose="020B0609020204030204" pitchFamily="49" charset="0"/>
+                </a:rPr>
+                <a:t>MyFunctions</a:t>
+              </a:r>
+              <a:endParaRPr lang="en-US" dirty="0">
+                <a:latin typeface="Consolas" panose="020B0609020204030204" pitchFamily="49" charset="0"/>
+              </a:endParaRPr>
+            </a:p>
+            <a:p>
+              <a:r>
+                <a:rPr lang="en-US" dirty="0">
+                  <a:latin typeface="Consolas" panose="020B0609020204030204" pitchFamily="49" charset="0"/>
+                </a:rPr>
+                <a:t>export </a:t>
+              </a:r>
+              <a:r>
+                <a:rPr lang="en-US" dirty="0">
+                  <a:solidFill>
+                    <a:srgbClr val="00B050"/>
+                  </a:solidFill>
+                  <a:latin typeface="Consolas" panose="020B0609020204030204" pitchFamily="49" charset="0"/>
+                </a:rPr>
+                <a:t>fact</a:t>
+              </a:r>
+            </a:p>
+            <a:p>
+              <a:endParaRPr lang="en-US" dirty="0">
+                <a:latin typeface="Consolas" panose="020B0609020204030204" pitchFamily="49" charset="0"/>
+              </a:endParaRPr>
+            </a:p>
+            <a:p>
+              <a:r>
+                <a:rPr lang="en-US" dirty="0">
+                  <a:latin typeface="Consolas" panose="020B0609020204030204" pitchFamily="49" charset="0"/>
+                </a:rPr>
+                <a:t>function </a:t>
+              </a:r>
+              <a:r>
+                <a:rPr lang="en-US" dirty="0">
+                  <a:solidFill>
+                    <a:srgbClr val="00B050"/>
+                  </a:solidFill>
+                  <a:latin typeface="Consolas" panose="020B0609020204030204" pitchFamily="49" charset="0"/>
+                </a:rPr>
+                <a:t>fact</a:t>
+              </a:r>
+              <a:r>
+                <a:rPr lang="en-US" dirty="0">
+                  <a:latin typeface="Consolas" panose="020B0609020204030204" pitchFamily="49" charset="0"/>
+                </a:rPr>
+                <a:t>(n)</a:t>
+              </a:r>
+            </a:p>
+            <a:p>
+              <a:r>
+                <a:rPr lang="en-US" dirty="0">
+                  <a:latin typeface="Consolas" panose="020B0609020204030204" pitchFamily="49" charset="0"/>
+                </a:rPr>
+                <a:t>    …</a:t>
+              </a:r>
+            </a:p>
+            <a:p>
+              <a:r>
+                <a:rPr lang="en-US" dirty="0">
+                  <a:latin typeface="Consolas" panose="020B0609020204030204" pitchFamily="49" charset="0"/>
+                </a:rPr>
+                <a:t>end</a:t>
+              </a:r>
+            </a:p>
+            <a:p>
+              <a:endParaRPr lang="en-US" dirty="0">
+                <a:latin typeface="Consolas" panose="020B0609020204030204" pitchFamily="49" charset="0"/>
+              </a:endParaRPr>
+            </a:p>
+            <a:p>
+              <a:r>
+                <a:rPr lang="en-US" dirty="0">
+                  <a:latin typeface="Consolas" panose="020B0609020204030204" pitchFamily="49" charset="0"/>
+                </a:rPr>
+                <a:t>function </a:t>
+              </a:r>
+              <a:r>
+                <a:rPr lang="en-US" b="1" dirty="0" err="1">
+                  <a:solidFill>
+                    <a:srgbClr val="0070C0"/>
+                  </a:solidFill>
+                  <a:latin typeface="Consolas" panose="020B0609020204030204" pitchFamily="49" charset="0"/>
+                </a:rPr>
+                <a:t>gcd</a:t>
+              </a:r>
+              <a:r>
+                <a:rPr lang="en-US" dirty="0">
+                  <a:latin typeface="Consolas" panose="020B0609020204030204" pitchFamily="49" charset="0"/>
+                </a:rPr>
+                <a:t>(a, b)</a:t>
+              </a:r>
+            </a:p>
+            <a:p>
+              <a:r>
+                <a:rPr lang="en-US" dirty="0">
+                  <a:latin typeface="Consolas" panose="020B0609020204030204" pitchFamily="49" charset="0"/>
+                </a:rPr>
+                <a:t>    …</a:t>
+              </a:r>
+            </a:p>
+            <a:p>
+              <a:r>
+                <a:rPr lang="en-US" dirty="0">
+                  <a:latin typeface="Consolas" panose="020B0609020204030204" pitchFamily="49" charset="0"/>
+                </a:rPr>
+                <a:t>end</a:t>
+              </a:r>
+            </a:p>
+            <a:p>
+              <a:endParaRPr lang="en-US" dirty="0">
+                <a:latin typeface="Consolas" panose="020B0609020204030204" pitchFamily="49" charset="0"/>
+              </a:endParaRPr>
+            </a:p>
+            <a:p>
+              <a:r>
+                <a:rPr lang="en-US" dirty="0">
+                  <a:latin typeface="Consolas" panose="020B0609020204030204" pitchFamily="49" charset="0"/>
+                </a:rPr>
+                <a:t>end</a:t>
+              </a:r>
+            </a:p>
+          </p:txBody>
+        </p:sp>
+        <p:sp>
+          <p:nvSpPr>
+            <p:cNvPr id="7" name="TextBox 6">
+              <a:extLst>
+                <a:ext uri="{FF2B5EF4-FFF2-40B4-BE49-F238E27FC236}">
+                  <a16:creationId xmlns:a16="http://schemas.microsoft.com/office/drawing/2014/main" id="{7BFEAC12-832E-4A6C-8684-CAAC907B0A2D}"/>
+                </a:ext>
+              </a:extLst>
+            </p:cNvPr>
+            <p:cNvSpPr txBox="1"/>
+            <p:nvPr/>
+          </p:nvSpPr>
+          <p:spPr>
+            <a:xfrm>
+              <a:off x="2842114" y="5609908"/>
+              <a:ext cx="1021433" cy="261610"/>
+            </a:xfrm>
+            <a:prstGeom prst="rect">
+              <a:avLst/>
+            </a:prstGeom>
+            <a:solidFill>
+              <a:schemeClr val="bg1"/>
+            </a:solidFill>
+            <a:ln>
+              <a:solidFill>
+                <a:schemeClr val="tx1"/>
+              </a:solidFill>
+            </a:ln>
+          </p:spPr>
+          <p:txBody>
+            <a:bodyPr wrap="none" rtlCol="0">
+              <a:spAutoFit/>
+            </a:bodyPr>
+            <a:lstStyle/>
+            <a:p>
+              <a:r>
+                <a:rPr lang="en-US" sz="1100" dirty="0" err="1"/>
+                <a:t>MyFunctions.jl</a:t>
+              </a:r>
+              <a:endParaRPr lang="en-US" sz="1100" dirty="0"/>
+            </a:p>
+          </p:txBody>
+        </p:sp>
+      </p:grpSp>
+      <p:grpSp>
+        <p:nvGrpSpPr>
+          <p:cNvPr id="11" name="Group 10">
+            <a:extLst>
+              <a:ext uri="{FF2B5EF4-FFF2-40B4-BE49-F238E27FC236}">
+                <a16:creationId xmlns:a16="http://schemas.microsoft.com/office/drawing/2014/main" id="{89549B4D-1E15-4A58-9D30-D56C240E9897}"/>
+              </a:ext>
+            </a:extLst>
+          </p:cNvPr>
+          <p:cNvGrpSpPr/>
+          <p:nvPr/>
+        </p:nvGrpSpPr>
+        <p:grpSpPr>
+          <a:xfrm>
+            <a:off x="5142470" y="2455198"/>
+            <a:ext cx="4306329" cy="1754326"/>
+            <a:chOff x="5142470" y="2455198"/>
+            <a:chExt cx="4306329" cy="1754326"/>
+          </a:xfrm>
+        </p:grpSpPr>
+        <p:sp>
+          <p:nvSpPr>
+            <p:cNvPr id="6" name="TextBox 5">
+              <a:extLst>
+                <a:ext uri="{FF2B5EF4-FFF2-40B4-BE49-F238E27FC236}">
+                  <a16:creationId xmlns:a16="http://schemas.microsoft.com/office/drawing/2014/main" id="{1BB28F42-1417-419E-8AD4-CDBDC4E67B9F}"/>
+                </a:ext>
+              </a:extLst>
+            </p:cNvPr>
+            <p:cNvSpPr txBox="1"/>
+            <p:nvPr/>
+          </p:nvSpPr>
+          <p:spPr>
+            <a:xfrm>
+              <a:off x="5142470" y="2455198"/>
+              <a:ext cx="4306329" cy="1754326"/>
+            </a:xfrm>
+            <a:prstGeom prst="rect">
+              <a:avLst/>
+            </a:prstGeom>
+            <a:solidFill>
+              <a:schemeClr val="bg1">
+                <a:lumMod val="85000"/>
+              </a:schemeClr>
+            </a:solidFill>
+          </p:spPr>
+          <p:txBody>
+            <a:bodyPr wrap="square" rtlCol="0">
+              <a:spAutoFit/>
+            </a:bodyPr>
+            <a:lstStyle/>
+            <a:p>
+              <a:r>
+                <a:rPr lang="en-US" dirty="0">
+                  <a:latin typeface="Consolas" panose="020B0609020204030204" pitchFamily="49" charset="0"/>
+                </a:rPr>
+                <a:t>…</a:t>
+              </a:r>
+            </a:p>
+            <a:p>
+              <a:r>
+                <a:rPr lang="en-US" dirty="0">
+                  <a:latin typeface="Consolas" panose="020B0609020204030204" pitchFamily="49" charset="0"/>
+                </a:rPr>
+                <a:t>using </a:t>
+              </a:r>
+              <a:r>
+                <a:rPr lang="en-US" dirty="0" err="1">
+                  <a:latin typeface="Consolas" panose="020B0609020204030204" pitchFamily="49" charset="0"/>
+                </a:rPr>
+                <a:t>MyFunctions</a:t>
+              </a:r>
+              <a:endParaRPr lang="en-US" dirty="0">
+                <a:latin typeface="Consolas" panose="020B0609020204030204" pitchFamily="49" charset="0"/>
+              </a:endParaRPr>
+            </a:p>
+            <a:p>
+              <a:endParaRPr lang="en-US" dirty="0">
+                <a:latin typeface="Consolas" panose="020B0609020204030204" pitchFamily="49" charset="0"/>
+              </a:endParaRPr>
+            </a:p>
+            <a:p>
+              <a:r>
+                <a:rPr lang="en-US" dirty="0" err="1">
+                  <a:latin typeface="Consolas" panose="020B0609020204030204" pitchFamily="49" charset="0"/>
+                </a:rPr>
+                <a:t>println</a:t>
+              </a:r>
+              <a:r>
+                <a:rPr lang="en-US" dirty="0">
+                  <a:latin typeface="Consolas" panose="020B0609020204030204" pitchFamily="49" charset="0"/>
+                </a:rPr>
+                <a:t>(</a:t>
+              </a:r>
+              <a:r>
+                <a:rPr lang="en-US" dirty="0">
+                  <a:solidFill>
+                    <a:srgbClr val="00B050"/>
+                  </a:solidFill>
+                  <a:latin typeface="Consolas" panose="020B0609020204030204" pitchFamily="49" charset="0"/>
+                </a:rPr>
+                <a:t>fact</a:t>
+              </a:r>
+              <a:r>
+                <a:rPr lang="en-US" dirty="0">
+                  <a:latin typeface="Consolas" panose="020B0609020204030204" pitchFamily="49" charset="0"/>
+                </a:rPr>
+                <a:t>(3))</a:t>
+              </a:r>
+            </a:p>
+            <a:p>
+              <a:r>
+                <a:rPr lang="en-US" dirty="0" err="1">
+                  <a:latin typeface="Consolas" panose="020B0609020204030204" pitchFamily="49" charset="0"/>
+                </a:rPr>
+                <a:t>println</a:t>
+              </a:r>
+              <a:r>
+                <a:rPr lang="en-US" dirty="0">
+                  <a:latin typeface="Consolas" panose="020B0609020204030204" pitchFamily="49" charset="0"/>
+                </a:rPr>
+                <a:t>(</a:t>
+              </a:r>
+              <a:r>
+                <a:rPr lang="en-US" dirty="0" err="1">
+                  <a:solidFill>
+                    <a:srgbClr val="0070C0"/>
+                  </a:solidFill>
+                  <a:latin typeface="Consolas" panose="020B0609020204030204" pitchFamily="49" charset="0"/>
+                </a:rPr>
+                <a:t>MyFunctions.gcd</a:t>
+              </a:r>
+              <a:r>
+                <a:rPr lang="en-US" dirty="0">
+                  <a:latin typeface="Consolas" panose="020B0609020204030204" pitchFamily="49" charset="0"/>
+                </a:rPr>
+                <a:t>(14, 35))</a:t>
+              </a:r>
+            </a:p>
+            <a:p>
+              <a:r>
+                <a:rPr lang="en-US" dirty="0">
+                  <a:latin typeface="Consolas" panose="020B0609020204030204" pitchFamily="49" charset="0"/>
+                </a:rPr>
+                <a:t>…</a:t>
+              </a:r>
+            </a:p>
+          </p:txBody>
+        </p:sp>
+        <p:sp>
+          <p:nvSpPr>
+            <p:cNvPr id="10" name="TextBox 9">
+              <a:extLst>
+                <a:ext uri="{FF2B5EF4-FFF2-40B4-BE49-F238E27FC236}">
+                  <a16:creationId xmlns:a16="http://schemas.microsoft.com/office/drawing/2014/main" id="{E84251E4-1CB4-406D-9502-107871E63C05}"/>
+                </a:ext>
+              </a:extLst>
+            </p:cNvPr>
+            <p:cNvSpPr txBox="1"/>
+            <p:nvPr/>
+          </p:nvSpPr>
+          <p:spPr>
+            <a:xfrm>
+              <a:off x="8600490" y="3901748"/>
+              <a:ext cx="848309" cy="261610"/>
+            </a:xfrm>
+            <a:prstGeom prst="rect">
+              <a:avLst/>
+            </a:prstGeom>
+            <a:solidFill>
+              <a:schemeClr val="bg1"/>
+            </a:solidFill>
+            <a:ln>
+              <a:solidFill>
+                <a:schemeClr val="tx1"/>
+              </a:solidFill>
+            </a:ln>
+          </p:spPr>
+          <p:txBody>
+            <a:bodyPr wrap="none" rtlCol="0">
+              <a:spAutoFit/>
+            </a:bodyPr>
+            <a:lstStyle/>
+            <a:p>
+              <a:r>
+                <a:rPr lang="en-US" sz="1100" dirty="0" err="1"/>
+                <a:t>my_script.jl</a:t>
+              </a:r>
+              <a:endParaRPr lang="en-US" sz="1100" dirty="0"/>
+            </a:p>
+          </p:txBody>
+        </p:sp>
+      </p:grpSp>
+      <p:grpSp>
+        <p:nvGrpSpPr>
+          <p:cNvPr id="18" name="Group 17">
+            <a:extLst>
+              <a:ext uri="{FF2B5EF4-FFF2-40B4-BE49-F238E27FC236}">
+                <a16:creationId xmlns:a16="http://schemas.microsoft.com/office/drawing/2014/main" id="{3818AADB-A666-433E-AB21-92FE6E83D4BE}"/>
+              </a:ext>
+            </a:extLst>
+          </p:cNvPr>
+          <p:cNvGrpSpPr/>
+          <p:nvPr/>
+        </p:nvGrpSpPr>
+        <p:grpSpPr>
+          <a:xfrm>
+            <a:off x="2611395" y="3682314"/>
+            <a:ext cx="1657299" cy="534905"/>
+            <a:chOff x="2611395" y="3682314"/>
+            <a:chExt cx="1657299" cy="534905"/>
+          </a:xfrm>
+        </p:grpSpPr>
+        <p:sp>
+          <p:nvSpPr>
+            <p:cNvPr id="12" name="TextBox 11">
+              <a:extLst>
+                <a:ext uri="{FF2B5EF4-FFF2-40B4-BE49-F238E27FC236}">
+                  <a16:creationId xmlns:a16="http://schemas.microsoft.com/office/drawing/2014/main" id="{66D191B9-5557-4D2E-83C4-2F2B94D79032}"/>
+                </a:ext>
+              </a:extLst>
+            </p:cNvPr>
+            <p:cNvSpPr txBox="1"/>
+            <p:nvPr/>
+          </p:nvSpPr>
+          <p:spPr>
+            <a:xfrm>
+              <a:off x="3236937" y="3847887"/>
+              <a:ext cx="1031757" cy="369332"/>
+            </a:xfrm>
+            <a:prstGeom prst="rect">
+              <a:avLst/>
+            </a:prstGeom>
+            <a:solidFill>
+              <a:schemeClr val="bg1"/>
+            </a:solidFill>
+            <a:ln>
+              <a:solidFill>
+                <a:schemeClr val="tx1"/>
+              </a:solidFill>
+            </a:ln>
+          </p:spPr>
+          <p:txBody>
+            <a:bodyPr wrap="none" rtlCol="0">
+              <a:spAutoFit/>
+            </a:bodyPr>
+            <a:lstStyle/>
+            <a:p>
+              <a:r>
+                <a:rPr lang="en-US" dirty="0"/>
+                <a:t>Exported</a:t>
+              </a:r>
+            </a:p>
+          </p:txBody>
+        </p:sp>
+        <p:cxnSp>
+          <p:nvCxnSpPr>
+            <p:cNvPr id="15" name="Straight Arrow Connector 14">
+              <a:extLst>
+                <a:ext uri="{FF2B5EF4-FFF2-40B4-BE49-F238E27FC236}">
+                  <a16:creationId xmlns:a16="http://schemas.microsoft.com/office/drawing/2014/main" id="{C1B9D201-7DA7-492D-B382-2B84A1B4E209}"/>
+                </a:ext>
+              </a:extLst>
+            </p:cNvPr>
+            <p:cNvCxnSpPr/>
+            <p:nvPr/>
+          </p:nvCxnSpPr>
+          <p:spPr>
+            <a:xfrm flipH="1" flipV="1">
+              <a:off x="2611395" y="3682314"/>
+              <a:ext cx="626074" cy="350239"/>
+            </a:xfrm>
+            <a:prstGeom prst="straightConnector1">
+              <a:avLst/>
+            </a:prstGeom>
+            <a:ln w="19050">
+              <a:solidFill>
+                <a:schemeClr val="tx1"/>
+              </a:solidFill>
+              <a:tailEnd type="stealth" w="lg" len="lg"/>
+            </a:ln>
+          </p:spPr>
+          <p:style>
+            <a:lnRef idx="1">
+              <a:schemeClr val="accent1"/>
+            </a:lnRef>
+            <a:fillRef idx="0">
+              <a:schemeClr val="accent1"/>
+            </a:fillRef>
+            <a:effectRef idx="0">
+              <a:schemeClr val="accent1"/>
+            </a:effectRef>
+            <a:fontRef idx="minor">
+              <a:schemeClr val="tx1"/>
+            </a:fontRef>
+          </p:style>
+        </p:cxnSp>
+      </p:grpSp>
+      <p:grpSp>
+        <p:nvGrpSpPr>
+          <p:cNvPr id="19" name="Group 18">
+            <a:extLst>
+              <a:ext uri="{FF2B5EF4-FFF2-40B4-BE49-F238E27FC236}">
+                <a16:creationId xmlns:a16="http://schemas.microsoft.com/office/drawing/2014/main" id="{7FD5D0D4-5B0E-4703-9161-3E672C1B0F77}"/>
+              </a:ext>
+            </a:extLst>
+          </p:cNvPr>
+          <p:cNvGrpSpPr/>
+          <p:nvPr/>
+        </p:nvGrpSpPr>
+        <p:grpSpPr>
+          <a:xfrm>
+            <a:off x="2523405" y="4782220"/>
+            <a:ext cx="2150436" cy="507528"/>
+            <a:chOff x="2523405" y="4782220"/>
+            <a:chExt cx="2150436" cy="507528"/>
+          </a:xfrm>
+        </p:grpSpPr>
+        <p:sp>
+          <p:nvSpPr>
+            <p:cNvPr id="13" name="TextBox 12">
+              <a:extLst>
+                <a:ext uri="{FF2B5EF4-FFF2-40B4-BE49-F238E27FC236}">
+                  <a16:creationId xmlns:a16="http://schemas.microsoft.com/office/drawing/2014/main" id="{C964870B-6C66-482F-BD17-F0609233DFB8}"/>
+                </a:ext>
+              </a:extLst>
+            </p:cNvPr>
+            <p:cNvSpPr txBox="1"/>
+            <p:nvPr/>
+          </p:nvSpPr>
+          <p:spPr>
+            <a:xfrm>
+              <a:off x="3241589" y="4920416"/>
+              <a:ext cx="1432252" cy="369332"/>
+            </a:xfrm>
+            <a:prstGeom prst="rect">
+              <a:avLst/>
+            </a:prstGeom>
+            <a:solidFill>
+              <a:schemeClr val="bg1"/>
+            </a:solidFill>
+            <a:ln>
+              <a:solidFill>
+                <a:schemeClr val="tx1"/>
+              </a:solidFill>
+            </a:ln>
+          </p:spPr>
+          <p:txBody>
+            <a:bodyPr wrap="none" rtlCol="0">
+              <a:spAutoFit/>
+            </a:bodyPr>
+            <a:lstStyle/>
+            <a:p>
+              <a:r>
+                <a:rPr lang="en-US" dirty="0"/>
+                <a:t>Not exported</a:t>
+              </a:r>
+            </a:p>
+          </p:txBody>
+        </p:sp>
+        <p:cxnSp>
+          <p:nvCxnSpPr>
+            <p:cNvPr id="16" name="Straight Arrow Connector 15">
+              <a:extLst>
+                <a:ext uri="{FF2B5EF4-FFF2-40B4-BE49-F238E27FC236}">
+                  <a16:creationId xmlns:a16="http://schemas.microsoft.com/office/drawing/2014/main" id="{E04E67AE-AE2D-4D77-A020-3E24CD5C134A}"/>
+                </a:ext>
+              </a:extLst>
+            </p:cNvPr>
+            <p:cNvCxnSpPr>
+              <a:cxnSpLocks/>
+              <a:stCxn id="13" idx="1"/>
+            </p:cNvCxnSpPr>
+            <p:nvPr/>
+          </p:nvCxnSpPr>
+          <p:spPr>
+            <a:xfrm flipH="1" flipV="1">
+              <a:off x="2523405" y="4782220"/>
+              <a:ext cx="718184" cy="322862"/>
+            </a:xfrm>
+            <a:prstGeom prst="straightConnector1">
+              <a:avLst/>
+            </a:prstGeom>
+            <a:ln w="19050">
+              <a:solidFill>
+                <a:schemeClr val="tx1"/>
+              </a:solidFill>
+              <a:tailEnd type="stealth" w="lg" len="lg"/>
+            </a:ln>
+          </p:spPr>
+          <p:style>
+            <a:lnRef idx="1">
+              <a:schemeClr val="accent1"/>
+            </a:lnRef>
+            <a:fillRef idx="0">
+              <a:schemeClr val="accent1"/>
+            </a:fillRef>
+            <a:effectRef idx="0">
+              <a:schemeClr val="accent1"/>
+            </a:effectRef>
+            <a:fontRef idx="minor">
+              <a:schemeClr val="tx1"/>
+            </a:fontRef>
+          </p:style>
+        </p:cxnSp>
+      </p:grpSp>
+      <p:sp>
+        <p:nvSpPr>
+          <p:cNvPr id="20" name="TextBox 19">
+            <a:extLst>
+              <a:ext uri="{FF2B5EF4-FFF2-40B4-BE49-F238E27FC236}">
+                <a16:creationId xmlns:a16="http://schemas.microsoft.com/office/drawing/2014/main" id="{B8303B27-E879-459C-B25F-9630FEFAEFFD}"/>
+              </a:ext>
+            </a:extLst>
+          </p:cNvPr>
+          <p:cNvSpPr txBox="1"/>
+          <p:nvPr/>
+        </p:nvSpPr>
+        <p:spPr>
+          <a:xfrm>
+            <a:off x="5142470" y="4469765"/>
+            <a:ext cx="3215751" cy="369332"/>
+          </a:xfrm>
+          <a:prstGeom prst="rect">
+            <a:avLst/>
+          </a:prstGeom>
+          <a:solidFill>
+            <a:schemeClr val="bg1">
+              <a:lumMod val="85000"/>
+            </a:schemeClr>
+          </a:solidFill>
+        </p:spPr>
+        <p:txBody>
+          <a:bodyPr wrap="square" rtlCol="0">
+            <a:spAutoFit/>
+          </a:bodyPr>
+          <a:lstStyle/>
+          <a:p>
+            <a:r>
+              <a:rPr lang="en-US" dirty="0">
+                <a:latin typeface="Consolas" panose="020B0609020204030204" pitchFamily="49" charset="0"/>
+              </a:rPr>
+              <a:t>using </a:t>
+            </a:r>
+            <a:r>
+              <a:rPr lang="en-US" dirty="0" err="1">
+                <a:latin typeface="Consolas" panose="020B0609020204030204" pitchFamily="49" charset="0"/>
+              </a:rPr>
+              <a:t>MyFunctions</a:t>
+            </a:r>
+            <a:r>
+              <a:rPr lang="en-US" dirty="0">
+                <a:latin typeface="Consolas" panose="020B0609020204030204" pitchFamily="49" charset="0"/>
+              </a:rPr>
+              <a:t>: fact</a:t>
+            </a:r>
+          </a:p>
+        </p:txBody>
+      </p:sp>
+      <p:grpSp>
+        <p:nvGrpSpPr>
+          <p:cNvPr id="21" name="Group 20">
+            <a:extLst>
+              <a:ext uri="{FF2B5EF4-FFF2-40B4-BE49-F238E27FC236}">
+                <a16:creationId xmlns:a16="http://schemas.microsoft.com/office/drawing/2014/main" id="{5759EAB1-45AF-4F72-84A7-4A086DB13074}"/>
+              </a:ext>
+            </a:extLst>
+          </p:cNvPr>
+          <p:cNvGrpSpPr/>
+          <p:nvPr/>
+        </p:nvGrpSpPr>
+        <p:grpSpPr>
+          <a:xfrm>
+            <a:off x="9024644" y="4188490"/>
+            <a:ext cx="2371565" cy="1467584"/>
+            <a:chOff x="7234137" y="3063682"/>
+            <a:chExt cx="2371565" cy="1467584"/>
+          </a:xfrm>
+        </p:grpSpPr>
+        <p:sp>
+          <p:nvSpPr>
+            <p:cNvPr id="22" name="TextBox 21">
+              <a:extLst>
+                <a:ext uri="{FF2B5EF4-FFF2-40B4-BE49-F238E27FC236}">
+                  <a16:creationId xmlns:a16="http://schemas.microsoft.com/office/drawing/2014/main" id="{743F5982-650A-4EE0-8242-CE5C2F982D97}"/>
+                </a:ext>
+              </a:extLst>
+            </p:cNvPr>
+            <p:cNvSpPr txBox="1"/>
+            <p:nvPr/>
+          </p:nvSpPr>
+          <p:spPr>
+            <a:xfrm>
+              <a:off x="7850221" y="3700269"/>
+              <a:ext cx="1755481" cy="830997"/>
+            </a:xfrm>
+            <a:prstGeom prst="rect">
+              <a:avLst/>
+            </a:prstGeom>
+            <a:noFill/>
+            <a:ln>
+              <a:solidFill>
+                <a:schemeClr val="tx1"/>
+              </a:solidFill>
+            </a:ln>
+          </p:spPr>
+          <p:txBody>
+            <a:bodyPr wrap="none" rtlCol="0">
+              <a:spAutoFit/>
+            </a:bodyPr>
+            <a:lstStyle/>
+            <a:p>
+              <a:r>
+                <a:rPr lang="en-US" sz="2400" dirty="0"/>
+                <a:t>Don’t </a:t>
+              </a:r>
+              <a:r>
+                <a:rPr lang="en-US" sz="2400" dirty="0" err="1"/>
+                <a:t>polute</a:t>
+              </a:r>
+              <a:endParaRPr lang="en-US" sz="2400" dirty="0"/>
+            </a:p>
+            <a:p>
+              <a:r>
+                <a:rPr lang="en-US" sz="2400" dirty="0"/>
+                <a:t>namespace</a:t>
+              </a:r>
+            </a:p>
+          </p:txBody>
+        </p:sp>
+        <p:pic>
+          <p:nvPicPr>
+            <p:cNvPr id="23" name="Graphic 22" descr="Thumbs up sign with solid fill">
+              <a:extLst>
+                <a:ext uri="{FF2B5EF4-FFF2-40B4-BE49-F238E27FC236}">
+                  <a16:creationId xmlns:a16="http://schemas.microsoft.com/office/drawing/2014/main" id="{83D99621-5A43-48FB-A878-3DA40509541B}"/>
+                </a:ext>
+              </a:extLst>
+            </p:cNvPr>
+            <p:cNvPicPr>
+              <a:picLocks noChangeAspect="1"/>
+            </p:cNvPicPr>
+            <p:nvPr/>
+          </p:nvPicPr>
+          <p:blipFill>
+            <a:blip r:embed="rId2">
+              <a:extLst>
+                <a:ext uri="{28A0092B-C50C-407E-A947-70E740481C1C}">
+                  <a14:useLocalDpi xmlns:a14="http://schemas.microsoft.com/office/drawing/2010/main" val="0"/>
+                </a:ext>
+                <a:ext uri="{96DAC541-7B7A-43D3-8B79-37D633B846F1}">
+                  <asvg:svgBlip xmlns:asvg="http://schemas.microsoft.com/office/drawing/2016/SVG/main" r:embed="rId3"/>
+                </a:ext>
+              </a:extLst>
+            </a:blip>
+            <a:stretch>
+              <a:fillRect/>
+            </a:stretch>
+          </p:blipFill>
+          <p:spPr>
+            <a:xfrm>
+              <a:off x="7234137" y="3063682"/>
+              <a:ext cx="914400" cy="914400"/>
+            </a:xfrm>
+            <a:prstGeom prst="rect">
+              <a:avLst/>
+            </a:prstGeom>
+          </p:spPr>
+        </p:pic>
+      </p:grpSp>
+      <p:sp>
+        <p:nvSpPr>
+          <p:cNvPr id="24" name="TextBox 23">
+            <a:extLst>
+              <a:ext uri="{FF2B5EF4-FFF2-40B4-BE49-F238E27FC236}">
+                <a16:creationId xmlns:a16="http://schemas.microsoft.com/office/drawing/2014/main" id="{9FAA3A86-D19E-477D-A4E8-3B4ABA8169EB}"/>
+              </a:ext>
+            </a:extLst>
+          </p:cNvPr>
+          <p:cNvSpPr txBox="1"/>
+          <p:nvPr/>
+        </p:nvSpPr>
+        <p:spPr>
+          <a:xfrm>
+            <a:off x="5142469" y="5502186"/>
+            <a:ext cx="3215751" cy="369332"/>
+          </a:xfrm>
+          <a:prstGeom prst="rect">
+            <a:avLst/>
+          </a:prstGeom>
+          <a:solidFill>
+            <a:schemeClr val="bg1">
+              <a:lumMod val="85000"/>
+            </a:schemeClr>
+          </a:solidFill>
+        </p:spPr>
+        <p:txBody>
+          <a:bodyPr wrap="square" rtlCol="0">
+            <a:spAutoFit/>
+          </a:bodyPr>
+          <a:lstStyle/>
+          <a:p>
+            <a:r>
+              <a:rPr lang="en-US" dirty="0">
+                <a:latin typeface="Consolas" panose="020B0609020204030204" pitchFamily="49" charset="0"/>
+              </a:rPr>
+              <a:t>import </a:t>
+            </a:r>
+            <a:r>
+              <a:rPr lang="en-US" dirty="0" err="1">
+                <a:latin typeface="Consolas" panose="020B0609020204030204" pitchFamily="49" charset="0"/>
+              </a:rPr>
+              <a:t>MyFunctions</a:t>
+            </a:r>
+            <a:r>
+              <a:rPr lang="en-US" dirty="0">
+                <a:latin typeface="Consolas" panose="020B0609020204030204" pitchFamily="49" charset="0"/>
+              </a:rPr>
+              <a:t>: fact</a:t>
+            </a:r>
+          </a:p>
+        </p:txBody>
+      </p:sp>
+      <p:grpSp>
+        <p:nvGrpSpPr>
+          <p:cNvPr id="25" name="Group 24">
+            <a:extLst>
+              <a:ext uri="{FF2B5EF4-FFF2-40B4-BE49-F238E27FC236}">
+                <a16:creationId xmlns:a16="http://schemas.microsoft.com/office/drawing/2014/main" id="{BD3CF768-65C4-4919-9674-725ADC5EA55D}"/>
+              </a:ext>
+            </a:extLst>
+          </p:cNvPr>
+          <p:cNvGrpSpPr/>
+          <p:nvPr/>
+        </p:nvGrpSpPr>
+        <p:grpSpPr>
+          <a:xfrm>
+            <a:off x="8128147" y="5862354"/>
+            <a:ext cx="3810441" cy="507528"/>
+            <a:chOff x="2523405" y="4782220"/>
+            <a:chExt cx="3810441" cy="507528"/>
+          </a:xfrm>
+        </p:grpSpPr>
+        <p:sp>
+          <p:nvSpPr>
+            <p:cNvPr id="26" name="TextBox 25">
+              <a:extLst>
+                <a:ext uri="{FF2B5EF4-FFF2-40B4-BE49-F238E27FC236}">
+                  <a16:creationId xmlns:a16="http://schemas.microsoft.com/office/drawing/2014/main" id="{100F39DA-A6F3-4400-9F27-CC33A6DA2483}"/>
+                </a:ext>
+              </a:extLst>
+            </p:cNvPr>
+            <p:cNvSpPr txBox="1"/>
+            <p:nvPr/>
+          </p:nvSpPr>
+          <p:spPr>
+            <a:xfrm>
+              <a:off x="3241589" y="4920416"/>
+              <a:ext cx="3092257" cy="369332"/>
+            </a:xfrm>
+            <a:prstGeom prst="rect">
+              <a:avLst/>
+            </a:prstGeom>
+            <a:solidFill>
+              <a:schemeClr val="bg1"/>
+            </a:solidFill>
+            <a:ln>
+              <a:solidFill>
+                <a:schemeClr val="tx1"/>
+              </a:solidFill>
+            </a:ln>
+          </p:spPr>
+          <p:txBody>
+            <a:bodyPr wrap="none" rtlCol="0">
+              <a:spAutoFit/>
+            </a:bodyPr>
+            <a:lstStyle/>
+            <a:p>
+              <a:r>
+                <a:rPr lang="en-US" dirty="0"/>
+                <a:t>Add methods to </a:t>
+              </a:r>
+              <a:r>
+                <a:rPr lang="en-US" dirty="0">
+                  <a:latin typeface="Consolas" panose="020B0609020204030204" pitchFamily="49" charset="0"/>
+                </a:rPr>
+                <a:t>fact</a:t>
+              </a:r>
+              <a:r>
+                <a:rPr lang="en-US" dirty="0"/>
+                <a:t> function</a:t>
+              </a:r>
+            </a:p>
+          </p:txBody>
+        </p:sp>
+        <p:cxnSp>
+          <p:nvCxnSpPr>
+            <p:cNvPr id="27" name="Straight Arrow Connector 26">
+              <a:extLst>
+                <a:ext uri="{FF2B5EF4-FFF2-40B4-BE49-F238E27FC236}">
+                  <a16:creationId xmlns:a16="http://schemas.microsoft.com/office/drawing/2014/main" id="{8FC42654-D385-40F2-8395-D0482F5B1277}"/>
+                </a:ext>
+              </a:extLst>
+            </p:cNvPr>
+            <p:cNvCxnSpPr>
+              <a:cxnSpLocks/>
+              <a:stCxn id="26" idx="1"/>
+            </p:cNvCxnSpPr>
+            <p:nvPr/>
+          </p:nvCxnSpPr>
+          <p:spPr>
+            <a:xfrm flipH="1" flipV="1">
+              <a:off x="2523405" y="4782220"/>
+              <a:ext cx="718184" cy="322862"/>
+            </a:xfrm>
+            <a:prstGeom prst="straightConnector1">
+              <a:avLst/>
+            </a:prstGeom>
+            <a:ln w="19050">
+              <a:solidFill>
+                <a:schemeClr val="tx1"/>
+              </a:solidFill>
+              <a:tailEnd type="stealth" w="lg" len="lg"/>
+            </a:ln>
+          </p:spPr>
+          <p:style>
+            <a:lnRef idx="1">
+              <a:schemeClr val="accent1"/>
+            </a:lnRef>
+            <a:fillRef idx="0">
+              <a:schemeClr val="accent1"/>
+            </a:fillRef>
+            <a:effectRef idx="0">
+              <a:schemeClr val="accent1"/>
+            </a:effectRef>
+            <a:fontRef idx="minor">
+              <a:schemeClr val="tx1"/>
+            </a:fontRef>
+          </p:style>
+        </p:cxnSp>
+      </p:grpSp>
+    </p:spTree>
+    <p:extLst>
+      <p:ext uri="{BB962C8B-B14F-4D97-AF65-F5344CB8AC3E}">
+        <p14:creationId xmlns:p14="http://schemas.microsoft.com/office/powerpoint/2010/main" val="823607669"/>
+      </p:ext>
+    </p:extLst>
+  </p:cSld>
+  <p:clrMapOvr>
+    <a:masterClrMapping/>
+  </p:clrMapOvr>
+</p:sld>
+</file>
+
+<file path=ppt/slides/slide36.xml><?xml version="1.0" encoding="utf-8"?>
+<p:sld xmlns:a="http://schemas.openxmlformats.org/drawingml/2006/main" xmlns:r="http://schemas.openxmlformats.org/officeDocument/2006/relationships" xmlns:p="http://schemas.openxmlformats.org/presentationml/2006/main">
+  <p:cSld>
+    <p:spTree>
+      <p:nvGrpSpPr>
+        <p:cNvPr id="1" name=""/>
+        <p:cNvGrpSpPr/>
+        <p:nvPr/>
+      </p:nvGrpSpPr>
+      <p:grpSpPr>
+        <a:xfrm>
+          <a:off x="0" y="0"/>
+          <a:ext cx="0" cy="0"/>
+          <a:chOff x="0" y="0"/>
+          <a:chExt cx="0" cy="0"/>
+        </a:xfrm>
+      </p:grpSpPr>
+      <p:sp>
+        <p:nvSpPr>
+          <p:cNvPr id="2" name="Title 1">
+            <a:extLst>
+              <a:ext uri="{FF2B5EF4-FFF2-40B4-BE49-F238E27FC236}">
+                <a16:creationId xmlns:a16="http://schemas.microsoft.com/office/drawing/2014/main" id="{55AC2C90-DDC5-486E-9507-4F3418F774CF}"/>
+              </a:ext>
+            </a:extLst>
+          </p:cNvPr>
+          <p:cNvSpPr>
+            <a:spLocks noGrp="1"/>
+          </p:cNvSpPr>
+          <p:nvPr>
+            <p:ph type="title"/>
+          </p:nvPr>
+        </p:nvSpPr>
+        <p:spPr/>
+        <p:txBody>
+          <a:bodyPr/>
+          <a:lstStyle/>
+          <a:p>
+            <a:r>
+              <a:rPr lang="en-US" dirty="0"/>
+              <a:t>Packages</a:t>
+            </a:r>
+          </a:p>
+        </p:txBody>
+      </p:sp>
+      <p:sp>
+        <p:nvSpPr>
+          <p:cNvPr id="3" name="Content Placeholder 2">
+            <a:extLst>
+              <a:ext uri="{FF2B5EF4-FFF2-40B4-BE49-F238E27FC236}">
+                <a16:creationId xmlns:a16="http://schemas.microsoft.com/office/drawing/2014/main" id="{B1198834-D6EA-4D93-B5A0-29171C47F1C7}"/>
+              </a:ext>
+            </a:extLst>
+          </p:cNvPr>
+          <p:cNvSpPr>
+            <a:spLocks noGrp="1"/>
+          </p:cNvSpPr>
+          <p:nvPr>
+            <p:ph idx="1"/>
+          </p:nvPr>
+        </p:nvSpPr>
+        <p:spPr/>
+        <p:txBody>
+          <a:bodyPr/>
+          <a:lstStyle/>
+          <a:p>
+            <a:endParaRPr lang="en-US"/>
+          </a:p>
+        </p:txBody>
+      </p:sp>
+      <p:sp>
+        <p:nvSpPr>
+          <p:cNvPr id="4" name="Slide Number Placeholder 3">
+            <a:extLst>
+              <a:ext uri="{FF2B5EF4-FFF2-40B4-BE49-F238E27FC236}">
+                <a16:creationId xmlns:a16="http://schemas.microsoft.com/office/drawing/2014/main" id="{76CD2ADE-9DFA-42E6-BC97-9CB864E0E6BF}"/>
+              </a:ext>
+            </a:extLst>
+          </p:cNvPr>
+          <p:cNvSpPr>
+            <a:spLocks noGrp="1"/>
+          </p:cNvSpPr>
+          <p:nvPr>
+            <p:ph type="sldNum" sz="quarter" idx="12"/>
+          </p:nvPr>
+        </p:nvSpPr>
+        <p:spPr/>
+        <p:txBody>
+          <a:bodyPr/>
+          <a:lstStyle/>
+          <a:p>
+            <a:fld id="{78F7A1EC-23D1-431D-8C93-9C4ED5D4A04D}" type="slidenum">
+              <a:rPr lang="en-US" smtClean="0"/>
+              <a:t>36</a:t>
+            </a:fld>
+            <a:endParaRPr lang="en-US"/>
+          </a:p>
+        </p:txBody>
+      </p:sp>
+    </p:spTree>
+    <p:extLst>
+      <p:ext uri="{BB962C8B-B14F-4D97-AF65-F5344CB8AC3E}">
+        <p14:creationId xmlns:p14="http://schemas.microsoft.com/office/powerpoint/2010/main" val="243560851"/>
+      </p:ext>
+    </p:extLst>
+  </p:cSld>
+  <p:clrMapOvr>
+    <a:masterClrMapping/>
+  </p:clrMapOvr>
+</p:sld>
+</file>
+
+<file path=ppt/slides/slide37.xml><?xml version="1.0" encoding="utf-8"?>
+<p:sld xmlns:a="http://schemas.openxmlformats.org/drawingml/2006/main" xmlns:r="http://schemas.openxmlformats.org/officeDocument/2006/relationships" xmlns:p="http://schemas.openxmlformats.org/presentationml/2006/main">
+  <p:cSld>
+    <p:spTree>
+      <p:nvGrpSpPr>
+        <p:cNvPr id="1" name=""/>
+        <p:cNvGrpSpPr/>
+        <p:nvPr/>
+      </p:nvGrpSpPr>
+      <p:grpSpPr>
+        <a:xfrm>
+          <a:off x="0" y="0"/>
+          <a:ext cx="0" cy="0"/>
+          <a:chOff x="0" y="0"/>
+          <a:chExt cx="0" cy="0"/>
+        </a:xfrm>
+      </p:grpSpPr>
+      <p:sp>
+        <p:nvSpPr>
+          <p:cNvPr id="2" name="Title 1">
+            <a:extLst>
+              <a:ext uri="{FF2B5EF4-FFF2-40B4-BE49-F238E27FC236}">
+                <a16:creationId xmlns:a16="http://schemas.microsoft.com/office/drawing/2014/main" id="{F78F35D8-8A5F-4433-97B9-58052C5D5AF5}"/>
+              </a:ext>
+            </a:extLst>
+          </p:cNvPr>
+          <p:cNvSpPr>
+            <a:spLocks noGrp="1"/>
+          </p:cNvSpPr>
+          <p:nvPr>
+            <p:ph type="title"/>
+          </p:nvPr>
+        </p:nvSpPr>
+        <p:spPr/>
+        <p:txBody>
+          <a:bodyPr/>
+          <a:lstStyle/>
+          <a:p>
+            <a:r>
+              <a:rPr lang="en-US" dirty="0"/>
+              <a:t>Documentation</a:t>
+            </a:r>
+          </a:p>
+        </p:txBody>
+      </p:sp>
+      <p:sp>
+        <p:nvSpPr>
+          <p:cNvPr id="3" name="Content Placeholder 2">
+            <a:extLst>
+              <a:ext uri="{FF2B5EF4-FFF2-40B4-BE49-F238E27FC236}">
+                <a16:creationId xmlns:a16="http://schemas.microsoft.com/office/drawing/2014/main" id="{B27A3197-447B-4D3B-8BF4-2B03321DE692}"/>
+              </a:ext>
+            </a:extLst>
+          </p:cNvPr>
+          <p:cNvSpPr>
+            <a:spLocks noGrp="1"/>
+          </p:cNvSpPr>
+          <p:nvPr>
+            <p:ph idx="1"/>
+          </p:nvPr>
+        </p:nvSpPr>
+        <p:spPr/>
+        <p:txBody>
+          <a:bodyPr/>
+          <a:lstStyle/>
+          <a:p>
+            <a:endParaRPr lang="en-US"/>
+          </a:p>
+        </p:txBody>
+      </p:sp>
+      <p:sp>
+        <p:nvSpPr>
+          <p:cNvPr id="4" name="Slide Number Placeholder 3">
+            <a:extLst>
+              <a:ext uri="{FF2B5EF4-FFF2-40B4-BE49-F238E27FC236}">
+                <a16:creationId xmlns:a16="http://schemas.microsoft.com/office/drawing/2014/main" id="{D56AA642-F6A1-44A3-B5C6-497212183D54}"/>
+              </a:ext>
+            </a:extLst>
+          </p:cNvPr>
+          <p:cNvSpPr>
+            <a:spLocks noGrp="1"/>
+          </p:cNvSpPr>
+          <p:nvPr>
+            <p:ph type="sldNum" sz="quarter" idx="12"/>
+          </p:nvPr>
+        </p:nvSpPr>
+        <p:spPr/>
+        <p:txBody>
+          <a:bodyPr/>
+          <a:lstStyle/>
+          <a:p>
+            <a:fld id="{78F7A1EC-23D1-431D-8C93-9C4ED5D4A04D}" type="slidenum">
+              <a:rPr lang="en-US" smtClean="0"/>
+              <a:t>37</a:t>
+            </a:fld>
+            <a:endParaRPr lang="en-US"/>
+          </a:p>
+        </p:txBody>
+      </p:sp>
+    </p:spTree>
+    <p:extLst>
+      <p:ext uri="{BB962C8B-B14F-4D97-AF65-F5344CB8AC3E}">
+        <p14:creationId xmlns:p14="http://schemas.microsoft.com/office/powerpoint/2010/main" val="606766540"/>
+      </p:ext>
+    </p:extLst>
+  </p:cSld>
+  <p:clrMapOvr>
+    <a:masterClrMapping/>
+  </p:clrMapOvr>
+</p:sld>
+</file>
+
+<file path=ppt/slides/slide38.xml><?xml version="1.0" encoding="utf-8"?>
+<p:sld xmlns:a="http://schemas.openxmlformats.org/drawingml/2006/main" xmlns:r="http://schemas.openxmlformats.org/officeDocument/2006/relationships" xmlns:p="http://schemas.openxmlformats.org/presentationml/2006/main">
+  <p:cSld>
+    <p:spTree>
+      <p:nvGrpSpPr>
+        <p:cNvPr id="1" name=""/>
+        <p:cNvGrpSpPr/>
+        <p:nvPr/>
+      </p:nvGrpSpPr>
+      <p:grpSpPr>
+        <a:xfrm>
+          <a:off x="0" y="0"/>
+          <a:ext cx="0" cy="0"/>
+          <a:chOff x="0" y="0"/>
+          <a:chExt cx="0" cy="0"/>
+        </a:xfrm>
+      </p:grpSpPr>
+      <p:sp>
+        <p:nvSpPr>
+          <p:cNvPr id="2" name="Title 1">
+            <a:extLst>
+              <a:ext uri="{FF2B5EF4-FFF2-40B4-BE49-F238E27FC236}">
+                <a16:creationId xmlns:a16="http://schemas.microsoft.com/office/drawing/2014/main" id="{315AB03A-94ED-4A7D-8B91-3D4E7534EF86}"/>
+              </a:ext>
+            </a:extLst>
+          </p:cNvPr>
+          <p:cNvSpPr>
+            <a:spLocks noGrp="1"/>
+          </p:cNvSpPr>
+          <p:nvPr>
+            <p:ph type="title"/>
+          </p:nvPr>
+        </p:nvSpPr>
+        <p:spPr/>
+        <p:txBody>
+          <a:bodyPr/>
+          <a:lstStyle/>
+          <a:p>
+            <a:r>
+              <a:rPr lang="en-US" dirty="0"/>
+              <a:t>Ecosystem</a:t>
+            </a:r>
+          </a:p>
+        </p:txBody>
+      </p:sp>
+      <p:sp>
+        <p:nvSpPr>
+          <p:cNvPr id="3" name="Text Placeholder 2">
+            <a:extLst>
+              <a:ext uri="{FF2B5EF4-FFF2-40B4-BE49-F238E27FC236}">
+                <a16:creationId xmlns:a16="http://schemas.microsoft.com/office/drawing/2014/main" id="{E0E4AF38-746E-4D7C-9CC4-542AB9E3BD3D}"/>
+              </a:ext>
+            </a:extLst>
+          </p:cNvPr>
+          <p:cNvSpPr>
+            <a:spLocks noGrp="1"/>
+          </p:cNvSpPr>
+          <p:nvPr>
+            <p:ph type="body" idx="1"/>
+          </p:nvPr>
+        </p:nvSpPr>
+        <p:spPr/>
+        <p:txBody>
+          <a:bodyPr/>
+          <a:lstStyle/>
+          <a:p>
+            <a:endParaRPr lang="en-US"/>
+          </a:p>
+        </p:txBody>
+      </p:sp>
+      <p:sp>
+        <p:nvSpPr>
+          <p:cNvPr id="4" name="Slide Number Placeholder 3">
+            <a:extLst>
+              <a:ext uri="{FF2B5EF4-FFF2-40B4-BE49-F238E27FC236}">
+                <a16:creationId xmlns:a16="http://schemas.microsoft.com/office/drawing/2014/main" id="{939EF123-B560-4271-AB33-9328AC30425B}"/>
+              </a:ext>
+            </a:extLst>
+          </p:cNvPr>
+          <p:cNvSpPr>
+            <a:spLocks noGrp="1"/>
+          </p:cNvSpPr>
+          <p:nvPr>
+            <p:ph type="sldNum" sz="quarter" idx="12"/>
+          </p:nvPr>
+        </p:nvSpPr>
+        <p:spPr/>
+        <p:txBody>
+          <a:bodyPr/>
+          <a:lstStyle/>
+          <a:p>
+            <a:fld id="{78F7A1EC-23D1-431D-8C93-9C4ED5D4A04D}" type="slidenum">
+              <a:rPr lang="en-US" smtClean="0"/>
+              <a:t>38</a:t>
+            </a:fld>
+            <a:endParaRPr lang="en-US"/>
+          </a:p>
+        </p:txBody>
+      </p:sp>
+    </p:spTree>
+    <p:extLst>
+      <p:ext uri="{BB962C8B-B14F-4D97-AF65-F5344CB8AC3E}">
+        <p14:creationId xmlns:p14="http://schemas.microsoft.com/office/powerpoint/2010/main" val="195410734"/>
+      </p:ext>
+    </p:extLst>
+  </p:cSld>
+  <p:clrMapOvr>
+    <a:masterClrMapping/>
+  </p:clrMapOvr>
+</p:sld>
+</file>
+
+<file path=ppt/slides/slide39.xml><?xml version="1.0" encoding="utf-8"?>
+<p:sld xmlns:a="http://schemas.openxmlformats.org/drawingml/2006/main" xmlns:r="http://schemas.openxmlformats.org/officeDocument/2006/relationships" xmlns:p="http://schemas.openxmlformats.org/presentationml/2006/main">
+  <p:cSld>
+    <p:spTree>
+      <p:nvGrpSpPr>
+        <p:cNvPr id="1" name=""/>
+        <p:cNvGrpSpPr/>
+        <p:nvPr/>
+      </p:nvGrpSpPr>
+      <p:grpSpPr>
+        <a:xfrm>
+          <a:off x="0" y="0"/>
+          <a:ext cx="0" cy="0"/>
+          <a:chOff x="0" y="0"/>
+          <a:chExt cx="0" cy="0"/>
+        </a:xfrm>
+      </p:grpSpPr>
+      <p:sp>
+        <p:nvSpPr>
+          <p:cNvPr id="5" name="Title 4">
+            <a:extLst>
+              <a:ext uri="{FF2B5EF4-FFF2-40B4-BE49-F238E27FC236}">
+                <a16:creationId xmlns:a16="http://schemas.microsoft.com/office/drawing/2014/main" id="{B9F2A55E-A98A-481D-B8AE-715A263F7FF8}"/>
+              </a:ext>
+            </a:extLst>
+          </p:cNvPr>
+          <p:cNvSpPr>
+            <a:spLocks noGrp="1"/>
+          </p:cNvSpPr>
+          <p:nvPr>
+            <p:ph type="title"/>
+          </p:nvPr>
+        </p:nvSpPr>
+        <p:spPr/>
+        <p:txBody>
+          <a:bodyPr/>
+          <a:lstStyle/>
+          <a:p>
+            <a:r>
+              <a:rPr lang="en-US" dirty="0"/>
+              <a:t>Standard library</a:t>
+            </a:r>
+          </a:p>
+        </p:txBody>
+      </p:sp>
+      <p:sp>
+        <p:nvSpPr>
+          <p:cNvPr id="6" name="Content Placeholder 5">
+            <a:extLst>
+              <a:ext uri="{FF2B5EF4-FFF2-40B4-BE49-F238E27FC236}">
+                <a16:creationId xmlns:a16="http://schemas.microsoft.com/office/drawing/2014/main" id="{C07F85D9-7ABA-4235-ABD2-0E4C306BB7A2}"/>
+              </a:ext>
+            </a:extLst>
+          </p:cNvPr>
+          <p:cNvSpPr>
+            <a:spLocks noGrp="1"/>
+          </p:cNvSpPr>
+          <p:nvPr>
+            <p:ph idx="1"/>
+          </p:nvPr>
+        </p:nvSpPr>
+        <p:spPr/>
+        <p:txBody>
+          <a:bodyPr/>
+          <a:lstStyle/>
+          <a:p>
+            <a:endParaRPr lang="en-US"/>
+          </a:p>
+        </p:txBody>
+      </p:sp>
+      <p:sp>
+        <p:nvSpPr>
+          <p:cNvPr id="4" name="Slide Number Placeholder 3">
+            <a:extLst>
+              <a:ext uri="{FF2B5EF4-FFF2-40B4-BE49-F238E27FC236}">
+                <a16:creationId xmlns:a16="http://schemas.microsoft.com/office/drawing/2014/main" id="{729E6608-AC1B-4D3C-9C92-051312049C57}"/>
+              </a:ext>
+            </a:extLst>
+          </p:cNvPr>
+          <p:cNvSpPr>
+            <a:spLocks noGrp="1"/>
+          </p:cNvSpPr>
+          <p:nvPr>
+            <p:ph type="sldNum" sz="quarter" idx="12"/>
+          </p:nvPr>
+        </p:nvSpPr>
+        <p:spPr/>
+        <p:txBody>
+          <a:bodyPr/>
+          <a:lstStyle/>
+          <a:p>
+            <a:fld id="{78F7A1EC-23D1-431D-8C93-9C4ED5D4A04D}" type="slidenum">
+              <a:rPr lang="en-US" smtClean="0"/>
+              <a:t>39</a:t>
+            </a:fld>
+            <a:endParaRPr lang="en-US"/>
+          </a:p>
+        </p:txBody>
+      </p:sp>
+    </p:spTree>
+    <p:extLst>
+      <p:ext uri="{BB962C8B-B14F-4D97-AF65-F5344CB8AC3E}">
+        <p14:creationId xmlns:p14="http://schemas.microsoft.com/office/powerpoint/2010/main" val="1082196817"/>
       </p:ext>
     </p:extLst>
   </p:cSld>
@@ -14109,7 +16772,7 @@
         <p:spPr/>
         <p:txBody>
           <a:bodyPr>
-            <a:normAutofit fontScale="92500"/>
+            <a:normAutofit fontScale="92500" lnSpcReduction="10000"/>
           </a:bodyPr>
           <a:lstStyle/>
           <a:p>
@@ -14434,7 +17097,24 @@
               </a:rPr>
               <a:t> + tab)</a:t>
             </a:r>
-            <a:endParaRPr lang="en-US" dirty="0"/>
+          </a:p>
+          <a:p>
+            <a:r>
+              <a:rPr lang="en-US" dirty="0">
+                <a:sym typeface="Symbol" panose="05050102010706020507" pitchFamily="18" charset="2"/>
+              </a:rPr>
+              <a:t>Piping: </a:t>
+            </a:r>
+            <a:r>
+              <a:rPr lang="en-US" dirty="0">
+                <a:latin typeface="Consolas" panose="020B0609020204030204" pitchFamily="49" charset="0"/>
+                <a:sym typeface="Symbol" panose="05050102010706020507" pitchFamily="18" charset="2"/>
+              </a:rPr>
+              <a:t>|&gt;</a:t>
+            </a:r>
+            <a:endParaRPr lang="en-US" dirty="0">
+              <a:latin typeface="Consolas" panose="020B0609020204030204" pitchFamily="49" charset="0"/>
+            </a:endParaRPr>
           </a:p>
         </p:txBody>
       </p:sp>
@@ -14648,6 +17328,272 @@
     <p:extLst>
       <p:ext uri="{BB962C8B-B14F-4D97-AF65-F5344CB8AC3E}">
         <p14:creationId xmlns:p14="http://schemas.microsoft.com/office/powerpoint/2010/main" val="3374188483"/>
+      </p:ext>
+    </p:extLst>
+  </p:cSld>
+  <p:clrMapOvr>
+    <a:masterClrMapping/>
+  </p:clrMapOvr>
+</p:sld>
+</file>
+
+<file path=ppt/slides/slide40.xml><?xml version="1.0" encoding="utf-8"?>
+<p:sld xmlns:a="http://schemas.openxmlformats.org/drawingml/2006/main" xmlns:r="http://schemas.openxmlformats.org/officeDocument/2006/relationships" xmlns:p="http://schemas.openxmlformats.org/presentationml/2006/main">
+  <p:cSld>
+    <p:spTree>
+      <p:nvGrpSpPr>
+        <p:cNvPr id="1" name=""/>
+        <p:cNvGrpSpPr/>
+        <p:nvPr/>
+      </p:nvGrpSpPr>
+      <p:grpSpPr>
+        <a:xfrm>
+          <a:off x="0" y="0"/>
+          <a:ext cx="0" cy="0"/>
+          <a:chOff x="0" y="0"/>
+          <a:chExt cx="0" cy="0"/>
+        </a:xfrm>
+      </p:grpSpPr>
+      <p:sp>
+        <p:nvSpPr>
+          <p:cNvPr id="2" name="Title 1">
+            <a:extLst>
+              <a:ext uri="{FF2B5EF4-FFF2-40B4-BE49-F238E27FC236}">
+                <a16:creationId xmlns:a16="http://schemas.microsoft.com/office/drawing/2014/main" id="{6307D81E-EFAF-4436-B73E-E939260CBB19}"/>
+              </a:ext>
+            </a:extLst>
+          </p:cNvPr>
+          <p:cNvSpPr>
+            <a:spLocks noGrp="1"/>
+          </p:cNvSpPr>
+          <p:nvPr>
+            <p:ph type="title"/>
+          </p:nvPr>
+        </p:nvSpPr>
+        <p:spPr/>
+        <p:txBody>
+          <a:bodyPr/>
+          <a:lstStyle/>
+          <a:p>
+            <a:r>
+              <a:rPr lang="en-US" dirty="0"/>
+              <a:t>Conclusions</a:t>
+            </a:r>
+          </a:p>
+        </p:txBody>
+      </p:sp>
+      <p:sp>
+        <p:nvSpPr>
+          <p:cNvPr id="3" name="Text Placeholder 2">
+            <a:extLst>
+              <a:ext uri="{FF2B5EF4-FFF2-40B4-BE49-F238E27FC236}">
+                <a16:creationId xmlns:a16="http://schemas.microsoft.com/office/drawing/2014/main" id="{DC55516A-4A28-44FF-8486-3FE865D91831}"/>
+              </a:ext>
+            </a:extLst>
+          </p:cNvPr>
+          <p:cNvSpPr>
+            <a:spLocks noGrp="1"/>
+          </p:cNvSpPr>
+          <p:nvPr>
+            <p:ph type="body" idx="1"/>
+          </p:nvPr>
+        </p:nvSpPr>
+        <p:spPr/>
+        <p:txBody>
+          <a:bodyPr/>
+          <a:lstStyle/>
+          <a:p>
+            <a:endParaRPr lang="en-US"/>
+          </a:p>
+        </p:txBody>
+      </p:sp>
+      <p:sp>
+        <p:nvSpPr>
+          <p:cNvPr id="4" name="Slide Number Placeholder 3">
+            <a:extLst>
+              <a:ext uri="{FF2B5EF4-FFF2-40B4-BE49-F238E27FC236}">
+                <a16:creationId xmlns:a16="http://schemas.microsoft.com/office/drawing/2014/main" id="{53AB6EFF-30E7-456D-BC44-A709200CEB74}"/>
+              </a:ext>
+            </a:extLst>
+          </p:cNvPr>
+          <p:cNvSpPr>
+            <a:spLocks noGrp="1"/>
+          </p:cNvSpPr>
+          <p:nvPr>
+            <p:ph type="sldNum" sz="quarter" idx="12"/>
+          </p:nvPr>
+        </p:nvSpPr>
+        <p:spPr/>
+        <p:txBody>
+          <a:bodyPr/>
+          <a:lstStyle/>
+          <a:p>
+            <a:fld id="{78F7A1EC-23D1-431D-8C93-9C4ED5D4A04D}" type="slidenum">
+              <a:rPr lang="en-US" smtClean="0"/>
+              <a:t>40</a:t>
+            </a:fld>
+            <a:endParaRPr lang="en-US"/>
+          </a:p>
+        </p:txBody>
+      </p:sp>
+    </p:spTree>
+    <p:extLst>
+      <p:ext uri="{BB962C8B-B14F-4D97-AF65-F5344CB8AC3E}">
+        <p14:creationId xmlns:p14="http://schemas.microsoft.com/office/powerpoint/2010/main" val="862146666"/>
+      </p:ext>
+    </p:extLst>
+  </p:cSld>
+  <p:clrMapOvr>
+    <a:masterClrMapping/>
+  </p:clrMapOvr>
+</p:sld>
+</file>
+
+<file path=ppt/slides/slide41.xml><?xml version="1.0" encoding="utf-8"?>
+<p:sld xmlns:a="http://schemas.openxmlformats.org/drawingml/2006/main" xmlns:r="http://schemas.openxmlformats.org/officeDocument/2006/relationships" xmlns:p="http://schemas.openxmlformats.org/presentationml/2006/main">
+  <p:cSld>
+    <p:spTree>
+      <p:nvGrpSpPr>
+        <p:cNvPr id="1" name=""/>
+        <p:cNvGrpSpPr/>
+        <p:nvPr/>
+      </p:nvGrpSpPr>
+      <p:grpSpPr>
+        <a:xfrm>
+          <a:off x="0" y="0"/>
+          <a:ext cx="0" cy="0"/>
+          <a:chOff x="0" y="0"/>
+          <a:chExt cx="0" cy="0"/>
+        </a:xfrm>
+      </p:grpSpPr>
+      <p:sp>
+        <p:nvSpPr>
+          <p:cNvPr id="2" name="Title 1">
+            <a:extLst>
+              <a:ext uri="{FF2B5EF4-FFF2-40B4-BE49-F238E27FC236}">
+                <a16:creationId xmlns:a16="http://schemas.microsoft.com/office/drawing/2014/main" id="{14D02DFE-982D-454E-88FE-F58EAAD99062}"/>
+              </a:ext>
+            </a:extLst>
+          </p:cNvPr>
+          <p:cNvSpPr>
+            <a:spLocks noGrp="1"/>
+          </p:cNvSpPr>
+          <p:nvPr>
+            <p:ph type="title"/>
+          </p:nvPr>
+        </p:nvSpPr>
+        <p:spPr/>
+        <p:txBody>
+          <a:bodyPr/>
+          <a:lstStyle/>
+          <a:p>
+            <a:r>
+              <a:rPr lang="en-US" dirty="0"/>
+              <a:t>References</a:t>
+            </a:r>
+          </a:p>
+        </p:txBody>
+      </p:sp>
+      <p:sp>
+        <p:nvSpPr>
+          <p:cNvPr id="3" name="Content Placeholder 2">
+            <a:extLst>
+              <a:ext uri="{FF2B5EF4-FFF2-40B4-BE49-F238E27FC236}">
+                <a16:creationId xmlns:a16="http://schemas.microsoft.com/office/drawing/2014/main" id="{24B81427-8365-412F-B2D7-A0D761DDBF1A}"/>
+              </a:ext>
+            </a:extLst>
+          </p:cNvPr>
+          <p:cNvSpPr>
+            <a:spLocks noGrp="1"/>
+          </p:cNvSpPr>
+          <p:nvPr>
+            <p:ph idx="1"/>
+          </p:nvPr>
+        </p:nvSpPr>
+        <p:spPr/>
+        <p:txBody>
+          <a:bodyPr/>
+          <a:lstStyle/>
+          <a:p>
+            <a:r>
+              <a:rPr lang="en-US" dirty="0"/>
+              <a:t>Julia documentation</a:t>
+            </a:r>
+            <a:br>
+              <a:rPr lang="en-US" dirty="0"/>
+            </a:br>
+            <a:r>
+              <a:rPr lang="en-US" dirty="0">
+                <a:hlinkClick r:id="rId2"/>
+              </a:rPr>
+              <a:t>https://docs.julialang.org/en/v1/</a:t>
+            </a:r>
+            <a:endParaRPr lang="en-US" dirty="0"/>
+          </a:p>
+          <a:p>
+            <a:r>
+              <a:rPr lang="en-US" i="1" dirty="0"/>
+              <a:t>Hands on design patterns and best practices with Julia</a:t>
+            </a:r>
+            <a:br>
+              <a:rPr lang="en-US" dirty="0"/>
+            </a:br>
+            <a:r>
+              <a:rPr lang="en-US" dirty="0"/>
+              <a:t>Tom </a:t>
+            </a:r>
+            <a:r>
+              <a:rPr lang="en-US" dirty="0" err="1"/>
+              <a:t>Kwong</a:t>
+            </a:r>
+            <a:r>
+              <a:rPr lang="en-US" dirty="0"/>
+              <a:t>, 2020, </a:t>
+            </a:r>
+            <a:r>
+              <a:rPr lang="en-US" dirty="0" err="1"/>
+              <a:t>Packt</a:t>
+            </a:r>
+            <a:r>
+              <a:rPr lang="en-US" dirty="0"/>
+              <a:t>&gt;</a:t>
+            </a:r>
+          </a:p>
+        </p:txBody>
+      </p:sp>
+      <p:sp>
+        <p:nvSpPr>
+          <p:cNvPr id="4" name="Slide Number Placeholder 3">
+            <a:extLst>
+              <a:ext uri="{FF2B5EF4-FFF2-40B4-BE49-F238E27FC236}">
+                <a16:creationId xmlns:a16="http://schemas.microsoft.com/office/drawing/2014/main" id="{37498B32-CB3D-4A06-ACBE-71F1E8CF3FE5}"/>
+              </a:ext>
+            </a:extLst>
+          </p:cNvPr>
+          <p:cNvSpPr>
+            <a:spLocks noGrp="1"/>
+          </p:cNvSpPr>
+          <p:nvPr>
+            <p:ph type="sldNum" sz="quarter" idx="12"/>
+          </p:nvPr>
+        </p:nvSpPr>
+        <p:spPr/>
+        <p:txBody>
+          <a:bodyPr/>
+          <a:lstStyle/>
+          <a:p>
+            <a:fld id="{78F7A1EC-23D1-431D-8C93-9C4ED5D4A04D}" type="slidenum">
+              <a:rPr lang="en-US" smtClean="0"/>
+              <a:t>41</a:t>
+            </a:fld>
+            <a:endParaRPr lang="en-US"/>
+          </a:p>
+        </p:txBody>
+      </p:sp>
+    </p:spTree>
+    <p:extLst>
+      <p:ext uri="{BB962C8B-B14F-4D97-AF65-F5344CB8AC3E}">
+        <p14:creationId xmlns:p14="http://schemas.microsoft.com/office/powerpoint/2010/main" val="3896452192"/>
       </p:ext>
     </p:extLst>
   </p:cSld>

--- a/Julia,_good_back_ugly.pptx
+++ b/Julia,_good_back_ugly.pptx
@@ -5,7 +5,7 @@
     <p:sldMasterId id="2147483648" r:id="rId1"/>
   </p:sldMasterIdLst>
   <p:notesMasterIdLst>
-    <p:notesMasterId r:id="rId43"/>
+    <p:notesMasterId r:id="rId45"/>
   </p:notesMasterIdLst>
   <p:sldIdLst>
     <p:sldId id="256" r:id="rId2"/>
@@ -47,8 +47,10 @@
     <p:sldId id="291" r:id="rId38"/>
     <p:sldId id="281" r:id="rId39"/>
     <p:sldId id="292" r:id="rId40"/>
-    <p:sldId id="273" r:id="rId41"/>
-    <p:sldId id="274" r:id="rId42"/>
+    <p:sldId id="298" r:id="rId41"/>
+    <p:sldId id="273" r:id="rId42"/>
+    <p:sldId id="299" r:id="rId43"/>
+    <p:sldId id="274" r:id="rId44"/>
   </p:sldIdLst>
   <p:sldSz cx="12192000" cy="6858000"/>
   <p:notesSz cx="6858000" cy="9144000"/>
@@ -237,7 +239,7 @@
           <a:p>
             <a:fld id="{CC9F3EF1-84A5-42B0-81FF-8805AF740E8D}" type="datetimeFigureOut">
               <a:rPr lang="en-US" smtClean="0"/>
-              <a:t>2021-07-05</a:t>
+              <a:t>2021-07-12</a:t>
             </a:fld>
             <a:endParaRPr lang="en-US"/>
           </a:p>
@@ -651,7 +653,7 @@
           <a:p>
             <a:fld id="{0D45F18C-3E18-466F-8ADF-516304A44708}" type="datetime1">
               <a:rPr lang="en-US" smtClean="0"/>
-              <a:t>2021-07-05</a:t>
+              <a:t>2021-07-12</a:t>
             </a:fld>
             <a:endParaRPr lang="en-US"/>
           </a:p>
@@ -849,7 +851,7 @@
           <a:p>
             <a:fld id="{D5980222-6813-4CA6-84DC-753D8B88D809}" type="datetime1">
               <a:rPr lang="en-US" smtClean="0"/>
-              <a:t>2021-07-05</a:t>
+              <a:t>2021-07-12</a:t>
             </a:fld>
             <a:endParaRPr lang="en-US"/>
           </a:p>
@@ -1057,7 +1059,7 @@
           <a:p>
             <a:fld id="{96F7B8FF-A661-4CB7-BF06-F03D9C89262B}" type="datetime1">
               <a:rPr lang="en-US" smtClean="0"/>
-              <a:t>2021-07-05</a:t>
+              <a:t>2021-07-12</a:t>
             </a:fld>
             <a:endParaRPr lang="en-US"/>
           </a:p>
@@ -1255,7 +1257,7 @@
           <a:p>
             <a:fld id="{CE4E165D-6495-4D37-B27D-5DB6761319B2}" type="datetime1">
               <a:rPr lang="en-US" smtClean="0"/>
-              <a:t>2021-07-05</a:t>
+              <a:t>2021-07-12</a:t>
             </a:fld>
             <a:endParaRPr lang="en-US"/>
           </a:p>
@@ -1530,7 +1532,7 @@
           <a:p>
             <a:fld id="{579D02C7-69E9-4C82-8F80-CB6196DA722C}" type="datetime1">
               <a:rPr lang="en-US" smtClean="0"/>
-              <a:t>2021-07-05</a:t>
+              <a:t>2021-07-12</a:t>
             </a:fld>
             <a:endParaRPr lang="en-US"/>
           </a:p>
@@ -1795,7 +1797,7 @@
           <a:p>
             <a:fld id="{107E8C2C-E058-49BD-9DFF-244106208F3B}" type="datetime1">
               <a:rPr lang="en-US" smtClean="0"/>
-              <a:t>2021-07-05</a:t>
+              <a:t>2021-07-12</a:t>
             </a:fld>
             <a:endParaRPr lang="en-US"/>
           </a:p>
@@ -2207,7 +2209,7 @@
           <a:p>
             <a:fld id="{EBBE2EFD-4DA5-4354-BB09-551207F90777}" type="datetime1">
               <a:rPr lang="en-US" smtClean="0"/>
-              <a:t>2021-07-05</a:t>
+              <a:t>2021-07-12</a:t>
             </a:fld>
             <a:endParaRPr lang="en-US"/>
           </a:p>
@@ -2348,7 +2350,7 @@
           <a:p>
             <a:fld id="{0357F3B6-5D5B-4F6A-8ABC-6500847F3284}" type="datetime1">
               <a:rPr lang="en-US" smtClean="0"/>
-              <a:t>2021-07-05</a:t>
+              <a:t>2021-07-12</a:t>
             </a:fld>
             <a:endParaRPr lang="en-US"/>
           </a:p>
@@ -2461,7 +2463,7 @@
           <a:p>
             <a:fld id="{470EE9C1-5D95-4DE1-8B8E-CE731554AA23}" type="datetime1">
               <a:rPr lang="en-US" smtClean="0"/>
-              <a:t>2021-07-05</a:t>
+              <a:t>2021-07-12</a:t>
             </a:fld>
             <a:endParaRPr lang="en-US"/>
           </a:p>
@@ -2772,7 +2774,7 @@
           <a:p>
             <a:fld id="{ED4A0E8D-A460-4018-89F2-1FF6F9205C86}" type="datetime1">
               <a:rPr lang="en-US" smtClean="0"/>
-              <a:t>2021-07-05</a:t>
+              <a:t>2021-07-12</a:t>
             </a:fld>
             <a:endParaRPr lang="en-US"/>
           </a:p>
@@ -3060,7 +3062,7 @@
           <a:p>
             <a:fld id="{74076E25-3B53-45C6-AE55-8E3CC5E53EDE}" type="datetime1">
               <a:rPr lang="en-US" smtClean="0"/>
-              <a:t>2021-07-05</a:t>
+              <a:t>2021-07-12</a:t>
             </a:fld>
             <a:endParaRPr lang="en-US"/>
           </a:p>
@@ -3301,7 +3303,7 @@
           <a:p>
             <a:fld id="{3B0E2389-F93F-49F3-A6AD-79A456A600D1}" type="datetime1">
               <a:rPr lang="en-US" smtClean="0"/>
-              <a:t>2021-07-05</a:t>
+              <a:t>2021-07-12</a:t>
             </a:fld>
             <a:endParaRPr lang="en-US"/>
           </a:p>
@@ -16326,7 +16328,23 @@
           <a:bodyPr/>
           <a:lstStyle/>
           <a:p>
-            <a:endParaRPr lang="en-US"/>
+            <a:r>
+              <a:rPr lang="en-US" dirty="0"/>
+              <a:t>Minimal package </a:t>
+            </a:r>
+            <a:r>
+              <a:rPr lang="en-US" dirty="0" err="1">
+                <a:latin typeface="Consolas" panose="020B0609020204030204" pitchFamily="49" charset="0"/>
+              </a:rPr>
+              <a:t>Gcd</a:t>
+            </a:r>
+            <a:endParaRPr lang="en-US" dirty="0">
+              <a:latin typeface="Consolas" panose="020B0609020204030204" pitchFamily="49" charset="0"/>
+            </a:endParaRPr>
+          </a:p>
+          <a:p>
+            <a:pPr lvl="1"/>
+            <a:endParaRPr lang="en-US" dirty="0"/>
           </a:p>
         </p:txBody>
       </p:sp>
@@ -16356,6 +16374,327 @@
               <a:t>36</a:t>
             </a:fld>
             <a:endParaRPr lang="en-US"/>
+          </a:p>
+        </p:txBody>
+      </p:sp>
+      <p:pic>
+        <p:nvPicPr>
+          <p:cNvPr id="6" name="Picture 5">
+            <a:extLst>
+              <a:ext uri="{FF2B5EF4-FFF2-40B4-BE49-F238E27FC236}">
+                <a16:creationId xmlns:a16="http://schemas.microsoft.com/office/drawing/2014/main" id="{81586ECD-7D08-460B-959E-FA6E06707932}"/>
+              </a:ext>
+            </a:extLst>
+          </p:cNvPr>
+          <p:cNvPicPr>
+            <a:picLocks noChangeAspect="1"/>
+          </p:cNvPicPr>
+          <p:nvPr/>
+        </p:nvPicPr>
+        <p:blipFill>
+          <a:blip r:embed="rId2"/>
+          <a:stretch>
+            <a:fillRect/>
+          </a:stretch>
+        </p:blipFill>
+        <p:spPr>
+          <a:xfrm>
+            <a:off x="1492464" y="3536606"/>
+            <a:ext cx="2305176" cy="1208230"/>
+          </a:xfrm>
+          <a:prstGeom prst="rect">
+            <a:avLst/>
+          </a:prstGeom>
+        </p:spPr>
+      </p:pic>
+      <p:grpSp>
+        <p:nvGrpSpPr>
+          <p:cNvPr id="7" name="Group 6">
+            <a:extLst>
+              <a:ext uri="{FF2B5EF4-FFF2-40B4-BE49-F238E27FC236}">
+                <a16:creationId xmlns:a16="http://schemas.microsoft.com/office/drawing/2014/main" id="{FABA1504-2F36-4CD8-B7C1-ABB5958246C4}"/>
+              </a:ext>
+            </a:extLst>
+          </p:cNvPr>
+          <p:cNvGrpSpPr/>
+          <p:nvPr/>
+        </p:nvGrpSpPr>
+        <p:grpSpPr>
+          <a:xfrm>
+            <a:off x="4624557" y="3536606"/>
+            <a:ext cx="7122600" cy="1200329"/>
+            <a:chOff x="838200" y="2455198"/>
+            <a:chExt cx="7122600" cy="1200329"/>
+          </a:xfrm>
+        </p:grpSpPr>
+        <p:sp>
+          <p:nvSpPr>
+            <p:cNvPr id="8" name="TextBox 7">
+              <a:extLst>
+                <a:ext uri="{FF2B5EF4-FFF2-40B4-BE49-F238E27FC236}">
+                  <a16:creationId xmlns:a16="http://schemas.microsoft.com/office/drawing/2014/main" id="{CA88DB7D-1186-4B6B-B509-84E8EFC9F006}"/>
+                </a:ext>
+              </a:extLst>
+            </p:cNvPr>
+            <p:cNvSpPr txBox="1"/>
+            <p:nvPr/>
+          </p:nvSpPr>
+          <p:spPr>
+            <a:xfrm>
+              <a:off x="838200" y="2455198"/>
+              <a:ext cx="7122600" cy="1200329"/>
+            </a:xfrm>
+            <a:prstGeom prst="rect">
+              <a:avLst/>
+            </a:prstGeom>
+            <a:solidFill>
+              <a:schemeClr val="bg1">
+                <a:lumMod val="85000"/>
+              </a:schemeClr>
+            </a:solidFill>
+          </p:spPr>
+          <p:txBody>
+            <a:bodyPr wrap="square" rtlCol="0">
+              <a:spAutoFit/>
+            </a:bodyPr>
+            <a:lstStyle/>
+            <a:p>
+              <a:r>
+                <a:rPr lang="en-US" dirty="0">
+                  <a:latin typeface="Consolas" panose="020B0609020204030204" pitchFamily="49" charset="0"/>
+                </a:rPr>
+                <a:t>name = "</a:t>
+              </a:r>
+              <a:r>
+                <a:rPr lang="en-US" dirty="0" err="1">
+                  <a:latin typeface="Consolas" panose="020B0609020204030204" pitchFamily="49" charset="0"/>
+                </a:rPr>
+                <a:t>Gcd</a:t>
+              </a:r>
+              <a:r>
+                <a:rPr lang="en-US" dirty="0">
+                  <a:latin typeface="Consolas" panose="020B0609020204030204" pitchFamily="49" charset="0"/>
+                </a:rPr>
+                <a:t>"</a:t>
+              </a:r>
+            </a:p>
+            <a:p>
+              <a:r>
+                <a:rPr lang="en-US" dirty="0" err="1">
+                  <a:latin typeface="Consolas" panose="020B0609020204030204" pitchFamily="49" charset="0"/>
+                </a:rPr>
+                <a:t>uuid</a:t>
+              </a:r>
+              <a:r>
+                <a:rPr lang="en-US" dirty="0">
+                  <a:latin typeface="Consolas" panose="020B0609020204030204" pitchFamily="49" charset="0"/>
+                </a:rPr>
+                <a:t> = "6101a580-870c-4971-a759-bb25a2f00590"</a:t>
+              </a:r>
+            </a:p>
+            <a:p>
+              <a:r>
+                <a:rPr lang="en-US" dirty="0">
+                  <a:latin typeface="Consolas" panose="020B0609020204030204" pitchFamily="49" charset="0"/>
+                </a:rPr>
+                <a:t>authors = ["Geert Jan Bex &lt;geertjan.bex@uhasselt.be&gt;"]</a:t>
+              </a:r>
+            </a:p>
+            <a:p>
+              <a:r>
+                <a:rPr lang="en-US" dirty="0">
+                  <a:latin typeface="Consolas" panose="020B0609020204030204" pitchFamily="49" charset="0"/>
+                </a:rPr>
+                <a:t>version = "0.1.0"</a:t>
+              </a:r>
+            </a:p>
+          </p:txBody>
+        </p:sp>
+        <p:sp>
+          <p:nvSpPr>
+            <p:cNvPr id="9" name="TextBox 8">
+              <a:extLst>
+                <a:ext uri="{FF2B5EF4-FFF2-40B4-BE49-F238E27FC236}">
+                  <a16:creationId xmlns:a16="http://schemas.microsoft.com/office/drawing/2014/main" id="{EDE038DF-3332-4C06-ADCC-AB3BFD0EC7E4}"/>
+                </a:ext>
+              </a:extLst>
+            </p:cNvPr>
+            <p:cNvSpPr txBox="1"/>
+            <p:nvPr/>
+          </p:nvSpPr>
+          <p:spPr>
+            <a:xfrm>
+              <a:off x="6939367" y="3393917"/>
+              <a:ext cx="1021433" cy="261610"/>
+            </a:xfrm>
+            <a:prstGeom prst="rect">
+              <a:avLst/>
+            </a:prstGeom>
+            <a:solidFill>
+              <a:schemeClr val="bg1"/>
+            </a:solidFill>
+            <a:ln>
+              <a:solidFill>
+                <a:schemeClr val="tx1"/>
+              </a:solidFill>
+            </a:ln>
+          </p:spPr>
+          <p:txBody>
+            <a:bodyPr wrap="none" rtlCol="0">
+              <a:spAutoFit/>
+            </a:bodyPr>
+            <a:lstStyle/>
+            <a:p>
+              <a:r>
+                <a:rPr lang="en-US" sz="1100" dirty="0" err="1"/>
+                <a:t>MyFunctions.jl</a:t>
+              </a:r>
+              <a:endParaRPr lang="en-US" sz="1100" dirty="0"/>
+            </a:p>
+          </p:txBody>
+        </p:sp>
+      </p:grpSp>
+      <p:sp>
+        <p:nvSpPr>
+          <p:cNvPr id="10" name="TextBox 9">
+            <a:extLst>
+              <a:ext uri="{FF2B5EF4-FFF2-40B4-BE49-F238E27FC236}">
+                <a16:creationId xmlns:a16="http://schemas.microsoft.com/office/drawing/2014/main" id="{93D8DF2F-DAD4-45C9-BE67-1101395542A5}"/>
+              </a:ext>
+            </a:extLst>
+          </p:cNvPr>
+          <p:cNvSpPr txBox="1"/>
+          <p:nvPr/>
+        </p:nvSpPr>
+        <p:spPr>
+          <a:xfrm>
+            <a:off x="1492463" y="2496450"/>
+            <a:ext cx="2305172" cy="369332"/>
+          </a:xfrm>
+          <a:prstGeom prst="rect">
+            <a:avLst/>
+          </a:prstGeom>
+          <a:solidFill>
+            <a:schemeClr val="tx1"/>
+          </a:solidFill>
+        </p:spPr>
+        <p:txBody>
+          <a:bodyPr wrap="square" rtlCol="0">
+            <a:spAutoFit/>
+          </a:bodyPr>
+          <a:lstStyle/>
+          <a:p>
+            <a:r>
+              <a:rPr lang="en-US" b="1" dirty="0">
+                <a:solidFill>
+                  <a:schemeClr val="bg1"/>
+                </a:solidFill>
+              </a:rPr>
+              <a:t>pkg&gt; generate </a:t>
+            </a:r>
+            <a:r>
+              <a:rPr lang="en-US" b="1" dirty="0" err="1">
+                <a:solidFill>
+                  <a:schemeClr val="bg1"/>
+                </a:solidFill>
+              </a:rPr>
+              <a:t>Gcd</a:t>
+            </a:r>
+            <a:endParaRPr lang="en-US" b="1" dirty="0">
+              <a:solidFill>
+                <a:schemeClr val="bg1"/>
+              </a:solidFill>
+            </a:endParaRPr>
+          </a:p>
+        </p:txBody>
+      </p:sp>
+      <p:cxnSp>
+        <p:nvCxnSpPr>
+          <p:cNvPr id="11" name="Straight Arrow Connector 10">
+            <a:extLst>
+              <a:ext uri="{FF2B5EF4-FFF2-40B4-BE49-F238E27FC236}">
+                <a16:creationId xmlns:a16="http://schemas.microsoft.com/office/drawing/2014/main" id="{54D693ED-BB43-4463-A5C9-FC7AD066AF1A}"/>
+              </a:ext>
+            </a:extLst>
+          </p:cNvPr>
+          <p:cNvCxnSpPr>
+            <a:cxnSpLocks/>
+          </p:cNvCxnSpPr>
+          <p:nvPr/>
+        </p:nvCxnSpPr>
+        <p:spPr>
+          <a:xfrm rot="5400000">
+            <a:off x="2569856" y="3179122"/>
+            <a:ext cx="395417" cy="0"/>
+          </a:xfrm>
+          <a:prstGeom prst="straightConnector1">
+            <a:avLst/>
+          </a:prstGeom>
+          <a:ln w="38100">
+            <a:solidFill>
+              <a:schemeClr val="tx1"/>
+            </a:solidFill>
+            <a:tailEnd type="stealth" w="lg" len="lg"/>
+          </a:ln>
+        </p:spPr>
+        <p:style>
+          <a:lnRef idx="1">
+            <a:schemeClr val="accent1"/>
+          </a:lnRef>
+          <a:fillRef idx="0">
+            <a:schemeClr val="accent1"/>
+          </a:fillRef>
+          <a:effectRef idx="0">
+            <a:schemeClr val="accent1"/>
+          </a:effectRef>
+          <a:fontRef idx="minor">
+            <a:schemeClr val="tx1"/>
+          </a:fontRef>
+        </p:style>
+      </p:cxnSp>
+      <p:sp>
+        <p:nvSpPr>
+          <p:cNvPr id="12" name="TextBox 11">
+            <a:extLst>
+              <a:ext uri="{FF2B5EF4-FFF2-40B4-BE49-F238E27FC236}">
+                <a16:creationId xmlns:a16="http://schemas.microsoft.com/office/drawing/2014/main" id="{FF705B03-BE6A-4F88-A45C-E7D83A8B84D0}"/>
+              </a:ext>
+            </a:extLst>
+          </p:cNvPr>
+          <p:cNvSpPr txBox="1"/>
+          <p:nvPr/>
+        </p:nvSpPr>
+        <p:spPr>
+          <a:xfrm>
+            <a:off x="3534032" y="5410782"/>
+            <a:ext cx="5525936" cy="369332"/>
+          </a:xfrm>
+          <a:prstGeom prst="rect">
+            <a:avLst/>
+          </a:prstGeom>
+          <a:noFill/>
+          <a:ln>
+            <a:solidFill>
+              <a:schemeClr val="tx1"/>
+            </a:solidFill>
+          </a:ln>
+        </p:spPr>
+        <p:txBody>
+          <a:bodyPr wrap="none" rtlCol="0">
+            <a:spAutoFit/>
+          </a:bodyPr>
+          <a:lstStyle/>
+          <a:p>
+            <a:r>
+              <a:rPr lang="en-US" dirty="0"/>
+              <a:t>Ensure project parent directory is in </a:t>
+            </a:r>
+            <a:r>
+              <a:rPr lang="en-US" dirty="0">
+                <a:latin typeface="Consolas" panose="020B0609020204030204" pitchFamily="49" charset="0"/>
+              </a:rPr>
+              <a:t>JULIA_LOAD_PATH</a:t>
+            </a:r>
           </a:p>
         </p:txBody>
       </p:sp>
@@ -16438,7 +16777,10 @@
           <a:bodyPr/>
           <a:lstStyle/>
           <a:p>
-            <a:endParaRPr lang="en-US"/>
+            <a:r>
+              <a:rPr lang="en-US" dirty="0"/>
+              <a:t>Functions &amp; methods</a:t>
+            </a:r>
           </a:p>
         </p:txBody>
       </p:sp>
@@ -16471,6 +16813,325 @@
           </a:p>
         </p:txBody>
       </p:sp>
+      <p:sp>
+        <p:nvSpPr>
+          <p:cNvPr id="5" name="TextBox 4">
+            <a:extLst>
+              <a:ext uri="{FF2B5EF4-FFF2-40B4-BE49-F238E27FC236}">
+                <a16:creationId xmlns:a16="http://schemas.microsoft.com/office/drawing/2014/main" id="{A2004BB7-C085-449A-B01B-129DE79CF223}"/>
+              </a:ext>
+            </a:extLst>
+          </p:cNvPr>
+          <p:cNvSpPr txBox="1"/>
+          <p:nvPr/>
+        </p:nvSpPr>
+        <p:spPr>
+          <a:xfrm>
+            <a:off x="838200" y="2325001"/>
+            <a:ext cx="6122773" cy="4339650"/>
+          </a:xfrm>
+          <a:prstGeom prst="rect">
+            <a:avLst/>
+          </a:prstGeom>
+          <a:solidFill>
+            <a:schemeClr val="bg1">
+              <a:lumMod val="85000"/>
+            </a:schemeClr>
+          </a:solidFill>
+        </p:spPr>
+        <p:txBody>
+          <a:bodyPr wrap="square" rtlCol="0">
+            <a:spAutoFit/>
+          </a:bodyPr>
+          <a:lstStyle/>
+          <a:p>
+            <a:r>
+              <a:rPr lang="en-US" sz="1200" dirty="0">
+                <a:latin typeface="Consolas" panose="020B0609020204030204" pitchFamily="49" charset="0"/>
+              </a:rPr>
+              <a:t>"""</a:t>
+            </a:r>
+          </a:p>
+          <a:p>
+            <a:r>
+              <a:rPr lang="en-US" sz="1200" dirty="0">
+                <a:latin typeface="Consolas" panose="020B0609020204030204" pitchFamily="49" charset="0"/>
+              </a:rPr>
+              <a:t>   </a:t>
+            </a:r>
+            <a:r>
+              <a:rPr lang="en-US" sz="1200" dirty="0" err="1">
+                <a:latin typeface="Consolas" panose="020B0609020204030204" pitchFamily="49" charset="0"/>
+              </a:rPr>
+              <a:t>my_gcd</a:t>
+            </a:r>
+            <a:r>
+              <a:rPr lang="en-US" sz="1200" dirty="0">
+                <a:latin typeface="Consolas" panose="020B0609020204030204" pitchFamily="49" charset="0"/>
+              </a:rPr>
+              <a:t>(a, b)</a:t>
+            </a:r>
+          </a:p>
+          <a:p>
+            <a:endParaRPr lang="en-US" sz="1200" dirty="0">
+              <a:latin typeface="Consolas" panose="020B0609020204030204" pitchFamily="49" charset="0"/>
+            </a:endParaRPr>
+          </a:p>
+          <a:p>
+            <a:r>
+              <a:rPr lang="en-US" sz="1200" dirty="0">
+                <a:latin typeface="Consolas" panose="020B0609020204030204" pitchFamily="49" charset="0"/>
+              </a:rPr>
+              <a:t>Compute the greatest common divisor of a and b</a:t>
+            </a:r>
+          </a:p>
+          <a:p>
+            <a:endParaRPr lang="en-US" sz="1200" dirty="0">
+              <a:latin typeface="Consolas" panose="020B0609020204030204" pitchFamily="49" charset="0"/>
+            </a:endParaRPr>
+          </a:p>
+          <a:p>
+            <a:r>
+              <a:rPr lang="en-US" sz="1200" dirty="0">
+                <a:latin typeface="Consolas" panose="020B0609020204030204" pitchFamily="49" charset="0"/>
+              </a:rPr>
+              <a:t># Arguments</a:t>
+            </a:r>
+          </a:p>
+          <a:p>
+            <a:pPr marL="285750" indent="-285750">
+              <a:buFontTx/>
+              <a:buChar char="-"/>
+            </a:pPr>
+            <a:r>
+              <a:rPr lang="en-US" sz="1200" dirty="0">
+                <a:latin typeface="Consolas" panose="020B0609020204030204" pitchFamily="49" charset="0"/>
+              </a:rPr>
+              <a:t>`a::Integer`: first argument, not</a:t>
+            </a:r>
+          </a:p>
+          <a:p>
+            <a:r>
+              <a:rPr lang="en-US" sz="1200" dirty="0">
+                <a:latin typeface="Consolas" panose="020B0609020204030204" pitchFamily="49" charset="0"/>
+              </a:rPr>
+              <a:t>   required in real life documentation</a:t>
+            </a:r>
+          </a:p>
+          <a:p>
+            <a:pPr marL="285750" indent="-285750">
+              <a:buFontTx/>
+              <a:buChar char="-"/>
+            </a:pPr>
+            <a:r>
+              <a:rPr lang="en-US" sz="1200" dirty="0">
+                <a:latin typeface="Consolas" panose="020B0609020204030204" pitchFamily="49" charset="0"/>
+              </a:rPr>
+              <a:t>…</a:t>
+            </a:r>
+          </a:p>
+          <a:p>
+            <a:endParaRPr lang="en-US" sz="1200" dirty="0">
+              <a:latin typeface="Consolas" panose="020B0609020204030204" pitchFamily="49" charset="0"/>
+            </a:endParaRPr>
+          </a:p>
+          <a:p>
+            <a:r>
+              <a:rPr lang="en-US" sz="1200" dirty="0">
+                <a:latin typeface="Consolas" panose="020B0609020204030204" pitchFamily="49" charset="0"/>
+              </a:rPr>
+              <a:t>Both arguments should be strictly positive, otherwise a `</a:t>
+            </a:r>
+            <a:r>
+              <a:rPr lang="en-US" sz="1200" dirty="0" err="1">
+                <a:latin typeface="Consolas" panose="020B0609020204030204" pitchFamily="49" charset="0"/>
+              </a:rPr>
+              <a:t>DomaiunErr</a:t>
+            </a:r>
+            <a:r>
+              <a:rPr lang="en-US" sz="1200" dirty="0">
+                <a:latin typeface="Consolas" panose="020B0609020204030204" pitchFamily="49" charset="0"/>
+              </a:rPr>
+              <a:t>` exception will be thrown.</a:t>
+            </a:r>
+          </a:p>
+          <a:p>
+            <a:endParaRPr lang="en-US" sz="1200" dirty="0">
+              <a:latin typeface="Consolas" panose="020B0609020204030204" pitchFamily="49" charset="0"/>
+            </a:endParaRPr>
+          </a:p>
+          <a:p>
+            <a:r>
+              <a:rPr lang="en-US" sz="1200" dirty="0">
+                <a:latin typeface="Consolas" panose="020B0609020204030204" pitchFamily="49" charset="0"/>
+              </a:rPr>
+              <a:t># Examples</a:t>
+            </a:r>
+          </a:p>
+          <a:p>
+            <a:endParaRPr lang="en-US" sz="1200" dirty="0">
+              <a:latin typeface="Consolas" panose="020B0609020204030204" pitchFamily="49" charset="0"/>
+            </a:endParaRPr>
+          </a:p>
+          <a:p>
+            <a:r>
+              <a:rPr lang="en-US" sz="1200" dirty="0">
+                <a:latin typeface="Consolas" panose="020B0609020204030204" pitchFamily="49" charset="0"/>
+              </a:rPr>
+              <a:t>```</a:t>
+            </a:r>
+            <a:r>
+              <a:rPr lang="en-US" sz="1200" dirty="0" err="1">
+                <a:latin typeface="Consolas" panose="020B0609020204030204" pitchFamily="49" charset="0"/>
+              </a:rPr>
+              <a:t>julia-repl</a:t>
+            </a:r>
+            <a:endParaRPr lang="en-US" sz="1200" dirty="0">
+              <a:latin typeface="Consolas" panose="020B0609020204030204" pitchFamily="49" charset="0"/>
+            </a:endParaRPr>
+          </a:p>
+          <a:p>
+            <a:r>
+              <a:rPr lang="en-US" sz="1200" dirty="0" err="1">
+                <a:latin typeface="Consolas" panose="020B0609020204030204" pitchFamily="49" charset="0"/>
+              </a:rPr>
+              <a:t>julia</a:t>
+            </a:r>
+            <a:r>
+              <a:rPr lang="en-US" sz="1200" dirty="0">
+                <a:latin typeface="Consolas" panose="020B0609020204030204" pitchFamily="49" charset="0"/>
+              </a:rPr>
+              <a:t>&gt; </a:t>
+            </a:r>
+            <a:r>
+              <a:rPr lang="en-US" sz="1200" dirty="0" err="1">
+                <a:latin typeface="Consolas" panose="020B0609020204030204" pitchFamily="49" charset="0"/>
+              </a:rPr>
+              <a:t>my_gcd</a:t>
+            </a:r>
+            <a:r>
+              <a:rPr lang="en-US" sz="1200" dirty="0">
+                <a:latin typeface="Consolas" panose="020B0609020204030204" pitchFamily="49" charset="0"/>
+              </a:rPr>
+              <a:t>(12, 15)</a:t>
+            </a:r>
+          </a:p>
+          <a:p>
+            <a:r>
+              <a:rPr lang="en-US" sz="1200" dirty="0">
+                <a:latin typeface="Consolas" panose="020B0609020204030204" pitchFamily="49" charset="0"/>
+              </a:rPr>
+              <a:t>3</a:t>
+            </a:r>
+          </a:p>
+          <a:p>
+            <a:r>
+              <a:rPr lang="en-US" sz="1200" dirty="0" err="1">
+                <a:latin typeface="Consolas" panose="020B0609020204030204" pitchFamily="49" charset="0"/>
+              </a:rPr>
+              <a:t>julia</a:t>
+            </a:r>
+            <a:r>
+              <a:rPr lang="en-US" sz="1200" dirty="0">
+                <a:latin typeface="Consolas" panose="020B0609020204030204" pitchFamily="49" charset="0"/>
+              </a:rPr>
+              <a:t>&gt; </a:t>
+            </a:r>
+            <a:r>
+              <a:rPr lang="en-US" sz="1200" dirty="0" err="1">
+                <a:latin typeface="Consolas" panose="020B0609020204030204" pitchFamily="49" charset="0"/>
+              </a:rPr>
+              <a:t>my_gcd</a:t>
+            </a:r>
+            <a:r>
+              <a:rPr lang="en-US" sz="1200" dirty="0">
+                <a:latin typeface="Consolas" panose="020B0609020204030204" pitchFamily="49" charset="0"/>
+              </a:rPr>
+              <a:t>(13, 11)</a:t>
+            </a:r>
+          </a:p>
+          <a:p>
+            <a:r>
+              <a:rPr lang="en-US" sz="1200" dirty="0">
+                <a:latin typeface="Consolas" panose="020B0609020204030204" pitchFamily="49" charset="0"/>
+              </a:rPr>
+              <a:t>1</a:t>
+            </a:r>
+          </a:p>
+          <a:p>
+            <a:r>
+              <a:rPr lang="en-US" sz="1200" dirty="0">
+                <a:latin typeface="Consolas" panose="020B0609020204030204" pitchFamily="49" charset="0"/>
+              </a:rPr>
+              <a:t>```</a:t>
+            </a:r>
+          </a:p>
+          <a:p>
+            <a:r>
+              <a:rPr lang="en-US" sz="1200" dirty="0">
+                <a:latin typeface="Consolas" panose="020B0609020204030204" pitchFamily="49" charset="0"/>
+              </a:rPr>
+              <a:t>"""</a:t>
+            </a:r>
+          </a:p>
+          <a:p>
+            <a:r>
+              <a:rPr lang="en-US" sz="1200" dirty="0">
+                <a:latin typeface="Consolas" panose="020B0609020204030204" pitchFamily="49" charset="0"/>
+              </a:rPr>
+              <a:t>function </a:t>
+            </a:r>
+            <a:r>
+              <a:rPr lang="en-US" sz="1200" dirty="0" err="1">
+                <a:latin typeface="Consolas" panose="020B0609020204030204" pitchFamily="49" charset="0"/>
+              </a:rPr>
+              <a:t>my_gcd</a:t>
+            </a:r>
+            <a:r>
+              <a:rPr lang="en-US" sz="1200" dirty="0">
+                <a:latin typeface="Consolas" panose="020B0609020204030204" pitchFamily="49" charset="0"/>
+              </a:rPr>
+              <a:t>(a::Integer, b::Integer)</a:t>
+            </a:r>
+          </a:p>
+        </p:txBody>
+      </p:sp>
+      <p:pic>
+        <p:nvPicPr>
+          <p:cNvPr id="7" name="Picture 6" descr="Text&#10;&#10;Description automatically generated">
+            <a:extLst>
+              <a:ext uri="{FF2B5EF4-FFF2-40B4-BE49-F238E27FC236}">
+                <a16:creationId xmlns:a16="http://schemas.microsoft.com/office/drawing/2014/main" id="{74A2B296-F03A-4D1D-91C4-528BE2F95297}"/>
+              </a:ext>
+            </a:extLst>
+          </p:cNvPr>
+          <p:cNvPicPr>
+            <a:picLocks noChangeAspect="1"/>
+          </p:cNvPicPr>
+          <p:nvPr/>
+        </p:nvPicPr>
+        <p:blipFill>
+          <a:blip r:embed="rId2">
+            <a:extLst>
+              <a:ext uri="{28A0092B-C50C-407E-A947-70E740481C1C}">
+                <a14:useLocalDpi xmlns:a14="http://schemas.microsoft.com/office/drawing/2010/main" val="0"/>
+              </a:ext>
+            </a:extLst>
+          </a:blip>
+          <a:stretch>
+            <a:fillRect/>
+          </a:stretch>
+        </p:blipFill>
+        <p:spPr>
+          <a:xfrm>
+            <a:off x="7032196" y="2325001"/>
+            <a:ext cx="5040613" cy="3672145"/>
+          </a:xfrm>
+          <a:prstGeom prst="rect">
+            <a:avLst/>
+          </a:prstGeom>
+        </p:spPr>
+      </p:pic>
     </p:spTree>
     <p:extLst>
       <p:ext uri="{BB962C8B-B14F-4D97-AF65-F5344CB8AC3E}">
@@ -16662,7 +17323,40 @@
           <a:bodyPr/>
           <a:lstStyle/>
           <a:p>
-            <a:endParaRPr lang="en-US"/>
+            <a:r>
+              <a:rPr lang="en-US" dirty="0"/>
+              <a:t>Package &amp; environment handling: Pkg</a:t>
+            </a:r>
+          </a:p>
+          <a:p>
+            <a:r>
+              <a:rPr lang="en-US" dirty="0"/>
+              <a:t>Text formatting: </a:t>
+            </a:r>
+            <a:r>
+              <a:rPr lang="en-US" dirty="0" err="1"/>
+              <a:t>Printf</a:t>
+            </a:r>
+            <a:endParaRPr lang="en-US" dirty="0"/>
+          </a:p>
+          <a:p>
+            <a:r>
+              <a:rPr lang="en-US" dirty="0"/>
+              <a:t>Delimited text I/O: </a:t>
+            </a:r>
+            <a:r>
+              <a:rPr lang="en-US" dirty="0" err="1">
+                <a:latin typeface="Consolas" panose="020B0609020204030204" pitchFamily="49" charset="0"/>
+              </a:rPr>
+              <a:t>DelimitedFiles</a:t>
+            </a:r>
+            <a:endParaRPr lang="en-US" dirty="0"/>
+          </a:p>
+          <a:p>
+            <a:r>
+              <a:rPr lang="en-US" dirty="0"/>
+              <a:t>Lazy iterators: Iterations</a:t>
+            </a:r>
           </a:p>
         </p:txBody>
       </p:sp>
@@ -17359,7 +18053,7 @@
           <p:cNvPr id="2" name="Title 1">
             <a:extLst>
               <a:ext uri="{FF2B5EF4-FFF2-40B4-BE49-F238E27FC236}">
-                <a16:creationId xmlns:a16="http://schemas.microsoft.com/office/drawing/2014/main" id="{6307D81E-EFAF-4436-B73E-E939260CBB19}"/>
+                <a16:creationId xmlns:a16="http://schemas.microsoft.com/office/drawing/2014/main" id="{DF7A093F-DE92-4279-A40E-C263CD196ACF}"/>
               </a:ext>
             </a:extLst>
           </p:cNvPr>
@@ -17377,17 +18071,17 @@
           <a:p>
             <a:r>
               <a:rPr lang="en-US" dirty="0"/>
-              <a:t>Conclusions</a:t>
-            </a:r>
-          </a:p>
-        </p:txBody>
-      </p:sp>
-      <p:sp>
-        <p:nvSpPr>
-          <p:cNvPr id="3" name="Text Placeholder 2">
-            <a:extLst>
-              <a:ext uri="{FF2B5EF4-FFF2-40B4-BE49-F238E27FC236}">
-                <a16:creationId xmlns:a16="http://schemas.microsoft.com/office/drawing/2014/main" id="{DC55516A-4A28-44FF-8486-3FE865D91831}"/>
+              <a:t>Third party libraries</a:t>
+            </a:r>
+          </a:p>
+        </p:txBody>
+      </p:sp>
+      <p:sp>
+        <p:nvSpPr>
+          <p:cNvPr id="3" name="Content Placeholder 2">
+            <a:extLst>
+              <a:ext uri="{FF2B5EF4-FFF2-40B4-BE49-F238E27FC236}">
+                <a16:creationId xmlns:a16="http://schemas.microsoft.com/office/drawing/2014/main" id="{CE8E01E0-98D4-45FD-97D3-B617CBB3D2A9}"/>
               </a:ext>
             </a:extLst>
           </p:cNvPr>
@@ -17395,7 +18089,7 @@
             <a:spLocks noGrp="1"/>
           </p:cNvSpPr>
           <p:nvPr>
-            <p:ph type="body" idx="1"/>
+            <p:ph idx="1"/>
           </p:nvPr>
         </p:nvSpPr>
         <p:spPr/>
@@ -17403,7 +18097,54 @@
           <a:bodyPr/>
           <a:lstStyle/>
           <a:p>
-            <a:endParaRPr lang="en-US"/>
+            <a:r>
+              <a:rPr lang="en-US" dirty="0" err="1"/>
+              <a:t>BenchmarkTools</a:t>
+            </a:r>
+            <a:r>
+              <a:rPr lang="en-US" dirty="0"/>
+              <a:t>: benchmark Julia expressions</a:t>
+            </a:r>
+          </a:p>
+          <a:p>
+            <a:r>
+              <a:rPr lang="en-US" dirty="0" err="1"/>
+              <a:t>StructArrays</a:t>
+            </a:r>
+            <a:r>
+              <a:rPr lang="en-US" dirty="0"/>
+              <a:t>: convert array of structs into </a:t>
+            </a:r>
+            <a:r>
+              <a:rPr lang="en-US" dirty="0" err="1"/>
+              <a:t>stuct</a:t>
+            </a:r>
+            <a:r>
+              <a:rPr lang="en-US" dirty="0"/>
+              <a:t> of arrays</a:t>
+            </a:r>
+          </a:p>
+          <a:p>
+            <a:r>
+              <a:rPr lang="en-US" dirty="0"/>
+              <a:t>Gadfly: plotting library</a:t>
+            </a:r>
+          </a:p>
+          <a:p>
+            <a:r>
+              <a:rPr lang="en-US" dirty="0" err="1"/>
+              <a:t>DataFrames</a:t>
+            </a:r>
+            <a:r>
+              <a:rPr lang="en-US" dirty="0"/>
+              <a:t>: data frames</a:t>
+            </a:r>
+          </a:p>
+          <a:p>
+            <a:endParaRPr lang="en-US" dirty="0"/>
+          </a:p>
+          <a:p>
+            <a:endParaRPr lang="en-US" dirty="0"/>
           </a:p>
         </p:txBody>
       </p:sp>
@@ -17412,7 +18153,7 @@
           <p:cNvPr id="4" name="Slide Number Placeholder 3">
             <a:extLst>
               <a:ext uri="{FF2B5EF4-FFF2-40B4-BE49-F238E27FC236}">
-                <a16:creationId xmlns:a16="http://schemas.microsoft.com/office/drawing/2014/main" id="{53AB6EFF-30E7-456D-BC44-A709200CEB74}"/>
+                <a16:creationId xmlns:a16="http://schemas.microsoft.com/office/drawing/2014/main" id="{7D3B20DA-82BB-48D6-A3F4-367E44817145}"/>
               </a:ext>
             </a:extLst>
           </p:cNvPr>
@@ -17439,7 +18180,7 @@
     </p:spTree>
     <p:extLst>
       <p:ext uri="{BB962C8B-B14F-4D97-AF65-F5344CB8AC3E}">
-        <p14:creationId xmlns:p14="http://schemas.microsoft.com/office/powerpoint/2010/main" val="862146666"/>
+        <p14:creationId xmlns:p14="http://schemas.microsoft.com/office/powerpoint/2010/main" val="2344193690"/>
       </p:ext>
     </p:extLst>
   </p:cSld>
@@ -17471,7 +18212,7 @@
           <p:cNvPr id="2" name="Title 1">
             <a:extLst>
               <a:ext uri="{FF2B5EF4-FFF2-40B4-BE49-F238E27FC236}">
-                <a16:creationId xmlns:a16="http://schemas.microsoft.com/office/drawing/2014/main" id="{14D02DFE-982D-454E-88FE-F58EAAD99062}"/>
+                <a16:creationId xmlns:a16="http://schemas.microsoft.com/office/drawing/2014/main" id="{6307D81E-EFAF-4436-B73E-E939260CBB19}"/>
               </a:ext>
             </a:extLst>
           </p:cNvPr>
@@ -17489,7 +18230,119 @@
           <a:p>
             <a:r>
               <a:rPr lang="en-US" dirty="0"/>
-              <a:t>References</a:t>
+              <a:t>Conclusions</a:t>
+            </a:r>
+          </a:p>
+        </p:txBody>
+      </p:sp>
+      <p:sp>
+        <p:nvSpPr>
+          <p:cNvPr id="3" name="Text Placeholder 2">
+            <a:extLst>
+              <a:ext uri="{FF2B5EF4-FFF2-40B4-BE49-F238E27FC236}">
+                <a16:creationId xmlns:a16="http://schemas.microsoft.com/office/drawing/2014/main" id="{DC55516A-4A28-44FF-8486-3FE865D91831}"/>
+              </a:ext>
+            </a:extLst>
+          </p:cNvPr>
+          <p:cNvSpPr>
+            <a:spLocks noGrp="1"/>
+          </p:cNvSpPr>
+          <p:nvPr>
+            <p:ph type="body" idx="1"/>
+          </p:nvPr>
+        </p:nvSpPr>
+        <p:spPr/>
+        <p:txBody>
+          <a:bodyPr/>
+          <a:lstStyle/>
+          <a:p>
+            <a:endParaRPr lang="en-US"/>
+          </a:p>
+        </p:txBody>
+      </p:sp>
+      <p:sp>
+        <p:nvSpPr>
+          <p:cNvPr id="4" name="Slide Number Placeholder 3">
+            <a:extLst>
+              <a:ext uri="{FF2B5EF4-FFF2-40B4-BE49-F238E27FC236}">
+                <a16:creationId xmlns:a16="http://schemas.microsoft.com/office/drawing/2014/main" id="{53AB6EFF-30E7-456D-BC44-A709200CEB74}"/>
+              </a:ext>
+            </a:extLst>
+          </p:cNvPr>
+          <p:cNvSpPr>
+            <a:spLocks noGrp="1"/>
+          </p:cNvSpPr>
+          <p:nvPr>
+            <p:ph type="sldNum" sz="quarter" idx="12"/>
+          </p:nvPr>
+        </p:nvSpPr>
+        <p:spPr/>
+        <p:txBody>
+          <a:bodyPr/>
+          <a:lstStyle/>
+          <a:p>
+            <a:fld id="{78F7A1EC-23D1-431D-8C93-9C4ED5D4A04D}" type="slidenum">
+              <a:rPr lang="en-US" smtClean="0"/>
+              <a:t>41</a:t>
+            </a:fld>
+            <a:endParaRPr lang="en-US"/>
+          </a:p>
+        </p:txBody>
+      </p:sp>
+    </p:spTree>
+    <p:extLst>
+      <p:ext uri="{BB962C8B-B14F-4D97-AF65-F5344CB8AC3E}">
+        <p14:creationId xmlns:p14="http://schemas.microsoft.com/office/powerpoint/2010/main" val="862146666"/>
+      </p:ext>
+    </p:extLst>
+  </p:cSld>
+  <p:clrMapOvr>
+    <a:masterClrMapping/>
+  </p:clrMapOvr>
+</p:sld>
+</file>
+
+<file path=ppt/slides/slide42.xml><?xml version="1.0" encoding="utf-8"?>
+<p:sld xmlns:a="http://schemas.openxmlformats.org/drawingml/2006/main" xmlns:r="http://schemas.openxmlformats.org/officeDocument/2006/relationships" xmlns:p="http://schemas.openxmlformats.org/presentationml/2006/main">
+  <p:cSld>
+    <p:spTree>
+      <p:nvGrpSpPr>
+        <p:cNvPr id="1" name=""/>
+        <p:cNvGrpSpPr/>
+        <p:nvPr/>
+      </p:nvGrpSpPr>
+      <p:grpSpPr>
+        <a:xfrm>
+          <a:off x="0" y="0"/>
+          <a:ext cx="0" cy="0"/>
+          <a:chOff x="0" y="0"/>
+          <a:chExt cx="0" cy="0"/>
+        </a:xfrm>
+      </p:grpSpPr>
+      <p:sp>
+        <p:nvSpPr>
+          <p:cNvPr id="2" name="Title 1">
+            <a:extLst>
+              <a:ext uri="{FF2B5EF4-FFF2-40B4-BE49-F238E27FC236}">
+                <a16:creationId xmlns:a16="http://schemas.microsoft.com/office/drawing/2014/main" id="{7D71CE0B-3BBC-4BEB-9ECF-3DCA10062FBA}"/>
+              </a:ext>
+            </a:extLst>
+          </p:cNvPr>
+          <p:cNvSpPr>
+            <a:spLocks noGrp="1"/>
+          </p:cNvSpPr>
+          <p:nvPr>
+            <p:ph type="title"/>
+          </p:nvPr>
+        </p:nvSpPr>
+        <p:spPr/>
+        <p:txBody>
+          <a:bodyPr/>
+          <a:lstStyle/>
+          <a:p>
+            <a:r>
+              <a:rPr lang="en-US" dirty="0"/>
+              <a:t>Conclusions</a:t>
             </a:r>
           </a:p>
         </p:txBody>
@@ -17499,7 +18352,7 @@
           <p:cNvPr id="3" name="Content Placeholder 2">
             <a:extLst>
               <a:ext uri="{FF2B5EF4-FFF2-40B4-BE49-F238E27FC236}">
-                <a16:creationId xmlns:a16="http://schemas.microsoft.com/office/drawing/2014/main" id="{24B81427-8365-412F-B2D7-A0D761DDBF1A}"/>
+                <a16:creationId xmlns:a16="http://schemas.microsoft.com/office/drawing/2014/main" id="{441A1421-EDDE-4B1B-85F6-0D5A37BC3FE0}"/>
               </a:ext>
             </a:extLst>
           </p:cNvPr>
@@ -17517,46 +18370,19 @@
           <a:p>
             <a:r>
               <a:rPr lang="en-US" dirty="0"/>
-              <a:t>Julia documentation</a:t>
-            </a:r>
-            <a:br>
-              <a:rPr lang="en-US" dirty="0"/>
-            </a:br>
-            <a:r>
-              <a:rPr lang="en-US" dirty="0">
-                <a:hlinkClick r:id="rId2"/>
-              </a:rPr>
-              <a:t>https://docs.julialang.org/en/v1/</a:t>
-            </a:r>
-            <a:endParaRPr lang="en-US" dirty="0"/>
-          </a:p>
-          <a:p>
-            <a:r>
-              <a:rPr lang="en-US" i="1" dirty="0"/>
-              <a:t>Hands on design patterns and best practices with Julia</a:t>
-            </a:r>
-            <a:br>
-              <a:rPr lang="en-US" dirty="0"/>
-            </a:br>
-            <a:r>
-              <a:rPr lang="en-US" dirty="0"/>
-              <a:t>Tom </a:t>
-            </a:r>
-            <a:r>
-              <a:rPr lang="en-US" dirty="0" err="1"/>
-              <a:t>Kwong</a:t>
-            </a:r>
-            <a:r>
-              <a:rPr lang="en-US" dirty="0"/>
-              <a:t>, 2020, </a:t>
-            </a:r>
-            <a:r>
-              <a:rPr lang="en-US" dirty="0" err="1"/>
-              <a:t>Packt</a:t>
-            </a:r>
-            <a:r>
-              <a:rPr lang="en-US" dirty="0"/>
-              <a:t>&gt;</a:t>
+              <a:t>Good?</a:t>
+            </a:r>
+          </a:p>
+          <a:p>
+            <a:r>
+              <a:rPr lang="en-US" dirty="0"/>
+              <a:t>Bad?</a:t>
+            </a:r>
+          </a:p>
+          <a:p>
+            <a:r>
+              <a:rPr lang="en-US" dirty="0"/>
+              <a:t>Ugly?</a:t>
             </a:r>
           </a:p>
         </p:txBody>
@@ -17566,7 +18392,7 @@
           <p:cNvPr id="4" name="Slide Number Placeholder 3">
             <a:extLst>
               <a:ext uri="{FF2B5EF4-FFF2-40B4-BE49-F238E27FC236}">
-                <a16:creationId xmlns:a16="http://schemas.microsoft.com/office/drawing/2014/main" id="{37498B32-CB3D-4A06-ACBE-71F1E8CF3FE5}"/>
+                <a16:creationId xmlns:a16="http://schemas.microsoft.com/office/drawing/2014/main" id="{E421E6EB-94E9-4637-BB17-1BC09770C791}"/>
               </a:ext>
             </a:extLst>
           </p:cNvPr>
@@ -17584,7 +18410,201 @@
           <a:p>
             <a:fld id="{78F7A1EC-23D1-431D-8C93-9C4ED5D4A04D}" type="slidenum">
               <a:rPr lang="en-US" smtClean="0"/>
-              <a:t>41</a:t>
+              <a:t>42</a:t>
+            </a:fld>
+            <a:endParaRPr lang="en-US"/>
+          </a:p>
+        </p:txBody>
+      </p:sp>
+      <p:sp>
+        <p:nvSpPr>
+          <p:cNvPr id="5" name="TextBox 4">
+            <a:extLst>
+              <a:ext uri="{FF2B5EF4-FFF2-40B4-BE49-F238E27FC236}">
+                <a16:creationId xmlns:a16="http://schemas.microsoft.com/office/drawing/2014/main" id="{0D0F5D6D-CB01-487D-9919-87E16B452D83}"/>
+              </a:ext>
+            </a:extLst>
+          </p:cNvPr>
+          <p:cNvSpPr txBox="1"/>
+          <p:nvPr/>
+        </p:nvSpPr>
+        <p:spPr>
+          <a:xfrm>
+            <a:off x="3599935" y="2273643"/>
+            <a:ext cx="1503745" cy="461665"/>
+          </a:xfrm>
+          <a:prstGeom prst="rect">
+            <a:avLst/>
+          </a:prstGeom>
+          <a:noFill/>
+          <a:ln>
+            <a:solidFill>
+              <a:schemeClr val="tx1"/>
+            </a:solidFill>
+          </a:ln>
+        </p:spPr>
+        <p:txBody>
+          <a:bodyPr wrap="none" rtlCol="0">
+            <a:spAutoFit/>
+          </a:bodyPr>
+          <a:lstStyle/>
+          <a:p>
+            <a:r>
+              <a:rPr lang="en-US" sz="2400" dirty="0"/>
+              <a:t>Up to you!</a:t>
+            </a:r>
+          </a:p>
+        </p:txBody>
+      </p:sp>
+    </p:spTree>
+    <p:extLst>
+      <p:ext uri="{BB962C8B-B14F-4D97-AF65-F5344CB8AC3E}">
+        <p14:creationId xmlns:p14="http://schemas.microsoft.com/office/powerpoint/2010/main" val="59738894"/>
+      </p:ext>
+    </p:extLst>
+  </p:cSld>
+  <p:clrMapOvr>
+    <a:masterClrMapping/>
+  </p:clrMapOvr>
+</p:sld>
+</file>
+
+<file path=ppt/slides/slide43.xml><?xml version="1.0" encoding="utf-8"?>
+<p:sld xmlns:a="http://schemas.openxmlformats.org/drawingml/2006/main" xmlns:r="http://schemas.openxmlformats.org/officeDocument/2006/relationships" xmlns:p="http://schemas.openxmlformats.org/presentationml/2006/main">
+  <p:cSld>
+    <p:spTree>
+      <p:nvGrpSpPr>
+        <p:cNvPr id="1" name=""/>
+        <p:cNvGrpSpPr/>
+        <p:nvPr/>
+      </p:nvGrpSpPr>
+      <p:grpSpPr>
+        <a:xfrm>
+          <a:off x="0" y="0"/>
+          <a:ext cx="0" cy="0"/>
+          <a:chOff x="0" y="0"/>
+          <a:chExt cx="0" cy="0"/>
+        </a:xfrm>
+      </p:grpSpPr>
+      <p:sp>
+        <p:nvSpPr>
+          <p:cNvPr id="2" name="Title 1">
+            <a:extLst>
+              <a:ext uri="{FF2B5EF4-FFF2-40B4-BE49-F238E27FC236}">
+                <a16:creationId xmlns:a16="http://schemas.microsoft.com/office/drawing/2014/main" id="{14D02DFE-982D-454E-88FE-F58EAAD99062}"/>
+              </a:ext>
+            </a:extLst>
+          </p:cNvPr>
+          <p:cNvSpPr>
+            <a:spLocks noGrp="1"/>
+          </p:cNvSpPr>
+          <p:nvPr>
+            <p:ph type="title"/>
+          </p:nvPr>
+        </p:nvSpPr>
+        <p:spPr/>
+        <p:txBody>
+          <a:bodyPr/>
+          <a:lstStyle/>
+          <a:p>
+            <a:r>
+              <a:rPr lang="en-US" dirty="0"/>
+              <a:t>References</a:t>
+            </a:r>
+          </a:p>
+        </p:txBody>
+      </p:sp>
+      <p:sp>
+        <p:nvSpPr>
+          <p:cNvPr id="3" name="Content Placeholder 2">
+            <a:extLst>
+              <a:ext uri="{FF2B5EF4-FFF2-40B4-BE49-F238E27FC236}">
+                <a16:creationId xmlns:a16="http://schemas.microsoft.com/office/drawing/2014/main" id="{24B81427-8365-412F-B2D7-A0D761DDBF1A}"/>
+              </a:ext>
+            </a:extLst>
+          </p:cNvPr>
+          <p:cNvSpPr>
+            <a:spLocks noGrp="1"/>
+          </p:cNvSpPr>
+          <p:nvPr>
+            <p:ph idx="1"/>
+          </p:nvPr>
+        </p:nvSpPr>
+        <p:spPr/>
+        <p:txBody>
+          <a:bodyPr/>
+          <a:lstStyle/>
+          <a:p>
+            <a:r>
+              <a:rPr lang="en-US" dirty="0"/>
+              <a:t>Julia documentation</a:t>
+            </a:r>
+            <a:br>
+              <a:rPr lang="en-US" dirty="0"/>
+            </a:br>
+            <a:r>
+              <a:rPr lang="en-US" dirty="0">
+                <a:hlinkClick r:id="rId2"/>
+              </a:rPr>
+              <a:t>https://docs.julialang.org/</a:t>
+            </a:r>
+            <a:endParaRPr lang="en-US" dirty="0"/>
+          </a:p>
+          <a:p>
+            <a:r>
+              <a:rPr lang="en-US" i="1" dirty="0"/>
+              <a:t>Hands on design patterns and best practices with Julia</a:t>
+            </a:r>
+            <a:br>
+              <a:rPr lang="en-US" dirty="0"/>
+            </a:br>
+            <a:r>
+              <a:rPr lang="en-US" dirty="0"/>
+              <a:t>Tom </a:t>
+            </a:r>
+            <a:r>
+              <a:rPr lang="en-US" dirty="0" err="1"/>
+              <a:t>Kwong</a:t>
+            </a:r>
+            <a:r>
+              <a:rPr lang="en-US" dirty="0"/>
+              <a:t>, 2020, </a:t>
+            </a:r>
+            <a:r>
+              <a:rPr lang="en-US" dirty="0" err="1"/>
+              <a:t>Packt</a:t>
+            </a:r>
+            <a:r>
+              <a:rPr lang="en-US" dirty="0"/>
+              <a:t>&gt;</a:t>
+            </a:r>
+          </a:p>
+        </p:txBody>
+      </p:sp>
+      <p:sp>
+        <p:nvSpPr>
+          <p:cNvPr id="4" name="Slide Number Placeholder 3">
+            <a:extLst>
+              <a:ext uri="{FF2B5EF4-FFF2-40B4-BE49-F238E27FC236}">
+                <a16:creationId xmlns:a16="http://schemas.microsoft.com/office/drawing/2014/main" id="{37498B32-CB3D-4A06-ACBE-71F1E8CF3FE5}"/>
+              </a:ext>
+            </a:extLst>
+          </p:cNvPr>
+          <p:cNvSpPr>
+            <a:spLocks noGrp="1"/>
+          </p:cNvSpPr>
+          <p:nvPr>
+            <p:ph type="sldNum" sz="quarter" idx="12"/>
+          </p:nvPr>
+        </p:nvSpPr>
+        <p:spPr/>
+        <p:txBody>
+          <a:bodyPr/>
+          <a:lstStyle/>
+          <a:p>
+            <a:fld id="{78F7A1EC-23D1-431D-8C93-9C4ED5D4A04D}" type="slidenum">
+              <a:rPr lang="en-US" smtClean="0"/>
+              <a:t>43</a:t>
             </a:fld>
             <a:endParaRPr lang="en-US"/>
           </a:p>
